--- a/Micro services Design Pattern.pptx
+++ b/Micro services Design Pattern.pptx
@@ -5,46 +5,48 @@
     <p:sldMasterId id="2147483648" r:id="rId1"/>
   </p:sldMasterIdLst>
   <p:notesMasterIdLst>
-    <p:notesMasterId r:id="rId39"/>
+    <p:notesMasterId r:id="rId41"/>
   </p:notesMasterIdLst>
   <p:sldIdLst>
     <p:sldId id="256" r:id="rId2"/>
     <p:sldId id="257" r:id="rId3"/>
     <p:sldId id="258" r:id="rId4"/>
-    <p:sldId id="259" r:id="rId5"/>
-    <p:sldId id="260" r:id="rId6"/>
-    <p:sldId id="261" r:id="rId7"/>
-    <p:sldId id="262" r:id="rId8"/>
-    <p:sldId id="265" r:id="rId9"/>
-    <p:sldId id="263" r:id="rId10"/>
-    <p:sldId id="264" r:id="rId11"/>
-    <p:sldId id="266" r:id="rId12"/>
-    <p:sldId id="267" r:id="rId13"/>
-    <p:sldId id="268" r:id="rId14"/>
-    <p:sldId id="269" r:id="rId15"/>
-    <p:sldId id="270" r:id="rId16"/>
-    <p:sldId id="271" r:id="rId17"/>
-    <p:sldId id="282" r:id="rId18"/>
-    <p:sldId id="283" r:id="rId19"/>
-    <p:sldId id="284" r:id="rId20"/>
-    <p:sldId id="285" r:id="rId21"/>
-    <p:sldId id="286" r:id="rId22"/>
-    <p:sldId id="287" r:id="rId23"/>
-    <p:sldId id="288" r:id="rId24"/>
-    <p:sldId id="289" r:id="rId25"/>
-    <p:sldId id="290" r:id="rId26"/>
-    <p:sldId id="291" r:id="rId27"/>
-    <p:sldId id="292" r:id="rId28"/>
-    <p:sldId id="272" r:id="rId29"/>
-    <p:sldId id="273" r:id="rId30"/>
-    <p:sldId id="274" r:id="rId31"/>
-    <p:sldId id="275" r:id="rId32"/>
-    <p:sldId id="276" r:id="rId33"/>
-    <p:sldId id="277" r:id="rId34"/>
-    <p:sldId id="278" r:id="rId35"/>
-    <p:sldId id="279" r:id="rId36"/>
-    <p:sldId id="280" r:id="rId37"/>
-    <p:sldId id="281" r:id="rId38"/>
+    <p:sldId id="293" r:id="rId5"/>
+    <p:sldId id="294" r:id="rId6"/>
+    <p:sldId id="259" r:id="rId7"/>
+    <p:sldId id="260" r:id="rId8"/>
+    <p:sldId id="261" r:id="rId9"/>
+    <p:sldId id="262" r:id="rId10"/>
+    <p:sldId id="265" r:id="rId11"/>
+    <p:sldId id="263" r:id="rId12"/>
+    <p:sldId id="264" r:id="rId13"/>
+    <p:sldId id="266" r:id="rId14"/>
+    <p:sldId id="267" r:id="rId15"/>
+    <p:sldId id="268" r:id="rId16"/>
+    <p:sldId id="269" r:id="rId17"/>
+    <p:sldId id="270" r:id="rId18"/>
+    <p:sldId id="271" r:id="rId19"/>
+    <p:sldId id="282" r:id="rId20"/>
+    <p:sldId id="283" r:id="rId21"/>
+    <p:sldId id="284" r:id="rId22"/>
+    <p:sldId id="285" r:id="rId23"/>
+    <p:sldId id="286" r:id="rId24"/>
+    <p:sldId id="287" r:id="rId25"/>
+    <p:sldId id="288" r:id="rId26"/>
+    <p:sldId id="289" r:id="rId27"/>
+    <p:sldId id="290" r:id="rId28"/>
+    <p:sldId id="291" r:id="rId29"/>
+    <p:sldId id="292" r:id="rId30"/>
+    <p:sldId id="272" r:id="rId31"/>
+    <p:sldId id="273" r:id="rId32"/>
+    <p:sldId id="274" r:id="rId33"/>
+    <p:sldId id="275" r:id="rId34"/>
+    <p:sldId id="276" r:id="rId35"/>
+    <p:sldId id="277" r:id="rId36"/>
+    <p:sldId id="278" r:id="rId37"/>
+    <p:sldId id="279" r:id="rId38"/>
+    <p:sldId id="280" r:id="rId39"/>
+    <p:sldId id="281" r:id="rId40"/>
   </p:sldIdLst>
   <p:sldSz cx="9144000" cy="6858000" type="screen4x3"/>
   <p:notesSz cx="6858000" cy="9144000"/>
@@ -244,7 +246,7 @@
           <a:p>
             <a:fld id="{9361661B-EA32-4140-B0F1-A19F0F4DBBC8}" type="datetimeFigureOut">
               <a:rPr lang="en-IN" smtClean="0"/>
-              <a:t>23-05-2023</a:t>
+              <a:t>28-11-2023</a:t>
             </a:fld>
             <a:endParaRPr lang="en-IN"/>
           </a:p>
@@ -556,45 +558,340 @@
           <a:bodyPr/>
           <a:lstStyle/>
           <a:p>
-            <a:pPr algn="l"/>
-            <a:r>
-              <a:rPr lang="en-US" b="0" i="0" dirty="0">
+            <a:pPr algn="l">
+              <a:buFont typeface="Arial" panose="020B0604020202020204" pitchFamily="34" charset="0"/>
+              <a:buChar char="•"/>
+            </a:pPr>
+            <a:r>
+              <a:rPr lang="en-IN" b="0" i="0" dirty="0">
                 <a:solidFill>
-                  <a:srgbClr val="292929"/>
+                  <a:srgbClr val="333333"/>
                 </a:solidFill>
                 <a:effectLst/>
-                <a:latin typeface="source-serif-pro"/>
+                <a:latin typeface="Open Sans" panose="020B0606030504020204" pitchFamily="34" charset="0"/>
               </a:rPr>
-              <a:t>A microservice is a distributed system made up of numerous smaller services that work together to offer overall application functionality. [1]</a:t>
-            </a:r>
-          </a:p>
-          <a:p>
-            <a:pPr algn="l"/>
-            <a:r>
-              <a:rPr lang="en-US" b="0" i="0" dirty="0">
+              <a:t>Using </a:t>
+            </a:r>
+            <a:r>
+              <a:rPr lang="en-IN" b="1" i="0" dirty="0">
                 <a:solidFill>
-                  <a:srgbClr val="292929"/>
+                  <a:srgbClr val="333333"/>
                 </a:solidFill>
                 <a:effectLst/>
-                <a:latin typeface="source-serif-pro"/>
+                <a:latin typeface="Open Sans" panose="020B0606030504020204" pitchFamily="34" charset="0"/>
               </a:rPr>
-              <a:t>Although this architectural style has many advantages, it also has some drawbacks. One of the biggest issues is determining how to manage a transaction that involves numerous services. [1]</a:t>
-            </a:r>
-          </a:p>
-          <a:p>
-            <a:pPr algn="l"/>
-            <a:r>
-              <a:rPr lang="en-US" b="0" i="0" dirty="0">
+              <a:t>Spring Boot 3 </a:t>
+            </a:r>
+            <a:r>
+              <a:rPr lang="en-IN" b="0" i="0" dirty="0">
                 <a:solidFill>
-                  <a:srgbClr val="292929"/>
+                  <a:srgbClr val="333333"/>
                 </a:solidFill>
                 <a:effectLst/>
-                <a:latin typeface="source-serif-pro"/>
+                <a:latin typeface="Open Sans" panose="020B0606030504020204" pitchFamily="34" charset="0"/>
               </a:rPr>
-              <a:t>While the transaction spans numerous services in a distributed transaction scenario, maintaining ACID (atomicity, consistency, isolation, and durability) is always critical. The second difficulty is controlling the transaction isolation level. It determines the quantity of data visible in a transaction when other services access the same data at the same time.</a:t>
-            </a:r>
-          </a:p>
-          <a:p>
+              <a:t>in cloud-native development</a:t>
+            </a:r>
+          </a:p>
+          <a:p>
+            <a:pPr algn="l">
+              <a:buFont typeface="Arial" panose="020B0604020202020204" pitchFamily="34" charset="0"/>
+              <a:buChar char="•"/>
+            </a:pPr>
+            <a:r>
+              <a:rPr lang="en-IN" b="0" i="0" dirty="0">
+                <a:solidFill>
+                  <a:srgbClr val="333333"/>
+                </a:solidFill>
+                <a:effectLst/>
+                <a:latin typeface="Open Sans" panose="020B0606030504020204" pitchFamily="34" charset="0"/>
+              </a:rPr>
+              <a:t>Provide service discovery for all microservices with Spring Cloud Netflix </a:t>
+            </a:r>
+            <a:r>
+              <a:rPr lang="en-IN" b="1" i="0" dirty="0">
+                <a:solidFill>
+                  <a:srgbClr val="333333"/>
+                </a:solidFill>
+                <a:effectLst/>
+                <a:latin typeface="Open Sans" panose="020B0606030504020204" pitchFamily="34" charset="0"/>
+              </a:rPr>
+              <a:t>Eureka</a:t>
+            </a:r>
+            <a:r>
+              <a:rPr lang="en-IN" b="0" i="0" dirty="0">
+                <a:solidFill>
+                  <a:srgbClr val="333333"/>
+                </a:solidFill>
+                <a:effectLst/>
+                <a:latin typeface="Open Sans" panose="020B0606030504020204" pitchFamily="34" charset="0"/>
+              </a:rPr>
+              <a:t>. Anticipating your questions – yes, Eureka is still there. It’s the last of Netflix microservices components still available in Spring Cloud</a:t>
+            </a:r>
+          </a:p>
+          <a:p>
+            <a:pPr algn="l">
+              <a:buFont typeface="Arial" panose="020B0604020202020204" pitchFamily="34" charset="0"/>
+              <a:buChar char="•"/>
+            </a:pPr>
+            <a:r>
+              <a:rPr lang="en-IN" b="1" i="0" dirty="0">
+                <a:solidFill>
+                  <a:srgbClr val="333333"/>
+                </a:solidFill>
+                <a:effectLst/>
+                <a:latin typeface="Open Sans" panose="020B0606030504020204" pitchFamily="34" charset="0"/>
+              </a:rPr>
+              <a:t>Spring Cloud </a:t>
+            </a:r>
+            <a:r>
+              <a:rPr lang="en-IN" b="1" i="0" dirty="0" err="1">
+                <a:solidFill>
+                  <a:srgbClr val="333333"/>
+                </a:solidFill>
+                <a:effectLst/>
+                <a:latin typeface="Open Sans" panose="020B0606030504020204" pitchFamily="34" charset="0"/>
+              </a:rPr>
+              <a:t>OpenFeign</a:t>
+            </a:r>
+            <a:r>
+              <a:rPr lang="en-IN" b="0" i="0" dirty="0">
+                <a:solidFill>
+                  <a:srgbClr val="333333"/>
+                </a:solidFill>
+                <a:effectLst/>
+                <a:latin typeface="Open Sans" panose="020B0606030504020204" pitchFamily="34" charset="0"/>
+              </a:rPr>
+              <a:t> in inter-service communication</a:t>
+            </a:r>
+          </a:p>
+          <a:p>
+            <a:pPr algn="l">
+              <a:buFont typeface="Arial" panose="020B0604020202020204" pitchFamily="34" charset="0"/>
+              <a:buChar char="•"/>
+            </a:pPr>
+            <a:r>
+              <a:rPr lang="en-IN" b="0" i="0" dirty="0">
+                <a:solidFill>
+                  <a:srgbClr val="333333"/>
+                </a:solidFill>
+                <a:effectLst/>
+                <a:latin typeface="Open Sans" panose="020B0606030504020204" pitchFamily="34" charset="0"/>
+              </a:rPr>
+              <a:t>Distributed configuration with </a:t>
+            </a:r>
+            <a:r>
+              <a:rPr lang="en-IN" b="1" i="0" dirty="0">
+                <a:solidFill>
+                  <a:srgbClr val="333333"/>
+                </a:solidFill>
+                <a:effectLst/>
+                <a:latin typeface="Open Sans" panose="020B0606030504020204" pitchFamily="34" charset="0"/>
+              </a:rPr>
+              <a:t>Spring Cloud Config</a:t>
+            </a:r>
+            <a:endParaRPr lang="en-IN" b="0" i="0" dirty="0">
+              <a:solidFill>
+                <a:srgbClr val="333333"/>
+              </a:solidFill>
+              <a:effectLst/>
+              <a:latin typeface="Open Sans" panose="020B0606030504020204" pitchFamily="34" charset="0"/>
+            </a:endParaRPr>
+          </a:p>
+          <a:p>
+            <a:pPr algn="l">
+              <a:buFont typeface="Arial" panose="020B0604020202020204" pitchFamily="34" charset="0"/>
+              <a:buChar char="•"/>
+            </a:pPr>
+            <a:r>
+              <a:rPr lang="en-IN" b="0" i="0" dirty="0">
+                <a:solidFill>
+                  <a:srgbClr val="333333"/>
+                </a:solidFill>
+                <a:effectLst/>
+                <a:latin typeface="Open Sans" panose="020B0606030504020204" pitchFamily="34" charset="0"/>
+              </a:rPr>
+              <a:t>API Gateway pattern with </a:t>
+            </a:r>
+            <a:r>
+              <a:rPr lang="en-IN" b="1" i="0" dirty="0">
+                <a:solidFill>
+                  <a:srgbClr val="333333"/>
+                </a:solidFill>
+                <a:effectLst/>
+                <a:latin typeface="Open Sans" panose="020B0606030504020204" pitchFamily="34" charset="0"/>
+              </a:rPr>
+              <a:t>Spring Cloud Gateway</a:t>
+            </a:r>
+            <a:r>
+              <a:rPr lang="en-IN" b="0" i="0" dirty="0">
+                <a:solidFill>
+                  <a:srgbClr val="333333"/>
+                </a:solidFill>
+                <a:effectLst/>
+                <a:latin typeface="Open Sans" panose="020B0606030504020204" pitchFamily="34" charset="0"/>
+              </a:rPr>
+              <a:t> including a global </a:t>
+            </a:r>
+            <a:r>
+              <a:rPr lang="en-IN" b="0" i="0" dirty="0" err="1">
+                <a:solidFill>
+                  <a:srgbClr val="333333"/>
+                </a:solidFill>
+                <a:effectLst/>
+                <a:latin typeface="Open Sans" panose="020B0606030504020204" pitchFamily="34" charset="0"/>
+              </a:rPr>
+              <a:t>OpenAPI</a:t>
+            </a:r>
+            <a:r>
+              <a:rPr lang="en-IN" b="0" i="0" dirty="0">
+                <a:solidFill>
+                  <a:srgbClr val="333333"/>
+                </a:solidFill>
+                <a:effectLst/>
+                <a:latin typeface="Open Sans" panose="020B0606030504020204" pitchFamily="34" charset="0"/>
+              </a:rPr>
+              <a:t> documentation with the </a:t>
+            </a:r>
+            <a:r>
+              <a:rPr lang="en-IN" b="1" i="0" u="sng" dirty="0" err="1">
+                <a:solidFill>
+                  <a:srgbClr val="061018"/>
+                </a:solidFill>
+                <a:effectLst/>
+                <a:latin typeface="Open Sans" panose="020B0606030504020204" pitchFamily="34" charset="0"/>
+                <a:hlinkClick r:id="rId3"/>
+              </a:rPr>
+              <a:t>Springdoc</a:t>
+            </a:r>
+            <a:r>
+              <a:rPr lang="en-IN" b="0" i="0" dirty="0">
+                <a:solidFill>
+                  <a:srgbClr val="333333"/>
+                </a:solidFill>
+                <a:effectLst/>
+                <a:latin typeface="Open Sans" panose="020B0606030504020204" pitchFamily="34" charset="0"/>
+              </a:rPr>
+              <a:t> project</a:t>
+            </a:r>
+          </a:p>
+          <a:p>
+            <a:pPr algn="l">
+              <a:buFont typeface="Arial" panose="020B0604020202020204" pitchFamily="34" charset="0"/>
+              <a:buChar char="•"/>
+            </a:pPr>
+            <a:r>
+              <a:rPr lang="en-IN" b="0" i="0" dirty="0">
+                <a:solidFill>
+                  <a:srgbClr val="333333"/>
+                </a:solidFill>
+                <a:effectLst/>
+                <a:latin typeface="Open Sans" panose="020B0606030504020204" pitchFamily="34" charset="0"/>
+              </a:rPr>
+              <a:t>Collecting traces with </a:t>
+            </a:r>
+            <a:r>
+              <a:rPr lang="en-IN" b="0" i="0" dirty="0" err="1">
+                <a:solidFill>
+                  <a:srgbClr val="333333"/>
+                </a:solidFill>
+                <a:effectLst/>
+                <a:latin typeface="Open Sans" panose="020B0606030504020204" pitchFamily="34" charset="0"/>
+              </a:rPr>
+              <a:t>Micrometer</a:t>
+            </a:r>
+            <a:r>
+              <a:rPr lang="en-IN" b="0" i="0" dirty="0">
+                <a:solidFill>
+                  <a:srgbClr val="333333"/>
+                </a:solidFill>
+                <a:effectLst/>
+                <a:latin typeface="Open Sans" panose="020B0606030504020204" pitchFamily="34" charset="0"/>
+              </a:rPr>
+              <a:t> </a:t>
+            </a:r>
+            <a:r>
+              <a:rPr lang="en-IN" b="0" i="0" dirty="0" err="1">
+                <a:solidFill>
+                  <a:srgbClr val="333333"/>
+                </a:solidFill>
+                <a:effectLst/>
+                <a:latin typeface="Open Sans" panose="020B0606030504020204" pitchFamily="34" charset="0"/>
+              </a:rPr>
+              <a:t>OpenTelemetry</a:t>
+            </a:r>
+            <a:r>
+              <a:rPr lang="en-IN" b="0" i="0" dirty="0">
+                <a:solidFill>
+                  <a:srgbClr val="333333"/>
+                </a:solidFill>
+                <a:effectLst/>
+                <a:latin typeface="Open Sans" panose="020B0606030504020204" pitchFamily="34" charset="0"/>
+              </a:rPr>
+              <a:t> and </a:t>
+            </a:r>
+            <a:r>
+              <a:rPr lang="en-IN" b="0" i="0" dirty="0" err="1">
+                <a:solidFill>
+                  <a:srgbClr val="333333"/>
+                </a:solidFill>
+                <a:effectLst/>
+                <a:latin typeface="Open Sans" panose="020B0606030504020204" pitchFamily="34" charset="0"/>
+              </a:rPr>
+              <a:t>Zipkin</a:t>
+            </a:r>
+            <a:endParaRPr lang="en-IN" b="0" i="0" dirty="0">
+              <a:solidFill>
+                <a:srgbClr val="333333"/>
+              </a:solidFill>
+              <a:effectLst/>
+              <a:latin typeface="Open Sans" panose="020B0606030504020204" pitchFamily="34" charset="0"/>
+            </a:endParaRPr>
+          </a:p>
+          <a:p>
+            <a:endParaRPr lang="en-IN" dirty="0"/>
+          </a:p>
+          <a:p>
+            <a:endParaRPr lang="en-IN" dirty="0"/>
+          </a:p>
+          <a:p>
+            <a:r>
+              <a:rPr lang="en-IN" dirty="0"/>
+              <a:t>http://localhost:8060/employee/</a:t>
+            </a:r>
+          </a:p>
+          <a:p>
+            <a:r>
+              <a:rPr lang="en-IN" dirty="0"/>
+              <a:t>http://localhost:8060/department/organization/1</a:t>
+            </a:r>
+          </a:p>
+          <a:p>
+            <a:r>
+              <a:rPr lang="en-IN" dirty="0"/>
+              <a:t>http://localhost:8060/department/organization/1/with-employees</a:t>
+            </a:r>
+          </a:p>
+          <a:p>
+            <a:r>
+              <a:rPr lang="en-IN" dirty="0"/>
+              <a:t>http://localhost:8060/organization/</a:t>
+            </a:r>
+          </a:p>
+          <a:p>
+            <a:r>
+              <a:rPr lang="en-IN" dirty="0"/>
+              <a:t>http://localhost:8060/organization/1/with-departments</a:t>
+            </a:r>
+          </a:p>
+          <a:p>
+            <a:endParaRPr lang="en-IN" dirty="0"/>
+          </a:p>
+          <a:p>
+            <a:r>
+              <a:rPr lang="en-IN"/>
+              <a:t>http://localhost:8060/swagger-ui.html</a:t>
+            </a:r>
             <a:endParaRPr lang="en-IN" dirty="0"/>
           </a:p>
         </p:txBody>
@@ -616,7 +913,7 @@
           <a:p>
             <a:fld id="{9BD7E917-8394-433F-96B5-1F86F1B85784}" type="slidenum">
               <a:rPr lang="en-IN" smtClean="0"/>
-              <a:t>17</a:t>
+              <a:t>4</a:t>
             </a:fld>
             <a:endParaRPr lang="en-IN"/>
           </a:p>
@@ -625,7 +922,7 @@
     </p:spTree>
     <p:extLst>
       <p:ext uri="{BB962C8B-B14F-4D97-AF65-F5344CB8AC3E}">
-        <p14:creationId xmlns:p14="http://schemas.microsoft.com/office/powerpoint/2010/main" val="3790991236"/>
+        <p14:creationId xmlns:p14="http://schemas.microsoft.com/office/powerpoint/2010/main" val="3818103313"/>
       </p:ext>
     </p:extLst>
   </p:cSld>
@@ -679,98 +976,6 @@
           <a:bodyPr/>
           <a:lstStyle/>
           <a:p>
-            <a:pPr algn="l"/>
-            <a:r>
-              <a:rPr lang="en-US" b="1" i="0" dirty="0">
-                <a:solidFill>
-                  <a:srgbClr val="292929"/>
-                </a:solidFill>
-                <a:effectLst/>
-                <a:latin typeface="source-serif-pro"/>
-              </a:rPr>
-              <a:t>System complexity</a:t>
-            </a:r>
-            <a:r>
-              <a:rPr lang="en-US" b="0" i="0" dirty="0">
-                <a:solidFill>
-                  <a:srgbClr val="292929"/>
-                </a:solidFill>
-                <a:effectLst/>
-                <a:latin typeface="source-serif-pro"/>
-              </a:rPr>
-              <a:t>: The orchestration pattern is appropriate for systems with complicated business logic, where the control flow must be controlled centrally to maintain consistency and compliance with business requirements. The choreography pattern, on the other hand, is better suited for systems with basic business logic, where services can work independently and interact via event-based communication. [3]</a:t>
-            </a:r>
-          </a:p>
-          <a:p>
-            <a:pPr algn="l"/>
-            <a:r>
-              <a:rPr lang="en-US" b="1" i="0" dirty="0">
-                <a:solidFill>
-                  <a:srgbClr val="292929"/>
-                </a:solidFill>
-                <a:effectLst/>
-                <a:latin typeface="source-serif-pro"/>
-              </a:rPr>
-              <a:t>Coordination requirements</a:t>
-            </a:r>
-            <a:r>
-              <a:rPr lang="en-US" b="0" i="0" dirty="0">
-                <a:solidFill>
-                  <a:srgbClr val="292929"/>
-                </a:solidFill>
-                <a:effectLst/>
-                <a:latin typeface="source-serif-pro"/>
-              </a:rPr>
-              <a:t>: The orchestration pattern is beneficial when tight coordination and interaction between services is required, as the orchestrator may handle communication and guarantee that each service completes its duty before moving on to the next. The choreography design, on the other hand, is better suited for loosely connected systems in which each service can work independently and communicate with other services as needed. [3]</a:t>
-            </a:r>
-          </a:p>
-          <a:p>
-            <a:pPr algn="l"/>
-            <a:r>
-              <a:rPr lang="en-US" b="1" i="0" dirty="0">
-                <a:solidFill>
-                  <a:srgbClr val="292929"/>
-                </a:solidFill>
-                <a:effectLst/>
-                <a:latin typeface="source-serif-pro"/>
-              </a:rPr>
-              <a:t>Fault tolerance and scalability</a:t>
-            </a:r>
-            <a:r>
-              <a:rPr lang="en-US" b="0" i="0" dirty="0">
-                <a:solidFill>
-                  <a:srgbClr val="292929"/>
-                </a:solidFill>
-                <a:effectLst/>
-                <a:latin typeface="source-serif-pro"/>
-              </a:rPr>
-              <a:t>: Because the central orchestrator can handle errors and retries and improve system flow, the orchestration pattern can be more fault-tolerant and scalable. Choreography patterns, on the other hand, can be more durable and flexible to changes because each service can react to events and update its behavior without relying on a central component. [3]</a:t>
-            </a:r>
-          </a:p>
-          <a:p>
-            <a:pPr algn="l"/>
-            <a:r>
-              <a:rPr lang="en-US" b="1" i="0" dirty="0">
-                <a:solidFill>
-                  <a:srgbClr val="292929"/>
-                </a:solidFill>
-                <a:effectLst/>
-                <a:latin typeface="source-serif-pro"/>
-              </a:rPr>
-              <a:t>Centralization vs. decentralization trade-offs</a:t>
-            </a:r>
-            <a:r>
-              <a:rPr lang="en-US" b="0" i="0" dirty="0">
-                <a:solidFill>
-                  <a:srgbClr val="292929"/>
-                </a:solidFill>
-                <a:effectLst/>
-                <a:latin typeface="source-serif-pro"/>
-              </a:rPr>
-              <a:t>: The orchestration pattern centralizes control and decision-making, which simplifies system development and management but introduces a single point of failure and a possible bottleneck. The choreography pattern, on the other hand, distributes power and decision-making, which can boost service autonomy and flexibility while also making the system more complex and difficult to operate. [3]</a:t>
-            </a:r>
-          </a:p>
-          <a:p>
             <a:endParaRPr lang="en-IN" dirty="0"/>
           </a:p>
         </p:txBody>
@@ -801,7 +1006,7 @@
     </p:spTree>
     <p:extLst>
       <p:ext uri="{BB962C8B-B14F-4D97-AF65-F5344CB8AC3E}">
-        <p14:creationId xmlns:p14="http://schemas.microsoft.com/office/powerpoint/2010/main" val="4264254300"/>
+        <p14:creationId xmlns:p14="http://schemas.microsoft.com/office/powerpoint/2010/main" val="3063566139"/>
       </p:ext>
     </p:extLst>
   </p:cSld>
@@ -855,6 +1060,266 @@
           <a:bodyPr/>
           <a:lstStyle/>
           <a:p>
+            <a:endParaRPr lang="en-IN" dirty="0"/>
+          </a:p>
+        </p:txBody>
+      </p:sp>
+      <p:sp>
+        <p:nvSpPr>
+          <p:cNvPr id="4" name="Slide Number Placeholder 3"/>
+          <p:cNvSpPr>
+            <a:spLocks noGrp="1"/>
+          </p:cNvSpPr>
+          <p:nvPr>
+            <p:ph type="sldNum" sz="quarter" idx="5"/>
+          </p:nvPr>
+        </p:nvSpPr>
+        <p:spPr/>
+        <p:txBody>
+          <a:bodyPr/>
+          <a:lstStyle/>
+          <a:p>
+            <a:fld id="{9BD7E917-8394-433F-96B5-1F86F1B85784}" type="slidenum">
+              <a:rPr lang="en-IN" smtClean="0"/>
+              <a:t>27</a:t>
+            </a:fld>
+            <a:endParaRPr lang="en-IN"/>
+          </a:p>
+        </p:txBody>
+      </p:sp>
+    </p:spTree>
+    <p:extLst>
+      <p:ext uri="{BB962C8B-B14F-4D97-AF65-F5344CB8AC3E}">
+        <p14:creationId xmlns:p14="http://schemas.microsoft.com/office/powerpoint/2010/main" val="2968846843"/>
+      </p:ext>
+    </p:extLst>
+  </p:cSld>
+  <p:clrMapOvr>
+    <a:masterClrMapping/>
+  </p:clrMapOvr>
+</p:notes>
+</file>
+
+<file path=ppt/notesSlides/notesSlide12.xml><?xml version="1.0" encoding="utf-8"?>
+<p:notes xmlns:a="http://schemas.openxmlformats.org/drawingml/2006/main" xmlns:r="http://schemas.openxmlformats.org/officeDocument/2006/relationships" xmlns:p="http://schemas.openxmlformats.org/presentationml/2006/main">
+  <p:cSld>
+    <p:spTree>
+      <p:nvGrpSpPr>
+        <p:cNvPr id="1" name=""/>
+        <p:cNvGrpSpPr/>
+        <p:nvPr/>
+      </p:nvGrpSpPr>
+      <p:grpSpPr>
+        <a:xfrm>
+          <a:off x="0" y="0"/>
+          <a:ext cx="0" cy="0"/>
+          <a:chOff x="0" y="0"/>
+          <a:chExt cx="0" cy="0"/>
+        </a:xfrm>
+      </p:grpSpPr>
+      <p:sp>
+        <p:nvSpPr>
+          <p:cNvPr id="2" name="Slide Image Placeholder 1"/>
+          <p:cNvSpPr>
+            <a:spLocks noGrp="1" noRot="1" noChangeAspect="1"/>
+          </p:cNvSpPr>
+          <p:nvPr>
+            <p:ph type="sldImg"/>
+          </p:nvPr>
+        </p:nvSpPr>
+        <p:spPr/>
+      </p:sp>
+      <p:sp>
+        <p:nvSpPr>
+          <p:cNvPr id="3" name="Notes Placeholder 2"/>
+          <p:cNvSpPr>
+            <a:spLocks noGrp="1"/>
+          </p:cNvSpPr>
+          <p:nvPr>
+            <p:ph type="body" idx="1"/>
+          </p:nvPr>
+        </p:nvSpPr>
+        <p:spPr/>
+        <p:txBody>
+          <a:bodyPr/>
+          <a:lstStyle/>
+          <a:p>
+            <a:pPr algn="l"/>
+            <a:r>
+              <a:rPr lang="en-US" b="1" i="0" dirty="0">
+                <a:solidFill>
+                  <a:srgbClr val="292929"/>
+                </a:solidFill>
+                <a:effectLst/>
+                <a:latin typeface="source-serif-pro"/>
+              </a:rPr>
+              <a:t>System complexity</a:t>
+            </a:r>
+            <a:r>
+              <a:rPr lang="en-US" b="0" i="0" dirty="0">
+                <a:solidFill>
+                  <a:srgbClr val="292929"/>
+                </a:solidFill>
+                <a:effectLst/>
+                <a:latin typeface="source-serif-pro"/>
+              </a:rPr>
+              <a:t>: The orchestration pattern is appropriate for systems with complicated business logic, where the control flow must be controlled centrally to maintain consistency and compliance with business requirements. The choreography pattern, on the other hand, is better suited for systems with basic business logic, where services can work independently and interact via event-based communication. [3]</a:t>
+            </a:r>
+          </a:p>
+          <a:p>
+            <a:pPr algn="l"/>
+            <a:r>
+              <a:rPr lang="en-US" b="1" i="0" dirty="0">
+                <a:solidFill>
+                  <a:srgbClr val="292929"/>
+                </a:solidFill>
+                <a:effectLst/>
+                <a:latin typeface="source-serif-pro"/>
+              </a:rPr>
+              <a:t>Coordination requirements</a:t>
+            </a:r>
+            <a:r>
+              <a:rPr lang="en-US" b="0" i="0" dirty="0">
+                <a:solidFill>
+                  <a:srgbClr val="292929"/>
+                </a:solidFill>
+                <a:effectLst/>
+                <a:latin typeface="source-serif-pro"/>
+              </a:rPr>
+              <a:t>: The orchestration pattern is beneficial when tight coordination and interaction between services is required, as the orchestrator may handle communication and guarantee that each service completes its duty before moving on to the next. The choreography design, on the other hand, is better suited for loosely connected systems in which each service can work independently and communicate with other services as needed. [3]</a:t>
+            </a:r>
+          </a:p>
+          <a:p>
+            <a:pPr algn="l"/>
+            <a:r>
+              <a:rPr lang="en-US" b="1" i="0" dirty="0">
+                <a:solidFill>
+                  <a:srgbClr val="292929"/>
+                </a:solidFill>
+                <a:effectLst/>
+                <a:latin typeface="source-serif-pro"/>
+              </a:rPr>
+              <a:t>Fault tolerance and scalability</a:t>
+            </a:r>
+            <a:r>
+              <a:rPr lang="en-US" b="0" i="0" dirty="0">
+                <a:solidFill>
+                  <a:srgbClr val="292929"/>
+                </a:solidFill>
+                <a:effectLst/>
+                <a:latin typeface="source-serif-pro"/>
+              </a:rPr>
+              <a:t>: Because the central orchestrator can handle errors and retries and improve system flow, the orchestration pattern can be more fault-tolerant and scalable. Choreography patterns, on the other hand, can be more durable and flexible to changes because each service can react to events and update its behavior without relying on a central component. [3]</a:t>
+            </a:r>
+          </a:p>
+          <a:p>
+            <a:pPr algn="l"/>
+            <a:r>
+              <a:rPr lang="en-US" b="1" i="0" dirty="0">
+                <a:solidFill>
+                  <a:srgbClr val="292929"/>
+                </a:solidFill>
+                <a:effectLst/>
+                <a:latin typeface="source-serif-pro"/>
+              </a:rPr>
+              <a:t>Centralization vs. decentralization trade-offs</a:t>
+            </a:r>
+            <a:r>
+              <a:rPr lang="en-US" b="0" i="0" dirty="0">
+                <a:solidFill>
+                  <a:srgbClr val="292929"/>
+                </a:solidFill>
+                <a:effectLst/>
+                <a:latin typeface="source-serif-pro"/>
+              </a:rPr>
+              <a:t>: The orchestration pattern centralizes control and decision-making, which simplifies system development and management but introduces a single point of failure and a possible bottleneck. The choreography pattern, on the other hand, distributes power and decision-making, which can boost service autonomy and flexibility while also making the system more complex and difficult to operate. [3]</a:t>
+            </a:r>
+          </a:p>
+          <a:p>
+            <a:endParaRPr lang="en-IN" dirty="0"/>
+          </a:p>
+        </p:txBody>
+      </p:sp>
+      <p:sp>
+        <p:nvSpPr>
+          <p:cNvPr id="4" name="Slide Number Placeholder 3"/>
+          <p:cNvSpPr>
+            <a:spLocks noGrp="1"/>
+          </p:cNvSpPr>
+          <p:nvPr>
+            <p:ph type="sldNum" sz="quarter" idx="5"/>
+          </p:nvPr>
+        </p:nvSpPr>
+        <p:spPr/>
+        <p:txBody>
+          <a:bodyPr/>
+          <a:lstStyle/>
+          <a:p>
+            <a:fld id="{9BD7E917-8394-433F-96B5-1F86F1B85784}" type="slidenum">
+              <a:rPr lang="en-IN" smtClean="0"/>
+              <a:t>28</a:t>
+            </a:fld>
+            <a:endParaRPr lang="en-IN"/>
+          </a:p>
+        </p:txBody>
+      </p:sp>
+    </p:spTree>
+    <p:extLst>
+      <p:ext uri="{BB962C8B-B14F-4D97-AF65-F5344CB8AC3E}">
+        <p14:creationId xmlns:p14="http://schemas.microsoft.com/office/powerpoint/2010/main" val="4264254300"/>
+      </p:ext>
+    </p:extLst>
+  </p:cSld>
+  <p:clrMapOvr>
+    <a:masterClrMapping/>
+  </p:clrMapOvr>
+</p:notes>
+</file>
+
+<file path=ppt/notesSlides/notesSlide13.xml><?xml version="1.0" encoding="utf-8"?>
+<p:notes xmlns:a="http://schemas.openxmlformats.org/drawingml/2006/main" xmlns:r="http://schemas.openxmlformats.org/officeDocument/2006/relationships" xmlns:p="http://schemas.openxmlformats.org/presentationml/2006/main">
+  <p:cSld>
+    <p:spTree>
+      <p:nvGrpSpPr>
+        <p:cNvPr id="1" name=""/>
+        <p:cNvGrpSpPr/>
+        <p:nvPr/>
+      </p:nvGrpSpPr>
+      <p:grpSpPr>
+        <a:xfrm>
+          <a:off x="0" y="0"/>
+          <a:ext cx="0" cy="0"/>
+          <a:chOff x="0" y="0"/>
+          <a:chExt cx="0" cy="0"/>
+        </a:xfrm>
+      </p:grpSpPr>
+      <p:sp>
+        <p:nvSpPr>
+          <p:cNvPr id="2" name="Slide Image Placeholder 1"/>
+          <p:cNvSpPr>
+            <a:spLocks noGrp="1" noRot="1" noChangeAspect="1"/>
+          </p:cNvSpPr>
+          <p:nvPr>
+            <p:ph type="sldImg"/>
+          </p:nvPr>
+        </p:nvSpPr>
+        <p:spPr/>
+      </p:sp>
+      <p:sp>
+        <p:nvSpPr>
+          <p:cNvPr id="3" name="Notes Placeholder 2"/>
+          <p:cNvSpPr>
+            <a:spLocks noGrp="1"/>
+          </p:cNvSpPr>
+          <p:nvPr>
+            <p:ph type="body" idx="1"/>
+          </p:nvPr>
+        </p:nvSpPr>
+        <p:spPr/>
+        <p:txBody>
+          <a:bodyPr/>
+          <a:lstStyle/>
+          <a:p>
             <a:pPr algn="l"/>
             <a:r>
               <a:rPr lang="en-US" b="0" i="0" dirty="0">
@@ -922,7 +1387,7 @@
           <a:p>
             <a:fld id="{9BD7E917-8394-433F-96B5-1F86F1B85784}" type="slidenum">
               <a:rPr lang="en-IN" smtClean="0"/>
-              <a:t>27</a:t>
+              <a:t>29</a:t>
             </a:fld>
             <a:endParaRPr lang="en-IN"/>
           </a:p>
@@ -986,16 +1451,42 @@
           <a:lstStyle/>
           <a:p>
             <a:r>
-              <a:rPr lang="en-US" b="0" i="0" dirty="0">
-                <a:solidFill>
-                  <a:srgbClr val="292929"/>
-                </a:solidFill>
-                <a:effectLst/>
-                <a:latin typeface="source-serif-pro"/>
-              </a:rPr>
-              <a:t>There are two phases. In phase one, the coordinator asks the participating nodes if they are ready to commit the transaction and waits for a yes or no response. If all nodes replied yes in phase 1, the coordinator instructs all nodes to commit; otherwise, the coordinator instructs all nodes to roll back.</a:t>
-            </a:r>
+              <a:rPr lang="en-IN" dirty="0"/>
+              <a:t>http://localhost:8060/employee/</a:t>
+            </a:r>
+          </a:p>
+          <a:p>
+            <a:r>
+              <a:rPr lang="en-IN" dirty="0"/>
+              <a:t>http://localhost:8060/department/organization/1</a:t>
+            </a:r>
+          </a:p>
+          <a:p>
+            <a:r>
+              <a:rPr lang="en-IN" dirty="0"/>
+              <a:t>http://localhost:8060/department/organization/1/with-employees</a:t>
+            </a:r>
+          </a:p>
+          <a:p>
+            <a:r>
+              <a:rPr lang="en-IN" dirty="0"/>
+              <a:t>http://localhost:8060/organization/</a:t>
+            </a:r>
+          </a:p>
+          <a:p>
+            <a:r>
+              <a:rPr lang="en-IN" dirty="0"/>
+              <a:t>http://localhost:8060/organization/1/with-departments</a:t>
+            </a:r>
+          </a:p>
+          <a:p>
             <a:endParaRPr lang="en-IN" dirty="0"/>
+          </a:p>
+          <a:p>
+            <a:r>
+              <a:rPr lang="en-IN" dirty="0"/>
+              <a:t>http://localhost:8060/swagger-ui.html</a:t>
+            </a:r>
           </a:p>
         </p:txBody>
       </p:sp>
@@ -1016,7 +1507,7 @@
           <a:p>
             <a:fld id="{9BD7E917-8394-433F-96B5-1F86F1B85784}" type="slidenum">
               <a:rPr lang="en-IN" smtClean="0"/>
-              <a:t>18</a:t>
+              <a:t>5</a:t>
             </a:fld>
             <a:endParaRPr lang="en-IN"/>
           </a:p>
@@ -1025,7 +1516,7 @@
     </p:spTree>
     <p:extLst>
       <p:ext uri="{BB962C8B-B14F-4D97-AF65-F5344CB8AC3E}">
-        <p14:creationId xmlns:p14="http://schemas.microsoft.com/office/powerpoint/2010/main" val="1521431812"/>
+        <p14:creationId xmlns:p14="http://schemas.microsoft.com/office/powerpoint/2010/main" val="1371736281"/>
       </p:ext>
     </p:extLst>
   </p:cSld>
@@ -1079,6 +1570,45 @@
           <a:bodyPr/>
           <a:lstStyle/>
           <a:p>
+            <a:pPr algn="l"/>
+            <a:r>
+              <a:rPr lang="en-US" b="0" i="0" dirty="0">
+                <a:solidFill>
+                  <a:srgbClr val="292929"/>
+                </a:solidFill>
+                <a:effectLst/>
+                <a:latin typeface="source-serif-pro"/>
+              </a:rPr>
+              <a:t>A microservice is a distributed system made up of numerous smaller services that work together to offer overall application functionality. [1]</a:t>
+            </a:r>
+          </a:p>
+          <a:p>
+            <a:pPr algn="l"/>
+            <a:r>
+              <a:rPr lang="en-US" b="0" i="0" dirty="0">
+                <a:solidFill>
+                  <a:srgbClr val="292929"/>
+                </a:solidFill>
+                <a:effectLst/>
+                <a:latin typeface="source-serif-pro"/>
+              </a:rPr>
+              <a:t>Although this architectural style has many advantages, it also has some drawbacks. One of the biggest issues is determining how to manage a transaction that involves numerous services. [1]</a:t>
+            </a:r>
+          </a:p>
+          <a:p>
+            <a:pPr algn="l"/>
+            <a:r>
+              <a:rPr lang="en-US" b="0" i="0" dirty="0">
+                <a:solidFill>
+                  <a:srgbClr val="292929"/>
+                </a:solidFill>
+                <a:effectLst/>
+                <a:latin typeface="source-serif-pro"/>
+              </a:rPr>
+              <a:t>While the transaction spans numerous services in a distributed transaction scenario, maintaining ACID (atomicity, consistency, isolation, and durability) is always critical. The second difficulty is controlling the transaction isolation level. It determines the quantity of data visible in a transaction when other services access the same data at the same time.</a:t>
+            </a:r>
+          </a:p>
+          <a:p>
             <a:endParaRPr lang="en-IN" dirty="0"/>
           </a:p>
         </p:txBody>
@@ -1109,7 +1639,7 @@
     </p:spTree>
     <p:extLst>
       <p:ext uri="{BB962C8B-B14F-4D97-AF65-F5344CB8AC3E}">
-        <p14:creationId xmlns:p14="http://schemas.microsoft.com/office/powerpoint/2010/main" val="2521886758"/>
+        <p14:creationId xmlns:p14="http://schemas.microsoft.com/office/powerpoint/2010/main" val="3790991236"/>
       </p:ext>
     </p:extLst>
   </p:cSld>
@@ -1163,6 +1693,16 @@
           <a:bodyPr/>
           <a:lstStyle/>
           <a:p>
+            <a:r>
+              <a:rPr lang="en-US" b="0" i="0" dirty="0">
+                <a:solidFill>
+                  <a:srgbClr val="292929"/>
+                </a:solidFill>
+                <a:effectLst/>
+                <a:latin typeface="source-serif-pro"/>
+              </a:rPr>
+              <a:t>There are two phases. In phase one, the coordinator asks the participating nodes if they are ready to commit the transaction and waits for a yes or no response. If all nodes replied yes in phase 1, the coordinator instructs all nodes to commit; otherwise, the coordinator instructs all nodes to roll back.</a:t>
+            </a:r>
             <a:endParaRPr lang="en-IN" dirty="0"/>
           </a:p>
         </p:txBody>
@@ -1193,7 +1733,7 @@
     </p:spTree>
     <p:extLst>
       <p:ext uri="{BB962C8B-B14F-4D97-AF65-F5344CB8AC3E}">
-        <p14:creationId xmlns:p14="http://schemas.microsoft.com/office/powerpoint/2010/main" val="2119496563"/>
+        <p14:creationId xmlns:p14="http://schemas.microsoft.com/office/powerpoint/2010/main" val="1521431812"/>
       </p:ext>
     </p:extLst>
   </p:cSld>
@@ -1277,7 +1817,7 @@
     </p:spTree>
     <p:extLst>
       <p:ext uri="{BB962C8B-B14F-4D97-AF65-F5344CB8AC3E}">
-        <p14:creationId xmlns:p14="http://schemas.microsoft.com/office/powerpoint/2010/main" val="2095182990"/>
+        <p14:creationId xmlns:p14="http://schemas.microsoft.com/office/powerpoint/2010/main" val="2521886758"/>
       </p:ext>
     </p:extLst>
   </p:cSld>
@@ -1361,7 +1901,7 @@
     </p:spTree>
     <p:extLst>
       <p:ext uri="{BB962C8B-B14F-4D97-AF65-F5344CB8AC3E}">
-        <p14:creationId xmlns:p14="http://schemas.microsoft.com/office/powerpoint/2010/main" val="3062891347"/>
+        <p14:creationId xmlns:p14="http://schemas.microsoft.com/office/powerpoint/2010/main" val="2119496563"/>
       </p:ext>
     </p:extLst>
   </p:cSld>
@@ -1445,7 +1985,7 @@
     </p:spTree>
     <p:extLst>
       <p:ext uri="{BB962C8B-B14F-4D97-AF65-F5344CB8AC3E}">
-        <p14:creationId xmlns:p14="http://schemas.microsoft.com/office/powerpoint/2010/main" val="492397199"/>
+        <p14:creationId xmlns:p14="http://schemas.microsoft.com/office/powerpoint/2010/main" val="2095182990"/>
       </p:ext>
     </p:extLst>
   </p:cSld>
@@ -1529,7 +2069,7 @@
     </p:spTree>
     <p:extLst>
       <p:ext uri="{BB962C8B-B14F-4D97-AF65-F5344CB8AC3E}">
-        <p14:creationId xmlns:p14="http://schemas.microsoft.com/office/powerpoint/2010/main" val="3063566139"/>
+        <p14:creationId xmlns:p14="http://schemas.microsoft.com/office/powerpoint/2010/main" val="3062891347"/>
       </p:ext>
     </p:extLst>
   </p:cSld>
@@ -1613,7 +2153,7 @@
     </p:spTree>
     <p:extLst>
       <p:ext uri="{BB962C8B-B14F-4D97-AF65-F5344CB8AC3E}">
-        <p14:creationId xmlns:p14="http://schemas.microsoft.com/office/powerpoint/2010/main" val="2968846843"/>
+        <p14:creationId xmlns:p14="http://schemas.microsoft.com/office/powerpoint/2010/main" val="492397199"/>
       </p:ext>
     </p:extLst>
   </p:cSld>
@@ -1802,7 +2342,7 @@
           <a:p>
             <a:fld id="{30A3986D-CCD2-4D39-883A-01078D9363A9}" type="datetimeFigureOut">
               <a:rPr lang="en-US" smtClean="0"/>
-              <a:t>5/23/2023</a:t>
+              <a:t>11/28/2023</a:t>
             </a:fld>
             <a:endParaRPr lang="en-US"/>
           </a:p>
@@ -1965,7 +2505,7 @@
           <a:p>
             <a:fld id="{30A3986D-CCD2-4D39-883A-01078D9363A9}" type="datetimeFigureOut">
               <a:rPr lang="en-US" smtClean="0"/>
-              <a:t>5/23/2023</a:t>
+              <a:t>11/28/2023</a:t>
             </a:fld>
             <a:endParaRPr lang="en-US"/>
           </a:p>
@@ -2138,7 +2678,7 @@
           <a:p>
             <a:fld id="{30A3986D-CCD2-4D39-883A-01078D9363A9}" type="datetimeFigureOut">
               <a:rPr lang="en-US" smtClean="0"/>
-              <a:t>5/23/2023</a:t>
+              <a:t>11/28/2023</a:t>
             </a:fld>
             <a:endParaRPr lang="en-US"/>
           </a:p>
@@ -2301,7 +2841,7 @@
           <a:p>
             <a:fld id="{30A3986D-CCD2-4D39-883A-01078D9363A9}" type="datetimeFigureOut">
               <a:rPr lang="en-US" smtClean="0"/>
-              <a:t>5/23/2023</a:t>
+              <a:t>11/28/2023</a:t>
             </a:fld>
             <a:endParaRPr lang="en-US"/>
           </a:p>
@@ -2541,7 +3081,7 @@
           <a:p>
             <a:fld id="{30A3986D-CCD2-4D39-883A-01078D9363A9}" type="datetimeFigureOut">
               <a:rPr lang="en-US" smtClean="0"/>
-              <a:t>5/23/2023</a:t>
+              <a:t>11/28/2023</a:t>
             </a:fld>
             <a:endParaRPr lang="en-US"/>
           </a:p>
@@ -2821,7 +3361,7 @@
           <a:p>
             <a:fld id="{30A3986D-CCD2-4D39-883A-01078D9363A9}" type="datetimeFigureOut">
               <a:rPr lang="en-US" smtClean="0"/>
-              <a:t>5/23/2023</a:t>
+              <a:t>11/28/2023</a:t>
             </a:fld>
             <a:endParaRPr lang="en-US"/>
           </a:p>
@@ -3235,7 +3775,7 @@
           <a:p>
             <a:fld id="{30A3986D-CCD2-4D39-883A-01078D9363A9}" type="datetimeFigureOut">
               <a:rPr lang="en-US" smtClean="0"/>
-              <a:t>5/23/2023</a:t>
+              <a:t>11/28/2023</a:t>
             </a:fld>
             <a:endParaRPr lang="en-US"/>
           </a:p>
@@ -3347,7 +3887,7 @@
           <a:p>
             <a:fld id="{30A3986D-CCD2-4D39-883A-01078D9363A9}" type="datetimeFigureOut">
               <a:rPr lang="en-US" smtClean="0"/>
-              <a:t>5/23/2023</a:t>
+              <a:t>11/28/2023</a:t>
             </a:fld>
             <a:endParaRPr lang="en-US"/>
           </a:p>
@@ -3437,7 +3977,7 @@
           <a:p>
             <a:fld id="{30A3986D-CCD2-4D39-883A-01078D9363A9}" type="datetimeFigureOut">
               <a:rPr lang="en-US" smtClean="0"/>
-              <a:t>5/23/2023</a:t>
+              <a:t>11/28/2023</a:t>
             </a:fld>
             <a:endParaRPr lang="en-US"/>
           </a:p>
@@ -3707,7 +4247,7 @@
           <a:p>
             <a:fld id="{30A3986D-CCD2-4D39-883A-01078D9363A9}" type="datetimeFigureOut">
               <a:rPr lang="en-US" smtClean="0"/>
-              <a:t>5/23/2023</a:t>
+              <a:t>11/28/2023</a:t>
             </a:fld>
             <a:endParaRPr lang="en-US"/>
           </a:p>
@@ -3954,7 +4494,7 @@
           <a:p>
             <a:fld id="{30A3986D-CCD2-4D39-883A-01078D9363A9}" type="datetimeFigureOut">
               <a:rPr lang="en-US" smtClean="0"/>
-              <a:t>5/23/2023</a:t>
+              <a:t>11/28/2023</a:t>
             </a:fld>
             <a:endParaRPr lang="en-US"/>
           </a:p>
@@ -4160,7 +4700,7 @@
           <a:p>
             <a:fld id="{30A3986D-CCD2-4D39-883A-01078D9363A9}" type="datetimeFigureOut">
               <a:rPr lang="en-US" smtClean="0"/>
-              <a:t>5/23/2023</a:t>
+              <a:t>11/28/2023</a:t>
             </a:fld>
             <a:endParaRPr lang="en-US"/>
           </a:p>
@@ -4608,135 +5148,53 @@
         </p:nvSpPr>
         <p:spPr/>
         <p:txBody>
-          <a:bodyPr>
-            <a:normAutofit fontScale="90000"/>
-          </a:bodyPr>
-          <a:lstStyle/>
-          <a:p>
-            <a:r>
-              <a:rPr lang="en-US" b="1" dirty="0"/>
+          <a:bodyPr/>
+          <a:lstStyle/>
+          <a:p>
+            <a:r>
+              <a:rPr lang="en-US" dirty="0"/>
+              <a:t>Integrator Pattern	</a:t>
+            </a:r>
+          </a:p>
+        </p:txBody>
+      </p:sp>
+      <p:sp>
+        <p:nvSpPr>
+          <p:cNvPr id="3" name="Content Placeholder 2"/>
+          <p:cNvSpPr>
+            <a:spLocks noGrp="1"/>
+          </p:cNvSpPr>
+          <p:nvPr>
+            <p:ph idx="1"/>
+          </p:nvPr>
+        </p:nvSpPr>
+        <p:spPr/>
+        <p:txBody>
+          <a:bodyPr/>
+          <a:lstStyle/>
+          <a:p>
+            <a:r>
+              <a:rPr lang="en-US" dirty="0"/>
+              <a:t>API Gateway Pattern</a:t>
+            </a:r>
+          </a:p>
+          <a:p>
+            <a:r>
+              <a:rPr lang="en-US" dirty="0"/>
               <a:t>Aggregator Pattern</a:t>
             </a:r>
-            <a:br>
-              <a:rPr lang="en-US" b="1" dirty="0"/>
-            </a:br>
+          </a:p>
+          <a:p>
+            <a:r>
+              <a:rPr lang="en-US" dirty="0"/>
+              <a:t>Client-Side UI Composition Pattern</a:t>
+            </a:r>
+          </a:p>
+          <a:p>
             <a:endParaRPr lang="en-US" dirty="0"/>
           </a:p>
-        </p:txBody>
-      </p:sp>
-      <p:sp>
-        <p:nvSpPr>
-          <p:cNvPr id="3" name="Content Placeholder 2"/>
-          <p:cNvSpPr>
-            <a:spLocks noGrp="1"/>
-          </p:cNvSpPr>
-          <p:nvPr>
-            <p:ph idx="1"/>
-          </p:nvPr>
-        </p:nvSpPr>
-        <p:spPr/>
-        <p:txBody>
-          <a:bodyPr>
-            <a:normAutofit fontScale="55000" lnSpcReduction="20000"/>
-          </a:bodyPr>
-          <a:lstStyle/>
-          <a:p>
-            <a:pPr>
-              <a:buNone/>
-            </a:pPr>
-            <a:r>
-              <a:rPr lang="en-US" b="1" dirty="0"/>
-              <a:t>Problem</a:t>
-            </a:r>
-          </a:p>
-          <a:p>
-            <a:r>
-              <a:rPr lang="en-US" dirty="0"/>
-              <a:t>We have talked about resolving the aggregating data problem in the API Gateway Pattern. However, we will talk about it here holistically. When breaking the business functionality into several smaller logical pieces of code, it becomes necessary to think about how to collaborate the data returned by each service. This responsibility cannot be left with the consumer, as then it might need to understand the internal implementation of the producer application.</a:t>
-            </a:r>
-          </a:p>
-          <a:p>
-            <a:pPr>
-              <a:buNone/>
-            </a:pPr>
-            <a:endParaRPr lang="en-US" b="1" dirty="0"/>
-          </a:p>
-          <a:p>
-            <a:pPr>
-              <a:buNone/>
-            </a:pPr>
-            <a:r>
-              <a:rPr lang="en-US" b="1" dirty="0"/>
-              <a:t>Solution</a:t>
-            </a:r>
-          </a:p>
-          <a:p>
-            <a:r>
-              <a:rPr lang="en-US" dirty="0"/>
-              <a:t>The Aggregator pattern helps to address this. It talks about how we can aggregate the data from different services and then send the final response to the consumer. This can be done in two ways:</a:t>
-            </a:r>
-          </a:p>
-          <a:p>
-            <a:r>
-              <a:rPr lang="en-US" dirty="0"/>
-              <a:t>1. A </a:t>
-            </a:r>
-            <a:r>
-              <a:rPr lang="en-US" b="1" dirty="0"/>
-              <a:t>composite </a:t>
-            </a:r>
-            <a:r>
-              <a:rPr lang="en-US" b="1" dirty="0" err="1"/>
-              <a:t>microservice</a:t>
-            </a:r>
-            <a:r>
-              <a:rPr lang="en-US" dirty="0"/>
-              <a:t> will make calls to all the required </a:t>
-            </a:r>
-            <a:r>
-              <a:rPr lang="en-US" dirty="0" err="1"/>
-              <a:t>microservices</a:t>
-            </a:r>
-            <a:r>
-              <a:rPr lang="en-US" dirty="0"/>
-              <a:t>, consolidate the data, and transform the data before sending back.</a:t>
-            </a:r>
-          </a:p>
-          <a:p>
-            <a:r>
-              <a:rPr lang="en-US" dirty="0"/>
-              <a:t>2. An </a:t>
-            </a:r>
-            <a:r>
-              <a:rPr lang="en-US" b="1" dirty="0"/>
-              <a:t>API Gateway</a:t>
-            </a:r>
-            <a:r>
-              <a:rPr lang="en-US" dirty="0"/>
-              <a:t> can also partition the request to multiple </a:t>
-            </a:r>
-            <a:r>
-              <a:rPr lang="en-US" dirty="0" err="1"/>
-              <a:t>microservices</a:t>
-            </a:r>
-            <a:r>
-              <a:rPr lang="en-US" dirty="0"/>
-              <a:t> and aggregate the data before sending it to the consumer.</a:t>
-            </a:r>
-          </a:p>
-          <a:p>
-            <a:r>
-              <a:rPr lang="en-US" dirty="0"/>
-              <a:t>It is recommended if any business logic is to be applied, then choose a composite </a:t>
-            </a:r>
-            <a:r>
-              <a:rPr lang="en-US" dirty="0" err="1"/>
-              <a:t>microservice</a:t>
-            </a:r>
-            <a:r>
-              <a:rPr lang="en-US" dirty="0"/>
-              <a:t>. Otherwise, the API Gateway is the established solution.</a:t>
-            </a:r>
+          <a:p>
+            <a:endParaRPr lang="en-US" dirty="0"/>
           </a:p>
         </p:txBody>
       </p:sp>
@@ -4777,36 +5235,35 @@
         </p:nvSpPr>
         <p:spPr/>
         <p:txBody>
+          <a:bodyPr/>
+          <a:lstStyle/>
+          <a:p>
+            <a:r>
+              <a:rPr lang="en-US" dirty="0"/>
+              <a:t>API Gateway Pattern</a:t>
+            </a:r>
+          </a:p>
+        </p:txBody>
+      </p:sp>
+      <p:sp>
+        <p:nvSpPr>
+          <p:cNvPr id="3" name="Content Placeholder 2"/>
+          <p:cNvSpPr>
+            <a:spLocks noGrp="1"/>
+          </p:cNvSpPr>
+          <p:nvPr>
+            <p:ph idx="1"/>
+          </p:nvPr>
+        </p:nvSpPr>
+        <p:spPr>
+          <a:xfrm>
+            <a:off x="457200" y="1600200"/>
+            <a:ext cx="8435280" cy="5141168"/>
+          </a:xfrm>
+        </p:spPr>
+        <p:txBody>
           <a:bodyPr>
-            <a:normAutofit fontScale="90000"/>
-          </a:bodyPr>
-          <a:lstStyle/>
-          <a:p>
-            <a:r>
-              <a:rPr lang="en-US" b="1" dirty="0"/>
-              <a:t>Client-Side UI Composition Pattern</a:t>
-            </a:r>
-            <a:br>
-              <a:rPr lang="en-US" b="1" dirty="0"/>
-            </a:br>
-            <a:endParaRPr lang="en-US" dirty="0"/>
-          </a:p>
-        </p:txBody>
-      </p:sp>
-      <p:sp>
-        <p:nvSpPr>
-          <p:cNvPr id="3" name="Content Placeholder 2"/>
-          <p:cNvSpPr>
-            <a:spLocks noGrp="1"/>
-          </p:cNvSpPr>
-          <p:nvPr>
-            <p:ph idx="1"/>
-          </p:nvPr>
-        </p:nvSpPr>
-        <p:spPr/>
-        <p:txBody>
-          <a:bodyPr>
-            <a:normAutofit fontScale="62500" lnSpcReduction="20000"/>
+            <a:normAutofit fontScale="47500" lnSpcReduction="20000"/>
           </a:bodyPr>
           <a:lstStyle/>
           <a:p>
@@ -4821,15 +5278,7 @@
           <a:p>
             <a:r>
               <a:rPr lang="en-US" dirty="0"/>
-              <a:t>When services are developed by decomposing business capabilities/</a:t>
-            </a:r>
-            <a:r>
-              <a:rPr lang="en-US" dirty="0" err="1"/>
-              <a:t>subdomains</a:t>
-            </a:r>
-            <a:r>
-              <a:rPr lang="en-US" dirty="0"/>
-              <a:t>, the services responsible for user experience have to pull data from several </a:t>
+              <a:t>When an application is broken down to smaller </a:t>
             </a:r>
             <a:r>
               <a:rPr lang="en-US" dirty="0" err="1"/>
@@ -4837,7 +5286,55 @@
             </a:r>
             <a:r>
               <a:rPr lang="en-US" dirty="0"/>
-              <a:t>. In the monolithic world, there used to be only one call from the UI to a backend service to retrieve all data and refresh/submit the UI page. However, now it won't be the same. We need to understand how to do it.</a:t>
+              <a:t>, there are a few concerns that need to be addressed:</a:t>
+            </a:r>
+          </a:p>
+          <a:p>
+            <a:r>
+              <a:rPr lang="en-US" dirty="0"/>
+              <a:t>How to call multiple </a:t>
+            </a:r>
+            <a:r>
+              <a:rPr lang="en-US" dirty="0" err="1"/>
+              <a:t>microservices</a:t>
+            </a:r>
+            <a:r>
+              <a:rPr lang="en-US" dirty="0"/>
+              <a:t> abstracting producer information.</a:t>
+            </a:r>
+          </a:p>
+          <a:p>
+            <a:r>
+              <a:rPr lang="en-US" dirty="0"/>
+              <a:t>On different channels (like desktop, mobile, and tablets), apps need different data to respond for the same backend service, as the UI might be different.</a:t>
+            </a:r>
+          </a:p>
+          <a:p>
+            <a:r>
+              <a:rPr lang="en-US" dirty="0"/>
+              <a:t>Different consumers might need a different format of the responses from reusable </a:t>
+            </a:r>
+            <a:r>
+              <a:rPr lang="en-US" dirty="0" err="1"/>
+              <a:t>microservices</a:t>
+            </a:r>
+            <a:r>
+              <a:rPr lang="en-US" dirty="0"/>
+              <a:t>. Who will do the data transformation or field manipulation?</a:t>
+            </a:r>
+          </a:p>
+          <a:p>
+            <a:r>
+              <a:rPr lang="en-US" dirty="0"/>
+              <a:t>How to handle different type of Protocols some of which might not be supported by producer </a:t>
+            </a:r>
+            <a:r>
+              <a:rPr lang="en-US" dirty="0" err="1"/>
+              <a:t>microservice</a:t>
+            </a:r>
+            <a:r>
+              <a:rPr lang="en-US" dirty="0"/>
+              <a:t>.</a:t>
             </a:r>
           </a:p>
           <a:p>
@@ -4852,15 +5349,7 @@
           <a:p>
             <a:r>
               <a:rPr lang="en-US" dirty="0"/>
-              <a:t>With </a:t>
-            </a:r>
-            <a:r>
-              <a:rPr lang="en-US" dirty="0" err="1"/>
-              <a:t>microservices</a:t>
-            </a:r>
-            <a:r>
-              <a:rPr lang="en-US" dirty="0"/>
-              <a:t>, the UI has to be designed as a skeleton with multiple sections/regions of the screen/page. Each section will make a call to an individual backend </a:t>
+              <a:t>An API Gateway helps to address many concerns raised by </a:t>
             </a:r>
             <a:r>
               <a:rPr lang="en-US" dirty="0" err="1"/>
@@ -4868,27 +5357,68 @@
             </a:r>
             <a:r>
               <a:rPr lang="en-US" dirty="0"/>
-              <a:t> to pull the data. That is called composing UI components specific to service. Frameworks like </a:t>
+              <a:t> implementation, not limited to the ones above.</a:t>
+            </a:r>
+          </a:p>
+          <a:p>
+            <a:r>
+              <a:rPr lang="en-US" dirty="0"/>
+              <a:t>An API Gateway is the single point of entry for any </a:t>
             </a:r>
             <a:r>
               <a:rPr lang="en-US" dirty="0" err="1"/>
-              <a:t>AngularJS</a:t>
-            </a:r>
-            <a:r>
-              <a:rPr lang="en-US" dirty="0"/>
-              <a:t> and </a:t>
+              <a:t>microservice</a:t>
+            </a:r>
+            <a:r>
+              <a:rPr lang="en-US" dirty="0"/>
+              <a:t> call.</a:t>
+            </a:r>
+          </a:p>
+          <a:p>
+            <a:r>
+              <a:rPr lang="en-US" dirty="0"/>
+              <a:t>It can work as a proxy service to route a request to the concerned </a:t>
             </a:r>
             <a:r>
               <a:rPr lang="en-US" dirty="0" err="1"/>
-              <a:t>ReactJS</a:t>
-            </a:r>
-            <a:r>
-              <a:rPr lang="en-US" dirty="0"/>
-              <a:t> help to do that easily. These screens are known as Single Page Applications (SPA). This enables the app to refresh a particular region of the screen instead of the whole page.</a:t>
-            </a:r>
-          </a:p>
-          <a:p>
-            <a:endParaRPr lang="en-US" dirty="0"/>
+              <a:t>microservice</a:t>
+            </a:r>
+            <a:r>
+              <a:rPr lang="en-US" dirty="0"/>
+              <a:t>, abstracting the producer details.</a:t>
+            </a:r>
+          </a:p>
+          <a:p>
+            <a:r>
+              <a:rPr lang="en-US" dirty="0"/>
+              <a:t>It can fan out a request to multiple services and aggregate the results to send back to the consumer.</a:t>
+            </a:r>
+          </a:p>
+          <a:p>
+            <a:r>
+              <a:rPr lang="en-US" dirty="0"/>
+              <a:t>One-size-fits-all APIs cannot solve all the consumer's requirements; this solution can create a fine-grained API for each specific type of client.</a:t>
+            </a:r>
+          </a:p>
+          <a:p>
+            <a:r>
+              <a:rPr lang="en-US" dirty="0"/>
+              <a:t>It can also convert the protocol request (e.g. AMQP) to another protocol (e.g. HTTP) and vice versa so that the producer and consumer can handle it.</a:t>
+            </a:r>
+          </a:p>
+          <a:p>
+            <a:r>
+              <a:rPr lang="en-US" dirty="0"/>
+              <a:t>It can also offload the authentication/authorization responsibility of the </a:t>
+            </a:r>
+            <a:r>
+              <a:rPr lang="en-US" dirty="0" err="1"/>
+              <a:t>microservice</a:t>
+            </a:r>
+            <a:r>
+              <a:rPr lang="en-US" dirty="0"/>
+              <a:t>.</a:t>
+            </a:r>
           </a:p>
         </p:txBody>
       </p:sp>
@@ -4929,13 +5459,19 @@
         </p:nvSpPr>
         <p:spPr/>
         <p:txBody>
-          <a:bodyPr/>
-          <a:lstStyle/>
-          <a:p>
-            <a:r>
-              <a:rPr lang="en-US" dirty="0"/>
-              <a:t>Database Pattern</a:t>
-            </a:r>
+          <a:bodyPr>
+            <a:normAutofit fontScale="90000"/>
+          </a:bodyPr>
+          <a:lstStyle/>
+          <a:p>
+            <a:r>
+              <a:rPr lang="en-US" b="1" dirty="0"/>
+              <a:t>Aggregator Pattern</a:t>
+            </a:r>
+            <a:br>
+              <a:rPr lang="en-US" b="1" dirty="0"/>
+            </a:br>
+            <a:endParaRPr lang="en-US" dirty="0"/>
           </a:p>
         </p:txBody>
       </p:sp>
@@ -4951,34 +5487,107 @@
         </p:nvSpPr>
         <p:spPr/>
         <p:txBody>
-          <a:bodyPr/>
-          <a:lstStyle/>
-          <a:p>
+          <a:bodyPr>
+            <a:normAutofit fontScale="55000" lnSpcReduction="20000"/>
+          </a:bodyPr>
+          <a:lstStyle/>
+          <a:p>
+            <a:pPr>
+              <a:buNone/>
+            </a:pPr>
             <a:r>
               <a:rPr lang="en-US" b="1" dirty="0"/>
-              <a:t>Database per Service</a:t>
-            </a:r>
-          </a:p>
-          <a:p>
+              <a:t>Problem</a:t>
+            </a:r>
+          </a:p>
+          <a:p>
+            <a:r>
+              <a:rPr lang="en-US" dirty="0"/>
+              <a:t>We have talked about resolving the aggregating data problem in the API Gateway Pattern. However, we will talk about it here holistically. When breaking the business functionality into several smaller logical pieces of code, it becomes necessary to think about how to collaborate the data returned by each service. This responsibility cannot be left with the consumer, as then it might need to understand the internal implementation of the producer application.</a:t>
+            </a:r>
+          </a:p>
+          <a:p>
+            <a:pPr>
+              <a:buNone/>
+            </a:pPr>
+            <a:endParaRPr lang="en-US" b="1" dirty="0"/>
+          </a:p>
+          <a:p>
+            <a:pPr>
+              <a:buNone/>
+            </a:pPr>
             <a:r>
               <a:rPr lang="en-US" b="1" dirty="0"/>
-              <a:t>Shared Database per Service</a:t>
-            </a:r>
-          </a:p>
-          <a:p>
+              <a:t>Solution</a:t>
+            </a:r>
+          </a:p>
+          <a:p>
+            <a:r>
+              <a:rPr lang="en-US" dirty="0"/>
+              <a:t>The Aggregator pattern helps to address this. It talks about how we can aggregate the data from different services and then send the final response to the consumer. This can be done in two ways:</a:t>
+            </a:r>
+          </a:p>
+          <a:p>
+            <a:r>
+              <a:rPr lang="en-US" dirty="0"/>
+              <a:t>1. A </a:t>
+            </a:r>
             <a:r>
               <a:rPr lang="en-US" b="1" dirty="0"/>
-              <a:t>Command Query Responsibility Segregation (CQRS)</a:t>
-            </a:r>
-          </a:p>
-          <a:p>
+              <a:t>composite </a:t>
+            </a:r>
+            <a:r>
+              <a:rPr lang="en-US" b="1" dirty="0" err="1"/>
+              <a:t>microservice</a:t>
+            </a:r>
+            <a:r>
+              <a:rPr lang="en-US" dirty="0"/>
+              <a:t> will make calls to all the required </a:t>
+            </a:r>
+            <a:r>
+              <a:rPr lang="en-US" dirty="0" err="1"/>
+              <a:t>microservices</a:t>
+            </a:r>
+            <a:r>
+              <a:rPr lang="en-US" dirty="0"/>
+              <a:t>, consolidate the data, and transform the data before sending back.</a:t>
+            </a:r>
+          </a:p>
+          <a:p>
+            <a:r>
+              <a:rPr lang="en-US" dirty="0"/>
+              <a:t>2. An </a:t>
+            </a:r>
             <a:r>
               <a:rPr lang="en-US" b="1" dirty="0"/>
-              <a:t>Saga Pattern</a:t>
-            </a:r>
-          </a:p>
-          <a:p>
-            <a:endParaRPr lang="en-US" dirty="0"/>
+              <a:t>API Gateway</a:t>
+            </a:r>
+            <a:r>
+              <a:rPr lang="en-US" dirty="0"/>
+              <a:t> can also partition the request to multiple </a:t>
+            </a:r>
+            <a:r>
+              <a:rPr lang="en-US" dirty="0" err="1"/>
+              <a:t>microservices</a:t>
+            </a:r>
+            <a:r>
+              <a:rPr lang="en-US" dirty="0"/>
+              <a:t> and aggregate the data before sending it to the consumer.</a:t>
+            </a:r>
+          </a:p>
+          <a:p>
+            <a:r>
+              <a:rPr lang="en-US" dirty="0"/>
+              <a:t>It is recommended if any business logic is to be applied, then choose a composite </a:t>
+            </a:r>
+            <a:r>
+              <a:rPr lang="en-US" dirty="0" err="1"/>
+              <a:t>microservice</a:t>
+            </a:r>
+            <a:r>
+              <a:rPr lang="en-US" dirty="0"/>
+              <a:t>. Otherwise, the API Gateway is the established solution.</a:t>
+            </a:r>
           </a:p>
         </p:txBody>
       </p:sp>
@@ -5026,7 +5635,7 @@
           <a:p>
             <a:r>
               <a:rPr lang="en-US" b="1" dirty="0"/>
-              <a:t>Database per Service</a:t>
+              <a:t>Client-Side UI Composition Pattern</a:t>
             </a:r>
             <a:br>
               <a:rPr lang="en-US" b="1" dirty="0"/>
@@ -5048,7 +5657,7 @@
         <p:spPr/>
         <p:txBody>
           <a:bodyPr>
-            <a:normAutofit fontScale="47500" lnSpcReduction="20000"/>
+            <a:normAutofit fontScale="62500" lnSpcReduction="20000"/>
           </a:bodyPr>
           <a:lstStyle/>
           <a:p>
@@ -5063,7 +5672,15 @@
           <a:p>
             <a:r>
               <a:rPr lang="en-US" dirty="0"/>
-              <a:t>There is a problem of how to define database architecture for </a:t>
+              <a:t>When services are developed by decomposing business capabilities/</a:t>
+            </a:r>
+            <a:r>
+              <a:rPr lang="en-US" dirty="0" err="1"/>
+              <a:t>subdomains</a:t>
+            </a:r>
+            <a:r>
+              <a:rPr lang="en-US" dirty="0"/>
+              <a:t>, the services responsible for user experience have to pull data from several </a:t>
             </a:r>
             <a:r>
               <a:rPr lang="en-US" dirty="0" err="1"/>
@@ -5071,52 +5688,8 @@
             </a:r>
             <a:r>
               <a:rPr lang="en-US" dirty="0"/>
-              <a:t>. Following are the concerns to be addressed:</a:t>
-            </a:r>
-          </a:p>
-          <a:p>
-            <a:r>
-              <a:rPr lang="en-US" dirty="0"/>
-              <a:t>1. Services must be loosely coupled. They can be developed, deployed, and scaled independently.</a:t>
-            </a:r>
-          </a:p>
-          <a:p>
-            <a:r>
-              <a:rPr lang="en-US" dirty="0"/>
-              <a:t>2. Business transactions may enforce invariants that span multiple services.</a:t>
-            </a:r>
-          </a:p>
-          <a:p>
-            <a:r>
-              <a:rPr lang="en-US" dirty="0"/>
-              <a:t>3. Some business transactions need to query data that is owned by multiple services.</a:t>
-            </a:r>
-          </a:p>
-          <a:p>
-            <a:r>
-              <a:rPr lang="en-US" dirty="0"/>
-              <a:t>4. Databases must sometimes be replicated and </a:t>
-            </a:r>
-            <a:r>
-              <a:rPr lang="en-US" dirty="0" err="1"/>
-              <a:t>sharded</a:t>
-            </a:r>
-            <a:r>
-              <a:rPr lang="en-US" dirty="0"/>
-              <a:t> in order to scale.</a:t>
-            </a:r>
-          </a:p>
-          <a:p>
-            <a:r>
-              <a:rPr lang="en-US" dirty="0"/>
-              <a:t>5. Different services have different data storage requirements.</a:t>
-            </a:r>
-          </a:p>
-          <a:p>
-            <a:pPr>
-              <a:buNone/>
-            </a:pPr>
-            <a:endParaRPr lang="en-US" b="1" dirty="0"/>
+              <a:t>. In the monolithic world, there used to be only one call from the UI to a backend service to retrieve all data and refresh/submit the UI page. However, now it won't be the same. We need to understand how to do it.</a:t>
+            </a:r>
           </a:p>
           <a:p>
             <a:pPr>
@@ -5130,7 +5703,15 @@
           <a:p>
             <a:r>
               <a:rPr lang="en-US" dirty="0"/>
-              <a:t>To solve the above concerns, one database per </a:t>
+              <a:t>With </a:t>
+            </a:r>
+            <a:r>
+              <a:rPr lang="en-US" dirty="0" err="1"/>
+              <a:t>microservices</a:t>
+            </a:r>
+            <a:r>
+              <a:rPr lang="en-US" dirty="0"/>
+              <a:t>, the UI has to be designed as a skeleton with multiple sections/regions of the screen/page. Each section will make a call to an individual backend </a:t>
             </a:r>
             <a:r>
               <a:rPr lang="en-US" dirty="0" err="1"/>
@@ -5138,23 +5719,23 @@
             </a:r>
             <a:r>
               <a:rPr lang="en-US" dirty="0"/>
-              <a:t> must be designed; it must be private to that service only. It should be accessed by the </a:t>
+              <a:t> to pull the data. That is called composing UI components specific to service. Frameworks like </a:t>
             </a:r>
             <a:r>
               <a:rPr lang="en-US" dirty="0" err="1"/>
-              <a:t>microservice</a:t>
-            </a:r>
-            <a:r>
-              <a:rPr lang="en-US" dirty="0"/>
-              <a:t> API only. It cannot be accessed by other services directly. For example, for relational databases, we can use private-tables-per-service, schema-per-service, or database-server-per-service. Each </a:t>
+              <a:t>AngularJS</a:t>
+            </a:r>
+            <a:r>
+              <a:rPr lang="en-US" dirty="0"/>
+              <a:t> and </a:t>
             </a:r>
             <a:r>
               <a:rPr lang="en-US" dirty="0" err="1"/>
-              <a:t>microservice</a:t>
-            </a:r>
-            <a:r>
-              <a:rPr lang="en-US" dirty="0"/>
-              <a:t> should have a separate database id so that separate access can be given to put up a barrier and prevent it from using other service tables.</a:t>
+              <a:t>ReactJS</a:t>
+            </a:r>
+            <a:r>
+              <a:rPr lang="en-US" dirty="0"/>
+              <a:t> help to do that easily. These screens are known as Single Page Applications (SPA). This enables the app to refresh a particular region of the screen instead of the whole page.</a:t>
             </a:r>
           </a:p>
           <a:p>
@@ -5199,130 +5780,52 @@
         </p:nvSpPr>
         <p:spPr/>
         <p:txBody>
-          <a:bodyPr>
-            <a:normAutofit fontScale="90000"/>
-          </a:bodyPr>
-          <a:lstStyle/>
+          <a:bodyPr/>
+          <a:lstStyle/>
+          <a:p>
+            <a:r>
+              <a:rPr lang="en-US" dirty="0"/>
+              <a:t>Database Pattern</a:t>
+            </a:r>
+          </a:p>
+        </p:txBody>
+      </p:sp>
+      <p:sp>
+        <p:nvSpPr>
+          <p:cNvPr id="3" name="Content Placeholder 2"/>
+          <p:cNvSpPr>
+            <a:spLocks noGrp="1"/>
+          </p:cNvSpPr>
+          <p:nvPr>
+            <p:ph idx="1"/>
+          </p:nvPr>
+        </p:nvSpPr>
+        <p:spPr/>
+        <p:txBody>
+          <a:bodyPr/>
+          <a:lstStyle/>
+          <a:p>
+            <a:r>
+              <a:rPr lang="en-US" b="1" dirty="0"/>
+              <a:t>Database per Service</a:t>
+            </a:r>
+          </a:p>
           <a:p>
             <a:r>
               <a:rPr lang="en-US" b="1" dirty="0"/>
               <a:t>Shared Database per Service</a:t>
             </a:r>
-            <a:br>
+          </a:p>
+          <a:p>
+            <a:r>
               <a:rPr lang="en-US" b="1" dirty="0"/>
-            </a:br>
-            <a:endParaRPr lang="en-US" dirty="0"/>
-          </a:p>
-        </p:txBody>
-      </p:sp>
-      <p:sp>
-        <p:nvSpPr>
-          <p:cNvPr id="3" name="Content Placeholder 2"/>
-          <p:cNvSpPr>
-            <a:spLocks noGrp="1"/>
-          </p:cNvSpPr>
-          <p:nvPr>
-            <p:ph idx="1"/>
-          </p:nvPr>
-        </p:nvSpPr>
-        <p:spPr/>
-        <p:txBody>
-          <a:bodyPr>
-            <a:normAutofit fontScale="70000" lnSpcReduction="20000"/>
-          </a:bodyPr>
-          <a:lstStyle/>
-          <a:p>
-            <a:pPr>
-              <a:buNone/>
-            </a:pPr>
+              <a:t>Command Query Responsibility Segregation (CQRS)</a:t>
+            </a:r>
+          </a:p>
+          <a:p>
             <a:r>
               <a:rPr lang="en-US" b="1" dirty="0"/>
-              <a:t>Problem</a:t>
-            </a:r>
-          </a:p>
-          <a:p>
-            <a:r>
-              <a:rPr lang="en-US" dirty="0"/>
-              <a:t>We have talked about one database per service being ideal for </a:t>
-            </a:r>
-            <a:r>
-              <a:rPr lang="en-US" dirty="0" err="1"/>
-              <a:t>microservices</a:t>
-            </a:r>
-            <a:r>
-              <a:rPr lang="en-US" dirty="0"/>
-              <a:t>, but that is possible when the application is </a:t>
-            </a:r>
-            <a:r>
-              <a:rPr lang="en-US" dirty="0" err="1"/>
-              <a:t>greenfield</a:t>
-            </a:r>
-            <a:r>
-              <a:rPr lang="en-US" dirty="0"/>
-              <a:t> and to be developed with DDD. But if the application is a monolith and trying to break into </a:t>
-            </a:r>
-            <a:r>
-              <a:rPr lang="en-US" dirty="0" err="1"/>
-              <a:t>microservices</a:t>
-            </a:r>
-            <a:r>
-              <a:rPr lang="en-US" dirty="0"/>
-              <a:t>, </a:t>
-            </a:r>
-            <a:r>
-              <a:rPr lang="en-US" dirty="0" err="1"/>
-              <a:t>denormalization</a:t>
-            </a:r>
-            <a:r>
-              <a:rPr lang="en-US" dirty="0"/>
-              <a:t> is not that easy. What is the suitable architecture in that case?</a:t>
-            </a:r>
-          </a:p>
-          <a:p>
-            <a:pPr>
-              <a:buNone/>
-            </a:pPr>
-            <a:r>
-              <a:rPr lang="en-US" b="1" dirty="0"/>
-              <a:t>Solution</a:t>
-            </a:r>
-          </a:p>
-          <a:p>
-            <a:r>
-              <a:rPr lang="en-US" dirty="0"/>
-              <a:t>A shared database per service is not ideal, but that is the working solution for the above scenario. Most people consider this an anti-pattern for </a:t>
-            </a:r>
-            <a:r>
-              <a:rPr lang="en-US" dirty="0" err="1"/>
-              <a:t>microservices</a:t>
-            </a:r>
-            <a:r>
-              <a:rPr lang="en-US" dirty="0"/>
-              <a:t>, but for </a:t>
-            </a:r>
-            <a:r>
-              <a:rPr lang="en-US" dirty="0" err="1"/>
-              <a:t>brownfield</a:t>
-            </a:r>
-            <a:r>
-              <a:rPr lang="en-US" dirty="0"/>
-              <a:t> applications, this is a good start to break the application into smaller logical pieces. This should not be applied for </a:t>
-            </a:r>
-            <a:r>
-              <a:rPr lang="en-US" dirty="0" err="1"/>
-              <a:t>greenfield</a:t>
-            </a:r>
-            <a:r>
-              <a:rPr lang="en-US" dirty="0"/>
-              <a:t> applications. In this pattern, one database can be aligned with more than one </a:t>
-            </a:r>
-            <a:r>
-              <a:rPr lang="en-US" dirty="0" err="1"/>
-              <a:t>microservice</a:t>
-            </a:r>
-            <a:r>
-              <a:rPr lang="en-US" dirty="0"/>
-              <a:t>, but it has to be restricted to 2-3 maximum, otherwise scaling, autonomy, and independence will be challenging to execute.</a:t>
+              <a:t>Saga Pattern</a:t>
             </a:r>
           </a:p>
           <a:p>
@@ -5374,7 +5877,7 @@
           <a:p>
             <a:r>
               <a:rPr lang="en-US" b="1" dirty="0"/>
-              <a:t>Command Query Responsibility Segregation (CQRS)</a:t>
+              <a:t>Database per Service</a:t>
             </a:r>
             <a:br>
               <a:rPr lang="en-US" b="1" dirty="0"/>
@@ -5396,7 +5899,7 @@
         <p:spPr/>
         <p:txBody>
           <a:bodyPr>
-            <a:normAutofit fontScale="70000" lnSpcReduction="20000"/>
+            <a:normAutofit fontScale="47500" lnSpcReduction="20000"/>
           </a:bodyPr>
           <a:lstStyle/>
           <a:p>
@@ -5411,7 +5914,74 @@
           <a:p>
             <a:r>
               <a:rPr lang="en-US" dirty="0"/>
-              <a:t>Once we implement database-per-service, there is a requirement to query, which requires joint data from multiple services — it's not possible. Then, how do we implement queries in </a:t>
+              <a:t>There is a problem of how to define database architecture for </a:t>
+            </a:r>
+            <a:r>
+              <a:rPr lang="en-US" dirty="0" err="1"/>
+              <a:t>microservices</a:t>
+            </a:r>
+            <a:r>
+              <a:rPr lang="en-US" dirty="0"/>
+              <a:t>. Following are the concerns to be addressed:</a:t>
+            </a:r>
+          </a:p>
+          <a:p>
+            <a:r>
+              <a:rPr lang="en-US" dirty="0"/>
+              <a:t>1. Services must be loosely coupled. They can be developed, deployed, and scaled independently.</a:t>
+            </a:r>
+          </a:p>
+          <a:p>
+            <a:r>
+              <a:rPr lang="en-US" dirty="0"/>
+              <a:t>2. Business transactions may enforce invariants that span multiple services.</a:t>
+            </a:r>
+          </a:p>
+          <a:p>
+            <a:r>
+              <a:rPr lang="en-US" dirty="0"/>
+              <a:t>3. Some business transactions need to query data that is owned by multiple services.</a:t>
+            </a:r>
+          </a:p>
+          <a:p>
+            <a:r>
+              <a:rPr lang="en-US" dirty="0"/>
+              <a:t>4. Databases must sometimes be replicated and </a:t>
+            </a:r>
+            <a:r>
+              <a:rPr lang="en-US" dirty="0" err="1"/>
+              <a:t>sharded</a:t>
+            </a:r>
+            <a:r>
+              <a:rPr lang="en-US" dirty="0"/>
+              <a:t> in order to scale.</a:t>
+            </a:r>
+          </a:p>
+          <a:p>
+            <a:r>
+              <a:rPr lang="en-US" dirty="0"/>
+              <a:t>5. Different services have different data storage requirements.</a:t>
+            </a:r>
+          </a:p>
+          <a:p>
+            <a:pPr>
+              <a:buNone/>
+            </a:pPr>
+            <a:endParaRPr lang="en-US" b="1" dirty="0"/>
+          </a:p>
+          <a:p>
+            <a:pPr>
+              <a:buNone/>
+            </a:pPr>
+            <a:r>
+              <a:rPr lang="en-US" b="1" dirty="0"/>
+              <a:t>Solution</a:t>
+            </a:r>
+          </a:p>
+          <a:p>
+            <a:r>
+              <a:rPr lang="en-US" dirty="0"/>
+              <a:t>To solve the above concerns, one database per </a:t>
             </a:r>
             <a:r>
               <a:rPr lang="en-US" dirty="0" err="1"/>
@@ -5419,30 +5989,23 @@
             </a:r>
             <a:r>
               <a:rPr lang="en-US" dirty="0"/>
-              <a:t> architecture?</a:t>
-            </a:r>
-          </a:p>
-          <a:p>
-            <a:pPr>
-              <a:buNone/>
-            </a:pPr>
-            <a:r>
-              <a:rPr lang="en-US" b="1" dirty="0"/>
-              <a:t>Solution</a:t>
-            </a:r>
-          </a:p>
-          <a:p>
-            <a:r>
-              <a:rPr lang="en-US" dirty="0"/>
-              <a:t>CQRS suggests splitting the application into two parts — the command side and the query side. The command side handles the Create, Update, and Delete requests. The query side handles the query part by using the materialized views. The </a:t>
-            </a:r>
-            <a:r>
-              <a:rPr lang="en-US" b="1" dirty="0"/>
-              <a:t>event sourcing pattern</a:t>
-            </a:r>
-            <a:r>
-              <a:rPr lang="en-US" dirty="0"/>
-              <a:t> is generally used along with it to create events for any data change. Materialized views are kept updated by subscribing to the stream of events.</a:t>
+              <a:t> must be designed; it must be private to that service only. It should be accessed by the </a:t>
+            </a:r>
+            <a:r>
+              <a:rPr lang="en-US" dirty="0" err="1"/>
+              <a:t>microservice</a:t>
+            </a:r>
+            <a:r>
+              <a:rPr lang="en-US" dirty="0"/>
+              <a:t> API only. It cannot be accessed by other services directly. For example, for relational databases, we can use private-tables-per-service, schema-per-service, or database-server-per-service. Each </a:t>
+            </a:r>
+            <a:r>
+              <a:rPr lang="en-US" dirty="0" err="1"/>
+              <a:t>microservice</a:t>
+            </a:r>
+            <a:r>
+              <a:rPr lang="en-US" dirty="0"/>
+              <a:t> should have a separate database id so that separate access can be given to put up a barrier and prevent it from using other service tables.</a:t>
             </a:r>
           </a:p>
           <a:p>
@@ -5494,7 +6057,7 @@
           <a:p>
             <a:r>
               <a:rPr lang="en-US" b="1" dirty="0"/>
-              <a:t>Saga Pattern</a:t>
+              <a:t>Shared Database per Service</a:t>
             </a:r>
             <a:br>
               <a:rPr lang="en-US" b="1" dirty="0"/>
@@ -5516,7 +6079,7 @@
         <p:spPr/>
         <p:txBody>
           <a:bodyPr>
-            <a:normAutofit fontScale="55000" lnSpcReduction="20000"/>
+            <a:normAutofit fontScale="70000" lnSpcReduction="20000"/>
           </a:bodyPr>
           <a:lstStyle/>
           <a:p>
@@ -5531,7 +6094,39 @@
           <a:p>
             <a:r>
               <a:rPr lang="en-US" dirty="0"/>
-              <a:t>When each service has its own database and a business transaction spans multiple services, how do we ensure data consistency across services? For example, for an e-commerce application where customers have a credit limit, the application must ensure that a new order will not exceed the customer’s credit limit. Since Orders and Customers are in different databases, the application cannot simply use a local ACID transaction.</a:t>
+              <a:t>We have talked about one database per service being ideal for </a:t>
+            </a:r>
+            <a:r>
+              <a:rPr lang="en-US" dirty="0" err="1"/>
+              <a:t>microservices</a:t>
+            </a:r>
+            <a:r>
+              <a:rPr lang="en-US" dirty="0"/>
+              <a:t>, but that is possible when the application is </a:t>
+            </a:r>
+            <a:r>
+              <a:rPr lang="en-US" dirty="0" err="1"/>
+              <a:t>greenfield</a:t>
+            </a:r>
+            <a:r>
+              <a:rPr lang="en-US" dirty="0"/>
+              <a:t> and to be developed with DDD. But if the application is a monolith and trying to break into </a:t>
+            </a:r>
+            <a:r>
+              <a:rPr lang="en-US" dirty="0" err="1"/>
+              <a:t>microservices</a:t>
+            </a:r>
+            <a:r>
+              <a:rPr lang="en-US" dirty="0"/>
+              <a:t>, </a:t>
+            </a:r>
+            <a:r>
+              <a:rPr lang="en-US" dirty="0" err="1"/>
+              <a:t>denormalization</a:t>
+            </a:r>
+            <a:r>
+              <a:rPr lang="en-US" dirty="0"/>
+              <a:t> is not that easy. What is the suitable architecture in that case?</a:t>
             </a:r>
           </a:p>
           <a:p>
@@ -5546,19 +6141,39 @@
           <a:p>
             <a:r>
               <a:rPr lang="en-US" dirty="0"/>
-              <a:t>A Saga represents a high-level business process that consists of several sub requests, which each update data within a single service. Each request has a compensating request that is executed when the request fails. It can be implemented in two ways:</a:t>
-            </a:r>
-          </a:p>
-          <a:p>
-            <a:r>
-              <a:rPr lang="en-US" dirty="0"/>
-              <a:t>Choreography — When there is no central coordination, each service produces and listens to another service’s events and decides if an action should be taken or not.</a:t>
-            </a:r>
-          </a:p>
-          <a:p>
-            <a:r>
-              <a:rPr lang="en-US" dirty="0"/>
-              <a:t>Orchestration — An orchestrator (object) takes responsibility for a saga’s decision making and sequencing business logic.</a:t>
+              <a:t>A shared database per service is not ideal, but that is the working solution for the above scenario. Most people consider this an anti-pattern for </a:t>
+            </a:r>
+            <a:r>
+              <a:rPr lang="en-US" dirty="0" err="1"/>
+              <a:t>microservices</a:t>
+            </a:r>
+            <a:r>
+              <a:rPr lang="en-US" dirty="0"/>
+              <a:t>, but for </a:t>
+            </a:r>
+            <a:r>
+              <a:rPr lang="en-US" dirty="0" err="1"/>
+              <a:t>brownfield</a:t>
+            </a:r>
+            <a:r>
+              <a:rPr lang="en-US" dirty="0"/>
+              <a:t> applications, this is a good start to break the application into smaller logical pieces. This should not be applied for </a:t>
+            </a:r>
+            <a:r>
+              <a:rPr lang="en-US" dirty="0" err="1"/>
+              <a:t>greenfield</a:t>
+            </a:r>
+            <a:r>
+              <a:rPr lang="en-US" dirty="0"/>
+              <a:t> applications. In this pattern, one database can be aligned with more than one </a:t>
+            </a:r>
+            <a:r>
+              <a:rPr lang="en-US" dirty="0" err="1"/>
+              <a:t>microservice</a:t>
+            </a:r>
+            <a:r>
+              <a:rPr lang="en-US" dirty="0"/>
+              <a:t>, but it has to be restricted to 2-3 maximum, otherwise scaling, autonomy, and independence will be challenging to execute.</a:t>
             </a:r>
           </a:p>
           <a:p>
@@ -5575,6 +6190,242 @@
 </file>
 
 <file path=ppt/slides/slide17.xml><?xml version="1.0" encoding="utf-8"?>
+<p:sld xmlns:a="http://schemas.openxmlformats.org/drawingml/2006/main" xmlns:r="http://schemas.openxmlformats.org/officeDocument/2006/relationships" xmlns:p="http://schemas.openxmlformats.org/presentationml/2006/main">
+  <p:cSld>
+    <p:spTree>
+      <p:nvGrpSpPr>
+        <p:cNvPr id="1" name=""/>
+        <p:cNvGrpSpPr/>
+        <p:nvPr/>
+      </p:nvGrpSpPr>
+      <p:grpSpPr>
+        <a:xfrm>
+          <a:off x="0" y="0"/>
+          <a:ext cx="0" cy="0"/>
+          <a:chOff x="0" y="0"/>
+          <a:chExt cx="0" cy="0"/>
+        </a:xfrm>
+      </p:grpSpPr>
+      <p:sp>
+        <p:nvSpPr>
+          <p:cNvPr id="2" name="Title 1"/>
+          <p:cNvSpPr>
+            <a:spLocks noGrp="1"/>
+          </p:cNvSpPr>
+          <p:nvPr>
+            <p:ph type="title"/>
+          </p:nvPr>
+        </p:nvSpPr>
+        <p:spPr/>
+        <p:txBody>
+          <a:bodyPr>
+            <a:normAutofit fontScale="90000"/>
+          </a:bodyPr>
+          <a:lstStyle/>
+          <a:p>
+            <a:r>
+              <a:rPr lang="en-US" b="1" dirty="0"/>
+              <a:t>Command Query Responsibility Segregation (CQRS)</a:t>
+            </a:r>
+            <a:br>
+              <a:rPr lang="en-US" b="1" dirty="0"/>
+            </a:br>
+            <a:endParaRPr lang="en-US" dirty="0"/>
+          </a:p>
+        </p:txBody>
+      </p:sp>
+      <p:sp>
+        <p:nvSpPr>
+          <p:cNvPr id="3" name="Content Placeholder 2"/>
+          <p:cNvSpPr>
+            <a:spLocks noGrp="1"/>
+          </p:cNvSpPr>
+          <p:nvPr>
+            <p:ph idx="1"/>
+          </p:nvPr>
+        </p:nvSpPr>
+        <p:spPr/>
+        <p:txBody>
+          <a:bodyPr>
+            <a:normAutofit fontScale="70000" lnSpcReduction="20000"/>
+          </a:bodyPr>
+          <a:lstStyle/>
+          <a:p>
+            <a:pPr>
+              <a:buNone/>
+            </a:pPr>
+            <a:r>
+              <a:rPr lang="en-US" b="1" dirty="0"/>
+              <a:t>Problem</a:t>
+            </a:r>
+          </a:p>
+          <a:p>
+            <a:r>
+              <a:rPr lang="en-US" dirty="0"/>
+              <a:t>Once we implement database-per-service, there is a requirement to query, which requires joint data from multiple services — it's not possible. Then, how do we implement queries in </a:t>
+            </a:r>
+            <a:r>
+              <a:rPr lang="en-US" dirty="0" err="1"/>
+              <a:t>microservice</a:t>
+            </a:r>
+            <a:r>
+              <a:rPr lang="en-US" dirty="0"/>
+              <a:t> architecture?</a:t>
+            </a:r>
+          </a:p>
+          <a:p>
+            <a:pPr>
+              <a:buNone/>
+            </a:pPr>
+            <a:r>
+              <a:rPr lang="en-US" b="1" dirty="0"/>
+              <a:t>Solution</a:t>
+            </a:r>
+          </a:p>
+          <a:p>
+            <a:r>
+              <a:rPr lang="en-US" dirty="0"/>
+              <a:t>CQRS suggests splitting the application into two parts — the command side and the query side. The command side handles the Create, Update, and Delete requests. The query side handles the query part by using the materialized views. The </a:t>
+            </a:r>
+            <a:r>
+              <a:rPr lang="en-US" b="1" dirty="0"/>
+              <a:t>event sourcing pattern</a:t>
+            </a:r>
+            <a:r>
+              <a:rPr lang="en-US" dirty="0"/>
+              <a:t> is generally used along with it to create events for any data change. Materialized views are kept updated by subscribing to the stream of events.</a:t>
+            </a:r>
+          </a:p>
+          <a:p>
+            <a:endParaRPr lang="en-US" dirty="0"/>
+          </a:p>
+        </p:txBody>
+      </p:sp>
+    </p:spTree>
+  </p:cSld>
+  <p:clrMapOvr>
+    <a:masterClrMapping/>
+  </p:clrMapOvr>
+</p:sld>
+</file>
+
+<file path=ppt/slides/slide18.xml><?xml version="1.0" encoding="utf-8"?>
+<p:sld xmlns:a="http://schemas.openxmlformats.org/drawingml/2006/main" xmlns:r="http://schemas.openxmlformats.org/officeDocument/2006/relationships" xmlns:p="http://schemas.openxmlformats.org/presentationml/2006/main">
+  <p:cSld>
+    <p:spTree>
+      <p:nvGrpSpPr>
+        <p:cNvPr id="1" name=""/>
+        <p:cNvGrpSpPr/>
+        <p:nvPr/>
+      </p:nvGrpSpPr>
+      <p:grpSpPr>
+        <a:xfrm>
+          <a:off x="0" y="0"/>
+          <a:ext cx="0" cy="0"/>
+          <a:chOff x="0" y="0"/>
+          <a:chExt cx="0" cy="0"/>
+        </a:xfrm>
+      </p:grpSpPr>
+      <p:sp>
+        <p:nvSpPr>
+          <p:cNvPr id="2" name="Title 1"/>
+          <p:cNvSpPr>
+            <a:spLocks noGrp="1"/>
+          </p:cNvSpPr>
+          <p:nvPr>
+            <p:ph type="title"/>
+          </p:nvPr>
+        </p:nvSpPr>
+        <p:spPr/>
+        <p:txBody>
+          <a:bodyPr>
+            <a:normAutofit fontScale="90000"/>
+          </a:bodyPr>
+          <a:lstStyle/>
+          <a:p>
+            <a:r>
+              <a:rPr lang="en-US" b="1" dirty="0"/>
+              <a:t>Saga Pattern</a:t>
+            </a:r>
+            <a:br>
+              <a:rPr lang="en-US" b="1" dirty="0"/>
+            </a:br>
+            <a:endParaRPr lang="en-US" dirty="0"/>
+          </a:p>
+        </p:txBody>
+      </p:sp>
+      <p:sp>
+        <p:nvSpPr>
+          <p:cNvPr id="3" name="Content Placeholder 2"/>
+          <p:cNvSpPr>
+            <a:spLocks noGrp="1"/>
+          </p:cNvSpPr>
+          <p:nvPr>
+            <p:ph idx="1"/>
+          </p:nvPr>
+        </p:nvSpPr>
+        <p:spPr/>
+        <p:txBody>
+          <a:bodyPr>
+            <a:normAutofit fontScale="55000" lnSpcReduction="20000"/>
+          </a:bodyPr>
+          <a:lstStyle/>
+          <a:p>
+            <a:pPr>
+              <a:buNone/>
+            </a:pPr>
+            <a:r>
+              <a:rPr lang="en-US" b="1" dirty="0"/>
+              <a:t>Problem</a:t>
+            </a:r>
+          </a:p>
+          <a:p>
+            <a:r>
+              <a:rPr lang="en-US" dirty="0"/>
+              <a:t>When each service has its own database and a business transaction spans multiple services, how do we ensure data consistency across services? For example, for an e-commerce application where customers have a credit limit, the application must ensure that a new order will not exceed the customer’s credit limit. Since Orders and Customers are in different databases, the application cannot simply use a local ACID transaction.</a:t>
+            </a:r>
+          </a:p>
+          <a:p>
+            <a:pPr>
+              <a:buNone/>
+            </a:pPr>
+            <a:r>
+              <a:rPr lang="en-US" b="1" dirty="0"/>
+              <a:t>Solution</a:t>
+            </a:r>
+          </a:p>
+          <a:p>
+            <a:r>
+              <a:rPr lang="en-US" dirty="0"/>
+              <a:t>A Saga represents a high-level business process that consists of several sub requests, which each update data within a single service. Each request has a compensating request that is executed when the request fails. It can be implemented in two ways:</a:t>
+            </a:r>
+          </a:p>
+          <a:p>
+            <a:r>
+              <a:rPr lang="en-US" dirty="0"/>
+              <a:t>Choreography — When there is no central coordination, each service produces and listens to another service’s events and decides if an action should be taken or not.</a:t>
+            </a:r>
+          </a:p>
+          <a:p>
+            <a:r>
+              <a:rPr lang="en-US" dirty="0"/>
+              <a:t>Orchestration — An orchestrator (object) takes responsibility for a saga’s decision making and sequencing business logic.</a:t>
+            </a:r>
+          </a:p>
+          <a:p>
+            <a:endParaRPr lang="en-US" dirty="0"/>
+          </a:p>
+        </p:txBody>
+      </p:sp>
+    </p:spTree>
+  </p:cSld>
+  <p:clrMapOvr>
+    <a:masterClrMapping/>
+  </p:clrMapOvr>
+</p:sld>
+</file>
+
+<file path=ppt/slides/slide19.xml><?xml version="1.0" encoding="utf-8"?>
 <p:sld xmlns:a="http://schemas.openxmlformats.org/drawingml/2006/main" xmlns:r="http://schemas.openxmlformats.org/officeDocument/2006/relationships" xmlns:p="http://schemas.openxmlformats.org/presentationml/2006/main">
   <p:cSld>
     <p:spTree>
@@ -5664,7 +6515,111 @@
 </p:sld>
 </file>
 
-<file path=ppt/slides/slide18.xml><?xml version="1.0" encoding="utf-8"?>
+<file path=ppt/slides/slide2.xml><?xml version="1.0" encoding="utf-8"?>
+<p:sld xmlns:a="http://schemas.openxmlformats.org/drawingml/2006/main" xmlns:r="http://schemas.openxmlformats.org/officeDocument/2006/relationships" xmlns:p="http://schemas.openxmlformats.org/presentationml/2006/main">
+  <p:cSld>
+    <p:spTree>
+      <p:nvGrpSpPr>
+        <p:cNvPr id="1" name=""/>
+        <p:cNvGrpSpPr/>
+        <p:nvPr/>
+      </p:nvGrpSpPr>
+      <p:grpSpPr>
+        <a:xfrm>
+          <a:off x="0" y="0"/>
+          <a:ext cx="0" cy="0"/>
+          <a:chOff x="0" y="0"/>
+          <a:chExt cx="0" cy="0"/>
+        </a:xfrm>
+      </p:grpSpPr>
+      <p:sp>
+        <p:nvSpPr>
+          <p:cNvPr id="2" name="Title 1"/>
+          <p:cNvSpPr>
+            <a:spLocks noGrp="1"/>
+          </p:cNvSpPr>
+          <p:nvPr>
+            <p:ph type="title"/>
+          </p:nvPr>
+        </p:nvSpPr>
+        <p:spPr/>
+        <p:txBody>
+          <a:bodyPr/>
+          <a:lstStyle/>
+          <a:p>
+            <a:r>
+              <a:rPr lang="en-US" dirty="0" err="1"/>
+              <a:t>Microservices</a:t>
+            </a:r>
+            <a:endParaRPr lang="en-US" dirty="0"/>
+          </a:p>
+        </p:txBody>
+      </p:sp>
+      <p:sp>
+        <p:nvSpPr>
+          <p:cNvPr id="3" name="Content Placeholder 2"/>
+          <p:cNvSpPr>
+            <a:spLocks noGrp="1"/>
+          </p:cNvSpPr>
+          <p:nvPr>
+            <p:ph idx="1"/>
+          </p:nvPr>
+        </p:nvSpPr>
+        <p:spPr/>
+        <p:txBody>
+          <a:bodyPr>
+            <a:normAutofit/>
+          </a:bodyPr>
+          <a:lstStyle/>
+          <a:p>
+            <a:pPr marL="0">
+              <a:buNone/>
+            </a:pPr>
+            <a:r>
+              <a:rPr lang="en-US" sz="2800" dirty="0"/>
+              <a:t>An architectural style that structures an application as a collection of small autonomous services, modeled around a business domain. </a:t>
+            </a:r>
+          </a:p>
+          <a:p>
+            <a:pPr marL="0">
+              <a:buNone/>
+            </a:pPr>
+            <a:endParaRPr lang="en-US" sz="2800" dirty="0"/>
+          </a:p>
+          <a:p>
+            <a:pPr marL="0">
+              <a:buNone/>
+            </a:pPr>
+            <a:r>
+              <a:rPr lang="en-US" sz="2800" dirty="0"/>
+              <a:t>In a </a:t>
+            </a:r>
+            <a:r>
+              <a:rPr lang="en-US" sz="2800" dirty="0" err="1"/>
+              <a:t>Microservice</a:t>
+            </a:r>
+            <a:r>
+              <a:rPr lang="en-US" sz="2800" dirty="0"/>
+              <a:t> Architecture, each service is self-contained and implements a single business capability.</a:t>
+            </a:r>
+          </a:p>
+          <a:p>
+            <a:pPr>
+              <a:buNone/>
+            </a:pPr>
+            <a:endParaRPr lang="en-US" sz="2800" dirty="0"/>
+          </a:p>
+        </p:txBody>
+      </p:sp>
+    </p:spTree>
+  </p:cSld>
+  <p:clrMapOvr>
+    <a:masterClrMapping/>
+  </p:clrMapOvr>
+</p:sld>
+</file>
+
+<file path=ppt/slides/slide20.xml><?xml version="1.0" encoding="utf-8"?>
 <p:sld xmlns:a="http://schemas.openxmlformats.org/drawingml/2006/main" xmlns:r="http://schemas.openxmlformats.org/officeDocument/2006/relationships" xmlns:p="http://schemas.openxmlformats.org/presentationml/2006/main">
   <p:cSld>
     <p:spTree>
@@ -5851,405 +6806,6 @@
 </p:sld>
 </file>
 
-<file path=ppt/slides/slide19.xml><?xml version="1.0" encoding="utf-8"?>
-<p:sld xmlns:a="http://schemas.openxmlformats.org/drawingml/2006/main" xmlns:r="http://schemas.openxmlformats.org/officeDocument/2006/relationships" xmlns:p="http://schemas.openxmlformats.org/presentationml/2006/main">
-  <p:cSld>
-    <p:spTree>
-      <p:nvGrpSpPr>
-        <p:cNvPr id="1" name=""/>
-        <p:cNvGrpSpPr/>
-        <p:nvPr/>
-      </p:nvGrpSpPr>
-      <p:grpSpPr>
-        <a:xfrm>
-          <a:off x="0" y="0"/>
-          <a:ext cx="0" cy="0"/>
-          <a:chOff x="0" y="0"/>
-          <a:chExt cx="0" cy="0"/>
-        </a:xfrm>
-      </p:grpSpPr>
-      <p:sp>
-        <p:nvSpPr>
-          <p:cNvPr id="2" name="Title 1">
-            <a:extLst>
-              <a:ext uri="{FF2B5EF4-FFF2-40B4-BE49-F238E27FC236}">
-                <a16:creationId xmlns:a16="http://schemas.microsoft.com/office/drawing/2014/main" id="{C2DE69A1-6B95-DB98-A969-AAD5B6DA7D09}"/>
-              </a:ext>
-            </a:extLst>
-          </p:cNvPr>
-          <p:cNvSpPr>
-            <a:spLocks noGrp="1"/>
-          </p:cNvSpPr>
-          <p:nvPr>
-            <p:ph type="title"/>
-          </p:nvPr>
-        </p:nvSpPr>
-        <p:spPr/>
-        <p:txBody>
-          <a:bodyPr/>
-          <a:lstStyle/>
-          <a:p>
-            <a:r>
-              <a:rPr lang="en-IN" dirty="0"/>
-              <a:t>Saga Pattern – 2PC</a:t>
-            </a:r>
-          </a:p>
-        </p:txBody>
-      </p:sp>
-      <p:sp>
-        <p:nvSpPr>
-          <p:cNvPr id="3" name="Content Placeholder 2">
-            <a:extLst>
-              <a:ext uri="{FF2B5EF4-FFF2-40B4-BE49-F238E27FC236}">
-                <a16:creationId xmlns:a16="http://schemas.microsoft.com/office/drawing/2014/main" id="{D0CA7738-1513-76FC-60A1-F64A1999E15B}"/>
-              </a:ext>
-            </a:extLst>
-          </p:cNvPr>
-          <p:cNvSpPr>
-            <a:spLocks noGrp="1"/>
-          </p:cNvSpPr>
-          <p:nvPr>
-            <p:ph idx="1"/>
-          </p:nvPr>
-        </p:nvSpPr>
-        <p:spPr>
-          <a:xfrm>
-            <a:off x="509587" y="1450107"/>
-            <a:ext cx="8229600" cy="4525963"/>
-          </a:xfrm>
-        </p:spPr>
-        <p:txBody>
-          <a:bodyPr>
-            <a:normAutofit/>
-          </a:bodyPr>
-          <a:lstStyle/>
-          <a:p>
-            <a:pPr marL="0" indent="0" algn="l">
-              <a:buNone/>
-            </a:pPr>
-            <a:r>
-              <a:rPr lang="en-US" sz="2000" b="1" i="0" dirty="0">
-                <a:solidFill>
-                  <a:srgbClr val="292929"/>
-                </a:solidFill>
-                <a:effectLst/>
-              </a:rPr>
-              <a:t>The downsides of 2pc protocols are as follows:</a:t>
-            </a:r>
-          </a:p>
-          <a:p>
-            <a:pPr algn="l">
-              <a:buFont typeface="Arial" panose="020B0604020202020204" pitchFamily="34" charset="0"/>
-              <a:buChar char="•"/>
-            </a:pPr>
-            <a:r>
-              <a:rPr lang="en-US" sz="2000" b="0" i="0" dirty="0">
-                <a:solidFill>
-                  <a:srgbClr val="292929"/>
-                </a:solidFill>
-                <a:effectLst/>
-              </a:rPr>
-              <a:t>The coordinator is responsible for all services, which might lead to a single point of failure. </a:t>
-            </a:r>
-          </a:p>
-          <a:p>
-            <a:pPr algn="l">
-              <a:buFont typeface="Arial" panose="020B0604020202020204" pitchFamily="34" charset="0"/>
-              <a:buChar char="•"/>
-            </a:pPr>
-            <a:r>
-              <a:rPr lang="en-US" sz="2000" b="0" i="0" dirty="0">
-                <a:solidFill>
-                  <a:srgbClr val="292929"/>
-                </a:solidFill>
-                <a:effectLst/>
-              </a:rPr>
-              <a:t>Because the controller determines when all services are completed, the entire performance of the operation is bound to the slowest service. [</a:t>
-            </a:r>
-          </a:p>
-          <a:p>
-            <a:pPr algn="l">
-              <a:buFont typeface="Arial" panose="020B0604020202020204" pitchFamily="34" charset="0"/>
-              <a:buChar char="•"/>
-            </a:pPr>
-            <a:r>
-              <a:rPr lang="en-US" sz="2000" b="0" i="0" dirty="0">
-                <a:solidFill>
-                  <a:srgbClr val="292929"/>
-                </a:solidFill>
-                <a:effectLst/>
-              </a:rPr>
-              <a:t>NoSQL databases do not support 2pc. </a:t>
-            </a:r>
-          </a:p>
-          <a:p>
-            <a:pPr marL="457200" lvl="1" indent="0">
-              <a:buNone/>
-            </a:pPr>
-            <a:endParaRPr lang="en-IN" sz="2000" dirty="0"/>
-          </a:p>
-        </p:txBody>
-      </p:sp>
-    </p:spTree>
-    <p:extLst>
-      <p:ext uri="{BB962C8B-B14F-4D97-AF65-F5344CB8AC3E}">
-        <p14:creationId xmlns:p14="http://schemas.microsoft.com/office/powerpoint/2010/main" val="1808960164"/>
-      </p:ext>
-    </p:extLst>
-  </p:cSld>
-  <p:clrMapOvr>
-    <a:masterClrMapping/>
-  </p:clrMapOvr>
-</p:sld>
-</file>
-
-<file path=ppt/slides/slide2.xml><?xml version="1.0" encoding="utf-8"?>
-<p:sld xmlns:a="http://schemas.openxmlformats.org/drawingml/2006/main" xmlns:r="http://schemas.openxmlformats.org/officeDocument/2006/relationships" xmlns:p="http://schemas.openxmlformats.org/presentationml/2006/main">
-  <p:cSld>
-    <p:spTree>
-      <p:nvGrpSpPr>
-        <p:cNvPr id="1" name=""/>
-        <p:cNvGrpSpPr/>
-        <p:nvPr/>
-      </p:nvGrpSpPr>
-      <p:grpSpPr>
-        <a:xfrm>
-          <a:off x="0" y="0"/>
-          <a:ext cx="0" cy="0"/>
-          <a:chOff x="0" y="0"/>
-          <a:chExt cx="0" cy="0"/>
-        </a:xfrm>
-      </p:grpSpPr>
-      <p:sp>
-        <p:nvSpPr>
-          <p:cNvPr id="2" name="Title 1"/>
-          <p:cNvSpPr>
-            <a:spLocks noGrp="1"/>
-          </p:cNvSpPr>
-          <p:nvPr>
-            <p:ph type="title"/>
-          </p:nvPr>
-        </p:nvSpPr>
-        <p:spPr/>
-        <p:txBody>
-          <a:bodyPr/>
-          <a:lstStyle/>
-          <a:p>
-            <a:r>
-              <a:rPr lang="en-US" dirty="0" err="1"/>
-              <a:t>Microservices</a:t>
-            </a:r>
-            <a:endParaRPr lang="en-US" dirty="0"/>
-          </a:p>
-        </p:txBody>
-      </p:sp>
-      <p:sp>
-        <p:nvSpPr>
-          <p:cNvPr id="3" name="Content Placeholder 2"/>
-          <p:cNvSpPr>
-            <a:spLocks noGrp="1"/>
-          </p:cNvSpPr>
-          <p:nvPr>
-            <p:ph idx="1"/>
-          </p:nvPr>
-        </p:nvSpPr>
-        <p:spPr/>
-        <p:txBody>
-          <a:bodyPr>
-            <a:normAutofit/>
-          </a:bodyPr>
-          <a:lstStyle/>
-          <a:p>
-            <a:pPr marL="0">
-              <a:buNone/>
-            </a:pPr>
-            <a:r>
-              <a:rPr lang="en-US" sz="2800" dirty="0"/>
-              <a:t>An architectural style that structures an application as a collection of small autonomous services, modeled around a business domain. </a:t>
-            </a:r>
-          </a:p>
-          <a:p>
-            <a:pPr marL="0">
-              <a:buNone/>
-            </a:pPr>
-            <a:endParaRPr lang="en-US" sz="2800" dirty="0"/>
-          </a:p>
-          <a:p>
-            <a:pPr marL="0">
-              <a:buNone/>
-            </a:pPr>
-            <a:r>
-              <a:rPr lang="en-US" sz="2800" dirty="0"/>
-              <a:t>In a </a:t>
-            </a:r>
-            <a:r>
-              <a:rPr lang="en-US" sz="2800" dirty="0" err="1"/>
-              <a:t>Microservice</a:t>
-            </a:r>
-            <a:r>
-              <a:rPr lang="en-US" sz="2800" dirty="0"/>
-              <a:t> Architecture, each service is self-contained and implements a single business capability.</a:t>
-            </a:r>
-          </a:p>
-          <a:p>
-            <a:pPr>
-              <a:buNone/>
-            </a:pPr>
-            <a:endParaRPr lang="en-US" sz="2800" dirty="0"/>
-          </a:p>
-        </p:txBody>
-      </p:sp>
-    </p:spTree>
-  </p:cSld>
-  <p:clrMapOvr>
-    <a:masterClrMapping/>
-  </p:clrMapOvr>
-</p:sld>
-</file>
-
-<file path=ppt/slides/slide20.xml><?xml version="1.0" encoding="utf-8"?>
-<p:sld xmlns:a="http://schemas.openxmlformats.org/drawingml/2006/main" xmlns:r="http://schemas.openxmlformats.org/officeDocument/2006/relationships" xmlns:p="http://schemas.openxmlformats.org/presentationml/2006/main">
-  <p:cSld>
-    <p:spTree>
-      <p:nvGrpSpPr>
-        <p:cNvPr id="1" name=""/>
-        <p:cNvGrpSpPr/>
-        <p:nvPr/>
-      </p:nvGrpSpPr>
-      <p:grpSpPr>
-        <a:xfrm>
-          <a:off x="0" y="0"/>
-          <a:ext cx="0" cy="0"/>
-          <a:chOff x="0" y="0"/>
-          <a:chExt cx="0" cy="0"/>
-        </a:xfrm>
-      </p:grpSpPr>
-      <p:sp>
-        <p:nvSpPr>
-          <p:cNvPr id="2" name="Title 1">
-            <a:extLst>
-              <a:ext uri="{FF2B5EF4-FFF2-40B4-BE49-F238E27FC236}">
-                <a16:creationId xmlns:a16="http://schemas.microsoft.com/office/drawing/2014/main" id="{C2DE69A1-6B95-DB98-A969-AAD5B6DA7D09}"/>
-              </a:ext>
-            </a:extLst>
-          </p:cNvPr>
-          <p:cNvSpPr>
-            <a:spLocks noGrp="1"/>
-          </p:cNvSpPr>
-          <p:nvPr>
-            <p:ph type="title"/>
-          </p:nvPr>
-        </p:nvSpPr>
-        <p:spPr/>
-        <p:txBody>
-          <a:bodyPr/>
-          <a:lstStyle/>
-          <a:p>
-            <a:r>
-              <a:rPr lang="en-IN" dirty="0"/>
-              <a:t>Saga Architecture Pattern</a:t>
-            </a:r>
-          </a:p>
-        </p:txBody>
-      </p:sp>
-      <p:sp>
-        <p:nvSpPr>
-          <p:cNvPr id="3" name="Content Placeholder 2">
-            <a:extLst>
-              <a:ext uri="{FF2B5EF4-FFF2-40B4-BE49-F238E27FC236}">
-                <a16:creationId xmlns:a16="http://schemas.microsoft.com/office/drawing/2014/main" id="{D0CA7738-1513-76FC-60A1-F64A1999E15B}"/>
-              </a:ext>
-            </a:extLst>
-          </p:cNvPr>
-          <p:cNvSpPr>
-            <a:spLocks noGrp="1"/>
-          </p:cNvSpPr>
-          <p:nvPr>
-            <p:ph idx="1"/>
-          </p:nvPr>
-        </p:nvSpPr>
-        <p:spPr>
-          <a:xfrm>
-            <a:off x="509587" y="1450107"/>
-            <a:ext cx="8229600" cy="4525963"/>
-          </a:xfrm>
-        </p:spPr>
-        <p:txBody>
-          <a:bodyPr>
-            <a:normAutofit/>
-          </a:bodyPr>
-          <a:lstStyle/>
-          <a:p>
-            <a:r>
-              <a:rPr lang="en-US" sz="2000" b="1" i="0" dirty="0">
-                <a:solidFill>
-                  <a:srgbClr val="292929"/>
-                </a:solidFill>
-                <a:effectLst/>
-              </a:rPr>
-              <a:t>This pattern manages transactions through a series of local transactions.</a:t>
-            </a:r>
-          </a:p>
-          <a:p>
-            <a:r>
-              <a:rPr lang="en-US" sz="2000" b="1" i="0" dirty="0">
-                <a:solidFill>
-                  <a:srgbClr val="292929"/>
-                </a:solidFill>
-                <a:effectLst/>
-              </a:rPr>
-              <a:t>After successfully completing the previous phase, the Saga Pattern triggers the next step with the incoming request. </a:t>
-            </a:r>
-          </a:p>
-          <a:p>
-            <a:r>
-              <a:rPr lang="en-US" sz="2000" b="1" i="0" dirty="0">
-                <a:solidFill>
-                  <a:srgbClr val="292929"/>
-                </a:solidFill>
-                <a:effectLst/>
-              </a:rPr>
-              <a:t>A Saga participant’s work is represented by a local transaction. </a:t>
-            </a:r>
-          </a:p>
-          <a:p>
-            <a:r>
-              <a:rPr lang="en-US" sz="2000" b="1" i="0" dirty="0">
-                <a:solidFill>
-                  <a:srgbClr val="292929"/>
-                </a:solidFill>
-                <a:effectLst/>
-              </a:rPr>
-              <a:t>Every operation in the Saga can be reversed by a compensatory transaction.</a:t>
-            </a:r>
-          </a:p>
-          <a:p>
-            <a:r>
-              <a:rPr lang="en-US" sz="2000" b="1" i="0" dirty="0">
-                <a:solidFill>
-                  <a:srgbClr val="292929"/>
-                </a:solidFill>
-                <a:effectLst/>
-              </a:rPr>
-              <a:t> A compensatory transaction must be reversible and idempotent. </a:t>
-            </a:r>
-            <a:endParaRPr lang="en-IN" sz="2000" dirty="0"/>
-          </a:p>
-        </p:txBody>
-      </p:sp>
-    </p:spTree>
-    <p:extLst>
-      <p:ext uri="{BB962C8B-B14F-4D97-AF65-F5344CB8AC3E}">
-        <p14:creationId xmlns:p14="http://schemas.microsoft.com/office/powerpoint/2010/main" val="3482156940"/>
-      </p:ext>
-    </p:extLst>
-  </p:cSld>
-  <p:clrMapOvr>
-    <a:masterClrMapping/>
-  </p:clrMapOvr>
-</p:sld>
-</file>
-
 <file path=ppt/slides/slide21.xml><?xml version="1.0" encoding="utf-8"?>
 <p:sld xmlns:a="http://schemas.openxmlformats.org/drawingml/2006/main" xmlns:r="http://schemas.openxmlformats.org/officeDocument/2006/relationships" xmlns:p="http://schemas.openxmlformats.org/presentationml/2006/main">
   <p:cSld>
@@ -6290,6 +6846,301 @@
           <a:p>
             <a:r>
               <a:rPr lang="en-IN" dirty="0"/>
+              <a:t>Saga Pattern – 2PC</a:t>
+            </a:r>
+          </a:p>
+        </p:txBody>
+      </p:sp>
+      <p:sp>
+        <p:nvSpPr>
+          <p:cNvPr id="3" name="Content Placeholder 2">
+            <a:extLst>
+              <a:ext uri="{FF2B5EF4-FFF2-40B4-BE49-F238E27FC236}">
+                <a16:creationId xmlns:a16="http://schemas.microsoft.com/office/drawing/2014/main" id="{D0CA7738-1513-76FC-60A1-F64A1999E15B}"/>
+              </a:ext>
+            </a:extLst>
+          </p:cNvPr>
+          <p:cNvSpPr>
+            <a:spLocks noGrp="1"/>
+          </p:cNvSpPr>
+          <p:nvPr>
+            <p:ph idx="1"/>
+          </p:nvPr>
+        </p:nvSpPr>
+        <p:spPr>
+          <a:xfrm>
+            <a:off x="509587" y="1450107"/>
+            <a:ext cx="8229600" cy="4525963"/>
+          </a:xfrm>
+        </p:spPr>
+        <p:txBody>
+          <a:bodyPr>
+            <a:normAutofit/>
+          </a:bodyPr>
+          <a:lstStyle/>
+          <a:p>
+            <a:pPr marL="0" indent="0" algn="l">
+              <a:buNone/>
+            </a:pPr>
+            <a:r>
+              <a:rPr lang="en-US" sz="2000" b="1" i="0" dirty="0">
+                <a:solidFill>
+                  <a:srgbClr val="292929"/>
+                </a:solidFill>
+                <a:effectLst/>
+              </a:rPr>
+              <a:t>The downsides of 2pc protocols are as follows:</a:t>
+            </a:r>
+          </a:p>
+          <a:p>
+            <a:pPr algn="l">
+              <a:buFont typeface="Arial" panose="020B0604020202020204" pitchFamily="34" charset="0"/>
+              <a:buChar char="•"/>
+            </a:pPr>
+            <a:r>
+              <a:rPr lang="en-US" sz="2000" b="0" i="0" dirty="0">
+                <a:solidFill>
+                  <a:srgbClr val="292929"/>
+                </a:solidFill>
+                <a:effectLst/>
+              </a:rPr>
+              <a:t>The coordinator is responsible for all services, which might lead to a single point of failure. </a:t>
+            </a:r>
+          </a:p>
+          <a:p>
+            <a:pPr algn="l">
+              <a:buFont typeface="Arial" panose="020B0604020202020204" pitchFamily="34" charset="0"/>
+              <a:buChar char="•"/>
+            </a:pPr>
+            <a:r>
+              <a:rPr lang="en-US" sz="2000" b="0" i="0" dirty="0">
+                <a:solidFill>
+                  <a:srgbClr val="292929"/>
+                </a:solidFill>
+                <a:effectLst/>
+              </a:rPr>
+              <a:t>Because the controller determines when all services are completed, the entire performance of the operation is bound to the slowest service. [</a:t>
+            </a:r>
+          </a:p>
+          <a:p>
+            <a:pPr algn="l">
+              <a:buFont typeface="Arial" panose="020B0604020202020204" pitchFamily="34" charset="0"/>
+              <a:buChar char="•"/>
+            </a:pPr>
+            <a:r>
+              <a:rPr lang="en-US" sz="2000" b="0" i="0" dirty="0">
+                <a:solidFill>
+                  <a:srgbClr val="292929"/>
+                </a:solidFill>
+                <a:effectLst/>
+              </a:rPr>
+              <a:t>NoSQL databases do not support 2pc. </a:t>
+            </a:r>
+          </a:p>
+          <a:p>
+            <a:pPr marL="457200" lvl="1" indent="0">
+              <a:buNone/>
+            </a:pPr>
+            <a:endParaRPr lang="en-IN" sz="2000" dirty="0"/>
+          </a:p>
+        </p:txBody>
+      </p:sp>
+    </p:spTree>
+    <p:extLst>
+      <p:ext uri="{BB962C8B-B14F-4D97-AF65-F5344CB8AC3E}">
+        <p14:creationId xmlns:p14="http://schemas.microsoft.com/office/powerpoint/2010/main" val="1808960164"/>
+      </p:ext>
+    </p:extLst>
+  </p:cSld>
+  <p:clrMapOvr>
+    <a:masterClrMapping/>
+  </p:clrMapOvr>
+</p:sld>
+</file>
+
+<file path=ppt/slides/slide22.xml><?xml version="1.0" encoding="utf-8"?>
+<p:sld xmlns:a="http://schemas.openxmlformats.org/drawingml/2006/main" xmlns:r="http://schemas.openxmlformats.org/officeDocument/2006/relationships" xmlns:p="http://schemas.openxmlformats.org/presentationml/2006/main">
+  <p:cSld>
+    <p:spTree>
+      <p:nvGrpSpPr>
+        <p:cNvPr id="1" name=""/>
+        <p:cNvGrpSpPr/>
+        <p:nvPr/>
+      </p:nvGrpSpPr>
+      <p:grpSpPr>
+        <a:xfrm>
+          <a:off x="0" y="0"/>
+          <a:ext cx="0" cy="0"/>
+          <a:chOff x="0" y="0"/>
+          <a:chExt cx="0" cy="0"/>
+        </a:xfrm>
+      </p:grpSpPr>
+      <p:sp>
+        <p:nvSpPr>
+          <p:cNvPr id="2" name="Title 1">
+            <a:extLst>
+              <a:ext uri="{FF2B5EF4-FFF2-40B4-BE49-F238E27FC236}">
+                <a16:creationId xmlns:a16="http://schemas.microsoft.com/office/drawing/2014/main" id="{C2DE69A1-6B95-DB98-A969-AAD5B6DA7D09}"/>
+              </a:ext>
+            </a:extLst>
+          </p:cNvPr>
+          <p:cNvSpPr>
+            <a:spLocks noGrp="1"/>
+          </p:cNvSpPr>
+          <p:nvPr>
+            <p:ph type="title"/>
+          </p:nvPr>
+        </p:nvSpPr>
+        <p:spPr/>
+        <p:txBody>
+          <a:bodyPr/>
+          <a:lstStyle/>
+          <a:p>
+            <a:r>
+              <a:rPr lang="en-IN" dirty="0"/>
+              <a:t>Saga Architecture Pattern</a:t>
+            </a:r>
+          </a:p>
+        </p:txBody>
+      </p:sp>
+      <p:sp>
+        <p:nvSpPr>
+          <p:cNvPr id="3" name="Content Placeholder 2">
+            <a:extLst>
+              <a:ext uri="{FF2B5EF4-FFF2-40B4-BE49-F238E27FC236}">
+                <a16:creationId xmlns:a16="http://schemas.microsoft.com/office/drawing/2014/main" id="{D0CA7738-1513-76FC-60A1-F64A1999E15B}"/>
+              </a:ext>
+            </a:extLst>
+          </p:cNvPr>
+          <p:cNvSpPr>
+            <a:spLocks noGrp="1"/>
+          </p:cNvSpPr>
+          <p:nvPr>
+            <p:ph idx="1"/>
+          </p:nvPr>
+        </p:nvSpPr>
+        <p:spPr>
+          <a:xfrm>
+            <a:off x="509587" y="1450107"/>
+            <a:ext cx="8229600" cy="4525963"/>
+          </a:xfrm>
+        </p:spPr>
+        <p:txBody>
+          <a:bodyPr>
+            <a:normAutofit/>
+          </a:bodyPr>
+          <a:lstStyle/>
+          <a:p>
+            <a:r>
+              <a:rPr lang="en-US" sz="2000" b="1" i="0" dirty="0">
+                <a:solidFill>
+                  <a:srgbClr val="292929"/>
+                </a:solidFill>
+                <a:effectLst/>
+              </a:rPr>
+              <a:t>This pattern manages transactions through a series of local transactions.</a:t>
+            </a:r>
+          </a:p>
+          <a:p>
+            <a:r>
+              <a:rPr lang="en-US" sz="2000" b="1" i="0" dirty="0">
+                <a:solidFill>
+                  <a:srgbClr val="292929"/>
+                </a:solidFill>
+                <a:effectLst/>
+              </a:rPr>
+              <a:t>After successfully completing the previous phase, the Saga Pattern triggers the next step with the incoming request. </a:t>
+            </a:r>
+          </a:p>
+          <a:p>
+            <a:r>
+              <a:rPr lang="en-US" sz="2000" b="1" i="0" dirty="0">
+                <a:solidFill>
+                  <a:srgbClr val="292929"/>
+                </a:solidFill>
+                <a:effectLst/>
+              </a:rPr>
+              <a:t>A Saga participant’s work is represented by a local transaction. </a:t>
+            </a:r>
+          </a:p>
+          <a:p>
+            <a:r>
+              <a:rPr lang="en-US" sz="2000" b="1" i="0" dirty="0">
+                <a:solidFill>
+                  <a:srgbClr val="292929"/>
+                </a:solidFill>
+                <a:effectLst/>
+              </a:rPr>
+              <a:t>Every operation in the Saga can be reversed by a compensatory transaction.</a:t>
+            </a:r>
+          </a:p>
+          <a:p>
+            <a:r>
+              <a:rPr lang="en-US" sz="2000" b="1" i="0" dirty="0">
+                <a:solidFill>
+                  <a:srgbClr val="292929"/>
+                </a:solidFill>
+                <a:effectLst/>
+              </a:rPr>
+              <a:t> A compensatory transaction must be reversible and idempotent. </a:t>
+            </a:r>
+            <a:endParaRPr lang="en-IN" sz="2000" dirty="0"/>
+          </a:p>
+        </p:txBody>
+      </p:sp>
+    </p:spTree>
+    <p:extLst>
+      <p:ext uri="{BB962C8B-B14F-4D97-AF65-F5344CB8AC3E}">
+        <p14:creationId xmlns:p14="http://schemas.microsoft.com/office/powerpoint/2010/main" val="3482156940"/>
+      </p:ext>
+    </p:extLst>
+  </p:cSld>
+  <p:clrMapOvr>
+    <a:masterClrMapping/>
+  </p:clrMapOvr>
+</p:sld>
+</file>
+
+<file path=ppt/slides/slide23.xml><?xml version="1.0" encoding="utf-8"?>
+<p:sld xmlns:a="http://schemas.openxmlformats.org/drawingml/2006/main" xmlns:r="http://schemas.openxmlformats.org/officeDocument/2006/relationships" xmlns:p="http://schemas.openxmlformats.org/presentationml/2006/main">
+  <p:cSld>
+    <p:spTree>
+      <p:nvGrpSpPr>
+        <p:cNvPr id="1" name=""/>
+        <p:cNvGrpSpPr/>
+        <p:nvPr/>
+      </p:nvGrpSpPr>
+      <p:grpSpPr>
+        <a:xfrm>
+          <a:off x="0" y="0"/>
+          <a:ext cx="0" cy="0"/>
+          <a:chOff x="0" y="0"/>
+          <a:chExt cx="0" cy="0"/>
+        </a:xfrm>
+      </p:grpSpPr>
+      <p:sp>
+        <p:nvSpPr>
+          <p:cNvPr id="2" name="Title 1">
+            <a:extLst>
+              <a:ext uri="{FF2B5EF4-FFF2-40B4-BE49-F238E27FC236}">
+                <a16:creationId xmlns:a16="http://schemas.microsoft.com/office/drawing/2014/main" id="{C2DE69A1-6B95-DB98-A969-AAD5B6DA7D09}"/>
+              </a:ext>
+            </a:extLst>
+          </p:cNvPr>
+          <p:cNvSpPr>
+            <a:spLocks noGrp="1"/>
+          </p:cNvSpPr>
+          <p:nvPr>
+            <p:ph type="title"/>
+          </p:nvPr>
+        </p:nvSpPr>
+        <p:spPr/>
+        <p:txBody>
+          <a:bodyPr/>
+          <a:lstStyle/>
+          <a:p>
+            <a:r>
+              <a:rPr lang="en-IN" dirty="0"/>
               <a:t>Saga Architecture Pattern</a:t>
             </a:r>
           </a:p>
@@ -6375,7 +7226,7 @@
 </p:sld>
 </file>
 
-<file path=ppt/slides/slide22.xml><?xml version="1.0" encoding="utf-8"?>
+<file path=ppt/slides/slide24.xml><?xml version="1.0" encoding="utf-8"?>
 <p:sld xmlns:a="http://schemas.openxmlformats.org/drawingml/2006/main" xmlns:r="http://schemas.openxmlformats.org/officeDocument/2006/relationships" xmlns:p="http://schemas.openxmlformats.org/presentationml/2006/main">
   <p:cSld>
     <p:spTree>
@@ -6564,7 +7415,7 @@
 </p:sld>
 </file>
 
-<file path=ppt/slides/slide23.xml><?xml version="1.0" encoding="utf-8"?>
+<file path=ppt/slides/slide25.xml><?xml version="1.0" encoding="utf-8"?>
 <p:sld xmlns:a="http://schemas.openxmlformats.org/drawingml/2006/main" xmlns:r="http://schemas.openxmlformats.org/officeDocument/2006/relationships" xmlns:p="http://schemas.openxmlformats.org/presentationml/2006/main">
   <p:cSld>
     <p:spTree>
@@ -6812,7 +7663,7 @@
 </p:sld>
 </file>
 
-<file path=ppt/slides/slide24.xml><?xml version="1.0" encoding="utf-8"?>
+<file path=ppt/slides/slide26.xml><?xml version="1.0" encoding="utf-8"?>
 <p:sld xmlns:a="http://schemas.openxmlformats.org/drawingml/2006/main" xmlns:r="http://schemas.openxmlformats.org/officeDocument/2006/relationships" xmlns:p="http://schemas.openxmlformats.org/presentationml/2006/main">
   <p:cSld>
     <p:spTree>
@@ -6999,7 +7850,7 @@
 </p:sld>
 </file>
 
-<file path=ppt/slides/slide25.xml><?xml version="1.0" encoding="utf-8"?>
+<file path=ppt/slides/slide27.xml><?xml version="1.0" encoding="utf-8"?>
 <p:sld xmlns:a="http://schemas.openxmlformats.org/drawingml/2006/main" xmlns:r="http://schemas.openxmlformats.org/officeDocument/2006/relationships" xmlns:p="http://schemas.openxmlformats.org/presentationml/2006/main">
   <p:cSld>
     <p:spTree>
@@ -7250,7 +8101,7 @@
 </p:sld>
 </file>
 
-<file path=ppt/slides/slide26.xml><?xml version="1.0" encoding="utf-8"?>
+<file path=ppt/slides/slide28.xml><?xml version="1.0" encoding="utf-8"?>
 <p:sld xmlns:a="http://schemas.openxmlformats.org/drawingml/2006/main" xmlns:r="http://schemas.openxmlformats.org/officeDocument/2006/relationships" xmlns:p="http://schemas.openxmlformats.org/presentationml/2006/main">
   <p:cSld>
     <p:spTree>
@@ -7423,7 +8274,7 @@
 </p:sld>
 </file>
 
-<file path=ppt/slides/slide27.xml><?xml version="1.0" encoding="utf-8"?>
+<file path=ppt/slides/slide29.xml><?xml version="1.0" encoding="utf-8"?>
 <p:sld xmlns:a="http://schemas.openxmlformats.org/drawingml/2006/main" xmlns:r="http://schemas.openxmlformats.org/officeDocument/2006/relationships" xmlns:p="http://schemas.openxmlformats.org/presentationml/2006/main">
   <p:cSld>
     <p:spTree>
@@ -7629,222 +8480,6 @@
 </p:sld>
 </file>
 
-<file path=ppt/slides/slide28.xml><?xml version="1.0" encoding="utf-8"?>
-<p:sld xmlns:a="http://schemas.openxmlformats.org/drawingml/2006/main" xmlns:r="http://schemas.openxmlformats.org/officeDocument/2006/relationships" xmlns:p="http://schemas.openxmlformats.org/presentationml/2006/main">
-  <p:cSld>
-    <p:spTree>
-      <p:nvGrpSpPr>
-        <p:cNvPr id="1" name=""/>
-        <p:cNvGrpSpPr/>
-        <p:nvPr/>
-      </p:nvGrpSpPr>
-      <p:grpSpPr>
-        <a:xfrm>
-          <a:off x="0" y="0"/>
-          <a:ext cx="0" cy="0"/>
-          <a:chOff x="0" y="0"/>
-          <a:chExt cx="0" cy="0"/>
-        </a:xfrm>
-      </p:grpSpPr>
-      <p:sp>
-        <p:nvSpPr>
-          <p:cNvPr id="2" name="Title 1"/>
-          <p:cNvSpPr>
-            <a:spLocks noGrp="1"/>
-          </p:cNvSpPr>
-          <p:nvPr>
-            <p:ph type="title"/>
-          </p:nvPr>
-        </p:nvSpPr>
-        <p:spPr/>
-        <p:txBody>
-          <a:bodyPr>
-            <a:normAutofit fontScale="90000"/>
-          </a:bodyPr>
-          <a:lstStyle/>
-          <a:p>
-            <a:r>
-              <a:rPr lang="en-US" b="1" dirty="0"/>
-              <a:t>Observability Patterns</a:t>
-            </a:r>
-            <a:br>
-              <a:rPr lang="en-US" b="1" dirty="0"/>
-            </a:br>
-            <a:endParaRPr lang="en-US" dirty="0"/>
-          </a:p>
-        </p:txBody>
-      </p:sp>
-      <p:sp>
-        <p:nvSpPr>
-          <p:cNvPr id="3" name="Content Placeholder 2"/>
-          <p:cNvSpPr>
-            <a:spLocks noGrp="1"/>
-          </p:cNvSpPr>
-          <p:nvPr>
-            <p:ph idx="1"/>
-          </p:nvPr>
-        </p:nvSpPr>
-        <p:spPr/>
-        <p:txBody>
-          <a:bodyPr/>
-          <a:lstStyle/>
-          <a:p>
-            <a:r>
-              <a:rPr lang="en-US" b="1" dirty="0"/>
-              <a:t>Log Aggregation</a:t>
-            </a:r>
-          </a:p>
-          <a:p>
-            <a:r>
-              <a:rPr lang="en-US" b="1" dirty="0"/>
-              <a:t>Performance Metrics</a:t>
-            </a:r>
-          </a:p>
-          <a:p>
-            <a:r>
-              <a:rPr lang="en-US" b="1" dirty="0"/>
-              <a:t>Distributed Tracing</a:t>
-            </a:r>
-          </a:p>
-          <a:p>
-            <a:r>
-              <a:rPr lang="en-US" b="1" dirty="0"/>
-              <a:t>Health Check</a:t>
-            </a:r>
-          </a:p>
-          <a:p>
-            <a:endParaRPr lang="en-US" dirty="0"/>
-          </a:p>
-        </p:txBody>
-      </p:sp>
-    </p:spTree>
-  </p:cSld>
-  <p:clrMapOvr>
-    <a:masterClrMapping/>
-  </p:clrMapOvr>
-</p:sld>
-</file>
-
-<file path=ppt/slides/slide29.xml><?xml version="1.0" encoding="utf-8"?>
-<p:sld xmlns:a="http://schemas.openxmlformats.org/drawingml/2006/main" xmlns:r="http://schemas.openxmlformats.org/officeDocument/2006/relationships" xmlns:p="http://schemas.openxmlformats.org/presentationml/2006/main">
-  <p:cSld>
-    <p:spTree>
-      <p:nvGrpSpPr>
-        <p:cNvPr id="1" name=""/>
-        <p:cNvGrpSpPr/>
-        <p:nvPr/>
-      </p:nvGrpSpPr>
-      <p:grpSpPr>
-        <a:xfrm>
-          <a:off x="0" y="0"/>
-          <a:ext cx="0" cy="0"/>
-          <a:chOff x="0" y="0"/>
-          <a:chExt cx="0" cy="0"/>
-        </a:xfrm>
-      </p:grpSpPr>
-      <p:sp>
-        <p:nvSpPr>
-          <p:cNvPr id="2" name="Title 1"/>
-          <p:cNvSpPr>
-            <a:spLocks noGrp="1"/>
-          </p:cNvSpPr>
-          <p:nvPr>
-            <p:ph type="title"/>
-          </p:nvPr>
-        </p:nvSpPr>
-        <p:spPr/>
-        <p:txBody>
-          <a:bodyPr>
-            <a:normAutofit fontScale="90000"/>
-          </a:bodyPr>
-          <a:lstStyle/>
-          <a:p>
-            <a:r>
-              <a:rPr lang="en-US" b="1" dirty="0"/>
-              <a:t>Log Aggregation</a:t>
-            </a:r>
-            <a:br>
-              <a:rPr lang="en-US" b="1" dirty="0"/>
-            </a:br>
-            <a:endParaRPr lang="en-US" dirty="0"/>
-          </a:p>
-        </p:txBody>
-      </p:sp>
-      <p:sp>
-        <p:nvSpPr>
-          <p:cNvPr id="3" name="Content Placeholder 2"/>
-          <p:cNvSpPr>
-            <a:spLocks noGrp="1"/>
-          </p:cNvSpPr>
-          <p:nvPr>
-            <p:ph idx="1"/>
-          </p:nvPr>
-        </p:nvSpPr>
-        <p:spPr/>
-        <p:txBody>
-          <a:bodyPr>
-            <a:normAutofit fontScale="70000" lnSpcReduction="20000"/>
-          </a:bodyPr>
-          <a:lstStyle/>
-          <a:p>
-            <a:pPr>
-              <a:buNone/>
-            </a:pPr>
-            <a:r>
-              <a:rPr lang="en-US" b="1" dirty="0"/>
-              <a:t>Problem</a:t>
-            </a:r>
-          </a:p>
-          <a:p>
-            <a:r>
-              <a:rPr lang="en-US" dirty="0"/>
-              <a:t>Consider a use case where an application consists of multiple service instances that are running on multiple machines. Requests often span multiple service instances. Each service instance generates a log file in a standardized format. How can we understand the application behavior through logs for a particular request?</a:t>
-            </a:r>
-          </a:p>
-          <a:p>
-            <a:pPr>
-              <a:buNone/>
-            </a:pPr>
-            <a:r>
-              <a:rPr lang="en-US" b="1" dirty="0"/>
-              <a:t>Solution</a:t>
-            </a:r>
-          </a:p>
-          <a:p>
-            <a:r>
-              <a:rPr lang="en-US" dirty="0"/>
-              <a:t>We need a centralized logging service that aggregates logs from each service instance. Users can search and analyze the logs. They can configure alerts that are triggered when certain messages appear in the logs. For example, PCF does have </a:t>
-            </a:r>
-            <a:r>
-              <a:rPr lang="en-US" dirty="0" err="1"/>
-              <a:t>Loggeregator</a:t>
-            </a:r>
-            <a:r>
-              <a:rPr lang="en-US" dirty="0"/>
-              <a:t>, which collects logs from each component (router, controller, </a:t>
-            </a:r>
-            <a:r>
-              <a:rPr lang="en-US" dirty="0" err="1"/>
-              <a:t>diego</a:t>
-            </a:r>
-            <a:r>
-              <a:rPr lang="en-US" dirty="0"/>
-              <a:t>, etc...) of the PCF platform along with applications. AWS Cloud Watch also does the same.</a:t>
-            </a:r>
-          </a:p>
-          <a:p>
-            <a:endParaRPr lang="en-US" dirty="0"/>
-          </a:p>
-        </p:txBody>
-      </p:sp>
-    </p:spTree>
-  </p:cSld>
-  <p:clrMapOvr>
-    <a:masterClrMapping/>
-  </p:clrMapOvr>
-</p:sld>
-</file>
-
 <file path=ppt/slides/slide3.xml><?xml version="1.0" encoding="utf-8"?>
 <p:sld xmlns:a="http://schemas.openxmlformats.org/drawingml/2006/main" xmlns:r="http://schemas.openxmlformats.org/officeDocument/2006/relationships" xmlns:p="http://schemas.openxmlformats.org/presentationml/2006/main">
   <p:cSld>
@@ -8041,7 +8676,7 @@
           <a:p>
             <a:r>
               <a:rPr lang="en-US" b="1" dirty="0"/>
-              <a:t>Performance Metrics</a:t>
+              <a:t>Observability Patterns</a:t>
             </a:r>
             <a:br>
               <a:rPr lang="en-US" b="1" dirty="0"/>
@@ -8062,79 +8697,30 @@
         </p:nvSpPr>
         <p:spPr/>
         <p:txBody>
-          <a:bodyPr>
-            <a:normAutofit fontScale="70000" lnSpcReduction="20000"/>
-          </a:bodyPr>
-          <a:lstStyle/>
-          <a:p>
-            <a:pPr>
-              <a:buNone/>
-            </a:pPr>
+          <a:bodyPr/>
+          <a:lstStyle/>
+          <a:p>
             <a:r>
               <a:rPr lang="en-US" b="1" dirty="0"/>
-              <a:t>Problem</a:t>
-            </a:r>
-          </a:p>
-          <a:p>
-            <a:r>
-              <a:rPr lang="en-US" dirty="0"/>
-              <a:t>When the service portfolio increases due to </a:t>
-            </a:r>
-            <a:r>
-              <a:rPr lang="en-US" dirty="0" err="1"/>
-              <a:t>microservice</a:t>
-            </a:r>
-            <a:r>
-              <a:rPr lang="en-US" dirty="0"/>
-              <a:t> architecture, it becomes critical to keep a watch on the transactions so that patterns can be monitored and alerts sent when an issue happens. How should we collect metrics to monitor application </a:t>
-            </a:r>
-            <a:r>
-              <a:rPr lang="en-US" dirty="0" err="1"/>
-              <a:t>perfomance</a:t>
-            </a:r>
-            <a:r>
-              <a:rPr lang="en-US" dirty="0"/>
-              <a:t>?</a:t>
-            </a:r>
-          </a:p>
-          <a:p>
-            <a:pPr>
-              <a:buNone/>
-            </a:pPr>
+              <a:t>Log Aggregation</a:t>
+            </a:r>
+          </a:p>
+          <a:p>
             <a:r>
               <a:rPr lang="en-US" b="1" dirty="0"/>
-              <a:t>Solution</a:t>
-            </a:r>
-          </a:p>
-          <a:p>
-            <a:r>
-              <a:rPr lang="en-US" dirty="0"/>
-              <a:t>A metrics service is required to gather statistics about individual operations. It should aggregate the metrics of an application service, which provides reporting and alerting. There are two models for aggregating metrics:</a:t>
-            </a:r>
-          </a:p>
-          <a:p>
-            <a:r>
-              <a:rPr lang="en-US" dirty="0"/>
-              <a:t>Push — the service pushes metrics to the metrics service e.g. </a:t>
-            </a:r>
-            <a:r>
-              <a:rPr lang="en-US" dirty="0" err="1"/>
-              <a:t>NewRelic</a:t>
-            </a:r>
-            <a:r>
-              <a:rPr lang="en-US" dirty="0"/>
-              <a:t>, </a:t>
-            </a:r>
-            <a:r>
-              <a:rPr lang="en-US" dirty="0" err="1"/>
-              <a:t>AppDynamics</a:t>
-            </a:r>
-            <a:endParaRPr lang="en-US" dirty="0"/>
-          </a:p>
-          <a:p>
-            <a:r>
-              <a:rPr lang="en-US" dirty="0"/>
-              <a:t>Pull — the metrics services pulls metrics from the service e.g. Prometheus</a:t>
+              <a:t>Performance Metrics</a:t>
+            </a:r>
+          </a:p>
+          <a:p>
+            <a:r>
+              <a:rPr lang="en-US" b="1" dirty="0"/>
+              <a:t>Distributed Tracing</a:t>
+            </a:r>
+          </a:p>
+          <a:p>
+            <a:r>
+              <a:rPr lang="en-US" b="1" dirty="0"/>
+              <a:t>Health Check</a:t>
             </a:r>
           </a:p>
           <a:p>
@@ -8186,7 +8772,7 @@
           <a:p>
             <a:r>
               <a:rPr lang="en-US" b="1" dirty="0"/>
-              <a:t>Distributed Tracing</a:t>
+              <a:t>Log Aggregation</a:t>
             </a:r>
             <a:br>
               <a:rPr lang="en-US" b="1" dirty="0"/>
@@ -8208,7 +8794,7 @@
         <p:spPr/>
         <p:txBody>
           <a:bodyPr>
-            <a:normAutofit fontScale="62500" lnSpcReduction="20000"/>
+            <a:normAutofit fontScale="70000" lnSpcReduction="20000"/>
           </a:bodyPr>
           <a:lstStyle/>
           <a:p>
@@ -8223,15 +8809,7 @@
           <a:p>
             <a:r>
               <a:rPr lang="en-US" dirty="0"/>
-              <a:t>In </a:t>
-            </a:r>
-            <a:r>
-              <a:rPr lang="en-US" dirty="0" err="1"/>
-              <a:t>microservice</a:t>
-            </a:r>
-            <a:r>
-              <a:rPr lang="en-US" dirty="0"/>
-              <a:t> architecture, requests often span multiple services. Each service handles a request by performing one or more operations across multiple services. Then, how do we trace a request end-to-end to troubleshoot the problem?</a:t>
+              <a:t>Consider a use case where an application consists of multiple service instances that are running on multiple machines. Requests often span multiple service instances. Each service instance generates a log file in a standardized format. How can we understand the application behavior through logs for a particular request?</a:t>
             </a:r>
           </a:p>
           <a:p>
@@ -8246,54 +8824,27 @@
           <a:p>
             <a:r>
               <a:rPr lang="en-US" dirty="0"/>
-              <a:t>We need a service which</a:t>
-            </a:r>
-          </a:p>
-          <a:p>
-            <a:r>
-              <a:rPr lang="en-US" dirty="0"/>
-              <a:t>Assigns each external request a unique external request id.</a:t>
-            </a:r>
-          </a:p>
-          <a:p>
-            <a:r>
-              <a:rPr lang="en-US" dirty="0"/>
-              <a:t>Passes the external request id to all services.</a:t>
-            </a:r>
-          </a:p>
-          <a:p>
-            <a:r>
-              <a:rPr lang="en-US" dirty="0"/>
-              <a:t>Includes the external request id in all log messages.</a:t>
-            </a:r>
-          </a:p>
-          <a:p>
-            <a:r>
-              <a:rPr lang="en-US" dirty="0"/>
-              <a:t>Records information (e.g. start time, end time) about the requests and operations performed when handling an external request in a centralized service.</a:t>
-            </a:r>
-          </a:p>
-          <a:p>
-            <a:r>
-              <a:rPr lang="en-US" dirty="0"/>
-              <a:t>Spring Cloud </a:t>
+              <a:t>We need a centralized logging service that aggregates logs from each service instance. Users can search and analyze the logs. They can configure alerts that are triggered when certain messages appear in the logs. For example, PCF does have </a:t>
             </a:r>
             <a:r>
               <a:rPr lang="en-US" dirty="0" err="1"/>
-              <a:t>Slueth</a:t>
-            </a:r>
-            <a:r>
-              <a:rPr lang="en-US" dirty="0"/>
-              <a:t>, along with </a:t>
+              <a:t>Loggeregator</a:t>
+            </a:r>
+            <a:r>
+              <a:rPr lang="en-US" dirty="0"/>
+              <a:t>, which collects logs from each component (router, controller, </a:t>
             </a:r>
             <a:r>
               <a:rPr lang="en-US" dirty="0" err="1"/>
-              <a:t>Zipkin</a:t>
-            </a:r>
-            <a:r>
-              <a:rPr lang="en-US" dirty="0"/>
-              <a:t> server, is a common implementation.</a:t>
-            </a:r>
+              <a:t>diego</a:t>
+            </a:r>
+            <a:r>
+              <a:rPr lang="en-US" dirty="0"/>
+              <a:t>, etc...) of the PCF platform along with applications. AWS Cloud Watch also does the same.</a:t>
+            </a:r>
+          </a:p>
+          <a:p>
+            <a:endParaRPr lang="en-US" dirty="0"/>
           </a:p>
         </p:txBody>
       </p:sp>
@@ -8341,7 +8892,7 @@
           <a:p>
             <a:r>
               <a:rPr lang="en-US" b="1" dirty="0"/>
-              <a:t>Health Check</a:t>
+              <a:t>Performance Metrics</a:t>
             </a:r>
             <a:br>
               <a:rPr lang="en-US" b="1" dirty="0"/>
@@ -8363,7 +8914,7 @@
         <p:spPr/>
         <p:txBody>
           <a:bodyPr>
-            <a:normAutofit fontScale="77500" lnSpcReduction="20000"/>
+            <a:normAutofit fontScale="70000" lnSpcReduction="20000"/>
           </a:bodyPr>
           <a:lstStyle/>
           <a:p>
@@ -8378,7 +8929,7 @@
           <a:p>
             <a:r>
               <a:rPr lang="en-US" dirty="0"/>
-              <a:t>When </a:t>
+              <a:t>When the service portfolio increases due to </a:t>
             </a:r>
             <a:r>
               <a:rPr lang="en-US" dirty="0" err="1"/>
@@ -8386,7 +8937,15 @@
             </a:r>
             <a:r>
               <a:rPr lang="en-US" dirty="0"/>
-              <a:t> architecture has been implemented, there is a chance that a service might be up but not able to handle transactions. In that case, how do you ensure a request doesn't go to those failed instances? With a load balancing pattern implementation.</a:t>
+              <a:t> architecture, it becomes critical to keep a watch on the transactions so that patterns can be monitored and alerts sent when an issue happens. How should we collect metrics to monitor application </a:t>
+            </a:r>
+            <a:r>
+              <a:rPr lang="en-US" dirty="0" err="1"/>
+              <a:t>perfomance</a:t>
+            </a:r>
+            <a:r>
+              <a:rPr lang="en-US" dirty="0"/>
+              <a:t>?</a:t>
             </a:r>
           </a:p>
           <a:p>
@@ -8401,13 +8960,32 @@
           <a:p>
             <a:r>
               <a:rPr lang="en-US" dirty="0"/>
-              <a:t>Each service needs to have an endpoint which can be used to check the health of the application, such as /health. This API should o check the status of the host, the connection to other services/infrastructure, and any specific logic.</a:t>
-            </a:r>
-          </a:p>
-          <a:p>
-            <a:r>
-              <a:rPr lang="en-US" dirty="0"/>
-              <a:t>Spring Boot Actuator does implement a /health endpoint and the implementation can be customized, as well.</a:t>
+              <a:t>A metrics service is required to gather statistics about individual operations. It should aggregate the metrics of an application service, which provides reporting and alerting. There are two models for aggregating metrics:</a:t>
+            </a:r>
+          </a:p>
+          <a:p>
+            <a:r>
+              <a:rPr lang="en-US" dirty="0"/>
+              <a:t>Push — the service pushes metrics to the metrics service e.g. </a:t>
+            </a:r>
+            <a:r>
+              <a:rPr lang="en-US" dirty="0" err="1"/>
+              <a:t>NewRelic</a:t>
+            </a:r>
+            <a:r>
+              <a:rPr lang="en-US" dirty="0"/>
+              <a:t>, </a:t>
+            </a:r>
+            <a:r>
+              <a:rPr lang="en-US" dirty="0" err="1"/>
+              <a:t>AppDynamics</a:t>
+            </a:r>
+            <a:endParaRPr lang="en-US" dirty="0"/>
+          </a:p>
+          <a:p>
+            <a:r>
+              <a:rPr lang="en-US" dirty="0"/>
+              <a:t>Pull — the metrics services pulls metrics from the service e.g. Prometheus</a:t>
             </a:r>
           </a:p>
           <a:p>
@@ -8459,7 +9037,7 @@
           <a:p>
             <a:r>
               <a:rPr lang="en-US" b="1" dirty="0"/>
-              <a:t>Cross-Cutting Concern Patterns</a:t>
+              <a:t>Distributed Tracing</a:t>
             </a:r>
             <a:br>
               <a:rPr lang="en-US" b="1" dirty="0"/>
@@ -8480,34 +9058,93 @@
         </p:nvSpPr>
         <p:spPr/>
         <p:txBody>
-          <a:bodyPr/>
-          <a:lstStyle/>
-          <a:p>
+          <a:bodyPr>
+            <a:normAutofit fontScale="62500" lnSpcReduction="20000"/>
+          </a:bodyPr>
+          <a:lstStyle/>
+          <a:p>
+            <a:pPr>
+              <a:buNone/>
+            </a:pPr>
             <a:r>
               <a:rPr lang="en-US" b="1" dirty="0"/>
-              <a:t>External Configuration</a:t>
-            </a:r>
-          </a:p>
-          <a:p>
+              <a:t>Problem</a:t>
+            </a:r>
+          </a:p>
+          <a:p>
+            <a:r>
+              <a:rPr lang="en-US" dirty="0"/>
+              <a:t>In </a:t>
+            </a:r>
+            <a:r>
+              <a:rPr lang="en-US" dirty="0" err="1"/>
+              <a:t>microservice</a:t>
+            </a:r>
+            <a:r>
+              <a:rPr lang="en-US" dirty="0"/>
+              <a:t> architecture, requests often span multiple services. Each service handles a request by performing one or more operations across multiple services. Then, how do we trace a request end-to-end to troubleshoot the problem?</a:t>
+            </a:r>
+          </a:p>
+          <a:p>
+            <a:pPr>
+              <a:buNone/>
+            </a:pPr>
             <a:r>
               <a:rPr lang="en-US" b="1" dirty="0"/>
-              <a:t>Service Discovery Pattern</a:t>
-            </a:r>
-          </a:p>
-          <a:p>
-            <a:r>
-              <a:rPr lang="en-US" b="1" dirty="0"/>
-              <a:t>Circuit Breaker Pattern</a:t>
-            </a:r>
-          </a:p>
-          <a:p>
-            <a:r>
-              <a:rPr lang="en-US" b="1" dirty="0"/>
-              <a:t>Blue-Green Deployment Pattern</a:t>
-            </a:r>
-          </a:p>
-          <a:p>
-            <a:endParaRPr lang="en-US" dirty="0"/>
+              <a:t>Solution</a:t>
+            </a:r>
+          </a:p>
+          <a:p>
+            <a:r>
+              <a:rPr lang="en-US" dirty="0"/>
+              <a:t>We need a service which</a:t>
+            </a:r>
+          </a:p>
+          <a:p>
+            <a:r>
+              <a:rPr lang="en-US" dirty="0"/>
+              <a:t>Assigns each external request a unique external request id.</a:t>
+            </a:r>
+          </a:p>
+          <a:p>
+            <a:r>
+              <a:rPr lang="en-US" dirty="0"/>
+              <a:t>Passes the external request id to all services.</a:t>
+            </a:r>
+          </a:p>
+          <a:p>
+            <a:r>
+              <a:rPr lang="en-US" dirty="0"/>
+              <a:t>Includes the external request id in all log messages.</a:t>
+            </a:r>
+          </a:p>
+          <a:p>
+            <a:r>
+              <a:rPr lang="en-US" dirty="0"/>
+              <a:t>Records information (e.g. start time, end time) about the requests and operations performed when handling an external request in a centralized service.</a:t>
+            </a:r>
+          </a:p>
+          <a:p>
+            <a:r>
+              <a:rPr lang="en-US" dirty="0"/>
+              <a:t>Spring Cloud </a:t>
+            </a:r>
+            <a:r>
+              <a:rPr lang="en-US" dirty="0" err="1"/>
+              <a:t>Slueth</a:t>
+            </a:r>
+            <a:r>
+              <a:rPr lang="en-US" dirty="0"/>
+              <a:t>, along with </a:t>
+            </a:r>
+            <a:r>
+              <a:rPr lang="en-US" dirty="0" err="1"/>
+              <a:t>Zipkin</a:t>
+            </a:r>
+            <a:r>
+              <a:rPr lang="en-US" dirty="0"/>
+              <a:t> server, is a common implementation.</a:t>
+            </a:r>
           </a:p>
         </p:txBody>
       </p:sp>
@@ -8555,7 +9192,7 @@
           <a:p>
             <a:r>
               <a:rPr lang="en-US" b="1" dirty="0"/>
-              <a:t>External Configuration</a:t>
+              <a:t>Health Check</a:t>
             </a:r>
             <a:br>
               <a:rPr lang="en-US" b="1" dirty="0"/>
@@ -8577,7 +9214,7 @@
         <p:spPr/>
         <p:txBody>
           <a:bodyPr>
-            <a:normAutofit fontScale="70000" lnSpcReduction="20000"/>
+            <a:normAutofit fontScale="77500" lnSpcReduction="20000"/>
           </a:bodyPr>
           <a:lstStyle/>
           <a:p>
@@ -8592,7 +9229,15 @@
           <a:p>
             <a:r>
               <a:rPr lang="en-US" dirty="0"/>
-              <a:t>A service typically calls other services and databases as well. For each environment like dev, QA, UAT, prod, the endpoint URL or some configuration properties might be different. A change in any of those properties might require a re-build and re-deploy of the service. How do we avoid code modification for configuration changes?</a:t>
+              <a:t>When </a:t>
+            </a:r>
+            <a:r>
+              <a:rPr lang="en-US" dirty="0" err="1"/>
+              <a:t>microservice</a:t>
+            </a:r>
+            <a:r>
+              <a:rPr lang="en-US" dirty="0"/>
+              <a:t> architecture has been implemented, there is a chance that a service might be up but not able to handle transactions. In that case, how do you ensure a request doesn't go to those failed instances? With a load balancing pattern implementation.</a:t>
             </a:r>
           </a:p>
           <a:p>
@@ -8607,29 +9252,13 @@
           <a:p>
             <a:r>
               <a:rPr lang="en-US" dirty="0"/>
-              <a:t>Externalize all the configuration, including endpoint URLs and credentials. The application should load them either at startup or on the fly.</a:t>
-            </a:r>
-          </a:p>
-          <a:p>
-            <a:r>
-              <a:rPr lang="en-US" dirty="0"/>
-              <a:t>Spring Cloud </a:t>
-            </a:r>
-            <a:r>
-              <a:rPr lang="en-US" dirty="0" err="1"/>
-              <a:t>config</a:t>
-            </a:r>
-            <a:r>
-              <a:rPr lang="en-US" dirty="0"/>
-              <a:t> server provides the option to externalize the properties to </a:t>
-            </a:r>
-            <a:r>
-              <a:rPr lang="en-US" dirty="0" err="1"/>
-              <a:t>GitHub</a:t>
-            </a:r>
-            <a:r>
-              <a:rPr lang="en-US" dirty="0"/>
-              <a:t> and load them as environment properties. These can be accessed by the application on startup or can be refreshed without a server restart.</a:t>
+              <a:t>Each service needs to have an endpoint which can be used to check the health of the application, such as /health. This API should o check the status of the host, the connection to other services/infrastructure, and any specific logic.</a:t>
+            </a:r>
+          </a:p>
+          <a:p>
+            <a:r>
+              <a:rPr lang="en-US" dirty="0"/>
+              <a:t>Spring Boot Actuator does implement a /health endpoint and the implementation can be customized, as well.</a:t>
             </a:r>
           </a:p>
           <a:p>
@@ -8681,7 +9310,7 @@
           <a:p>
             <a:r>
               <a:rPr lang="en-US" b="1" dirty="0"/>
-              <a:t>Service Discovery Pattern</a:t>
+              <a:t>Cross-Cutting Concern Patterns</a:t>
             </a:r>
             <a:br>
               <a:rPr lang="en-US" b="1" dirty="0"/>
@@ -8700,77 +9329,32 @@
             <p:ph idx="1"/>
           </p:nvPr>
         </p:nvSpPr>
-        <p:spPr>
-          <a:xfrm>
-            <a:off x="457200" y="1600200"/>
-            <a:ext cx="8507288" cy="4493095"/>
-          </a:xfrm>
-        </p:spPr>
-        <p:txBody>
-          <a:bodyPr>
-            <a:normAutofit fontScale="47500" lnSpcReduction="20000"/>
-          </a:bodyPr>
-          <a:lstStyle/>
-          <a:p>
-            <a:pPr>
-              <a:buNone/>
-            </a:pPr>
+        <p:spPr/>
+        <p:txBody>
+          <a:bodyPr/>
+          <a:lstStyle/>
+          <a:p>
             <a:r>
               <a:rPr lang="en-US" b="1" dirty="0"/>
-              <a:t>Problem</a:t>
-            </a:r>
-          </a:p>
-          <a:p>
-            <a:r>
-              <a:rPr lang="en-US" dirty="0"/>
-              <a:t>When </a:t>
-            </a:r>
-            <a:r>
-              <a:rPr lang="en-US" dirty="0" err="1"/>
-              <a:t>microservices</a:t>
-            </a:r>
-            <a:r>
-              <a:rPr lang="en-US" dirty="0"/>
-              <a:t> come into the picture, we need to address a few issues in terms of calling services:</a:t>
-            </a:r>
-          </a:p>
-          <a:p>
-            <a:r>
-              <a:rPr lang="en-US" dirty="0"/>
-              <a:t>With container technology, IP addresses are dynamically allocated to the service instances. Every time the address changes, a consumer service can break and need manual changes.</a:t>
-            </a:r>
-          </a:p>
-          <a:p>
-            <a:r>
-              <a:rPr lang="en-US" dirty="0"/>
-              <a:t>Each service URL has to be remembered by the consumer and become tightly coupled.</a:t>
-            </a:r>
-          </a:p>
-          <a:p>
-            <a:r>
-              <a:rPr lang="en-US" dirty="0"/>
-              <a:t>So how does the consumer or router know all the available service instances and locations?</a:t>
-            </a:r>
-          </a:p>
-          <a:p>
-            <a:endParaRPr lang="en-US" dirty="0"/>
-          </a:p>
-          <a:p>
-            <a:endParaRPr lang="en-US" dirty="0"/>
-          </a:p>
-          <a:p>
-            <a:pPr>
-              <a:buNone/>
-            </a:pPr>
+              <a:t>External Configuration</a:t>
+            </a:r>
+          </a:p>
+          <a:p>
             <a:r>
               <a:rPr lang="en-US" b="1" dirty="0"/>
-              <a:t>Solution</a:t>
-            </a:r>
-          </a:p>
-          <a:p>
-            <a:r>
-              <a:rPr lang="en-US" dirty="0"/>
-              <a:t>A service registry needs to be created which will keep the metadata of each producer service. A service instance should register to the registry when starting and should de-register when shutting down. The consumer or router should query the registry and find out the location of the service. The registry also needs to do a health check of the producer service to ensure that only working instances of the services are available to be consumed through it. There are two types of service discovery: client-side and server-side. An example of client-side discovery is Netflix Eureka and an example of server-side discovery is AWS ALB.</a:t>
+              <a:t>Service Discovery Pattern</a:t>
+            </a:r>
+          </a:p>
+          <a:p>
+            <a:r>
+              <a:rPr lang="en-US" b="1" dirty="0"/>
+              <a:t>Circuit Breaker Pattern</a:t>
+            </a:r>
+          </a:p>
+          <a:p>
+            <a:r>
+              <a:rPr lang="en-US" b="1" dirty="0"/>
+              <a:t>Blue-Green Deployment Pattern</a:t>
             </a:r>
           </a:p>
           <a:p>
@@ -8822,7 +9406,7 @@
           <a:p>
             <a:r>
               <a:rPr lang="en-US" b="1" dirty="0"/>
-              <a:t>Circuit Breaker Pattern</a:t>
+              <a:t>External Configuration</a:t>
             </a:r>
             <a:br>
               <a:rPr lang="en-US" b="1" dirty="0"/>
@@ -8844,7 +9428,7 @@
         <p:spPr/>
         <p:txBody>
           <a:bodyPr>
-            <a:normAutofit fontScale="47500" lnSpcReduction="20000"/>
+            <a:normAutofit fontScale="70000" lnSpcReduction="20000"/>
           </a:bodyPr>
           <a:lstStyle/>
           <a:p>
@@ -8859,14 +9443,8 @@
           <a:p>
             <a:r>
               <a:rPr lang="en-US" dirty="0"/>
-              <a:t>A service generally calls other services to retrieve data, and there is the chance that the downstream service may be down. There are two problems with this: first, the request will keep going to the down service, exhausting network resources and slowing performance. Second, the user experience will be bad and unpredictable. How do we avoid cascading service failures and handle failures gracefully?</a:t>
-            </a:r>
-          </a:p>
-          <a:p>
-            <a:pPr>
-              <a:buNone/>
-            </a:pPr>
-            <a:endParaRPr lang="en-US" b="1" dirty="0"/>
+              <a:t>A service typically calls other services and databases as well. For each environment like dev, QA, UAT, prod, the endpoint URL or some configuration properties might be different. A change in any of those properties might require a re-build and re-deploy of the service. How do we avoid code modification for configuration changes?</a:t>
+            </a:r>
           </a:p>
           <a:p>
             <a:pPr>
@@ -8880,21 +9458,29 @@
           <a:p>
             <a:r>
               <a:rPr lang="en-US" dirty="0"/>
-              <a:t>The consumer should invoke a remote service via a proxy that behaves in a similar fashion to an electrical circuit breaker. When the number of consecutive failures crosses a threshold, the circuit breaker trips, and for the duration of a timeout period, all attempts to invoke the remote service will fail immediately. After the timeout expires the circuit breaker allows a limited number of test requests to pass through. If those requests succeed, the circuit breaker resumes normal operation. Otherwise, if there is a failure, the timeout period begins again.</a:t>
-            </a:r>
-          </a:p>
-          <a:p>
-            <a:r>
-              <a:rPr lang="en-US" dirty="0"/>
-              <a:t>Netflix </a:t>
+              <a:t>Externalize all the configuration, including endpoint URLs and credentials. The application should load them either at startup or on the fly.</a:t>
+            </a:r>
+          </a:p>
+          <a:p>
+            <a:r>
+              <a:rPr lang="en-US" dirty="0"/>
+              <a:t>Spring Cloud </a:t>
             </a:r>
             <a:r>
               <a:rPr lang="en-US" dirty="0" err="1"/>
-              <a:t>Hystrix</a:t>
-            </a:r>
-            <a:r>
-              <a:rPr lang="en-US" dirty="0"/>
-              <a:t> is a good implementation of the circuit breaker pattern. It also helps you to define a fallback mechanism which can be used when the circuit breaker trips. That provides a better user experience.</a:t>
+              <a:t>config</a:t>
+            </a:r>
+            <a:r>
+              <a:rPr lang="en-US" dirty="0"/>
+              <a:t> server provides the option to externalize the properties to </a:t>
+            </a:r>
+            <a:r>
+              <a:rPr lang="en-US" dirty="0" err="1"/>
+              <a:t>GitHub</a:t>
+            </a:r>
+            <a:r>
+              <a:rPr lang="en-US" dirty="0"/>
+              <a:t> and load them as environment properties. These can be accessed by the application on startup or can be refreshed without a server restart.</a:t>
             </a:r>
           </a:p>
           <a:p>
@@ -8939,6 +9525,271 @@
         </p:nvSpPr>
         <p:spPr/>
         <p:txBody>
+          <a:bodyPr>
+            <a:normAutofit fontScale="90000"/>
+          </a:bodyPr>
+          <a:lstStyle/>
+          <a:p>
+            <a:r>
+              <a:rPr lang="en-US" b="1" dirty="0"/>
+              <a:t>Service Discovery Pattern</a:t>
+            </a:r>
+            <a:br>
+              <a:rPr lang="en-US" b="1" dirty="0"/>
+            </a:br>
+            <a:endParaRPr lang="en-US" dirty="0"/>
+          </a:p>
+        </p:txBody>
+      </p:sp>
+      <p:sp>
+        <p:nvSpPr>
+          <p:cNvPr id="3" name="Content Placeholder 2"/>
+          <p:cNvSpPr>
+            <a:spLocks noGrp="1"/>
+          </p:cNvSpPr>
+          <p:nvPr>
+            <p:ph idx="1"/>
+          </p:nvPr>
+        </p:nvSpPr>
+        <p:spPr>
+          <a:xfrm>
+            <a:off x="457200" y="1600200"/>
+            <a:ext cx="8507288" cy="4493095"/>
+          </a:xfrm>
+        </p:spPr>
+        <p:txBody>
+          <a:bodyPr>
+            <a:normAutofit fontScale="47500" lnSpcReduction="20000"/>
+          </a:bodyPr>
+          <a:lstStyle/>
+          <a:p>
+            <a:pPr>
+              <a:buNone/>
+            </a:pPr>
+            <a:r>
+              <a:rPr lang="en-US" b="1" dirty="0"/>
+              <a:t>Problem</a:t>
+            </a:r>
+          </a:p>
+          <a:p>
+            <a:r>
+              <a:rPr lang="en-US" dirty="0"/>
+              <a:t>When </a:t>
+            </a:r>
+            <a:r>
+              <a:rPr lang="en-US" dirty="0" err="1"/>
+              <a:t>microservices</a:t>
+            </a:r>
+            <a:r>
+              <a:rPr lang="en-US" dirty="0"/>
+              <a:t> come into the picture, we need to address a few issues in terms of calling services:</a:t>
+            </a:r>
+          </a:p>
+          <a:p>
+            <a:r>
+              <a:rPr lang="en-US" dirty="0"/>
+              <a:t>With container technology, IP addresses are dynamically allocated to the service instances. Every time the address changes, a consumer service can break and need manual changes.</a:t>
+            </a:r>
+          </a:p>
+          <a:p>
+            <a:r>
+              <a:rPr lang="en-US" dirty="0"/>
+              <a:t>Each service URL has to be remembered by the consumer and become tightly coupled.</a:t>
+            </a:r>
+          </a:p>
+          <a:p>
+            <a:r>
+              <a:rPr lang="en-US" dirty="0"/>
+              <a:t>So how does the consumer or router know all the available service instances and locations?</a:t>
+            </a:r>
+          </a:p>
+          <a:p>
+            <a:endParaRPr lang="en-US" dirty="0"/>
+          </a:p>
+          <a:p>
+            <a:endParaRPr lang="en-US" dirty="0"/>
+          </a:p>
+          <a:p>
+            <a:pPr>
+              <a:buNone/>
+            </a:pPr>
+            <a:r>
+              <a:rPr lang="en-US" b="1" dirty="0"/>
+              <a:t>Solution</a:t>
+            </a:r>
+          </a:p>
+          <a:p>
+            <a:r>
+              <a:rPr lang="en-US" dirty="0"/>
+              <a:t>A service registry needs to be created which will keep the metadata of each producer service. A service instance should register to the registry when starting and should de-register when shutting down. The consumer or router should query the registry and find out the location of the service. The registry also needs to do a health check of the producer service to ensure that only working instances of the services are available to be consumed through it. There are two types of service discovery: client-side and server-side. An example of client-side discovery is Netflix Eureka and an example of server-side discovery is AWS ALB.</a:t>
+            </a:r>
+          </a:p>
+          <a:p>
+            <a:endParaRPr lang="en-US" dirty="0"/>
+          </a:p>
+        </p:txBody>
+      </p:sp>
+    </p:spTree>
+  </p:cSld>
+  <p:clrMapOvr>
+    <a:masterClrMapping/>
+  </p:clrMapOvr>
+</p:sld>
+</file>
+
+<file path=ppt/slides/slide38.xml><?xml version="1.0" encoding="utf-8"?>
+<p:sld xmlns:a="http://schemas.openxmlformats.org/drawingml/2006/main" xmlns:r="http://schemas.openxmlformats.org/officeDocument/2006/relationships" xmlns:p="http://schemas.openxmlformats.org/presentationml/2006/main">
+  <p:cSld>
+    <p:spTree>
+      <p:nvGrpSpPr>
+        <p:cNvPr id="1" name=""/>
+        <p:cNvGrpSpPr/>
+        <p:nvPr/>
+      </p:nvGrpSpPr>
+      <p:grpSpPr>
+        <a:xfrm>
+          <a:off x="0" y="0"/>
+          <a:ext cx="0" cy="0"/>
+          <a:chOff x="0" y="0"/>
+          <a:chExt cx="0" cy="0"/>
+        </a:xfrm>
+      </p:grpSpPr>
+      <p:sp>
+        <p:nvSpPr>
+          <p:cNvPr id="2" name="Title 1"/>
+          <p:cNvSpPr>
+            <a:spLocks noGrp="1"/>
+          </p:cNvSpPr>
+          <p:nvPr>
+            <p:ph type="title"/>
+          </p:nvPr>
+        </p:nvSpPr>
+        <p:spPr/>
+        <p:txBody>
+          <a:bodyPr>
+            <a:normAutofit fontScale="90000"/>
+          </a:bodyPr>
+          <a:lstStyle/>
+          <a:p>
+            <a:r>
+              <a:rPr lang="en-US" b="1" dirty="0"/>
+              <a:t>Circuit Breaker Pattern</a:t>
+            </a:r>
+            <a:br>
+              <a:rPr lang="en-US" b="1" dirty="0"/>
+            </a:br>
+            <a:endParaRPr lang="en-US" dirty="0"/>
+          </a:p>
+        </p:txBody>
+      </p:sp>
+      <p:sp>
+        <p:nvSpPr>
+          <p:cNvPr id="3" name="Content Placeholder 2"/>
+          <p:cNvSpPr>
+            <a:spLocks noGrp="1"/>
+          </p:cNvSpPr>
+          <p:nvPr>
+            <p:ph idx="1"/>
+          </p:nvPr>
+        </p:nvSpPr>
+        <p:spPr/>
+        <p:txBody>
+          <a:bodyPr>
+            <a:normAutofit fontScale="47500" lnSpcReduction="20000"/>
+          </a:bodyPr>
+          <a:lstStyle/>
+          <a:p>
+            <a:pPr>
+              <a:buNone/>
+            </a:pPr>
+            <a:r>
+              <a:rPr lang="en-US" b="1" dirty="0"/>
+              <a:t>Problem</a:t>
+            </a:r>
+          </a:p>
+          <a:p>
+            <a:r>
+              <a:rPr lang="en-US" dirty="0"/>
+              <a:t>A service generally calls other services to retrieve data, and there is the chance that the downstream service may be down. There are two problems with this: first, the request will keep going to the down service, exhausting network resources and slowing performance. Second, the user experience will be bad and unpredictable. How do we avoid cascading service failures and handle failures gracefully?</a:t>
+            </a:r>
+          </a:p>
+          <a:p>
+            <a:pPr>
+              <a:buNone/>
+            </a:pPr>
+            <a:endParaRPr lang="en-US" b="1" dirty="0"/>
+          </a:p>
+          <a:p>
+            <a:pPr>
+              <a:buNone/>
+            </a:pPr>
+            <a:r>
+              <a:rPr lang="en-US" b="1" dirty="0"/>
+              <a:t>Solution</a:t>
+            </a:r>
+          </a:p>
+          <a:p>
+            <a:r>
+              <a:rPr lang="en-US" dirty="0"/>
+              <a:t>The consumer should invoke a remote service via a proxy that behaves in a similar fashion to an electrical circuit breaker. When the number of consecutive failures crosses a threshold, the circuit breaker trips, and for the duration of a timeout period, all attempts to invoke the remote service will fail immediately. After the timeout expires the circuit breaker allows a limited number of test requests to pass through. If those requests succeed, the circuit breaker resumes normal operation. Otherwise, if there is a failure, the timeout period begins again.</a:t>
+            </a:r>
+          </a:p>
+          <a:p>
+            <a:r>
+              <a:rPr lang="en-US" dirty="0"/>
+              <a:t>Netflix </a:t>
+            </a:r>
+            <a:r>
+              <a:rPr lang="en-US" dirty="0" err="1"/>
+              <a:t>Hystrix</a:t>
+            </a:r>
+            <a:r>
+              <a:rPr lang="en-US" dirty="0"/>
+              <a:t> is a good implementation of the circuit breaker pattern. It also helps you to define a fallback mechanism which can be used when the circuit breaker trips. That provides a better user experience.</a:t>
+            </a:r>
+          </a:p>
+          <a:p>
+            <a:endParaRPr lang="en-US" dirty="0"/>
+          </a:p>
+        </p:txBody>
+      </p:sp>
+    </p:spTree>
+  </p:cSld>
+  <p:clrMapOvr>
+    <a:masterClrMapping/>
+  </p:clrMapOvr>
+</p:sld>
+</file>
+
+<file path=ppt/slides/slide39.xml><?xml version="1.0" encoding="utf-8"?>
+<p:sld xmlns:a="http://schemas.openxmlformats.org/drawingml/2006/main" xmlns:r="http://schemas.openxmlformats.org/officeDocument/2006/relationships" xmlns:p="http://schemas.openxmlformats.org/presentationml/2006/main">
+  <p:cSld>
+    <p:spTree>
+      <p:nvGrpSpPr>
+        <p:cNvPr id="1" name=""/>
+        <p:cNvGrpSpPr/>
+        <p:nvPr/>
+      </p:nvGrpSpPr>
+      <p:grpSpPr>
+        <a:xfrm>
+          <a:off x="0" y="0"/>
+          <a:ext cx="0" cy="0"/>
+          <a:chOff x="0" y="0"/>
+          <a:chExt cx="0" cy="0"/>
+        </a:xfrm>
+      </p:grpSpPr>
+      <p:sp>
+        <p:nvSpPr>
+          <p:cNvPr id="2" name="Title 1"/>
+          <p:cNvSpPr>
+            <a:spLocks noGrp="1"/>
+          </p:cNvSpPr>
+          <p:nvPr>
+            <p:ph type="title"/>
+          </p:nvPr>
+        </p:nvSpPr>
+        <p:spPr/>
+        <p:txBody>
           <a:bodyPr/>
           <a:lstStyle/>
           <a:p>
@@ -9095,7 +9946,13 @@
       </p:grpSpPr>
       <p:sp>
         <p:nvSpPr>
-          <p:cNvPr id="2" name="Title 1"/>
+          <p:cNvPr id="2" name="Title 1">
+            <a:extLst>
+              <a:ext uri="{FF2B5EF4-FFF2-40B4-BE49-F238E27FC236}">
+                <a16:creationId xmlns:a16="http://schemas.microsoft.com/office/drawing/2014/main" id="{AFA8C480-01F2-D9F7-F9B6-9CEE59F645EC}"/>
+              </a:ext>
+            </a:extLst>
+          </p:cNvPr>
           <p:cNvSpPr>
             <a:spLocks noGrp="1"/>
           </p:cNvSpPr>
@@ -9105,24 +9962,31 @@
         </p:nvSpPr>
         <p:spPr/>
         <p:txBody>
-          <a:bodyPr/>
-          <a:lstStyle/>
-          <a:p>
-            <a:r>
-              <a:rPr lang="en-US" dirty="0"/>
-              <a:t>Design Patterns of </a:t>
-            </a:r>
-            <a:r>
-              <a:rPr lang="en-US" dirty="0" err="1"/>
-              <a:t>Microservices</a:t>
-            </a:r>
-            <a:endParaRPr lang="en-US" dirty="0"/>
-          </a:p>
-        </p:txBody>
-      </p:sp>
-      <p:sp>
-        <p:nvSpPr>
-          <p:cNvPr id="3" name="Content Placeholder 2"/>
+          <a:bodyPr>
+            <a:normAutofit fontScale="90000"/>
+          </a:bodyPr>
+          <a:lstStyle/>
+          <a:p>
+            <a:r>
+              <a:rPr lang="en-IN" dirty="0" err="1"/>
+              <a:t>MicroServices</a:t>
+            </a:r>
+            <a:r>
+              <a:rPr lang="en-IN" dirty="0"/>
+              <a:t> with Spring Cloud Example</a:t>
+            </a:r>
+          </a:p>
+        </p:txBody>
+      </p:sp>
+      <p:sp>
+        <p:nvSpPr>
+          <p:cNvPr id="3" name="Content Placeholder 2">
+            <a:extLst>
+              <a:ext uri="{FF2B5EF4-FFF2-40B4-BE49-F238E27FC236}">
+                <a16:creationId xmlns:a16="http://schemas.microsoft.com/office/drawing/2014/main" id="{E876086B-46C5-12D9-F034-5ECFA1138B23}"/>
+              </a:ext>
+            </a:extLst>
+          </p:cNvPr>
           <p:cNvSpPr>
             <a:spLocks noGrp="1"/>
           </p:cNvSpPr>
@@ -9132,44 +9996,75 @@
         </p:nvSpPr>
         <p:spPr/>
         <p:txBody>
-          <a:bodyPr/>
-          <a:lstStyle/>
-          <a:p>
-            <a:r>
-              <a:rPr lang="en-US" b="1" dirty="0"/>
-              <a:t>Decomposition Patterns</a:t>
-            </a:r>
-          </a:p>
-          <a:p>
-            <a:r>
-              <a:rPr lang="en-US" b="1" dirty="0"/>
-              <a:t>Integrator Patterns</a:t>
-            </a:r>
-          </a:p>
-          <a:p>
-            <a:r>
-              <a:rPr lang="en-US" b="1" dirty="0"/>
-              <a:t>Database Patterns</a:t>
-            </a:r>
-          </a:p>
-          <a:p>
-            <a:r>
-              <a:rPr lang="en-US" b="1" dirty="0"/>
-              <a:t>Observability Patterns</a:t>
-            </a:r>
-          </a:p>
-          <a:p>
-            <a:r>
-              <a:rPr lang="en-US" b="1" dirty="0"/>
-              <a:t>Cross-Cutting Concern Patterns</a:t>
-            </a:r>
-          </a:p>
-          <a:p>
-            <a:endParaRPr lang="en-US" dirty="0"/>
-          </a:p>
-        </p:txBody>
-      </p:sp>
+          <a:bodyPr>
+            <a:normAutofit/>
+          </a:bodyPr>
+          <a:lstStyle/>
+          <a:p>
+            <a:pPr marL="0" indent="0">
+              <a:buNone/>
+            </a:pPr>
+            <a:r>
+              <a:rPr lang="en-US" dirty="0"/>
+              <a:t>Architecture of microservices-based system</a:t>
+            </a:r>
+            <a:endParaRPr lang="en-IN" dirty="0"/>
+          </a:p>
+        </p:txBody>
+      </p:sp>
+      <p:pic>
+        <p:nvPicPr>
+          <p:cNvPr id="1036" name="Picture 12" descr="microservices-spring-boot-spring-cloud-3">
+            <a:extLst>
+              <a:ext uri="{FF2B5EF4-FFF2-40B4-BE49-F238E27FC236}">
+                <a16:creationId xmlns:a16="http://schemas.microsoft.com/office/drawing/2014/main" id="{C873D228-B3AD-3CA6-D6F1-89C16B8416C4}"/>
+              </a:ext>
+            </a:extLst>
+          </p:cNvPr>
+          <p:cNvPicPr>
+            <a:picLocks noChangeAspect="1" noChangeArrowheads="1"/>
+          </p:cNvPicPr>
+          <p:nvPr/>
+        </p:nvPicPr>
+        <p:blipFill>
+          <a:blip r:embed="rId3">
+            <a:extLst>
+              <a:ext uri="{28A0092B-C50C-407E-A947-70E740481C1C}">
+                <a14:useLocalDpi xmlns:a14="http://schemas.microsoft.com/office/drawing/2010/main" val="0"/>
+              </a:ext>
+            </a:extLst>
+          </a:blip>
+          <a:srcRect/>
+          <a:stretch>
+            <a:fillRect/>
+          </a:stretch>
+        </p:blipFill>
+        <p:spPr bwMode="auto">
+          <a:xfrm>
+            <a:off x="1475656" y="2122932"/>
+            <a:ext cx="6629400" cy="4762500"/>
+          </a:xfrm>
+          <a:prstGeom prst="rect">
+            <a:avLst/>
+          </a:prstGeom>
+          <a:noFill/>
+          <a:extLst>
+            <a:ext uri="{909E8E84-426E-40DD-AFC4-6F175D3DCCD1}">
+              <a14:hiddenFill xmlns:a14="http://schemas.microsoft.com/office/drawing/2010/main">
+                <a:solidFill>
+                  <a:srgbClr val="FFFFFF"/>
+                </a:solidFill>
+              </a14:hiddenFill>
+            </a:ext>
+          </a:extLst>
+        </p:spPr>
+      </p:pic>
     </p:spTree>
+    <p:extLst>
+      <p:ext uri="{BB962C8B-B14F-4D97-AF65-F5344CB8AC3E}">
+        <p14:creationId xmlns:p14="http://schemas.microsoft.com/office/powerpoint/2010/main" val="3239957530"/>
+      </p:ext>
+    </p:extLst>
   </p:cSld>
   <p:clrMapOvr>
     <a:masterClrMapping/>
@@ -9196,7 +10091,13 @@
       </p:grpSpPr>
       <p:sp>
         <p:nvSpPr>
-          <p:cNvPr id="2" name="Title 1"/>
+          <p:cNvPr id="2" name="Title 1">
+            <a:extLst>
+              <a:ext uri="{FF2B5EF4-FFF2-40B4-BE49-F238E27FC236}">
+                <a16:creationId xmlns:a16="http://schemas.microsoft.com/office/drawing/2014/main" id="{AFA8C480-01F2-D9F7-F9B6-9CEE59F645EC}"/>
+              </a:ext>
+            </a:extLst>
+          </p:cNvPr>
           <p:cNvSpPr>
             <a:spLocks noGrp="1"/>
           </p:cNvSpPr>
@@ -9212,78 +10113,143 @@
           <a:lstStyle/>
           <a:p>
             <a:r>
+              <a:rPr lang="en-IN" dirty="0" err="1"/>
+              <a:t>MicroServices</a:t>
+            </a:r>
+            <a:r>
+              <a:rPr lang="en-IN" dirty="0"/>
+              <a:t> with Spring Cloud Example</a:t>
+            </a:r>
+          </a:p>
+        </p:txBody>
+      </p:sp>
+      <p:sp>
+        <p:nvSpPr>
+          <p:cNvPr id="3" name="Content Placeholder 2">
+            <a:extLst>
+              <a:ext uri="{FF2B5EF4-FFF2-40B4-BE49-F238E27FC236}">
+                <a16:creationId xmlns:a16="http://schemas.microsoft.com/office/drawing/2014/main" id="{E876086B-46C5-12D9-F034-5ECFA1138B23}"/>
+              </a:ext>
+            </a:extLst>
+          </p:cNvPr>
+          <p:cNvSpPr>
+            <a:spLocks noGrp="1"/>
+          </p:cNvSpPr>
+          <p:nvPr>
+            <p:ph idx="1"/>
+          </p:nvPr>
+        </p:nvSpPr>
+        <p:spPr/>
+        <p:txBody>
+          <a:bodyPr>
+            <a:normAutofit fontScale="55000" lnSpcReduction="20000"/>
+          </a:bodyPr>
+          <a:lstStyle/>
+          <a:p>
+            <a:pPr marL="0" indent="0">
+              <a:buNone/>
+            </a:pPr>
+            <a:r>
+              <a:rPr lang="en-US" dirty="0"/>
+              <a:t>Architecture of microservices-based system consists of the following modules:</a:t>
+            </a:r>
+          </a:p>
+          <a:p>
+            <a:endParaRPr lang="en-US" dirty="0"/>
+          </a:p>
+          <a:p>
+            <a:r>
               <a:rPr lang="en-US" b="1" dirty="0"/>
-              <a:t>Decomposition Patterns</a:t>
-            </a:r>
-            <a:br>
+              <a:t>gateway-service</a:t>
+            </a:r>
+            <a:r>
+              <a:rPr lang="en-US" dirty="0"/>
+              <a:t> - a module that Spring Cloud Netflix </a:t>
+            </a:r>
+            <a:r>
+              <a:rPr lang="en-US" dirty="0" err="1"/>
+              <a:t>Zuul</a:t>
+            </a:r>
+            <a:r>
+              <a:rPr lang="en-US" dirty="0"/>
+              <a:t> for running Spring Boot application that acts as a proxy/gateway in our architecture.</a:t>
+            </a:r>
+          </a:p>
+          <a:p>
+            <a:r>
               <a:rPr lang="en-US" b="1" dirty="0"/>
-            </a:br>
-            <a:endParaRPr lang="en-US" dirty="0"/>
-          </a:p>
-        </p:txBody>
-      </p:sp>
-      <p:sp>
-        <p:nvSpPr>
-          <p:cNvPr id="3" name="Content Placeholder 2"/>
-          <p:cNvSpPr>
-            <a:spLocks noGrp="1"/>
-          </p:cNvSpPr>
-          <p:nvPr>
-            <p:ph idx="1"/>
-          </p:nvPr>
-        </p:nvSpPr>
-        <p:spPr/>
-        <p:txBody>
-          <a:bodyPr>
-            <a:normAutofit fontScale="70000" lnSpcReduction="20000"/>
-          </a:bodyPr>
-          <a:lstStyle/>
+              <a:t>config-service</a:t>
+            </a:r>
+            <a:r>
+              <a:rPr lang="en-US" dirty="0"/>
+              <a:t> - a module that uses Spring Cloud Config Server for running configuration server in the native mode. The configuration files are placed on the </a:t>
+            </a:r>
+            <a:r>
+              <a:rPr lang="en-US" dirty="0" err="1"/>
+              <a:t>classpath</a:t>
+            </a:r>
+            <a:r>
+              <a:rPr lang="en-US" dirty="0"/>
+              <a:t>.</a:t>
+            </a:r>
+          </a:p>
           <a:p>
             <a:r>
               <a:rPr lang="en-US" b="1" dirty="0"/>
-              <a:t>Decompose by Business Capability</a:t>
-            </a:r>
-          </a:p>
-          <a:p>
-            <a:pPr>
-              <a:buNone/>
-            </a:pPr>
+              <a:t>discovery-service</a:t>
+            </a:r>
+            <a:r>
+              <a:rPr lang="en-US" dirty="0"/>
+              <a:t> - a module that depending on the example it uses Spring Cloud Netflix Eureka or Spring Cloud Netflix Alibaba </a:t>
+            </a:r>
+            <a:r>
+              <a:rPr lang="en-US" dirty="0" err="1"/>
+              <a:t>Nacos</a:t>
+            </a:r>
+            <a:r>
+              <a:rPr lang="en-US" dirty="0"/>
+              <a:t> as an embedded discovery server.</a:t>
+            </a:r>
+          </a:p>
+          <a:p>
             <a:r>
               <a:rPr lang="en-US" b="1" dirty="0"/>
-              <a:t>Problem</a:t>
-            </a:r>
-          </a:p>
-          <a:p>
-            <a:r>
-              <a:rPr lang="en-US" dirty="0" err="1"/>
-              <a:t>Microservices</a:t>
-            </a:r>
-            <a:r>
-              <a:rPr lang="en-US" dirty="0"/>
-              <a:t> is all about making services loosely coupled, applying the single responsibility principle. However, breaking an application into smaller pieces has to be done logically. How do we decompose an application into small services?</a:t>
-            </a:r>
-          </a:p>
-          <a:p>
-            <a:pPr>
-              <a:buNone/>
-            </a:pPr>
+              <a:t>employee-service</a:t>
+            </a:r>
+            <a:r>
+              <a:rPr lang="en-US" dirty="0"/>
+              <a:t> - a module containing the first of our sample microservices that allows to perform CRUD operation on in-memory repository of employees</a:t>
+            </a:r>
+          </a:p>
+          <a:p>
             <a:r>
               <a:rPr lang="en-US" b="1" dirty="0"/>
-              <a:t>Solution</a:t>
-            </a:r>
-          </a:p>
-          <a:p>
-            <a:r>
-              <a:rPr lang="en-US" dirty="0"/>
-              <a:t>One strategy is to decompose by business capability. A business capability is something that a business does in order to generate value. The set of capabilities for a given business depend on the type of business. For example, the capabilities of an insurance company typically include sales, marketing, underwriting, claims processing, billing, compliance, etc. Each business capability can be thought of as a service, except it’s business-oriented rather than technical.</a:t>
-            </a:r>
-          </a:p>
-          <a:p>
-            <a:endParaRPr lang="en-US" dirty="0"/>
+              <a:t>department-service</a:t>
+            </a:r>
+            <a:r>
+              <a:rPr lang="en-US" dirty="0"/>
+              <a:t> - a module containing the second of our sample microservices that allows to perform CRUD operation on in-memory repository of departments. It communicates with employee-service.</a:t>
+            </a:r>
+          </a:p>
+          <a:p>
+            <a:r>
+              <a:rPr lang="en-US" b="1" dirty="0"/>
+              <a:t>organization-service</a:t>
+            </a:r>
+            <a:r>
+              <a:rPr lang="en-US" dirty="0"/>
+              <a:t> - a module containing the third of our sample microservices that allows to perform CRUD operation on in-memory repository of organizations. It communicates with both employee-service and organization-service.</a:t>
+            </a:r>
+            <a:endParaRPr lang="en-IN" dirty="0"/>
           </a:p>
         </p:txBody>
       </p:sp>
     </p:spTree>
+    <p:extLst>
+      <p:ext uri="{BB962C8B-B14F-4D97-AF65-F5344CB8AC3E}">
+        <p14:creationId xmlns:p14="http://schemas.microsoft.com/office/powerpoint/2010/main" val="498630285"/>
+      </p:ext>
+    </p:extLst>
   </p:cSld>
   <p:clrMapOvr>
     <a:masterClrMapping/>
@@ -9320,142 +10286,67 @@
         </p:nvSpPr>
         <p:spPr/>
         <p:txBody>
-          <a:bodyPr>
-            <a:normAutofit fontScale="90000"/>
-          </a:bodyPr>
+          <a:bodyPr/>
+          <a:lstStyle/>
+          <a:p>
+            <a:r>
+              <a:rPr lang="en-US" dirty="0"/>
+              <a:t>Design Patterns of </a:t>
+            </a:r>
+            <a:r>
+              <a:rPr lang="en-US" dirty="0" err="1"/>
+              <a:t>Microservices</a:t>
+            </a:r>
+            <a:endParaRPr lang="en-US" dirty="0"/>
+          </a:p>
+        </p:txBody>
+      </p:sp>
+      <p:sp>
+        <p:nvSpPr>
+          <p:cNvPr id="3" name="Content Placeholder 2"/>
+          <p:cNvSpPr>
+            <a:spLocks noGrp="1"/>
+          </p:cNvSpPr>
+          <p:nvPr>
+            <p:ph idx="1"/>
+          </p:nvPr>
+        </p:nvSpPr>
+        <p:spPr/>
+        <p:txBody>
+          <a:bodyPr/>
           <a:lstStyle/>
           <a:p>
             <a:r>
               <a:rPr lang="en-US" b="1" dirty="0"/>
               <a:t>Decomposition Patterns</a:t>
             </a:r>
-            <a:br>
+          </a:p>
+          <a:p>
+            <a:r>
               <a:rPr lang="en-US" b="1" dirty="0"/>
-            </a:br>
+              <a:t>Integrator Patterns</a:t>
+            </a:r>
+          </a:p>
+          <a:p>
+            <a:r>
+              <a:rPr lang="en-US" b="1" dirty="0"/>
+              <a:t>Database Patterns</a:t>
+            </a:r>
+          </a:p>
+          <a:p>
+            <a:r>
+              <a:rPr lang="en-US" b="1" dirty="0"/>
+              <a:t>Observability Patterns</a:t>
+            </a:r>
+          </a:p>
+          <a:p>
+            <a:r>
+              <a:rPr lang="en-US" b="1" dirty="0"/>
+              <a:t>Cross-Cutting Concern Patterns</a:t>
+            </a:r>
+          </a:p>
+          <a:p>
             <a:endParaRPr lang="en-US" dirty="0"/>
-          </a:p>
-        </p:txBody>
-      </p:sp>
-      <p:sp>
-        <p:nvSpPr>
-          <p:cNvPr id="3" name="Content Placeholder 2"/>
-          <p:cNvSpPr>
-            <a:spLocks noGrp="1"/>
-          </p:cNvSpPr>
-          <p:nvPr>
-            <p:ph idx="1"/>
-          </p:nvPr>
-        </p:nvSpPr>
-        <p:spPr/>
-        <p:txBody>
-          <a:bodyPr>
-            <a:normAutofit/>
-          </a:bodyPr>
-          <a:lstStyle/>
-          <a:p>
-            <a:r>
-              <a:rPr lang="en-US" sz="1600" b="1" dirty="0"/>
-              <a:t>Decompose by </a:t>
-            </a:r>
-            <a:r>
-              <a:rPr lang="en-US" sz="1600" b="1" dirty="0" err="1"/>
-              <a:t>Subdomain</a:t>
-            </a:r>
-            <a:endParaRPr lang="en-US" sz="1600" b="1" dirty="0"/>
-          </a:p>
-          <a:p>
-            <a:pPr>
-              <a:buNone/>
-            </a:pPr>
-            <a:r>
-              <a:rPr lang="en-US" sz="1600" b="1" dirty="0"/>
-              <a:t>Problem</a:t>
-            </a:r>
-          </a:p>
-          <a:p>
-            <a:r>
-              <a:rPr lang="en-US" sz="1600" dirty="0"/>
-              <a:t>Decomposing an application using business capabilities might be a good start, but you will come across so-called "God Classes" which will not be easy to decompose. These classes will be common among multiple services. For example, the Order class will be used in Order Management, Order Taking, Order Delivery, etc. How do we decompose them?</a:t>
-            </a:r>
-          </a:p>
-          <a:p>
-            <a:pPr>
-              <a:buNone/>
-            </a:pPr>
-            <a:endParaRPr lang="en-US" sz="1600" b="1" dirty="0"/>
-          </a:p>
-          <a:p>
-            <a:pPr>
-              <a:buNone/>
-            </a:pPr>
-            <a:r>
-              <a:rPr lang="en-US" sz="1600" b="1" dirty="0"/>
-              <a:t>Solution</a:t>
-            </a:r>
-          </a:p>
-          <a:p>
-            <a:r>
-              <a:rPr lang="en-US" sz="1600" dirty="0"/>
-              <a:t>For the "God Classes" issue, DDD (Domain-Driven Design) comes to the rescue. It uses </a:t>
-            </a:r>
-            <a:r>
-              <a:rPr lang="en-US" sz="1600" dirty="0" err="1"/>
-              <a:t>subdomains</a:t>
-            </a:r>
-            <a:r>
-              <a:rPr lang="en-US" sz="1600" dirty="0"/>
-              <a:t> and bounded context concepts to solve this problem. DDD breaks the whole domain model created for the enterprise into </a:t>
-            </a:r>
-            <a:r>
-              <a:rPr lang="en-US" sz="1600" dirty="0" err="1"/>
-              <a:t>subdomains</a:t>
-            </a:r>
-            <a:r>
-              <a:rPr lang="en-US" sz="1600" dirty="0"/>
-              <a:t>. Each </a:t>
-            </a:r>
-            <a:r>
-              <a:rPr lang="en-US" sz="1600" dirty="0" err="1"/>
-              <a:t>subdomain</a:t>
-            </a:r>
-            <a:r>
-              <a:rPr lang="en-US" sz="1600" dirty="0"/>
-              <a:t> will have a model, and the scope of that model will be called the bounded context. Each </a:t>
-            </a:r>
-            <a:r>
-              <a:rPr lang="en-US" sz="1600" dirty="0" err="1"/>
-              <a:t>microservice</a:t>
-            </a:r>
-            <a:r>
-              <a:rPr lang="en-US" sz="1600" dirty="0"/>
-              <a:t> will be developed around the bounded context.</a:t>
-            </a:r>
-          </a:p>
-          <a:p>
-            <a:r>
-              <a:rPr lang="en-US" sz="1600" b="1" dirty="0"/>
-              <a:t>Note</a:t>
-            </a:r>
-            <a:r>
-              <a:rPr lang="en-US" sz="1600" dirty="0"/>
-              <a:t>: Identifying </a:t>
-            </a:r>
-            <a:r>
-              <a:rPr lang="en-US" sz="1600" dirty="0" err="1"/>
-              <a:t>subdomains</a:t>
-            </a:r>
-            <a:r>
-              <a:rPr lang="en-US" sz="1600" dirty="0"/>
-              <a:t> is not an easy task. It requires an understanding of the business. Like business capabilities, </a:t>
-            </a:r>
-            <a:r>
-              <a:rPr lang="en-US" sz="1600" dirty="0" err="1"/>
-              <a:t>subdomains</a:t>
-            </a:r>
-            <a:r>
-              <a:rPr lang="en-US" sz="1600" dirty="0"/>
-              <a:t> are identified by analyzing the business and its organizational structure and identifying the different areas of expertise.</a:t>
-            </a:r>
           </a:p>
         </p:txBody>
       </p:sp>
@@ -9503,7 +10394,7 @@
           <a:p>
             <a:r>
               <a:rPr lang="en-US" b="1" dirty="0"/>
-              <a:t>Strangler Pattern</a:t>
+              <a:t>Decomposition Patterns</a:t>
             </a:r>
             <a:br>
               <a:rPr lang="en-US" b="1" dirty="0"/>
@@ -9525,9 +10416,15 @@
         <p:spPr/>
         <p:txBody>
           <a:bodyPr>
-            <a:normAutofit fontScale="62500" lnSpcReduction="20000"/>
+            <a:normAutofit fontScale="70000" lnSpcReduction="20000"/>
           </a:bodyPr>
           <a:lstStyle/>
+          <a:p>
+            <a:r>
+              <a:rPr lang="en-US" b="1" dirty="0"/>
+              <a:t>Decompose by Business Capability</a:t>
+            </a:r>
+          </a:p>
           <a:p>
             <a:pPr>
               <a:buNone/>
@@ -9539,31 +10436,13 @@
           </a:p>
           <a:p>
             <a:r>
-              <a:rPr lang="en-US" dirty="0"/>
-              <a:t>So far, the design patterns we talked about were decomposing applications for </a:t>
-            </a:r>
-            <a:r>
               <a:rPr lang="en-US" dirty="0" err="1"/>
-              <a:t>greenfield</a:t>
-            </a:r>
-            <a:r>
-              <a:rPr lang="en-US" dirty="0"/>
-              <a:t>, but 80% of the work we do is with </a:t>
-            </a:r>
-            <a:r>
-              <a:rPr lang="en-US" dirty="0" err="1"/>
-              <a:t>brownfield</a:t>
-            </a:r>
-            <a:r>
-              <a:rPr lang="en-US" dirty="0"/>
-              <a:t> applications, which are big, monolithic applications. Applying all the above design patterns to them will be difficult because breaking them into smaller pieces at the same time it's being used live is a big task.</a:t>
-            </a:r>
-          </a:p>
-          <a:p>
-            <a:pPr>
-              <a:buNone/>
-            </a:pPr>
-            <a:endParaRPr lang="en-US" b="1" dirty="0"/>
+              <a:t>Microservices</a:t>
+            </a:r>
+            <a:r>
+              <a:rPr lang="en-US" dirty="0"/>
+              <a:t> is all about making services loosely coupled, applying the single responsibility principle. However, breaking an application into smaller pieces has to be done logically. How do we decompose an application into small services?</a:t>
+            </a:r>
           </a:p>
           <a:p>
             <a:pPr>
@@ -9577,22 +10456,8 @@
           <a:p>
             <a:r>
               <a:rPr lang="en-US" dirty="0"/>
-              <a:t>The Strangler pattern comes to the rescue. The Strangler pattern is based on an analogy to a vine that strangles a tree that it’s wrapped around. This solution works well with web applications, where a call goes back and forth, and for each URI call, a service can be broken into different domains and hosted as separate services. The idea is to do it one domain at a time. This creates two separate applications that live side by side in the same URI space. Eventually, the newly </a:t>
-            </a:r>
-            <a:r>
-              <a:rPr lang="en-US" dirty="0" err="1"/>
-              <a:t>refactored</a:t>
-            </a:r>
-            <a:r>
-              <a:rPr lang="en-US" dirty="0"/>
-              <a:t> application “strangles” or replaces the original application until finally you can shut off the monolithic application.</a:t>
-            </a:r>
-          </a:p>
-          <a:p>
-            <a:pPr>
-              <a:buNone/>
-            </a:pPr>
-            <a:endParaRPr lang="en-US" b="1" dirty="0"/>
+              <a:t>One strategy is to decompose by business capability. A business capability is something that a business does in order to generate value. The set of capabilities for a given business depend on the type of business. For example, the capabilities of an insurance company typically include sales, marketing, underwriting, claims processing, billing, compliance, etc. Each business capability can be thought of as a service, except it’s business-oriented rather than technical.</a:t>
+            </a:r>
           </a:p>
           <a:p>
             <a:endParaRPr lang="en-US" dirty="0"/>
@@ -9636,13 +10501,19 @@
         </p:nvSpPr>
         <p:spPr/>
         <p:txBody>
-          <a:bodyPr/>
-          <a:lstStyle/>
-          <a:p>
-            <a:r>
-              <a:rPr lang="en-US" dirty="0"/>
-              <a:t>Integrator Pattern	</a:t>
-            </a:r>
+          <a:bodyPr>
+            <a:normAutofit fontScale="90000"/>
+          </a:bodyPr>
+          <a:lstStyle/>
+          <a:p>
+            <a:r>
+              <a:rPr lang="en-US" b="1" dirty="0"/>
+              <a:t>Decomposition Patterns</a:t>
+            </a:r>
+            <a:br>
+              <a:rPr lang="en-US" b="1" dirty="0"/>
+            </a:br>
+            <a:endParaRPr lang="en-US" dirty="0"/>
           </a:p>
         </p:txBody>
       </p:sp>
@@ -9658,31 +10529,114 @@
         </p:nvSpPr>
         <p:spPr/>
         <p:txBody>
-          <a:bodyPr/>
-          <a:lstStyle/>
-          <a:p>
-            <a:r>
-              <a:rPr lang="en-US" dirty="0"/>
-              <a:t>API Gateway Pattern</a:t>
-            </a:r>
-          </a:p>
-          <a:p>
-            <a:r>
-              <a:rPr lang="en-US" dirty="0"/>
-              <a:t>Aggregator Pattern</a:t>
-            </a:r>
-          </a:p>
-          <a:p>
-            <a:r>
-              <a:rPr lang="en-US" dirty="0"/>
-              <a:t>Client-Side UI Composition Pattern</a:t>
-            </a:r>
-          </a:p>
-          <a:p>
-            <a:endParaRPr lang="en-US" dirty="0"/>
-          </a:p>
-          <a:p>
-            <a:endParaRPr lang="en-US" dirty="0"/>
+          <a:bodyPr>
+            <a:normAutofit/>
+          </a:bodyPr>
+          <a:lstStyle/>
+          <a:p>
+            <a:r>
+              <a:rPr lang="en-US" sz="1600" b="1" dirty="0"/>
+              <a:t>Decompose by </a:t>
+            </a:r>
+            <a:r>
+              <a:rPr lang="en-US" sz="1600" b="1" dirty="0" err="1"/>
+              <a:t>Subdomain</a:t>
+            </a:r>
+            <a:endParaRPr lang="en-US" sz="1600" b="1" dirty="0"/>
+          </a:p>
+          <a:p>
+            <a:pPr>
+              <a:buNone/>
+            </a:pPr>
+            <a:r>
+              <a:rPr lang="en-US" sz="1600" b="1" dirty="0"/>
+              <a:t>Problem</a:t>
+            </a:r>
+          </a:p>
+          <a:p>
+            <a:r>
+              <a:rPr lang="en-US" sz="1600" dirty="0"/>
+              <a:t>Decomposing an application using business capabilities might be a good start, but you will come across so-called "God Classes" which will not be easy to decompose. These classes will be common among multiple services. For example, the Order class will be used in Order Management, Order Taking, Order Delivery, etc. How do we decompose them?</a:t>
+            </a:r>
+          </a:p>
+          <a:p>
+            <a:pPr>
+              <a:buNone/>
+            </a:pPr>
+            <a:endParaRPr lang="en-US" sz="1600" b="1" dirty="0"/>
+          </a:p>
+          <a:p>
+            <a:pPr>
+              <a:buNone/>
+            </a:pPr>
+            <a:r>
+              <a:rPr lang="en-US" sz="1600" b="1" dirty="0"/>
+              <a:t>Solution</a:t>
+            </a:r>
+          </a:p>
+          <a:p>
+            <a:r>
+              <a:rPr lang="en-US" sz="1600" dirty="0"/>
+              <a:t>For the "God Classes" issue, DDD (Domain-Driven Design) comes to the rescue. It uses </a:t>
+            </a:r>
+            <a:r>
+              <a:rPr lang="en-US" sz="1600" dirty="0" err="1"/>
+              <a:t>subdomains</a:t>
+            </a:r>
+            <a:r>
+              <a:rPr lang="en-US" sz="1600" dirty="0"/>
+              <a:t> and bounded context concepts to solve this problem. DDD breaks the whole domain model created for the enterprise into </a:t>
+            </a:r>
+            <a:r>
+              <a:rPr lang="en-US" sz="1600" dirty="0" err="1"/>
+              <a:t>subdomains</a:t>
+            </a:r>
+            <a:r>
+              <a:rPr lang="en-US" sz="1600" dirty="0"/>
+              <a:t>. Each </a:t>
+            </a:r>
+            <a:r>
+              <a:rPr lang="en-US" sz="1600" dirty="0" err="1"/>
+              <a:t>subdomain</a:t>
+            </a:r>
+            <a:r>
+              <a:rPr lang="en-US" sz="1600" dirty="0"/>
+              <a:t> will have a model, and the scope of that model will be called the bounded context. Each </a:t>
+            </a:r>
+            <a:r>
+              <a:rPr lang="en-US" sz="1600" dirty="0" err="1"/>
+              <a:t>microservice</a:t>
+            </a:r>
+            <a:r>
+              <a:rPr lang="en-US" sz="1600" dirty="0"/>
+              <a:t> will be developed around the bounded context.</a:t>
+            </a:r>
+          </a:p>
+          <a:p>
+            <a:r>
+              <a:rPr lang="en-US" sz="1600" b="1" dirty="0"/>
+              <a:t>Note</a:t>
+            </a:r>
+            <a:r>
+              <a:rPr lang="en-US" sz="1600" dirty="0"/>
+              <a:t>: Identifying </a:t>
+            </a:r>
+            <a:r>
+              <a:rPr lang="en-US" sz="1600" dirty="0" err="1"/>
+              <a:t>subdomains</a:t>
+            </a:r>
+            <a:r>
+              <a:rPr lang="en-US" sz="1600" dirty="0"/>
+              <a:t> is not an easy task. It requires an understanding of the business. Like business capabilities, </a:t>
+            </a:r>
+            <a:r>
+              <a:rPr lang="en-US" sz="1600" dirty="0" err="1"/>
+              <a:t>subdomains</a:t>
+            </a:r>
+            <a:r>
+              <a:rPr lang="en-US" sz="1600" dirty="0"/>
+              <a:t> are identified by analyzing the business and its organizational structure and identifying the different areas of expertise.</a:t>
+            </a:r>
           </a:p>
         </p:txBody>
       </p:sp>
@@ -9723,13 +10677,19 @@
         </p:nvSpPr>
         <p:spPr/>
         <p:txBody>
-          <a:bodyPr/>
-          <a:lstStyle/>
-          <a:p>
-            <a:r>
-              <a:rPr lang="en-US" dirty="0"/>
-              <a:t>API Gateway Pattern</a:t>
-            </a:r>
+          <a:bodyPr>
+            <a:normAutofit fontScale="90000"/>
+          </a:bodyPr>
+          <a:lstStyle/>
+          <a:p>
+            <a:r>
+              <a:rPr lang="en-US" b="1" dirty="0"/>
+              <a:t>Strangler Pattern</a:t>
+            </a:r>
+            <a:br>
+              <a:rPr lang="en-US" b="1" dirty="0"/>
+            </a:br>
+            <a:endParaRPr lang="en-US" dirty="0"/>
           </a:p>
         </p:txBody>
       </p:sp>
@@ -9743,15 +10703,10 @@
             <p:ph idx="1"/>
           </p:nvPr>
         </p:nvSpPr>
-        <p:spPr>
-          <a:xfrm>
-            <a:off x="457200" y="1600200"/>
-            <a:ext cx="8435280" cy="5141168"/>
-          </a:xfrm>
-        </p:spPr>
+        <p:spPr/>
         <p:txBody>
           <a:bodyPr>
-            <a:normAutofit fontScale="47500" lnSpcReduction="20000"/>
+            <a:normAutofit fontScale="62500" lnSpcReduction="20000"/>
           </a:bodyPr>
           <a:lstStyle/>
           <a:p>
@@ -9766,64 +10721,30 @@
           <a:p>
             <a:r>
               <a:rPr lang="en-US" dirty="0"/>
-              <a:t>When an application is broken down to smaller </a:t>
+              <a:t>So far, the design patterns we talked about were decomposing applications for </a:t>
             </a:r>
             <a:r>
               <a:rPr lang="en-US" dirty="0" err="1"/>
-              <a:t>microservices</a:t>
-            </a:r>
-            <a:r>
-              <a:rPr lang="en-US" dirty="0"/>
-              <a:t>, there are a few concerns that need to be addressed:</a:t>
-            </a:r>
-          </a:p>
-          <a:p>
-            <a:r>
-              <a:rPr lang="en-US" dirty="0"/>
-              <a:t>How to call multiple </a:t>
+              <a:t>greenfield</a:t>
+            </a:r>
+            <a:r>
+              <a:rPr lang="en-US" dirty="0"/>
+              <a:t>, but 80% of the work we do is with </a:t>
             </a:r>
             <a:r>
               <a:rPr lang="en-US" dirty="0" err="1"/>
-              <a:t>microservices</a:t>
-            </a:r>
-            <a:r>
-              <a:rPr lang="en-US" dirty="0"/>
-              <a:t> abstracting producer information.</a:t>
-            </a:r>
-          </a:p>
-          <a:p>
-            <a:r>
-              <a:rPr lang="en-US" dirty="0"/>
-              <a:t>On different channels (like desktop, mobile, and tablets), apps need different data to respond for the same backend service, as the UI might be different.</a:t>
-            </a:r>
-          </a:p>
-          <a:p>
-            <a:r>
-              <a:rPr lang="en-US" dirty="0"/>
-              <a:t>Different consumers might need a different format of the responses from reusable </a:t>
-            </a:r>
-            <a:r>
-              <a:rPr lang="en-US" dirty="0" err="1"/>
-              <a:t>microservices</a:t>
-            </a:r>
-            <a:r>
-              <a:rPr lang="en-US" dirty="0"/>
-              <a:t>. Who will do the data transformation or field manipulation?</a:t>
-            </a:r>
-          </a:p>
-          <a:p>
-            <a:r>
-              <a:rPr lang="en-US" dirty="0"/>
-              <a:t>How to handle different type of Protocols some of which might not be supported by producer </a:t>
-            </a:r>
-            <a:r>
-              <a:rPr lang="en-US" dirty="0" err="1"/>
-              <a:t>microservice</a:t>
-            </a:r>
-            <a:r>
-              <a:rPr lang="en-US" dirty="0"/>
-              <a:t>.</a:t>
-            </a:r>
+              <a:t>brownfield</a:t>
+            </a:r>
+            <a:r>
+              <a:rPr lang="en-US" dirty="0"/>
+              <a:t> applications, which are big, monolithic applications. Applying all the above design patterns to them will be difficult because breaking them into smaller pieces at the same time it's being used live is a big task.</a:t>
+            </a:r>
+          </a:p>
+          <a:p>
+            <a:pPr>
+              <a:buNone/>
+            </a:pPr>
+            <a:endParaRPr lang="en-US" b="1" dirty="0"/>
           </a:p>
           <a:p>
             <a:pPr>
@@ -9837,76 +10758,25 @@
           <a:p>
             <a:r>
               <a:rPr lang="en-US" dirty="0"/>
-              <a:t>An API Gateway helps to address many concerns raised by </a:t>
+              <a:t>The Strangler pattern comes to the rescue. The Strangler pattern is based on an analogy to a vine that strangles a tree that it’s wrapped around. This solution works well with web applications, where a call goes back and forth, and for each URI call, a service can be broken into different domains and hosted as separate services. The idea is to do it one domain at a time. This creates two separate applications that live side by side in the same URI space. Eventually, the newly </a:t>
             </a:r>
             <a:r>
               <a:rPr lang="en-US" dirty="0" err="1"/>
-              <a:t>microservice</a:t>
-            </a:r>
-            <a:r>
-              <a:rPr lang="en-US" dirty="0"/>
-              <a:t> implementation, not limited to the ones above.</a:t>
-            </a:r>
-          </a:p>
-          <a:p>
-            <a:r>
-              <a:rPr lang="en-US" dirty="0"/>
-              <a:t>An API Gateway is the single point of entry for any </a:t>
-            </a:r>
-            <a:r>
-              <a:rPr lang="en-US" dirty="0" err="1"/>
-              <a:t>microservice</a:t>
-            </a:r>
-            <a:r>
-              <a:rPr lang="en-US" dirty="0"/>
-              <a:t> call.</a:t>
-            </a:r>
-          </a:p>
-          <a:p>
-            <a:r>
-              <a:rPr lang="en-US" dirty="0"/>
-              <a:t>It can work as a proxy service to route a request to the concerned </a:t>
-            </a:r>
-            <a:r>
-              <a:rPr lang="en-US" dirty="0" err="1"/>
-              <a:t>microservice</a:t>
-            </a:r>
-            <a:r>
-              <a:rPr lang="en-US" dirty="0"/>
-              <a:t>, abstracting the producer details.</a:t>
-            </a:r>
-          </a:p>
-          <a:p>
-            <a:r>
-              <a:rPr lang="en-US" dirty="0"/>
-              <a:t>It can fan out a request to multiple services and aggregate the results to send back to the consumer.</a:t>
-            </a:r>
-          </a:p>
-          <a:p>
-            <a:r>
-              <a:rPr lang="en-US" dirty="0"/>
-              <a:t>One-size-fits-all APIs cannot solve all the consumer's requirements; this solution can create a fine-grained API for each specific type of client.</a:t>
-            </a:r>
-          </a:p>
-          <a:p>
-            <a:r>
-              <a:rPr lang="en-US" dirty="0"/>
-              <a:t>It can also convert the protocol request (e.g. AMQP) to another protocol (e.g. HTTP) and vice versa so that the producer and consumer can handle it.</a:t>
-            </a:r>
-          </a:p>
-          <a:p>
-            <a:r>
-              <a:rPr lang="en-US" dirty="0"/>
-              <a:t>It can also offload the authentication/authorization responsibility of the </a:t>
-            </a:r>
-            <a:r>
-              <a:rPr lang="en-US" dirty="0" err="1"/>
-              <a:t>microservice</a:t>
-            </a:r>
-            <a:r>
-              <a:rPr lang="en-US" dirty="0"/>
-              <a:t>.</a:t>
-            </a:r>
+              <a:t>refactored</a:t>
+            </a:r>
+            <a:r>
+              <a:rPr lang="en-US" dirty="0"/>
+              <a:t> application “strangles” or replaces the original application until finally you can shut off the monolithic application.</a:t>
+            </a:r>
+          </a:p>
+          <a:p>
+            <a:pPr>
+              <a:buNone/>
+            </a:pPr>
+            <a:endParaRPr lang="en-US" b="1" dirty="0"/>
+          </a:p>
+          <a:p>
+            <a:endParaRPr lang="en-US" dirty="0"/>
           </a:p>
         </p:txBody>
       </p:sp>

--- a/Micro services Design Pattern.pptx
+++ b/Micro services Design Pattern.pptx
@@ -5,7 +5,7 @@
     <p:sldMasterId id="2147483648" r:id="rId1"/>
   </p:sldMasterIdLst>
   <p:notesMasterIdLst>
-    <p:notesMasterId r:id="rId41"/>
+    <p:notesMasterId r:id="rId49"/>
   </p:notesMasterIdLst>
   <p:sldIdLst>
     <p:sldId id="256" r:id="rId2"/>
@@ -20,33 +20,41 @@
     <p:sldId id="265" r:id="rId11"/>
     <p:sldId id="263" r:id="rId12"/>
     <p:sldId id="264" r:id="rId13"/>
-    <p:sldId id="266" r:id="rId14"/>
-    <p:sldId id="267" r:id="rId15"/>
-    <p:sldId id="268" r:id="rId16"/>
-    <p:sldId id="269" r:id="rId17"/>
-    <p:sldId id="270" r:id="rId18"/>
-    <p:sldId id="271" r:id="rId19"/>
-    <p:sldId id="282" r:id="rId20"/>
-    <p:sldId id="283" r:id="rId21"/>
-    <p:sldId id="284" r:id="rId22"/>
-    <p:sldId id="285" r:id="rId23"/>
-    <p:sldId id="286" r:id="rId24"/>
-    <p:sldId id="287" r:id="rId25"/>
-    <p:sldId id="288" r:id="rId26"/>
-    <p:sldId id="289" r:id="rId27"/>
-    <p:sldId id="290" r:id="rId28"/>
-    <p:sldId id="291" r:id="rId29"/>
-    <p:sldId id="292" r:id="rId30"/>
-    <p:sldId id="272" r:id="rId31"/>
-    <p:sldId id="273" r:id="rId32"/>
-    <p:sldId id="274" r:id="rId33"/>
-    <p:sldId id="275" r:id="rId34"/>
-    <p:sldId id="276" r:id="rId35"/>
-    <p:sldId id="277" r:id="rId36"/>
-    <p:sldId id="278" r:id="rId37"/>
-    <p:sldId id="279" r:id="rId38"/>
-    <p:sldId id="280" r:id="rId39"/>
-    <p:sldId id="281" r:id="rId40"/>
+    <p:sldId id="295" r:id="rId14"/>
+    <p:sldId id="296" r:id="rId15"/>
+    <p:sldId id="297" r:id="rId16"/>
+    <p:sldId id="298" r:id="rId17"/>
+    <p:sldId id="299" r:id="rId18"/>
+    <p:sldId id="300" r:id="rId19"/>
+    <p:sldId id="301" r:id="rId20"/>
+    <p:sldId id="302" r:id="rId21"/>
+    <p:sldId id="266" r:id="rId22"/>
+    <p:sldId id="267" r:id="rId23"/>
+    <p:sldId id="268" r:id="rId24"/>
+    <p:sldId id="269" r:id="rId25"/>
+    <p:sldId id="270" r:id="rId26"/>
+    <p:sldId id="271" r:id="rId27"/>
+    <p:sldId id="282" r:id="rId28"/>
+    <p:sldId id="283" r:id="rId29"/>
+    <p:sldId id="284" r:id="rId30"/>
+    <p:sldId id="285" r:id="rId31"/>
+    <p:sldId id="286" r:id="rId32"/>
+    <p:sldId id="287" r:id="rId33"/>
+    <p:sldId id="288" r:id="rId34"/>
+    <p:sldId id="289" r:id="rId35"/>
+    <p:sldId id="290" r:id="rId36"/>
+    <p:sldId id="291" r:id="rId37"/>
+    <p:sldId id="292" r:id="rId38"/>
+    <p:sldId id="272" r:id="rId39"/>
+    <p:sldId id="273" r:id="rId40"/>
+    <p:sldId id="274" r:id="rId41"/>
+    <p:sldId id="275" r:id="rId42"/>
+    <p:sldId id="276" r:id="rId43"/>
+    <p:sldId id="277" r:id="rId44"/>
+    <p:sldId id="278" r:id="rId45"/>
+    <p:sldId id="279" r:id="rId46"/>
+    <p:sldId id="280" r:id="rId47"/>
+    <p:sldId id="281" r:id="rId48"/>
   </p:sldIdLst>
   <p:sldSz cx="9144000" cy="6858000" type="screen4x3"/>
   <p:notesSz cx="6858000" cy="9144000"/>
@@ -997,7 +1005,7 @@
           <a:p>
             <a:fld id="{9BD7E917-8394-433F-96B5-1F86F1B85784}" type="slidenum">
               <a:rPr lang="en-IN" smtClean="0"/>
-              <a:t>26</a:t>
+              <a:t>33</a:t>
             </a:fld>
             <a:endParaRPr lang="en-IN"/>
           </a:p>
@@ -1006,7 +1014,7 @@
     </p:spTree>
     <p:extLst>
       <p:ext uri="{BB962C8B-B14F-4D97-AF65-F5344CB8AC3E}">
-        <p14:creationId xmlns:p14="http://schemas.microsoft.com/office/powerpoint/2010/main" val="3063566139"/>
+        <p14:creationId xmlns:p14="http://schemas.microsoft.com/office/powerpoint/2010/main" val="492397199"/>
       </p:ext>
     </p:extLst>
   </p:cSld>
@@ -1081,7 +1089,7 @@
           <a:p>
             <a:fld id="{9BD7E917-8394-433F-96B5-1F86F1B85784}" type="slidenum">
               <a:rPr lang="en-IN" smtClean="0"/>
-              <a:t>27</a:t>
+              <a:t>34</a:t>
             </a:fld>
             <a:endParaRPr lang="en-IN"/>
           </a:p>
@@ -1090,7 +1098,7 @@
     </p:spTree>
     <p:extLst>
       <p:ext uri="{BB962C8B-B14F-4D97-AF65-F5344CB8AC3E}">
-        <p14:creationId xmlns:p14="http://schemas.microsoft.com/office/powerpoint/2010/main" val="2968846843"/>
+        <p14:creationId xmlns:p14="http://schemas.microsoft.com/office/powerpoint/2010/main" val="3063566139"/>
       </p:ext>
     </p:extLst>
   </p:cSld>
@@ -1144,98 +1152,6 @@
           <a:bodyPr/>
           <a:lstStyle/>
           <a:p>
-            <a:pPr algn="l"/>
-            <a:r>
-              <a:rPr lang="en-US" b="1" i="0" dirty="0">
-                <a:solidFill>
-                  <a:srgbClr val="292929"/>
-                </a:solidFill>
-                <a:effectLst/>
-                <a:latin typeface="source-serif-pro"/>
-              </a:rPr>
-              <a:t>System complexity</a:t>
-            </a:r>
-            <a:r>
-              <a:rPr lang="en-US" b="0" i="0" dirty="0">
-                <a:solidFill>
-                  <a:srgbClr val="292929"/>
-                </a:solidFill>
-                <a:effectLst/>
-                <a:latin typeface="source-serif-pro"/>
-              </a:rPr>
-              <a:t>: The orchestration pattern is appropriate for systems with complicated business logic, where the control flow must be controlled centrally to maintain consistency and compliance with business requirements. The choreography pattern, on the other hand, is better suited for systems with basic business logic, where services can work independently and interact via event-based communication. [3]</a:t>
-            </a:r>
-          </a:p>
-          <a:p>
-            <a:pPr algn="l"/>
-            <a:r>
-              <a:rPr lang="en-US" b="1" i="0" dirty="0">
-                <a:solidFill>
-                  <a:srgbClr val="292929"/>
-                </a:solidFill>
-                <a:effectLst/>
-                <a:latin typeface="source-serif-pro"/>
-              </a:rPr>
-              <a:t>Coordination requirements</a:t>
-            </a:r>
-            <a:r>
-              <a:rPr lang="en-US" b="0" i="0" dirty="0">
-                <a:solidFill>
-                  <a:srgbClr val="292929"/>
-                </a:solidFill>
-                <a:effectLst/>
-                <a:latin typeface="source-serif-pro"/>
-              </a:rPr>
-              <a:t>: The orchestration pattern is beneficial when tight coordination and interaction between services is required, as the orchestrator may handle communication and guarantee that each service completes its duty before moving on to the next. The choreography design, on the other hand, is better suited for loosely connected systems in which each service can work independently and communicate with other services as needed. [3]</a:t>
-            </a:r>
-          </a:p>
-          <a:p>
-            <a:pPr algn="l"/>
-            <a:r>
-              <a:rPr lang="en-US" b="1" i="0" dirty="0">
-                <a:solidFill>
-                  <a:srgbClr val="292929"/>
-                </a:solidFill>
-                <a:effectLst/>
-                <a:latin typeface="source-serif-pro"/>
-              </a:rPr>
-              <a:t>Fault tolerance and scalability</a:t>
-            </a:r>
-            <a:r>
-              <a:rPr lang="en-US" b="0" i="0" dirty="0">
-                <a:solidFill>
-                  <a:srgbClr val="292929"/>
-                </a:solidFill>
-                <a:effectLst/>
-                <a:latin typeface="source-serif-pro"/>
-              </a:rPr>
-              <a:t>: Because the central orchestrator can handle errors and retries and improve system flow, the orchestration pattern can be more fault-tolerant and scalable. Choreography patterns, on the other hand, can be more durable and flexible to changes because each service can react to events and update its behavior without relying on a central component. [3]</a:t>
-            </a:r>
-          </a:p>
-          <a:p>
-            <a:pPr algn="l"/>
-            <a:r>
-              <a:rPr lang="en-US" b="1" i="0" dirty="0">
-                <a:solidFill>
-                  <a:srgbClr val="292929"/>
-                </a:solidFill>
-                <a:effectLst/>
-                <a:latin typeface="source-serif-pro"/>
-              </a:rPr>
-              <a:t>Centralization vs. decentralization trade-offs</a:t>
-            </a:r>
-            <a:r>
-              <a:rPr lang="en-US" b="0" i="0" dirty="0">
-                <a:solidFill>
-                  <a:srgbClr val="292929"/>
-                </a:solidFill>
-                <a:effectLst/>
-                <a:latin typeface="source-serif-pro"/>
-              </a:rPr>
-              <a:t>: The orchestration pattern centralizes control and decision-making, which simplifies system development and management but introduces a single point of failure and a possible bottleneck. The choreography pattern, on the other hand, distributes power and decision-making, which can boost service autonomy and flexibility while also making the system more complex and difficult to operate. [3]</a:t>
-            </a:r>
-          </a:p>
-          <a:p>
             <a:endParaRPr lang="en-IN" dirty="0"/>
           </a:p>
         </p:txBody>
@@ -1257,7 +1173,7 @@
           <a:p>
             <a:fld id="{9BD7E917-8394-433F-96B5-1F86F1B85784}" type="slidenum">
               <a:rPr lang="en-IN" smtClean="0"/>
-              <a:t>28</a:t>
+              <a:t>35</a:t>
             </a:fld>
             <a:endParaRPr lang="en-IN"/>
           </a:p>
@@ -1266,7 +1182,7 @@
     </p:spTree>
     <p:extLst>
       <p:ext uri="{BB962C8B-B14F-4D97-AF65-F5344CB8AC3E}">
-        <p14:creationId xmlns:p14="http://schemas.microsoft.com/office/powerpoint/2010/main" val="4264254300"/>
+        <p14:creationId xmlns:p14="http://schemas.microsoft.com/office/powerpoint/2010/main" val="2968846843"/>
       </p:ext>
     </p:extLst>
   </p:cSld>
@@ -1322,6 +1238,182 @@
           <a:p>
             <a:pPr algn="l"/>
             <a:r>
+              <a:rPr lang="en-US" b="1" i="0" dirty="0">
+                <a:solidFill>
+                  <a:srgbClr val="292929"/>
+                </a:solidFill>
+                <a:effectLst/>
+                <a:latin typeface="source-serif-pro"/>
+              </a:rPr>
+              <a:t>System complexity</a:t>
+            </a:r>
+            <a:r>
+              <a:rPr lang="en-US" b="0" i="0" dirty="0">
+                <a:solidFill>
+                  <a:srgbClr val="292929"/>
+                </a:solidFill>
+                <a:effectLst/>
+                <a:latin typeface="source-serif-pro"/>
+              </a:rPr>
+              <a:t>: The orchestration pattern is appropriate for systems with complicated business logic, where the control flow must be controlled centrally to maintain consistency and compliance with business requirements. The choreography pattern, on the other hand, is better suited for systems with basic business logic, where services can work independently and interact via event-based communication. [3]</a:t>
+            </a:r>
+          </a:p>
+          <a:p>
+            <a:pPr algn="l"/>
+            <a:r>
+              <a:rPr lang="en-US" b="1" i="0" dirty="0">
+                <a:solidFill>
+                  <a:srgbClr val="292929"/>
+                </a:solidFill>
+                <a:effectLst/>
+                <a:latin typeface="source-serif-pro"/>
+              </a:rPr>
+              <a:t>Coordination requirements</a:t>
+            </a:r>
+            <a:r>
+              <a:rPr lang="en-US" b="0" i="0" dirty="0">
+                <a:solidFill>
+                  <a:srgbClr val="292929"/>
+                </a:solidFill>
+                <a:effectLst/>
+                <a:latin typeface="source-serif-pro"/>
+              </a:rPr>
+              <a:t>: The orchestration pattern is beneficial when tight coordination and interaction between services is required, as the orchestrator may handle communication and guarantee that each service completes its duty before moving on to the next. The choreography design, on the other hand, is better suited for loosely connected systems in which each service can work independently and communicate with other services as needed. [3]</a:t>
+            </a:r>
+          </a:p>
+          <a:p>
+            <a:pPr algn="l"/>
+            <a:r>
+              <a:rPr lang="en-US" b="1" i="0" dirty="0">
+                <a:solidFill>
+                  <a:srgbClr val="292929"/>
+                </a:solidFill>
+                <a:effectLst/>
+                <a:latin typeface="source-serif-pro"/>
+              </a:rPr>
+              <a:t>Fault tolerance and scalability</a:t>
+            </a:r>
+            <a:r>
+              <a:rPr lang="en-US" b="0" i="0" dirty="0">
+                <a:solidFill>
+                  <a:srgbClr val="292929"/>
+                </a:solidFill>
+                <a:effectLst/>
+                <a:latin typeface="source-serif-pro"/>
+              </a:rPr>
+              <a:t>: Because the central orchestrator can handle errors and retries and improve system flow, the orchestration pattern can be more fault-tolerant and scalable. Choreography patterns, on the other hand, can be more durable and flexible to changes because each service can react to events and update its behavior without relying on a central component. [3]</a:t>
+            </a:r>
+          </a:p>
+          <a:p>
+            <a:pPr algn="l"/>
+            <a:r>
+              <a:rPr lang="en-US" b="1" i="0" dirty="0">
+                <a:solidFill>
+                  <a:srgbClr val="292929"/>
+                </a:solidFill>
+                <a:effectLst/>
+                <a:latin typeface="source-serif-pro"/>
+              </a:rPr>
+              <a:t>Centralization vs. decentralization trade-offs</a:t>
+            </a:r>
+            <a:r>
+              <a:rPr lang="en-US" b="0" i="0" dirty="0">
+                <a:solidFill>
+                  <a:srgbClr val="292929"/>
+                </a:solidFill>
+                <a:effectLst/>
+                <a:latin typeface="source-serif-pro"/>
+              </a:rPr>
+              <a:t>: The orchestration pattern centralizes control and decision-making, which simplifies system development and management but introduces a single point of failure and a possible bottleneck. The choreography pattern, on the other hand, distributes power and decision-making, which can boost service autonomy and flexibility while also making the system more complex and difficult to operate. [3]</a:t>
+            </a:r>
+          </a:p>
+          <a:p>
+            <a:endParaRPr lang="en-IN" dirty="0"/>
+          </a:p>
+        </p:txBody>
+      </p:sp>
+      <p:sp>
+        <p:nvSpPr>
+          <p:cNvPr id="4" name="Slide Number Placeholder 3"/>
+          <p:cNvSpPr>
+            <a:spLocks noGrp="1"/>
+          </p:cNvSpPr>
+          <p:nvPr>
+            <p:ph type="sldNum" sz="quarter" idx="5"/>
+          </p:nvPr>
+        </p:nvSpPr>
+        <p:spPr/>
+        <p:txBody>
+          <a:bodyPr/>
+          <a:lstStyle/>
+          <a:p>
+            <a:fld id="{9BD7E917-8394-433F-96B5-1F86F1B85784}" type="slidenum">
+              <a:rPr lang="en-IN" smtClean="0"/>
+              <a:t>36</a:t>
+            </a:fld>
+            <a:endParaRPr lang="en-IN"/>
+          </a:p>
+        </p:txBody>
+      </p:sp>
+    </p:spTree>
+    <p:extLst>
+      <p:ext uri="{BB962C8B-B14F-4D97-AF65-F5344CB8AC3E}">
+        <p14:creationId xmlns:p14="http://schemas.microsoft.com/office/powerpoint/2010/main" val="4264254300"/>
+      </p:ext>
+    </p:extLst>
+  </p:cSld>
+  <p:clrMapOvr>
+    <a:masterClrMapping/>
+  </p:clrMapOvr>
+</p:notes>
+</file>
+
+<file path=ppt/notesSlides/notesSlide14.xml><?xml version="1.0" encoding="utf-8"?>
+<p:notes xmlns:a="http://schemas.openxmlformats.org/drawingml/2006/main" xmlns:r="http://schemas.openxmlformats.org/officeDocument/2006/relationships" xmlns:p="http://schemas.openxmlformats.org/presentationml/2006/main">
+  <p:cSld>
+    <p:spTree>
+      <p:nvGrpSpPr>
+        <p:cNvPr id="1" name=""/>
+        <p:cNvGrpSpPr/>
+        <p:nvPr/>
+      </p:nvGrpSpPr>
+      <p:grpSpPr>
+        <a:xfrm>
+          <a:off x="0" y="0"/>
+          <a:ext cx="0" cy="0"/>
+          <a:chOff x="0" y="0"/>
+          <a:chExt cx="0" cy="0"/>
+        </a:xfrm>
+      </p:grpSpPr>
+      <p:sp>
+        <p:nvSpPr>
+          <p:cNvPr id="2" name="Slide Image Placeholder 1"/>
+          <p:cNvSpPr>
+            <a:spLocks noGrp="1" noRot="1" noChangeAspect="1"/>
+          </p:cNvSpPr>
+          <p:nvPr>
+            <p:ph type="sldImg"/>
+          </p:nvPr>
+        </p:nvSpPr>
+        <p:spPr/>
+      </p:sp>
+      <p:sp>
+        <p:nvSpPr>
+          <p:cNvPr id="3" name="Notes Placeholder 2"/>
+          <p:cNvSpPr>
+            <a:spLocks noGrp="1"/>
+          </p:cNvSpPr>
+          <p:nvPr>
+            <p:ph type="body" idx="1"/>
+          </p:nvPr>
+        </p:nvSpPr>
+        <p:spPr/>
+        <p:txBody>
+          <a:bodyPr/>
+          <a:lstStyle/>
+          <a:p>
+            <a:pPr algn="l"/>
+            <a:r>
               <a:rPr lang="en-US" b="0" i="0" dirty="0">
                 <a:solidFill>
                   <a:srgbClr val="292929"/>
@@ -1387,7 +1479,7 @@
           <a:p>
             <a:fld id="{9BD7E917-8394-433F-96B5-1F86F1B85784}" type="slidenum">
               <a:rPr lang="en-IN" smtClean="0"/>
-              <a:t>29</a:t>
+              <a:t>37</a:t>
             </a:fld>
             <a:endParaRPr lang="en-IN"/>
           </a:p>
@@ -1574,41 +1666,248 @@
             <a:r>
               <a:rPr lang="en-US" b="0" i="0" dirty="0">
                 <a:solidFill>
-                  <a:srgbClr val="292929"/>
+                  <a:srgbClr val="000000"/>
                 </a:solidFill>
                 <a:effectLst/>
-                <a:latin typeface="source-serif-pro"/>
+                <a:latin typeface="Arial" panose="020B0604020202020204" pitchFamily="34" charset="0"/>
               </a:rPr>
-              <a:t>A microservice is a distributed system made up of numerous smaller services that work together to offer overall application functionality. [1]</a:t>
-            </a:r>
-          </a:p>
-          <a:p>
-            <a:pPr algn="l"/>
+              <a:t>In this example, the </a:t>
+            </a:r>
             <a:r>
               <a:rPr lang="en-US" b="0" i="0" dirty="0">
                 <a:solidFill>
-                  <a:srgbClr val="292929"/>
+                  <a:srgbClr val="000000"/>
                 </a:solidFill>
                 <a:effectLst/>
-                <a:latin typeface="source-serif-pro"/>
+                <a:latin typeface="courier"/>
               </a:rPr>
-              <a:t>Although this architectural style has many advantages, it also has some drawbacks. One of the biggest issues is determining how to manage a transaction that involves numerous services. [1]</a:t>
-            </a:r>
-          </a:p>
-          <a:p>
-            <a:pPr algn="l"/>
+              <a:t>`</a:t>
+            </a:r>
+            <a:r>
+              <a:rPr lang="en-US" b="0" i="0" dirty="0" err="1">
+                <a:solidFill>
+                  <a:srgbClr val="000000"/>
+                </a:solidFill>
+                <a:effectLst/>
+                <a:latin typeface="courier"/>
+              </a:rPr>
+              <a:t>HybridAggregatorMicroservice</a:t>
+            </a:r>
             <a:r>
               <a:rPr lang="en-US" b="0" i="0" dirty="0">
                 <a:solidFill>
-                  <a:srgbClr val="292929"/>
+                  <a:srgbClr val="000000"/>
                 </a:solidFill>
                 <a:effectLst/>
-                <a:latin typeface="source-serif-pro"/>
+                <a:latin typeface="courier"/>
               </a:rPr>
-              <a:t>While the transaction spans numerous services in a distributed transaction scenario, maintaining ACID (atomicity, consistency, isolation, and durability) is always critical. The second difficulty is controlling the transaction isolation level. It determines the quantity of data visible in a transaction when other services access the same data at the same time.</a:t>
-            </a:r>
-          </a:p>
-          <a:p>
+              <a:t>`</a:t>
+            </a:r>
+            <a:r>
+              <a:rPr lang="en-US" b="0" i="0" dirty="0">
+                <a:solidFill>
+                  <a:srgbClr val="000000"/>
+                </a:solidFill>
+                <a:effectLst/>
+                <a:latin typeface="Arial" panose="020B0604020202020204" pitchFamily="34" charset="0"/>
+              </a:rPr>
+              <a:t> class sends requests to the `microservice1Client` and `microservice3Client` asynchronously, and to the `microservice2Client` synchronously. The responses are then aggregated and returned to the client.</a:t>
+            </a:r>
+          </a:p>
+          <a:p>
+            <a:endParaRPr lang="en-US" b="0" i="0" dirty="0">
+              <a:solidFill>
+                <a:srgbClr val="000000"/>
+              </a:solidFill>
+              <a:effectLst/>
+              <a:latin typeface="Arial" panose="020B0604020202020204" pitchFamily="34" charset="0"/>
+            </a:endParaRPr>
+          </a:p>
+          <a:p>
+            <a:endParaRPr lang="en-US" b="0" i="0" dirty="0">
+              <a:solidFill>
+                <a:srgbClr val="000000"/>
+              </a:solidFill>
+              <a:effectLst/>
+              <a:latin typeface="Arial" panose="020B0604020202020204" pitchFamily="34" charset="0"/>
+            </a:endParaRPr>
+          </a:p>
+          <a:p>
+            <a:pPr algn="l"/>
+            <a:r>
+              <a:rPr lang="en-US" b="0" i="0" dirty="0">
+                <a:solidFill>
+                  <a:srgbClr val="000000"/>
+                </a:solidFill>
+                <a:effectLst/>
+                <a:latin typeface="Arial" panose="020B0604020202020204" pitchFamily="34" charset="0"/>
+              </a:rPr>
+              <a:t>The </a:t>
+            </a:r>
+            <a:r>
+              <a:rPr lang="en-US" b="1" i="0" dirty="0">
+                <a:solidFill>
+                  <a:srgbClr val="000000"/>
+                </a:solidFill>
+                <a:effectLst/>
+                <a:latin typeface="Arial" panose="020B0604020202020204" pitchFamily="34" charset="0"/>
+              </a:rPr>
+              <a:t>Aggregator Microservice Pattern in Java</a:t>
+            </a:r>
+            <a:r>
+              <a:rPr lang="en-US" b="0" i="0" dirty="0">
+                <a:solidFill>
+                  <a:srgbClr val="000000"/>
+                </a:solidFill>
+                <a:effectLst/>
+                <a:latin typeface="Arial" panose="020B0604020202020204" pitchFamily="34" charset="0"/>
+              </a:rPr>
+              <a:t> is a useful design pattern for composing complex services by aggregating the responses of multiple independent microservices. In Java, this pattern can be implemented using asynchronous communication, synchronous communication, or a combination of both, depending on the requirements of the system. </a:t>
+            </a:r>
+          </a:p>
+          <a:p>
+            <a:pPr algn="l"/>
+            <a:br>
+              <a:rPr lang="en-US" b="0" i="0" dirty="0">
+                <a:solidFill>
+                  <a:srgbClr val="000000"/>
+                </a:solidFill>
+                <a:effectLst/>
+                <a:latin typeface="Arial" panose="020B0604020202020204" pitchFamily="34" charset="0"/>
+              </a:rPr>
+            </a:br>
+            <a:endParaRPr lang="en-US" b="0" i="0" dirty="0">
+              <a:solidFill>
+                <a:srgbClr val="000000"/>
+              </a:solidFill>
+              <a:effectLst/>
+              <a:latin typeface="Arial" panose="020B0604020202020204" pitchFamily="34" charset="0"/>
+            </a:endParaRPr>
+          </a:p>
+          <a:p>
+            <a:pPr algn="l"/>
+            <a:r>
+              <a:rPr lang="en-US" b="0" i="0" dirty="0">
+                <a:solidFill>
+                  <a:srgbClr val="000000"/>
+                </a:solidFill>
+                <a:effectLst/>
+                <a:latin typeface="Arial" panose="020B0604020202020204" pitchFamily="34" charset="0"/>
+              </a:rPr>
+              <a:t> Asynchronous communication can improve the performance of the system, but it requires the use of additional communication mechanisms. Synchronous communication is simpler to implement, but it can have a negative impact on performance.</a:t>
+            </a:r>
+          </a:p>
+          <a:p>
+            <a:pPr algn="l"/>
+            <a:br>
+              <a:rPr lang="en-US" b="0" i="0" dirty="0">
+                <a:solidFill>
+                  <a:srgbClr val="000000"/>
+                </a:solidFill>
+                <a:effectLst/>
+                <a:latin typeface="Arial" panose="020B0604020202020204" pitchFamily="34" charset="0"/>
+              </a:rPr>
+            </a:br>
+            <a:endParaRPr lang="en-US" b="0" i="0" dirty="0">
+              <a:solidFill>
+                <a:srgbClr val="000000"/>
+              </a:solidFill>
+              <a:effectLst/>
+              <a:latin typeface="Arial" panose="020B0604020202020204" pitchFamily="34" charset="0"/>
+            </a:endParaRPr>
+          </a:p>
+          <a:p>
+            <a:pPr algn="l"/>
+            <a:r>
+              <a:rPr lang="en-US" b="0" i="0" dirty="0">
+                <a:solidFill>
+                  <a:srgbClr val="000000"/>
+                </a:solidFill>
+                <a:effectLst/>
+                <a:latin typeface="Arial" panose="020B0604020202020204" pitchFamily="34" charset="0"/>
+              </a:rPr>
+              <a:t>A combination of asynchronous and synchronous communication allows for a balance between performance and simplicity.</a:t>
+            </a:r>
+          </a:p>
+          <a:p>
+            <a:br>
+              <a:rPr lang="en-US" b="0" i="0">
+                <a:solidFill>
+                  <a:srgbClr val="000000"/>
+                </a:solidFill>
+                <a:effectLst/>
+                <a:latin typeface="Arial" panose="020B0604020202020204" pitchFamily="34" charset="0"/>
+              </a:rPr>
+            </a:br>
+            <a:br>
+              <a:rPr lang="en-US" b="0" i="0">
+                <a:solidFill>
+                  <a:srgbClr val="000000"/>
+                </a:solidFill>
+                <a:effectLst/>
+                <a:latin typeface="Arial" panose="020B0604020202020204" pitchFamily="34" charset="0"/>
+              </a:rPr>
+            </a:br>
+            <a:r>
+              <a:rPr lang="en-US" b="0" i="0">
+                <a:solidFill>
+                  <a:srgbClr val="000000"/>
+                </a:solidFill>
+                <a:effectLst/>
+                <a:latin typeface="Arial" panose="020B0604020202020204" pitchFamily="34" charset="0"/>
+              </a:rPr>
+              <a:t>Read more: </a:t>
+            </a:r>
+            <a:r>
+              <a:rPr lang="en-US" b="0" i="0" u="none" strike="noStrike">
+                <a:solidFill>
+                  <a:srgbClr val="003399"/>
+                </a:solidFill>
+                <a:effectLst/>
+                <a:latin typeface="Arial" panose="020B0604020202020204" pitchFamily="34" charset="0"/>
+                <a:hlinkClick r:id="rId3"/>
+              </a:rPr>
+              <a:t>https://www.java67.com/2023/01/aggregator-microservice-pattern-in-java.html#ixzz8KQqKEgep</a:t>
+            </a:r>
+            <a:br>
+              <a:rPr lang="en-US" b="0" i="0">
+                <a:solidFill>
+                  <a:srgbClr val="000000"/>
+                </a:solidFill>
+                <a:effectLst/>
+                <a:latin typeface="Arial" panose="020B0604020202020204" pitchFamily="34" charset="0"/>
+              </a:rPr>
+            </a:br>
+            <a:br>
+              <a:rPr lang="en-US" b="0" i="0">
+                <a:solidFill>
+                  <a:srgbClr val="000000"/>
+                </a:solidFill>
+                <a:effectLst/>
+                <a:latin typeface="Arial" panose="020B0604020202020204" pitchFamily="34" charset="0"/>
+              </a:rPr>
+            </a:br>
+            <a:r>
+              <a:rPr lang="en-US" b="0" i="0">
+                <a:solidFill>
+                  <a:srgbClr val="000000"/>
+                </a:solidFill>
+                <a:effectLst/>
+                <a:latin typeface="Arial" panose="020B0604020202020204" pitchFamily="34" charset="0"/>
+              </a:rPr>
+              <a:t>Read more: </a:t>
+            </a:r>
+            <a:r>
+              <a:rPr lang="en-US" b="0" i="0" u="none" strike="noStrike">
+                <a:solidFill>
+                  <a:srgbClr val="003399"/>
+                </a:solidFill>
+                <a:effectLst/>
+                <a:latin typeface="Arial" panose="020B0604020202020204" pitchFamily="34" charset="0"/>
+                <a:hlinkClick r:id="rId4"/>
+              </a:rPr>
+              <a:t>https://www.java67.com/2023/01/aggregator-microservice-pattern-in-java.html#ixzz8KQqEnaDk</a:t>
+            </a:r>
             <a:endParaRPr lang="en-IN" dirty="0"/>
           </a:p>
         </p:txBody>
@@ -1630,7 +1929,7 @@
           <a:p>
             <a:fld id="{9BD7E917-8394-433F-96B5-1F86F1B85784}" type="slidenum">
               <a:rPr lang="en-IN" smtClean="0"/>
-              <a:t>19</a:t>
+              <a:t>20</a:t>
             </a:fld>
             <a:endParaRPr lang="en-IN"/>
           </a:p>
@@ -1639,7 +1938,7 @@
     </p:spTree>
     <p:extLst>
       <p:ext uri="{BB962C8B-B14F-4D97-AF65-F5344CB8AC3E}">
-        <p14:creationId xmlns:p14="http://schemas.microsoft.com/office/powerpoint/2010/main" val="3790991236"/>
+        <p14:creationId xmlns:p14="http://schemas.microsoft.com/office/powerpoint/2010/main" val="3021997138"/>
       </p:ext>
     </p:extLst>
   </p:cSld>
@@ -1693,6 +1992,7 @@
           <a:bodyPr/>
           <a:lstStyle/>
           <a:p>
+            <a:pPr algn="l"/>
             <a:r>
               <a:rPr lang="en-US" b="0" i="0" dirty="0">
                 <a:solidFill>
@@ -1701,8 +2001,36 @@
                 <a:effectLst/>
                 <a:latin typeface="source-serif-pro"/>
               </a:rPr>
-              <a:t>There are two phases. In phase one, the coordinator asks the participating nodes if they are ready to commit the transaction and waits for a yes or no response. If all nodes replied yes in phase 1, the coordinator instructs all nodes to commit; otherwise, the coordinator instructs all nodes to roll back.</a:t>
-            </a:r>
+              <a:t>A microservice is a distributed system made up of numerous smaller services that work together to offer overall application functionality. [1]</a:t>
+            </a:r>
+          </a:p>
+          <a:p>
+            <a:pPr algn="l"/>
+            <a:r>
+              <a:rPr lang="en-US" b="0" i="0" dirty="0">
+                <a:solidFill>
+                  <a:srgbClr val="292929"/>
+                </a:solidFill>
+                <a:effectLst/>
+                <a:latin typeface="source-serif-pro"/>
+              </a:rPr>
+              <a:t>Although this architectural style has many advantages, it also has some drawbacks. One of the biggest issues is determining how to manage a transaction that involves numerous services. [1]</a:t>
+            </a:r>
+          </a:p>
+          <a:p>
+            <a:pPr algn="l"/>
+            <a:r>
+              <a:rPr lang="en-US" b="0" i="0" dirty="0">
+                <a:solidFill>
+                  <a:srgbClr val="292929"/>
+                </a:solidFill>
+                <a:effectLst/>
+                <a:latin typeface="source-serif-pro"/>
+              </a:rPr>
+              <a:t>While the transaction spans numerous services in a distributed transaction scenario, maintaining ACID (atomicity, consistency, isolation, and durability) is always critical. The second difficulty is controlling the transaction isolation level. It determines the quantity of data visible in a transaction when other services access the same data at the same time.</a:t>
+            </a:r>
+          </a:p>
+          <a:p>
             <a:endParaRPr lang="en-IN" dirty="0"/>
           </a:p>
         </p:txBody>
@@ -1724,7 +2052,7 @@
           <a:p>
             <a:fld id="{9BD7E917-8394-433F-96B5-1F86F1B85784}" type="slidenum">
               <a:rPr lang="en-IN" smtClean="0"/>
-              <a:t>20</a:t>
+              <a:t>27</a:t>
             </a:fld>
             <a:endParaRPr lang="en-IN"/>
           </a:p>
@@ -1733,7 +2061,7 @@
     </p:spTree>
     <p:extLst>
       <p:ext uri="{BB962C8B-B14F-4D97-AF65-F5344CB8AC3E}">
-        <p14:creationId xmlns:p14="http://schemas.microsoft.com/office/powerpoint/2010/main" val="1521431812"/>
+        <p14:creationId xmlns:p14="http://schemas.microsoft.com/office/powerpoint/2010/main" val="3790991236"/>
       </p:ext>
     </p:extLst>
   </p:cSld>
@@ -1787,6 +2115,16 @@
           <a:bodyPr/>
           <a:lstStyle/>
           <a:p>
+            <a:r>
+              <a:rPr lang="en-US" b="0" i="0" dirty="0">
+                <a:solidFill>
+                  <a:srgbClr val="292929"/>
+                </a:solidFill>
+                <a:effectLst/>
+                <a:latin typeface="source-serif-pro"/>
+              </a:rPr>
+              <a:t>There are two phases. In phase one, the coordinator asks the participating nodes if they are ready to commit the transaction and waits for a yes or no response. If all nodes replied yes in phase 1, the coordinator instructs all nodes to commit; otherwise, the coordinator instructs all nodes to roll back.</a:t>
+            </a:r>
             <a:endParaRPr lang="en-IN" dirty="0"/>
           </a:p>
         </p:txBody>
@@ -1808,7 +2146,7 @@
           <a:p>
             <a:fld id="{9BD7E917-8394-433F-96B5-1F86F1B85784}" type="slidenum">
               <a:rPr lang="en-IN" smtClean="0"/>
-              <a:t>21</a:t>
+              <a:t>28</a:t>
             </a:fld>
             <a:endParaRPr lang="en-IN"/>
           </a:p>
@@ -1817,7 +2155,7 @@
     </p:spTree>
     <p:extLst>
       <p:ext uri="{BB962C8B-B14F-4D97-AF65-F5344CB8AC3E}">
-        <p14:creationId xmlns:p14="http://schemas.microsoft.com/office/powerpoint/2010/main" val="2521886758"/>
+        <p14:creationId xmlns:p14="http://schemas.microsoft.com/office/powerpoint/2010/main" val="1521431812"/>
       </p:ext>
     </p:extLst>
   </p:cSld>
@@ -1892,7 +2230,7 @@
           <a:p>
             <a:fld id="{9BD7E917-8394-433F-96B5-1F86F1B85784}" type="slidenum">
               <a:rPr lang="en-IN" smtClean="0"/>
-              <a:t>22</a:t>
+              <a:t>29</a:t>
             </a:fld>
             <a:endParaRPr lang="en-IN"/>
           </a:p>
@@ -1901,7 +2239,7 @@
     </p:spTree>
     <p:extLst>
       <p:ext uri="{BB962C8B-B14F-4D97-AF65-F5344CB8AC3E}">
-        <p14:creationId xmlns:p14="http://schemas.microsoft.com/office/powerpoint/2010/main" val="2119496563"/>
+        <p14:creationId xmlns:p14="http://schemas.microsoft.com/office/powerpoint/2010/main" val="2521886758"/>
       </p:ext>
     </p:extLst>
   </p:cSld>
@@ -1976,7 +2314,7 @@
           <a:p>
             <a:fld id="{9BD7E917-8394-433F-96B5-1F86F1B85784}" type="slidenum">
               <a:rPr lang="en-IN" smtClean="0"/>
-              <a:t>23</a:t>
+              <a:t>30</a:t>
             </a:fld>
             <a:endParaRPr lang="en-IN"/>
           </a:p>
@@ -1985,7 +2323,7 @@
     </p:spTree>
     <p:extLst>
       <p:ext uri="{BB962C8B-B14F-4D97-AF65-F5344CB8AC3E}">
-        <p14:creationId xmlns:p14="http://schemas.microsoft.com/office/powerpoint/2010/main" val="2095182990"/>
+        <p14:creationId xmlns:p14="http://schemas.microsoft.com/office/powerpoint/2010/main" val="2119496563"/>
       </p:ext>
     </p:extLst>
   </p:cSld>
@@ -2060,7 +2398,7 @@
           <a:p>
             <a:fld id="{9BD7E917-8394-433F-96B5-1F86F1B85784}" type="slidenum">
               <a:rPr lang="en-IN" smtClean="0"/>
-              <a:t>24</a:t>
+              <a:t>31</a:t>
             </a:fld>
             <a:endParaRPr lang="en-IN"/>
           </a:p>
@@ -2069,7 +2407,7 @@
     </p:spTree>
     <p:extLst>
       <p:ext uri="{BB962C8B-B14F-4D97-AF65-F5344CB8AC3E}">
-        <p14:creationId xmlns:p14="http://schemas.microsoft.com/office/powerpoint/2010/main" val="3062891347"/>
+        <p14:creationId xmlns:p14="http://schemas.microsoft.com/office/powerpoint/2010/main" val="2095182990"/>
       </p:ext>
     </p:extLst>
   </p:cSld>
@@ -2144,7 +2482,7 @@
           <a:p>
             <a:fld id="{9BD7E917-8394-433F-96B5-1F86F1B85784}" type="slidenum">
               <a:rPr lang="en-IN" smtClean="0"/>
-              <a:t>25</a:t>
+              <a:t>32</a:t>
             </a:fld>
             <a:endParaRPr lang="en-IN"/>
           </a:p>
@@ -2153,7 +2491,7 @@
     </p:spTree>
     <p:extLst>
       <p:ext uri="{BB962C8B-B14F-4D97-AF65-F5344CB8AC3E}">
-        <p14:creationId xmlns:p14="http://schemas.microsoft.com/office/powerpoint/2010/main" val="492397199"/>
+        <p14:creationId xmlns:p14="http://schemas.microsoft.com/office/powerpoint/2010/main" val="3062891347"/>
       </p:ext>
     </p:extLst>
   </p:cSld>
@@ -5618,7 +5956,13 @@
       </p:grpSpPr>
       <p:sp>
         <p:nvSpPr>
-          <p:cNvPr id="2" name="Title 1"/>
+          <p:cNvPr id="2" name="Title 1">
+            <a:extLst>
+              <a:ext uri="{FF2B5EF4-FFF2-40B4-BE49-F238E27FC236}">
+                <a16:creationId xmlns:a16="http://schemas.microsoft.com/office/drawing/2014/main" id="{7D44BCB6-3AC4-C727-1370-ECCD3D70C73F}"/>
+              </a:ext>
+            </a:extLst>
+          </p:cNvPr>
           <p:cNvSpPr>
             <a:spLocks noGrp="1"/>
           </p:cNvSpPr>
@@ -5628,122 +5972,76 @@
         </p:nvSpPr>
         <p:spPr/>
         <p:txBody>
+          <a:bodyPr/>
+          <a:lstStyle/>
+          <a:p>
+            <a:r>
+              <a:rPr lang="en-IN" dirty="0"/>
+              <a:t>Aggregator Pattern</a:t>
+            </a:r>
+          </a:p>
+        </p:txBody>
+      </p:sp>
+      <p:sp>
+        <p:nvSpPr>
+          <p:cNvPr id="3" name="Content Placeholder 2">
+            <a:extLst>
+              <a:ext uri="{FF2B5EF4-FFF2-40B4-BE49-F238E27FC236}">
+                <a16:creationId xmlns:a16="http://schemas.microsoft.com/office/drawing/2014/main" id="{B999CC3E-65A7-30BE-6192-D1DA78F6A1D6}"/>
+              </a:ext>
+            </a:extLst>
+          </p:cNvPr>
+          <p:cNvSpPr>
+            <a:spLocks noGrp="1"/>
+          </p:cNvSpPr>
+          <p:nvPr>
+            <p:ph idx="1"/>
+          </p:nvPr>
+        </p:nvSpPr>
+        <p:spPr/>
+        <p:txBody>
           <a:bodyPr>
-            <a:normAutofit fontScale="90000"/>
+            <a:normAutofit fontScale="70000" lnSpcReduction="20000"/>
           </a:bodyPr>
           <a:lstStyle/>
           <a:p>
             <a:r>
-              <a:rPr lang="en-US" b="1" dirty="0"/>
-              <a:t>Client-Side UI Composition Pattern</a:t>
-            </a:r>
-            <a:br>
-              <a:rPr lang="en-US" b="1" dirty="0"/>
-            </a:br>
-            <a:endParaRPr lang="en-US" dirty="0"/>
-          </a:p>
-        </p:txBody>
-      </p:sp>
-      <p:sp>
-        <p:nvSpPr>
-          <p:cNvPr id="3" name="Content Placeholder 2"/>
-          <p:cNvSpPr>
-            <a:spLocks noGrp="1"/>
-          </p:cNvSpPr>
-          <p:nvPr>
-            <p:ph idx="1"/>
-          </p:nvPr>
-        </p:nvSpPr>
-        <p:spPr/>
-        <p:txBody>
-          <a:bodyPr>
-            <a:normAutofit fontScale="62500" lnSpcReduction="20000"/>
-          </a:bodyPr>
-          <a:lstStyle/>
-          <a:p>
-            <a:pPr>
-              <a:buNone/>
-            </a:pPr>
-            <a:r>
-              <a:rPr lang="en-US" b="1" dirty="0"/>
-              <a:t>Problem</a:t>
-            </a:r>
-          </a:p>
-          <a:p>
-            <a:r>
-              <a:rPr lang="en-US" dirty="0"/>
-              <a:t>When services are developed by decomposing business capabilities/</a:t>
-            </a:r>
-            <a:r>
-              <a:rPr lang="en-US" dirty="0" err="1"/>
-              <a:t>subdomains</a:t>
-            </a:r>
-            <a:r>
-              <a:rPr lang="en-US" dirty="0"/>
-              <a:t>, the services responsible for user experience have to pull data from several </a:t>
-            </a:r>
-            <a:r>
-              <a:rPr lang="en-US" dirty="0" err="1"/>
-              <a:t>microservices</a:t>
-            </a:r>
-            <a:r>
-              <a:rPr lang="en-US" dirty="0"/>
-              <a:t>. In the monolithic world, there used to be only one call from the UI to a backend service to retrieve all data and refresh/submit the UI page. However, now it won't be the same. We need to understand how to do it.</a:t>
-            </a:r>
-          </a:p>
-          <a:p>
-            <a:pPr>
-              <a:buNone/>
-            </a:pPr>
-            <a:r>
-              <a:rPr lang="en-US" b="1" dirty="0"/>
-              <a:t>Solution</a:t>
-            </a:r>
-          </a:p>
-          <a:p>
-            <a:r>
-              <a:rPr lang="en-US" dirty="0"/>
-              <a:t>With </a:t>
-            </a:r>
-            <a:r>
-              <a:rPr lang="en-US" dirty="0" err="1"/>
-              <a:t>microservices</a:t>
-            </a:r>
-            <a:r>
-              <a:rPr lang="en-US" dirty="0"/>
-              <a:t>, the UI has to be designed as a skeleton with multiple sections/regions of the screen/page. Each section will make a call to an individual backend </a:t>
-            </a:r>
-            <a:r>
-              <a:rPr lang="en-US" dirty="0" err="1"/>
-              <a:t>microservice</a:t>
-            </a:r>
-            <a:r>
-              <a:rPr lang="en-US" dirty="0"/>
-              <a:t> to pull the data. That is called composing UI components specific to service. Frameworks like </a:t>
-            </a:r>
-            <a:r>
-              <a:rPr lang="en-US" dirty="0" err="1"/>
-              <a:t>AngularJS</a:t>
-            </a:r>
-            <a:r>
-              <a:rPr lang="en-US" dirty="0"/>
-              <a:t> and </a:t>
-            </a:r>
-            <a:r>
-              <a:rPr lang="en-US" dirty="0" err="1"/>
-              <a:t>ReactJS</a:t>
-            </a:r>
-            <a:r>
-              <a:rPr lang="en-US" dirty="0"/>
-              <a:t> help to do that easily. These screens are known as Single Page Applications (SPA). This enables the app to refresh a particular region of the screen instead of the whole page.</a:t>
-            </a:r>
-          </a:p>
-          <a:p>
-            <a:endParaRPr lang="en-US" dirty="0"/>
+              <a:rPr lang="en-US" dirty="0"/>
+              <a:t>The Aggregator design pattern in Microservice architecture is a design pattern used to compose a complex service by aggregating the responses of multiple independent microservices. </a:t>
+            </a:r>
+          </a:p>
+          <a:p>
+            <a:r>
+              <a:rPr lang="en-US" dirty="0"/>
+              <a:t>It's also one of the essential Microservices Design patterns along with SAGA, CQRS, and Event Sourcing. </a:t>
+            </a:r>
+          </a:p>
+          <a:p>
+            <a:r>
+              <a:rPr lang="en-US" dirty="0"/>
+              <a:t>This pattern is proper when a client request requires data or functionality distributed across multiple microservices. </a:t>
+            </a:r>
+          </a:p>
+          <a:p>
+            <a:r>
+              <a:rPr lang="en-US" dirty="0"/>
+              <a:t>It can improve the performance and scalability of the system by allowing each microservice to focus on a specific task and reducing the workload of a single microservice.</a:t>
+            </a:r>
+          </a:p>
+          <a:p>
+            <a:r>
+              <a:rPr lang="en-US" dirty="0"/>
+              <a:t>We are going to discuss how the Aggregator Microservice Pattern can be implemented in Java using various approaches, such as asynchronous communication, synchronous communication, or a combination of both.</a:t>
+            </a:r>
           </a:p>
         </p:txBody>
       </p:sp>
     </p:spTree>
+    <p:extLst>
+      <p:ext uri="{BB962C8B-B14F-4D97-AF65-F5344CB8AC3E}">
+        <p14:creationId xmlns:p14="http://schemas.microsoft.com/office/powerpoint/2010/main" val="811265336"/>
+      </p:ext>
+    </p:extLst>
   </p:cSld>
   <p:clrMapOvr>
     <a:masterClrMapping/>
@@ -5770,7 +6068,13 @@
       </p:grpSpPr>
       <p:sp>
         <p:nvSpPr>
-          <p:cNvPr id="2" name="Title 1"/>
+          <p:cNvPr id="2" name="Title 1">
+            <a:extLst>
+              <a:ext uri="{FF2B5EF4-FFF2-40B4-BE49-F238E27FC236}">
+                <a16:creationId xmlns:a16="http://schemas.microsoft.com/office/drawing/2014/main" id="{7D44BCB6-3AC4-C727-1370-ECCD3D70C73F}"/>
+              </a:ext>
+            </a:extLst>
+          </p:cNvPr>
           <p:cNvSpPr>
             <a:spLocks noGrp="1"/>
           </p:cNvSpPr>
@@ -5784,15 +6088,21 @@
           <a:lstStyle/>
           <a:p>
             <a:r>
-              <a:rPr lang="en-US" dirty="0"/>
-              <a:t>Database Pattern</a:t>
-            </a:r>
-          </a:p>
-        </p:txBody>
-      </p:sp>
-      <p:sp>
-        <p:nvSpPr>
-          <p:cNvPr id="3" name="Content Placeholder 2"/>
+              <a:rPr lang="en-IN" dirty="0"/>
+              <a:t>Aggregator Pattern Example</a:t>
+            </a:r>
+          </a:p>
+        </p:txBody>
+      </p:sp>
+      <p:sp>
+        <p:nvSpPr>
+          <p:cNvPr id="3" name="Content Placeholder 2">
+            <a:extLst>
+              <a:ext uri="{FF2B5EF4-FFF2-40B4-BE49-F238E27FC236}">
+                <a16:creationId xmlns:a16="http://schemas.microsoft.com/office/drawing/2014/main" id="{B999CC3E-65A7-30BE-6192-D1DA78F6A1D6}"/>
+              </a:ext>
+            </a:extLst>
+          </p:cNvPr>
           <p:cNvSpPr>
             <a:spLocks noGrp="1"/>
           </p:cNvSpPr>
@@ -5802,38 +6112,61 @@
         </p:nvSpPr>
         <p:spPr/>
         <p:txBody>
-          <a:bodyPr/>
-          <a:lstStyle/>
-          <a:p>
-            <a:r>
-              <a:rPr lang="en-US" b="1" dirty="0"/>
-              <a:t>Database per Service</a:t>
-            </a:r>
-          </a:p>
-          <a:p>
-            <a:r>
-              <a:rPr lang="en-US" b="1" dirty="0"/>
-              <a:t>Shared Database per Service</a:t>
-            </a:r>
-          </a:p>
-          <a:p>
-            <a:r>
-              <a:rPr lang="en-US" b="1" dirty="0"/>
-              <a:t>Command Query Responsibility Segregation (CQRS)</a:t>
-            </a:r>
-          </a:p>
-          <a:p>
-            <a:r>
-              <a:rPr lang="en-US" b="1" dirty="0"/>
-              <a:t>Saga Pattern</a:t>
-            </a:r>
-          </a:p>
-          <a:p>
+          <a:bodyPr>
+            <a:normAutofit/>
+          </a:bodyPr>
+          <a:lstStyle/>
+          <a:p>
+            <a:pPr marL="0" indent="0">
+              <a:buNone/>
+            </a:pPr>
+            <a:r>
+              <a:rPr lang="en-US" dirty="0"/>
+              <a:t>In Java, the Aggregator Microservice Pattern can be implemented using various approaches, such as </a:t>
+            </a:r>
+          </a:p>
+          <a:p>
+            <a:pPr lvl="1">
+              <a:buFont typeface="Arial" panose="020B0604020202020204" pitchFamily="34" charset="0"/>
+              <a:buChar char="•"/>
+            </a:pPr>
+            <a:r>
+              <a:rPr lang="en-US" dirty="0"/>
+              <a:t>Asynchronous communication</a:t>
+            </a:r>
+          </a:p>
+          <a:p>
+            <a:pPr lvl="1">
+              <a:buFont typeface="Arial" panose="020B0604020202020204" pitchFamily="34" charset="0"/>
+              <a:buChar char="•"/>
+            </a:pPr>
+            <a:r>
+              <a:rPr lang="en-US" dirty="0"/>
+              <a:t>Synchronous communication</a:t>
+            </a:r>
+          </a:p>
+          <a:p>
+            <a:pPr lvl="1">
+              <a:buFont typeface="Arial" panose="020B0604020202020204" pitchFamily="34" charset="0"/>
+              <a:buChar char="•"/>
+            </a:pPr>
+            <a:r>
+              <a:rPr lang="en-US" dirty="0"/>
+              <a:t> Combination of both</a:t>
+            </a:r>
+          </a:p>
+          <a:p>
+            <a:pPr lvl="1"/>
             <a:endParaRPr lang="en-US" dirty="0"/>
           </a:p>
         </p:txBody>
       </p:sp>
     </p:spTree>
+    <p:extLst>
+      <p:ext uri="{BB962C8B-B14F-4D97-AF65-F5344CB8AC3E}">
+        <p14:creationId xmlns:p14="http://schemas.microsoft.com/office/powerpoint/2010/main" val="2652702050"/>
+      </p:ext>
+    </p:extLst>
   </p:cSld>
   <p:clrMapOvr>
     <a:masterClrMapping/>
@@ -5860,7 +6193,13 @@
       </p:grpSpPr>
       <p:sp>
         <p:nvSpPr>
-          <p:cNvPr id="2" name="Title 1"/>
+          <p:cNvPr id="2" name="Title 1">
+            <a:extLst>
+              <a:ext uri="{FF2B5EF4-FFF2-40B4-BE49-F238E27FC236}">
+                <a16:creationId xmlns:a16="http://schemas.microsoft.com/office/drawing/2014/main" id="{7D44BCB6-3AC4-C727-1370-ECCD3D70C73F}"/>
+              </a:ext>
+            </a:extLst>
+          </p:cNvPr>
           <p:cNvSpPr>
             <a:spLocks noGrp="1"/>
           </p:cNvSpPr>
@@ -5868,7 +6207,12 @@
             <p:ph type="title"/>
           </p:nvPr>
         </p:nvSpPr>
-        <p:spPr/>
+        <p:spPr>
+          <a:xfrm>
+            <a:off x="251520" y="299194"/>
+            <a:ext cx="8435280" cy="1301006"/>
+          </a:xfrm>
+        </p:spPr>
         <p:txBody>
           <a:bodyPr>
             <a:normAutofit fontScale="90000"/>
@@ -5876,19 +6220,29 @@
           <a:lstStyle/>
           <a:p>
             <a:r>
-              <a:rPr lang="en-US" b="1" dirty="0"/>
-              <a:t>Database per Service</a:t>
+              <a:rPr lang="en-IN" dirty="0"/>
+              <a:t>Aggregator Pattern Example-</a:t>
+            </a:r>
+            <a:r>
+              <a:rPr lang="en-US" dirty="0"/>
+              <a:t>Asynchronous communication</a:t>
             </a:r>
             <a:br>
-              <a:rPr lang="en-US" b="1" dirty="0"/>
+              <a:rPr lang="en-US" dirty="0"/>
             </a:br>
-            <a:endParaRPr lang="en-US" dirty="0"/>
-          </a:p>
-        </p:txBody>
-      </p:sp>
-      <p:sp>
-        <p:nvSpPr>
-          <p:cNvPr id="3" name="Content Placeholder 2"/>
+            <a:endParaRPr lang="en-IN" dirty="0"/>
+          </a:p>
+        </p:txBody>
+      </p:sp>
+      <p:sp>
+        <p:nvSpPr>
+          <p:cNvPr id="3" name="Content Placeholder 2">
+            <a:extLst>
+              <a:ext uri="{FF2B5EF4-FFF2-40B4-BE49-F238E27FC236}">
+                <a16:creationId xmlns:a16="http://schemas.microsoft.com/office/drawing/2014/main" id="{B999CC3E-65A7-30BE-6192-D1DA78F6A1D6}"/>
+              </a:ext>
+            </a:extLst>
+          </p:cNvPr>
           <p:cNvSpPr>
             <a:spLocks noGrp="1"/>
           </p:cNvSpPr>
@@ -5896,124 +6250,108 @@
             <p:ph idx="1"/>
           </p:nvPr>
         </p:nvSpPr>
-        <p:spPr/>
+        <p:spPr>
+          <a:xfrm>
+            <a:off x="107504" y="1268760"/>
+            <a:ext cx="8928992" cy="5468838"/>
+          </a:xfrm>
+        </p:spPr>
         <p:txBody>
           <a:bodyPr>
-            <a:normAutofit fontScale="47500" lnSpcReduction="20000"/>
+            <a:normAutofit/>
           </a:bodyPr>
           <a:lstStyle/>
           <a:p>
-            <a:pPr>
-              <a:buNone/>
-            </a:pPr>
-            <a:r>
-              <a:rPr lang="en-US" b="1" dirty="0"/>
-              <a:t>Problem</a:t>
-            </a:r>
-          </a:p>
-          <a:p>
-            <a:r>
-              <a:rPr lang="en-US" dirty="0"/>
-              <a:t>There is a problem of how to define database architecture for </a:t>
-            </a:r>
-            <a:r>
-              <a:rPr lang="en-US" dirty="0" err="1"/>
-              <a:t>microservices</a:t>
-            </a:r>
-            <a:r>
-              <a:rPr lang="en-US" dirty="0"/>
-              <a:t>. Following are the concerns to be addressed:</a:t>
-            </a:r>
-          </a:p>
-          <a:p>
-            <a:r>
-              <a:rPr lang="en-US" dirty="0"/>
-              <a:t>1. Services must be loosely coupled. They can be developed, deployed, and scaled independently.</a:t>
-            </a:r>
-          </a:p>
-          <a:p>
-            <a:r>
-              <a:rPr lang="en-US" dirty="0"/>
-              <a:t>2. Business transactions may enforce invariants that span multiple services.</a:t>
-            </a:r>
-          </a:p>
-          <a:p>
-            <a:r>
-              <a:rPr lang="en-US" dirty="0"/>
-              <a:t>3. Some business transactions need to query data that is owned by multiple services.</a:t>
-            </a:r>
-          </a:p>
-          <a:p>
-            <a:r>
-              <a:rPr lang="en-US" dirty="0"/>
-              <a:t>4. Databases must sometimes be replicated and </a:t>
-            </a:r>
-            <a:r>
-              <a:rPr lang="en-US" dirty="0" err="1"/>
-              <a:t>sharded</a:t>
-            </a:r>
-            <a:r>
-              <a:rPr lang="en-US" dirty="0"/>
-              <a:t> in order to scale.</a:t>
-            </a:r>
-          </a:p>
-          <a:p>
-            <a:r>
-              <a:rPr lang="en-US" dirty="0"/>
-              <a:t>5. Different services have different data storage requirements.</a:t>
-            </a:r>
-          </a:p>
-          <a:p>
-            <a:pPr>
-              <a:buNone/>
-            </a:pPr>
-            <a:endParaRPr lang="en-US" b="1" dirty="0"/>
-          </a:p>
-          <a:p>
-            <a:pPr>
-              <a:buNone/>
-            </a:pPr>
-            <a:r>
-              <a:rPr lang="en-US" b="1" dirty="0"/>
-              <a:t>Solution</a:t>
-            </a:r>
-          </a:p>
-          <a:p>
-            <a:r>
-              <a:rPr lang="en-US" dirty="0"/>
-              <a:t>To solve the above concerns, one database per </a:t>
-            </a:r>
-            <a:r>
-              <a:rPr lang="en-US" dirty="0" err="1"/>
-              <a:t>microservice</a:t>
-            </a:r>
-            <a:r>
-              <a:rPr lang="en-US" dirty="0"/>
-              <a:t> must be designed; it must be private to that service only. It should be accessed by the </a:t>
-            </a:r>
-            <a:r>
-              <a:rPr lang="en-US" dirty="0" err="1"/>
-              <a:t>microservice</a:t>
-            </a:r>
-            <a:r>
-              <a:rPr lang="en-US" dirty="0"/>
-              <a:t> API only. It cannot be accessed by other services directly. For example, for relational databases, we can use private-tables-per-service, schema-per-service, or database-server-per-service. Each </a:t>
-            </a:r>
-            <a:r>
-              <a:rPr lang="en-US" dirty="0" err="1"/>
-              <a:t>microservice</a:t>
-            </a:r>
-            <a:r>
-              <a:rPr lang="en-US" dirty="0"/>
-              <a:t> should have a separate database id so that separate access can be given to put up a barrier and prevent it from using other service tables.</a:t>
-            </a:r>
-          </a:p>
-          <a:p>
-            <a:endParaRPr lang="en-US" dirty="0"/>
-          </a:p>
-        </p:txBody>
-      </p:sp>
+            <a:pPr lvl="1">
+              <a:buFont typeface="Arial" panose="020B0604020202020204" pitchFamily="34" charset="0"/>
+              <a:buChar char="•"/>
+            </a:pPr>
+            <a:r>
+              <a:rPr lang="en-US" sz="1600" dirty="0"/>
+              <a:t>One way to implement the Aggregator Microservice Pattern in Java is by using asynchronous communication between the microservices. In this approach, the client sends a request to the aggregator microservice, which then sends requests to the individual microservices in parallel. </a:t>
+            </a:r>
+          </a:p>
+          <a:p>
+            <a:pPr lvl="1">
+              <a:buFont typeface="Arial" panose="020B0604020202020204" pitchFamily="34" charset="0"/>
+              <a:buChar char="•"/>
+            </a:pPr>
+            <a:r>
+              <a:rPr lang="en-US" sz="1600" dirty="0"/>
+              <a:t>Each microservice processes the request and sends the response back to the aggregator microservice, which then aggregates the responses and returns the result to the client.</a:t>
+            </a:r>
+          </a:p>
+          <a:p>
+            <a:pPr lvl="1">
+              <a:buFont typeface="Arial" panose="020B0604020202020204" pitchFamily="34" charset="0"/>
+              <a:buChar char="•"/>
+            </a:pPr>
+            <a:r>
+              <a:rPr lang="en-US" sz="1600" dirty="0"/>
+              <a:t>This approach has the advantage of improving the performance of the system by allowing the microservices to process the requests concurrently. However, it requires the use of an asynchronous communication mechanism, such as message queues or event-driven architectures, which can introduce additional complexity to the system.</a:t>
+            </a:r>
+          </a:p>
+          <a:p>
+            <a:pPr marL="457200" lvl="1" indent="0">
+              <a:buNone/>
+            </a:pPr>
+            <a:endParaRPr lang="en-US" sz="1600" dirty="0"/>
+          </a:p>
+        </p:txBody>
+      </p:sp>
+      <p:pic>
+        <p:nvPicPr>
+          <p:cNvPr id="1026" name="Picture 2" descr="Aggregator Design Pattern In Java Microservices with Examples">
+            <a:extLst>
+              <a:ext uri="{FF2B5EF4-FFF2-40B4-BE49-F238E27FC236}">
+                <a16:creationId xmlns:a16="http://schemas.microsoft.com/office/drawing/2014/main" id="{99D1E110-F959-E53C-C1CF-98CF6F36871D}"/>
+              </a:ext>
+            </a:extLst>
+          </p:cNvPr>
+          <p:cNvPicPr>
+            <a:picLocks noChangeAspect="1" noChangeArrowheads="1"/>
+          </p:cNvPicPr>
+          <p:nvPr/>
+        </p:nvPicPr>
+        <p:blipFill>
+          <a:blip r:embed="rId2">
+            <a:extLst>
+              <a:ext uri="{28A0092B-C50C-407E-A947-70E740481C1C}">
+                <a14:useLocalDpi xmlns:a14="http://schemas.microsoft.com/office/drawing/2010/main" val="0"/>
+              </a:ext>
+            </a:extLst>
+          </a:blip>
+          <a:srcRect/>
+          <a:stretch>
+            <a:fillRect/>
+          </a:stretch>
+        </p:blipFill>
+        <p:spPr bwMode="auto">
+          <a:xfrm>
+            <a:off x="2267744" y="3981426"/>
+            <a:ext cx="5114925" cy="2876550"/>
+          </a:xfrm>
+          <a:prstGeom prst="rect">
+            <a:avLst/>
+          </a:prstGeom>
+          <a:noFill/>
+          <a:extLst>
+            <a:ext uri="{909E8E84-426E-40DD-AFC4-6F175D3DCCD1}">
+              <a14:hiddenFill xmlns:a14="http://schemas.microsoft.com/office/drawing/2010/main">
+                <a:solidFill>
+                  <a:srgbClr val="FFFFFF"/>
+                </a:solidFill>
+              </a14:hiddenFill>
+            </a:ext>
+          </a:extLst>
+        </p:spPr>
+      </p:pic>
     </p:spTree>
+    <p:extLst>
+      <p:ext uri="{BB962C8B-B14F-4D97-AF65-F5344CB8AC3E}">
+        <p14:creationId xmlns:p14="http://schemas.microsoft.com/office/powerpoint/2010/main" val="3489474443"/>
+      </p:ext>
+    </p:extLst>
   </p:cSld>
   <p:clrMapOvr>
     <a:masterClrMapping/>
@@ -6040,7 +6378,13 @@
       </p:grpSpPr>
       <p:sp>
         <p:nvSpPr>
-          <p:cNvPr id="2" name="Title 1"/>
+          <p:cNvPr id="2" name="Title 1">
+            <a:extLst>
+              <a:ext uri="{FF2B5EF4-FFF2-40B4-BE49-F238E27FC236}">
+                <a16:creationId xmlns:a16="http://schemas.microsoft.com/office/drawing/2014/main" id="{7D44BCB6-3AC4-C727-1370-ECCD3D70C73F}"/>
+              </a:ext>
+            </a:extLst>
+          </p:cNvPr>
           <p:cNvSpPr>
             <a:spLocks noGrp="1"/>
           </p:cNvSpPr>
@@ -6048,7 +6392,12 @@
             <p:ph type="title"/>
           </p:nvPr>
         </p:nvSpPr>
-        <p:spPr/>
+        <p:spPr>
+          <a:xfrm>
+            <a:off x="251520" y="299194"/>
+            <a:ext cx="8435280" cy="1301006"/>
+          </a:xfrm>
+        </p:spPr>
         <p:txBody>
           <a:bodyPr>
             <a:normAutofit fontScale="90000"/>
@@ -6056,19 +6405,29 @@
           <a:lstStyle/>
           <a:p>
             <a:r>
-              <a:rPr lang="en-US" b="1" dirty="0"/>
-              <a:t>Shared Database per Service</a:t>
+              <a:rPr lang="en-IN" dirty="0"/>
+              <a:t>Aggregator Pattern Example-</a:t>
+            </a:r>
+            <a:r>
+              <a:rPr lang="en-US" dirty="0"/>
+              <a:t>Asynchronous communication</a:t>
             </a:r>
             <a:br>
-              <a:rPr lang="en-US" b="1" dirty="0"/>
+              <a:rPr lang="en-US" dirty="0"/>
             </a:br>
-            <a:endParaRPr lang="en-US" dirty="0"/>
-          </a:p>
-        </p:txBody>
-      </p:sp>
-      <p:sp>
-        <p:nvSpPr>
-          <p:cNvPr id="3" name="Content Placeholder 2"/>
+            <a:endParaRPr lang="en-IN" dirty="0"/>
+          </a:p>
+        </p:txBody>
+      </p:sp>
+      <p:sp>
+        <p:nvSpPr>
+          <p:cNvPr id="3" name="Content Placeholder 2">
+            <a:extLst>
+              <a:ext uri="{FF2B5EF4-FFF2-40B4-BE49-F238E27FC236}">
+                <a16:creationId xmlns:a16="http://schemas.microsoft.com/office/drawing/2014/main" id="{B999CC3E-65A7-30BE-6192-D1DA78F6A1D6}"/>
+              </a:ext>
+            </a:extLst>
+          </p:cNvPr>
           <p:cNvSpPr>
             <a:spLocks noGrp="1"/>
           </p:cNvSpPr>
@@ -6076,112 +6435,824 @@
             <p:ph idx="1"/>
           </p:nvPr>
         </p:nvSpPr>
-        <p:spPr/>
+        <p:spPr>
+          <a:xfrm>
+            <a:off x="235568" y="1363642"/>
+            <a:ext cx="8928992" cy="5468838"/>
+          </a:xfrm>
+        </p:spPr>
         <p:txBody>
           <a:bodyPr>
-            <a:normAutofit fontScale="70000" lnSpcReduction="20000"/>
+            <a:normAutofit/>
           </a:bodyPr>
           <a:lstStyle/>
           <a:p>
-            <a:pPr>
-              <a:buNone/>
-            </a:pPr>
-            <a:r>
-              <a:rPr lang="en-US" b="1" dirty="0"/>
-              <a:t>Problem</a:t>
-            </a:r>
-          </a:p>
-          <a:p>
-            <a:r>
-              <a:rPr lang="en-US" dirty="0"/>
-              <a:t>We have talked about one database per service being ideal for </a:t>
-            </a:r>
-            <a:r>
-              <a:rPr lang="en-US" dirty="0" err="1"/>
-              <a:t>microservices</a:t>
-            </a:r>
-            <a:r>
-              <a:rPr lang="en-US" dirty="0"/>
-              <a:t>, but that is possible when the application is </a:t>
-            </a:r>
-            <a:r>
-              <a:rPr lang="en-US" dirty="0" err="1"/>
-              <a:t>greenfield</a:t>
-            </a:r>
-            <a:r>
-              <a:rPr lang="en-US" dirty="0"/>
-              <a:t> and to be developed with DDD. But if the application is a monolith and trying to break into </a:t>
-            </a:r>
-            <a:r>
-              <a:rPr lang="en-US" dirty="0" err="1"/>
-              <a:t>microservices</a:t>
-            </a:r>
-            <a:r>
-              <a:rPr lang="en-US" dirty="0"/>
-              <a:t>, </a:t>
-            </a:r>
-            <a:r>
-              <a:rPr lang="en-US" dirty="0" err="1"/>
-              <a:t>denormalization</a:t>
-            </a:r>
-            <a:r>
-              <a:rPr lang="en-US" dirty="0"/>
-              <a:t> is not that easy. What is the suitable architecture in that case?</a:t>
-            </a:r>
-          </a:p>
-          <a:p>
-            <a:pPr>
-              <a:buNone/>
-            </a:pPr>
-            <a:r>
-              <a:rPr lang="en-US" b="1" dirty="0"/>
-              <a:t>Solution</a:t>
-            </a:r>
-          </a:p>
-          <a:p>
-            <a:r>
-              <a:rPr lang="en-US" dirty="0"/>
-              <a:t>A shared database per service is not ideal, but that is the working solution for the above scenario. Most people consider this an anti-pattern for </a:t>
-            </a:r>
-            <a:r>
-              <a:rPr lang="en-US" dirty="0" err="1"/>
-              <a:t>microservices</a:t>
-            </a:r>
-            <a:r>
-              <a:rPr lang="en-US" dirty="0"/>
-              <a:t>, but for </a:t>
-            </a:r>
-            <a:r>
-              <a:rPr lang="en-US" dirty="0" err="1"/>
-              <a:t>brownfield</a:t>
-            </a:r>
-            <a:r>
-              <a:rPr lang="en-US" dirty="0"/>
-              <a:t> applications, this is a good start to break the application into smaller logical pieces. This should not be applied for </a:t>
-            </a:r>
-            <a:r>
-              <a:rPr lang="en-US" dirty="0" err="1"/>
-              <a:t>greenfield</a:t>
-            </a:r>
-            <a:r>
-              <a:rPr lang="en-US" dirty="0"/>
-              <a:t> applications. In this pattern, one database can be aligned with more than one </a:t>
-            </a:r>
-            <a:r>
-              <a:rPr lang="en-US" dirty="0" err="1"/>
-              <a:t>microservice</a:t>
-            </a:r>
-            <a:r>
-              <a:rPr lang="en-US" dirty="0"/>
-              <a:t>, but it has to be restricted to 2-3 maximum, otherwise scaling, autonomy, and independence will be challenging to execute.</a:t>
-            </a:r>
-          </a:p>
-          <a:p>
-            <a:endParaRPr lang="en-US" dirty="0"/>
+            <a:pPr marL="457200" lvl="1" indent="0">
+              <a:buNone/>
+            </a:pPr>
+            <a:r>
+              <a:rPr lang="en-US" sz="1400" dirty="0"/>
+              <a:t>In this example, the </a:t>
+            </a:r>
+            <a:r>
+              <a:rPr lang="en-US" sz="1400" b="1" dirty="0" err="1"/>
+              <a:t>AsyncAggregatorMicroservice</a:t>
+            </a:r>
+            <a:r>
+              <a:rPr lang="en-US" sz="1400" dirty="0"/>
+              <a:t> class uses the </a:t>
+            </a:r>
+            <a:r>
+              <a:rPr lang="en-US" sz="1400" b="1" dirty="0" err="1"/>
+              <a:t>CompletableFuture</a:t>
+            </a:r>
+            <a:r>
+              <a:rPr lang="en-US" sz="1400" dirty="0"/>
+              <a:t> class from the Java Concurrency API to send requests to the individual microservices asynchronously. </a:t>
+            </a:r>
+          </a:p>
+          <a:p>
+            <a:pPr marL="457200" lvl="1" indent="0">
+              <a:buNone/>
+            </a:pPr>
+            <a:r>
+              <a:rPr lang="en-US" sz="1400" dirty="0"/>
+              <a:t>The </a:t>
+            </a:r>
+            <a:r>
+              <a:rPr lang="en-US" sz="1400" b="1" dirty="0" err="1"/>
+              <a:t>CompletableFuture.allOf</a:t>
+            </a:r>
+            <a:r>
+              <a:rPr lang="en-US" sz="1400" b="1" dirty="0"/>
+              <a:t>()</a:t>
+            </a:r>
+            <a:r>
+              <a:rPr lang="en-US" sz="1400" dirty="0"/>
+              <a:t> method is used to wait for all the responses to be received, and the </a:t>
+            </a:r>
+            <a:r>
+              <a:rPr lang="en-US" sz="1400" b="1" dirty="0" err="1"/>
+              <a:t>thenApply</a:t>
+            </a:r>
+            <a:r>
+              <a:rPr lang="en-US" sz="1400" b="1" dirty="0"/>
+              <a:t>()</a:t>
+            </a:r>
+            <a:r>
+              <a:rPr lang="en-US" sz="1400" dirty="0"/>
+              <a:t> method is used to aggregate the responses and return the result to the client.</a:t>
+            </a:r>
+          </a:p>
+          <a:p>
+            <a:pPr marL="457200" lvl="1" indent="0">
+              <a:buNone/>
+            </a:pPr>
+            <a:endParaRPr lang="en-US" sz="1800" dirty="0"/>
+          </a:p>
+        </p:txBody>
+      </p:sp>
+      <p:pic>
+        <p:nvPicPr>
+          <p:cNvPr id="2050" name="Picture 2">
+            <a:extLst>
+              <a:ext uri="{FF2B5EF4-FFF2-40B4-BE49-F238E27FC236}">
+                <a16:creationId xmlns:a16="http://schemas.microsoft.com/office/drawing/2014/main" id="{67F79022-60CD-F949-FCDE-D887E0A28CEF}"/>
+              </a:ext>
+            </a:extLst>
+          </p:cNvPr>
+          <p:cNvPicPr>
+            <a:picLocks noChangeAspect="1" noChangeArrowheads="1"/>
+          </p:cNvPicPr>
+          <p:nvPr/>
+        </p:nvPicPr>
+        <p:blipFill>
+          <a:blip r:embed="rId2">
+            <a:extLst>
+              <a:ext uri="{28A0092B-C50C-407E-A947-70E740481C1C}">
+                <a14:useLocalDpi xmlns:a14="http://schemas.microsoft.com/office/drawing/2010/main" val="0"/>
+              </a:ext>
+            </a:extLst>
+          </a:blip>
+          <a:srcRect/>
+          <a:stretch>
+            <a:fillRect/>
+          </a:stretch>
+        </p:blipFill>
+        <p:spPr bwMode="auto">
+          <a:xfrm>
+            <a:off x="221909" y="2996952"/>
+            <a:ext cx="3650291" cy="1851219"/>
+          </a:xfrm>
+          <a:prstGeom prst="rect">
+            <a:avLst/>
+          </a:prstGeom>
+          <a:noFill/>
+          <a:extLst>
+            <a:ext uri="{909E8E84-426E-40DD-AFC4-6F175D3DCCD1}">
+              <a14:hiddenFill xmlns:a14="http://schemas.microsoft.com/office/drawing/2010/main">
+                <a:solidFill>
+                  <a:srgbClr val="FFFFFF"/>
+                </a:solidFill>
+              </a14:hiddenFill>
+            </a:ext>
+          </a:extLst>
+        </p:spPr>
+      </p:pic>
+      <p:sp>
+        <p:nvSpPr>
+          <p:cNvPr id="4" name="Content Placeholder 2">
+            <a:extLst>
+              <a:ext uri="{FF2B5EF4-FFF2-40B4-BE49-F238E27FC236}">
+                <a16:creationId xmlns:a16="http://schemas.microsoft.com/office/drawing/2014/main" id="{CD308351-D0C5-E921-36A2-D83E043619E7}"/>
+              </a:ext>
+            </a:extLst>
+          </p:cNvPr>
+          <p:cNvSpPr txBox="1">
+            <a:spLocks/>
+          </p:cNvSpPr>
+          <p:nvPr/>
+        </p:nvSpPr>
+        <p:spPr>
+          <a:xfrm>
+            <a:off x="3945512" y="2348880"/>
+            <a:ext cx="5232707" cy="4483600"/>
+          </a:xfrm>
+          <a:prstGeom prst="rect">
+            <a:avLst/>
+          </a:prstGeom>
+        </p:spPr>
+        <p:txBody>
+          <a:bodyPr vert="horz" lIns="91440" tIns="45720" rIns="91440" bIns="45720" rtlCol="0">
+            <a:normAutofit fontScale="25000" lnSpcReduction="20000"/>
+          </a:bodyPr>
+          <a:lstStyle>
+            <a:lvl1pPr marL="342900" indent="-342900" algn="l" defTabSz="914400" rtl="0" eaLnBrk="1" latinLnBrk="0" hangingPunct="1">
+              <a:spcBef>
+                <a:spcPct val="20000"/>
+              </a:spcBef>
+              <a:buFont typeface="Arial" pitchFamily="34" charset="0"/>
+              <a:buChar char="•"/>
+              <a:defRPr sz="3200" kern="1200">
+                <a:solidFill>
+                  <a:schemeClr val="tx1"/>
+                </a:solidFill>
+                <a:latin typeface="+mn-lt"/>
+                <a:ea typeface="+mn-ea"/>
+                <a:cs typeface="+mn-cs"/>
+              </a:defRPr>
+            </a:lvl1pPr>
+            <a:lvl2pPr marL="742950" indent="-285750" algn="l" defTabSz="914400" rtl="0" eaLnBrk="1" latinLnBrk="0" hangingPunct="1">
+              <a:spcBef>
+                <a:spcPct val="20000"/>
+              </a:spcBef>
+              <a:buFont typeface="Arial" pitchFamily="34" charset="0"/>
+              <a:buChar char="–"/>
+              <a:defRPr sz="2800" kern="1200">
+                <a:solidFill>
+                  <a:schemeClr val="tx1"/>
+                </a:solidFill>
+                <a:latin typeface="+mn-lt"/>
+                <a:ea typeface="+mn-ea"/>
+                <a:cs typeface="+mn-cs"/>
+              </a:defRPr>
+            </a:lvl2pPr>
+            <a:lvl3pPr marL="1143000" indent="-228600" algn="l" defTabSz="914400" rtl="0" eaLnBrk="1" latinLnBrk="0" hangingPunct="1">
+              <a:spcBef>
+                <a:spcPct val="20000"/>
+              </a:spcBef>
+              <a:buFont typeface="Arial" pitchFamily="34" charset="0"/>
+              <a:buChar char="•"/>
+              <a:defRPr sz="2400" kern="1200">
+                <a:solidFill>
+                  <a:schemeClr val="tx1"/>
+                </a:solidFill>
+                <a:latin typeface="+mn-lt"/>
+                <a:ea typeface="+mn-ea"/>
+                <a:cs typeface="+mn-cs"/>
+              </a:defRPr>
+            </a:lvl3pPr>
+            <a:lvl4pPr marL="1600200" indent="-228600" algn="l" defTabSz="914400" rtl="0" eaLnBrk="1" latinLnBrk="0" hangingPunct="1">
+              <a:spcBef>
+                <a:spcPct val="20000"/>
+              </a:spcBef>
+              <a:buFont typeface="Arial" pitchFamily="34" charset="0"/>
+              <a:buChar char="–"/>
+              <a:defRPr sz="2000" kern="1200">
+                <a:solidFill>
+                  <a:schemeClr val="tx1"/>
+                </a:solidFill>
+                <a:latin typeface="+mn-lt"/>
+                <a:ea typeface="+mn-ea"/>
+                <a:cs typeface="+mn-cs"/>
+              </a:defRPr>
+            </a:lvl4pPr>
+            <a:lvl5pPr marL="2057400" indent="-228600" algn="l" defTabSz="914400" rtl="0" eaLnBrk="1" latinLnBrk="0" hangingPunct="1">
+              <a:spcBef>
+                <a:spcPct val="20000"/>
+              </a:spcBef>
+              <a:buFont typeface="Arial" pitchFamily="34" charset="0"/>
+              <a:buChar char="»"/>
+              <a:defRPr sz="2000" kern="1200">
+                <a:solidFill>
+                  <a:schemeClr val="tx1"/>
+                </a:solidFill>
+                <a:latin typeface="+mn-lt"/>
+                <a:ea typeface="+mn-ea"/>
+                <a:cs typeface="+mn-cs"/>
+              </a:defRPr>
+            </a:lvl5pPr>
+            <a:lvl6pPr marL="2514600" indent="-228600" algn="l" defTabSz="914400" rtl="0" eaLnBrk="1" latinLnBrk="0" hangingPunct="1">
+              <a:spcBef>
+                <a:spcPct val="20000"/>
+              </a:spcBef>
+              <a:buFont typeface="Arial" pitchFamily="34" charset="0"/>
+              <a:buChar char="•"/>
+              <a:defRPr sz="2000" kern="1200">
+                <a:solidFill>
+                  <a:schemeClr val="tx1"/>
+                </a:solidFill>
+                <a:latin typeface="+mn-lt"/>
+                <a:ea typeface="+mn-ea"/>
+                <a:cs typeface="+mn-cs"/>
+              </a:defRPr>
+            </a:lvl6pPr>
+            <a:lvl7pPr marL="2971800" indent="-228600" algn="l" defTabSz="914400" rtl="0" eaLnBrk="1" latinLnBrk="0" hangingPunct="1">
+              <a:spcBef>
+                <a:spcPct val="20000"/>
+              </a:spcBef>
+              <a:buFont typeface="Arial" pitchFamily="34" charset="0"/>
+              <a:buChar char="•"/>
+              <a:defRPr sz="2000" kern="1200">
+                <a:solidFill>
+                  <a:schemeClr val="tx1"/>
+                </a:solidFill>
+                <a:latin typeface="+mn-lt"/>
+                <a:ea typeface="+mn-ea"/>
+                <a:cs typeface="+mn-cs"/>
+              </a:defRPr>
+            </a:lvl7pPr>
+            <a:lvl8pPr marL="3429000" indent="-228600" algn="l" defTabSz="914400" rtl="0" eaLnBrk="1" latinLnBrk="0" hangingPunct="1">
+              <a:spcBef>
+                <a:spcPct val="20000"/>
+              </a:spcBef>
+              <a:buFont typeface="Arial" pitchFamily="34" charset="0"/>
+              <a:buChar char="•"/>
+              <a:defRPr sz="2000" kern="1200">
+                <a:solidFill>
+                  <a:schemeClr val="tx1"/>
+                </a:solidFill>
+                <a:latin typeface="+mn-lt"/>
+                <a:ea typeface="+mn-ea"/>
+                <a:cs typeface="+mn-cs"/>
+              </a:defRPr>
+            </a:lvl8pPr>
+            <a:lvl9pPr marL="3886200" indent="-228600" algn="l" defTabSz="914400" rtl="0" eaLnBrk="1" latinLnBrk="0" hangingPunct="1">
+              <a:spcBef>
+                <a:spcPct val="20000"/>
+              </a:spcBef>
+              <a:buFont typeface="Arial" pitchFamily="34" charset="0"/>
+              <a:buChar char="•"/>
+              <a:defRPr sz="2000" kern="1200">
+                <a:solidFill>
+                  <a:schemeClr val="tx1"/>
+                </a:solidFill>
+                <a:latin typeface="+mn-lt"/>
+                <a:ea typeface="+mn-ea"/>
+                <a:cs typeface="+mn-cs"/>
+              </a:defRPr>
+            </a:lvl9pPr>
+          </a:lstStyle>
+          <a:p>
+            <a:pPr marL="0" indent="0">
+              <a:buFont typeface="Arial" pitchFamily="34" charset="0"/>
+              <a:buNone/>
+            </a:pPr>
+            <a:r>
+              <a:rPr lang="en-IN" sz="3600" dirty="0"/>
+              <a:t>public class </a:t>
+            </a:r>
+            <a:r>
+              <a:rPr lang="en-IN" sz="3600" dirty="0" err="1"/>
+              <a:t>AsyncAggregatorMicroservice</a:t>
+            </a:r>
+            <a:r>
+              <a:rPr lang="en-IN" sz="3600" dirty="0"/>
+              <a:t> {</a:t>
+            </a:r>
+          </a:p>
+          <a:p>
+            <a:pPr marL="0" indent="0">
+              <a:buFont typeface="Arial" pitchFamily="34" charset="0"/>
+              <a:buNone/>
+            </a:pPr>
+            <a:r>
+              <a:rPr lang="en-IN" sz="3600" dirty="0"/>
+              <a:t>    private final </a:t>
+            </a:r>
+            <a:r>
+              <a:rPr lang="en-IN" sz="3600" dirty="0" err="1"/>
+              <a:t>ExecutorService</a:t>
+            </a:r>
+            <a:r>
+              <a:rPr lang="en-IN" sz="3600" dirty="0"/>
+              <a:t> </a:t>
+            </a:r>
+            <a:r>
+              <a:rPr lang="en-IN" sz="3600" dirty="0" err="1"/>
+              <a:t>executorService</a:t>
+            </a:r>
+            <a:r>
+              <a:rPr lang="en-IN" sz="3600" dirty="0"/>
+              <a:t>;</a:t>
+            </a:r>
+          </a:p>
+          <a:p>
+            <a:pPr marL="0" indent="0">
+              <a:buFont typeface="Arial" pitchFamily="34" charset="0"/>
+              <a:buNone/>
+            </a:pPr>
+            <a:r>
+              <a:rPr lang="en-IN" sz="3600" dirty="0"/>
+              <a:t>    private final Microservice1Client </a:t>
+            </a:r>
+            <a:r>
+              <a:rPr lang="en-IN" sz="3600" dirty="0" err="1"/>
+              <a:t>microservice1Client</a:t>
+            </a:r>
+            <a:r>
+              <a:rPr lang="en-IN" sz="3600" dirty="0"/>
+              <a:t>;</a:t>
+            </a:r>
+          </a:p>
+          <a:p>
+            <a:pPr marL="0" indent="0">
+              <a:buFont typeface="Arial" pitchFamily="34" charset="0"/>
+              <a:buNone/>
+            </a:pPr>
+            <a:r>
+              <a:rPr lang="en-IN" sz="3600" dirty="0"/>
+              <a:t>    private final Microservice2Client </a:t>
+            </a:r>
+            <a:r>
+              <a:rPr lang="en-IN" sz="3600" dirty="0" err="1"/>
+              <a:t>microservice2Client</a:t>
+            </a:r>
+            <a:r>
+              <a:rPr lang="en-IN" sz="3600" dirty="0"/>
+              <a:t>;</a:t>
+            </a:r>
+          </a:p>
+          <a:p>
+            <a:pPr marL="0" indent="0">
+              <a:buFont typeface="Arial" pitchFamily="34" charset="0"/>
+              <a:buNone/>
+            </a:pPr>
+            <a:r>
+              <a:rPr lang="en-IN" sz="3600" dirty="0"/>
+              <a:t>    private final Microservice3Client </a:t>
+            </a:r>
+            <a:r>
+              <a:rPr lang="en-IN" sz="3600" dirty="0" err="1"/>
+              <a:t>microservice3Client</a:t>
+            </a:r>
+            <a:r>
+              <a:rPr lang="en-IN" sz="3600" dirty="0"/>
+              <a:t>;</a:t>
+            </a:r>
+          </a:p>
+          <a:p>
+            <a:pPr marL="0" indent="0">
+              <a:buFont typeface="Arial" pitchFamily="34" charset="0"/>
+              <a:buNone/>
+            </a:pPr>
+            <a:endParaRPr lang="en-IN" sz="3600" dirty="0"/>
+          </a:p>
+          <a:p>
+            <a:pPr marL="0" indent="0">
+              <a:buFont typeface="Arial" pitchFamily="34" charset="0"/>
+              <a:buNone/>
+            </a:pPr>
+            <a:r>
+              <a:rPr lang="en-IN" sz="3600" dirty="0"/>
+              <a:t>    public </a:t>
+            </a:r>
+            <a:r>
+              <a:rPr lang="en-IN" sz="3600" dirty="0" err="1"/>
+              <a:t>AsyncAggregatorMicroservice</a:t>
+            </a:r>
+            <a:r>
+              <a:rPr lang="en-IN" sz="3600" dirty="0"/>
+              <a:t>(</a:t>
+            </a:r>
+            <a:r>
+              <a:rPr lang="en-IN" sz="3600" dirty="0" err="1"/>
+              <a:t>ExecutorService</a:t>
+            </a:r>
+            <a:r>
+              <a:rPr lang="en-IN" sz="3600" dirty="0"/>
+              <a:t> </a:t>
+            </a:r>
+            <a:r>
+              <a:rPr lang="en-IN" sz="3600" dirty="0" err="1"/>
+              <a:t>executorService</a:t>
+            </a:r>
+            <a:r>
+              <a:rPr lang="en-IN" sz="3600" dirty="0"/>
+              <a:t>, Microservice1Client </a:t>
+            </a:r>
+            <a:r>
+              <a:rPr lang="en-IN" sz="3600" dirty="0" err="1"/>
+              <a:t>microservice1Client</a:t>
+            </a:r>
+            <a:r>
+              <a:rPr lang="en-IN" sz="3600" dirty="0"/>
+              <a:t>, Microservice2Client </a:t>
+            </a:r>
+            <a:r>
+              <a:rPr lang="en-IN" sz="3600" dirty="0" err="1"/>
+              <a:t>microservice2Client</a:t>
+            </a:r>
+            <a:r>
+              <a:rPr lang="en-IN" sz="3600" dirty="0"/>
+              <a:t>, Microservice3Client microservice3Client) {</a:t>
+            </a:r>
+          </a:p>
+          <a:p>
+            <a:pPr marL="0" indent="0">
+              <a:buFont typeface="Arial" pitchFamily="34" charset="0"/>
+              <a:buNone/>
+            </a:pPr>
+            <a:r>
+              <a:rPr lang="en-IN" sz="3600" dirty="0"/>
+              <a:t>        </a:t>
+            </a:r>
+            <a:r>
+              <a:rPr lang="en-IN" sz="3600" dirty="0" err="1"/>
+              <a:t>this.executorService</a:t>
+            </a:r>
+            <a:r>
+              <a:rPr lang="en-IN" sz="3600" dirty="0"/>
+              <a:t> = </a:t>
+            </a:r>
+            <a:r>
+              <a:rPr lang="en-IN" sz="3600" dirty="0" err="1"/>
+              <a:t>executorService</a:t>
+            </a:r>
+            <a:r>
+              <a:rPr lang="en-IN" sz="3600" dirty="0"/>
+              <a:t>;</a:t>
+            </a:r>
+          </a:p>
+          <a:p>
+            <a:pPr marL="0" indent="0">
+              <a:buFont typeface="Arial" pitchFamily="34" charset="0"/>
+              <a:buNone/>
+            </a:pPr>
+            <a:r>
+              <a:rPr lang="en-IN" sz="3600" dirty="0"/>
+              <a:t>        this.microservice1Client = microservice1Client;</a:t>
+            </a:r>
+          </a:p>
+          <a:p>
+            <a:pPr marL="0" indent="0">
+              <a:buFont typeface="Arial" pitchFamily="34" charset="0"/>
+              <a:buNone/>
+            </a:pPr>
+            <a:r>
+              <a:rPr lang="en-IN" sz="3600" dirty="0"/>
+              <a:t>        this.microservice2Client = microservice2Client;</a:t>
+            </a:r>
+          </a:p>
+          <a:p>
+            <a:pPr marL="0" indent="0">
+              <a:buFont typeface="Arial" pitchFamily="34" charset="0"/>
+              <a:buNone/>
+            </a:pPr>
+            <a:r>
+              <a:rPr lang="en-IN" sz="3600" dirty="0"/>
+              <a:t>        this.microservice3Client = microservice3Client;</a:t>
+            </a:r>
+          </a:p>
+          <a:p>
+            <a:pPr marL="0" indent="0">
+              <a:buFont typeface="Arial" pitchFamily="34" charset="0"/>
+              <a:buNone/>
+            </a:pPr>
+            <a:r>
+              <a:rPr lang="en-IN" sz="3600" dirty="0"/>
+              <a:t>    }</a:t>
+            </a:r>
+          </a:p>
+          <a:p>
+            <a:pPr marL="0" indent="0">
+              <a:buFont typeface="Arial" pitchFamily="34" charset="0"/>
+              <a:buNone/>
+            </a:pPr>
+            <a:endParaRPr lang="en-IN" sz="3600" dirty="0"/>
+          </a:p>
+          <a:p>
+            <a:pPr marL="0" indent="0">
+              <a:buFont typeface="Arial" pitchFamily="34" charset="0"/>
+              <a:buNone/>
+            </a:pPr>
+            <a:r>
+              <a:rPr lang="en-IN" sz="3600" dirty="0"/>
+              <a:t>    public </a:t>
+            </a:r>
+            <a:r>
+              <a:rPr lang="en-IN" sz="3600" dirty="0" err="1"/>
+              <a:t>CompletableFuture</a:t>
+            </a:r>
+            <a:r>
+              <a:rPr lang="en-IN" sz="3600" dirty="0"/>
+              <a:t>&lt;</a:t>
+            </a:r>
+            <a:r>
+              <a:rPr lang="en-IN" sz="3600" dirty="0" err="1"/>
+              <a:t>AggregatedResponse</a:t>
+            </a:r>
+            <a:r>
+              <a:rPr lang="en-IN" sz="3600" dirty="0"/>
+              <a:t>&gt; </a:t>
+            </a:r>
+            <a:r>
+              <a:rPr lang="en-IN" sz="3600" dirty="0" err="1"/>
+              <a:t>processRequest</a:t>
+            </a:r>
+            <a:r>
+              <a:rPr lang="en-IN" sz="3600" dirty="0"/>
+              <a:t>(Request request) {</a:t>
+            </a:r>
+          </a:p>
+          <a:p>
+            <a:pPr marL="0" indent="0">
+              <a:buFont typeface="Arial" pitchFamily="34" charset="0"/>
+              <a:buNone/>
+            </a:pPr>
+            <a:r>
+              <a:rPr lang="en-IN" sz="3600" dirty="0"/>
+              <a:t>        </a:t>
+            </a:r>
+            <a:r>
+              <a:rPr lang="en-IN" sz="3600" dirty="0" err="1"/>
+              <a:t>CompletableFuture</a:t>
+            </a:r>
+            <a:r>
+              <a:rPr lang="en-IN" sz="3600" dirty="0"/>
+              <a:t>&lt;Response1&gt; response1Future </a:t>
+            </a:r>
+          </a:p>
+          <a:p>
+            <a:pPr marL="0" indent="0">
+              <a:buFont typeface="Arial" pitchFamily="34" charset="0"/>
+              <a:buNone/>
+            </a:pPr>
+            <a:r>
+              <a:rPr lang="en-IN" sz="3600" dirty="0"/>
+              <a:t>       = </a:t>
+            </a:r>
+            <a:r>
+              <a:rPr lang="en-IN" sz="3600" dirty="0" err="1"/>
+              <a:t>CompletableFuture.supplyAsync</a:t>
+            </a:r>
+            <a:r>
+              <a:rPr lang="en-IN" sz="3600" dirty="0"/>
+              <a:t>(() </a:t>
+            </a:r>
+          </a:p>
+          <a:p>
+            <a:pPr marL="0" indent="0">
+              <a:buFont typeface="Arial" pitchFamily="34" charset="0"/>
+              <a:buNone/>
+            </a:pPr>
+            <a:r>
+              <a:rPr lang="en-IN" sz="3600" dirty="0"/>
+              <a:t>            -&gt; microservice1Client.processRequest(request), </a:t>
+            </a:r>
+            <a:r>
+              <a:rPr lang="en-IN" sz="3600" dirty="0" err="1"/>
+              <a:t>executorService</a:t>
+            </a:r>
+            <a:r>
+              <a:rPr lang="en-IN" sz="3600" dirty="0"/>
+              <a:t>);</a:t>
+            </a:r>
+          </a:p>
+          <a:p>
+            <a:pPr marL="0" indent="0">
+              <a:buFont typeface="Arial" pitchFamily="34" charset="0"/>
+              <a:buNone/>
+            </a:pPr>
+            <a:r>
+              <a:rPr lang="en-IN" sz="3600" dirty="0"/>
+              <a:t>        </a:t>
+            </a:r>
+            <a:r>
+              <a:rPr lang="en-IN" sz="3600" dirty="0" err="1"/>
+              <a:t>CompletableFuture</a:t>
+            </a:r>
+            <a:r>
+              <a:rPr lang="en-IN" sz="3600" dirty="0"/>
+              <a:t>&lt;Response2&gt; response2Future </a:t>
+            </a:r>
+          </a:p>
+          <a:p>
+            <a:pPr marL="0" indent="0">
+              <a:buFont typeface="Arial" pitchFamily="34" charset="0"/>
+              <a:buNone/>
+            </a:pPr>
+            <a:r>
+              <a:rPr lang="en-IN" sz="3600" dirty="0"/>
+              <a:t>      = </a:t>
+            </a:r>
+            <a:r>
+              <a:rPr lang="en-IN" sz="3600" dirty="0" err="1"/>
+              <a:t>CompletableFuture.supplyAsync</a:t>
+            </a:r>
+            <a:r>
+              <a:rPr lang="en-IN" sz="3600" dirty="0"/>
+              <a:t>(() </a:t>
+            </a:r>
+          </a:p>
+          <a:p>
+            <a:pPr marL="0" indent="0">
+              <a:buFont typeface="Arial" pitchFamily="34" charset="0"/>
+              <a:buNone/>
+            </a:pPr>
+            <a:r>
+              <a:rPr lang="en-IN" sz="3600" dirty="0"/>
+              <a:t>           -&gt; microservice2Client.processRequest(request), </a:t>
+            </a:r>
+            <a:r>
+              <a:rPr lang="en-IN" sz="3600" dirty="0" err="1"/>
+              <a:t>executorService</a:t>
+            </a:r>
+            <a:r>
+              <a:rPr lang="en-IN" sz="3600" dirty="0"/>
+              <a:t>);</a:t>
+            </a:r>
+          </a:p>
+          <a:p>
+            <a:pPr marL="0" indent="0">
+              <a:buFont typeface="Arial" pitchFamily="34" charset="0"/>
+              <a:buNone/>
+            </a:pPr>
+            <a:r>
+              <a:rPr lang="en-IN" sz="3600" dirty="0"/>
+              <a:t>        </a:t>
+            </a:r>
+            <a:r>
+              <a:rPr lang="en-IN" sz="3600" dirty="0" err="1"/>
+              <a:t>CompletableFuture</a:t>
+            </a:r>
+            <a:r>
+              <a:rPr lang="en-IN" sz="3600" dirty="0"/>
+              <a:t>&lt;Response3&gt; response3Future </a:t>
+            </a:r>
+          </a:p>
+          <a:p>
+            <a:pPr marL="0" indent="0">
+              <a:buFont typeface="Arial" pitchFamily="34" charset="0"/>
+              <a:buNone/>
+            </a:pPr>
+            <a:r>
+              <a:rPr lang="en-IN" sz="3600" dirty="0"/>
+              <a:t>      = </a:t>
+            </a:r>
+            <a:r>
+              <a:rPr lang="en-IN" sz="3600" dirty="0" err="1"/>
+              <a:t>CompletableFuture.supplyAsync</a:t>
+            </a:r>
+            <a:r>
+              <a:rPr lang="en-IN" sz="3600" dirty="0"/>
+              <a:t>(() </a:t>
+            </a:r>
+          </a:p>
+          <a:p>
+            <a:pPr marL="0" indent="0">
+              <a:buFont typeface="Arial" pitchFamily="34" charset="0"/>
+              <a:buNone/>
+            </a:pPr>
+            <a:r>
+              <a:rPr lang="en-IN" sz="3600" dirty="0"/>
+              <a:t>           -&gt; microservice3Client.processRequest(request), </a:t>
+            </a:r>
+            <a:r>
+              <a:rPr lang="en-IN" sz="3600" dirty="0" err="1"/>
+              <a:t>executorService</a:t>
+            </a:r>
+            <a:r>
+              <a:rPr lang="en-IN" sz="3600" dirty="0"/>
+              <a:t>);</a:t>
+            </a:r>
+          </a:p>
+          <a:p>
+            <a:pPr marL="0" indent="0">
+              <a:buFont typeface="Arial" pitchFamily="34" charset="0"/>
+              <a:buNone/>
+            </a:pPr>
+            <a:endParaRPr lang="en-IN" sz="3600" dirty="0"/>
+          </a:p>
+          <a:p>
+            <a:pPr marL="0" indent="0">
+              <a:buFont typeface="Arial" pitchFamily="34" charset="0"/>
+              <a:buNone/>
+            </a:pPr>
+            <a:r>
+              <a:rPr lang="en-IN" sz="3600" dirty="0"/>
+              <a:t>        return </a:t>
+            </a:r>
+            <a:r>
+              <a:rPr lang="en-IN" sz="3600" dirty="0" err="1"/>
+              <a:t>CompletableFuture.allOf</a:t>
+            </a:r>
+            <a:r>
+              <a:rPr lang="en-IN" sz="3600" dirty="0"/>
+              <a:t>(response1Future, response2Future, response3Future)</a:t>
+            </a:r>
+          </a:p>
+          <a:p>
+            <a:pPr marL="0" indent="0">
+              <a:buFont typeface="Arial" pitchFamily="34" charset="0"/>
+              <a:buNone/>
+            </a:pPr>
+            <a:r>
+              <a:rPr lang="en-IN" sz="3600" dirty="0"/>
+              <a:t>                .</a:t>
+            </a:r>
+            <a:r>
+              <a:rPr lang="en-IN" sz="3600" dirty="0" err="1"/>
+              <a:t>thenApply</a:t>
+            </a:r>
+            <a:r>
+              <a:rPr lang="en-IN" sz="3600" dirty="0"/>
+              <a:t>(v -&gt; </a:t>
+            </a:r>
+          </a:p>
+          <a:p>
+            <a:pPr marL="0" indent="0">
+              <a:buFont typeface="Arial" pitchFamily="34" charset="0"/>
+              <a:buNone/>
+            </a:pPr>
+            <a:r>
+              <a:rPr lang="en-IN" sz="3600" dirty="0"/>
+              <a:t>         new </a:t>
+            </a:r>
+            <a:r>
+              <a:rPr lang="en-IN" sz="3600" dirty="0" err="1"/>
+              <a:t>AggregatedResponse</a:t>
+            </a:r>
+            <a:r>
+              <a:rPr lang="en-IN" sz="3600" dirty="0"/>
+              <a:t>(response1Future.join(), response2Future.join(), </a:t>
+            </a:r>
+          </a:p>
+          <a:p>
+            <a:pPr marL="0" indent="0">
+              <a:buFont typeface="Arial" pitchFamily="34" charset="0"/>
+              <a:buNone/>
+            </a:pPr>
+            <a:r>
+              <a:rPr lang="en-IN" sz="3600" dirty="0"/>
+              <a:t>              response3Future.join()));</a:t>
+            </a:r>
+          </a:p>
+          <a:p>
+            <a:pPr marL="0" indent="0">
+              <a:buFont typeface="Arial" pitchFamily="34" charset="0"/>
+              <a:buNone/>
+            </a:pPr>
+            <a:r>
+              <a:rPr lang="en-IN" sz="3600" dirty="0"/>
+              <a:t>    }</a:t>
+            </a:r>
+          </a:p>
+          <a:p>
+            <a:pPr marL="0" indent="0">
+              <a:buFont typeface="Arial" pitchFamily="34" charset="0"/>
+              <a:buNone/>
+            </a:pPr>
+            <a:r>
+              <a:rPr lang="en-IN" sz="3600" dirty="0"/>
+              <a:t>}</a:t>
+            </a:r>
+          </a:p>
+          <a:p>
+            <a:pPr marL="0" indent="0">
+              <a:buFont typeface="Arial" pitchFamily="34" charset="0"/>
+              <a:buNone/>
+            </a:pPr>
+            <a:endParaRPr lang="en-IN" dirty="0"/>
           </a:p>
         </p:txBody>
       </p:sp>
     </p:spTree>
+    <p:extLst>
+      <p:ext uri="{BB962C8B-B14F-4D97-AF65-F5344CB8AC3E}">
+        <p14:creationId xmlns:p14="http://schemas.microsoft.com/office/powerpoint/2010/main" val="1301935013"/>
+      </p:ext>
+    </p:extLst>
   </p:cSld>
   <p:clrMapOvr>
     <a:masterClrMapping/>
@@ -6208,7 +7279,13 @@
       </p:grpSpPr>
       <p:sp>
         <p:nvSpPr>
-          <p:cNvPr id="2" name="Title 1"/>
+          <p:cNvPr id="2" name="Title 1">
+            <a:extLst>
+              <a:ext uri="{FF2B5EF4-FFF2-40B4-BE49-F238E27FC236}">
+                <a16:creationId xmlns:a16="http://schemas.microsoft.com/office/drawing/2014/main" id="{877FD546-144E-E8E9-4077-CA28A1D76BC4}"/>
+              </a:ext>
+            </a:extLst>
+          </p:cNvPr>
           <p:cNvSpPr>
             <a:spLocks noGrp="1"/>
           </p:cNvSpPr>
@@ -6224,19 +7301,21 @@
           <a:lstStyle/>
           <a:p>
             <a:r>
-              <a:rPr lang="en-US" b="1" dirty="0"/>
-              <a:t>Command Query Responsibility Segregation (CQRS)</a:t>
-            </a:r>
-            <a:br>
-              <a:rPr lang="en-US" b="1" dirty="0"/>
-            </a:br>
-            <a:endParaRPr lang="en-US" dirty="0"/>
-          </a:p>
-        </p:txBody>
-      </p:sp>
-      <p:sp>
-        <p:nvSpPr>
-          <p:cNvPr id="3" name="Content Placeholder 2"/>
+              <a:rPr lang="en-IN" dirty="0"/>
+              <a:t>Aggregator Pattern Example-Synchronous Communication</a:t>
+            </a:r>
+          </a:p>
+        </p:txBody>
+      </p:sp>
+      <p:sp>
+        <p:nvSpPr>
+          <p:cNvPr id="3" name="Content Placeholder 2">
+            <a:extLst>
+              <a:ext uri="{FF2B5EF4-FFF2-40B4-BE49-F238E27FC236}">
+                <a16:creationId xmlns:a16="http://schemas.microsoft.com/office/drawing/2014/main" id="{59FDC8DE-231E-9851-C955-5A96E13DC239}"/>
+              </a:ext>
+            </a:extLst>
+          </p:cNvPr>
           <p:cNvSpPr>
             <a:spLocks noGrp="1"/>
           </p:cNvSpPr>
@@ -6251,57 +7330,55 @@
           </a:bodyPr>
           <a:lstStyle/>
           <a:p>
-            <a:pPr>
-              <a:buNone/>
-            </a:pPr>
-            <a:r>
-              <a:rPr lang="en-US" b="1" dirty="0"/>
-              <a:t>Problem</a:t>
-            </a:r>
-          </a:p>
-          <a:p>
-            <a:r>
-              <a:rPr lang="en-US" dirty="0"/>
-              <a:t>Once we implement database-per-service, there is a requirement to query, which requires joint data from multiple services — it's not possible. Then, how do we implement queries in </a:t>
-            </a:r>
-            <a:r>
-              <a:rPr lang="en-US" dirty="0" err="1"/>
-              <a:t>microservice</a:t>
-            </a:r>
-            <a:r>
-              <a:rPr lang="en-US" dirty="0"/>
-              <a:t> architecture?</a:t>
-            </a:r>
-          </a:p>
-          <a:p>
-            <a:pPr>
-              <a:buNone/>
-            </a:pPr>
-            <a:r>
-              <a:rPr lang="en-US" b="1" dirty="0"/>
-              <a:t>Solution</a:t>
-            </a:r>
-          </a:p>
-          <a:p>
-            <a:r>
-              <a:rPr lang="en-US" dirty="0"/>
-              <a:t>CQRS suggests splitting the application into two parts — the command side and the query side. The command side handles the Create, Update, and Delete requests. The query side handles the query part by using the materialized views. The </a:t>
-            </a:r>
-            <a:r>
-              <a:rPr lang="en-US" b="1" dirty="0"/>
-              <a:t>event sourcing pattern</a:t>
-            </a:r>
-            <a:r>
-              <a:rPr lang="en-US" dirty="0"/>
-              <a:t> is generally used along with it to create events for any data change. Materialized views are kept updated by subscribing to the stream of events.</a:t>
-            </a:r>
-          </a:p>
-          <a:p>
+            <a:r>
+              <a:rPr lang="en-US" dirty="0"/>
+              <a:t>Another way to implement the Aggregator Microservice Pattern in Java is by using synchronous communication between the microservices. </a:t>
+            </a:r>
+          </a:p>
+          <a:p>
+            <a:r>
+              <a:rPr lang="en-US" dirty="0"/>
+              <a:t>In this approach, the client sends a request to the aggregator microservice, which then sends requests to the individual microservices sequentially. </a:t>
+            </a:r>
+          </a:p>
+          <a:p>
+            <a:r>
+              <a:rPr lang="en-US" dirty="0"/>
+              <a:t>Each microservice processes the request and sends the response back to the aggregator microservice, which then aggregates the responses and returns the result to the client.</a:t>
+            </a:r>
+          </a:p>
+          <a:p>
+            <a:r>
+              <a:rPr lang="en-US" dirty="0"/>
+              <a:t>This approach has the advantage of simplicity, as it does not require the use of asynchronous communication mechanisms. </a:t>
+            </a:r>
+          </a:p>
+          <a:p>
+            <a:r>
+              <a:rPr lang="en-US" dirty="0"/>
+              <a:t>However, it can have a negative impact on the performance of the system, as the aggregator microservice has to wait for each microservice to complete its task before moving on to the next one.</a:t>
+            </a:r>
+          </a:p>
+          <a:p>
+            <a:pPr marL="0" indent="0">
+              <a:buNone/>
+            </a:pPr>
             <a:endParaRPr lang="en-US" dirty="0"/>
           </a:p>
+          <a:p>
+            <a:pPr marL="0" indent="0">
+              <a:buNone/>
+            </a:pPr>
+            <a:endParaRPr lang="en-US" dirty="0"/>
+          </a:p>
         </p:txBody>
       </p:sp>
     </p:spTree>
+    <p:extLst>
+      <p:ext uri="{BB962C8B-B14F-4D97-AF65-F5344CB8AC3E}">
+        <p14:creationId xmlns:p14="http://schemas.microsoft.com/office/powerpoint/2010/main" val="29755802"/>
+      </p:ext>
+    </p:extLst>
   </p:cSld>
   <p:clrMapOvr>
     <a:masterClrMapping/>
@@ -6328,7 +7405,13 @@
       </p:grpSpPr>
       <p:sp>
         <p:nvSpPr>
-          <p:cNvPr id="2" name="Title 1"/>
+          <p:cNvPr id="2" name="Title 1">
+            <a:extLst>
+              <a:ext uri="{FF2B5EF4-FFF2-40B4-BE49-F238E27FC236}">
+                <a16:creationId xmlns:a16="http://schemas.microsoft.com/office/drawing/2014/main" id="{7D44BCB6-3AC4-C727-1370-ECCD3D70C73F}"/>
+              </a:ext>
+            </a:extLst>
+          </p:cNvPr>
           <p:cNvSpPr>
             <a:spLocks noGrp="1"/>
           </p:cNvSpPr>
@@ -6336,7 +7419,12 @@
             <p:ph type="title"/>
           </p:nvPr>
         </p:nvSpPr>
-        <p:spPr/>
+        <p:spPr>
+          <a:xfrm>
+            <a:off x="251520" y="299194"/>
+            <a:ext cx="8435280" cy="1301006"/>
+          </a:xfrm>
+        </p:spPr>
         <p:txBody>
           <a:bodyPr>
             <a:normAutofit fontScale="90000"/>
@@ -6344,16 +7432,765 @@
           <a:lstStyle/>
           <a:p>
             <a:r>
-              <a:rPr lang="en-US" b="1" dirty="0"/>
-              <a:t>Saga Pattern</a:t>
+              <a:rPr lang="en-IN" dirty="0"/>
+              <a:t>Aggregator Pattern Example-</a:t>
+            </a:r>
+            <a:r>
+              <a:rPr lang="en-US" dirty="0"/>
+              <a:t>Synchronous communication</a:t>
             </a:r>
             <a:br>
-              <a:rPr lang="en-US" b="1" dirty="0"/>
+              <a:rPr lang="en-US" dirty="0"/>
             </a:br>
+            <a:endParaRPr lang="en-IN" dirty="0"/>
+          </a:p>
+        </p:txBody>
+      </p:sp>
+      <p:sp>
+        <p:nvSpPr>
+          <p:cNvPr id="3" name="Content Placeholder 2">
+            <a:extLst>
+              <a:ext uri="{FF2B5EF4-FFF2-40B4-BE49-F238E27FC236}">
+                <a16:creationId xmlns:a16="http://schemas.microsoft.com/office/drawing/2014/main" id="{B999CC3E-65A7-30BE-6192-D1DA78F6A1D6}"/>
+              </a:ext>
+            </a:extLst>
+          </p:cNvPr>
+          <p:cNvSpPr>
+            <a:spLocks noGrp="1"/>
+          </p:cNvSpPr>
+          <p:nvPr>
+            <p:ph idx="1"/>
+          </p:nvPr>
+        </p:nvSpPr>
+        <p:spPr>
+          <a:xfrm>
+            <a:off x="235568" y="1363642"/>
+            <a:ext cx="8928992" cy="5468838"/>
+          </a:xfrm>
+        </p:spPr>
+        <p:txBody>
+          <a:bodyPr>
+            <a:normAutofit/>
+          </a:bodyPr>
+          <a:lstStyle/>
+          <a:p>
+            <a:pPr marL="457200" lvl="1" indent="0">
+              <a:buNone/>
+            </a:pPr>
+            <a:r>
+              <a:rPr lang="en-US" sz="1800" dirty="0"/>
+              <a:t>In this example, the </a:t>
+            </a:r>
+            <a:r>
+              <a:rPr lang="en-US" sz="1800" dirty="0" err="1"/>
+              <a:t>SyncAggregatorMicroservice</a:t>
+            </a:r>
+            <a:r>
+              <a:rPr lang="en-US" sz="1800" dirty="0"/>
+              <a:t> class sends requests to the individual microservices synchronously, one after the other. </a:t>
+            </a:r>
+          </a:p>
+          <a:p>
+            <a:pPr marL="457200" lvl="1" indent="0">
+              <a:buNone/>
+            </a:pPr>
+            <a:r>
+              <a:rPr lang="en-US" sz="1800" dirty="0"/>
+              <a:t>The responses are then aggregated and returned to the client.</a:t>
+            </a:r>
+          </a:p>
+        </p:txBody>
+      </p:sp>
+      <p:sp>
+        <p:nvSpPr>
+          <p:cNvPr id="4" name="Content Placeholder 2">
+            <a:extLst>
+              <a:ext uri="{FF2B5EF4-FFF2-40B4-BE49-F238E27FC236}">
+                <a16:creationId xmlns:a16="http://schemas.microsoft.com/office/drawing/2014/main" id="{CD308351-D0C5-E921-36A2-D83E043619E7}"/>
+              </a:ext>
+            </a:extLst>
+          </p:cNvPr>
+          <p:cNvSpPr txBox="1">
+            <a:spLocks/>
+          </p:cNvSpPr>
+          <p:nvPr/>
+        </p:nvSpPr>
+        <p:spPr>
+          <a:xfrm>
+            <a:off x="4230229" y="2439235"/>
+            <a:ext cx="4456571" cy="4229544"/>
+          </a:xfrm>
+          <a:prstGeom prst="rect">
+            <a:avLst/>
+          </a:prstGeom>
+        </p:spPr>
+        <p:txBody>
+          <a:bodyPr vert="horz" lIns="91440" tIns="45720" rIns="91440" bIns="45720" rtlCol="0">
+            <a:normAutofit fontScale="32500" lnSpcReduction="20000"/>
+          </a:bodyPr>
+          <a:lstStyle>
+            <a:lvl1pPr marL="342900" indent="-342900" algn="l" defTabSz="914400" rtl="0" eaLnBrk="1" latinLnBrk="0" hangingPunct="1">
+              <a:spcBef>
+                <a:spcPct val="20000"/>
+              </a:spcBef>
+              <a:buFont typeface="Arial" pitchFamily="34" charset="0"/>
+              <a:buChar char="•"/>
+              <a:defRPr sz="3200" kern="1200">
+                <a:solidFill>
+                  <a:schemeClr val="tx1"/>
+                </a:solidFill>
+                <a:latin typeface="+mn-lt"/>
+                <a:ea typeface="+mn-ea"/>
+                <a:cs typeface="+mn-cs"/>
+              </a:defRPr>
+            </a:lvl1pPr>
+            <a:lvl2pPr marL="742950" indent="-285750" algn="l" defTabSz="914400" rtl="0" eaLnBrk="1" latinLnBrk="0" hangingPunct="1">
+              <a:spcBef>
+                <a:spcPct val="20000"/>
+              </a:spcBef>
+              <a:buFont typeface="Arial" pitchFamily="34" charset="0"/>
+              <a:buChar char="–"/>
+              <a:defRPr sz="2800" kern="1200">
+                <a:solidFill>
+                  <a:schemeClr val="tx1"/>
+                </a:solidFill>
+                <a:latin typeface="+mn-lt"/>
+                <a:ea typeface="+mn-ea"/>
+                <a:cs typeface="+mn-cs"/>
+              </a:defRPr>
+            </a:lvl2pPr>
+            <a:lvl3pPr marL="1143000" indent="-228600" algn="l" defTabSz="914400" rtl="0" eaLnBrk="1" latinLnBrk="0" hangingPunct="1">
+              <a:spcBef>
+                <a:spcPct val="20000"/>
+              </a:spcBef>
+              <a:buFont typeface="Arial" pitchFamily="34" charset="0"/>
+              <a:buChar char="•"/>
+              <a:defRPr sz="2400" kern="1200">
+                <a:solidFill>
+                  <a:schemeClr val="tx1"/>
+                </a:solidFill>
+                <a:latin typeface="+mn-lt"/>
+                <a:ea typeface="+mn-ea"/>
+                <a:cs typeface="+mn-cs"/>
+              </a:defRPr>
+            </a:lvl3pPr>
+            <a:lvl4pPr marL="1600200" indent="-228600" algn="l" defTabSz="914400" rtl="0" eaLnBrk="1" latinLnBrk="0" hangingPunct="1">
+              <a:spcBef>
+                <a:spcPct val="20000"/>
+              </a:spcBef>
+              <a:buFont typeface="Arial" pitchFamily="34" charset="0"/>
+              <a:buChar char="–"/>
+              <a:defRPr sz="2000" kern="1200">
+                <a:solidFill>
+                  <a:schemeClr val="tx1"/>
+                </a:solidFill>
+                <a:latin typeface="+mn-lt"/>
+                <a:ea typeface="+mn-ea"/>
+                <a:cs typeface="+mn-cs"/>
+              </a:defRPr>
+            </a:lvl4pPr>
+            <a:lvl5pPr marL="2057400" indent="-228600" algn="l" defTabSz="914400" rtl="0" eaLnBrk="1" latinLnBrk="0" hangingPunct="1">
+              <a:spcBef>
+                <a:spcPct val="20000"/>
+              </a:spcBef>
+              <a:buFont typeface="Arial" pitchFamily="34" charset="0"/>
+              <a:buChar char="»"/>
+              <a:defRPr sz="2000" kern="1200">
+                <a:solidFill>
+                  <a:schemeClr val="tx1"/>
+                </a:solidFill>
+                <a:latin typeface="+mn-lt"/>
+                <a:ea typeface="+mn-ea"/>
+                <a:cs typeface="+mn-cs"/>
+              </a:defRPr>
+            </a:lvl5pPr>
+            <a:lvl6pPr marL="2514600" indent="-228600" algn="l" defTabSz="914400" rtl="0" eaLnBrk="1" latinLnBrk="0" hangingPunct="1">
+              <a:spcBef>
+                <a:spcPct val="20000"/>
+              </a:spcBef>
+              <a:buFont typeface="Arial" pitchFamily="34" charset="0"/>
+              <a:buChar char="•"/>
+              <a:defRPr sz="2000" kern="1200">
+                <a:solidFill>
+                  <a:schemeClr val="tx1"/>
+                </a:solidFill>
+                <a:latin typeface="+mn-lt"/>
+                <a:ea typeface="+mn-ea"/>
+                <a:cs typeface="+mn-cs"/>
+              </a:defRPr>
+            </a:lvl6pPr>
+            <a:lvl7pPr marL="2971800" indent="-228600" algn="l" defTabSz="914400" rtl="0" eaLnBrk="1" latinLnBrk="0" hangingPunct="1">
+              <a:spcBef>
+                <a:spcPct val="20000"/>
+              </a:spcBef>
+              <a:buFont typeface="Arial" pitchFamily="34" charset="0"/>
+              <a:buChar char="•"/>
+              <a:defRPr sz="2000" kern="1200">
+                <a:solidFill>
+                  <a:schemeClr val="tx1"/>
+                </a:solidFill>
+                <a:latin typeface="+mn-lt"/>
+                <a:ea typeface="+mn-ea"/>
+                <a:cs typeface="+mn-cs"/>
+              </a:defRPr>
+            </a:lvl7pPr>
+            <a:lvl8pPr marL="3429000" indent="-228600" algn="l" defTabSz="914400" rtl="0" eaLnBrk="1" latinLnBrk="0" hangingPunct="1">
+              <a:spcBef>
+                <a:spcPct val="20000"/>
+              </a:spcBef>
+              <a:buFont typeface="Arial" pitchFamily="34" charset="0"/>
+              <a:buChar char="•"/>
+              <a:defRPr sz="2000" kern="1200">
+                <a:solidFill>
+                  <a:schemeClr val="tx1"/>
+                </a:solidFill>
+                <a:latin typeface="+mn-lt"/>
+                <a:ea typeface="+mn-ea"/>
+                <a:cs typeface="+mn-cs"/>
+              </a:defRPr>
+            </a:lvl8pPr>
+            <a:lvl9pPr marL="3886200" indent="-228600" algn="l" defTabSz="914400" rtl="0" eaLnBrk="1" latinLnBrk="0" hangingPunct="1">
+              <a:spcBef>
+                <a:spcPct val="20000"/>
+              </a:spcBef>
+              <a:buFont typeface="Arial" pitchFamily="34" charset="0"/>
+              <a:buChar char="•"/>
+              <a:defRPr sz="2000" kern="1200">
+                <a:solidFill>
+                  <a:schemeClr val="tx1"/>
+                </a:solidFill>
+                <a:latin typeface="+mn-lt"/>
+                <a:ea typeface="+mn-ea"/>
+                <a:cs typeface="+mn-cs"/>
+              </a:defRPr>
+            </a:lvl9pPr>
+          </a:lstStyle>
+          <a:p>
+            <a:pPr marL="0" indent="0">
+              <a:buFont typeface="Arial" pitchFamily="34" charset="0"/>
+              <a:buNone/>
+            </a:pPr>
+            <a:r>
+              <a:rPr lang="en-IN" dirty="0"/>
+              <a:t>public class </a:t>
+            </a:r>
+            <a:r>
+              <a:rPr lang="en-IN" dirty="0" err="1"/>
+              <a:t>SyncAggregatorMicroservice</a:t>
+            </a:r>
+            <a:r>
+              <a:rPr lang="en-IN" dirty="0"/>
+              <a:t> {</a:t>
+            </a:r>
+          </a:p>
+          <a:p>
+            <a:pPr marL="0" indent="0">
+              <a:buFont typeface="Arial" pitchFamily="34" charset="0"/>
+              <a:buNone/>
+            </a:pPr>
+            <a:r>
+              <a:rPr lang="en-IN" dirty="0"/>
+              <a:t>	private final Microservice1Client </a:t>
+            </a:r>
+            <a:r>
+              <a:rPr lang="en-IN" dirty="0" err="1"/>
+              <a:t>microservice1Client</a:t>
+            </a:r>
+            <a:r>
+              <a:rPr lang="en-IN" dirty="0"/>
+              <a:t>;</a:t>
+            </a:r>
+          </a:p>
+          <a:p>
+            <a:pPr marL="0" indent="0">
+              <a:buFont typeface="Arial" pitchFamily="34" charset="0"/>
+              <a:buNone/>
+            </a:pPr>
+            <a:r>
+              <a:rPr lang="en-IN" dirty="0"/>
+              <a:t>	private final Microservice2Client </a:t>
+            </a:r>
+            <a:r>
+              <a:rPr lang="en-IN" dirty="0" err="1"/>
+              <a:t>microservice2Client</a:t>
+            </a:r>
+            <a:r>
+              <a:rPr lang="en-IN" dirty="0"/>
+              <a:t>;</a:t>
+            </a:r>
+          </a:p>
+          <a:p>
+            <a:pPr marL="0" indent="0">
+              <a:buFont typeface="Arial" pitchFamily="34" charset="0"/>
+              <a:buNone/>
+            </a:pPr>
+            <a:r>
+              <a:rPr lang="en-IN" dirty="0"/>
+              <a:t>	private final Microservice3Client </a:t>
+            </a:r>
+            <a:r>
+              <a:rPr lang="en-IN" dirty="0" err="1"/>
+              <a:t>microservice3Client</a:t>
+            </a:r>
+            <a:r>
+              <a:rPr lang="en-IN" dirty="0"/>
+              <a:t>;</a:t>
+            </a:r>
+          </a:p>
+          <a:p>
+            <a:pPr marL="0" indent="0">
+              <a:buFont typeface="Arial" pitchFamily="34" charset="0"/>
+              <a:buNone/>
+            </a:pPr>
+            <a:endParaRPr lang="en-IN" dirty="0"/>
+          </a:p>
+          <a:p>
+            <a:pPr marL="0" indent="0">
+              <a:buFont typeface="Arial" pitchFamily="34" charset="0"/>
+              <a:buNone/>
+            </a:pPr>
+            <a:r>
+              <a:rPr lang="en-IN" dirty="0"/>
+              <a:t>	public </a:t>
+            </a:r>
+            <a:r>
+              <a:rPr lang="en-IN" dirty="0" err="1"/>
+              <a:t>SyncAggregatorMicroservice</a:t>
+            </a:r>
+            <a:r>
+              <a:rPr lang="en-IN" dirty="0"/>
+              <a:t>(Microservice1Client </a:t>
+            </a:r>
+            <a:r>
+              <a:rPr lang="en-IN" dirty="0" err="1"/>
+              <a:t>microservice1Client</a:t>
+            </a:r>
+            <a:r>
+              <a:rPr lang="en-IN" dirty="0"/>
+              <a:t>, Microservice2Client </a:t>
+            </a:r>
+            <a:r>
+              <a:rPr lang="en-IN" dirty="0" err="1"/>
+              <a:t>microservice2Client</a:t>
+            </a:r>
+            <a:r>
+              <a:rPr lang="en-IN" dirty="0"/>
+              <a:t>,</a:t>
+            </a:r>
+          </a:p>
+          <a:p>
+            <a:pPr marL="0" indent="0">
+              <a:buFont typeface="Arial" pitchFamily="34" charset="0"/>
+              <a:buNone/>
+            </a:pPr>
+            <a:r>
+              <a:rPr lang="en-IN" dirty="0"/>
+              <a:t>			Microservice3Client microservice3Client) {</a:t>
+            </a:r>
+          </a:p>
+          <a:p>
+            <a:pPr marL="0" indent="0">
+              <a:buFont typeface="Arial" pitchFamily="34" charset="0"/>
+              <a:buNone/>
+            </a:pPr>
+            <a:r>
+              <a:rPr lang="en-IN" dirty="0"/>
+              <a:t>		this.microservice1Client = microservice1Client;</a:t>
+            </a:r>
+          </a:p>
+          <a:p>
+            <a:pPr marL="0" indent="0">
+              <a:buFont typeface="Arial" pitchFamily="34" charset="0"/>
+              <a:buNone/>
+            </a:pPr>
+            <a:r>
+              <a:rPr lang="en-IN" dirty="0"/>
+              <a:t>		this.microservice2Client = microservice2Client;</a:t>
+            </a:r>
+          </a:p>
+          <a:p>
+            <a:pPr marL="0" indent="0">
+              <a:buFont typeface="Arial" pitchFamily="34" charset="0"/>
+              <a:buNone/>
+            </a:pPr>
+            <a:r>
+              <a:rPr lang="en-IN" dirty="0"/>
+              <a:t>		this.microservice3Client = microservice3Client;</a:t>
+            </a:r>
+          </a:p>
+          <a:p>
+            <a:pPr marL="0" indent="0">
+              <a:buFont typeface="Arial" pitchFamily="34" charset="0"/>
+              <a:buNone/>
+            </a:pPr>
+            <a:r>
+              <a:rPr lang="en-IN" dirty="0"/>
+              <a:t>	}</a:t>
+            </a:r>
+          </a:p>
+          <a:p>
+            <a:pPr marL="0" indent="0">
+              <a:buFont typeface="Arial" pitchFamily="34" charset="0"/>
+              <a:buNone/>
+            </a:pPr>
+            <a:endParaRPr lang="en-IN" dirty="0"/>
+          </a:p>
+          <a:p>
+            <a:pPr marL="0" indent="0">
+              <a:buFont typeface="Arial" pitchFamily="34" charset="0"/>
+              <a:buNone/>
+            </a:pPr>
+            <a:r>
+              <a:rPr lang="en-IN" dirty="0"/>
+              <a:t>	public </a:t>
+            </a:r>
+            <a:r>
+              <a:rPr lang="en-IN" dirty="0" err="1"/>
+              <a:t>AggregatedResponse</a:t>
+            </a:r>
+            <a:r>
+              <a:rPr lang="en-IN" dirty="0"/>
+              <a:t> </a:t>
+            </a:r>
+            <a:r>
+              <a:rPr lang="en-IN" dirty="0" err="1"/>
+              <a:t>processRequest</a:t>
+            </a:r>
+            <a:r>
+              <a:rPr lang="en-IN" dirty="0"/>
+              <a:t>(Request request) {</a:t>
+            </a:r>
+          </a:p>
+          <a:p>
+            <a:pPr marL="0" indent="0">
+              <a:buFont typeface="Arial" pitchFamily="34" charset="0"/>
+              <a:buNone/>
+            </a:pPr>
+            <a:r>
+              <a:rPr lang="en-IN" dirty="0"/>
+              <a:t>		Response1 </a:t>
+            </a:r>
+            <a:r>
+              <a:rPr lang="en-IN" dirty="0" err="1"/>
+              <a:t>response1</a:t>
+            </a:r>
+            <a:r>
+              <a:rPr lang="en-IN" dirty="0"/>
+              <a:t> = microservice1Client.processRequest(request);</a:t>
+            </a:r>
+          </a:p>
+          <a:p>
+            <a:pPr marL="0" indent="0">
+              <a:buFont typeface="Arial" pitchFamily="34" charset="0"/>
+              <a:buNone/>
+            </a:pPr>
+            <a:r>
+              <a:rPr lang="en-IN" dirty="0"/>
+              <a:t>		Response2 </a:t>
+            </a:r>
+            <a:r>
+              <a:rPr lang="en-IN" dirty="0" err="1"/>
+              <a:t>response2</a:t>
+            </a:r>
+            <a:r>
+              <a:rPr lang="en-IN" dirty="0"/>
+              <a:t> = microservice2Client.processRequest(request);</a:t>
+            </a:r>
+          </a:p>
+          <a:p>
+            <a:pPr marL="0" indent="0">
+              <a:buFont typeface="Arial" pitchFamily="34" charset="0"/>
+              <a:buNone/>
+            </a:pPr>
+            <a:r>
+              <a:rPr lang="en-IN" dirty="0"/>
+              <a:t>		Response3 </a:t>
+            </a:r>
+            <a:r>
+              <a:rPr lang="en-IN" dirty="0" err="1"/>
+              <a:t>response3</a:t>
+            </a:r>
+            <a:r>
+              <a:rPr lang="en-IN" dirty="0"/>
+              <a:t> = microservice3Client.processRequest(request);</a:t>
+            </a:r>
+          </a:p>
+          <a:p>
+            <a:pPr marL="0" indent="0">
+              <a:buFont typeface="Arial" pitchFamily="34" charset="0"/>
+              <a:buNone/>
+            </a:pPr>
+            <a:r>
+              <a:rPr lang="en-IN" dirty="0"/>
+              <a:t>		return new </a:t>
+            </a:r>
+            <a:r>
+              <a:rPr lang="en-IN" dirty="0" err="1"/>
+              <a:t>AggregatedResponse</a:t>
+            </a:r>
+            <a:r>
+              <a:rPr lang="en-IN" dirty="0"/>
+              <a:t>(response1, response2, response3);</a:t>
+            </a:r>
+          </a:p>
+          <a:p>
+            <a:pPr marL="0" indent="0">
+              <a:buFont typeface="Arial" pitchFamily="34" charset="0"/>
+              <a:buNone/>
+            </a:pPr>
+            <a:r>
+              <a:rPr lang="en-IN" dirty="0"/>
+              <a:t>	}</a:t>
+            </a:r>
+          </a:p>
+          <a:p>
+            <a:pPr marL="0" indent="0">
+              <a:buFont typeface="Arial" pitchFamily="34" charset="0"/>
+              <a:buNone/>
+            </a:pPr>
+            <a:r>
+              <a:rPr lang="en-IN" dirty="0"/>
+              <a:t>}</a:t>
+            </a:r>
+          </a:p>
+          <a:p>
+            <a:pPr marL="0" indent="0">
+              <a:buFont typeface="Arial" pitchFamily="34" charset="0"/>
+              <a:buNone/>
+            </a:pPr>
+            <a:endParaRPr lang="en-IN" dirty="0"/>
+          </a:p>
+        </p:txBody>
+      </p:sp>
+      <p:pic>
+        <p:nvPicPr>
+          <p:cNvPr id="4100" name="Picture 4" descr="Aggregator Microservice Pattern In Java with Examples">
+            <a:extLst>
+              <a:ext uri="{FF2B5EF4-FFF2-40B4-BE49-F238E27FC236}">
+                <a16:creationId xmlns:a16="http://schemas.microsoft.com/office/drawing/2014/main" id="{21D213B4-3326-4E3F-3AB6-8B4AC739E51C}"/>
+              </a:ext>
+            </a:extLst>
+          </p:cNvPr>
+          <p:cNvPicPr>
+            <a:picLocks noChangeAspect="1" noChangeArrowheads="1"/>
+          </p:cNvPicPr>
+          <p:nvPr/>
+        </p:nvPicPr>
+        <p:blipFill>
+          <a:blip r:embed="rId2">
+            <a:extLst>
+              <a:ext uri="{28A0092B-C50C-407E-A947-70E740481C1C}">
+                <a14:useLocalDpi xmlns:a14="http://schemas.microsoft.com/office/drawing/2010/main" val="0"/>
+              </a:ext>
+            </a:extLst>
+          </a:blip>
+          <a:srcRect/>
+          <a:stretch>
+            <a:fillRect/>
+          </a:stretch>
+        </p:blipFill>
+        <p:spPr bwMode="auto">
+          <a:xfrm>
+            <a:off x="251521" y="2420888"/>
+            <a:ext cx="3816424" cy="2144597"/>
+          </a:xfrm>
+          <a:prstGeom prst="rect">
+            <a:avLst/>
+          </a:prstGeom>
+          <a:noFill/>
+          <a:extLst>
+            <a:ext uri="{909E8E84-426E-40DD-AFC4-6F175D3DCCD1}">
+              <a14:hiddenFill xmlns:a14="http://schemas.microsoft.com/office/drawing/2010/main">
+                <a:solidFill>
+                  <a:srgbClr val="FFFFFF"/>
+                </a:solidFill>
+              </a14:hiddenFill>
+            </a:ext>
+          </a:extLst>
+        </p:spPr>
+      </p:pic>
+    </p:spTree>
+    <p:extLst>
+      <p:ext uri="{BB962C8B-B14F-4D97-AF65-F5344CB8AC3E}">
+        <p14:creationId xmlns:p14="http://schemas.microsoft.com/office/powerpoint/2010/main" val="2051743882"/>
+      </p:ext>
+    </p:extLst>
+  </p:cSld>
+  <p:clrMapOvr>
+    <a:masterClrMapping/>
+  </p:clrMapOvr>
+</p:sld>
+</file>
+
+<file path=ppt/slides/slide19.xml><?xml version="1.0" encoding="utf-8"?>
+<p:sld xmlns:a="http://schemas.openxmlformats.org/drawingml/2006/main" xmlns:r="http://schemas.openxmlformats.org/officeDocument/2006/relationships" xmlns:p="http://schemas.openxmlformats.org/presentationml/2006/main">
+  <p:cSld>
+    <p:spTree>
+      <p:nvGrpSpPr>
+        <p:cNvPr id="1" name=""/>
+        <p:cNvGrpSpPr/>
+        <p:nvPr/>
+      </p:nvGrpSpPr>
+      <p:grpSpPr>
+        <a:xfrm>
+          <a:off x="0" y="0"/>
+          <a:ext cx="0" cy="0"/>
+          <a:chOff x="0" y="0"/>
+          <a:chExt cx="0" cy="0"/>
+        </a:xfrm>
+      </p:grpSpPr>
+      <p:sp>
+        <p:nvSpPr>
+          <p:cNvPr id="2" name="Title 1">
+            <a:extLst>
+              <a:ext uri="{FF2B5EF4-FFF2-40B4-BE49-F238E27FC236}">
+                <a16:creationId xmlns:a16="http://schemas.microsoft.com/office/drawing/2014/main" id="{BE72DBEF-C735-0F3C-59A1-5264C6CCA93E}"/>
+              </a:ext>
+            </a:extLst>
+          </p:cNvPr>
+          <p:cNvSpPr>
+            <a:spLocks noGrp="1"/>
+          </p:cNvSpPr>
+          <p:nvPr>
+            <p:ph type="title"/>
+          </p:nvPr>
+        </p:nvSpPr>
+        <p:spPr/>
+        <p:txBody>
+          <a:bodyPr>
+            <a:noAutofit/>
+          </a:bodyPr>
+          <a:lstStyle/>
+          <a:p>
+            <a:r>
+              <a:rPr lang="en-IN" sz="2800" dirty="0">
+                <a:latin typeface="+mn-lt"/>
+              </a:rPr>
+              <a:t>Aggregator Pattern Example- </a:t>
+            </a:r>
+            <a:r>
+              <a:rPr lang="en-US" sz="2800" i="0" dirty="0">
+                <a:solidFill>
+                  <a:srgbClr val="000000"/>
+                </a:solidFill>
+                <a:effectLst/>
+                <a:latin typeface="+mn-lt"/>
+              </a:rPr>
+              <a:t>Combination of Asynchronous and Synchronous Communication</a:t>
+            </a:r>
+            <a:br>
+              <a:rPr lang="en-US" sz="2800" i="0" dirty="0">
+                <a:solidFill>
+                  <a:srgbClr val="000000"/>
+                </a:solidFill>
+                <a:effectLst/>
+                <a:latin typeface="+mn-lt"/>
+              </a:rPr>
+            </a:br>
+            <a:endParaRPr lang="en-IN" sz="2800" dirty="0">
+              <a:latin typeface="+mn-lt"/>
+            </a:endParaRPr>
+          </a:p>
+        </p:txBody>
+      </p:sp>
+      <p:sp>
+        <p:nvSpPr>
+          <p:cNvPr id="3" name="Content Placeholder 2">
+            <a:extLst>
+              <a:ext uri="{FF2B5EF4-FFF2-40B4-BE49-F238E27FC236}">
+                <a16:creationId xmlns:a16="http://schemas.microsoft.com/office/drawing/2014/main" id="{2E10F4A4-38B3-E8E0-9976-11CFF659B5D6}"/>
+              </a:ext>
+            </a:extLst>
+          </p:cNvPr>
+          <p:cNvSpPr>
+            <a:spLocks noGrp="1"/>
+          </p:cNvSpPr>
+          <p:nvPr>
+            <p:ph idx="1"/>
+          </p:nvPr>
+        </p:nvSpPr>
+        <p:spPr/>
+        <p:txBody>
+          <a:bodyPr>
+            <a:normAutofit fontScale="77500" lnSpcReduction="20000"/>
+          </a:bodyPr>
+          <a:lstStyle/>
+          <a:p>
+            <a:r>
+              <a:rPr lang="en-US" dirty="0"/>
+              <a:t>It is also possible to implement the Aggregator Microservice Pattern in Java by combining asynchronous and synchronous communication. </a:t>
+            </a:r>
+          </a:p>
+          <a:p>
+            <a:r>
+              <a:rPr lang="en-US" dirty="0"/>
+              <a:t>In this approach, the client sends a request to the aggregator microservice, which then sends requests to some of the microservices asynchronously and to others synchronously, depending on the requirements of the system.</a:t>
+            </a:r>
+          </a:p>
+          <a:p>
+            <a:r>
+              <a:rPr lang="en-US" dirty="0"/>
+              <a:t>This approach allows for a balance between performance and simplicity, as it allows the microservices to process the requests concurrently where possible, while still keeping the implementation straightforward.</a:t>
+            </a:r>
+          </a:p>
+          <a:p>
             <a:endParaRPr lang="en-US" dirty="0"/>
           </a:p>
         </p:txBody>
       </p:sp>
+    </p:spTree>
+    <p:extLst>
+      <p:ext uri="{BB962C8B-B14F-4D97-AF65-F5344CB8AC3E}">
+        <p14:creationId xmlns:p14="http://schemas.microsoft.com/office/powerpoint/2010/main" val="2742703514"/>
+      </p:ext>
+    </p:extLst>
+  </p:cSld>
+  <p:clrMapOvr>
+    <a:masterClrMapping/>
+  </p:clrMapOvr>
+</p:sld>
+</file>
+
+<file path=ppt/slides/slide2.xml><?xml version="1.0" encoding="utf-8"?>
+<p:sld xmlns:a="http://schemas.openxmlformats.org/drawingml/2006/main" xmlns:r="http://schemas.openxmlformats.org/officeDocument/2006/relationships" xmlns:p="http://schemas.openxmlformats.org/presentationml/2006/main">
+  <p:cSld>
+    <p:spTree>
+      <p:nvGrpSpPr>
+        <p:cNvPr id="1" name=""/>
+        <p:cNvGrpSpPr/>
+        <p:nvPr/>
+      </p:nvGrpSpPr>
+      <p:grpSpPr>
+        <a:xfrm>
+          <a:off x="0" y="0"/>
+          <a:ext cx="0" cy="0"/>
+          <a:chOff x="0" y="0"/>
+          <a:chExt cx="0" cy="0"/>
+        </a:xfrm>
+      </p:grpSpPr>
+      <p:sp>
+        <p:nvSpPr>
+          <p:cNvPr id="2" name="Title 1"/>
+          <p:cNvSpPr>
+            <a:spLocks noGrp="1"/>
+          </p:cNvSpPr>
+          <p:nvPr>
+            <p:ph type="title"/>
+          </p:nvPr>
+        </p:nvSpPr>
+        <p:spPr/>
+        <p:txBody>
+          <a:bodyPr/>
+          <a:lstStyle/>
+          <a:p>
+            <a:r>
+              <a:rPr lang="en-US" dirty="0" err="1"/>
+              <a:t>Microservices</a:t>
+            </a:r>
+            <a:endParaRPr lang="en-US" dirty="0"/>
+          </a:p>
+        </p:txBody>
+      </p:sp>
       <p:sp>
         <p:nvSpPr>
           <p:cNvPr id="3" name="Content Placeholder 2"/>
@@ -6367,53 +8204,46 @@
         <p:spPr/>
         <p:txBody>
           <a:bodyPr>
-            <a:normAutofit fontScale="55000" lnSpcReduction="20000"/>
+            <a:normAutofit/>
           </a:bodyPr>
           <a:lstStyle/>
           <a:p>
+            <a:pPr marL="0">
+              <a:buNone/>
+            </a:pPr>
+            <a:r>
+              <a:rPr lang="en-US" sz="2800" dirty="0"/>
+              <a:t>An architectural style that structures an application as a collection of small autonomous services, modeled around a business domain. </a:t>
+            </a:r>
+          </a:p>
+          <a:p>
+            <a:pPr marL="0">
+              <a:buNone/>
+            </a:pPr>
+            <a:endParaRPr lang="en-US" sz="2800" dirty="0"/>
+          </a:p>
+          <a:p>
+            <a:pPr marL="0">
+              <a:buNone/>
+            </a:pPr>
+            <a:r>
+              <a:rPr lang="en-US" sz="2800" dirty="0"/>
+              <a:t>In a </a:t>
+            </a:r>
+            <a:r>
+              <a:rPr lang="en-US" sz="2800" dirty="0" err="1"/>
+              <a:t>Microservice</a:t>
+            </a:r>
+            <a:r>
+              <a:rPr lang="en-US" sz="2800" dirty="0"/>
+              <a:t> Architecture, each service is self-contained and implements a single business capability.</a:t>
+            </a:r>
+          </a:p>
+          <a:p>
             <a:pPr>
               <a:buNone/>
             </a:pPr>
-            <a:r>
-              <a:rPr lang="en-US" b="1" dirty="0"/>
-              <a:t>Problem</a:t>
-            </a:r>
-          </a:p>
-          <a:p>
-            <a:r>
-              <a:rPr lang="en-US" dirty="0"/>
-              <a:t>When each service has its own database and a business transaction spans multiple services, how do we ensure data consistency across services? For example, for an e-commerce application where customers have a credit limit, the application must ensure that a new order will not exceed the customer’s credit limit. Since Orders and Customers are in different databases, the application cannot simply use a local ACID transaction.</a:t>
-            </a:r>
-          </a:p>
-          <a:p>
-            <a:pPr>
-              <a:buNone/>
-            </a:pPr>
-            <a:r>
-              <a:rPr lang="en-US" b="1" dirty="0"/>
-              <a:t>Solution</a:t>
-            </a:r>
-          </a:p>
-          <a:p>
-            <a:r>
-              <a:rPr lang="en-US" dirty="0"/>
-              <a:t>A Saga represents a high-level business process that consists of several sub requests, which each update data within a single service. Each request has a compensating request that is executed when the request fails. It can be implemented in two ways:</a:t>
-            </a:r>
-          </a:p>
-          <a:p>
-            <a:r>
-              <a:rPr lang="en-US" dirty="0"/>
-              <a:t>Choreography — When there is no central coordination, each service produces and listens to another service’s events and decides if an action should be taken or not.</a:t>
-            </a:r>
-          </a:p>
-          <a:p>
-            <a:r>
-              <a:rPr lang="en-US" dirty="0"/>
-              <a:t>Orchestration — An orchestrator (object) takes responsibility for a saga’s decision making and sequencing business logic.</a:t>
-            </a:r>
-          </a:p>
-          <a:p>
-            <a:endParaRPr lang="en-US" dirty="0"/>
+            <a:endParaRPr lang="en-US" sz="2800" dirty="0"/>
           </a:p>
         </p:txBody>
       </p:sp>
@@ -6425,7 +8255,1422 @@
 </p:sld>
 </file>
 
-<file path=ppt/slides/slide19.xml><?xml version="1.0" encoding="utf-8"?>
+<file path=ppt/slides/slide20.xml><?xml version="1.0" encoding="utf-8"?>
+<p:sld xmlns:a="http://schemas.openxmlformats.org/drawingml/2006/main" xmlns:r="http://schemas.openxmlformats.org/officeDocument/2006/relationships" xmlns:p="http://schemas.openxmlformats.org/presentationml/2006/main">
+  <p:cSld>
+    <p:spTree>
+      <p:nvGrpSpPr>
+        <p:cNvPr id="1" name=""/>
+        <p:cNvGrpSpPr/>
+        <p:nvPr/>
+      </p:nvGrpSpPr>
+      <p:grpSpPr>
+        <a:xfrm>
+          <a:off x="0" y="0"/>
+          <a:ext cx="0" cy="0"/>
+          <a:chOff x="0" y="0"/>
+          <a:chExt cx="0" cy="0"/>
+        </a:xfrm>
+      </p:grpSpPr>
+      <p:sp>
+        <p:nvSpPr>
+          <p:cNvPr id="2" name="Title 1">
+            <a:extLst>
+              <a:ext uri="{FF2B5EF4-FFF2-40B4-BE49-F238E27FC236}">
+                <a16:creationId xmlns:a16="http://schemas.microsoft.com/office/drawing/2014/main" id="{BE72DBEF-C735-0F3C-59A1-5264C6CCA93E}"/>
+              </a:ext>
+            </a:extLst>
+          </p:cNvPr>
+          <p:cNvSpPr>
+            <a:spLocks noGrp="1"/>
+          </p:cNvSpPr>
+          <p:nvPr>
+            <p:ph type="title"/>
+          </p:nvPr>
+        </p:nvSpPr>
+        <p:spPr/>
+        <p:txBody>
+          <a:bodyPr>
+            <a:noAutofit/>
+          </a:bodyPr>
+          <a:lstStyle/>
+          <a:p>
+            <a:r>
+              <a:rPr lang="en-IN" sz="2800" dirty="0">
+                <a:latin typeface="+mn-lt"/>
+              </a:rPr>
+              <a:t>Aggregator Pattern Example- </a:t>
+            </a:r>
+            <a:r>
+              <a:rPr lang="en-US" sz="2800" i="0" dirty="0">
+                <a:solidFill>
+                  <a:srgbClr val="000000"/>
+                </a:solidFill>
+                <a:effectLst/>
+                <a:latin typeface="+mn-lt"/>
+              </a:rPr>
+              <a:t>Combination of Asynchronous and Synchronous Communication</a:t>
+            </a:r>
+            <a:br>
+              <a:rPr lang="en-US" sz="2800" i="0" dirty="0">
+                <a:solidFill>
+                  <a:srgbClr val="000000"/>
+                </a:solidFill>
+                <a:effectLst/>
+                <a:latin typeface="+mn-lt"/>
+              </a:rPr>
+            </a:br>
+            <a:endParaRPr lang="en-IN" sz="2800" dirty="0">
+              <a:latin typeface="+mn-lt"/>
+            </a:endParaRPr>
+          </a:p>
+        </p:txBody>
+      </p:sp>
+      <p:sp>
+        <p:nvSpPr>
+          <p:cNvPr id="3" name="Content Placeholder 2">
+            <a:extLst>
+              <a:ext uri="{FF2B5EF4-FFF2-40B4-BE49-F238E27FC236}">
+                <a16:creationId xmlns:a16="http://schemas.microsoft.com/office/drawing/2014/main" id="{2E10F4A4-38B3-E8E0-9976-11CFF659B5D6}"/>
+              </a:ext>
+            </a:extLst>
+          </p:cNvPr>
+          <p:cNvSpPr>
+            <a:spLocks noGrp="1"/>
+          </p:cNvSpPr>
+          <p:nvPr>
+            <p:ph idx="1"/>
+          </p:nvPr>
+        </p:nvSpPr>
+        <p:spPr/>
+        <p:txBody>
+          <a:bodyPr>
+            <a:normAutofit fontScale="25000" lnSpcReduction="20000"/>
+          </a:bodyPr>
+          <a:lstStyle/>
+          <a:p>
+            <a:pPr marL="0" indent="0">
+              <a:buNone/>
+            </a:pPr>
+            <a:r>
+              <a:rPr lang="en-US" dirty="0"/>
+              <a:t>An example of an Aggregator Microservice that uses a combination of asynchronous and synchronous communication in Java:</a:t>
+            </a:r>
+          </a:p>
+          <a:p>
+            <a:pPr marL="0" indent="0">
+              <a:buNone/>
+            </a:pPr>
+            <a:endParaRPr lang="en-US" dirty="0"/>
+          </a:p>
+          <a:p>
+            <a:pPr marL="0" indent="0">
+              <a:buNone/>
+            </a:pPr>
+            <a:r>
+              <a:rPr lang="en-US" sz="4000" dirty="0"/>
+              <a:t>import </a:t>
+            </a:r>
+            <a:r>
+              <a:rPr lang="en-US" sz="4000" dirty="0" err="1"/>
+              <a:t>java.util.concurrent.CompletableFuture</a:t>
+            </a:r>
+            <a:r>
+              <a:rPr lang="en-US" sz="4000" dirty="0"/>
+              <a:t>;</a:t>
+            </a:r>
+          </a:p>
+          <a:p>
+            <a:pPr marL="0" indent="0">
+              <a:buNone/>
+            </a:pPr>
+            <a:r>
+              <a:rPr lang="en-US" sz="4000" dirty="0"/>
+              <a:t>import </a:t>
+            </a:r>
+            <a:r>
+              <a:rPr lang="en-US" sz="4000" dirty="0" err="1"/>
+              <a:t>java.util.concurrent.ExecutorService</a:t>
+            </a:r>
+            <a:r>
+              <a:rPr lang="en-US" sz="4000" dirty="0"/>
+              <a:t>;</a:t>
+            </a:r>
+          </a:p>
+          <a:p>
+            <a:pPr marL="0" indent="0">
+              <a:buNone/>
+            </a:pPr>
+            <a:endParaRPr lang="en-US" sz="4000" dirty="0"/>
+          </a:p>
+          <a:p>
+            <a:pPr marL="0" indent="0">
+              <a:buNone/>
+            </a:pPr>
+            <a:r>
+              <a:rPr lang="en-US" sz="4000" dirty="0"/>
+              <a:t>public class </a:t>
+            </a:r>
+            <a:r>
+              <a:rPr lang="en-US" sz="4000" dirty="0" err="1"/>
+              <a:t>HybridAggregatorMicroservice</a:t>
+            </a:r>
+            <a:r>
+              <a:rPr lang="en-US" sz="4000" dirty="0"/>
+              <a:t> {</a:t>
+            </a:r>
+          </a:p>
+          <a:p>
+            <a:pPr marL="0" indent="0">
+              <a:buNone/>
+            </a:pPr>
+            <a:r>
+              <a:rPr lang="en-US" sz="4000" dirty="0"/>
+              <a:t>	private final </a:t>
+            </a:r>
+            <a:r>
+              <a:rPr lang="en-US" sz="4000" dirty="0" err="1"/>
+              <a:t>ExecutorService</a:t>
+            </a:r>
+            <a:r>
+              <a:rPr lang="en-US" sz="4000" dirty="0"/>
+              <a:t> </a:t>
+            </a:r>
+            <a:r>
+              <a:rPr lang="en-US" sz="4000" dirty="0" err="1"/>
+              <a:t>executorService</a:t>
+            </a:r>
+            <a:r>
+              <a:rPr lang="en-US" sz="4000" dirty="0"/>
+              <a:t>;</a:t>
+            </a:r>
+          </a:p>
+          <a:p>
+            <a:pPr marL="0" indent="0">
+              <a:buNone/>
+            </a:pPr>
+            <a:r>
+              <a:rPr lang="en-US" sz="4000" dirty="0"/>
+              <a:t>	private final Microservice1Client </a:t>
+            </a:r>
+            <a:r>
+              <a:rPr lang="en-US" sz="4000" dirty="0" err="1"/>
+              <a:t>microservice1Client</a:t>
+            </a:r>
+            <a:r>
+              <a:rPr lang="en-US" sz="4000" dirty="0"/>
+              <a:t>;</a:t>
+            </a:r>
+          </a:p>
+          <a:p>
+            <a:pPr marL="0" indent="0">
+              <a:buNone/>
+            </a:pPr>
+            <a:r>
+              <a:rPr lang="en-US" sz="4000" dirty="0"/>
+              <a:t>	private final Microservice2Client </a:t>
+            </a:r>
+            <a:r>
+              <a:rPr lang="en-US" sz="4000" dirty="0" err="1"/>
+              <a:t>microservice2Client</a:t>
+            </a:r>
+            <a:r>
+              <a:rPr lang="en-US" sz="4000" dirty="0"/>
+              <a:t>;</a:t>
+            </a:r>
+          </a:p>
+          <a:p>
+            <a:pPr marL="0" indent="0">
+              <a:buNone/>
+            </a:pPr>
+            <a:r>
+              <a:rPr lang="en-US" sz="4000" dirty="0"/>
+              <a:t>	private final Microservice3Client </a:t>
+            </a:r>
+            <a:r>
+              <a:rPr lang="en-US" sz="4000" dirty="0" err="1"/>
+              <a:t>microservice3Client</a:t>
+            </a:r>
+            <a:r>
+              <a:rPr lang="en-US" sz="4000" dirty="0"/>
+              <a:t>;</a:t>
+            </a:r>
+          </a:p>
+          <a:p>
+            <a:pPr marL="0" indent="0">
+              <a:buNone/>
+            </a:pPr>
+            <a:endParaRPr lang="en-US" sz="4000" dirty="0"/>
+          </a:p>
+          <a:p>
+            <a:pPr marL="0" indent="0">
+              <a:buNone/>
+            </a:pPr>
+            <a:r>
+              <a:rPr lang="en-US" sz="4000" dirty="0"/>
+              <a:t>	public </a:t>
+            </a:r>
+            <a:r>
+              <a:rPr lang="en-US" sz="4000" dirty="0" err="1"/>
+              <a:t>HybridAggregatorMicroservice</a:t>
+            </a:r>
+            <a:r>
+              <a:rPr lang="en-US" sz="4000" dirty="0"/>
+              <a:t>(</a:t>
+            </a:r>
+            <a:r>
+              <a:rPr lang="en-US" sz="4000" dirty="0" err="1"/>
+              <a:t>ExecutorService</a:t>
+            </a:r>
+            <a:r>
+              <a:rPr lang="en-US" sz="4000" dirty="0"/>
+              <a:t> </a:t>
+            </a:r>
+            <a:r>
+              <a:rPr lang="en-US" sz="4000" dirty="0" err="1"/>
+              <a:t>executorService</a:t>
+            </a:r>
+            <a:r>
+              <a:rPr lang="en-US" sz="4000" dirty="0"/>
+              <a:t>, Microservice1Client </a:t>
+            </a:r>
+            <a:r>
+              <a:rPr lang="en-US" sz="4000" dirty="0" err="1"/>
+              <a:t>microservice1Client</a:t>
+            </a:r>
+            <a:r>
+              <a:rPr lang="en-US" sz="4000" dirty="0"/>
+              <a:t>,</a:t>
+            </a:r>
+          </a:p>
+          <a:p>
+            <a:pPr marL="0" indent="0">
+              <a:buNone/>
+            </a:pPr>
+            <a:r>
+              <a:rPr lang="en-US" sz="4000" dirty="0"/>
+              <a:t>			Microservice2Client </a:t>
+            </a:r>
+            <a:r>
+              <a:rPr lang="en-US" sz="4000" dirty="0" err="1"/>
+              <a:t>microservice2Client</a:t>
+            </a:r>
+            <a:r>
+              <a:rPr lang="en-US" sz="4000" dirty="0"/>
+              <a:t>, Microservice3Client microservice3Client) {</a:t>
+            </a:r>
+          </a:p>
+          <a:p>
+            <a:pPr marL="0" indent="0">
+              <a:buNone/>
+            </a:pPr>
+            <a:r>
+              <a:rPr lang="en-US" sz="4000" dirty="0"/>
+              <a:t>		</a:t>
+            </a:r>
+            <a:r>
+              <a:rPr lang="en-US" sz="4000" dirty="0" err="1"/>
+              <a:t>this.executorService</a:t>
+            </a:r>
+            <a:r>
+              <a:rPr lang="en-US" sz="4000" dirty="0"/>
+              <a:t> = </a:t>
+            </a:r>
+            <a:r>
+              <a:rPr lang="en-US" sz="4000" dirty="0" err="1"/>
+              <a:t>executorService</a:t>
+            </a:r>
+            <a:r>
+              <a:rPr lang="en-US" sz="4000" dirty="0"/>
+              <a:t>;</a:t>
+            </a:r>
+          </a:p>
+          <a:p>
+            <a:pPr marL="0" indent="0">
+              <a:buNone/>
+            </a:pPr>
+            <a:r>
+              <a:rPr lang="en-US" sz="4000" dirty="0"/>
+              <a:t>		this.microservice1Client = microservice1Client;</a:t>
+            </a:r>
+          </a:p>
+          <a:p>
+            <a:pPr marL="0" indent="0">
+              <a:buNone/>
+            </a:pPr>
+            <a:r>
+              <a:rPr lang="en-US" sz="4000" dirty="0"/>
+              <a:t>		this.microservice2Client = microservice2Client;</a:t>
+            </a:r>
+          </a:p>
+          <a:p>
+            <a:pPr marL="0" indent="0">
+              <a:buNone/>
+            </a:pPr>
+            <a:r>
+              <a:rPr lang="en-US" sz="4000" dirty="0"/>
+              <a:t>		this.microservice3Client = microservice3Client;</a:t>
+            </a:r>
+          </a:p>
+          <a:p>
+            <a:pPr marL="0" indent="0">
+              <a:buNone/>
+            </a:pPr>
+            <a:r>
+              <a:rPr lang="en-US" sz="4000" dirty="0"/>
+              <a:t>	}</a:t>
+            </a:r>
+          </a:p>
+          <a:p>
+            <a:pPr marL="0" indent="0">
+              <a:buNone/>
+            </a:pPr>
+            <a:endParaRPr lang="en-US" sz="4000" dirty="0"/>
+          </a:p>
+          <a:p>
+            <a:pPr marL="0" indent="0">
+              <a:buNone/>
+            </a:pPr>
+            <a:r>
+              <a:rPr lang="en-US" sz="4000" dirty="0"/>
+              <a:t>	public </a:t>
+            </a:r>
+            <a:r>
+              <a:rPr lang="en-US" sz="4000" dirty="0" err="1"/>
+              <a:t>AggregatedResponse</a:t>
+            </a:r>
+            <a:r>
+              <a:rPr lang="en-US" sz="4000" dirty="0"/>
+              <a:t> </a:t>
+            </a:r>
+            <a:r>
+              <a:rPr lang="en-US" sz="4000" dirty="0" err="1"/>
+              <a:t>processRequest</a:t>
+            </a:r>
+            <a:r>
+              <a:rPr lang="en-US" sz="4000" dirty="0"/>
+              <a:t>(Request request) {</a:t>
+            </a:r>
+          </a:p>
+          <a:p>
+            <a:pPr marL="0" indent="0">
+              <a:buNone/>
+            </a:pPr>
+            <a:r>
+              <a:rPr lang="en-US" sz="4000" dirty="0"/>
+              <a:t>		</a:t>
+            </a:r>
+            <a:r>
+              <a:rPr lang="en-US" sz="4000" dirty="0" err="1"/>
+              <a:t>CompletableFuture</a:t>
+            </a:r>
+            <a:r>
+              <a:rPr lang="en-US" sz="4000" dirty="0"/>
+              <a:t>&lt;Response1&gt; response1Future = </a:t>
+            </a:r>
+            <a:r>
+              <a:rPr lang="en-US" sz="4000" dirty="0" err="1"/>
+              <a:t>CompletableFuture</a:t>
+            </a:r>
+            <a:endParaRPr lang="en-US" sz="4000" dirty="0"/>
+          </a:p>
+          <a:p>
+            <a:pPr marL="0" indent="0">
+              <a:buNone/>
+            </a:pPr>
+            <a:r>
+              <a:rPr lang="en-US" sz="4000" dirty="0"/>
+              <a:t>				.</a:t>
+            </a:r>
+            <a:r>
+              <a:rPr lang="en-US" sz="4000" dirty="0" err="1"/>
+              <a:t>supplyAsync</a:t>
+            </a:r>
+            <a:r>
+              <a:rPr lang="en-US" sz="4000" dirty="0"/>
+              <a:t>(() -&gt; microservice1Client.processRequest(request), </a:t>
+            </a:r>
+            <a:r>
+              <a:rPr lang="en-US" sz="4000" dirty="0" err="1"/>
+              <a:t>executorService</a:t>
+            </a:r>
+            <a:r>
+              <a:rPr lang="en-US" sz="4000" dirty="0"/>
+              <a:t>);</a:t>
+            </a:r>
+          </a:p>
+          <a:p>
+            <a:pPr marL="0" indent="0">
+              <a:buNone/>
+            </a:pPr>
+            <a:r>
+              <a:rPr lang="en-US" sz="4000" dirty="0"/>
+              <a:t>		Response2 </a:t>
+            </a:r>
+            <a:r>
+              <a:rPr lang="en-US" sz="4000" dirty="0" err="1"/>
+              <a:t>response2</a:t>
+            </a:r>
+            <a:r>
+              <a:rPr lang="en-US" sz="4000" dirty="0"/>
+              <a:t> = microservice2Client.processRequest(request);</a:t>
+            </a:r>
+          </a:p>
+          <a:p>
+            <a:pPr marL="0" indent="0">
+              <a:buNone/>
+            </a:pPr>
+            <a:r>
+              <a:rPr lang="en-US" sz="4000" dirty="0"/>
+              <a:t>		</a:t>
+            </a:r>
+            <a:r>
+              <a:rPr lang="en-US" sz="4000" dirty="0" err="1"/>
+              <a:t>CompletableFuture</a:t>
+            </a:r>
+            <a:r>
+              <a:rPr lang="en-US" sz="4000" dirty="0"/>
+              <a:t>&lt;Response3&gt; response3Future = </a:t>
+            </a:r>
+            <a:r>
+              <a:rPr lang="en-US" sz="4000" dirty="0" err="1"/>
+              <a:t>CompletableFuture</a:t>
+            </a:r>
+            <a:endParaRPr lang="en-US" sz="4000" dirty="0"/>
+          </a:p>
+          <a:p>
+            <a:pPr marL="0" indent="0">
+              <a:buNone/>
+            </a:pPr>
+            <a:r>
+              <a:rPr lang="en-US" sz="4000" dirty="0"/>
+              <a:t>				.</a:t>
+            </a:r>
+            <a:r>
+              <a:rPr lang="en-US" sz="4000" dirty="0" err="1"/>
+              <a:t>supplyAsync</a:t>
+            </a:r>
+            <a:r>
+              <a:rPr lang="en-US" sz="4000" dirty="0"/>
+              <a:t>(() -&gt; microservice3Client.processRequest(request), </a:t>
+            </a:r>
+            <a:r>
+              <a:rPr lang="en-US" sz="4000" dirty="0" err="1"/>
+              <a:t>executorService</a:t>
+            </a:r>
+            <a:r>
+              <a:rPr lang="en-US" sz="4000" dirty="0"/>
+              <a:t>);</a:t>
+            </a:r>
+          </a:p>
+          <a:p>
+            <a:pPr marL="0" indent="0">
+              <a:buNone/>
+            </a:pPr>
+            <a:r>
+              <a:rPr lang="en-US" sz="4000" dirty="0"/>
+              <a:t>		return </a:t>
+            </a:r>
+            <a:r>
+              <a:rPr lang="en-US" sz="4000" dirty="0" err="1"/>
+              <a:t>CompletableFuture.allOf</a:t>
+            </a:r>
+            <a:r>
+              <a:rPr lang="en-US" sz="4000" dirty="0"/>
+              <a:t>(response1Future, response3Future)</a:t>
+            </a:r>
+          </a:p>
+          <a:p>
+            <a:pPr marL="0" indent="0">
+              <a:buNone/>
+            </a:pPr>
+            <a:r>
+              <a:rPr lang="en-US" sz="4000" dirty="0"/>
+              <a:t>				.</a:t>
+            </a:r>
+            <a:r>
+              <a:rPr lang="en-US" sz="4000" dirty="0" err="1"/>
+              <a:t>thenApply</a:t>
+            </a:r>
+            <a:r>
+              <a:rPr lang="en-US" sz="4000" dirty="0"/>
+              <a:t>(v -&gt; new </a:t>
+            </a:r>
+            <a:r>
+              <a:rPr lang="en-US" sz="4000" dirty="0" err="1"/>
+              <a:t>AggregatedResponse</a:t>
+            </a:r>
+            <a:r>
+              <a:rPr lang="en-US" sz="4000" dirty="0"/>
+              <a:t>(response1Future.join(), response2, response3Future.join()));</a:t>
+            </a:r>
+          </a:p>
+          <a:p>
+            <a:pPr marL="0" indent="0">
+              <a:buNone/>
+            </a:pPr>
+            <a:r>
+              <a:rPr lang="en-US" sz="4000" dirty="0"/>
+              <a:t>	}</a:t>
+            </a:r>
+          </a:p>
+          <a:p>
+            <a:pPr marL="0" indent="0">
+              <a:buNone/>
+            </a:pPr>
+            <a:r>
+              <a:rPr lang="en-US" sz="4000" dirty="0"/>
+              <a:t>}</a:t>
+            </a:r>
+          </a:p>
+          <a:p>
+            <a:pPr marL="0" indent="0">
+              <a:buNone/>
+            </a:pPr>
+            <a:endParaRPr lang="en-US" sz="4000" dirty="0"/>
+          </a:p>
+        </p:txBody>
+      </p:sp>
+    </p:spTree>
+    <p:extLst>
+      <p:ext uri="{BB962C8B-B14F-4D97-AF65-F5344CB8AC3E}">
+        <p14:creationId xmlns:p14="http://schemas.microsoft.com/office/powerpoint/2010/main" val="3543503380"/>
+      </p:ext>
+    </p:extLst>
+  </p:cSld>
+  <p:clrMapOvr>
+    <a:masterClrMapping/>
+  </p:clrMapOvr>
+</p:sld>
+</file>
+
+<file path=ppt/slides/slide21.xml><?xml version="1.0" encoding="utf-8"?>
+<p:sld xmlns:a="http://schemas.openxmlformats.org/drawingml/2006/main" xmlns:r="http://schemas.openxmlformats.org/officeDocument/2006/relationships" xmlns:p="http://schemas.openxmlformats.org/presentationml/2006/main">
+  <p:cSld>
+    <p:spTree>
+      <p:nvGrpSpPr>
+        <p:cNvPr id="1" name=""/>
+        <p:cNvGrpSpPr/>
+        <p:nvPr/>
+      </p:nvGrpSpPr>
+      <p:grpSpPr>
+        <a:xfrm>
+          <a:off x="0" y="0"/>
+          <a:ext cx="0" cy="0"/>
+          <a:chOff x="0" y="0"/>
+          <a:chExt cx="0" cy="0"/>
+        </a:xfrm>
+      </p:grpSpPr>
+      <p:sp>
+        <p:nvSpPr>
+          <p:cNvPr id="2" name="Title 1"/>
+          <p:cNvSpPr>
+            <a:spLocks noGrp="1"/>
+          </p:cNvSpPr>
+          <p:nvPr>
+            <p:ph type="title"/>
+          </p:nvPr>
+        </p:nvSpPr>
+        <p:spPr/>
+        <p:txBody>
+          <a:bodyPr>
+            <a:normAutofit fontScale="90000"/>
+          </a:bodyPr>
+          <a:lstStyle/>
+          <a:p>
+            <a:r>
+              <a:rPr lang="en-US" b="1" dirty="0"/>
+              <a:t>Client-Side UI Composition Pattern</a:t>
+            </a:r>
+            <a:br>
+              <a:rPr lang="en-US" b="1" dirty="0"/>
+            </a:br>
+            <a:endParaRPr lang="en-US" dirty="0"/>
+          </a:p>
+        </p:txBody>
+      </p:sp>
+      <p:sp>
+        <p:nvSpPr>
+          <p:cNvPr id="3" name="Content Placeholder 2"/>
+          <p:cNvSpPr>
+            <a:spLocks noGrp="1"/>
+          </p:cNvSpPr>
+          <p:nvPr>
+            <p:ph idx="1"/>
+          </p:nvPr>
+        </p:nvSpPr>
+        <p:spPr/>
+        <p:txBody>
+          <a:bodyPr>
+            <a:normAutofit fontScale="62500" lnSpcReduction="20000"/>
+          </a:bodyPr>
+          <a:lstStyle/>
+          <a:p>
+            <a:pPr>
+              <a:buNone/>
+            </a:pPr>
+            <a:r>
+              <a:rPr lang="en-US" b="1" dirty="0"/>
+              <a:t>Problem</a:t>
+            </a:r>
+          </a:p>
+          <a:p>
+            <a:r>
+              <a:rPr lang="en-US" dirty="0"/>
+              <a:t>When services are developed by decomposing business capabilities/</a:t>
+            </a:r>
+            <a:r>
+              <a:rPr lang="en-US" dirty="0" err="1"/>
+              <a:t>subdomains</a:t>
+            </a:r>
+            <a:r>
+              <a:rPr lang="en-US" dirty="0"/>
+              <a:t>, the services responsible for user experience have to pull data from several </a:t>
+            </a:r>
+            <a:r>
+              <a:rPr lang="en-US" dirty="0" err="1"/>
+              <a:t>microservices</a:t>
+            </a:r>
+            <a:r>
+              <a:rPr lang="en-US" dirty="0"/>
+              <a:t>. In the monolithic world, there used to be only one call from the UI to a backend service to retrieve all data and refresh/submit the UI page. However, now it won't be the same. We need to understand how to do it.</a:t>
+            </a:r>
+          </a:p>
+          <a:p>
+            <a:pPr>
+              <a:buNone/>
+            </a:pPr>
+            <a:r>
+              <a:rPr lang="en-US" b="1" dirty="0"/>
+              <a:t>Solution</a:t>
+            </a:r>
+          </a:p>
+          <a:p>
+            <a:r>
+              <a:rPr lang="en-US" dirty="0"/>
+              <a:t>With </a:t>
+            </a:r>
+            <a:r>
+              <a:rPr lang="en-US" dirty="0" err="1"/>
+              <a:t>microservices</a:t>
+            </a:r>
+            <a:r>
+              <a:rPr lang="en-US" dirty="0"/>
+              <a:t>, the UI has to be designed as a skeleton with multiple sections/regions of the screen/page. Each section will make a call to an individual backend </a:t>
+            </a:r>
+            <a:r>
+              <a:rPr lang="en-US" dirty="0" err="1"/>
+              <a:t>microservice</a:t>
+            </a:r>
+            <a:r>
+              <a:rPr lang="en-US" dirty="0"/>
+              <a:t> to pull the data. That is called composing UI components specific to service. Frameworks like </a:t>
+            </a:r>
+            <a:r>
+              <a:rPr lang="en-US" dirty="0" err="1"/>
+              <a:t>AngularJS</a:t>
+            </a:r>
+            <a:r>
+              <a:rPr lang="en-US" dirty="0"/>
+              <a:t> and </a:t>
+            </a:r>
+            <a:r>
+              <a:rPr lang="en-US" dirty="0" err="1"/>
+              <a:t>ReactJS</a:t>
+            </a:r>
+            <a:r>
+              <a:rPr lang="en-US" dirty="0"/>
+              <a:t> help to do that easily. These screens are known as Single Page Applications (SPA). This enables the app to refresh a particular region of the screen instead of the whole page.</a:t>
+            </a:r>
+          </a:p>
+          <a:p>
+            <a:endParaRPr lang="en-US" dirty="0"/>
+          </a:p>
+        </p:txBody>
+      </p:sp>
+    </p:spTree>
+  </p:cSld>
+  <p:clrMapOvr>
+    <a:masterClrMapping/>
+  </p:clrMapOvr>
+</p:sld>
+</file>
+
+<file path=ppt/slides/slide22.xml><?xml version="1.0" encoding="utf-8"?>
+<p:sld xmlns:a="http://schemas.openxmlformats.org/drawingml/2006/main" xmlns:r="http://schemas.openxmlformats.org/officeDocument/2006/relationships" xmlns:p="http://schemas.openxmlformats.org/presentationml/2006/main">
+  <p:cSld>
+    <p:spTree>
+      <p:nvGrpSpPr>
+        <p:cNvPr id="1" name=""/>
+        <p:cNvGrpSpPr/>
+        <p:nvPr/>
+      </p:nvGrpSpPr>
+      <p:grpSpPr>
+        <a:xfrm>
+          <a:off x="0" y="0"/>
+          <a:ext cx="0" cy="0"/>
+          <a:chOff x="0" y="0"/>
+          <a:chExt cx="0" cy="0"/>
+        </a:xfrm>
+      </p:grpSpPr>
+      <p:sp>
+        <p:nvSpPr>
+          <p:cNvPr id="2" name="Title 1"/>
+          <p:cNvSpPr>
+            <a:spLocks noGrp="1"/>
+          </p:cNvSpPr>
+          <p:nvPr>
+            <p:ph type="title"/>
+          </p:nvPr>
+        </p:nvSpPr>
+        <p:spPr/>
+        <p:txBody>
+          <a:bodyPr/>
+          <a:lstStyle/>
+          <a:p>
+            <a:r>
+              <a:rPr lang="en-US" dirty="0"/>
+              <a:t>Database Pattern</a:t>
+            </a:r>
+          </a:p>
+        </p:txBody>
+      </p:sp>
+      <p:sp>
+        <p:nvSpPr>
+          <p:cNvPr id="3" name="Content Placeholder 2"/>
+          <p:cNvSpPr>
+            <a:spLocks noGrp="1"/>
+          </p:cNvSpPr>
+          <p:nvPr>
+            <p:ph idx="1"/>
+          </p:nvPr>
+        </p:nvSpPr>
+        <p:spPr/>
+        <p:txBody>
+          <a:bodyPr/>
+          <a:lstStyle/>
+          <a:p>
+            <a:r>
+              <a:rPr lang="en-US" b="1" dirty="0"/>
+              <a:t>Database per Service</a:t>
+            </a:r>
+          </a:p>
+          <a:p>
+            <a:r>
+              <a:rPr lang="en-US" b="1" dirty="0"/>
+              <a:t>Shared Database per Service</a:t>
+            </a:r>
+          </a:p>
+          <a:p>
+            <a:r>
+              <a:rPr lang="en-US" b="1" dirty="0"/>
+              <a:t>Command Query Responsibility Segregation (CQRS)</a:t>
+            </a:r>
+          </a:p>
+          <a:p>
+            <a:r>
+              <a:rPr lang="en-US" b="1" dirty="0"/>
+              <a:t>Saga Pattern</a:t>
+            </a:r>
+          </a:p>
+          <a:p>
+            <a:endParaRPr lang="en-US" dirty="0"/>
+          </a:p>
+        </p:txBody>
+      </p:sp>
+    </p:spTree>
+  </p:cSld>
+  <p:clrMapOvr>
+    <a:masterClrMapping/>
+  </p:clrMapOvr>
+</p:sld>
+</file>
+
+<file path=ppt/slides/slide23.xml><?xml version="1.0" encoding="utf-8"?>
+<p:sld xmlns:a="http://schemas.openxmlformats.org/drawingml/2006/main" xmlns:r="http://schemas.openxmlformats.org/officeDocument/2006/relationships" xmlns:p="http://schemas.openxmlformats.org/presentationml/2006/main">
+  <p:cSld>
+    <p:spTree>
+      <p:nvGrpSpPr>
+        <p:cNvPr id="1" name=""/>
+        <p:cNvGrpSpPr/>
+        <p:nvPr/>
+      </p:nvGrpSpPr>
+      <p:grpSpPr>
+        <a:xfrm>
+          <a:off x="0" y="0"/>
+          <a:ext cx="0" cy="0"/>
+          <a:chOff x="0" y="0"/>
+          <a:chExt cx="0" cy="0"/>
+        </a:xfrm>
+      </p:grpSpPr>
+      <p:sp>
+        <p:nvSpPr>
+          <p:cNvPr id="2" name="Title 1"/>
+          <p:cNvSpPr>
+            <a:spLocks noGrp="1"/>
+          </p:cNvSpPr>
+          <p:nvPr>
+            <p:ph type="title"/>
+          </p:nvPr>
+        </p:nvSpPr>
+        <p:spPr/>
+        <p:txBody>
+          <a:bodyPr>
+            <a:normAutofit fontScale="90000"/>
+          </a:bodyPr>
+          <a:lstStyle/>
+          <a:p>
+            <a:r>
+              <a:rPr lang="en-US" b="1" dirty="0"/>
+              <a:t>Database per Service</a:t>
+            </a:r>
+            <a:br>
+              <a:rPr lang="en-US" b="1" dirty="0"/>
+            </a:br>
+            <a:endParaRPr lang="en-US" dirty="0"/>
+          </a:p>
+        </p:txBody>
+      </p:sp>
+      <p:sp>
+        <p:nvSpPr>
+          <p:cNvPr id="3" name="Content Placeholder 2"/>
+          <p:cNvSpPr>
+            <a:spLocks noGrp="1"/>
+          </p:cNvSpPr>
+          <p:nvPr>
+            <p:ph idx="1"/>
+          </p:nvPr>
+        </p:nvSpPr>
+        <p:spPr/>
+        <p:txBody>
+          <a:bodyPr>
+            <a:normAutofit fontScale="47500" lnSpcReduction="20000"/>
+          </a:bodyPr>
+          <a:lstStyle/>
+          <a:p>
+            <a:pPr>
+              <a:buNone/>
+            </a:pPr>
+            <a:r>
+              <a:rPr lang="en-US" b="1" dirty="0"/>
+              <a:t>Problem</a:t>
+            </a:r>
+          </a:p>
+          <a:p>
+            <a:r>
+              <a:rPr lang="en-US" dirty="0"/>
+              <a:t>There is a problem of how to define database architecture for </a:t>
+            </a:r>
+            <a:r>
+              <a:rPr lang="en-US" dirty="0" err="1"/>
+              <a:t>microservices</a:t>
+            </a:r>
+            <a:r>
+              <a:rPr lang="en-US" dirty="0"/>
+              <a:t>. Following are the concerns to be addressed:</a:t>
+            </a:r>
+          </a:p>
+          <a:p>
+            <a:r>
+              <a:rPr lang="en-US" dirty="0"/>
+              <a:t>1. Services must be loosely coupled. They can be developed, deployed, and scaled independently.</a:t>
+            </a:r>
+          </a:p>
+          <a:p>
+            <a:r>
+              <a:rPr lang="en-US" dirty="0"/>
+              <a:t>2. Business transactions may enforce invariants that span multiple services.</a:t>
+            </a:r>
+          </a:p>
+          <a:p>
+            <a:r>
+              <a:rPr lang="en-US" dirty="0"/>
+              <a:t>3. Some business transactions need to query data that is owned by multiple services.</a:t>
+            </a:r>
+          </a:p>
+          <a:p>
+            <a:r>
+              <a:rPr lang="en-US" dirty="0"/>
+              <a:t>4. Databases must sometimes be replicated and </a:t>
+            </a:r>
+            <a:r>
+              <a:rPr lang="en-US" dirty="0" err="1"/>
+              <a:t>sharded</a:t>
+            </a:r>
+            <a:r>
+              <a:rPr lang="en-US" dirty="0"/>
+              <a:t> in order to scale.</a:t>
+            </a:r>
+          </a:p>
+          <a:p>
+            <a:r>
+              <a:rPr lang="en-US" dirty="0"/>
+              <a:t>5. Different services have different data storage requirements.</a:t>
+            </a:r>
+          </a:p>
+          <a:p>
+            <a:pPr>
+              <a:buNone/>
+            </a:pPr>
+            <a:endParaRPr lang="en-US" b="1" dirty="0"/>
+          </a:p>
+          <a:p>
+            <a:pPr>
+              <a:buNone/>
+            </a:pPr>
+            <a:r>
+              <a:rPr lang="en-US" b="1" dirty="0"/>
+              <a:t>Solution</a:t>
+            </a:r>
+          </a:p>
+          <a:p>
+            <a:r>
+              <a:rPr lang="en-US" dirty="0"/>
+              <a:t>To solve the above concerns, one database per </a:t>
+            </a:r>
+            <a:r>
+              <a:rPr lang="en-US" dirty="0" err="1"/>
+              <a:t>microservice</a:t>
+            </a:r>
+            <a:r>
+              <a:rPr lang="en-US" dirty="0"/>
+              <a:t> must be designed; it must be private to that service only. It should be accessed by the </a:t>
+            </a:r>
+            <a:r>
+              <a:rPr lang="en-US" dirty="0" err="1"/>
+              <a:t>microservice</a:t>
+            </a:r>
+            <a:r>
+              <a:rPr lang="en-US" dirty="0"/>
+              <a:t> API only. It cannot be accessed by other services directly. For example, for relational databases, we can use private-tables-per-service, schema-per-service, or database-server-per-service. Each </a:t>
+            </a:r>
+            <a:r>
+              <a:rPr lang="en-US" dirty="0" err="1"/>
+              <a:t>microservice</a:t>
+            </a:r>
+            <a:r>
+              <a:rPr lang="en-US" dirty="0"/>
+              <a:t> should have a separate database id so that separate access can be given to put up a barrier and prevent it from using other service tables.</a:t>
+            </a:r>
+          </a:p>
+          <a:p>
+            <a:endParaRPr lang="en-US" dirty="0"/>
+          </a:p>
+        </p:txBody>
+      </p:sp>
+    </p:spTree>
+  </p:cSld>
+  <p:clrMapOvr>
+    <a:masterClrMapping/>
+  </p:clrMapOvr>
+</p:sld>
+</file>
+
+<file path=ppt/slides/slide24.xml><?xml version="1.0" encoding="utf-8"?>
+<p:sld xmlns:a="http://schemas.openxmlformats.org/drawingml/2006/main" xmlns:r="http://schemas.openxmlformats.org/officeDocument/2006/relationships" xmlns:p="http://schemas.openxmlformats.org/presentationml/2006/main">
+  <p:cSld>
+    <p:spTree>
+      <p:nvGrpSpPr>
+        <p:cNvPr id="1" name=""/>
+        <p:cNvGrpSpPr/>
+        <p:nvPr/>
+      </p:nvGrpSpPr>
+      <p:grpSpPr>
+        <a:xfrm>
+          <a:off x="0" y="0"/>
+          <a:ext cx="0" cy="0"/>
+          <a:chOff x="0" y="0"/>
+          <a:chExt cx="0" cy="0"/>
+        </a:xfrm>
+      </p:grpSpPr>
+      <p:sp>
+        <p:nvSpPr>
+          <p:cNvPr id="2" name="Title 1"/>
+          <p:cNvSpPr>
+            <a:spLocks noGrp="1"/>
+          </p:cNvSpPr>
+          <p:nvPr>
+            <p:ph type="title"/>
+          </p:nvPr>
+        </p:nvSpPr>
+        <p:spPr/>
+        <p:txBody>
+          <a:bodyPr>
+            <a:normAutofit fontScale="90000"/>
+          </a:bodyPr>
+          <a:lstStyle/>
+          <a:p>
+            <a:r>
+              <a:rPr lang="en-US" b="1" dirty="0"/>
+              <a:t>Shared Database per Service</a:t>
+            </a:r>
+            <a:br>
+              <a:rPr lang="en-US" b="1" dirty="0"/>
+            </a:br>
+            <a:endParaRPr lang="en-US" dirty="0"/>
+          </a:p>
+        </p:txBody>
+      </p:sp>
+      <p:sp>
+        <p:nvSpPr>
+          <p:cNvPr id="3" name="Content Placeholder 2"/>
+          <p:cNvSpPr>
+            <a:spLocks noGrp="1"/>
+          </p:cNvSpPr>
+          <p:nvPr>
+            <p:ph idx="1"/>
+          </p:nvPr>
+        </p:nvSpPr>
+        <p:spPr/>
+        <p:txBody>
+          <a:bodyPr>
+            <a:normAutofit fontScale="70000" lnSpcReduction="20000"/>
+          </a:bodyPr>
+          <a:lstStyle/>
+          <a:p>
+            <a:pPr>
+              <a:buNone/>
+            </a:pPr>
+            <a:r>
+              <a:rPr lang="en-US" b="1" dirty="0"/>
+              <a:t>Problem</a:t>
+            </a:r>
+          </a:p>
+          <a:p>
+            <a:r>
+              <a:rPr lang="en-US" dirty="0"/>
+              <a:t>We have talked about one database per service being ideal for </a:t>
+            </a:r>
+            <a:r>
+              <a:rPr lang="en-US" dirty="0" err="1"/>
+              <a:t>microservices</a:t>
+            </a:r>
+            <a:r>
+              <a:rPr lang="en-US" dirty="0"/>
+              <a:t>, but that is possible when the application is </a:t>
+            </a:r>
+            <a:r>
+              <a:rPr lang="en-US" dirty="0" err="1"/>
+              <a:t>greenfield</a:t>
+            </a:r>
+            <a:r>
+              <a:rPr lang="en-US" dirty="0"/>
+              <a:t> and to be developed with DDD. But if the application is a monolith and trying to break into </a:t>
+            </a:r>
+            <a:r>
+              <a:rPr lang="en-US" dirty="0" err="1"/>
+              <a:t>microservices</a:t>
+            </a:r>
+            <a:r>
+              <a:rPr lang="en-US" dirty="0"/>
+              <a:t>, </a:t>
+            </a:r>
+            <a:r>
+              <a:rPr lang="en-US" dirty="0" err="1"/>
+              <a:t>denormalization</a:t>
+            </a:r>
+            <a:r>
+              <a:rPr lang="en-US" dirty="0"/>
+              <a:t> is not that easy. What is the suitable architecture in that case?</a:t>
+            </a:r>
+          </a:p>
+          <a:p>
+            <a:pPr>
+              <a:buNone/>
+            </a:pPr>
+            <a:r>
+              <a:rPr lang="en-US" b="1" dirty="0"/>
+              <a:t>Solution</a:t>
+            </a:r>
+          </a:p>
+          <a:p>
+            <a:r>
+              <a:rPr lang="en-US" dirty="0"/>
+              <a:t>A shared database per service is not ideal, but that is the working solution for the above scenario. Most people consider this an anti-pattern for </a:t>
+            </a:r>
+            <a:r>
+              <a:rPr lang="en-US" dirty="0" err="1"/>
+              <a:t>microservices</a:t>
+            </a:r>
+            <a:r>
+              <a:rPr lang="en-US" dirty="0"/>
+              <a:t>, but for </a:t>
+            </a:r>
+            <a:r>
+              <a:rPr lang="en-US" dirty="0" err="1"/>
+              <a:t>brownfield</a:t>
+            </a:r>
+            <a:r>
+              <a:rPr lang="en-US" dirty="0"/>
+              <a:t> applications, this is a good start to break the application into smaller logical pieces. This should not be applied for </a:t>
+            </a:r>
+            <a:r>
+              <a:rPr lang="en-US" dirty="0" err="1"/>
+              <a:t>greenfield</a:t>
+            </a:r>
+            <a:r>
+              <a:rPr lang="en-US" dirty="0"/>
+              <a:t> applications. In this pattern, one database can be aligned with more than one </a:t>
+            </a:r>
+            <a:r>
+              <a:rPr lang="en-US" dirty="0" err="1"/>
+              <a:t>microservice</a:t>
+            </a:r>
+            <a:r>
+              <a:rPr lang="en-US" dirty="0"/>
+              <a:t>, but it has to be restricted to 2-3 maximum, otherwise scaling, autonomy, and independence will be challenging to execute.</a:t>
+            </a:r>
+          </a:p>
+          <a:p>
+            <a:endParaRPr lang="en-US" dirty="0"/>
+          </a:p>
+        </p:txBody>
+      </p:sp>
+    </p:spTree>
+  </p:cSld>
+  <p:clrMapOvr>
+    <a:masterClrMapping/>
+  </p:clrMapOvr>
+</p:sld>
+</file>
+
+<file path=ppt/slides/slide25.xml><?xml version="1.0" encoding="utf-8"?>
+<p:sld xmlns:a="http://schemas.openxmlformats.org/drawingml/2006/main" xmlns:r="http://schemas.openxmlformats.org/officeDocument/2006/relationships" xmlns:p="http://schemas.openxmlformats.org/presentationml/2006/main">
+  <p:cSld>
+    <p:spTree>
+      <p:nvGrpSpPr>
+        <p:cNvPr id="1" name=""/>
+        <p:cNvGrpSpPr/>
+        <p:nvPr/>
+      </p:nvGrpSpPr>
+      <p:grpSpPr>
+        <a:xfrm>
+          <a:off x="0" y="0"/>
+          <a:ext cx="0" cy="0"/>
+          <a:chOff x="0" y="0"/>
+          <a:chExt cx="0" cy="0"/>
+        </a:xfrm>
+      </p:grpSpPr>
+      <p:sp>
+        <p:nvSpPr>
+          <p:cNvPr id="2" name="Title 1"/>
+          <p:cNvSpPr>
+            <a:spLocks noGrp="1"/>
+          </p:cNvSpPr>
+          <p:nvPr>
+            <p:ph type="title"/>
+          </p:nvPr>
+        </p:nvSpPr>
+        <p:spPr/>
+        <p:txBody>
+          <a:bodyPr>
+            <a:normAutofit fontScale="90000"/>
+          </a:bodyPr>
+          <a:lstStyle/>
+          <a:p>
+            <a:r>
+              <a:rPr lang="en-US" b="1" dirty="0"/>
+              <a:t>Command Query Responsibility Segregation (CQRS)</a:t>
+            </a:r>
+            <a:br>
+              <a:rPr lang="en-US" b="1" dirty="0"/>
+            </a:br>
+            <a:endParaRPr lang="en-US" dirty="0"/>
+          </a:p>
+        </p:txBody>
+      </p:sp>
+      <p:sp>
+        <p:nvSpPr>
+          <p:cNvPr id="3" name="Content Placeholder 2"/>
+          <p:cNvSpPr>
+            <a:spLocks noGrp="1"/>
+          </p:cNvSpPr>
+          <p:nvPr>
+            <p:ph idx="1"/>
+          </p:nvPr>
+        </p:nvSpPr>
+        <p:spPr/>
+        <p:txBody>
+          <a:bodyPr>
+            <a:normAutofit fontScale="70000" lnSpcReduction="20000"/>
+          </a:bodyPr>
+          <a:lstStyle/>
+          <a:p>
+            <a:pPr>
+              <a:buNone/>
+            </a:pPr>
+            <a:r>
+              <a:rPr lang="en-US" b="1" dirty="0"/>
+              <a:t>Problem</a:t>
+            </a:r>
+          </a:p>
+          <a:p>
+            <a:r>
+              <a:rPr lang="en-US" dirty="0"/>
+              <a:t>Once we implement database-per-service, there is a requirement to query, which requires joint data from multiple services — it's not possible. Then, how do we implement queries in </a:t>
+            </a:r>
+            <a:r>
+              <a:rPr lang="en-US" dirty="0" err="1"/>
+              <a:t>microservice</a:t>
+            </a:r>
+            <a:r>
+              <a:rPr lang="en-US" dirty="0"/>
+              <a:t> architecture?</a:t>
+            </a:r>
+          </a:p>
+          <a:p>
+            <a:pPr>
+              <a:buNone/>
+            </a:pPr>
+            <a:r>
+              <a:rPr lang="en-US" b="1" dirty="0"/>
+              <a:t>Solution</a:t>
+            </a:r>
+          </a:p>
+          <a:p>
+            <a:r>
+              <a:rPr lang="en-US" dirty="0"/>
+              <a:t>CQRS suggests splitting the application into two parts — the command side and the query side. The command side handles the Create, Update, and Delete requests. The query side handles the query part by using the materialized views. The </a:t>
+            </a:r>
+            <a:r>
+              <a:rPr lang="en-US" b="1" dirty="0"/>
+              <a:t>event sourcing pattern</a:t>
+            </a:r>
+            <a:r>
+              <a:rPr lang="en-US" dirty="0"/>
+              <a:t> is generally used along with it to create events for any data change. Materialized views are kept updated by subscribing to the stream of events.</a:t>
+            </a:r>
+          </a:p>
+          <a:p>
+            <a:endParaRPr lang="en-US" dirty="0"/>
+          </a:p>
+        </p:txBody>
+      </p:sp>
+    </p:spTree>
+  </p:cSld>
+  <p:clrMapOvr>
+    <a:masterClrMapping/>
+  </p:clrMapOvr>
+</p:sld>
+</file>
+
+<file path=ppt/slides/slide26.xml><?xml version="1.0" encoding="utf-8"?>
+<p:sld xmlns:a="http://schemas.openxmlformats.org/drawingml/2006/main" xmlns:r="http://schemas.openxmlformats.org/officeDocument/2006/relationships" xmlns:p="http://schemas.openxmlformats.org/presentationml/2006/main">
+  <p:cSld>
+    <p:spTree>
+      <p:nvGrpSpPr>
+        <p:cNvPr id="1" name=""/>
+        <p:cNvGrpSpPr/>
+        <p:nvPr/>
+      </p:nvGrpSpPr>
+      <p:grpSpPr>
+        <a:xfrm>
+          <a:off x="0" y="0"/>
+          <a:ext cx="0" cy="0"/>
+          <a:chOff x="0" y="0"/>
+          <a:chExt cx="0" cy="0"/>
+        </a:xfrm>
+      </p:grpSpPr>
+      <p:sp>
+        <p:nvSpPr>
+          <p:cNvPr id="2" name="Title 1"/>
+          <p:cNvSpPr>
+            <a:spLocks noGrp="1"/>
+          </p:cNvSpPr>
+          <p:nvPr>
+            <p:ph type="title"/>
+          </p:nvPr>
+        </p:nvSpPr>
+        <p:spPr/>
+        <p:txBody>
+          <a:bodyPr>
+            <a:normAutofit fontScale="90000"/>
+          </a:bodyPr>
+          <a:lstStyle/>
+          <a:p>
+            <a:r>
+              <a:rPr lang="en-US" b="1" dirty="0"/>
+              <a:t>Saga Pattern</a:t>
+            </a:r>
+            <a:br>
+              <a:rPr lang="en-US" b="1" dirty="0"/>
+            </a:br>
+            <a:endParaRPr lang="en-US" dirty="0"/>
+          </a:p>
+        </p:txBody>
+      </p:sp>
+      <p:sp>
+        <p:nvSpPr>
+          <p:cNvPr id="3" name="Content Placeholder 2"/>
+          <p:cNvSpPr>
+            <a:spLocks noGrp="1"/>
+          </p:cNvSpPr>
+          <p:nvPr>
+            <p:ph idx="1"/>
+          </p:nvPr>
+        </p:nvSpPr>
+        <p:spPr/>
+        <p:txBody>
+          <a:bodyPr>
+            <a:normAutofit fontScale="55000" lnSpcReduction="20000"/>
+          </a:bodyPr>
+          <a:lstStyle/>
+          <a:p>
+            <a:pPr>
+              <a:buNone/>
+            </a:pPr>
+            <a:r>
+              <a:rPr lang="en-US" b="1" dirty="0"/>
+              <a:t>Problem</a:t>
+            </a:r>
+          </a:p>
+          <a:p>
+            <a:r>
+              <a:rPr lang="en-US" dirty="0"/>
+              <a:t>When each service has its own database and a business transaction spans multiple services, how do we ensure data consistency across services? For example, for an e-commerce application where customers have a credit limit, the application must ensure that a new order will not exceed the customer’s credit limit. Since Orders and Customers are in different databases, the application cannot simply use a local ACID transaction.</a:t>
+            </a:r>
+          </a:p>
+          <a:p>
+            <a:pPr>
+              <a:buNone/>
+            </a:pPr>
+            <a:r>
+              <a:rPr lang="en-US" b="1" dirty="0"/>
+              <a:t>Solution</a:t>
+            </a:r>
+          </a:p>
+          <a:p>
+            <a:r>
+              <a:rPr lang="en-US" dirty="0"/>
+              <a:t>A Saga represents a high-level business process that consists of several sub requests, which each update data within a single service. Each request has a compensating request that is executed when the request fails. It can be implemented in two ways:</a:t>
+            </a:r>
+          </a:p>
+          <a:p>
+            <a:r>
+              <a:rPr lang="en-US" dirty="0"/>
+              <a:t>Choreography — When there is no central coordination, each service produces and listens to another service’s events and decides if an action should be taken or not.</a:t>
+            </a:r>
+          </a:p>
+          <a:p>
+            <a:r>
+              <a:rPr lang="en-US" dirty="0"/>
+              <a:t>Orchestration — An orchestrator (object) takes responsibility for a saga’s decision making and sequencing business logic.</a:t>
+            </a:r>
+          </a:p>
+          <a:p>
+            <a:endParaRPr lang="en-US" dirty="0"/>
+          </a:p>
+        </p:txBody>
+      </p:sp>
+    </p:spTree>
+  </p:cSld>
+  <p:clrMapOvr>
+    <a:masterClrMapping/>
+  </p:clrMapOvr>
+</p:sld>
+</file>
+
+<file path=ppt/slides/slide27.xml><?xml version="1.0" encoding="utf-8"?>
 <p:sld xmlns:a="http://schemas.openxmlformats.org/drawingml/2006/main" xmlns:r="http://schemas.openxmlformats.org/officeDocument/2006/relationships" xmlns:p="http://schemas.openxmlformats.org/presentationml/2006/main">
   <p:cSld>
     <p:spTree>
@@ -6515,111 +9760,7 @@
 </p:sld>
 </file>
 
-<file path=ppt/slides/slide2.xml><?xml version="1.0" encoding="utf-8"?>
-<p:sld xmlns:a="http://schemas.openxmlformats.org/drawingml/2006/main" xmlns:r="http://schemas.openxmlformats.org/officeDocument/2006/relationships" xmlns:p="http://schemas.openxmlformats.org/presentationml/2006/main">
-  <p:cSld>
-    <p:spTree>
-      <p:nvGrpSpPr>
-        <p:cNvPr id="1" name=""/>
-        <p:cNvGrpSpPr/>
-        <p:nvPr/>
-      </p:nvGrpSpPr>
-      <p:grpSpPr>
-        <a:xfrm>
-          <a:off x="0" y="0"/>
-          <a:ext cx="0" cy="0"/>
-          <a:chOff x="0" y="0"/>
-          <a:chExt cx="0" cy="0"/>
-        </a:xfrm>
-      </p:grpSpPr>
-      <p:sp>
-        <p:nvSpPr>
-          <p:cNvPr id="2" name="Title 1"/>
-          <p:cNvSpPr>
-            <a:spLocks noGrp="1"/>
-          </p:cNvSpPr>
-          <p:nvPr>
-            <p:ph type="title"/>
-          </p:nvPr>
-        </p:nvSpPr>
-        <p:spPr/>
-        <p:txBody>
-          <a:bodyPr/>
-          <a:lstStyle/>
-          <a:p>
-            <a:r>
-              <a:rPr lang="en-US" dirty="0" err="1"/>
-              <a:t>Microservices</a:t>
-            </a:r>
-            <a:endParaRPr lang="en-US" dirty="0"/>
-          </a:p>
-        </p:txBody>
-      </p:sp>
-      <p:sp>
-        <p:nvSpPr>
-          <p:cNvPr id="3" name="Content Placeholder 2"/>
-          <p:cNvSpPr>
-            <a:spLocks noGrp="1"/>
-          </p:cNvSpPr>
-          <p:nvPr>
-            <p:ph idx="1"/>
-          </p:nvPr>
-        </p:nvSpPr>
-        <p:spPr/>
-        <p:txBody>
-          <a:bodyPr>
-            <a:normAutofit/>
-          </a:bodyPr>
-          <a:lstStyle/>
-          <a:p>
-            <a:pPr marL="0">
-              <a:buNone/>
-            </a:pPr>
-            <a:r>
-              <a:rPr lang="en-US" sz="2800" dirty="0"/>
-              <a:t>An architectural style that structures an application as a collection of small autonomous services, modeled around a business domain. </a:t>
-            </a:r>
-          </a:p>
-          <a:p>
-            <a:pPr marL="0">
-              <a:buNone/>
-            </a:pPr>
-            <a:endParaRPr lang="en-US" sz="2800" dirty="0"/>
-          </a:p>
-          <a:p>
-            <a:pPr marL="0">
-              <a:buNone/>
-            </a:pPr>
-            <a:r>
-              <a:rPr lang="en-US" sz="2800" dirty="0"/>
-              <a:t>In a </a:t>
-            </a:r>
-            <a:r>
-              <a:rPr lang="en-US" sz="2800" dirty="0" err="1"/>
-              <a:t>Microservice</a:t>
-            </a:r>
-            <a:r>
-              <a:rPr lang="en-US" sz="2800" dirty="0"/>
-              <a:t> Architecture, each service is self-contained and implements a single business capability.</a:t>
-            </a:r>
-          </a:p>
-          <a:p>
-            <a:pPr>
-              <a:buNone/>
-            </a:pPr>
-            <a:endParaRPr lang="en-US" sz="2800" dirty="0"/>
-          </a:p>
-        </p:txBody>
-      </p:sp>
-    </p:spTree>
-  </p:cSld>
-  <p:clrMapOvr>
-    <a:masterClrMapping/>
-  </p:clrMapOvr>
-</p:sld>
-</file>
-
-<file path=ppt/slides/slide20.xml><?xml version="1.0" encoding="utf-8"?>
+<file path=ppt/slides/slide28.xml><?xml version="1.0" encoding="utf-8"?>
 <p:sld xmlns:a="http://schemas.openxmlformats.org/drawingml/2006/main" xmlns:r="http://schemas.openxmlformats.org/officeDocument/2006/relationships" xmlns:p="http://schemas.openxmlformats.org/presentationml/2006/main">
   <p:cSld>
     <p:spTree>
@@ -6806,7 +9947,7 @@
 </p:sld>
 </file>
 
-<file path=ppt/slides/slide21.xml><?xml version="1.0" encoding="utf-8"?>
+<file path=ppt/slides/slide29.xml><?xml version="1.0" encoding="utf-8"?>
 <p:sld xmlns:a="http://schemas.openxmlformats.org/drawingml/2006/main" xmlns:r="http://schemas.openxmlformats.org/officeDocument/2006/relationships" xmlns:p="http://schemas.openxmlformats.org/presentationml/2006/main">
   <p:cSld>
     <p:spTree>
@@ -6958,7 +10099,7 @@
 </p:sld>
 </file>
 
-<file path=ppt/slides/slide22.xml><?xml version="1.0" encoding="utf-8"?>
+<file path=ppt/slides/slide3.xml><?xml version="1.0" encoding="utf-8"?>
 <p:sld xmlns:a="http://schemas.openxmlformats.org/drawingml/2006/main" xmlns:r="http://schemas.openxmlformats.org/officeDocument/2006/relationships" xmlns:p="http://schemas.openxmlformats.org/presentationml/2006/main">
   <p:cSld>
     <p:spTree>
@@ -6977,13 +10118,7 @@
       </p:grpSpPr>
       <p:sp>
         <p:nvSpPr>
-          <p:cNvPr id="2" name="Title 1">
-            <a:extLst>
-              <a:ext uri="{FF2B5EF4-FFF2-40B4-BE49-F238E27FC236}">
-                <a16:creationId xmlns:a16="http://schemas.microsoft.com/office/drawing/2014/main" id="{C2DE69A1-6B95-DB98-A969-AAD5B6DA7D09}"/>
-              </a:ext>
-            </a:extLst>
-          </p:cNvPr>
+          <p:cNvPr id="2" name="Title 1"/>
           <p:cNvSpPr>
             <a:spLocks noGrp="1"/>
           </p:cNvSpPr>
@@ -6993,25 +10128,29 @@
         </p:nvSpPr>
         <p:spPr/>
         <p:txBody>
-          <a:bodyPr/>
-          <a:lstStyle/>
-          <a:p>
-            <a:r>
-              <a:rPr lang="en-IN" dirty="0"/>
-              <a:t>Saga Architecture Pattern</a:t>
-            </a:r>
-          </a:p>
-        </p:txBody>
-      </p:sp>
-      <p:sp>
-        <p:nvSpPr>
-          <p:cNvPr id="3" name="Content Placeholder 2">
-            <a:extLst>
-              <a:ext uri="{FF2B5EF4-FFF2-40B4-BE49-F238E27FC236}">
-                <a16:creationId xmlns:a16="http://schemas.microsoft.com/office/drawing/2014/main" id="{D0CA7738-1513-76FC-60A1-F64A1999E15B}"/>
-              </a:ext>
-            </a:extLst>
-          </p:cNvPr>
+          <a:bodyPr>
+            <a:normAutofit fontScale="90000"/>
+          </a:bodyPr>
+          <a:lstStyle/>
+          <a:p>
+            <a:r>
+              <a:rPr lang="en-US" dirty="0"/>
+              <a:t>Principles Used to Design </a:t>
+            </a:r>
+            <a:r>
+              <a:rPr lang="en-US" dirty="0" err="1"/>
+              <a:t>Microservice</a:t>
+            </a:r>
+            <a:r>
+              <a:rPr lang="en-US" dirty="0"/>
+              <a:t> Architecture</a:t>
+            </a:r>
+          </a:p>
+        </p:txBody>
+      </p:sp>
+      <p:sp>
+        <p:nvSpPr>
+          <p:cNvPr id="3" name="Content Placeholder 2"/>
           <p:cNvSpPr>
             <a:spLocks noGrp="1"/>
           </p:cNvSpPr>
@@ -7019,81 +10158,100 @@
             <p:ph idx="1"/>
           </p:nvPr>
         </p:nvSpPr>
-        <p:spPr>
-          <a:xfrm>
-            <a:off x="509587" y="1450107"/>
-            <a:ext cx="8229600" cy="4525963"/>
-          </a:xfrm>
-        </p:spPr>
+        <p:spPr/>
         <p:txBody>
           <a:bodyPr>
-            <a:normAutofit/>
+            <a:normAutofit fontScale="77500" lnSpcReduction="20000"/>
           </a:bodyPr>
           <a:lstStyle/>
           <a:p>
             <a:r>
-              <a:rPr lang="en-US" sz="2000" b="1" i="0" dirty="0">
-                <a:solidFill>
-                  <a:srgbClr val="292929"/>
-                </a:solidFill>
-                <a:effectLst/>
-              </a:rPr>
-              <a:t>This pattern manages transactions through a series of local transactions.</a:t>
-            </a:r>
-          </a:p>
-          <a:p>
-            <a:r>
-              <a:rPr lang="en-US" sz="2000" b="1" i="0" dirty="0">
-                <a:solidFill>
-                  <a:srgbClr val="292929"/>
-                </a:solidFill>
-                <a:effectLst/>
-              </a:rPr>
-              <a:t>After successfully completing the previous phase, the Saga Pattern triggers the next step with the incoming request. </a:t>
-            </a:r>
-          </a:p>
-          <a:p>
-            <a:r>
-              <a:rPr lang="en-US" sz="2000" b="1" i="0" dirty="0">
-                <a:solidFill>
-                  <a:srgbClr val="292929"/>
-                </a:solidFill>
-                <a:effectLst/>
-              </a:rPr>
-              <a:t>A Saga participant’s work is represented by a local transaction. </a:t>
-            </a:r>
-          </a:p>
-          <a:p>
-            <a:r>
-              <a:rPr lang="en-US" sz="2000" b="1" i="0" dirty="0">
-                <a:solidFill>
-                  <a:srgbClr val="292929"/>
-                </a:solidFill>
-                <a:effectLst/>
-              </a:rPr>
-              <a:t>Every operation in the Saga can be reversed by a compensatory transaction.</a:t>
-            </a:r>
-          </a:p>
-          <a:p>
-            <a:r>
-              <a:rPr lang="en-US" sz="2000" b="1" i="0" dirty="0">
-                <a:solidFill>
-                  <a:srgbClr val="292929"/>
-                </a:solidFill>
-                <a:effectLst/>
-              </a:rPr>
-              <a:t> A compensatory transaction must be reversible and idempotent. </a:t>
-            </a:r>
-            <a:endParaRPr lang="en-IN" sz="2000" dirty="0"/>
+              <a:rPr lang="en-US" dirty="0"/>
+              <a:t>The principles used to design </a:t>
+            </a:r>
+            <a:r>
+              <a:rPr lang="en-US" dirty="0" err="1"/>
+              <a:t>Microservices</a:t>
+            </a:r>
+            <a:r>
+              <a:rPr lang="en-US" dirty="0"/>
+              <a:t> are as follows:</a:t>
+            </a:r>
+          </a:p>
+          <a:p>
+            <a:r>
+              <a:rPr lang="en-US" dirty="0"/>
+              <a:t>Independent &amp; Autonomous Services</a:t>
+            </a:r>
+          </a:p>
+          <a:p>
+            <a:r>
+              <a:rPr lang="en-US" dirty="0"/>
+              <a:t>Scalability</a:t>
+            </a:r>
+          </a:p>
+          <a:p>
+            <a:r>
+              <a:rPr lang="en-US" dirty="0"/>
+              <a:t>Decentralization</a:t>
+            </a:r>
+          </a:p>
+          <a:p>
+            <a:r>
+              <a:rPr lang="en-US" dirty="0"/>
+              <a:t>Resilient Services</a:t>
+            </a:r>
+          </a:p>
+          <a:p>
+            <a:r>
+              <a:rPr lang="en-US" dirty="0"/>
+              <a:t>Real-Time Load Balancing</a:t>
+            </a:r>
+          </a:p>
+          <a:p>
+            <a:r>
+              <a:rPr lang="en-US" dirty="0"/>
+              <a:t>Availability</a:t>
+            </a:r>
+          </a:p>
+          <a:p>
+            <a:r>
+              <a:rPr lang="en-US" dirty="0"/>
+              <a:t>Continuous delivery through </a:t>
+            </a:r>
+            <a:r>
+              <a:rPr lang="en-US" dirty="0" err="1"/>
+              <a:t>DevOps</a:t>
+            </a:r>
+            <a:r>
+              <a:rPr lang="en-US" dirty="0"/>
+              <a:t> Integration</a:t>
+            </a:r>
+          </a:p>
+          <a:p>
+            <a:r>
+              <a:rPr lang="en-US" dirty="0"/>
+              <a:t>Seamless API Integration and Continuous Monitoring</a:t>
+            </a:r>
+          </a:p>
+          <a:p>
+            <a:r>
+              <a:rPr lang="en-US" dirty="0"/>
+              <a:t>Isolation from Failures</a:t>
+            </a:r>
+          </a:p>
+          <a:p>
+            <a:r>
+              <a:rPr lang="en-US" dirty="0"/>
+              <a:t>Auto -Provisioning</a:t>
+            </a:r>
+          </a:p>
+          <a:p>
+            <a:endParaRPr lang="en-US" dirty="0"/>
           </a:p>
         </p:txBody>
       </p:sp>
     </p:spTree>
-    <p:extLst>
-      <p:ext uri="{BB962C8B-B14F-4D97-AF65-F5344CB8AC3E}">
-        <p14:creationId xmlns:p14="http://schemas.microsoft.com/office/powerpoint/2010/main" val="3482156940"/>
-      </p:ext>
-    </p:extLst>
   </p:cSld>
   <p:clrMapOvr>
     <a:masterClrMapping/>
@@ -7101,7 +10259,7 @@
 </p:sld>
 </file>
 
-<file path=ppt/slides/slide23.xml><?xml version="1.0" encoding="utf-8"?>
+<file path=ppt/slides/slide30.xml><?xml version="1.0" encoding="utf-8"?>
 <p:sld xmlns:a="http://schemas.openxmlformats.org/drawingml/2006/main" xmlns:r="http://schemas.openxmlformats.org/officeDocument/2006/relationships" xmlns:p="http://schemas.openxmlformats.org/presentationml/2006/main">
   <p:cSld>
     <p:spTree>
@@ -7174,6 +10332,149 @@
           </a:bodyPr>
           <a:lstStyle/>
           <a:p>
+            <a:r>
+              <a:rPr lang="en-US" sz="2000" b="1" i="0" dirty="0">
+                <a:solidFill>
+                  <a:srgbClr val="292929"/>
+                </a:solidFill>
+                <a:effectLst/>
+              </a:rPr>
+              <a:t>This pattern manages transactions through a series of local transactions.</a:t>
+            </a:r>
+          </a:p>
+          <a:p>
+            <a:r>
+              <a:rPr lang="en-US" sz="2000" b="1" i="0" dirty="0">
+                <a:solidFill>
+                  <a:srgbClr val="292929"/>
+                </a:solidFill>
+                <a:effectLst/>
+              </a:rPr>
+              <a:t>After successfully completing the previous phase, the Saga Pattern triggers the next step with the incoming request. </a:t>
+            </a:r>
+          </a:p>
+          <a:p>
+            <a:r>
+              <a:rPr lang="en-US" sz="2000" b="1" i="0" dirty="0">
+                <a:solidFill>
+                  <a:srgbClr val="292929"/>
+                </a:solidFill>
+                <a:effectLst/>
+              </a:rPr>
+              <a:t>A Saga participant’s work is represented by a local transaction. </a:t>
+            </a:r>
+          </a:p>
+          <a:p>
+            <a:r>
+              <a:rPr lang="en-US" sz="2000" b="1" i="0" dirty="0">
+                <a:solidFill>
+                  <a:srgbClr val="292929"/>
+                </a:solidFill>
+                <a:effectLst/>
+              </a:rPr>
+              <a:t>Every operation in the Saga can be reversed by a compensatory transaction.</a:t>
+            </a:r>
+          </a:p>
+          <a:p>
+            <a:r>
+              <a:rPr lang="en-US" sz="2000" b="1" i="0" dirty="0">
+                <a:solidFill>
+                  <a:srgbClr val="292929"/>
+                </a:solidFill>
+                <a:effectLst/>
+              </a:rPr>
+              <a:t> A compensatory transaction must be reversible and idempotent. </a:t>
+            </a:r>
+            <a:endParaRPr lang="en-IN" sz="2000" dirty="0"/>
+          </a:p>
+        </p:txBody>
+      </p:sp>
+    </p:spTree>
+    <p:extLst>
+      <p:ext uri="{BB962C8B-B14F-4D97-AF65-F5344CB8AC3E}">
+        <p14:creationId xmlns:p14="http://schemas.microsoft.com/office/powerpoint/2010/main" val="3482156940"/>
+      </p:ext>
+    </p:extLst>
+  </p:cSld>
+  <p:clrMapOvr>
+    <a:masterClrMapping/>
+  </p:clrMapOvr>
+</p:sld>
+</file>
+
+<file path=ppt/slides/slide31.xml><?xml version="1.0" encoding="utf-8"?>
+<p:sld xmlns:a="http://schemas.openxmlformats.org/drawingml/2006/main" xmlns:r="http://schemas.openxmlformats.org/officeDocument/2006/relationships" xmlns:p="http://schemas.openxmlformats.org/presentationml/2006/main">
+  <p:cSld>
+    <p:spTree>
+      <p:nvGrpSpPr>
+        <p:cNvPr id="1" name=""/>
+        <p:cNvGrpSpPr/>
+        <p:nvPr/>
+      </p:nvGrpSpPr>
+      <p:grpSpPr>
+        <a:xfrm>
+          <a:off x="0" y="0"/>
+          <a:ext cx="0" cy="0"/>
+          <a:chOff x="0" y="0"/>
+          <a:chExt cx="0" cy="0"/>
+        </a:xfrm>
+      </p:grpSpPr>
+      <p:sp>
+        <p:nvSpPr>
+          <p:cNvPr id="2" name="Title 1">
+            <a:extLst>
+              <a:ext uri="{FF2B5EF4-FFF2-40B4-BE49-F238E27FC236}">
+                <a16:creationId xmlns:a16="http://schemas.microsoft.com/office/drawing/2014/main" id="{C2DE69A1-6B95-DB98-A969-AAD5B6DA7D09}"/>
+              </a:ext>
+            </a:extLst>
+          </p:cNvPr>
+          <p:cNvSpPr>
+            <a:spLocks noGrp="1"/>
+          </p:cNvSpPr>
+          <p:nvPr>
+            <p:ph type="title"/>
+          </p:nvPr>
+        </p:nvSpPr>
+        <p:spPr/>
+        <p:txBody>
+          <a:bodyPr/>
+          <a:lstStyle/>
+          <a:p>
+            <a:r>
+              <a:rPr lang="en-IN" dirty="0"/>
+              <a:t>Saga Architecture Pattern</a:t>
+            </a:r>
+          </a:p>
+        </p:txBody>
+      </p:sp>
+      <p:sp>
+        <p:nvSpPr>
+          <p:cNvPr id="3" name="Content Placeholder 2">
+            <a:extLst>
+              <a:ext uri="{FF2B5EF4-FFF2-40B4-BE49-F238E27FC236}">
+                <a16:creationId xmlns:a16="http://schemas.microsoft.com/office/drawing/2014/main" id="{D0CA7738-1513-76FC-60A1-F64A1999E15B}"/>
+              </a:ext>
+            </a:extLst>
+          </p:cNvPr>
+          <p:cNvSpPr>
+            <a:spLocks noGrp="1"/>
+          </p:cNvSpPr>
+          <p:nvPr>
+            <p:ph idx="1"/>
+          </p:nvPr>
+        </p:nvSpPr>
+        <p:spPr>
+          <a:xfrm>
+            <a:off x="509587" y="1450107"/>
+            <a:ext cx="8229600" cy="4525963"/>
+          </a:xfrm>
+        </p:spPr>
+        <p:txBody>
+          <a:bodyPr>
+            <a:normAutofit/>
+          </a:bodyPr>
+          <a:lstStyle/>
+          <a:p>
             <a:pPr marL="0" indent="0">
               <a:buNone/>
             </a:pPr>
@@ -7226,7 +10527,7 @@
 </p:sld>
 </file>
 
-<file path=ppt/slides/slide24.xml><?xml version="1.0" encoding="utf-8"?>
+<file path=ppt/slides/slide32.xml><?xml version="1.0" encoding="utf-8"?>
 <p:sld xmlns:a="http://schemas.openxmlformats.org/drawingml/2006/main" xmlns:r="http://schemas.openxmlformats.org/officeDocument/2006/relationships" xmlns:p="http://schemas.openxmlformats.org/presentationml/2006/main">
   <p:cSld>
     <p:spTree>
@@ -7415,7 +10716,7 @@
 </p:sld>
 </file>
 
-<file path=ppt/slides/slide25.xml><?xml version="1.0" encoding="utf-8"?>
+<file path=ppt/slides/slide33.xml><?xml version="1.0" encoding="utf-8"?>
 <p:sld xmlns:a="http://schemas.openxmlformats.org/drawingml/2006/main" xmlns:r="http://schemas.openxmlformats.org/officeDocument/2006/relationships" xmlns:p="http://schemas.openxmlformats.org/presentationml/2006/main">
   <p:cSld>
     <p:spTree>
@@ -7663,7 +10964,7 @@
 </p:sld>
 </file>
 
-<file path=ppt/slides/slide26.xml><?xml version="1.0" encoding="utf-8"?>
+<file path=ppt/slides/slide34.xml><?xml version="1.0" encoding="utf-8"?>
 <p:sld xmlns:a="http://schemas.openxmlformats.org/drawingml/2006/main" xmlns:r="http://schemas.openxmlformats.org/officeDocument/2006/relationships" xmlns:p="http://schemas.openxmlformats.org/presentationml/2006/main">
   <p:cSld>
     <p:spTree>
@@ -7850,7 +11151,7 @@
 </p:sld>
 </file>
 
-<file path=ppt/slides/slide27.xml><?xml version="1.0" encoding="utf-8"?>
+<file path=ppt/slides/slide35.xml><?xml version="1.0" encoding="utf-8"?>
 <p:sld xmlns:a="http://schemas.openxmlformats.org/drawingml/2006/main" xmlns:r="http://schemas.openxmlformats.org/officeDocument/2006/relationships" xmlns:p="http://schemas.openxmlformats.org/presentationml/2006/main">
   <p:cSld>
     <p:spTree>
@@ -8101,7 +11402,7 @@
 </p:sld>
 </file>
 
-<file path=ppt/slides/slide28.xml><?xml version="1.0" encoding="utf-8"?>
+<file path=ppt/slides/slide36.xml><?xml version="1.0" encoding="utf-8"?>
 <p:sld xmlns:a="http://schemas.openxmlformats.org/drawingml/2006/main" xmlns:r="http://schemas.openxmlformats.org/officeDocument/2006/relationships" xmlns:p="http://schemas.openxmlformats.org/presentationml/2006/main">
   <p:cSld>
     <p:spTree>
@@ -8274,7 +11575,7 @@
 </p:sld>
 </file>
 
-<file path=ppt/slides/slide29.xml><?xml version="1.0" encoding="utf-8"?>
+<file path=ppt/slides/slide37.xml><?xml version="1.0" encoding="utf-8"?>
 <p:sld xmlns:a="http://schemas.openxmlformats.org/drawingml/2006/main" xmlns:r="http://schemas.openxmlformats.org/officeDocument/2006/relationships" xmlns:p="http://schemas.openxmlformats.org/presentationml/2006/main">
   <p:cSld>
     <p:spTree>
@@ -8480,1163 +11781,6 @@
 </p:sld>
 </file>
 
-<file path=ppt/slides/slide3.xml><?xml version="1.0" encoding="utf-8"?>
-<p:sld xmlns:a="http://schemas.openxmlformats.org/drawingml/2006/main" xmlns:r="http://schemas.openxmlformats.org/officeDocument/2006/relationships" xmlns:p="http://schemas.openxmlformats.org/presentationml/2006/main">
-  <p:cSld>
-    <p:spTree>
-      <p:nvGrpSpPr>
-        <p:cNvPr id="1" name=""/>
-        <p:cNvGrpSpPr/>
-        <p:nvPr/>
-      </p:nvGrpSpPr>
-      <p:grpSpPr>
-        <a:xfrm>
-          <a:off x="0" y="0"/>
-          <a:ext cx="0" cy="0"/>
-          <a:chOff x="0" y="0"/>
-          <a:chExt cx="0" cy="0"/>
-        </a:xfrm>
-      </p:grpSpPr>
-      <p:sp>
-        <p:nvSpPr>
-          <p:cNvPr id="2" name="Title 1"/>
-          <p:cNvSpPr>
-            <a:spLocks noGrp="1"/>
-          </p:cNvSpPr>
-          <p:nvPr>
-            <p:ph type="title"/>
-          </p:nvPr>
-        </p:nvSpPr>
-        <p:spPr/>
-        <p:txBody>
-          <a:bodyPr>
-            <a:normAutofit fontScale="90000"/>
-          </a:bodyPr>
-          <a:lstStyle/>
-          <a:p>
-            <a:r>
-              <a:rPr lang="en-US" dirty="0"/>
-              <a:t>Principles Used to Design </a:t>
-            </a:r>
-            <a:r>
-              <a:rPr lang="en-US" dirty="0" err="1"/>
-              <a:t>Microservice</a:t>
-            </a:r>
-            <a:r>
-              <a:rPr lang="en-US" dirty="0"/>
-              <a:t> Architecture</a:t>
-            </a:r>
-          </a:p>
-        </p:txBody>
-      </p:sp>
-      <p:sp>
-        <p:nvSpPr>
-          <p:cNvPr id="3" name="Content Placeholder 2"/>
-          <p:cNvSpPr>
-            <a:spLocks noGrp="1"/>
-          </p:cNvSpPr>
-          <p:nvPr>
-            <p:ph idx="1"/>
-          </p:nvPr>
-        </p:nvSpPr>
-        <p:spPr/>
-        <p:txBody>
-          <a:bodyPr>
-            <a:normAutofit fontScale="77500" lnSpcReduction="20000"/>
-          </a:bodyPr>
-          <a:lstStyle/>
-          <a:p>
-            <a:r>
-              <a:rPr lang="en-US" dirty="0"/>
-              <a:t>The principles used to design </a:t>
-            </a:r>
-            <a:r>
-              <a:rPr lang="en-US" dirty="0" err="1"/>
-              <a:t>Microservices</a:t>
-            </a:r>
-            <a:r>
-              <a:rPr lang="en-US" dirty="0"/>
-              <a:t> are as follows:</a:t>
-            </a:r>
-          </a:p>
-          <a:p>
-            <a:r>
-              <a:rPr lang="en-US" dirty="0"/>
-              <a:t>Independent &amp; Autonomous Services</a:t>
-            </a:r>
-          </a:p>
-          <a:p>
-            <a:r>
-              <a:rPr lang="en-US" dirty="0"/>
-              <a:t>Scalability</a:t>
-            </a:r>
-          </a:p>
-          <a:p>
-            <a:r>
-              <a:rPr lang="en-US" dirty="0"/>
-              <a:t>Decentralization</a:t>
-            </a:r>
-          </a:p>
-          <a:p>
-            <a:r>
-              <a:rPr lang="en-US" dirty="0"/>
-              <a:t>Resilient Services</a:t>
-            </a:r>
-          </a:p>
-          <a:p>
-            <a:r>
-              <a:rPr lang="en-US" dirty="0"/>
-              <a:t>Real-Time Load Balancing</a:t>
-            </a:r>
-          </a:p>
-          <a:p>
-            <a:r>
-              <a:rPr lang="en-US" dirty="0"/>
-              <a:t>Availability</a:t>
-            </a:r>
-          </a:p>
-          <a:p>
-            <a:r>
-              <a:rPr lang="en-US" dirty="0"/>
-              <a:t>Continuous delivery through </a:t>
-            </a:r>
-            <a:r>
-              <a:rPr lang="en-US" dirty="0" err="1"/>
-              <a:t>DevOps</a:t>
-            </a:r>
-            <a:r>
-              <a:rPr lang="en-US" dirty="0"/>
-              <a:t> Integration</a:t>
-            </a:r>
-          </a:p>
-          <a:p>
-            <a:r>
-              <a:rPr lang="en-US" dirty="0"/>
-              <a:t>Seamless API Integration and Continuous Monitoring</a:t>
-            </a:r>
-          </a:p>
-          <a:p>
-            <a:r>
-              <a:rPr lang="en-US" dirty="0"/>
-              <a:t>Isolation from Failures</a:t>
-            </a:r>
-          </a:p>
-          <a:p>
-            <a:r>
-              <a:rPr lang="en-US" dirty="0"/>
-              <a:t>Auto -Provisioning</a:t>
-            </a:r>
-          </a:p>
-          <a:p>
-            <a:endParaRPr lang="en-US" dirty="0"/>
-          </a:p>
-        </p:txBody>
-      </p:sp>
-    </p:spTree>
-  </p:cSld>
-  <p:clrMapOvr>
-    <a:masterClrMapping/>
-  </p:clrMapOvr>
-</p:sld>
-</file>
-
-<file path=ppt/slides/slide30.xml><?xml version="1.0" encoding="utf-8"?>
-<p:sld xmlns:a="http://schemas.openxmlformats.org/drawingml/2006/main" xmlns:r="http://schemas.openxmlformats.org/officeDocument/2006/relationships" xmlns:p="http://schemas.openxmlformats.org/presentationml/2006/main">
-  <p:cSld>
-    <p:spTree>
-      <p:nvGrpSpPr>
-        <p:cNvPr id="1" name=""/>
-        <p:cNvGrpSpPr/>
-        <p:nvPr/>
-      </p:nvGrpSpPr>
-      <p:grpSpPr>
-        <a:xfrm>
-          <a:off x="0" y="0"/>
-          <a:ext cx="0" cy="0"/>
-          <a:chOff x="0" y="0"/>
-          <a:chExt cx="0" cy="0"/>
-        </a:xfrm>
-      </p:grpSpPr>
-      <p:sp>
-        <p:nvSpPr>
-          <p:cNvPr id="2" name="Title 1"/>
-          <p:cNvSpPr>
-            <a:spLocks noGrp="1"/>
-          </p:cNvSpPr>
-          <p:nvPr>
-            <p:ph type="title"/>
-          </p:nvPr>
-        </p:nvSpPr>
-        <p:spPr/>
-        <p:txBody>
-          <a:bodyPr>
-            <a:normAutofit fontScale="90000"/>
-          </a:bodyPr>
-          <a:lstStyle/>
-          <a:p>
-            <a:r>
-              <a:rPr lang="en-US" b="1" dirty="0"/>
-              <a:t>Observability Patterns</a:t>
-            </a:r>
-            <a:br>
-              <a:rPr lang="en-US" b="1" dirty="0"/>
-            </a:br>
-            <a:endParaRPr lang="en-US" dirty="0"/>
-          </a:p>
-        </p:txBody>
-      </p:sp>
-      <p:sp>
-        <p:nvSpPr>
-          <p:cNvPr id="3" name="Content Placeholder 2"/>
-          <p:cNvSpPr>
-            <a:spLocks noGrp="1"/>
-          </p:cNvSpPr>
-          <p:nvPr>
-            <p:ph idx="1"/>
-          </p:nvPr>
-        </p:nvSpPr>
-        <p:spPr/>
-        <p:txBody>
-          <a:bodyPr/>
-          <a:lstStyle/>
-          <a:p>
-            <a:r>
-              <a:rPr lang="en-US" b="1" dirty="0"/>
-              <a:t>Log Aggregation</a:t>
-            </a:r>
-          </a:p>
-          <a:p>
-            <a:r>
-              <a:rPr lang="en-US" b="1" dirty="0"/>
-              <a:t>Performance Metrics</a:t>
-            </a:r>
-          </a:p>
-          <a:p>
-            <a:r>
-              <a:rPr lang="en-US" b="1" dirty="0"/>
-              <a:t>Distributed Tracing</a:t>
-            </a:r>
-          </a:p>
-          <a:p>
-            <a:r>
-              <a:rPr lang="en-US" b="1" dirty="0"/>
-              <a:t>Health Check</a:t>
-            </a:r>
-          </a:p>
-          <a:p>
-            <a:endParaRPr lang="en-US" dirty="0"/>
-          </a:p>
-        </p:txBody>
-      </p:sp>
-    </p:spTree>
-  </p:cSld>
-  <p:clrMapOvr>
-    <a:masterClrMapping/>
-  </p:clrMapOvr>
-</p:sld>
-</file>
-
-<file path=ppt/slides/slide31.xml><?xml version="1.0" encoding="utf-8"?>
-<p:sld xmlns:a="http://schemas.openxmlformats.org/drawingml/2006/main" xmlns:r="http://schemas.openxmlformats.org/officeDocument/2006/relationships" xmlns:p="http://schemas.openxmlformats.org/presentationml/2006/main">
-  <p:cSld>
-    <p:spTree>
-      <p:nvGrpSpPr>
-        <p:cNvPr id="1" name=""/>
-        <p:cNvGrpSpPr/>
-        <p:nvPr/>
-      </p:nvGrpSpPr>
-      <p:grpSpPr>
-        <a:xfrm>
-          <a:off x="0" y="0"/>
-          <a:ext cx="0" cy="0"/>
-          <a:chOff x="0" y="0"/>
-          <a:chExt cx="0" cy="0"/>
-        </a:xfrm>
-      </p:grpSpPr>
-      <p:sp>
-        <p:nvSpPr>
-          <p:cNvPr id="2" name="Title 1"/>
-          <p:cNvSpPr>
-            <a:spLocks noGrp="1"/>
-          </p:cNvSpPr>
-          <p:nvPr>
-            <p:ph type="title"/>
-          </p:nvPr>
-        </p:nvSpPr>
-        <p:spPr/>
-        <p:txBody>
-          <a:bodyPr>
-            <a:normAutofit fontScale="90000"/>
-          </a:bodyPr>
-          <a:lstStyle/>
-          <a:p>
-            <a:r>
-              <a:rPr lang="en-US" b="1" dirty="0"/>
-              <a:t>Log Aggregation</a:t>
-            </a:r>
-            <a:br>
-              <a:rPr lang="en-US" b="1" dirty="0"/>
-            </a:br>
-            <a:endParaRPr lang="en-US" dirty="0"/>
-          </a:p>
-        </p:txBody>
-      </p:sp>
-      <p:sp>
-        <p:nvSpPr>
-          <p:cNvPr id="3" name="Content Placeholder 2"/>
-          <p:cNvSpPr>
-            <a:spLocks noGrp="1"/>
-          </p:cNvSpPr>
-          <p:nvPr>
-            <p:ph idx="1"/>
-          </p:nvPr>
-        </p:nvSpPr>
-        <p:spPr/>
-        <p:txBody>
-          <a:bodyPr>
-            <a:normAutofit fontScale="70000" lnSpcReduction="20000"/>
-          </a:bodyPr>
-          <a:lstStyle/>
-          <a:p>
-            <a:pPr>
-              <a:buNone/>
-            </a:pPr>
-            <a:r>
-              <a:rPr lang="en-US" b="1" dirty="0"/>
-              <a:t>Problem</a:t>
-            </a:r>
-          </a:p>
-          <a:p>
-            <a:r>
-              <a:rPr lang="en-US" dirty="0"/>
-              <a:t>Consider a use case where an application consists of multiple service instances that are running on multiple machines. Requests often span multiple service instances. Each service instance generates a log file in a standardized format. How can we understand the application behavior through logs for a particular request?</a:t>
-            </a:r>
-          </a:p>
-          <a:p>
-            <a:pPr>
-              <a:buNone/>
-            </a:pPr>
-            <a:r>
-              <a:rPr lang="en-US" b="1" dirty="0"/>
-              <a:t>Solution</a:t>
-            </a:r>
-          </a:p>
-          <a:p>
-            <a:r>
-              <a:rPr lang="en-US" dirty="0"/>
-              <a:t>We need a centralized logging service that aggregates logs from each service instance. Users can search and analyze the logs. They can configure alerts that are triggered when certain messages appear in the logs. For example, PCF does have </a:t>
-            </a:r>
-            <a:r>
-              <a:rPr lang="en-US" dirty="0" err="1"/>
-              <a:t>Loggeregator</a:t>
-            </a:r>
-            <a:r>
-              <a:rPr lang="en-US" dirty="0"/>
-              <a:t>, which collects logs from each component (router, controller, </a:t>
-            </a:r>
-            <a:r>
-              <a:rPr lang="en-US" dirty="0" err="1"/>
-              <a:t>diego</a:t>
-            </a:r>
-            <a:r>
-              <a:rPr lang="en-US" dirty="0"/>
-              <a:t>, etc...) of the PCF platform along with applications. AWS Cloud Watch also does the same.</a:t>
-            </a:r>
-          </a:p>
-          <a:p>
-            <a:endParaRPr lang="en-US" dirty="0"/>
-          </a:p>
-        </p:txBody>
-      </p:sp>
-    </p:spTree>
-  </p:cSld>
-  <p:clrMapOvr>
-    <a:masterClrMapping/>
-  </p:clrMapOvr>
-</p:sld>
-</file>
-
-<file path=ppt/slides/slide32.xml><?xml version="1.0" encoding="utf-8"?>
-<p:sld xmlns:a="http://schemas.openxmlformats.org/drawingml/2006/main" xmlns:r="http://schemas.openxmlformats.org/officeDocument/2006/relationships" xmlns:p="http://schemas.openxmlformats.org/presentationml/2006/main">
-  <p:cSld>
-    <p:spTree>
-      <p:nvGrpSpPr>
-        <p:cNvPr id="1" name=""/>
-        <p:cNvGrpSpPr/>
-        <p:nvPr/>
-      </p:nvGrpSpPr>
-      <p:grpSpPr>
-        <a:xfrm>
-          <a:off x="0" y="0"/>
-          <a:ext cx="0" cy="0"/>
-          <a:chOff x="0" y="0"/>
-          <a:chExt cx="0" cy="0"/>
-        </a:xfrm>
-      </p:grpSpPr>
-      <p:sp>
-        <p:nvSpPr>
-          <p:cNvPr id="2" name="Title 1"/>
-          <p:cNvSpPr>
-            <a:spLocks noGrp="1"/>
-          </p:cNvSpPr>
-          <p:nvPr>
-            <p:ph type="title"/>
-          </p:nvPr>
-        </p:nvSpPr>
-        <p:spPr/>
-        <p:txBody>
-          <a:bodyPr>
-            <a:normAutofit fontScale="90000"/>
-          </a:bodyPr>
-          <a:lstStyle/>
-          <a:p>
-            <a:r>
-              <a:rPr lang="en-US" b="1" dirty="0"/>
-              <a:t>Performance Metrics</a:t>
-            </a:r>
-            <a:br>
-              <a:rPr lang="en-US" b="1" dirty="0"/>
-            </a:br>
-            <a:endParaRPr lang="en-US" dirty="0"/>
-          </a:p>
-        </p:txBody>
-      </p:sp>
-      <p:sp>
-        <p:nvSpPr>
-          <p:cNvPr id="3" name="Content Placeholder 2"/>
-          <p:cNvSpPr>
-            <a:spLocks noGrp="1"/>
-          </p:cNvSpPr>
-          <p:nvPr>
-            <p:ph idx="1"/>
-          </p:nvPr>
-        </p:nvSpPr>
-        <p:spPr/>
-        <p:txBody>
-          <a:bodyPr>
-            <a:normAutofit fontScale="70000" lnSpcReduction="20000"/>
-          </a:bodyPr>
-          <a:lstStyle/>
-          <a:p>
-            <a:pPr>
-              <a:buNone/>
-            </a:pPr>
-            <a:r>
-              <a:rPr lang="en-US" b="1" dirty="0"/>
-              <a:t>Problem</a:t>
-            </a:r>
-          </a:p>
-          <a:p>
-            <a:r>
-              <a:rPr lang="en-US" dirty="0"/>
-              <a:t>When the service portfolio increases due to </a:t>
-            </a:r>
-            <a:r>
-              <a:rPr lang="en-US" dirty="0" err="1"/>
-              <a:t>microservice</a:t>
-            </a:r>
-            <a:r>
-              <a:rPr lang="en-US" dirty="0"/>
-              <a:t> architecture, it becomes critical to keep a watch on the transactions so that patterns can be monitored and alerts sent when an issue happens. How should we collect metrics to monitor application </a:t>
-            </a:r>
-            <a:r>
-              <a:rPr lang="en-US" dirty="0" err="1"/>
-              <a:t>perfomance</a:t>
-            </a:r>
-            <a:r>
-              <a:rPr lang="en-US" dirty="0"/>
-              <a:t>?</a:t>
-            </a:r>
-          </a:p>
-          <a:p>
-            <a:pPr>
-              <a:buNone/>
-            </a:pPr>
-            <a:r>
-              <a:rPr lang="en-US" b="1" dirty="0"/>
-              <a:t>Solution</a:t>
-            </a:r>
-          </a:p>
-          <a:p>
-            <a:r>
-              <a:rPr lang="en-US" dirty="0"/>
-              <a:t>A metrics service is required to gather statistics about individual operations. It should aggregate the metrics of an application service, which provides reporting and alerting. There are two models for aggregating metrics:</a:t>
-            </a:r>
-          </a:p>
-          <a:p>
-            <a:r>
-              <a:rPr lang="en-US" dirty="0"/>
-              <a:t>Push — the service pushes metrics to the metrics service e.g. </a:t>
-            </a:r>
-            <a:r>
-              <a:rPr lang="en-US" dirty="0" err="1"/>
-              <a:t>NewRelic</a:t>
-            </a:r>
-            <a:r>
-              <a:rPr lang="en-US" dirty="0"/>
-              <a:t>, </a:t>
-            </a:r>
-            <a:r>
-              <a:rPr lang="en-US" dirty="0" err="1"/>
-              <a:t>AppDynamics</a:t>
-            </a:r>
-            <a:endParaRPr lang="en-US" dirty="0"/>
-          </a:p>
-          <a:p>
-            <a:r>
-              <a:rPr lang="en-US" dirty="0"/>
-              <a:t>Pull — the metrics services pulls metrics from the service e.g. Prometheus</a:t>
-            </a:r>
-          </a:p>
-          <a:p>
-            <a:endParaRPr lang="en-US" dirty="0"/>
-          </a:p>
-        </p:txBody>
-      </p:sp>
-    </p:spTree>
-  </p:cSld>
-  <p:clrMapOvr>
-    <a:masterClrMapping/>
-  </p:clrMapOvr>
-</p:sld>
-</file>
-
-<file path=ppt/slides/slide33.xml><?xml version="1.0" encoding="utf-8"?>
-<p:sld xmlns:a="http://schemas.openxmlformats.org/drawingml/2006/main" xmlns:r="http://schemas.openxmlformats.org/officeDocument/2006/relationships" xmlns:p="http://schemas.openxmlformats.org/presentationml/2006/main">
-  <p:cSld>
-    <p:spTree>
-      <p:nvGrpSpPr>
-        <p:cNvPr id="1" name=""/>
-        <p:cNvGrpSpPr/>
-        <p:nvPr/>
-      </p:nvGrpSpPr>
-      <p:grpSpPr>
-        <a:xfrm>
-          <a:off x="0" y="0"/>
-          <a:ext cx="0" cy="0"/>
-          <a:chOff x="0" y="0"/>
-          <a:chExt cx="0" cy="0"/>
-        </a:xfrm>
-      </p:grpSpPr>
-      <p:sp>
-        <p:nvSpPr>
-          <p:cNvPr id="2" name="Title 1"/>
-          <p:cNvSpPr>
-            <a:spLocks noGrp="1"/>
-          </p:cNvSpPr>
-          <p:nvPr>
-            <p:ph type="title"/>
-          </p:nvPr>
-        </p:nvSpPr>
-        <p:spPr/>
-        <p:txBody>
-          <a:bodyPr>
-            <a:normAutofit fontScale="90000"/>
-          </a:bodyPr>
-          <a:lstStyle/>
-          <a:p>
-            <a:r>
-              <a:rPr lang="en-US" b="1" dirty="0"/>
-              <a:t>Distributed Tracing</a:t>
-            </a:r>
-            <a:br>
-              <a:rPr lang="en-US" b="1" dirty="0"/>
-            </a:br>
-            <a:endParaRPr lang="en-US" dirty="0"/>
-          </a:p>
-        </p:txBody>
-      </p:sp>
-      <p:sp>
-        <p:nvSpPr>
-          <p:cNvPr id="3" name="Content Placeholder 2"/>
-          <p:cNvSpPr>
-            <a:spLocks noGrp="1"/>
-          </p:cNvSpPr>
-          <p:nvPr>
-            <p:ph idx="1"/>
-          </p:nvPr>
-        </p:nvSpPr>
-        <p:spPr/>
-        <p:txBody>
-          <a:bodyPr>
-            <a:normAutofit fontScale="62500" lnSpcReduction="20000"/>
-          </a:bodyPr>
-          <a:lstStyle/>
-          <a:p>
-            <a:pPr>
-              <a:buNone/>
-            </a:pPr>
-            <a:r>
-              <a:rPr lang="en-US" b="1" dirty="0"/>
-              <a:t>Problem</a:t>
-            </a:r>
-          </a:p>
-          <a:p>
-            <a:r>
-              <a:rPr lang="en-US" dirty="0"/>
-              <a:t>In </a:t>
-            </a:r>
-            <a:r>
-              <a:rPr lang="en-US" dirty="0" err="1"/>
-              <a:t>microservice</a:t>
-            </a:r>
-            <a:r>
-              <a:rPr lang="en-US" dirty="0"/>
-              <a:t> architecture, requests often span multiple services. Each service handles a request by performing one or more operations across multiple services. Then, how do we trace a request end-to-end to troubleshoot the problem?</a:t>
-            </a:r>
-          </a:p>
-          <a:p>
-            <a:pPr>
-              <a:buNone/>
-            </a:pPr>
-            <a:r>
-              <a:rPr lang="en-US" b="1" dirty="0"/>
-              <a:t>Solution</a:t>
-            </a:r>
-          </a:p>
-          <a:p>
-            <a:r>
-              <a:rPr lang="en-US" dirty="0"/>
-              <a:t>We need a service which</a:t>
-            </a:r>
-          </a:p>
-          <a:p>
-            <a:r>
-              <a:rPr lang="en-US" dirty="0"/>
-              <a:t>Assigns each external request a unique external request id.</a:t>
-            </a:r>
-          </a:p>
-          <a:p>
-            <a:r>
-              <a:rPr lang="en-US" dirty="0"/>
-              <a:t>Passes the external request id to all services.</a:t>
-            </a:r>
-          </a:p>
-          <a:p>
-            <a:r>
-              <a:rPr lang="en-US" dirty="0"/>
-              <a:t>Includes the external request id in all log messages.</a:t>
-            </a:r>
-          </a:p>
-          <a:p>
-            <a:r>
-              <a:rPr lang="en-US" dirty="0"/>
-              <a:t>Records information (e.g. start time, end time) about the requests and operations performed when handling an external request in a centralized service.</a:t>
-            </a:r>
-          </a:p>
-          <a:p>
-            <a:r>
-              <a:rPr lang="en-US" dirty="0"/>
-              <a:t>Spring Cloud </a:t>
-            </a:r>
-            <a:r>
-              <a:rPr lang="en-US" dirty="0" err="1"/>
-              <a:t>Slueth</a:t>
-            </a:r>
-            <a:r>
-              <a:rPr lang="en-US" dirty="0"/>
-              <a:t>, along with </a:t>
-            </a:r>
-            <a:r>
-              <a:rPr lang="en-US" dirty="0" err="1"/>
-              <a:t>Zipkin</a:t>
-            </a:r>
-            <a:r>
-              <a:rPr lang="en-US" dirty="0"/>
-              <a:t> server, is a common implementation.</a:t>
-            </a:r>
-          </a:p>
-        </p:txBody>
-      </p:sp>
-    </p:spTree>
-  </p:cSld>
-  <p:clrMapOvr>
-    <a:masterClrMapping/>
-  </p:clrMapOvr>
-</p:sld>
-</file>
-
-<file path=ppt/slides/slide34.xml><?xml version="1.0" encoding="utf-8"?>
-<p:sld xmlns:a="http://schemas.openxmlformats.org/drawingml/2006/main" xmlns:r="http://schemas.openxmlformats.org/officeDocument/2006/relationships" xmlns:p="http://schemas.openxmlformats.org/presentationml/2006/main">
-  <p:cSld>
-    <p:spTree>
-      <p:nvGrpSpPr>
-        <p:cNvPr id="1" name=""/>
-        <p:cNvGrpSpPr/>
-        <p:nvPr/>
-      </p:nvGrpSpPr>
-      <p:grpSpPr>
-        <a:xfrm>
-          <a:off x="0" y="0"/>
-          <a:ext cx="0" cy="0"/>
-          <a:chOff x="0" y="0"/>
-          <a:chExt cx="0" cy="0"/>
-        </a:xfrm>
-      </p:grpSpPr>
-      <p:sp>
-        <p:nvSpPr>
-          <p:cNvPr id="2" name="Title 1"/>
-          <p:cNvSpPr>
-            <a:spLocks noGrp="1"/>
-          </p:cNvSpPr>
-          <p:nvPr>
-            <p:ph type="title"/>
-          </p:nvPr>
-        </p:nvSpPr>
-        <p:spPr/>
-        <p:txBody>
-          <a:bodyPr>
-            <a:normAutofit fontScale="90000"/>
-          </a:bodyPr>
-          <a:lstStyle/>
-          <a:p>
-            <a:r>
-              <a:rPr lang="en-US" b="1" dirty="0"/>
-              <a:t>Health Check</a:t>
-            </a:r>
-            <a:br>
-              <a:rPr lang="en-US" b="1" dirty="0"/>
-            </a:br>
-            <a:endParaRPr lang="en-US" dirty="0"/>
-          </a:p>
-        </p:txBody>
-      </p:sp>
-      <p:sp>
-        <p:nvSpPr>
-          <p:cNvPr id="3" name="Content Placeholder 2"/>
-          <p:cNvSpPr>
-            <a:spLocks noGrp="1"/>
-          </p:cNvSpPr>
-          <p:nvPr>
-            <p:ph idx="1"/>
-          </p:nvPr>
-        </p:nvSpPr>
-        <p:spPr/>
-        <p:txBody>
-          <a:bodyPr>
-            <a:normAutofit fontScale="77500" lnSpcReduction="20000"/>
-          </a:bodyPr>
-          <a:lstStyle/>
-          <a:p>
-            <a:pPr>
-              <a:buNone/>
-            </a:pPr>
-            <a:r>
-              <a:rPr lang="en-US" b="1" dirty="0"/>
-              <a:t>Problem</a:t>
-            </a:r>
-          </a:p>
-          <a:p>
-            <a:r>
-              <a:rPr lang="en-US" dirty="0"/>
-              <a:t>When </a:t>
-            </a:r>
-            <a:r>
-              <a:rPr lang="en-US" dirty="0" err="1"/>
-              <a:t>microservice</a:t>
-            </a:r>
-            <a:r>
-              <a:rPr lang="en-US" dirty="0"/>
-              <a:t> architecture has been implemented, there is a chance that a service might be up but not able to handle transactions. In that case, how do you ensure a request doesn't go to those failed instances? With a load balancing pattern implementation.</a:t>
-            </a:r>
-          </a:p>
-          <a:p>
-            <a:pPr>
-              <a:buNone/>
-            </a:pPr>
-            <a:r>
-              <a:rPr lang="en-US" b="1" dirty="0"/>
-              <a:t>Solution</a:t>
-            </a:r>
-          </a:p>
-          <a:p>
-            <a:r>
-              <a:rPr lang="en-US" dirty="0"/>
-              <a:t>Each service needs to have an endpoint which can be used to check the health of the application, such as /health. This API should o check the status of the host, the connection to other services/infrastructure, and any specific logic.</a:t>
-            </a:r>
-          </a:p>
-          <a:p>
-            <a:r>
-              <a:rPr lang="en-US" dirty="0"/>
-              <a:t>Spring Boot Actuator does implement a /health endpoint and the implementation can be customized, as well.</a:t>
-            </a:r>
-          </a:p>
-          <a:p>
-            <a:endParaRPr lang="en-US" dirty="0"/>
-          </a:p>
-        </p:txBody>
-      </p:sp>
-    </p:spTree>
-  </p:cSld>
-  <p:clrMapOvr>
-    <a:masterClrMapping/>
-  </p:clrMapOvr>
-</p:sld>
-</file>
-
-<file path=ppt/slides/slide35.xml><?xml version="1.0" encoding="utf-8"?>
-<p:sld xmlns:a="http://schemas.openxmlformats.org/drawingml/2006/main" xmlns:r="http://schemas.openxmlformats.org/officeDocument/2006/relationships" xmlns:p="http://schemas.openxmlformats.org/presentationml/2006/main">
-  <p:cSld>
-    <p:spTree>
-      <p:nvGrpSpPr>
-        <p:cNvPr id="1" name=""/>
-        <p:cNvGrpSpPr/>
-        <p:nvPr/>
-      </p:nvGrpSpPr>
-      <p:grpSpPr>
-        <a:xfrm>
-          <a:off x="0" y="0"/>
-          <a:ext cx="0" cy="0"/>
-          <a:chOff x="0" y="0"/>
-          <a:chExt cx="0" cy="0"/>
-        </a:xfrm>
-      </p:grpSpPr>
-      <p:sp>
-        <p:nvSpPr>
-          <p:cNvPr id="2" name="Title 1"/>
-          <p:cNvSpPr>
-            <a:spLocks noGrp="1"/>
-          </p:cNvSpPr>
-          <p:nvPr>
-            <p:ph type="title"/>
-          </p:nvPr>
-        </p:nvSpPr>
-        <p:spPr/>
-        <p:txBody>
-          <a:bodyPr>
-            <a:normAutofit fontScale="90000"/>
-          </a:bodyPr>
-          <a:lstStyle/>
-          <a:p>
-            <a:r>
-              <a:rPr lang="en-US" b="1" dirty="0"/>
-              <a:t>Cross-Cutting Concern Patterns</a:t>
-            </a:r>
-            <a:br>
-              <a:rPr lang="en-US" b="1" dirty="0"/>
-            </a:br>
-            <a:endParaRPr lang="en-US" dirty="0"/>
-          </a:p>
-        </p:txBody>
-      </p:sp>
-      <p:sp>
-        <p:nvSpPr>
-          <p:cNvPr id="3" name="Content Placeholder 2"/>
-          <p:cNvSpPr>
-            <a:spLocks noGrp="1"/>
-          </p:cNvSpPr>
-          <p:nvPr>
-            <p:ph idx="1"/>
-          </p:nvPr>
-        </p:nvSpPr>
-        <p:spPr/>
-        <p:txBody>
-          <a:bodyPr/>
-          <a:lstStyle/>
-          <a:p>
-            <a:r>
-              <a:rPr lang="en-US" b="1" dirty="0"/>
-              <a:t>External Configuration</a:t>
-            </a:r>
-          </a:p>
-          <a:p>
-            <a:r>
-              <a:rPr lang="en-US" b="1" dirty="0"/>
-              <a:t>Service Discovery Pattern</a:t>
-            </a:r>
-          </a:p>
-          <a:p>
-            <a:r>
-              <a:rPr lang="en-US" b="1" dirty="0"/>
-              <a:t>Circuit Breaker Pattern</a:t>
-            </a:r>
-          </a:p>
-          <a:p>
-            <a:r>
-              <a:rPr lang="en-US" b="1" dirty="0"/>
-              <a:t>Blue-Green Deployment Pattern</a:t>
-            </a:r>
-          </a:p>
-          <a:p>
-            <a:endParaRPr lang="en-US" dirty="0"/>
-          </a:p>
-        </p:txBody>
-      </p:sp>
-    </p:spTree>
-  </p:cSld>
-  <p:clrMapOvr>
-    <a:masterClrMapping/>
-  </p:clrMapOvr>
-</p:sld>
-</file>
-
-<file path=ppt/slides/slide36.xml><?xml version="1.0" encoding="utf-8"?>
-<p:sld xmlns:a="http://schemas.openxmlformats.org/drawingml/2006/main" xmlns:r="http://schemas.openxmlformats.org/officeDocument/2006/relationships" xmlns:p="http://schemas.openxmlformats.org/presentationml/2006/main">
-  <p:cSld>
-    <p:spTree>
-      <p:nvGrpSpPr>
-        <p:cNvPr id="1" name=""/>
-        <p:cNvGrpSpPr/>
-        <p:nvPr/>
-      </p:nvGrpSpPr>
-      <p:grpSpPr>
-        <a:xfrm>
-          <a:off x="0" y="0"/>
-          <a:ext cx="0" cy="0"/>
-          <a:chOff x="0" y="0"/>
-          <a:chExt cx="0" cy="0"/>
-        </a:xfrm>
-      </p:grpSpPr>
-      <p:sp>
-        <p:nvSpPr>
-          <p:cNvPr id="2" name="Title 1"/>
-          <p:cNvSpPr>
-            <a:spLocks noGrp="1"/>
-          </p:cNvSpPr>
-          <p:nvPr>
-            <p:ph type="title"/>
-          </p:nvPr>
-        </p:nvSpPr>
-        <p:spPr/>
-        <p:txBody>
-          <a:bodyPr>
-            <a:normAutofit fontScale="90000"/>
-          </a:bodyPr>
-          <a:lstStyle/>
-          <a:p>
-            <a:r>
-              <a:rPr lang="en-US" b="1" dirty="0"/>
-              <a:t>External Configuration</a:t>
-            </a:r>
-            <a:br>
-              <a:rPr lang="en-US" b="1" dirty="0"/>
-            </a:br>
-            <a:endParaRPr lang="en-US" dirty="0"/>
-          </a:p>
-        </p:txBody>
-      </p:sp>
-      <p:sp>
-        <p:nvSpPr>
-          <p:cNvPr id="3" name="Content Placeholder 2"/>
-          <p:cNvSpPr>
-            <a:spLocks noGrp="1"/>
-          </p:cNvSpPr>
-          <p:nvPr>
-            <p:ph idx="1"/>
-          </p:nvPr>
-        </p:nvSpPr>
-        <p:spPr/>
-        <p:txBody>
-          <a:bodyPr>
-            <a:normAutofit fontScale="70000" lnSpcReduction="20000"/>
-          </a:bodyPr>
-          <a:lstStyle/>
-          <a:p>
-            <a:pPr>
-              <a:buNone/>
-            </a:pPr>
-            <a:r>
-              <a:rPr lang="en-US" b="1" dirty="0"/>
-              <a:t>Problem</a:t>
-            </a:r>
-          </a:p>
-          <a:p>
-            <a:r>
-              <a:rPr lang="en-US" dirty="0"/>
-              <a:t>A service typically calls other services and databases as well. For each environment like dev, QA, UAT, prod, the endpoint URL or some configuration properties might be different. A change in any of those properties might require a re-build and re-deploy of the service. How do we avoid code modification for configuration changes?</a:t>
-            </a:r>
-          </a:p>
-          <a:p>
-            <a:pPr>
-              <a:buNone/>
-            </a:pPr>
-            <a:r>
-              <a:rPr lang="en-US" b="1" dirty="0"/>
-              <a:t>Solution</a:t>
-            </a:r>
-          </a:p>
-          <a:p>
-            <a:r>
-              <a:rPr lang="en-US" dirty="0"/>
-              <a:t>Externalize all the configuration, including endpoint URLs and credentials. The application should load them either at startup or on the fly.</a:t>
-            </a:r>
-          </a:p>
-          <a:p>
-            <a:r>
-              <a:rPr lang="en-US" dirty="0"/>
-              <a:t>Spring Cloud </a:t>
-            </a:r>
-            <a:r>
-              <a:rPr lang="en-US" dirty="0" err="1"/>
-              <a:t>config</a:t>
-            </a:r>
-            <a:r>
-              <a:rPr lang="en-US" dirty="0"/>
-              <a:t> server provides the option to externalize the properties to </a:t>
-            </a:r>
-            <a:r>
-              <a:rPr lang="en-US" dirty="0" err="1"/>
-              <a:t>GitHub</a:t>
-            </a:r>
-            <a:r>
-              <a:rPr lang="en-US" dirty="0"/>
-              <a:t> and load them as environment properties. These can be accessed by the application on startup or can be refreshed without a server restart.</a:t>
-            </a:r>
-          </a:p>
-          <a:p>
-            <a:endParaRPr lang="en-US" dirty="0"/>
-          </a:p>
-        </p:txBody>
-      </p:sp>
-    </p:spTree>
-  </p:cSld>
-  <p:clrMapOvr>
-    <a:masterClrMapping/>
-  </p:clrMapOvr>
-</p:sld>
-</file>
-
-<file path=ppt/slides/slide37.xml><?xml version="1.0" encoding="utf-8"?>
-<p:sld xmlns:a="http://schemas.openxmlformats.org/drawingml/2006/main" xmlns:r="http://schemas.openxmlformats.org/officeDocument/2006/relationships" xmlns:p="http://schemas.openxmlformats.org/presentationml/2006/main">
-  <p:cSld>
-    <p:spTree>
-      <p:nvGrpSpPr>
-        <p:cNvPr id="1" name=""/>
-        <p:cNvGrpSpPr/>
-        <p:nvPr/>
-      </p:nvGrpSpPr>
-      <p:grpSpPr>
-        <a:xfrm>
-          <a:off x="0" y="0"/>
-          <a:ext cx="0" cy="0"/>
-          <a:chOff x="0" y="0"/>
-          <a:chExt cx="0" cy="0"/>
-        </a:xfrm>
-      </p:grpSpPr>
-      <p:sp>
-        <p:nvSpPr>
-          <p:cNvPr id="2" name="Title 1"/>
-          <p:cNvSpPr>
-            <a:spLocks noGrp="1"/>
-          </p:cNvSpPr>
-          <p:nvPr>
-            <p:ph type="title"/>
-          </p:nvPr>
-        </p:nvSpPr>
-        <p:spPr/>
-        <p:txBody>
-          <a:bodyPr>
-            <a:normAutofit fontScale="90000"/>
-          </a:bodyPr>
-          <a:lstStyle/>
-          <a:p>
-            <a:r>
-              <a:rPr lang="en-US" b="1" dirty="0"/>
-              <a:t>Service Discovery Pattern</a:t>
-            </a:r>
-            <a:br>
-              <a:rPr lang="en-US" b="1" dirty="0"/>
-            </a:br>
-            <a:endParaRPr lang="en-US" dirty="0"/>
-          </a:p>
-        </p:txBody>
-      </p:sp>
-      <p:sp>
-        <p:nvSpPr>
-          <p:cNvPr id="3" name="Content Placeholder 2"/>
-          <p:cNvSpPr>
-            <a:spLocks noGrp="1"/>
-          </p:cNvSpPr>
-          <p:nvPr>
-            <p:ph idx="1"/>
-          </p:nvPr>
-        </p:nvSpPr>
-        <p:spPr>
-          <a:xfrm>
-            <a:off x="457200" y="1600200"/>
-            <a:ext cx="8507288" cy="4493095"/>
-          </a:xfrm>
-        </p:spPr>
-        <p:txBody>
-          <a:bodyPr>
-            <a:normAutofit fontScale="47500" lnSpcReduction="20000"/>
-          </a:bodyPr>
-          <a:lstStyle/>
-          <a:p>
-            <a:pPr>
-              <a:buNone/>
-            </a:pPr>
-            <a:r>
-              <a:rPr lang="en-US" b="1" dirty="0"/>
-              <a:t>Problem</a:t>
-            </a:r>
-          </a:p>
-          <a:p>
-            <a:r>
-              <a:rPr lang="en-US" dirty="0"/>
-              <a:t>When </a:t>
-            </a:r>
-            <a:r>
-              <a:rPr lang="en-US" dirty="0" err="1"/>
-              <a:t>microservices</a:t>
-            </a:r>
-            <a:r>
-              <a:rPr lang="en-US" dirty="0"/>
-              <a:t> come into the picture, we need to address a few issues in terms of calling services:</a:t>
-            </a:r>
-          </a:p>
-          <a:p>
-            <a:r>
-              <a:rPr lang="en-US" dirty="0"/>
-              <a:t>With container technology, IP addresses are dynamically allocated to the service instances. Every time the address changes, a consumer service can break and need manual changes.</a:t>
-            </a:r>
-          </a:p>
-          <a:p>
-            <a:r>
-              <a:rPr lang="en-US" dirty="0"/>
-              <a:t>Each service URL has to be remembered by the consumer and become tightly coupled.</a:t>
-            </a:r>
-          </a:p>
-          <a:p>
-            <a:r>
-              <a:rPr lang="en-US" dirty="0"/>
-              <a:t>So how does the consumer or router know all the available service instances and locations?</a:t>
-            </a:r>
-          </a:p>
-          <a:p>
-            <a:endParaRPr lang="en-US" dirty="0"/>
-          </a:p>
-          <a:p>
-            <a:endParaRPr lang="en-US" dirty="0"/>
-          </a:p>
-          <a:p>
-            <a:pPr>
-              <a:buNone/>
-            </a:pPr>
-            <a:r>
-              <a:rPr lang="en-US" b="1" dirty="0"/>
-              <a:t>Solution</a:t>
-            </a:r>
-          </a:p>
-          <a:p>
-            <a:r>
-              <a:rPr lang="en-US" dirty="0"/>
-              <a:t>A service registry needs to be created which will keep the metadata of each producer service. A service instance should register to the registry when starting and should de-register when shutting down. The consumer or router should query the registry and find out the location of the service. The registry also needs to do a health check of the producer service to ensure that only working instances of the services are available to be consumed through it. There are two types of service discovery: client-side and server-side. An example of client-side discovery is Netflix Eureka and an example of server-side discovery is AWS ALB.</a:t>
-            </a:r>
-          </a:p>
-          <a:p>
-            <a:endParaRPr lang="en-US" dirty="0"/>
-          </a:p>
-        </p:txBody>
-      </p:sp>
-    </p:spTree>
-  </p:cSld>
-  <p:clrMapOvr>
-    <a:masterClrMapping/>
-  </p:clrMapOvr>
-</p:sld>
-</file>
-
 <file path=ppt/slides/slide38.xml><?xml version="1.0" encoding="utf-8"?>
 <p:sld xmlns:a="http://schemas.openxmlformats.org/drawingml/2006/main" xmlns:r="http://schemas.openxmlformats.org/officeDocument/2006/relationships" xmlns:p="http://schemas.openxmlformats.org/presentationml/2006/main">
   <p:cSld>
@@ -9673,7 +11817,7 @@
           <a:p>
             <a:r>
               <a:rPr lang="en-US" b="1" dirty="0"/>
-              <a:t>Circuit Breaker Pattern</a:t>
+              <a:t>Observability Patterns</a:t>
             </a:r>
             <a:br>
               <a:rPr lang="en-US" b="1" dirty="0"/>
@@ -9694,58 +11838,30 @@
         </p:nvSpPr>
         <p:spPr/>
         <p:txBody>
-          <a:bodyPr>
-            <a:normAutofit fontScale="47500" lnSpcReduction="20000"/>
-          </a:bodyPr>
-          <a:lstStyle/>
-          <a:p>
-            <a:pPr>
-              <a:buNone/>
-            </a:pPr>
+          <a:bodyPr/>
+          <a:lstStyle/>
+          <a:p>
             <a:r>
               <a:rPr lang="en-US" b="1" dirty="0"/>
-              <a:t>Problem</a:t>
-            </a:r>
-          </a:p>
-          <a:p>
-            <a:r>
-              <a:rPr lang="en-US" dirty="0"/>
-              <a:t>A service generally calls other services to retrieve data, and there is the chance that the downstream service may be down. There are two problems with this: first, the request will keep going to the down service, exhausting network resources and slowing performance. Second, the user experience will be bad and unpredictable. How do we avoid cascading service failures and handle failures gracefully?</a:t>
-            </a:r>
-          </a:p>
-          <a:p>
-            <a:pPr>
-              <a:buNone/>
-            </a:pPr>
-            <a:endParaRPr lang="en-US" b="1" dirty="0"/>
-          </a:p>
-          <a:p>
-            <a:pPr>
-              <a:buNone/>
-            </a:pPr>
+              <a:t>Log Aggregation</a:t>
+            </a:r>
+          </a:p>
+          <a:p>
             <a:r>
               <a:rPr lang="en-US" b="1" dirty="0"/>
-              <a:t>Solution</a:t>
-            </a:r>
-          </a:p>
-          <a:p>
-            <a:r>
-              <a:rPr lang="en-US" dirty="0"/>
-              <a:t>The consumer should invoke a remote service via a proxy that behaves in a similar fashion to an electrical circuit breaker. When the number of consecutive failures crosses a threshold, the circuit breaker trips, and for the duration of a timeout period, all attempts to invoke the remote service will fail immediately. After the timeout expires the circuit breaker allows a limited number of test requests to pass through. If those requests succeed, the circuit breaker resumes normal operation. Otherwise, if there is a failure, the timeout period begins again.</a:t>
-            </a:r>
-          </a:p>
-          <a:p>
-            <a:r>
-              <a:rPr lang="en-US" dirty="0"/>
-              <a:t>Netflix </a:t>
-            </a:r>
-            <a:r>
-              <a:rPr lang="en-US" dirty="0" err="1"/>
-              <a:t>Hystrix</a:t>
-            </a:r>
-            <a:r>
-              <a:rPr lang="en-US" dirty="0"/>
-              <a:t> is a good implementation of the circuit breaker pattern. It also helps you to define a fallback mechanism which can be used when the circuit breaker trips. That provides a better user experience.</a:t>
+              <a:t>Performance Metrics</a:t>
+            </a:r>
+          </a:p>
+          <a:p>
+            <a:r>
+              <a:rPr lang="en-US" b="1" dirty="0"/>
+              <a:t>Distributed Tracing</a:t>
+            </a:r>
+          </a:p>
+          <a:p>
+            <a:r>
+              <a:rPr lang="en-US" b="1" dirty="0"/>
+              <a:t>Health Check</a:t>
             </a:r>
           </a:p>
           <a:p>
@@ -9790,13 +11906,19 @@
         </p:nvSpPr>
         <p:spPr/>
         <p:txBody>
-          <a:bodyPr/>
+          <a:bodyPr>
+            <a:normAutofit fontScale="90000"/>
+          </a:bodyPr>
           <a:lstStyle/>
           <a:p>
             <a:r>
               <a:rPr lang="en-US" b="1" dirty="0"/>
-              <a:t>Blue-Green Deployment Pattern</a:t>
-            </a:r>
+              <a:t>Log Aggregation</a:t>
+            </a:r>
+            <a:br>
+              <a:rPr lang="en-US" b="1" dirty="0"/>
+            </a:br>
+            <a:endParaRPr lang="en-US" dirty="0"/>
           </a:p>
         </p:txBody>
       </p:sp>
@@ -9813,7 +11935,7 @@
         <p:spPr/>
         <p:txBody>
           <a:bodyPr>
-            <a:normAutofit fontScale="55000" lnSpcReduction="20000"/>
+            <a:normAutofit fontScale="70000" lnSpcReduction="20000"/>
           </a:bodyPr>
           <a:lstStyle/>
           <a:p>
@@ -9828,23 +11950,7 @@
           <a:p>
             <a:r>
               <a:rPr lang="en-US" dirty="0"/>
-              <a:t>With </a:t>
-            </a:r>
-            <a:r>
-              <a:rPr lang="en-US" dirty="0" err="1"/>
-              <a:t>microservice</a:t>
-            </a:r>
-            <a:r>
-              <a:rPr lang="en-US" dirty="0"/>
-              <a:t> architecture, one application can have many </a:t>
-            </a:r>
-            <a:r>
-              <a:rPr lang="en-US" dirty="0" err="1"/>
-              <a:t>microservices</a:t>
-            </a:r>
-            <a:r>
-              <a:rPr lang="en-US" dirty="0"/>
-              <a:t>. If we stop all the services then deploy an enhanced version, the downtime will be huge and can impact the business. Also, the rollback will be a nightmare. How do we avoid or reduce downtime of the services during deployment?</a:t>
+              <a:t>Consider a use case where an application consists of multiple service instances that are running on multiple machines. Requests often span multiple service instances. Each service instance generates a log file in a standardized format. How can we understand the application behavior through logs for a particular request?</a:t>
             </a:r>
           </a:p>
           <a:p>
@@ -9859,59 +11965,23 @@
           <a:p>
             <a:r>
               <a:rPr lang="en-US" dirty="0"/>
-              <a:t>The blue-green deployment strategy can be implemented to reduce or remove downtime. It achieves this by running two identical production environments, Blue and Green. Let's assume Green is the existing live instance and Blue is the new version of the application. At any time, only one of the environments is live, with the live environment serving all production traffic. All cloud platforms provide options for implementing a blue-green deployment. </a:t>
-            </a:r>
-          </a:p>
-          <a:p>
-            <a:pPr>
-              <a:buNone/>
-            </a:pPr>
-            <a:endParaRPr lang="en-US" dirty="0"/>
-          </a:p>
-          <a:p>
-            <a:r>
-              <a:rPr lang="en-US" dirty="0"/>
-              <a:t>There are many other patterns used with </a:t>
+              <a:t>We need a centralized logging service that aggregates logs from each service instance. Users can search and analyze the logs. They can configure alerts that are triggered when certain messages appear in the logs. For example, PCF does have </a:t>
             </a:r>
             <a:r>
               <a:rPr lang="en-US" dirty="0" err="1"/>
-              <a:t>microservice</a:t>
-            </a:r>
-            <a:r>
-              <a:rPr lang="en-US" dirty="0"/>
-              <a:t> architecture, like Sidecar, Chained </a:t>
+              <a:t>Loggeregator</a:t>
+            </a:r>
+            <a:r>
+              <a:rPr lang="en-US" dirty="0"/>
+              <a:t>, which collects logs from each component (router, controller, </a:t>
             </a:r>
             <a:r>
               <a:rPr lang="en-US" dirty="0" err="1"/>
-              <a:t>Microservice</a:t>
-            </a:r>
-            <a:r>
-              <a:rPr lang="en-US" dirty="0"/>
-              <a:t>, Branch </a:t>
-            </a:r>
-            <a:r>
-              <a:rPr lang="en-US" dirty="0" err="1"/>
-              <a:t>Microservice</a:t>
-            </a:r>
-            <a:r>
-              <a:rPr lang="en-US" dirty="0"/>
-              <a:t>, Event Sourcing Pattern, Continuous Delivery Patterns, and more. The list keeps growing as we get more experience with </a:t>
-            </a:r>
-            <a:r>
-              <a:rPr lang="en-US" dirty="0" err="1"/>
-              <a:t>microservices</a:t>
-            </a:r>
-            <a:r>
-              <a:rPr lang="en-US" dirty="0"/>
-              <a:t>. I am stopping now to hear back from you on what </a:t>
-            </a:r>
-            <a:r>
-              <a:rPr lang="en-US" dirty="0" err="1"/>
-              <a:t>microservice</a:t>
-            </a:r>
-            <a:r>
-              <a:rPr lang="en-US" dirty="0"/>
-              <a:t> patterns you are using.</a:t>
+              <a:t>diego</a:t>
+            </a:r>
+            <a:r>
+              <a:rPr lang="en-US" dirty="0"/>
+              <a:t>, etc...) of the PCF platform along with applications. AWS Cloud Watch also does the same.</a:t>
             </a:r>
           </a:p>
           <a:p>
@@ -10065,6 +12135,1077 @@
         <p14:creationId xmlns:p14="http://schemas.microsoft.com/office/powerpoint/2010/main" val="3239957530"/>
       </p:ext>
     </p:extLst>
+  </p:cSld>
+  <p:clrMapOvr>
+    <a:masterClrMapping/>
+  </p:clrMapOvr>
+</p:sld>
+</file>
+
+<file path=ppt/slides/slide40.xml><?xml version="1.0" encoding="utf-8"?>
+<p:sld xmlns:a="http://schemas.openxmlformats.org/drawingml/2006/main" xmlns:r="http://schemas.openxmlformats.org/officeDocument/2006/relationships" xmlns:p="http://schemas.openxmlformats.org/presentationml/2006/main">
+  <p:cSld>
+    <p:spTree>
+      <p:nvGrpSpPr>
+        <p:cNvPr id="1" name=""/>
+        <p:cNvGrpSpPr/>
+        <p:nvPr/>
+      </p:nvGrpSpPr>
+      <p:grpSpPr>
+        <a:xfrm>
+          <a:off x="0" y="0"/>
+          <a:ext cx="0" cy="0"/>
+          <a:chOff x="0" y="0"/>
+          <a:chExt cx="0" cy="0"/>
+        </a:xfrm>
+      </p:grpSpPr>
+      <p:sp>
+        <p:nvSpPr>
+          <p:cNvPr id="2" name="Title 1"/>
+          <p:cNvSpPr>
+            <a:spLocks noGrp="1"/>
+          </p:cNvSpPr>
+          <p:nvPr>
+            <p:ph type="title"/>
+          </p:nvPr>
+        </p:nvSpPr>
+        <p:spPr/>
+        <p:txBody>
+          <a:bodyPr>
+            <a:normAutofit fontScale="90000"/>
+          </a:bodyPr>
+          <a:lstStyle/>
+          <a:p>
+            <a:r>
+              <a:rPr lang="en-US" b="1" dirty="0"/>
+              <a:t>Performance Metrics</a:t>
+            </a:r>
+            <a:br>
+              <a:rPr lang="en-US" b="1" dirty="0"/>
+            </a:br>
+            <a:endParaRPr lang="en-US" dirty="0"/>
+          </a:p>
+        </p:txBody>
+      </p:sp>
+      <p:sp>
+        <p:nvSpPr>
+          <p:cNvPr id="3" name="Content Placeholder 2"/>
+          <p:cNvSpPr>
+            <a:spLocks noGrp="1"/>
+          </p:cNvSpPr>
+          <p:nvPr>
+            <p:ph idx="1"/>
+          </p:nvPr>
+        </p:nvSpPr>
+        <p:spPr/>
+        <p:txBody>
+          <a:bodyPr>
+            <a:normAutofit fontScale="70000" lnSpcReduction="20000"/>
+          </a:bodyPr>
+          <a:lstStyle/>
+          <a:p>
+            <a:pPr>
+              <a:buNone/>
+            </a:pPr>
+            <a:r>
+              <a:rPr lang="en-US" b="1" dirty="0"/>
+              <a:t>Problem</a:t>
+            </a:r>
+          </a:p>
+          <a:p>
+            <a:r>
+              <a:rPr lang="en-US" dirty="0"/>
+              <a:t>When the service portfolio increases due to </a:t>
+            </a:r>
+            <a:r>
+              <a:rPr lang="en-US" dirty="0" err="1"/>
+              <a:t>microservice</a:t>
+            </a:r>
+            <a:r>
+              <a:rPr lang="en-US" dirty="0"/>
+              <a:t> architecture, it becomes critical to keep a watch on the transactions so that patterns can be monitored and alerts sent when an issue happens. How should we collect metrics to monitor application </a:t>
+            </a:r>
+            <a:r>
+              <a:rPr lang="en-US" dirty="0" err="1"/>
+              <a:t>perfomance</a:t>
+            </a:r>
+            <a:r>
+              <a:rPr lang="en-US" dirty="0"/>
+              <a:t>?</a:t>
+            </a:r>
+          </a:p>
+          <a:p>
+            <a:pPr>
+              <a:buNone/>
+            </a:pPr>
+            <a:r>
+              <a:rPr lang="en-US" b="1" dirty="0"/>
+              <a:t>Solution</a:t>
+            </a:r>
+          </a:p>
+          <a:p>
+            <a:r>
+              <a:rPr lang="en-US" dirty="0"/>
+              <a:t>A metrics service is required to gather statistics about individual operations. It should aggregate the metrics of an application service, which provides reporting and alerting. There are two models for aggregating metrics:</a:t>
+            </a:r>
+          </a:p>
+          <a:p>
+            <a:r>
+              <a:rPr lang="en-US" dirty="0"/>
+              <a:t>Push — the service pushes metrics to the metrics service e.g. </a:t>
+            </a:r>
+            <a:r>
+              <a:rPr lang="en-US" dirty="0" err="1"/>
+              <a:t>NewRelic</a:t>
+            </a:r>
+            <a:r>
+              <a:rPr lang="en-US" dirty="0"/>
+              <a:t>, </a:t>
+            </a:r>
+            <a:r>
+              <a:rPr lang="en-US" dirty="0" err="1"/>
+              <a:t>AppDynamics</a:t>
+            </a:r>
+            <a:endParaRPr lang="en-US" dirty="0"/>
+          </a:p>
+          <a:p>
+            <a:r>
+              <a:rPr lang="en-US" dirty="0"/>
+              <a:t>Pull — the metrics services pulls metrics from the service e.g. Prometheus</a:t>
+            </a:r>
+          </a:p>
+          <a:p>
+            <a:endParaRPr lang="en-US" dirty="0"/>
+          </a:p>
+        </p:txBody>
+      </p:sp>
+    </p:spTree>
+  </p:cSld>
+  <p:clrMapOvr>
+    <a:masterClrMapping/>
+  </p:clrMapOvr>
+</p:sld>
+</file>
+
+<file path=ppt/slides/slide41.xml><?xml version="1.0" encoding="utf-8"?>
+<p:sld xmlns:a="http://schemas.openxmlformats.org/drawingml/2006/main" xmlns:r="http://schemas.openxmlformats.org/officeDocument/2006/relationships" xmlns:p="http://schemas.openxmlformats.org/presentationml/2006/main">
+  <p:cSld>
+    <p:spTree>
+      <p:nvGrpSpPr>
+        <p:cNvPr id="1" name=""/>
+        <p:cNvGrpSpPr/>
+        <p:nvPr/>
+      </p:nvGrpSpPr>
+      <p:grpSpPr>
+        <a:xfrm>
+          <a:off x="0" y="0"/>
+          <a:ext cx="0" cy="0"/>
+          <a:chOff x="0" y="0"/>
+          <a:chExt cx="0" cy="0"/>
+        </a:xfrm>
+      </p:grpSpPr>
+      <p:sp>
+        <p:nvSpPr>
+          <p:cNvPr id="2" name="Title 1"/>
+          <p:cNvSpPr>
+            <a:spLocks noGrp="1"/>
+          </p:cNvSpPr>
+          <p:nvPr>
+            <p:ph type="title"/>
+          </p:nvPr>
+        </p:nvSpPr>
+        <p:spPr/>
+        <p:txBody>
+          <a:bodyPr>
+            <a:normAutofit fontScale="90000"/>
+          </a:bodyPr>
+          <a:lstStyle/>
+          <a:p>
+            <a:r>
+              <a:rPr lang="en-US" b="1" dirty="0"/>
+              <a:t>Distributed Tracing</a:t>
+            </a:r>
+            <a:br>
+              <a:rPr lang="en-US" b="1" dirty="0"/>
+            </a:br>
+            <a:endParaRPr lang="en-US" dirty="0"/>
+          </a:p>
+        </p:txBody>
+      </p:sp>
+      <p:sp>
+        <p:nvSpPr>
+          <p:cNvPr id="3" name="Content Placeholder 2"/>
+          <p:cNvSpPr>
+            <a:spLocks noGrp="1"/>
+          </p:cNvSpPr>
+          <p:nvPr>
+            <p:ph idx="1"/>
+          </p:nvPr>
+        </p:nvSpPr>
+        <p:spPr/>
+        <p:txBody>
+          <a:bodyPr>
+            <a:normAutofit fontScale="62500" lnSpcReduction="20000"/>
+          </a:bodyPr>
+          <a:lstStyle/>
+          <a:p>
+            <a:pPr>
+              <a:buNone/>
+            </a:pPr>
+            <a:r>
+              <a:rPr lang="en-US" b="1" dirty="0"/>
+              <a:t>Problem</a:t>
+            </a:r>
+          </a:p>
+          <a:p>
+            <a:r>
+              <a:rPr lang="en-US" dirty="0"/>
+              <a:t>In </a:t>
+            </a:r>
+            <a:r>
+              <a:rPr lang="en-US" dirty="0" err="1"/>
+              <a:t>microservice</a:t>
+            </a:r>
+            <a:r>
+              <a:rPr lang="en-US" dirty="0"/>
+              <a:t> architecture, requests often span multiple services. Each service handles a request by performing one or more operations across multiple services. Then, how do we trace a request end-to-end to troubleshoot the problem?</a:t>
+            </a:r>
+          </a:p>
+          <a:p>
+            <a:pPr>
+              <a:buNone/>
+            </a:pPr>
+            <a:r>
+              <a:rPr lang="en-US" b="1" dirty="0"/>
+              <a:t>Solution</a:t>
+            </a:r>
+          </a:p>
+          <a:p>
+            <a:r>
+              <a:rPr lang="en-US" dirty="0"/>
+              <a:t>We need a service which</a:t>
+            </a:r>
+          </a:p>
+          <a:p>
+            <a:r>
+              <a:rPr lang="en-US" dirty="0"/>
+              <a:t>Assigns each external request a unique external request id.</a:t>
+            </a:r>
+          </a:p>
+          <a:p>
+            <a:r>
+              <a:rPr lang="en-US" dirty="0"/>
+              <a:t>Passes the external request id to all services.</a:t>
+            </a:r>
+          </a:p>
+          <a:p>
+            <a:r>
+              <a:rPr lang="en-US" dirty="0"/>
+              <a:t>Includes the external request id in all log messages.</a:t>
+            </a:r>
+          </a:p>
+          <a:p>
+            <a:r>
+              <a:rPr lang="en-US" dirty="0"/>
+              <a:t>Records information (e.g. start time, end time) about the requests and operations performed when handling an external request in a centralized service.</a:t>
+            </a:r>
+          </a:p>
+          <a:p>
+            <a:r>
+              <a:rPr lang="en-US" dirty="0"/>
+              <a:t>Spring Cloud </a:t>
+            </a:r>
+            <a:r>
+              <a:rPr lang="en-US" dirty="0" err="1"/>
+              <a:t>Slueth</a:t>
+            </a:r>
+            <a:r>
+              <a:rPr lang="en-US" dirty="0"/>
+              <a:t>, along with </a:t>
+            </a:r>
+            <a:r>
+              <a:rPr lang="en-US" dirty="0" err="1"/>
+              <a:t>Zipkin</a:t>
+            </a:r>
+            <a:r>
+              <a:rPr lang="en-US" dirty="0"/>
+              <a:t> server, is a common implementation.</a:t>
+            </a:r>
+          </a:p>
+        </p:txBody>
+      </p:sp>
+    </p:spTree>
+  </p:cSld>
+  <p:clrMapOvr>
+    <a:masterClrMapping/>
+  </p:clrMapOvr>
+</p:sld>
+</file>
+
+<file path=ppt/slides/slide42.xml><?xml version="1.0" encoding="utf-8"?>
+<p:sld xmlns:a="http://schemas.openxmlformats.org/drawingml/2006/main" xmlns:r="http://schemas.openxmlformats.org/officeDocument/2006/relationships" xmlns:p="http://schemas.openxmlformats.org/presentationml/2006/main">
+  <p:cSld>
+    <p:spTree>
+      <p:nvGrpSpPr>
+        <p:cNvPr id="1" name=""/>
+        <p:cNvGrpSpPr/>
+        <p:nvPr/>
+      </p:nvGrpSpPr>
+      <p:grpSpPr>
+        <a:xfrm>
+          <a:off x="0" y="0"/>
+          <a:ext cx="0" cy="0"/>
+          <a:chOff x="0" y="0"/>
+          <a:chExt cx="0" cy="0"/>
+        </a:xfrm>
+      </p:grpSpPr>
+      <p:sp>
+        <p:nvSpPr>
+          <p:cNvPr id="2" name="Title 1"/>
+          <p:cNvSpPr>
+            <a:spLocks noGrp="1"/>
+          </p:cNvSpPr>
+          <p:nvPr>
+            <p:ph type="title"/>
+          </p:nvPr>
+        </p:nvSpPr>
+        <p:spPr/>
+        <p:txBody>
+          <a:bodyPr>
+            <a:normAutofit fontScale="90000"/>
+          </a:bodyPr>
+          <a:lstStyle/>
+          <a:p>
+            <a:r>
+              <a:rPr lang="en-US" b="1" dirty="0"/>
+              <a:t>Health Check</a:t>
+            </a:r>
+            <a:br>
+              <a:rPr lang="en-US" b="1" dirty="0"/>
+            </a:br>
+            <a:endParaRPr lang="en-US" dirty="0"/>
+          </a:p>
+        </p:txBody>
+      </p:sp>
+      <p:sp>
+        <p:nvSpPr>
+          <p:cNvPr id="3" name="Content Placeholder 2"/>
+          <p:cNvSpPr>
+            <a:spLocks noGrp="1"/>
+          </p:cNvSpPr>
+          <p:nvPr>
+            <p:ph idx="1"/>
+          </p:nvPr>
+        </p:nvSpPr>
+        <p:spPr/>
+        <p:txBody>
+          <a:bodyPr>
+            <a:normAutofit fontScale="77500" lnSpcReduction="20000"/>
+          </a:bodyPr>
+          <a:lstStyle/>
+          <a:p>
+            <a:pPr>
+              <a:buNone/>
+            </a:pPr>
+            <a:r>
+              <a:rPr lang="en-US" b="1" dirty="0"/>
+              <a:t>Problem</a:t>
+            </a:r>
+          </a:p>
+          <a:p>
+            <a:r>
+              <a:rPr lang="en-US" dirty="0"/>
+              <a:t>When </a:t>
+            </a:r>
+            <a:r>
+              <a:rPr lang="en-US" dirty="0" err="1"/>
+              <a:t>microservice</a:t>
+            </a:r>
+            <a:r>
+              <a:rPr lang="en-US" dirty="0"/>
+              <a:t> architecture has been implemented, there is a chance that a service might be up but not able to handle transactions. In that case, how do you ensure a request doesn't go to those failed instances? With a load balancing pattern implementation.</a:t>
+            </a:r>
+          </a:p>
+          <a:p>
+            <a:pPr>
+              <a:buNone/>
+            </a:pPr>
+            <a:r>
+              <a:rPr lang="en-US" b="1" dirty="0"/>
+              <a:t>Solution</a:t>
+            </a:r>
+          </a:p>
+          <a:p>
+            <a:r>
+              <a:rPr lang="en-US" dirty="0"/>
+              <a:t>Each service needs to have an endpoint which can be used to check the health of the application, such as /health. This API should o check the status of the host, the connection to other services/infrastructure, and any specific logic.</a:t>
+            </a:r>
+          </a:p>
+          <a:p>
+            <a:r>
+              <a:rPr lang="en-US" dirty="0"/>
+              <a:t>Spring Boot Actuator does implement a /health endpoint and the implementation can be customized, as well.</a:t>
+            </a:r>
+          </a:p>
+          <a:p>
+            <a:endParaRPr lang="en-US" dirty="0"/>
+          </a:p>
+        </p:txBody>
+      </p:sp>
+    </p:spTree>
+  </p:cSld>
+  <p:clrMapOvr>
+    <a:masterClrMapping/>
+  </p:clrMapOvr>
+</p:sld>
+</file>
+
+<file path=ppt/slides/slide43.xml><?xml version="1.0" encoding="utf-8"?>
+<p:sld xmlns:a="http://schemas.openxmlformats.org/drawingml/2006/main" xmlns:r="http://schemas.openxmlformats.org/officeDocument/2006/relationships" xmlns:p="http://schemas.openxmlformats.org/presentationml/2006/main">
+  <p:cSld>
+    <p:spTree>
+      <p:nvGrpSpPr>
+        <p:cNvPr id="1" name=""/>
+        <p:cNvGrpSpPr/>
+        <p:nvPr/>
+      </p:nvGrpSpPr>
+      <p:grpSpPr>
+        <a:xfrm>
+          <a:off x="0" y="0"/>
+          <a:ext cx="0" cy="0"/>
+          <a:chOff x="0" y="0"/>
+          <a:chExt cx="0" cy="0"/>
+        </a:xfrm>
+      </p:grpSpPr>
+      <p:sp>
+        <p:nvSpPr>
+          <p:cNvPr id="2" name="Title 1"/>
+          <p:cNvSpPr>
+            <a:spLocks noGrp="1"/>
+          </p:cNvSpPr>
+          <p:nvPr>
+            <p:ph type="title"/>
+          </p:nvPr>
+        </p:nvSpPr>
+        <p:spPr/>
+        <p:txBody>
+          <a:bodyPr>
+            <a:normAutofit fontScale="90000"/>
+          </a:bodyPr>
+          <a:lstStyle/>
+          <a:p>
+            <a:r>
+              <a:rPr lang="en-US" b="1" dirty="0"/>
+              <a:t>Cross-Cutting Concern Patterns</a:t>
+            </a:r>
+            <a:br>
+              <a:rPr lang="en-US" b="1" dirty="0"/>
+            </a:br>
+            <a:endParaRPr lang="en-US" dirty="0"/>
+          </a:p>
+        </p:txBody>
+      </p:sp>
+      <p:sp>
+        <p:nvSpPr>
+          <p:cNvPr id="3" name="Content Placeholder 2"/>
+          <p:cNvSpPr>
+            <a:spLocks noGrp="1"/>
+          </p:cNvSpPr>
+          <p:nvPr>
+            <p:ph idx="1"/>
+          </p:nvPr>
+        </p:nvSpPr>
+        <p:spPr/>
+        <p:txBody>
+          <a:bodyPr/>
+          <a:lstStyle/>
+          <a:p>
+            <a:r>
+              <a:rPr lang="en-US" b="1" dirty="0"/>
+              <a:t>External Configuration</a:t>
+            </a:r>
+          </a:p>
+          <a:p>
+            <a:r>
+              <a:rPr lang="en-US" b="1" dirty="0"/>
+              <a:t>Service Discovery Pattern</a:t>
+            </a:r>
+          </a:p>
+          <a:p>
+            <a:r>
+              <a:rPr lang="en-US" b="1" dirty="0"/>
+              <a:t>Circuit Breaker Pattern</a:t>
+            </a:r>
+          </a:p>
+          <a:p>
+            <a:r>
+              <a:rPr lang="en-US" b="1" dirty="0"/>
+              <a:t>Blue-Green Deployment Pattern</a:t>
+            </a:r>
+          </a:p>
+          <a:p>
+            <a:endParaRPr lang="en-US" dirty="0"/>
+          </a:p>
+        </p:txBody>
+      </p:sp>
+    </p:spTree>
+  </p:cSld>
+  <p:clrMapOvr>
+    <a:masterClrMapping/>
+  </p:clrMapOvr>
+</p:sld>
+</file>
+
+<file path=ppt/slides/slide44.xml><?xml version="1.0" encoding="utf-8"?>
+<p:sld xmlns:a="http://schemas.openxmlformats.org/drawingml/2006/main" xmlns:r="http://schemas.openxmlformats.org/officeDocument/2006/relationships" xmlns:p="http://schemas.openxmlformats.org/presentationml/2006/main">
+  <p:cSld>
+    <p:spTree>
+      <p:nvGrpSpPr>
+        <p:cNvPr id="1" name=""/>
+        <p:cNvGrpSpPr/>
+        <p:nvPr/>
+      </p:nvGrpSpPr>
+      <p:grpSpPr>
+        <a:xfrm>
+          <a:off x="0" y="0"/>
+          <a:ext cx="0" cy="0"/>
+          <a:chOff x="0" y="0"/>
+          <a:chExt cx="0" cy="0"/>
+        </a:xfrm>
+      </p:grpSpPr>
+      <p:sp>
+        <p:nvSpPr>
+          <p:cNvPr id="2" name="Title 1"/>
+          <p:cNvSpPr>
+            <a:spLocks noGrp="1"/>
+          </p:cNvSpPr>
+          <p:nvPr>
+            <p:ph type="title"/>
+          </p:nvPr>
+        </p:nvSpPr>
+        <p:spPr/>
+        <p:txBody>
+          <a:bodyPr>
+            <a:normAutofit fontScale="90000"/>
+          </a:bodyPr>
+          <a:lstStyle/>
+          <a:p>
+            <a:r>
+              <a:rPr lang="en-US" b="1" dirty="0"/>
+              <a:t>External Configuration</a:t>
+            </a:r>
+            <a:br>
+              <a:rPr lang="en-US" b="1" dirty="0"/>
+            </a:br>
+            <a:endParaRPr lang="en-US" dirty="0"/>
+          </a:p>
+        </p:txBody>
+      </p:sp>
+      <p:sp>
+        <p:nvSpPr>
+          <p:cNvPr id="3" name="Content Placeholder 2"/>
+          <p:cNvSpPr>
+            <a:spLocks noGrp="1"/>
+          </p:cNvSpPr>
+          <p:nvPr>
+            <p:ph idx="1"/>
+          </p:nvPr>
+        </p:nvSpPr>
+        <p:spPr/>
+        <p:txBody>
+          <a:bodyPr>
+            <a:normAutofit fontScale="70000" lnSpcReduction="20000"/>
+          </a:bodyPr>
+          <a:lstStyle/>
+          <a:p>
+            <a:pPr>
+              <a:buNone/>
+            </a:pPr>
+            <a:r>
+              <a:rPr lang="en-US" b="1" dirty="0"/>
+              <a:t>Problem</a:t>
+            </a:r>
+          </a:p>
+          <a:p>
+            <a:r>
+              <a:rPr lang="en-US" dirty="0"/>
+              <a:t>A service typically calls other services and databases as well. For each environment like dev, QA, UAT, prod, the endpoint URL or some configuration properties might be different. A change in any of those properties might require a re-build and re-deploy of the service. How do we avoid code modification for configuration changes?</a:t>
+            </a:r>
+          </a:p>
+          <a:p>
+            <a:pPr>
+              <a:buNone/>
+            </a:pPr>
+            <a:r>
+              <a:rPr lang="en-US" b="1" dirty="0"/>
+              <a:t>Solution</a:t>
+            </a:r>
+          </a:p>
+          <a:p>
+            <a:r>
+              <a:rPr lang="en-US" dirty="0"/>
+              <a:t>Externalize all the configuration, including endpoint URLs and credentials. The application should load them either at startup or on the fly.</a:t>
+            </a:r>
+          </a:p>
+          <a:p>
+            <a:r>
+              <a:rPr lang="en-US" dirty="0"/>
+              <a:t>Spring Cloud </a:t>
+            </a:r>
+            <a:r>
+              <a:rPr lang="en-US" dirty="0" err="1"/>
+              <a:t>config</a:t>
+            </a:r>
+            <a:r>
+              <a:rPr lang="en-US" dirty="0"/>
+              <a:t> server provides the option to externalize the properties to </a:t>
+            </a:r>
+            <a:r>
+              <a:rPr lang="en-US" dirty="0" err="1"/>
+              <a:t>GitHub</a:t>
+            </a:r>
+            <a:r>
+              <a:rPr lang="en-US" dirty="0"/>
+              <a:t> and load them as environment properties. These can be accessed by the application on startup or can be refreshed without a server restart.</a:t>
+            </a:r>
+          </a:p>
+          <a:p>
+            <a:endParaRPr lang="en-US" dirty="0"/>
+          </a:p>
+        </p:txBody>
+      </p:sp>
+    </p:spTree>
+  </p:cSld>
+  <p:clrMapOvr>
+    <a:masterClrMapping/>
+  </p:clrMapOvr>
+</p:sld>
+</file>
+
+<file path=ppt/slides/slide45.xml><?xml version="1.0" encoding="utf-8"?>
+<p:sld xmlns:a="http://schemas.openxmlformats.org/drawingml/2006/main" xmlns:r="http://schemas.openxmlformats.org/officeDocument/2006/relationships" xmlns:p="http://schemas.openxmlformats.org/presentationml/2006/main">
+  <p:cSld>
+    <p:spTree>
+      <p:nvGrpSpPr>
+        <p:cNvPr id="1" name=""/>
+        <p:cNvGrpSpPr/>
+        <p:nvPr/>
+      </p:nvGrpSpPr>
+      <p:grpSpPr>
+        <a:xfrm>
+          <a:off x="0" y="0"/>
+          <a:ext cx="0" cy="0"/>
+          <a:chOff x="0" y="0"/>
+          <a:chExt cx="0" cy="0"/>
+        </a:xfrm>
+      </p:grpSpPr>
+      <p:sp>
+        <p:nvSpPr>
+          <p:cNvPr id="2" name="Title 1"/>
+          <p:cNvSpPr>
+            <a:spLocks noGrp="1"/>
+          </p:cNvSpPr>
+          <p:nvPr>
+            <p:ph type="title"/>
+          </p:nvPr>
+        </p:nvSpPr>
+        <p:spPr/>
+        <p:txBody>
+          <a:bodyPr>
+            <a:normAutofit fontScale="90000"/>
+          </a:bodyPr>
+          <a:lstStyle/>
+          <a:p>
+            <a:r>
+              <a:rPr lang="en-US" b="1" dirty="0"/>
+              <a:t>Service Discovery Pattern</a:t>
+            </a:r>
+            <a:br>
+              <a:rPr lang="en-US" b="1" dirty="0"/>
+            </a:br>
+            <a:endParaRPr lang="en-US" dirty="0"/>
+          </a:p>
+        </p:txBody>
+      </p:sp>
+      <p:sp>
+        <p:nvSpPr>
+          <p:cNvPr id="3" name="Content Placeholder 2"/>
+          <p:cNvSpPr>
+            <a:spLocks noGrp="1"/>
+          </p:cNvSpPr>
+          <p:nvPr>
+            <p:ph idx="1"/>
+          </p:nvPr>
+        </p:nvSpPr>
+        <p:spPr>
+          <a:xfrm>
+            <a:off x="457200" y="1600200"/>
+            <a:ext cx="8507288" cy="4493095"/>
+          </a:xfrm>
+        </p:spPr>
+        <p:txBody>
+          <a:bodyPr>
+            <a:normAutofit fontScale="47500" lnSpcReduction="20000"/>
+          </a:bodyPr>
+          <a:lstStyle/>
+          <a:p>
+            <a:pPr>
+              <a:buNone/>
+            </a:pPr>
+            <a:r>
+              <a:rPr lang="en-US" b="1" dirty="0"/>
+              <a:t>Problem</a:t>
+            </a:r>
+          </a:p>
+          <a:p>
+            <a:r>
+              <a:rPr lang="en-US" dirty="0"/>
+              <a:t>When </a:t>
+            </a:r>
+            <a:r>
+              <a:rPr lang="en-US" dirty="0" err="1"/>
+              <a:t>microservices</a:t>
+            </a:r>
+            <a:r>
+              <a:rPr lang="en-US" dirty="0"/>
+              <a:t> come into the picture, we need to address a few issues in terms of calling services:</a:t>
+            </a:r>
+          </a:p>
+          <a:p>
+            <a:r>
+              <a:rPr lang="en-US" dirty="0"/>
+              <a:t>With container technology, IP addresses are dynamically allocated to the service instances. Every time the address changes, a consumer service can break and need manual changes.</a:t>
+            </a:r>
+          </a:p>
+          <a:p>
+            <a:r>
+              <a:rPr lang="en-US" dirty="0"/>
+              <a:t>Each service URL has to be remembered by the consumer and become tightly coupled.</a:t>
+            </a:r>
+          </a:p>
+          <a:p>
+            <a:r>
+              <a:rPr lang="en-US" dirty="0"/>
+              <a:t>So how does the consumer or router know all the available service instances and locations?</a:t>
+            </a:r>
+          </a:p>
+          <a:p>
+            <a:endParaRPr lang="en-US" dirty="0"/>
+          </a:p>
+          <a:p>
+            <a:endParaRPr lang="en-US" dirty="0"/>
+          </a:p>
+          <a:p>
+            <a:pPr>
+              <a:buNone/>
+            </a:pPr>
+            <a:r>
+              <a:rPr lang="en-US" b="1" dirty="0"/>
+              <a:t>Solution</a:t>
+            </a:r>
+          </a:p>
+          <a:p>
+            <a:r>
+              <a:rPr lang="en-US" dirty="0"/>
+              <a:t>A service registry needs to be created which will keep the metadata of each producer service. A service instance should register to the registry when starting and should de-register when shutting down. The consumer or router should query the registry and find out the location of the service. The registry also needs to do a health check of the producer service to ensure that only working instances of the services are available to be consumed through it. There are two types of service discovery: client-side and server-side. An example of client-side discovery is Netflix Eureka and an example of server-side discovery is AWS ALB.</a:t>
+            </a:r>
+          </a:p>
+          <a:p>
+            <a:endParaRPr lang="en-US" dirty="0"/>
+          </a:p>
+        </p:txBody>
+      </p:sp>
+    </p:spTree>
+  </p:cSld>
+  <p:clrMapOvr>
+    <a:masterClrMapping/>
+  </p:clrMapOvr>
+</p:sld>
+</file>
+
+<file path=ppt/slides/slide46.xml><?xml version="1.0" encoding="utf-8"?>
+<p:sld xmlns:a="http://schemas.openxmlformats.org/drawingml/2006/main" xmlns:r="http://schemas.openxmlformats.org/officeDocument/2006/relationships" xmlns:p="http://schemas.openxmlformats.org/presentationml/2006/main">
+  <p:cSld>
+    <p:spTree>
+      <p:nvGrpSpPr>
+        <p:cNvPr id="1" name=""/>
+        <p:cNvGrpSpPr/>
+        <p:nvPr/>
+      </p:nvGrpSpPr>
+      <p:grpSpPr>
+        <a:xfrm>
+          <a:off x="0" y="0"/>
+          <a:ext cx="0" cy="0"/>
+          <a:chOff x="0" y="0"/>
+          <a:chExt cx="0" cy="0"/>
+        </a:xfrm>
+      </p:grpSpPr>
+      <p:sp>
+        <p:nvSpPr>
+          <p:cNvPr id="2" name="Title 1"/>
+          <p:cNvSpPr>
+            <a:spLocks noGrp="1"/>
+          </p:cNvSpPr>
+          <p:nvPr>
+            <p:ph type="title"/>
+          </p:nvPr>
+        </p:nvSpPr>
+        <p:spPr/>
+        <p:txBody>
+          <a:bodyPr>
+            <a:normAutofit fontScale="90000"/>
+          </a:bodyPr>
+          <a:lstStyle/>
+          <a:p>
+            <a:r>
+              <a:rPr lang="en-US" b="1" dirty="0"/>
+              <a:t>Circuit Breaker Pattern</a:t>
+            </a:r>
+            <a:br>
+              <a:rPr lang="en-US" b="1" dirty="0"/>
+            </a:br>
+            <a:endParaRPr lang="en-US" dirty="0"/>
+          </a:p>
+        </p:txBody>
+      </p:sp>
+      <p:sp>
+        <p:nvSpPr>
+          <p:cNvPr id="3" name="Content Placeholder 2"/>
+          <p:cNvSpPr>
+            <a:spLocks noGrp="1"/>
+          </p:cNvSpPr>
+          <p:nvPr>
+            <p:ph idx="1"/>
+          </p:nvPr>
+        </p:nvSpPr>
+        <p:spPr/>
+        <p:txBody>
+          <a:bodyPr>
+            <a:normAutofit fontScale="47500" lnSpcReduction="20000"/>
+          </a:bodyPr>
+          <a:lstStyle/>
+          <a:p>
+            <a:pPr>
+              <a:buNone/>
+            </a:pPr>
+            <a:r>
+              <a:rPr lang="en-US" b="1" dirty="0"/>
+              <a:t>Problem</a:t>
+            </a:r>
+          </a:p>
+          <a:p>
+            <a:r>
+              <a:rPr lang="en-US" dirty="0"/>
+              <a:t>A service generally calls other services to retrieve data, and there is the chance that the downstream service may be down. There are two problems with this: first, the request will keep going to the down service, exhausting network resources and slowing performance. Second, the user experience will be bad and unpredictable. How do we avoid cascading service failures and handle failures gracefully?</a:t>
+            </a:r>
+          </a:p>
+          <a:p>
+            <a:pPr>
+              <a:buNone/>
+            </a:pPr>
+            <a:endParaRPr lang="en-US" b="1" dirty="0"/>
+          </a:p>
+          <a:p>
+            <a:pPr>
+              <a:buNone/>
+            </a:pPr>
+            <a:r>
+              <a:rPr lang="en-US" b="1" dirty="0"/>
+              <a:t>Solution</a:t>
+            </a:r>
+          </a:p>
+          <a:p>
+            <a:r>
+              <a:rPr lang="en-US" dirty="0"/>
+              <a:t>The consumer should invoke a remote service via a proxy that behaves in a similar fashion to an electrical circuit breaker. When the number of consecutive failures crosses a threshold, the circuit breaker trips, and for the duration of a timeout period, all attempts to invoke the remote service will fail immediately. After the timeout expires the circuit breaker allows a limited number of test requests to pass through. If those requests succeed, the circuit breaker resumes normal operation. Otherwise, if there is a failure, the timeout period begins again.</a:t>
+            </a:r>
+          </a:p>
+          <a:p>
+            <a:r>
+              <a:rPr lang="en-US" dirty="0"/>
+              <a:t>Netflix </a:t>
+            </a:r>
+            <a:r>
+              <a:rPr lang="en-US" dirty="0" err="1"/>
+              <a:t>Hystrix</a:t>
+            </a:r>
+            <a:r>
+              <a:rPr lang="en-US" dirty="0"/>
+              <a:t> is a good implementation of the circuit breaker pattern. It also helps you to define a fallback mechanism which can be used when the circuit breaker trips. That provides a better user experience.</a:t>
+            </a:r>
+          </a:p>
+          <a:p>
+            <a:endParaRPr lang="en-US" dirty="0"/>
+          </a:p>
+        </p:txBody>
+      </p:sp>
+    </p:spTree>
+  </p:cSld>
+  <p:clrMapOvr>
+    <a:masterClrMapping/>
+  </p:clrMapOvr>
+</p:sld>
+</file>
+
+<file path=ppt/slides/slide47.xml><?xml version="1.0" encoding="utf-8"?>
+<p:sld xmlns:a="http://schemas.openxmlformats.org/drawingml/2006/main" xmlns:r="http://schemas.openxmlformats.org/officeDocument/2006/relationships" xmlns:p="http://schemas.openxmlformats.org/presentationml/2006/main">
+  <p:cSld>
+    <p:spTree>
+      <p:nvGrpSpPr>
+        <p:cNvPr id="1" name=""/>
+        <p:cNvGrpSpPr/>
+        <p:nvPr/>
+      </p:nvGrpSpPr>
+      <p:grpSpPr>
+        <a:xfrm>
+          <a:off x="0" y="0"/>
+          <a:ext cx="0" cy="0"/>
+          <a:chOff x="0" y="0"/>
+          <a:chExt cx="0" cy="0"/>
+        </a:xfrm>
+      </p:grpSpPr>
+      <p:sp>
+        <p:nvSpPr>
+          <p:cNvPr id="2" name="Title 1"/>
+          <p:cNvSpPr>
+            <a:spLocks noGrp="1"/>
+          </p:cNvSpPr>
+          <p:nvPr>
+            <p:ph type="title"/>
+          </p:nvPr>
+        </p:nvSpPr>
+        <p:spPr/>
+        <p:txBody>
+          <a:bodyPr/>
+          <a:lstStyle/>
+          <a:p>
+            <a:r>
+              <a:rPr lang="en-US" b="1" dirty="0"/>
+              <a:t>Blue-Green Deployment Pattern</a:t>
+            </a:r>
+          </a:p>
+        </p:txBody>
+      </p:sp>
+      <p:sp>
+        <p:nvSpPr>
+          <p:cNvPr id="3" name="Content Placeholder 2"/>
+          <p:cNvSpPr>
+            <a:spLocks noGrp="1"/>
+          </p:cNvSpPr>
+          <p:nvPr>
+            <p:ph idx="1"/>
+          </p:nvPr>
+        </p:nvSpPr>
+        <p:spPr/>
+        <p:txBody>
+          <a:bodyPr>
+            <a:normAutofit fontScale="55000" lnSpcReduction="20000"/>
+          </a:bodyPr>
+          <a:lstStyle/>
+          <a:p>
+            <a:pPr>
+              <a:buNone/>
+            </a:pPr>
+            <a:r>
+              <a:rPr lang="en-US" b="1" dirty="0"/>
+              <a:t>Problem</a:t>
+            </a:r>
+          </a:p>
+          <a:p>
+            <a:r>
+              <a:rPr lang="en-US" dirty="0"/>
+              <a:t>With </a:t>
+            </a:r>
+            <a:r>
+              <a:rPr lang="en-US" dirty="0" err="1"/>
+              <a:t>microservice</a:t>
+            </a:r>
+            <a:r>
+              <a:rPr lang="en-US" dirty="0"/>
+              <a:t> architecture, one application can have many </a:t>
+            </a:r>
+            <a:r>
+              <a:rPr lang="en-US" dirty="0" err="1"/>
+              <a:t>microservices</a:t>
+            </a:r>
+            <a:r>
+              <a:rPr lang="en-US" dirty="0"/>
+              <a:t>. If we stop all the services then deploy an enhanced version, the downtime will be huge and can impact the business. Also, the rollback will be a nightmare. How do we avoid or reduce downtime of the services during deployment?</a:t>
+            </a:r>
+          </a:p>
+          <a:p>
+            <a:pPr>
+              <a:buNone/>
+            </a:pPr>
+            <a:r>
+              <a:rPr lang="en-US" b="1" dirty="0"/>
+              <a:t>Solution</a:t>
+            </a:r>
+          </a:p>
+          <a:p>
+            <a:r>
+              <a:rPr lang="en-US" dirty="0"/>
+              <a:t>The blue-green deployment strategy can be implemented to reduce or remove downtime. It achieves this by running two identical production environments, Blue and Green. Let's assume Green is the existing live instance and Blue is the new version of the application. At any time, only one of the environments is live, with the live environment serving all production traffic. All cloud platforms provide options for implementing a blue-green deployment. </a:t>
+            </a:r>
+          </a:p>
+          <a:p>
+            <a:pPr>
+              <a:buNone/>
+            </a:pPr>
+            <a:endParaRPr lang="en-US" dirty="0"/>
+          </a:p>
+          <a:p>
+            <a:r>
+              <a:rPr lang="en-US" dirty="0"/>
+              <a:t>There are many other patterns used with </a:t>
+            </a:r>
+            <a:r>
+              <a:rPr lang="en-US" dirty="0" err="1"/>
+              <a:t>microservice</a:t>
+            </a:r>
+            <a:r>
+              <a:rPr lang="en-US" dirty="0"/>
+              <a:t> architecture, like Sidecar, Chained </a:t>
+            </a:r>
+            <a:r>
+              <a:rPr lang="en-US" dirty="0" err="1"/>
+              <a:t>Microservice</a:t>
+            </a:r>
+            <a:r>
+              <a:rPr lang="en-US" dirty="0"/>
+              <a:t>, Branch </a:t>
+            </a:r>
+            <a:r>
+              <a:rPr lang="en-US" dirty="0" err="1"/>
+              <a:t>Microservice</a:t>
+            </a:r>
+            <a:r>
+              <a:rPr lang="en-US" dirty="0"/>
+              <a:t>, Event Sourcing Pattern, Continuous Delivery Patterns, and more. The list keeps growing as we get more experience with </a:t>
+            </a:r>
+            <a:r>
+              <a:rPr lang="en-US" dirty="0" err="1"/>
+              <a:t>microservices</a:t>
+            </a:r>
+            <a:r>
+              <a:rPr lang="en-US" dirty="0"/>
+              <a:t>. I am stopping now to hear back from you on what </a:t>
+            </a:r>
+            <a:r>
+              <a:rPr lang="en-US" dirty="0" err="1"/>
+              <a:t>microservice</a:t>
+            </a:r>
+            <a:r>
+              <a:rPr lang="en-US" dirty="0"/>
+              <a:t> patterns you are using.</a:t>
+            </a:r>
+          </a:p>
+          <a:p>
+            <a:endParaRPr lang="en-US" dirty="0"/>
+          </a:p>
+        </p:txBody>
+      </p:sp>
+    </p:spTree>
   </p:cSld>
   <p:clrMapOvr>
     <a:masterClrMapping/>

--- a/Micro services Design Pattern.pptx
+++ b/Micro services Design Pattern.pptx
@@ -5,7 +5,7 @@
     <p:sldMasterId id="2147483648" r:id="rId1"/>
   </p:sldMasterIdLst>
   <p:notesMasterIdLst>
-    <p:notesMasterId r:id="rId60"/>
+    <p:notesMasterId r:id="rId65"/>
   </p:notesMasterIdLst>
   <p:sldIdLst>
     <p:sldId id="256" r:id="rId2"/>
@@ -56,16 +56,21 @@
     <p:sldId id="290" r:id="rId47"/>
     <p:sldId id="291" r:id="rId48"/>
     <p:sldId id="292" r:id="rId49"/>
-    <p:sldId id="272" r:id="rId50"/>
-    <p:sldId id="273" r:id="rId51"/>
-    <p:sldId id="274" r:id="rId52"/>
-    <p:sldId id="275" r:id="rId53"/>
-    <p:sldId id="276" r:id="rId54"/>
-    <p:sldId id="277" r:id="rId55"/>
-    <p:sldId id="278" r:id="rId56"/>
-    <p:sldId id="279" r:id="rId57"/>
-    <p:sldId id="280" r:id="rId58"/>
-    <p:sldId id="281" r:id="rId59"/>
+    <p:sldId id="314" r:id="rId50"/>
+    <p:sldId id="315" r:id="rId51"/>
+    <p:sldId id="316" r:id="rId52"/>
+    <p:sldId id="317" r:id="rId53"/>
+    <p:sldId id="318" r:id="rId54"/>
+    <p:sldId id="272" r:id="rId55"/>
+    <p:sldId id="273" r:id="rId56"/>
+    <p:sldId id="274" r:id="rId57"/>
+    <p:sldId id="275" r:id="rId58"/>
+    <p:sldId id="276" r:id="rId59"/>
+    <p:sldId id="277" r:id="rId60"/>
+    <p:sldId id="278" r:id="rId61"/>
+    <p:sldId id="279" r:id="rId62"/>
+    <p:sldId id="280" r:id="rId63"/>
+    <p:sldId id="281" r:id="rId64"/>
   </p:sldIdLst>
   <p:sldSz cx="9144000" cy="6858000" type="screen4x3"/>
   <p:notesSz cx="6858000" cy="9144000"/>
@@ -17885,7 +17890,13 @@
       </p:grpSpPr>
       <p:sp>
         <p:nvSpPr>
-          <p:cNvPr id="2" name="Title 1"/>
+          <p:cNvPr id="2" name="Title 1">
+            <a:extLst>
+              <a:ext uri="{FF2B5EF4-FFF2-40B4-BE49-F238E27FC236}">
+                <a16:creationId xmlns:a16="http://schemas.microsoft.com/office/drawing/2014/main" id="{56AD51D9-444F-D0C0-C54D-5DFBC5D242D7}"/>
+              </a:ext>
+            </a:extLst>
+          </p:cNvPr>
           <p:cNvSpPr>
             <a:spLocks noGrp="1"/>
           </p:cNvSpPr>
@@ -17901,19 +17912,37 @@
           <a:lstStyle/>
           <a:p>
             <a:r>
-              <a:rPr lang="en-US" b="1" dirty="0"/>
-              <a:t>Observability Patterns</a:t>
+              <a:rPr lang="en-IN" b="1" i="0" dirty="0">
+                <a:solidFill>
+                  <a:srgbClr val="3A3A3A"/>
+                </a:solidFill>
+                <a:effectLst/>
+                <a:latin typeface="Catamaran-SemiBold"/>
+              </a:rPr>
+              <a:t>Scatter Gather Pattern</a:t>
             </a:r>
             <a:br>
-              <a:rPr lang="en-US" b="1" dirty="0"/>
+              <a:rPr lang="en-IN" b="0" i="0" dirty="0">
+                <a:solidFill>
+                  <a:srgbClr val="3A3A3A"/>
+                </a:solidFill>
+                <a:effectLst/>
+                <a:latin typeface="Catamaran-Regular"/>
+              </a:rPr>
             </a:br>
-            <a:endParaRPr lang="en-US" dirty="0"/>
-          </a:p>
-        </p:txBody>
-      </p:sp>
-      <p:sp>
-        <p:nvSpPr>
-          <p:cNvPr id="3" name="Content Placeholder 2"/>
+            <a:endParaRPr lang="en-IN" dirty="0"/>
+          </a:p>
+        </p:txBody>
+      </p:sp>
+      <p:sp>
+        <p:nvSpPr>
+          <p:cNvPr id="3" name="Content Placeholder 2">
+            <a:extLst>
+              <a:ext uri="{FF2B5EF4-FFF2-40B4-BE49-F238E27FC236}">
+                <a16:creationId xmlns:a16="http://schemas.microsoft.com/office/drawing/2014/main" id="{074D5021-408C-E6B9-E539-85BE96DB0EB7}"/>
+              </a:ext>
+            </a:extLst>
+          </p:cNvPr>
           <p:cNvSpPr>
             <a:spLocks noGrp="1"/>
           </p:cNvSpPr>
@@ -17923,38 +17952,99 @@
         </p:nvSpPr>
         <p:spPr/>
         <p:txBody>
-          <a:bodyPr/>
+          <a:bodyPr>
+            <a:normAutofit/>
+          </a:bodyPr>
           <a:lstStyle/>
           <a:p>
-            <a:r>
-              <a:rPr lang="en-US" b="1" dirty="0"/>
-              <a:t>Log Aggregation</a:t>
-            </a:r>
-          </a:p>
-          <a:p>
-            <a:r>
-              <a:rPr lang="en-US" b="1" dirty="0"/>
-              <a:t>Performance Metrics</a:t>
-            </a:r>
-          </a:p>
-          <a:p>
-            <a:r>
-              <a:rPr lang="en-US" b="1" dirty="0"/>
-              <a:t>Distributed Tracing</a:t>
-            </a:r>
-          </a:p>
-          <a:p>
-            <a:r>
-              <a:rPr lang="en-US" b="1" dirty="0"/>
-              <a:t>Health Check</a:t>
-            </a:r>
-          </a:p>
-          <a:p>
-            <a:endParaRPr lang="en-US" dirty="0"/>
-          </a:p>
-        </p:txBody>
-      </p:sp>
+            <a:pPr marL="0" indent="0">
+              <a:buNone/>
+            </a:pPr>
+            <a:r>
+              <a:rPr lang="en-US" sz="1800" dirty="0"/>
+              <a:t>Let’s consider an application in which we need to do a set of tasks to complete the business workflow. </a:t>
+            </a:r>
+          </a:p>
+          <a:p>
+            <a:pPr marL="0" indent="0">
+              <a:buNone/>
+            </a:pPr>
+            <a:r>
+              <a:rPr lang="en-US" sz="1800" dirty="0"/>
+              <a:t>If these tasks do not depend on each other, then it does not make sense to do them sequentially. We can do these tasks in parallel.</a:t>
+            </a:r>
+          </a:p>
+          <a:p>
+            <a:pPr marL="0" indent="0">
+              <a:buNone/>
+            </a:pPr>
+            <a:r>
+              <a:rPr lang="en-US" sz="1800" b="1" dirty="0"/>
+              <a:t>Scatter Gather Pattern </a:t>
+            </a:r>
+            <a:r>
+              <a:rPr lang="en-US" sz="1800" dirty="0"/>
+              <a:t>helps us to distribute these tasks to achieve parallel processing of tasks/messages/events &amp; finally aggregate the responses as a single response as shown above.</a:t>
+            </a:r>
+          </a:p>
+          <a:p>
+            <a:endParaRPr lang="en-IN" sz="1800" dirty="0"/>
+          </a:p>
+        </p:txBody>
+      </p:sp>
+      <p:pic>
+        <p:nvPicPr>
+          <p:cNvPr id="1026" name="Picture 2" descr="scatter gather pattern">
+            <a:extLst>
+              <a:ext uri="{FF2B5EF4-FFF2-40B4-BE49-F238E27FC236}">
+                <a16:creationId xmlns:a16="http://schemas.microsoft.com/office/drawing/2014/main" id="{AC55C566-4A9E-B85C-3C94-2DB3F6C2906C}"/>
+              </a:ext>
+            </a:extLst>
+          </p:cNvPr>
+          <p:cNvPicPr>
+            <a:picLocks noChangeAspect="1" noChangeArrowheads="1"/>
+          </p:cNvPicPr>
+          <p:nvPr/>
+        </p:nvPicPr>
+        <p:blipFill>
+          <a:blip r:embed="rId2">
+            <a:extLst>
+              <a:ext uri="{28A0092B-C50C-407E-A947-70E740481C1C}">
+                <a14:useLocalDpi xmlns:a14="http://schemas.microsoft.com/office/drawing/2010/main" val="0"/>
+              </a:ext>
+            </a:extLst>
+          </a:blip>
+          <a:srcRect/>
+          <a:stretch>
+            <a:fillRect/>
+          </a:stretch>
+        </p:blipFill>
+        <p:spPr bwMode="auto">
+          <a:xfrm>
+            <a:off x="1475656" y="3723320"/>
+            <a:ext cx="5847111" cy="3068960"/>
+          </a:xfrm>
+          <a:prstGeom prst="rect">
+            <a:avLst/>
+          </a:prstGeom>
+          <a:noFill/>
+          <a:extLst>
+            <a:ext uri="{909E8E84-426E-40DD-AFC4-6F175D3DCCD1}">
+              <a14:hiddenFill xmlns:a14="http://schemas.microsoft.com/office/drawing/2010/main">
+                <a:solidFill>
+                  <a:srgbClr val="FFFFFF"/>
+                </a:solidFill>
+              </a14:hiddenFill>
+            </a:ext>
+          </a:extLst>
+        </p:spPr>
+      </p:pic>
     </p:spTree>
+    <p:extLst>
+      <p:ext uri="{BB962C8B-B14F-4D97-AF65-F5344CB8AC3E}">
+        <p14:creationId xmlns:p14="http://schemas.microsoft.com/office/powerpoint/2010/main" val="2835261730"/>
+      </p:ext>
+    </p:extLst>
   </p:cSld>
   <p:clrMapOvr>
     <a:masterClrMapping/>
@@ -18166,7 +18256,13 @@
       </p:grpSpPr>
       <p:sp>
         <p:nvSpPr>
-          <p:cNvPr id="2" name="Title 1"/>
+          <p:cNvPr id="2" name="Title 1">
+            <a:extLst>
+              <a:ext uri="{FF2B5EF4-FFF2-40B4-BE49-F238E27FC236}">
+                <a16:creationId xmlns:a16="http://schemas.microsoft.com/office/drawing/2014/main" id="{B1DC4EC9-F97C-24A3-4DE7-49F0B54B1EC5}"/>
+              </a:ext>
+            </a:extLst>
+          </p:cNvPr>
           <p:cNvSpPr>
             <a:spLocks noGrp="1"/>
           </p:cNvSpPr>
@@ -18182,19 +18278,37 @@
           <a:lstStyle/>
           <a:p>
             <a:r>
-              <a:rPr lang="en-US" b="1" dirty="0"/>
-              <a:t>Log Aggregation</a:t>
+              <a:rPr lang="en-IN" b="1" i="0" dirty="0">
+                <a:solidFill>
+                  <a:srgbClr val="3A3A3A"/>
+                </a:solidFill>
+                <a:effectLst/>
+                <a:latin typeface="Catamaran-SemiBold"/>
+              </a:rPr>
+              <a:t>Scatter Gather Pattern</a:t>
             </a:r>
             <a:br>
-              <a:rPr lang="en-US" b="1" dirty="0"/>
+              <a:rPr lang="en-IN" b="0" i="0" dirty="0">
+                <a:solidFill>
+                  <a:srgbClr val="3A3A3A"/>
+                </a:solidFill>
+                <a:effectLst/>
+                <a:latin typeface="Catamaran-Regular"/>
+              </a:rPr>
             </a:br>
-            <a:endParaRPr lang="en-US" dirty="0"/>
-          </a:p>
-        </p:txBody>
-      </p:sp>
-      <p:sp>
-        <p:nvSpPr>
-          <p:cNvPr id="3" name="Content Placeholder 2"/>
+            <a:endParaRPr lang="en-IN" dirty="0"/>
+          </a:p>
+        </p:txBody>
+      </p:sp>
+      <p:sp>
+        <p:nvSpPr>
+          <p:cNvPr id="3" name="Content Placeholder 2">
+            <a:extLst>
+              <a:ext uri="{FF2B5EF4-FFF2-40B4-BE49-F238E27FC236}">
+                <a16:creationId xmlns:a16="http://schemas.microsoft.com/office/drawing/2014/main" id="{CC5D9D8C-BCD7-922B-917F-E7E95E208476}"/>
+              </a:ext>
+            </a:extLst>
+          </p:cNvPr>
           <p:cNvSpPr>
             <a:spLocks noGrp="1"/>
           </p:cNvSpPr>
@@ -18205,61 +18319,142 @@
         <p:spPr/>
         <p:txBody>
           <a:bodyPr>
-            <a:normAutofit fontScale="70000" lnSpcReduction="20000"/>
+            <a:normAutofit fontScale="47500" lnSpcReduction="20000"/>
           </a:bodyPr>
           <a:lstStyle/>
           <a:p>
-            <a:pPr>
-              <a:buNone/>
-            </a:pPr>
-            <a:r>
-              <a:rPr lang="en-US" b="1" dirty="0"/>
-              <a:t>Problem</a:t>
-            </a:r>
-          </a:p>
-          <a:p>
+            <a:pPr marL="0" indent="0">
+              <a:buNone/>
+            </a:pPr>
+            <a:r>
+              <a:rPr lang="en-IN" dirty="0"/>
+              <a:t>DEMO</a:t>
+            </a:r>
+          </a:p>
+          <a:p>
+            <a:pPr marL="0" indent="0">
+              <a:buNone/>
+            </a:pPr>
             <a:r>
               <a:rPr lang="en-US" dirty="0"/>
-              <a:t>Consider a use case where an application consists of multiple service instances that are running on multiple machines. Requests often span multiple service instances. Each service instance generates a log file in a standardized format. How can we understand the application behavior through logs for a particular request?</a:t>
-            </a:r>
-          </a:p>
-          <a:p>
-            <a:pPr>
-              <a:buNone/>
-            </a:pPr>
-            <a:r>
-              <a:rPr lang="en-US" b="1" dirty="0"/>
-              <a:t>Solution</a:t>
-            </a:r>
-          </a:p>
-          <a:p>
+              <a:t>Let’s consider a flight booking application in which user searches for flight deals. The application sends the information to all the airlines, find their fares and then responds back.</a:t>
+            </a:r>
+          </a:p>
+          <a:p>
+            <a:pPr marL="0" indent="0">
+              <a:buNone/>
+            </a:pPr>
+            <a:endParaRPr lang="en-US" dirty="0"/>
+          </a:p>
+          <a:p>
+            <a:pPr marL="0" indent="0">
+              <a:buNone/>
+            </a:pPr>
             <a:r>
               <a:rPr lang="en-US" dirty="0"/>
-              <a:t>We need a centralized logging service that aggregates logs from each service instance. Users can search and analyze the logs. They can configure alerts that are triggered when certain messages appear in the logs. For example, PCF does have </a:t>
-            </a:r>
-            <a:r>
-              <a:rPr lang="en-US" dirty="0" err="1"/>
-              <a:t>Loggeregator</a:t>
-            </a:r>
+              <a:t>As our application depends on 3rd party APIs and we need to provide best user experience to our user, we will publish the user request to all airlines and whichever responds within specific timeout period, we will collect all results and show the top 5 deals to our users.</a:t>
+            </a:r>
+          </a:p>
+          <a:p>
+            <a:endParaRPr lang="en-US" dirty="0"/>
+          </a:p>
+          <a:p>
+            <a:endParaRPr lang="en-US" dirty="0"/>
+          </a:p>
+          <a:p>
+            <a:endParaRPr lang="en-US" dirty="0"/>
+          </a:p>
+          <a:p>
+            <a:endParaRPr lang="en-US" dirty="0"/>
+          </a:p>
+          <a:p>
+            <a:endParaRPr lang="en-US" dirty="0"/>
+          </a:p>
+          <a:p>
+            <a:endParaRPr lang="en-US" dirty="0"/>
+          </a:p>
+          <a:p>
+            <a:endParaRPr lang="en-US" dirty="0"/>
+          </a:p>
+          <a:p>
+            <a:endParaRPr lang="en-US" dirty="0"/>
+          </a:p>
+          <a:p>
+            <a:endParaRPr lang="en-US" dirty="0"/>
+          </a:p>
+          <a:p>
+            <a:endParaRPr lang="en-US" dirty="0"/>
+          </a:p>
+          <a:p>
+            <a:endParaRPr lang="en-US" dirty="0"/>
+          </a:p>
+          <a:p>
             <a:r>
               <a:rPr lang="en-US" dirty="0"/>
-              <a:t>, which collects logs from each component (router, controller, </a:t>
-            </a:r>
-            <a:r>
-              <a:rPr lang="en-US" dirty="0" err="1"/>
-              <a:t>diego</a:t>
-            </a:r>
-            <a:r>
-              <a:rPr lang="en-US" dirty="0"/>
-              <a:t>, etc...) of the PCF platform along with applications. AWS Cloud Watch also does the same.</a:t>
-            </a:r>
-          </a:p>
-          <a:p>
-            <a:endParaRPr lang="en-US" dirty="0"/>
-          </a:p>
-        </p:txBody>
-      </p:sp>
+              <a:t>The main application does not even know how many airlines are listening to the requests. Even if some of the airlines services are not be up and running, it is not going to affect our flight-app.</a:t>
+            </a:r>
+          </a:p>
+          <a:p>
+            <a:pPr marL="0" indent="0">
+              <a:buNone/>
+            </a:pPr>
+            <a:endParaRPr lang="en-IN" dirty="0"/>
+          </a:p>
+        </p:txBody>
+      </p:sp>
+      <p:pic>
+        <p:nvPicPr>
+          <p:cNvPr id="2053" name="Picture 5" descr="scatter gather pattern">
+            <a:extLst>
+              <a:ext uri="{FF2B5EF4-FFF2-40B4-BE49-F238E27FC236}">
+                <a16:creationId xmlns:a16="http://schemas.microsoft.com/office/drawing/2014/main" id="{7299B820-16B5-2D8E-CF66-78145592C1F0}"/>
+              </a:ext>
+            </a:extLst>
+          </p:cNvPr>
+          <p:cNvPicPr>
+            <a:picLocks noChangeAspect="1" noChangeArrowheads="1"/>
+          </p:cNvPicPr>
+          <p:nvPr/>
+        </p:nvPicPr>
+        <p:blipFill>
+          <a:blip r:embed="rId3">
+            <a:extLst>
+              <a:ext uri="{28A0092B-C50C-407E-A947-70E740481C1C}">
+                <a14:useLocalDpi xmlns:a14="http://schemas.microsoft.com/office/drawing/2010/main" val="0"/>
+              </a:ext>
+            </a:extLst>
+          </a:blip>
+          <a:srcRect/>
+          <a:stretch>
+            <a:fillRect/>
+          </a:stretch>
+        </p:blipFill>
+        <p:spPr bwMode="auto">
+          <a:xfrm>
+            <a:off x="2033972" y="3212976"/>
+            <a:ext cx="5076056" cy="2170543"/>
+          </a:xfrm>
+          <a:prstGeom prst="rect">
+            <a:avLst/>
+          </a:prstGeom>
+          <a:noFill/>
+          <a:extLst>
+            <a:ext uri="{909E8E84-426E-40DD-AFC4-6F175D3DCCD1}">
+              <a14:hiddenFill xmlns:a14="http://schemas.microsoft.com/office/drawing/2010/main">
+                <a:solidFill>
+                  <a:srgbClr val="FFFFFF"/>
+                </a:solidFill>
+              </a14:hiddenFill>
+            </a:ext>
+          </a:extLst>
+        </p:spPr>
+      </p:pic>
     </p:spTree>
+    <p:extLst>
+      <p:ext uri="{BB962C8B-B14F-4D97-AF65-F5344CB8AC3E}">
+        <p14:creationId xmlns:p14="http://schemas.microsoft.com/office/powerpoint/2010/main" val="3016336452"/>
+      </p:ext>
+    </p:extLst>
   </p:cSld>
   <p:clrMapOvr>
     <a:masterClrMapping/>
@@ -18286,7 +18481,13 @@
       </p:grpSpPr>
       <p:sp>
         <p:nvSpPr>
-          <p:cNvPr id="2" name="Title 1"/>
+          <p:cNvPr id="2" name="Title 1">
+            <a:extLst>
+              <a:ext uri="{FF2B5EF4-FFF2-40B4-BE49-F238E27FC236}">
+                <a16:creationId xmlns:a16="http://schemas.microsoft.com/office/drawing/2014/main" id="{B1DC4EC9-F97C-24A3-4DE7-49F0B54B1EC5}"/>
+              </a:ext>
+            </a:extLst>
+          </p:cNvPr>
           <p:cNvSpPr>
             <a:spLocks noGrp="1"/>
           </p:cNvSpPr>
@@ -18302,19 +18503,37 @@
           <a:lstStyle/>
           <a:p>
             <a:r>
-              <a:rPr lang="en-US" b="1" dirty="0"/>
-              <a:t>Performance Metrics</a:t>
+              <a:rPr lang="en-IN" b="1" i="0" dirty="0">
+                <a:solidFill>
+                  <a:srgbClr val="3A3A3A"/>
+                </a:solidFill>
+                <a:effectLst/>
+                <a:latin typeface="Catamaran-SemiBold"/>
+              </a:rPr>
+              <a:t>Scatter Gather Pattern</a:t>
             </a:r>
             <a:br>
-              <a:rPr lang="en-US" b="1" dirty="0"/>
+              <a:rPr lang="en-IN" b="0" i="0" dirty="0">
+                <a:solidFill>
+                  <a:srgbClr val="3A3A3A"/>
+                </a:solidFill>
+                <a:effectLst/>
+                <a:latin typeface="Catamaran-Regular"/>
+              </a:rPr>
             </a:br>
-            <a:endParaRPr lang="en-US" dirty="0"/>
-          </a:p>
-        </p:txBody>
-      </p:sp>
-      <p:sp>
-        <p:nvSpPr>
-          <p:cNvPr id="3" name="Content Placeholder 2"/>
+            <a:endParaRPr lang="en-IN" dirty="0"/>
+          </a:p>
+        </p:txBody>
+      </p:sp>
+      <p:sp>
+        <p:nvSpPr>
+          <p:cNvPr id="3" name="Content Placeholder 2">
+            <a:extLst>
+              <a:ext uri="{FF2B5EF4-FFF2-40B4-BE49-F238E27FC236}">
+                <a16:creationId xmlns:a16="http://schemas.microsoft.com/office/drawing/2014/main" id="{CC5D9D8C-BCD7-922B-917F-E7E95E208476}"/>
+              </a:ext>
+            </a:extLst>
+          </p:cNvPr>
           <p:cNvSpPr>
             <a:spLocks noGrp="1"/>
           </p:cNvSpPr>
@@ -18325,86 +18544,479 @@
         <p:spPr/>
         <p:txBody>
           <a:bodyPr>
-            <a:normAutofit fontScale="70000" lnSpcReduction="20000"/>
+            <a:normAutofit fontScale="77500" lnSpcReduction="20000"/>
           </a:bodyPr>
           <a:lstStyle/>
           <a:p>
-            <a:pPr>
-              <a:buNone/>
-            </a:pPr>
-            <a:r>
-              <a:rPr lang="en-US" b="1" dirty="0"/>
-              <a:t>Problem</a:t>
-            </a:r>
-          </a:p>
-          <a:p>
-            <a:r>
-              <a:rPr lang="en-US" dirty="0"/>
-              <a:t>When the service portfolio increases due to </a:t>
-            </a:r>
-            <a:r>
-              <a:rPr lang="en-US" dirty="0" err="1"/>
-              <a:t>microservice</a:t>
-            </a:r>
-            <a:r>
-              <a:rPr lang="en-US" dirty="0"/>
-              <a:t> architecture, it becomes critical to keep a watch on the transactions so that patterns can be monitored and alerts sent when an issue happens. How should we collect metrics to monitor application </a:t>
-            </a:r>
-            <a:r>
-              <a:rPr lang="en-US" dirty="0" err="1"/>
-              <a:t>perfomance</a:t>
-            </a:r>
-            <a:r>
-              <a:rPr lang="en-US" dirty="0"/>
-              <a:t>?</a:t>
-            </a:r>
-          </a:p>
-          <a:p>
-            <a:pPr>
-              <a:buNone/>
-            </a:pPr>
-            <a:r>
-              <a:rPr lang="en-US" b="1" dirty="0"/>
-              <a:t>Solution</a:t>
-            </a:r>
-          </a:p>
-          <a:p>
-            <a:r>
-              <a:rPr lang="en-US" dirty="0"/>
-              <a:t>A metrics service is required to gather statistics about individual operations. It should aggregate the metrics of an application service, which provides reporting and alerting. There are two models for aggregating metrics:</a:t>
-            </a:r>
-          </a:p>
-          <a:p>
-            <a:r>
-              <a:rPr lang="en-US" dirty="0"/>
-              <a:t>Push — the service pushes metrics to the metrics service e.g. </a:t>
-            </a:r>
-            <a:r>
-              <a:rPr lang="en-US" dirty="0" err="1"/>
-              <a:t>NewRelic</a:t>
-            </a:r>
-            <a:r>
-              <a:rPr lang="en-US" dirty="0"/>
-              <a:t>, </a:t>
-            </a:r>
-            <a:r>
-              <a:rPr lang="en-US" dirty="0" err="1"/>
-              <a:t>AppDynamics</a:t>
-            </a:r>
-            <a:endParaRPr lang="en-US" dirty="0"/>
-          </a:p>
-          <a:p>
-            <a:r>
-              <a:rPr lang="en-US" dirty="0"/>
-              <a:t>Pull — the metrics services pulls metrics from the service e.g. Prometheus</a:t>
-            </a:r>
-          </a:p>
-          <a:p>
-            <a:endParaRPr lang="en-US" dirty="0"/>
-          </a:p>
-        </p:txBody>
-      </p:sp>
+            <a:pPr marL="0" indent="0">
+              <a:buNone/>
+            </a:pPr>
+            <a:r>
+              <a:rPr lang="en-IN" sz="1600" dirty="0"/>
+              <a:t>DEMO</a:t>
+            </a:r>
+          </a:p>
+          <a:p>
+            <a:pPr marL="0" indent="0">
+              <a:buNone/>
+            </a:pPr>
+            <a:r>
+              <a:rPr lang="en-IN" sz="1600" dirty="0"/>
+              <a:t>NATS Server:</a:t>
+            </a:r>
+          </a:p>
+          <a:p>
+            <a:pPr marL="0" indent="0">
+              <a:buNone/>
+            </a:pPr>
+            <a:r>
+              <a:rPr lang="en-US" sz="1600" dirty="0"/>
+              <a:t>Please ensure that NATS server is up and running.  We can easily spin up NATS by using docker.</a:t>
+            </a:r>
+          </a:p>
+          <a:p>
+            <a:pPr marL="0" indent="0">
+              <a:buNone/>
+            </a:pPr>
+            <a:r>
+              <a:rPr lang="en-IN" sz="1600" b="1" i="1" dirty="0"/>
+              <a:t>docker run -p 4222:4222 </a:t>
+            </a:r>
+            <a:r>
+              <a:rPr lang="en-IN" sz="1600" b="1" i="1" dirty="0" err="1"/>
+              <a:t>nats:alpine</a:t>
+            </a:r>
+            <a:endParaRPr lang="en-IN" sz="1600" b="1" i="1" dirty="0"/>
+          </a:p>
+          <a:p>
+            <a:pPr marL="0" indent="0" algn="l" fontAlgn="base">
+              <a:buNone/>
+            </a:pPr>
+            <a:r>
+              <a:rPr lang="en-US" sz="1600" i="0" dirty="0">
+                <a:solidFill>
+                  <a:srgbClr val="3A3A3A"/>
+                </a:solidFill>
+                <a:effectLst/>
+              </a:rPr>
+              <a:t>Project Setup</a:t>
+            </a:r>
+          </a:p>
+          <a:p>
+            <a:pPr algn="l" fontAlgn="base"/>
+            <a:r>
+              <a:rPr lang="en-US" sz="1600" b="0" i="0" dirty="0">
+                <a:solidFill>
+                  <a:srgbClr val="212121"/>
+                </a:solidFill>
+                <a:effectLst/>
+              </a:rPr>
+              <a:t>Create a Spring Boot application with below dependencies.</a:t>
+            </a:r>
+          </a:p>
+          <a:p>
+            <a:pPr algn="l" fontAlgn="base"/>
+            <a:endParaRPr lang="en-US" sz="1600" b="0" i="0" dirty="0">
+              <a:solidFill>
+                <a:srgbClr val="212121"/>
+              </a:solidFill>
+              <a:effectLst/>
+            </a:endParaRPr>
+          </a:p>
+          <a:p>
+            <a:pPr algn="l" fontAlgn="base"/>
+            <a:endParaRPr lang="en-US" sz="1600" dirty="0">
+              <a:solidFill>
+                <a:srgbClr val="212121"/>
+              </a:solidFill>
+            </a:endParaRPr>
+          </a:p>
+          <a:p>
+            <a:pPr algn="l" fontAlgn="base"/>
+            <a:endParaRPr lang="en-US" sz="1600" b="0" i="0" dirty="0">
+              <a:solidFill>
+                <a:srgbClr val="212121"/>
+              </a:solidFill>
+              <a:effectLst/>
+            </a:endParaRPr>
+          </a:p>
+          <a:p>
+            <a:pPr algn="l" fontAlgn="base"/>
+            <a:endParaRPr lang="en-US" sz="1600" dirty="0">
+              <a:solidFill>
+                <a:srgbClr val="212121"/>
+              </a:solidFill>
+            </a:endParaRPr>
+          </a:p>
+          <a:p>
+            <a:pPr algn="l" fontAlgn="base"/>
+            <a:endParaRPr lang="en-US" sz="1600" b="0" i="0" dirty="0">
+              <a:solidFill>
+                <a:srgbClr val="212121"/>
+              </a:solidFill>
+              <a:effectLst/>
+            </a:endParaRPr>
+          </a:p>
+          <a:p>
+            <a:pPr algn="l" fontAlgn="base"/>
+            <a:r>
+              <a:rPr lang="en-US" sz="1600" b="0" i="0" dirty="0">
+                <a:solidFill>
+                  <a:srgbClr val="212121"/>
+                </a:solidFill>
+                <a:effectLst/>
+              </a:rPr>
+              <a:t>It will be a multi-module maven project as shown here.</a:t>
+            </a:r>
+          </a:p>
+          <a:p>
+            <a:pPr algn="l" fontAlgn="base"/>
+            <a:endParaRPr lang="en-US" sz="1600" b="0" i="0" dirty="0">
+              <a:solidFill>
+                <a:srgbClr val="212121"/>
+              </a:solidFill>
+              <a:effectLst/>
+            </a:endParaRPr>
+          </a:p>
+          <a:p>
+            <a:pPr algn="l" fontAlgn="base"/>
+            <a:endParaRPr lang="en-US" sz="1600" dirty="0">
+              <a:solidFill>
+                <a:srgbClr val="212121"/>
+              </a:solidFill>
+            </a:endParaRPr>
+          </a:p>
+          <a:p>
+            <a:pPr algn="l" fontAlgn="base"/>
+            <a:endParaRPr lang="en-US" sz="1600" dirty="0">
+              <a:solidFill>
+                <a:srgbClr val="212121"/>
+              </a:solidFill>
+            </a:endParaRPr>
+          </a:p>
+          <a:p>
+            <a:pPr algn="l" fontAlgn="base"/>
+            <a:endParaRPr lang="en-US" sz="1600" dirty="0">
+              <a:solidFill>
+                <a:srgbClr val="212121"/>
+              </a:solidFill>
+            </a:endParaRPr>
+          </a:p>
+          <a:p>
+            <a:pPr algn="l" fontAlgn="base"/>
+            <a:endParaRPr lang="en-US" sz="1600" dirty="0">
+              <a:solidFill>
+                <a:srgbClr val="212121"/>
+              </a:solidFill>
+            </a:endParaRPr>
+          </a:p>
+          <a:p>
+            <a:pPr algn="l" fontAlgn="base"/>
+            <a:r>
+              <a:rPr lang="en-US" sz="1600" b="0" i="0" dirty="0">
+                <a:solidFill>
+                  <a:srgbClr val="212121"/>
+                </a:solidFill>
+                <a:effectLst/>
+              </a:rPr>
+              <a:t>Our project depends on super-fast NATS messaging server. So add this dependency as well.</a:t>
+            </a:r>
+          </a:p>
+          <a:p>
+            <a:pPr algn="l" fontAlgn="base"/>
+            <a:endParaRPr lang="en-US" sz="1600" b="0" i="0" dirty="0">
+              <a:solidFill>
+                <a:srgbClr val="212121"/>
+              </a:solidFill>
+              <a:effectLst/>
+            </a:endParaRPr>
+          </a:p>
+          <a:p>
+            <a:pPr marL="0" indent="0" algn="l" fontAlgn="base">
+              <a:buNone/>
+            </a:pPr>
+            <a:r>
+              <a:rPr lang="en-US" sz="1600" b="0" i="0" dirty="0">
+                <a:solidFill>
+                  <a:srgbClr val="212121"/>
+                </a:solidFill>
+                <a:effectLst/>
+              </a:rPr>
+              <a:t>&lt;dependency&gt;</a:t>
+            </a:r>
+          </a:p>
+          <a:p>
+            <a:pPr marL="0" indent="0" algn="l" fontAlgn="base">
+              <a:buNone/>
+            </a:pPr>
+            <a:r>
+              <a:rPr lang="en-US" sz="1600" b="0" i="0" dirty="0">
+                <a:solidFill>
+                  <a:srgbClr val="212121"/>
+                </a:solidFill>
+                <a:effectLst/>
+              </a:rPr>
+              <a:t>    &lt;</a:t>
+            </a:r>
+            <a:r>
+              <a:rPr lang="en-US" sz="1600" b="0" i="0" dirty="0" err="1">
+                <a:solidFill>
+                  <a:srgbClr val="212121"/>
+                </a:solidFill>
+                <a:effectLst/>
+              </a:rPr>
+              <a:t>groupId</a:t>
+            </a:r>
+            <a:r>
+              <a:rPr lang="en-US" sz="1600" b="0" i="0" dirty="0">
+                <a:solidFill>
+                  <a:srgbClr val="212121"/>
+                </a:solidFill>
+                <a:effectLst/>
+              </a:rPr>
+              <a:t>&gt;</a:t>
+            </a:r>
+            <a:r>
+              <a:rPr lang="en-US" sz="1600" b="0" i="0" dirty="0" err="1">
+                <a:solidFill>
+                  <a:srgbClr val="212121"/>
+                </a:solidFill>
+                <a:effectLst/>
+              </a:rPr>
+              <a:t>io.nats</a:t>
+            </a:r>
+            <a:r>
+              <a:rPr lang="en-US" sz="1600" b="0" i="0" dirty="0">
+                <a:solidFill>
+                  <a:srgbClr val="212121"/>
+                </a:solidFill>
+                <a:effectLst/>
+              </a:rPr>
+              <a:t>&lt;/</a:t>
+            </a:r>
+            <a:r>
+              <a:rPr lang="en-US" sz="1600" b="0" i="0" dirty="0" err="1">
+                <a:solidFill>
+                  <a:srgbClr val="212121"/>
+                </a:solidFill>
+                <a:effectLst/>
+              </a:rPr>
+              <a:t>groupId</a:t>
+            </a:r>
+            <a:r>
+              <a:rPr lang="en-US" sz="1600" b="0" i="0" dirty="0">
+                <a:solidFill>
+                  <a:srgbClr val="212121"/>
+                </a:solidFill>
+                <a:effectLst/>
+              </a:rPr>
+              <a:t>&gt;</a:t>
+            </a:r>
+          </a:p>
+          <a:p>
+            <a:pPr marL="0" indent="0" algn="l" fontAlgn="base">
+              <a:buNone/>
+            </a:pPr>
+            <a:r>
+              <a:rPr lang="en-US" sz="1600" b="0" i="0" dirty="0">
+                <a:solidFill>
+                  <a:srgbClr val="212121"/>
+                </a:solidFill>
+                <a:effectLst/>
+              </a:rPr>
+              <a:t>    &lt;</a:t>
+            </a:r>
+            <a:r>
+              <a:rPr lang="en-US" sz="1600" b="0" i="0" dirty="0" err="1">
+                <a:solidFill>
+                  <a:srgbClr val="212121"/>
+                </a:solidFill>
+                <a:effectLst/>
+              </a:rPr>
+              <a:t>artifactId</a:t>
+            </a:r>
+            <a:r>
+              <a:rPr lang="en-US" sz="1600" b="0" i="0" dirty="0">
+                <a:solidFill>
+                  <a:srgbClr val="212121"/>
+                </a:solidFill>
+                <a:effectLst/>
+              </a:rPr>
+              <a:t>&gt;</a:t>
+            </a:r>
+            <a:r>
+              <a:rPr lang="en-US" sz="1600" b="0" i="0" dirty="0" err="1">
+                <a:solidFill>
+                  <a:srgbClr val="212121"/>
+                </a:solidFill>
+                <a:effectLst/>
+              </a:rPr>
+              <a:t>jnats</a:t>
+            </a:r>
+            <a:r>
+              <a:rPr lang="en-US" sz="1600" b="0" i="0" dirty="0">
+                <a:solidFill>
+                  <a:srgbClr val="212121"/>
+                </a:solidFill>
+                <a:effectLst/>
+              </a:rPr>
+              <a:t>&lt;/</a:t>
+            </a:r>
+            <a:r>
+              <a:rPr lang="en-US" sz="1600" b="0" i="0" dirty="0" err="1">
+                <a:solidFill>
+                  <a:srgbClr val="212121"/>
+                </a:solidFill>
+                <a:effectLst/>
+              </a:rPr>
+              <a:t>artifactId</a:t>
+            </a:r>
+            <a:r>
+              <a:rPr lang="en-US" sz="1600" b="0" i="0" dirty="0">
+                <a:solidFill>
+                  <a:srgbClr val="212121"/>
+                </a:solidFill>
+                <a:effectLst/>
+              </a:rPr>
+              <a:t>&gt;</a:t>
+            </a:r>
+          </a:p>
+          <a:p>
+            <a:pPr marL="0" indent="0" algn="l" fontAlgn="base">
+              <a:buNone/>
+            </a:pPr>
+            <a:r>
+              <a:rPr lang="en-US" sz="1600" b="0" i="0" dirty="0">
+                <a:solidFill>
+                  <a:srgbClr val="212121"/>
+                </a:solidFill>
+                <a:effectLst/>
+              </a:rPr>
+              <a:t>    &lt;version&gt;2.6.8&lt;/version&gt;</a:t>
+            </a:r>
+          </a:p>
+          <a:p>
+            <a:pPr marL="0" indent="0" algn="l" fontAlgn="base">
+              <a:buNone/>
+            </a:pPr>
+            <a:r>
+              <a:rPr lang="en-US" sz="1600" b="0" i="0" dirty="0">
+                <a:solidFill>
+                  <a:srgbClr val="212121"/>
+                </a:solidFill>
+                <a:effectLst/>
+              </a:rPr>
+              <a:t>&lt;/dependency&gt;</a:t>
+            </a:r>
+          </a:p>
+          <a:p>
+            <a:pPr marL="0" indent="0">
+              <a:buNone/>
+            </a:pPr>
+            <a:endParaRPr lang="en-IN" sz="1600" dirty="0"/>
+          </a:p>
+        </p:txBody>
+      </p:sp>
+      <p:pic>
+        <p:nvPicPr>
+          <p:cNvPr id="3078" name="Picture 6">
+            <a:extLst>
+              <a:ext uri="{FF2B5EF4-FFF2-40B4-BE49-F238E27FC236}">
+                <a16:creationId xmlns:a16="http://schemas.microsoft.com/office/drawing/2014/main" id="{7B88FE5C-0638-1A34-41EC-C407635C83DF}"/>
+              </a:ext>
+            </a:extLst>
+          </p:cNvPr>
+          <p:cNvPicPr>
+            <a:picLocks noChangeAspect="1" noChangeArrowheads="1"/>
+          </p:cNvPicPr>
+          <p:nvPr/>
+        </p:nvPicPr>
+        <p:blipFill>
+          <a:blip r:embed="rId2">
+            <a:extLst>
+              <a:ext uri="{28A0092B-C50C-407E-A947-70E740481C1C}">
+                <a14:useLocalDpi xmlns:a14="http://schemas.microsoft.com/office/drawing/2010/main" val="0"/>
+              </a:ext>
+            </a:extLst>
+          </a:blip>
+          <a:srcRect/>
+          <a:stretch>
+            <a:fillRect/>
+          </a:stretch>
+        </p:blipFill>
+        <p:spPr bwMode="auto">
+          <a:xfrm>
+            <a:off x="5004048" y="2420888"/>
+            <a:ext cx="3552817" cy="1160202"/>
+          </a:xfrm>
+          <a:prstGeom prst="rect">
+            <a:avLst/>
+          </a:prstGeom>
+          <a:noFill/>
+          <a:extLst>
+            <a:ext uri="{909E8E84-426E-40DD-AFC4-6F175D3DCCD1}">
+              <a14:hiddenFill xmlns:a14="http://schemas.microsoft.com/office/drawing/2010/main">
+                <a:solidFill>
+                  <a:srgbClr val="FFFFFF"/>
+                </a:solidFill>
+              </a14:hiddenFill>
+            </a:ext>
+          </a:extLst>
+        </p:spPr>
+      </p:pic>
+      <p:pic>
+        <p:nvPicPr>
+          <p:cNvPr id="3080" name="Picture 8">
+            <a:extLst>
+              <a:ext uri="{FF2B5EF4-FFF2-40B4-BE49-F238E27FC236}">
+                <a16:creationId xmlns:a16="http://schemas.microsoft.com/office/drawing/2014/main" id="{20FFAA8B-CDC8-73C6-2DC6-9ABE9E815404}"/>
+              </a:ext>
+            </a:extLst>
+          </p:cNvPr>
+          <p:cNvPicPr>
+            <a:picLocks noChangeAspect="1" noChangeArrowheads="1"/>
+          </p:cNvPicPr>
+          <p:nvPr/>
+        </p:nvPicPr>
+        <p:blipFill>
+          <a:blip r:embed="rId3">
+            <a:extLst>
+              <a:ext uri="{28A0092B-C50C-407E-A947-70E740481C1C}">
+                <a14:useLocalDpi xmlns:a14="http://schemas.microsoft.com/office/drawing/2010/main" val="0"/>
+              </a:ext>
+            </a:extLst>
+          </a:blip>
+          <a:srcRect/>
+          <a:stretch>
+            <a:fillRect/>
+          </a:stretch>
+        </p:blipFill>
+        <p:spPr bwMode="auto">
+          <a:xfrm>
+            <a:off x="5364088" y="3763652"/>
+            <a:ext cx="2619375" cy="809625"/>
+          </a:xfrm>
+          <a:prstGeom prst="rect">
+            <a:avLst/>
+          </a:prstGeom>
+          <a:noFill/>
+          <a:extLst>
+            <a:ext uri="{909E8E84-426E-40DD-AFC4-6F175D3DCCD1}">
+              <a14:hiddenFill xmlns:a14="http://schemas.microsoft.com/office/drawing/2010/main">
+                <a:solidFill>
+                  <a:srgbClr val="FFFFFF"/>
+                </a:solidFill>
+              </a14:hiddenFill>
+            </a:ext>
+          </a:extLst>
+        </p:spPr>
+      </p:pic>
     </p:spTree>
+    <p:extLst>
+      <p:ext uri="{BB962C8B-B14F-4D97-AF65-F5344CB8AC3E}">
+        <p14:creationId xmlns:p14="http://schemas.microsoft.com/office/powerpoint/2010/main" val="2107592708"/>
+      </p:ext>
+    </p:extLst>
   </p:cSld>
   <p:clrMapOvr>
     <a:masterClrMapping/>
@@ -18431,7 +19043,13 @@
       </p:grpSpPr>
       <p:sp>
         <p:nvSpPr>
-          <p:cNvPr id="2" name="Title 1"/>
+          <p:cNvPr id="2" name="Title 1">
+            <a:extLst>
+              <a:ext uri="{FF2B5EF4-FFF2-40B4-BE49-F238E27FC236}">
+                <a16:creationId xmlns:a16="http://schemas.microsoft.com/office/drawing/2014/main" id="{F5BEDD40-8418-A74C-A3EE-2FC169A04A0A}"/>
+              </a:ext>
+            </a:extLst>
+          </p:cNvPr>
           <p:cNvSpPr>
             <a:spLocks noGrp="1"/>
           </p:cNvSpPr>
@@ -18447,19 +19065,37 @@
           <a:lstStyle/>
           <a:p>
             <a:r>
-              <a:rPr lang="en-US" b="1" dirty="0"/>
-              <a:t>Distributed Tracing</a:t>
+              <a:rPr lang="en-IN" b="1" i="0" dirty="0">
+                <a:solidFill>
+                  <a:srgbClr val="3A3A3A"/>
+                </a:solidFill>
+                <a:effectLst/>
+                <a:latin typeface="Catamaran-SemiBold"/>
+              </a:rPr>
+              <a:t>Scatter Gather Pattern</a:t>
             </a:r>
             <a:br>
-              <a:rPr lang="en-US" b="1" dirty="0"/>
+              <a:rPr lang="en-IN" b="0" i="0" dirty="0">
+                <a:solidFill>
+                  <a:srgbClr val="3A3A3A"/>
+                </a:solidFill>
+                <a:effectLst/>
+                <a:latin typeface="Catamaran-Regular"/>
+              </a:rPr>
             </a:br>
-            <a:endParaRPr lang="en-US" dirty="0"/>
-          </a:p>
-        </p:txBody>
-      </p:sp>
-      <p:sp>
-        <p:nvSpPr>
-          <p:cNvPr id="3" name="Content Placeholder 2"/>
+            <a:endParaRPr lang="en-IN" dirty="0"/>
+          </a:p>
+        </p:txBody>
+      </p:sp>
+      <p:sp>
+        <p:nvSpPr>
+          <p:cNvPr id="3" name="Content Placeholder 2">
+            <a:extLst>
+              <a:ext uri="{FF2B5EF4-FFF2-40B4-BE49-F238E27FC236}">
+                <a16:creationId xmlns:a16="http://schemas.microsoft.com/office/drawing/2014/main" id="{E4E37B9B-F345-1836-0EFF-36E68FA2F530}"/>
+              </a:ext>
+            </a:extLst>
+          </p:cNvPr>
           <p:cNvSpPr>
             <a:spLocks noGrp="1"/>
           </p:cNvSpPr>
@@ -18474,92 +19110,306 @@
           </a:bodyPr>
           <a:lstStyle/>
           <a:p>
-            <a:pPr>
-              <a:buNone/>
-            </a:pPr>
-            <a:r>
-              <a:rPr lang="en-US" b="1" dirty="0"/>
-              <a:t>Problem</a:t>
-            </a:r>
-          </a:p>
-          <a:p>
+            <a:r>
+              <a:rPr lang="en-IN" dirty="0"/>
+              <a:t>DEMO</a:t>
+            </a:r>
+          </a:p>
+          <a:p>
+            <a:pPr marL="0" indent="0" algn="l" fontAlgn="base">
+              <a:buNone/>
+            </a:pPr>
+            <a:r>
+              <a:rPr lang="en-US" b="1" i="0" dirty="0">
+                <a:solidFill>
+                  <a:srgbClr val="3A3A3A"/>
+                </a:solidFill>
+                <a:effectLst/>
+                <a:latin typeface="Catamaran-SemiBold"/>
+              </a:rPr>
+              <a:t>Scatter Gather Pattern</a:t>
+            </a:r>
+            <a:endParaRPr lang="en-US" b="0" i="0" dirty="0">
+              <a:solidFill>
+                <a:srgbClr val="3A3A3A"/>
+              </a:solidFill>
+              <a:effectLst/>
+              <a:latin typeface="Catamaran-Regular"/>
+            </a:endParaRPr>
+          </a:p>
+          <a:p>
+            <a:pPr lvl="1" fontAlgn="base">
+              <a:buFont typeface="Arial" panose="020B0604020202020204" pitchFamily="34" charset="0"/>
+              <a:buChar char="•"/>
+            </a:pPr>
+            <a:r>
+              <a:rPr lang="en-US" b="0" i="0" dirty="0">
+                <a:solidFill>
+                  <a:srgbClr val="212121"/>
+                </a:solidFill>
+                <a:effectLst/>
+                <a:latin typeface="Catamaran-Regular"/>
+              </a:rPr>
+              <a:t>Now lets work on the flight-search customer facing app.</a:t>
+            </a:r>
+          </a:p>
+          <a:p>
+            <a:pPr lvl="2" fontAlgn="base"/>
+            <a:r>
+              <a:rPr lang="en-IN" b="0" i="0" dirty="0">
+                <a:solidFill>
+                  <a:srgbClr val="212121"/>
+                </a:solidFill>
+                <a:effectLst/>
+                <a:latin typeface="Catamaran-Regular"/>
+              </a:rPr>
+              <a:t>NATS bean</a:t>
+            </a:r>
+          </a:p>
+          <a:p>
+            <a:pPr lvl="2" fontAlgn="base"/>
+            <a:r>
+              <a:rPr lang="en-US" b="0" i="0" dirty="0">
+                <a:solidFill>
+                  <a:srgbClr val="212121"/>
+                </a:solidFill>
+                <a:effectLst/>
+                <a:latin typeface="Catamaran-Regular"/>
+              </a:rPr>
+              <a:t>Controller</a:t>
+            </a:r>
+          </a:p>
+          <a:p>
+            <a:pPr lvl="2" fontAlgn="base"/>
+            <a:r>
+              <a:rPr lang="en-US" b="0" i="0" dirty="0" err="1">
+                <a:solidFill>
+                  <a:srgbClr val="212121"/>
+                </a:solidFill>
+                <a:effectLst/>
+                <a:latin typeface="Catamaran-Regular"/>
+              </a:rPr>
+              <a:t>ScatterGatherService</a:t>
+            </a:r>
+            <a:endParaRPr lang="en-US" b="0" i="0" dirty="0">
+              <a:solidFill>
+                <a:srgbClr val="212121"/>
+              </a:solidFill>
+              <a:effectLst/>
+              <a:latin typeface="Catamaran-Regular"/>
+            </a:endParaRPr>
+          </a:p>
+          <a:p>
+            <a:pPr lvl="3" fontAlgn="base">
+              <a:buFont typeface="Arial" panose="020B0604020202020204" pitchFamily="34" charset="0"/>
+              <a:buChar char="•"/>
+            </a:pPr>
+            <a:r>
+              <a:rPr lang="en-US" b="0" i="0" dirty="0">
+                <a:solidFill>
+                  <a:srgbClr val="212121"/>
+                </a:solidFill>
+                <a:effectLst/>
+                <a:latin typeface="Catamaran-Regular"/>
+              </a:rPr>
+              <a:t>This class is responsible for broadcasting the request and receiving the responses</a:t>
+            </a:r>
+          </a:p>
+          <a:p>
+            <a:pPr marL="0" indent="0">
+              <a:buNone/>
+            </a:pPr>
+            <a:endParaRPr lang="en-IN" b="1" i="0" dirty="0">
+              <a:solidFill>
+                <a:srgbClr val="3A3A3A"/>
+              </a:solidFill>
+              <a:effectLst/>
+              <a:latin typeface="Catamaran-SemiBold"/>
+            </a:endParaRPr>
+          </a:p>
+          <a:p>
+            <a:pPr marL="0" indent="0">
+              <a:buNone/>
+            </a:pPr>
+            <a:r>
+              <a:rPr lang="en-IN" b="1" i="0" dirty="0">
+                <a:solidFill>
+                  <a:srgbClr val="3A3A3A"/>
+                </a:solidFill>
+                <a:effectLst/>
+                <a:latin typeface="Catamaran-SemiBold"/>
+              </a:rPr>
+              <a:t>Airline – Service</a:t>
+            </a:r>
+            <a:endParaRPr lang="en-IN" b="0" i="0" dirty="0">
+              <a:solidFill>
+                <a:srgbClr val="3A3A3A"/>
+              </a:solidFill>
+              <a:effectLst/>
+              <a:latin typeface="Catamaran-Regular"/>
+            </a:endParaRPr>
+          </a:p>
+          <a:p>
+            <a:pPr lvl="1">
+              <a:buFont typeface="Arial" panose="020B0604020202020204" pitchFamily="34" charset="0"/>
+              <a:buChar char="•"/>
+            </a:pPr>
             <a:r>
               <a:rPr lang="en-US" dirty="0"/>
-              <a:t>In </a:t>
-            </a:r>
-            <a:r>
-              <a:rPr lang="en-US" dirty="0" err="1"/>
-              <a:t>microservice</a:t>
-            </a:r>
+              <a:t>This service class represents the individual airlines. It receives the request and provide the schedules along with price.</a:t>
+            </a:r>
+          </a:p>
+          <a:p>
+            <a:pPr lvl="1">
+              <a:buFont typeface="Arial" panose="020B0604020202020204" pitchFamily="34" charset="0"/>
+              <a:buChar char="•"/>
+            </a:pPr>
             <a:r>
               <a:rPr lang="en-US" dirty="0"/>
-              <a:t> architecture, requests often span multiple services. Each service handles a request by performing one or more operations across multiple services. Then, how do we trace a request end-to-end to troubleshoot the problem?</a:t>
-            </a:r>
-          </a:p>
-          <a:p>
-            <a:pPr>
-              <a:buNone/>
-            </a:pPr>
-            <a:r>
-              <a:rPr lang="en-US" b="1" dirty="0"/>
-              <a:t>Solution</a:t>
-            </a:r>
-          </a:p>
-          <a:p>
-            <a:r>
-              <a:rPr lang="en-US" dirty="0"/>
-              <a:t>We need a service which</a:t>
-            </a:r>
-          </a:p>
-          <a:p>
-            <a:r>
-              <a:rPr lang="en-US" dirty="0"/>
-              <a:t>Assigns each external request a unique external request id.</a:t>
-            </a:r>
-          </a:p>
-          <a:p>
-            <a:r>
-              <a:rPr lang="en-US" dirty="0"/>
-              <a:t>Passes the external request id to all services.</a:t>
-            </a:r>
-          </a:p>
-          <a:p>
-            <a:r>
-              <a:rPr lang="en-US" dirty="0"/>
-              <a:t>Includes the external request id in all log messages.</a:t>
-            </a:r>
-          </a:p>
-          <a:p>
-            <a:r>
-              <a:rPr lang="en-US" dirty="0"/>
-              <a:t>Records information (e.g. start time, end time) about the requests and operations performed when handling an external request in a centralized service.</a:t>
-            </a:r>
-          </a:p>
-          <a:p>
-            <a:r>
-              <a:rPr lang="en-US" dirty="0"/>
-              <a:t>Spring Cloud </a:t>
-            </a:r>
-            <a:r>
-              <a:rPr lang="en-US" dirty="0" err="1"/>
-              <a:t>Slueth</a:t>
-            </a:r>
-            <a:r>
-              <a:rPr lang="en-US" dirty="0"/>
-              <a:t>, along with </a:t>
-            </a:r>
-            <a:r>
-              <a:rPr lang="en-US" dirty="0" err="1"/>
-              <a:t>Zipkin</a:t>
-            </a:r>
-            <a:r>
-              <a:rPr lang="en-US" dirty="0"/>
-              <a:t> server, is a common implementation.</a:t>
-            </a:r>
+              <a:t>This is a separate app. We would be running multiple instances of this app.</a:t>
+            </a:r>
+            <a:endParaRPr lang="en-IN" dirty="0"/>
+          </a:p>
+          <a:p>
+            <a:pPr marL="0" indent="0" algn="l" fontAlgn="base">
+              <a:buNone/>
+            </a:pPr>
+            <a:r>
+              <a:rPr lang="en-US" b="1" i="0" dirty="0">
+                <a:solidFill>
+                  <a:srgbClr val="3A3A3A"/>
+                </a:solidFill>
+                <a:effectLst/>
+                <a:latin typeface="Catamaran-SemiBold"/>
+              </a:rPr>
+              <a:t>Common DTO</a:t>
+            </a:r>
+            <a:endParaRPr lang="en-US" b="0" i="0" dirty="0">
+              <a:solidFill>
+                <a:srgbClr val="3A3A3A"/>
+              </a:solidFill>
+              <a:effectLst/>
+              <a:latin typeface="Catamaran-Regular"/>
+            </a:endParaRPr>
+          </a:p>
+          <a:p>
+            <a:pPr lvl="1" fontAlgn="base">
+              <a:buFont typeface="Arial" panose="020B0604020202020204" pitchFamily="34" charset="0"/>
+              <a:buChar char="•"/>
+            </a:pPr>
+            <a:r>
+              <a:rPr lang="en-US" b="0" i="0" dirty="0">
+                <a:solidFill>
+                  <a:srgbClr val="212121"/>
+                </a:solidFill>
+                <a:effectLst/>
+                <a:latin typeface="Catamaran-Regular"/>
+              </a:rPr>
+              <a:t>Flight Search Request</a:t>
+            </a:r>
+            <a:endParaRPr lang="en-IN" b="0" i="0" dirty="0">
+              <a:solidFill>
+                <a:srgbClr val="212121"/>
+              </a:solidFill>
+              <a:effectLst/>
+              <a:latin typeface="Catamaran-Regular"/>
+            </a:endParaRPr>
+          </a:p>
+          <a:p>
+            <a:pPr lvl="1" fontAlgn="base">
+              <a:buFont typeface="Arial" panose="020B0604020202020204" pitchFamily="34" charset="0"/>
+              <a:buChar char="•"/>
+            </a:pPr>
+            <a:r>
+              <a:rPr lang="en-IN" b="0" i="0" dirty="0">
+                <a:solidFill>
+                  <a:srgbClr val="212121"/>
+                </a:solidFill>
+                <a:effectLst/>
+                <a:latin typeface="Catamaran-Regular"/>
+              </a:rPr>
+              <a:t>Flight Schedule</a:t>
+            </a:r>
+          </a:p>
+          <a:p>
+            <a:pPr lvl="1" fontAlgn="base">
+              <a:buFont typeface="Arial" panose="020B0604020202020204" pitchFamily="34" charset="0"/>
+              <a:buChar char="•"/>
+            </a:pPr>
+            <a:r>
+              <a:rPr lang="en-IN" b="0" i="0" dirty="0">
+                <a:solidFill>
+                  <a:srgbClr val="212121"/>
+                </a:solidFill>
+                <a:effectLst/>
+                <a:latin typeface="Catamaran-Regular"/>
+              </a:rPr>
+              <a:t>Flight Search </a:t>
+            </a:r>
+            <a:r>
+              <a:rPr lang="en-IN" b="0" i="0" dirty="0" err="1">
+                <a:solidFill>
+                  <a:srgbClr val="212121"/>
+                </a:solidFill>
+                <a:effectLst/>
+                <a:latin typeface="Catamaran-Regular"/>
+              </a:rPr>
+              <a:t>Response</a:t>
+            </a:r>
+            <a:r>
+              <a:rPr lang="en-IN" b="1" i="0" dirty="0" err="1">
+                <a:solidFill>
+                  <a:srgbClr val="3A3A3A"/>
+                </a:solidFill>
+                <a:effectLst/>
+                <a:latin typeface="Catamaran-SemiBold"/>
+              </a:rPr>
+              <a:t>Airline</a:t>
+            </a:r>
+            <a:r>
+              <a:rPr lang="en-IN" b="1" i="0" dirty="0">
+                <a:solidFill>
+                  <a:srgbClr val="3A3A3A"/>
+                </a:solidFill>
+                <a:effectLst/>
+                <a:latin typeface="Catamaran-SemiBold"/>
+              </a:rPr>
+              <a:t> – Service</a:t>
+            </a:r>
+          </a:p>
+          <a:p>
+            <a:pPr marL="457200" lvl="1" indent="0" fontAlgn="base">
+              <a:buNone/>
+            </a:pPr>
+            <a:endParaRPr lang="en-IN" b="0" i="0" dirty="0">
+              <a:solidFill>
+                <a:srgbClr val="3A3A3A"/>
+              </a:solidFill>
+              <a:effectLst/>
+              <a:latin typeface="Catamaran-Regular"/>
+            </a:endParaRPr>
+          </a:p>
+          <a:p>
+            <a:pPr lvl="1" fontAlgn="base">
+              <a:buFont typeface="Arial" panose="020B0604020202020204" pitchFamily="34" charset="0"/>
+              <a:buChar char="•"/>
+            </a:pPr>
+            <a:endParaRPr lang="en-US" b="0" i="0" dirty="0">
+              <a:solidFill>
+                <a:srgbClr val="212121"/>
+              </a:solidFill>
+              <a:effectLst/>
+              <a:latin typeface="Catamaran-Regular"/>
+            </a:endParaRPr>
           </a:p>
         </p:txBody>
       </p:sp>
     </p:spTree>
+    <p:extLst>
+      <p:ext uri="{BB962C8B-B14F-4D97-AF65-F5344CB8AC3E}">
+        <p14:creationId xmlns:p14="http://schemas.microsoft.com/office/powerpoint/2010/main" val="554460181"/>
+      </p:ext>
+    </p:extLst>
   </p:cSld>
   <p:clrMapOvr>
     <a:masterClrMapping/>
@@ -18586,7 +19436,13 @@
       </p:grpSpPr>
       <p:sp>
         <p:nvSpPr>
-          <p:cNvPr id="2" name="Title 1"/>
+          <p:cNvPr id="2" name="Title 1">
+            <a:extLst>
+              <a:ext uri="{FF2B5EF4-FFF2-40B4-BE49-F238E27FC236}">
+                <a16:creationId xmlns:a16="http://schemas.microsoft.com/office/drawing/2014/main" id="{54A1E61C-47F4-BA60-7DE6-B71808785D38}"/>
+              </a:ext>
+            </a:extLst>
+          </p:cNvPr>
           <p:cNvSpPr>
             <a:spLocks noGrp="1"/>
           </p:cNvSpPr>
@@ -18602,19 +19458,37 @@
           <a:lstStyle/>
           <a:p>
             <a:r>
-              <a:rPr lang="en-US" b="1" dirty="0"/>
-              <a:t>Health Check</a:t>
+              <a:rPr lang="en-IN" b="1" i="0" dirty="0">
+                <a:solidFill>
+                  <a:srgbClr val="3A3A3A"/>
+                </a:solidFill>
+                <a:effectLst/>
+                <a:latin typeface="Catamaran-SemiBold"/>
+              </a:rPr>
+              <a:t>Scatter Gather Pattern</a:t>
             </a:r>
             <a:br>
-              <a:rPr lang="en-US" b="1" dirty="0"/>
+              <a:rPr lang="en-IN" b="0" i="0" dirty="0">
+                <a:solidFill>
+                  <a:srgbClr val="3A3A3A"/>
+                </a:solidFill>
+                <a:effectLst/>
+                <a:latin typeface="Catamaran-Regular"/>
+              </a:rPr>
             </a:br>
-            <a:endParaRPr lang="en-US" dirty="0"/>
-          </a:p>
-        </p:txBody>
-      </p:sp>
-      <p:sp>
-        <p:nvSpPr>
-          <p:cNvPr id="3" name="Content Placeholder 2"/>
+            <a:endParaRPr lang="en-IN" dirty="0"/>
+          </a:p>
+        </p:txBody>
+      </p:sp>
+      <p:sp>
+        <p:nvSpPr>
+          <p:cNvPr id="3" name="Content Placeholder 2">
+            <a:extLst>
+              <a:ext uri="{FF2B5EF4-FFF2-40B4-BE49-F238E27FC236}">
+                <a16:creationId xmlns:a16="http://schemas.microsoft.com/office/drawing/2014/main" id="{4C5DE325-94A1-0DB6-AA99-4F3FB025B687}"/>
+              </a:ext>
+            </a:extLst>
+          </p:cNvPr>
           <p:cNvSpPr>
             <a:spLocks noGrp="1"/>
           </p:cNvSpPr>
@@ -18625,59 +19499,76 @@
         <p:spPr/>
         <p:txBody>
           <a:bodyPr>
-            <a:normAutofit fontScale="77500" lnSpcReduction="20000"/>
+            <a:normAutofit/>
           </a:bodyPr>
           <a:lstStyle/>
           <a:p>
-            <a:pPr>
-              <a:buNone/>
-            </a:pPr>
-            <a:r>
-              <a:rPr lang="en-US" b="1" dirty="0"/>
-              <a:t>Problem</a:t>
-            </a:r>
-          </a:p>
-          <a:p>
-            <a:r>
-              <a:rPr lang="en-US" dirty="0"/>
-              <a:t>When </a:t>
-            </a:r>
-            <a:r>
-              <a:rPr lang="en-US" dirty="0" err="1"/>
-              <a:t>microservice</a:t>
-            </a:r>
-            <a:r>
-              <a:rPr lang="en-US" dirty="0"/>
-              <a:t> architecture has been implemented, there is a chance that a service might be up but not able to handle transactions. In that case, how do you ensure a request doesn't go to those failed instances? With a load balancing pattern implementation.</a:t>
-            </a:r>
-          </a:p>
-          <a:p>
-            <a:pPr>
-              <a:buNone/>
-            </a:pPr>
-            <a:r>
-              <a:rPr lang="en-US" b="1" dirty="0"/>
-              <a:t>Solution</a:t>
-            </a:r>
-          </a:p>
-          <a:p>
-            <a:r>
-              <a:rPr lang="en-US" dirty="0"/>
-              <a:t>Each service needs to have an endpoint which can be used to check the health of the application, such as /health. This API should o check the status of the host, the connection to other services/infrastructure, and any specific logic.</a:t>
-            </a:r>
-          </a:p>
-          <a:p>
-            <a:r>
-              <a:rPr lang="en-US" dirty="0"/>
-              <a:t>Spring Boot Actuator does implement a /health endpoint and the implementation can be customized, as well.</a:t>
-            </a:r>
-          </a:p>
-          <a:p>
-            <a:endParaRPr lang="en-US" dirty="0"/>
+            <a:r>
+              <a:rPr lang="en-IN" sz="1800" dirty="0"/>
+              <a:t>DEMO</a:t>
+            </a:r>
+          </a:p>
+          <a:p>
+            <a:pPr lvl="1">
+              <a:buFont typeface="Arial" panose="020B0604020202020204" pitchFamily="34" charset="0"/>
+              <a:buChar char="•"/>
+            </a:pPr>
+            <a:r>
+              <a:rPr lang="en-IN" sz="1800" dirty="0"/>
+              <a:t>I send a request</a:t>
+            </a:r>
+          </a:p>
+          <a:p>
+            <a:pPr lvl="2"/>
+            <a:r>
+              <a:rPr lang="en-IN" sz="1800" dirty="0">
+                <a:hlinkClick r:id="rId2"/>
+              </a:rPr>
+              <a:t>http://localhost:8080/flight/Houston/LasVegas</a:t>
+            </a:r>
+            <a:endParaRPr lang="en-IN" sz="1800" dirty="0"/>
+          </a:p>
+          <a:p>
+            <a:pPr lvl="2"/>
+            <a:r>
+              <a:rPr lang="en-US" sz="1800" b="0" i="0" dirty="0">
+                <a:solidFill>
+                  <a:srgbClr val="212121"/>
+                </a:solidFill>
+                <a:effectLst/>
+              </a:rPr>
+              <a:t>I receive </a:t>
+            </a:r>
+            <a:r>
+              <a:rPr lang="en-US" sz="1800" b="0" i="0">
+                <a:solidFill>
+                  <a:srgbClr val="212121"/>
+                </a:solidFill>
+                <a:effectLst/>
+              </a:rPr>
+              <a:t>a response</a:t>
+            </a:r>
+            <a:endParaRPr lang="en-US" sz="1800" b="0" i="0" dirty="0">
+              <a:solidFill>
+                <a:srgbClr val="212121"/>
+              </a:solidFill>
+              <a:effectLst/>
+            </a:endParaRPr>
+          </a:p>
+          <a:p>
+            <a:pPr marL="914400" lvl="2" indent="0">
+              <a:buNone/>
+            </a:pPr>
+            <a:endParaRPr lang="en-IN" sz="1800" dirty="0"/>
           </a:p>
         </p:txBody>
       </p:sp>
     </p:spTree>
+    <p:extLst>
+      <p:ext uri="{BB962C8B-B14F-4D97-AF65-F5344CB8AC3E}">
+        <p14:creationId xmlns:p14="http://schemas.microsoft.com/office/powerpoint/2010/main" val="3514372764"/>
+      </p:ext>
+    </p:extLst>
   </p:cSld>
   <p:clrMapOvr>
     <a:masterClrMapping/>
@@ -18721,7 +19612,7 @@
           <a:p>
             <a:r>
               <a:rPr lang="en-US" b="1" dirty="0"/>
-              <a:t>Cross-Cutting Concern Patterns</a:t>
+              <a:t>Observability Patterns</a:t>
             </a:r>
             <a:br>
               <a:rPr lang="en-US" b="1" dirty="0"/>
@@ -18747,25 +19638,25 @@
           <a:p>
             <a:r>
               <a:rPr lang="en-US" b="1" dirty="0"/>
-              <a:t>External Configuration</a:t>
+              <a:t>Log Aggregation</a:t>
             </a:r>
           </a:p>
           <a:p>
             <a:r>
               <a:rPr lang="en-US" b="1" dirty="0"/>
-              <a:t>Service Discovery Pattern</a:t>
+              <a:t>Performance Metrics</a:t>
             </a:r>
           </a:p>
           <a:p>
             <a:r>
               <a:rPr lang="en-US" b="1" dirty="0"/>
-              <a:t>Circuit Breaker Pattern</a:t>
+              <a:t>Distributed Tracing</a:t>
             </a:r>
           </a:p>
           <a:p>
             <a:r>
               <a:rPr lang="en-US" b="1" dirty="0"/>
-              <a:t>Blue-Green Deployment Pattern</a:t>
+              <a:t>Health Check</a:t>
             </a:r>
           </a:p>
           <a:p>
@@ -18817,7 +19708,7 @@
           <a:p>
             <a:r>
               <a:rPr lang="en-US" b="1" dirty="0"/>
-              <a:t>External Configuration</a:t>
+              <a:t>Log Aggregation</a:t>
             </a:r>
             <a:br>
               <a:rPr lang="en-US" b="1" dirty="0"/>
@@ -18854,7 +19745,7 @@
           <a:p>
             <a:r>
               <a:rPr lang="en-US" dirty="0"/>
-              <a:t>A service typically calls other services and databases as well. For each environment like dev, QA, UAT, prod, the endpoint URL or some configuration properties might be different. A change in any of those properties might require a re-build and re-deploy of the service. How do we avoid code modification for configuration changes?</a:t>
+              <a:t>Consider a use case where an application consists of multiple service instances that are running on multiple machines. Requests often span multiple service instances. Each service instance generates a log file in a standardized format. How can we understand the application behavior through logs for a particular request?</a:t>
             </a:r>
           </a:p>
           <a:p>
@@ -18869,29 +19760,23 @@
           <a:p>
             <a:r>
               <a:rPr lang="en-US" dirty="0"/>
-              <a:t>Externalize all the configuration, including endpoint URLs and credentials. The application should load them either at startup or on the fly.</a:t>
-            </a:r>
-          </a:p>
-          <a:p>
+              <a:t>We need a centralized logging service that aggregates logs from each service instance. Users can search and analyze the logs. They can configure alerts that are triggered when certain messages appear in the logs. For example, PCF does have </a:t>
+            </a:r>
+            <a:r>
+              <a:rPr lang="en-US" dirty="0" err="1"/>
+              <a:t>Loggeregator</a:t>
+            </a:r>
             <a:r>
               <a:rPr lang="en-US" dirty="0"/>
-              <a:t>Spring Cloud </a:t>
+              <a:t>, which collects logs from each component (router, controller, </a:t>
             </a:r>
             <a:r>
               <a:rPr lang="en-US" dirty="0" err="1"/>
-              <a:t>config</a:t>
+              <a:t>diego</a:t>
             </a:r>
             <a:r>
               <a:rPr lang="en-US" dirty="0"/>
-              <a:t> server provides the option to externalize the properties to </a:t>
-            </a:r>
-            <a:r>
-              <a:rPr lang="en-US" dirty="0" err="1"/>
-              <a:t>GitHub</a:t>
-            </a:r>
-            <a:r>
-              <a:rPr lang="en-US" dirty="0"/>
-              <a:t> and load them as environment properties. These can be accessed by the application on startup or can be refreshed without a server restart.</a:t>
+              <a:t>, etc...) of the PCF platform along with applications. AWS Cloud Watch also does the same.</a:t>
             </a:r>
           </a:p>
           <a:p>
@@ -18943,7 +19828,7 @@
           <a:p>
             <a:r>
               <a:rPr lang="en-US" b="1" dirty="0"/>
-              <a:t>Service Discovery Pattern</a:t>
+              <a:t>Performance Metrics</a:t>
             </a:r>
             <a:br>
               <a:rPr lang="en-US" b="1" dirty="0"/>
@@ -18962,15 +19847,10 @@
             <p:ph idx="1"/>
           </p:nvPr>
         </p:nvSpPr>
-        <p:spPr>
-          <a:xfrm>
-            <a:off x="457200" y="1600200"/>
-            <a:ext cx="8507288" cy="4493095"/>
-          </a:xfrm>
-        </p:spPr>
+        <p:spPr/>
         <p:txBody>
           <a:bodyPr>
-            <a:normAutofit fontScale="47500" lnSpcReduction="20000"/>
+            <a:normAutofit fontScale="70000" lnSpcReduction="20000"/>
           </a:bodyPr>
           <a:lstStyle/>
           <a:p>
@@ -18985,40 +19865,24 @@
           <a:p>
             <a:r>
               <a:rPr lang="en-US" dirty="0"/>
-              <a:t>When </a:t>
+              <a:t>When the service portfolio increases due to </a:t>
             </a:r>
             <a:r>
               <a:rPr lang="en-US" dirty="0" err="1"/>
-              <a:t>microservices</a:t>
+              <a:t>microservice</a:t>
             </a:r>
             <a:r>
               <a:rPr lang="en-US" dirty="0"/>
-              <a:t> come into the picture, we need to address a few issues in terms of calling services:</a:t>
-            </a:r>
-          </a:p>
-          <a:p>
+              <a:t> architecture, it becomes critical to keep a watch on the transactions so that patterns can be monitored and alerts sent when an issue happens. How should we collect metrics to monitor application </a:t>
+            </a:r>
+            <a:r>
+              <a:rPr lang="en-US" dirty="0" err="1"/>
+              <a:t>perfomance</a:t>
+            </a:r>
             <a:r>
               <a:rPr lang="en-US" dirty="0"/>
-              <a:t>With container technology, IP addresses are dynamically allocated to the service instances. Every time the address changes, a consumer service can break and need manual changes.</a:t>
-            </a:r>
-          </a:p>
-          <a:p>
-            <a:r>
-              <a:rPr lang="en-US" dirty="0"/>
-              <a:t>Each service URL has to be remembered by the consumer and become tightly coupled.</a:t>
-            </a:r>
-          </a:p>
-          <a:p>
-            <a:r>
-              <a:rPr lang="en-US" dirty="0"/>
-              <a:t>So how does the consumer or router know all the available service instances and locations?</a:t>
-            </a:r>
-          </a:p>
-          <a:p>
-            <a:endParaRPr lang="en-US" dirty="0"/>
-          </a:p>
-          <a:p>
-            <a:endParaRPr lang="en-US" dirty="0"/>
+              <a:t>?</a:t>
+            </a:r>
           </a:p>
           <a:p>
             <a:pPr>
@@ -19032,7 +19896,32 @@
           <a:p>
             <a:r>
               <a:rPr lang="en-US" dirty="0"/>
-              <a:t>A service registry needs to be created which will keep the metadata of each producer service. A service instance should register to the registry when starting and should de-register when shutting down. The consumer or router should query the registry and find out the location of the service. The registry also needs to do a health check of the producer service to ensure that only working instances of the services are available to be consumed through it. There are two types of service discovery: client-side and server-side. An example of client-side discovery is Netflix Eureka and an example of server-side discovery is AWS ALB.</a:t>
+              <a:t>A metrics service is required to gather statistics about individual operations. It should aggregate the metrics of an application service, which provides reporting and alerting. There are two models for aggregating metrics:</a:t>
+            </a:r>
+          </a:p>
+          <a:p>
+            <a:r>
+              <a:rPr lang="en-US" dirty="0"/>
+              <a:t>Push — the service pushes metrics to the metrics service e.g. </a:t>
+            </a:r>
+            <a:r>
+              <a:rPr lang="en-US" dirty="0" err="1"/>
+              <a:t>NewRelic</a:t>
+            </a:r>
+            <a:r>
+              <a:rPr lang="en-US" dirty="0"/>
+              <a:t>, </a:t>
+            </a:r>
+            <a:r>
+              <a:rPr lang="en-US" dirty="0" err="1"/>
+              <a:t>AppDynamics</a:t>
+            </a:r>
+            <a:endParaRPr lang="en-US" dirty="0"/>
+          </a:p>
+          <a:p>
+            <a:r>
+              <a:rPr lang="en-US" dirty="0"/>
+              <a:t>Pull — the metrics services pulls metrics from the service e.g. Prometheus</a:t>
             </a:r>
           </a:p>
           <a:p>
@@ -19084,7 +19973,7 @@
           <a:p>
             <a:r>
               <a:rPr lang="en-US" b="1" dirty="0"/>
-              <a:t>Circuit Breaker Pattern</a:t>
+              <a:t>Distributed Tracing</a:t>
             </a:r>
             <a:br>
               <a:rPr lang="en-US" b="1" dirty="0"/>
@@ -19106,7 +19995,7 @@
         <p:spPr/>
         <p:txBody>
           <a:bodyPr>
-            <a:normAutofit fontScale="47500" lnSpcReduction="20000"/>
+            <a:normAutofit fontScale="62500" lnSpcReduction="20000"/>
           </a:bodyPr>
           <a:lstStyle/>
           <a:p>
@@ -19121,14 +20010,16 @@
           <a:p>
             <a:r>
               <a:rPr lang="en-US" dirty="0"/>
-              <a:t>A service generally calls other services to retrieve data, and there is the chance that the downstream service may be down. There are two problems with this: first, the request will keep going to the down service, exhausting network resources and slowing performance. Second, the user experience will be bad and unpredictable. How do we avoid cascading service failures and handle failures gracefully?</a:t>
-            </a:r>
-          </a:p>
-          <a:p>
-            <a:pPr>
-              <a:buNone/>
-            </a:pPr>
-            <a:endParaRPr lang="en-US" b="1" dirty="0"/>
+              <a:t>In </a:t>
+            </a:r>
+            <a:r>
+              <a:rPr lang="en-US" dirty="0" err="1"/>
+              <a:t>microservice</a:t>
+            </a:r>
+            <a:r>
+              <a:rPr lang="en-US" dirty="0"/>
+              <a:t> architecture, requests often span multiple services. Each service handles a request by performing one or more operations across multiple services. Then, how do we trace a request end-to-end to troubleshoot the problem?</a:t>
+            </a:r>
           </a:p>
           <a:p>
             <a:pPr>
@@ -19142,25 +20033,54 @@
           <a:p>
             <a:r>
               <a:rPr lang="en-US" dirty="0"/>
-              <a:t>The consumer should invoke a remote service via a proxy that behaves in a similar fashion to an electrical circuit breaker. When the number of consecutive failures crosses a threshold, the circuit breaker trips, and for the duration of a timeout period, all attempts to invoke the remote service will fail immediately. After the timeout expires the circuit breaker allows a limited number of test requests to pass through. If those requests succeed, the circuit breaker resumes normal operation. Otherwise, if there is a failure, the timeout period begins again.</a:t>
+              <a:t>We need a service which</a:t>
             </a:r>
           </a:p>
           <a:p>
             <a:r>
               <a:rPr lang="en-US" dirty="0"/>
-              <a:t>Netflix </a:t>
+              <a:t>Assigns each external request a unique external request id.</a:t>
+            </a:r>
+          </a:p>
+          <a:p>
+            <a:r>
+              <a:rPr lang="en-US" dirty="0"/>
+              <a:t>Passes the external request id to all services.</a:t>
+            </a:r>
+          </a:p>
+          <a:p>
+            <a:r>
+              <a:rPr lang="en-US" dirty="0"/>
+              <a:t>Includes the external request id in all log messages.</a:t>
+            </a:r>
+          </a:p>
+          <a:p>
+            <a:r>
+              <a:rPr lang="en-US" dirty="0"/>
+              <a:t>Records information (e.g. start time, end time) about the requests and operations performed when handling an external request in a centralized service.</a:t>
+            </a:r>
+          </a:p>
+          <a:p>
+            <a:r>
+              <a:rPr lang="en-US" dirty="0"/>
+              <a:t>Spring Cloud </a:t>
             </a:r>
             <a:r>
               <a:rPr lang="en-US" dirty="0" err="1"/>
-              <a:t>Hystrix</a:t>
+              <a:t>Slueth</a:t>
             </a:r>
             <a:r>
               <a:rPr lang="en-US" dirty="0"/>
-              <a:t> is a good implementation of the circuit breaker pattern. It also helps you to define a fallback mechanism which can be used when the circuit breaker trips. That provides a better user experience.</a:t>
-            </a:r>
-          </a:p>
-          <a:p>
-            <a:endParaRPr lang="en-US" dirty="0"/>
+              <a:t>, along with </a:t>
+            </a:r>
+            <a:r>
+              <a:rPr lang="en-US" dirty="0" err="1"/>
+              <a:t>Zipkin</a:t>
+            </a:r>
+            <a:r>
+              <a:rPr lang="en-US" dirty="0"/>
+              <a:t> server, is a common implementation.</a:t>
+            </a:r>
           </a:p>
         </p:txBody>
       </p:sp>
@@ -19201,128 +20121,176 @@
         </p:nvSpPr>
         <p:spPr/>
         <p:txBody>
+          <a:bodyPr>
+            <a:normAutofit fontScale="90000"/>
+          </a:bodyPr>
+          <a:lstStyle/>
+          <a:p>
+            <a:r>
+              <a:rPr lang="en-US" b="1" dirty="0"/>
+              <a:t>Health Check</a:t>
+            </a:r>
+            <a:br>
+              <a:rPr lang="en-US" b="1" dirty="0"/>
+            </a:br>
+            <a:endParaRPr lang="en-US" dirty="0"/>
+          </a:p>
+        </p:txBody>
+      </p:sp>
+      <p:sp>
+        <p:nvSpPr>
+          <p:cNvPr id="3" name="Content Placeholder 2"/>
+          <p:cNvSpPr>
+            <a:spLocks noGrp="1"/>
+          </p:cNvSpPr>
+          <p:nvPr>
+            <p:ph idx="1"/>
+          </p:nvPr>
+        </p:nvSpPr>
+        <p:spPr/>
+        <p:txBody>
+          <a:bodyPr>
+            <a:normAutofit fontScale="77500" lnSpcReduction="20000"/>
+          </a:bodyPr>
+          <a:lstStyle/>
+          <a:p>
+            <a:pPr>
+              <a:buNone/>
+            </a:pPr>
+            <a:r>
+              <a:rPr lang="en-US" b="1" dirty="0"/>
+              <a:t>Problem</a:t>
+            </a:r>
+          </a:p>
+          <a:p>
+            <a:r>
+              <a:rPr lang="en-US" dirty="0"/>
+              <a:t>When </a:t>
+            </a:r>
+            <a:r>
+              <a:rPr lang="en-US" dirty="0" err="1"/>
+              <a:t>microservice</a:t>
+            </a:r>
+            <a:r>
+              <a:rPr lang="en-US" dirty="0"/>
+              <a:t> architecture has been implemented, there is a chance that a service might be up but not able to handle transactions. In that case, how do you ensure a request doesn't go to those failed instances? With a load balancing pattern implementation.</a:t>
+            </a:r>
+          </a:p>
+          <a:p>
+            <a:pPr>
+              <a:buNone/>
+            </a:pPr>
+            <a:r>
+              <a:rPr lang="en-US" b="1" dirty="0"/>
+              <a:t>Solution</a:t>
+            </a:r>
+          </a:p>
+          <a:p>
+            <a:r>
+              <a:rPr lang="en-US" dirty="0"/>
+              <a:t>Each service needs to have an endpoint which can be used to check the health of the application, such as /health. This API should o check the status of the host, the connection to other services/infrastructure, and any specific logic.</a:t>
+            </a:r>
+          </a:p>
+          <a:p>
+            <a:r>
+              <a:rPr lang="en-US" dirty="0"/>
+              <a:t>Spring Boot Actuator does implement a /health endpoint and the implementation can be customized, as well.</a:t>
+            </a:r>
+          </a:p>
+          <a:p>
+            <a:endParaRPr lang="en-US" dirty="0"/>
+          </a:p>
+        </p:txBody>
+      </p:sp>
+    </p:spTree>
+  </p:cSld>
+  <p:clrMapOvr>
+    <a:masterClrMapping/>
+  </p:clrMapOvr>
+</p:sld>
+</file>
+
+<file path=ppt/slides/slide59.xml><?xml version="1.0" encoding="utf-8"?>
+<p:sld xmlns:a="http://schemas.openxmlformats.org/drawingml/2006/main" xmlns:r="http://schemas.openxmlformats.org/officeDocument/2006/relationships" xmlns:p="http://schemas.openxmlformats.org/presentationml/2006/main">
+  <p:cSld>
+    <p:spTree>
+      <p:nvGrpSpPr>
+        <p:cNvPr id="1" name=""/>
+        <p:cNvGrpSpPr/>
+        <p:nvPr/>
+      </p:nvGrpSpPr>
+      <p:grpSpPr>
+        <a:xfrm>
+          <a:off x="0" y="0"/>
+          <a:ext cx="0" cy="0"/>
+          <a:chOff x="0" y="0"/>
+          <a:chExt cx="0" cy="0"/>
+        </a:xfrm>
+      </p:grpSpPr>
+      <p:sp>
+        <p:nvSpPr>
+          <p:cNvPr id="2" name="Title 1"/>
+          <p:cNvSpPr>
+            <a:spLocks noGrp="1"/>
+          </p:cNvSpPr>
+          <p:nvPr>
+            <p:ph type="title"/>
+          </p:nvPr>
+        </p:nvSpPr>
+        <p:spPr/>
+        <p:txBody>
+          <a:bodyPr>
+            <a:normAutofit fontScale="90000"/>
+          </a:bodyPr>
+          <a:lstStyle/>
+          <a:p>
+            <a:r>
+              <a:rPr lang="en-US" b="1" dirty="0"/>
+              <a:t>Cross-Cutting Concern Patterns</a:t>
+            </a:r>
+            <a:br>
+              <a:rPr lang="en-US" b="1" dirty="0"/>
+            </a:br>
+            <a:endParaRPr lang="en-US" dirty="0"/>
+          </a:p>
+        </p:txBody>
+      </p:sp>
+      <p:sp>
+        <p:nvSpPr>
+          <p:cNvPr id="3" name="Content Placeholder 2"/>
+          <p:cNvSpPr>
+            <a:spLocks noGrp="1"/>
+          </p:cNvSpPr>
+          <p:nvPr>
+            <p:ph idx="1"/>
+          </p:nvPr>
+        </p:nvSpPr>
+        <p:spPr/>
+        <p:txBody>
           <a:bodyPr/>
           <a:lstStyle/>
           <a:p>
             <a:r>
               <a:rPr lang="en-US" b="1" dirty="0"/>
+              <a:t>External Configuration</a:t>
+            </a:r>
+          </a:p>
+          <a:p>
+            <a:r>
+              <a:rPr lang="en-US" b="1" dirty="0"/>
+              <a:t>Service Discovery Pattern</a:t>
+            </a:r>
+          </a:p>
+          <a:p>
+            <a:r>
+              <a:rPr lang="en-US" b="1" dirty="0"/>
+              <a:t>Circuit Breaker Pattern</a:t>
+            </a:r>
+          </a:p>
+          <a:p>
+            <a:r>
+              <a:rPr lang="en-US" b="1" dirty="0"/>
               <a:t>Blue-Green Deployment Pattern</a:t>
-            </a:r>
-          </a:p>
-        </p:txBody>
-      </p:sp>
-      <p:sp>
-        <p:nvSpPr>
-          <p:cNvPr id="3" name="Content Placeholder 2"/>
-          <p:cNvSpPr>
-            <a:spLocks noGrp="1"/>
-          </p:cNvSpPr>
-          <p:nvPr>
-            <p:ph idx="1"/>
-          </p:nvPr>
-        </p:nvSpPr>
-        <p:spPr/>
-        <p:txBody>
-          <a:bodyPr>
-            <a:normAutofit fontScale="55000" lnSpcReduction="20000"/>
-          </a:bodyPr>
-          <a:lstStyle/>
-          <a:p>
-            <a:pPr>
-              <a:buNone/>
-            </a:pPr>
-            <a:r>
-              <a:rPr lang="en-US" b="1" dirty="0"/>
-              <a:t>Problem</a:t>
-            </a:r>
-          </a:p>
-          <a:p>
-            <a:r>
-              <a:rPr lang="en-US" dirty="0"/>
-              <a:t>With </a:t>
-            </a:r>
-            <a:r>
-              <a:rPr lang="en-US" dirty="0" err="1"/>
-              <a:t>microservice</a:t>
-            </a:r>
-            <a:r>
-              <a:rPr lang="en-US" dirty="0"/>
-              <a:t> architecture, one application can have many </a:t>
-            </a:r>
-            <a:r>
-              <a:rPr lang="en-US" dirty="0" err="1"/>
-              <a:t>microservices</a:t>
-            </a:r>
-            <a:r>
-              <a:rPr lang="en-US" dirty="0"/>
-              <a:t>. If we stop all the services then deploy an enhanced version, the downtime will be huge and can impact the business. Also, the rollback will be a nightmare. How do we avoid or reduce downtime of the services during deployment?</a:t>
-            </a:r>
-          </a:p>
-          <a:p>
-            <a:pPr>
-              <a:buNone/>
-            </a:pPr>
-            <a:r>
-              <a:rPr lang="en-US" b="1" dirty="0"/>
-              <a:t>Solution</a:t>
-            </a:r>
-          </a:p>
-          <a:p>
-            <a:r>
-              <a:rPr lang="en-US" dirty="0"/>
-              <a:t>The blue-green deployment strategy can be implemented to reduce or remove downtime. It achieves this by running two identical production environments, Blue and Green. Let's assume Green is the existing live instance and Blue is the new version of the application. At any time, only one of the environments is live, with the live environment serving all production traffic. All cloud platforms provide options for implementing a blue-green deployment. </a:t>
-            </a:r>
-          </a:p>
-          <a:p>
-            <a:pPr>
-              <a:buNone/>
-            </a:pPr>
-            <a:endParaRPr lang="en-US" dirty="0"/>
-          </a:p>
-          <a:p>
-            <a:r>
-              <a:rPr lang="en-US" dirty="0"/>
-              <a:t>There are many other patterns used with </a:t>
-            </a:r>
-            <a:r>
-              <a:rPr lang="en-US" dirty="0" err="1"/>
-              <a:t>microservice</a:t>
-            </a:r>
-            <a:r>
-              <a:rPr lang="en-US" dirty="0"/>
-              <a:t> architecture, like Sidecar, Chained </a:t>
-            </a:r>
-            <a:r>
-              <a:rPr lang="en-US" dirty="0" err="1"/>
-              <a:t>Microservice</a:t>
-            </a:r>
-            <a:r>
-              <a:rPr lang="en-US" dirty="0"/>
-              <a:t>, Branch </a:t>
-            </a:r>
-            <a:r>
-              <a:rPr lang="en-US" dirty="0" err="1"/>
-              <a:t>Microservice</a:t>
-            </a:r>
-            <a:r>
-              <a:rPr lang="en-US" dirty="0"/>
-              <a:t>, Event Sourcing Pattern, Continuous Delivery Patterns, and more. The list keeps growing as we get more experience with </a:t>
-            </a:r>
-            <a:r>
-              <a:rPr lang="en-US" dirty="0" err="1"/>
-              <a:t>microservices</a:t>
-            </a:r>
-            <a:r>
-              <a:rPr lang="en-US" dirty="0"/>
-              <a:t>. I am stopping now to hear back from you on what </a:t>
-            </a:r>
-            <a:r>
-              <a:rPr lang="en-US" dirty="0" err="1"/>
-              <a:t>microservice</a:t>
-            </a:r>
-            <a:r>
-              <a:rPr lang="en-US" dirty="0"/>
-              <a:t> patterns you are using.</a:t>
             </a:r>
           </a:p>
           <a:p>
@@ -19424,6 +20392,563 @@
             <a:r>
               <a:rPr lang="en-US" b="1" dirty="0"/>
               <a:t>Cross-Cutting Concern Patterns</a:t>
+            </a:r>
+          </a:p>
+          <a:p>
+            <a:endParaRPr lang="en-US" dirty="0"/>
+          </a:p>
+        </p:txBody>
+      </p:sp>
+    </p:spTree>
+  </p:cSld>
+  <p:clrMapOvr>
+    <a:masterClrMapping/>
+  </p:clrMapOvr>
+</p:sld>
+</file>
+
+<file path=ppt/slides/slide60.xml><?xml version="1.0" encoding="utf-8"?>
+<p:sld xmlns:a="http://schemas.openxmlformats.org/drawingml/2006/main" xmlns:r="http://schemas.openxmlformats.org/officeDocument/2006/relationships" xmlns:p="http://schemas.openxmlformats.org/presentationml/2006/main">
+  <p:cSld>
+    <p:spTree>
+      <p:nvGrpSpPr>
+        <p:cNvPr id="1" name=""/>
+        <p:cNvGrpSpPr/>
+        <p:nvPr/>
+      </p:nvGrpSpPr>
+      <p:grpSpPr>
+        <a:xfrm>
+          <a:off x="0" y="0"/>
+          <a:ext cx="0" cy="0"/>
+          <a:chOff x="0" y="0"/>
+          <a:chExt cx="0" cy="0"/>
+        </a:xfrm>
+      </p:grpSpPr>
+      <p:sp>
+        <p:nvSpPr>
+          <p:cNvPr id="2" name="Title 1"/>
+          <p:cNvSpPr>
+            <a:spLocks noGrp="1"/>
+          </p:cNvSpPr>
+          <p:nvPr>
+            <p:ph type="title"/>
+          </p:nvPr>
+        </p:nvSpPr>
+        <p:spPr/>
+        <p:txBody>
+          <a:bodyPr>
+            <a:normAutofit fontScale="90000"/>
+          </a:bodyPr>
+          <a:lstStyle/>
+          <a:p>
+            <a:r>
+              <a:rPr lang="en-US" b="1" dirty="0"/>
+              <a:t>External Configuration</a:t>
+            </a:r>
+            <a:br>
+              <a:rPr lang="en-US" b="1" dirty="0"/>
+            </a:br>
+            <a:endParaRPr lang="en-US" dirty="0"/>
+          </a:p>
+        </p:txBody>
+      </p:sp>
+      <p:sp>
+        <p:nvSpPr>
+          <p:cNvPr id="3" name="Content Placeholder 2"/>
+          <p:cNvSpPr>
+            <a:spLocks noGrp="1"/>
+          </p:cNvSpPr>
+          <p:nvPr>
+            <p:ph idx="1"/>
+          </p:nvPr>
+        </p:nvSpPr>
+        <p:spPr/>
+        <p:txBody>
+          <a:bodyPr>
+            <a:normAutofit fontScale="70000" lnSpcReduction="20000"/>
+          </a:bodyPr>
+          <a:lstStyle/>
+          <a:p>
+            <a:pPr>
+              <a:buNone/>
+            </a:pPr>
+            <a:r>
+              <a:rPr lang="en-US" b="1" dirty="0"/>
+              <a:t>Problem</a:t>
+            </a:r>
+          </a:p>
+          <a:p>
+            <a:r>
+              <a:rPr lang="en-US" dirty="0"/>
+              <a:t>A service typically calls other services and databases as well. For each environment like dev, QA, UAT, prod, the endpoint URL or some configuration properties might be different. A change in any of those properties might require a re-build and re-deploy of the service. How do we avoid code modification for configuration changes?</a:t>
+            </a:r>
+          </a:p>
+          <a:p>
+            <a:pPr>
+              <a:buNone/>
+            </a:pPr>
+            <a:r>
+              <a:rPr lang="en-US" b="1" dirty="0"/>
+              <a:t>Solution</a:t>
+            </a:r>
+          </a:p>
+          <a:p>
+            <a:r>
+              <a:rPr lang="en-US" dirty="0"/>
+              <a:t>Externalize all the configuration, including endpoint URLs and credentials. The application should load them either at startup or on the fly.</a:t>
+            </a:r>
+          </a:p>
+          <a:p>
+            <a:r>
+              <a:rPr lang="en-US" dirty="0"/>
+              <a:t>Spring Cloud </a:t>
+            </a:r>
+            <a:r>
+              <a:rPr lang="en-US" dirty="0" err="1"/>
+              <a:t>config</a:t>
+            </a:r>
+            <a:r>
+              <a:rPr lang="en-US" dirty="0"/>
+              <a:t> server provides the option to externalize the properties to </a:t>
+            </a:r>
+            <a:r>
+              <a:rPr lang="en-US" dirty="0" err="1"/>
+              <a:t>GitHub</a:t>
+            </a:r>
+            <a:r>
+              <a:rPr lang="en-US" dirty="0"/>
+              <a:t> and load them as environment properties. These can be accessed by the application on startup or can be refreshed without a server restart.</a:t>
+            </a:r>
+          </a:p>
+          <a:p>
+            <a:endParaRPr lang="en-US" dirty="0"/>
+          </a:p>
+        </p:txBody>
+      </p:sp>
+    </p:spTree>
+  </p:cSld>
+  <p:clrMapOvr>
+    <a:masterClrMapping/>
+  </p:clrMapOvr>
+</p:sld>
+</file>
+
+<file path=ppt/slides/slide61.xml><?xml version="1.0" encoding="utf-8"?>
+<p:sld xmlns:a="http://schemas.openxmlformats.org/drawingml/2006/main" xmlns:r="http://schemas.openxmlformats.org/officeDocument/2006/relationships" xmlns:p="http://schemas.openxmlformats.org/presentationml/2006/main">
+  <p:cSld>
+    <p:spTree>
+      <p:nvGrpSpPr>
+        <p:cNvPr id="1" name=""/>
+        <p:cNvGrpSpPr/>
+        <p:nvPr/>
+      </p:nvGrpSpPr>
+      <p:grpSpPr>
+        <a:xfrm>
+          <a:off x="0" y="0"/>
+          <a:ext cx="0" cy="0"/>
+          <a:chOff x="0" y="0"/>
+          <a:chExt cx="0" cy="0"/>
+        </a:xfrm>
+      </p:grpSpPr>
+      <p:sp>
+        <p:nvSpPr>
+          <p:cNvPr id="2" name="Title 1"/>
+          <p:cNvSpPr>
+            <a:spLocks noGrp="1"/>
+          </p:cNvSpPr>
+          <p:nvPr>
+            <p:ph type="title"/>
+          </p:nvPr>
+        </p:nvSpPr>
+        <p:spPr/>
+        <p:txBody>
+          <a:bodyPr>
+            <a:normAutofit fontScale="90000"/>
+          </a:bodyPr>
+          <a:lstStyle/>
+          <a:p>
+            <a:r>
+              <a:rPr lang="en-US" b="1" dirty="0"/>
+              <a:t>Service Discovery Pattern</a:t>
+            </a:r>
+            <a:br>
+              <a:rPr lang="en-US" b="1" dirty="0"/>
+            </a:br>
+            <a:endParaRPr lang="en-US" dirty="0"/>
+          </a:p>
+        </p:txBody>
+      </p:sp>
+      <p:sp>
+        <p:nvSpPr>
+          <p:cNvPr id="3" name="Content Placeholder 2"/>
+          <p:cNvSpPr>
+            <a:spLocks noGrp="1"/>
+          </p:cNvSpPr>
+          <p:nvPr>
+            <p:ph idx="1"/>
+          </p:nvPr>
+        </p:nvSpPr>
+        <p:spPr>
+          <a:xfrm>
+            <a:off x="457200" y="1600200"/>
+            <a:ext cx="8507288" cy="4493095"/>
+          </a:xfrm>
+        </p:spPr>
+        <p:txBody>
+          <a:bodyPr>
+            <a:normAutofit fontScale="47500" lnSpcReduction="20000"/>
+          </a:bodyPr>
+          <a:lstStyle/>
+          <a:p>
+            <a:pPr>
+              <a:buNone/>
+            </a:pPr>
+            <a:r>
+              <a:rPr lang="en-US" b="1" dirty="0"/>
+              <a:t>Problem</a:t>
+            </a:r>
+          </a:p>
+          <a:p>
+            <a:r>
+              <a:rPr lang="en-US" dirty="0"/>
+              <a:t>When </a:t>
+            </a:r>
+            <a:r>
+              <a:rPr lang="en-US" dirty="0" err="1"/>
+              <a:t>microservices</a:t>
+            </a:r>
+            <a:r>
+              <a:rPr lang="en-US" dirty="0"/>
+              <a:t> come into the picture, we need to address a few issues in terms of calling services:</a:t>
+            </a:r>
+          </a:p>
+          <a:p>
+            <a:r>
+              <a:rPr lang="en-US" dirty="0"/>
+              <a:t>With container technology, IP addresses are dynamically allocated to the service instances. Every time the address changes, a consumer service can break and need manual changes.</a:t>
+            </a:r>
+          </a:p>
+          <a:p>
+            <a:r>
+              <a:rPr lang="en-US" dirty="0"/>
+              <a:t>Each service URL has to be remembered by the consumer and become tightly coupled.</a:t>
+            </a:r>
+          </a:p>
+          <a:p>
+            <a:r>
+              <a:rPr lang="en-US" dirty="0"/>
+              <a:t>So how does the consumer or router know all the available service instances and locations?</a:t>
+            </a:r>
+          </a:p>
+          <a:p>
+            <a:endParaRPr lang="en-US" dirty="0"/>
+          </a:p>
+          <a:p>
+            <a:endParaRPr lang="en-US" dirty="0"/>
+          </a:p>
+          <a:p>
+            <a:pPr>
+              <a:buNone/>
+            </a:pPr>
+            <a:r>
+              <a:rPr lang="en-US" b="1" dirty="0"/>
+              <a:t>Solution</a:t>
+            </a:r>
+          </a:p>
+          <a:p>
+            <a:r>
+              <a:rPr lang="en-US" dirty="0"/>
+              <a:t>A service registry needs to be created which will keep the metadata of each producer service. A service instance should register to the registry when starting and should de-register when shutting down. The consumer or router should query the registry and find out the location of the service. The registry also needs to do a health check of the producer service to ensure that only working instances of the services are available to be consumed through it. There are two types of service discovery: client-side and server-side. An example of client-side discovery is Netflix Eureka and an example of server-side discovery is AWS ALB.</a:t>
+            </a:r>
+          </a:p>
+          <a:p>
+            <a:endParaRPr lang="en-US" dirty="0"/>
+          </a:p>
+        </p:txBody>
+      </p:sp>
+    </p:spTree>
+  </p:cSld>
+  <p:clrMapOvr>
+    <a:masterClrMapping/>
+  </p:clrMapOvr>
+</p:sld>
+</file>
+
+<file path=ppt/slides/slide62.xml><?xml version="1.0" encoding="utf-8"?>
+<p:sld xmlns:a="http://schemas.openxmlformats.org/drawingml/2006/main" xmlns:r="http://schemas.openxmlformats.org/officeDocument/2006/relationships" xmlns:p="http://schemas.openxmlformats.org/presentationml/2006/main">
+  <p:cSld>
+    <p:spTree>
+      <p:nvGrpSpPr>
+        <p:cNvPr id="1" name=""/>
+        <p:cNvGrpSpPr/>
+        <p:nvPr/>
+      </p:nvGrpSpPr>
+      <p:grpSpPr>
+        <a:xfrm>
+          <a:off x="0" y="0"/>
+          <a:ext cx="0" cy="0"/>
+          <a:chOff x="0" y="0"/>
+          <a:chExt cx="0" cy="0"/>
+        </a:xfrm>
+      </p:grpSpPr>
+      <p:sp>
+        <p:nvSpPr>
+          <p:cNvPr id="2" name="Title 1"/>
+          <p:cNvSpPr>
+            <a:spLocks noGrp="1"/>
+          </p:cNvSpPr>
+          <p:nvPr>
+            <p:ph type="title"/>
+          </p:nvPr>
+        </p:nvSpPr>
+        <p:spPr/>
+        <p:txBody>
+          <a:bodyPr>
+            <a:normAutofit fontScale="90000"/>
+          </a:bodyPr>
+          <a:lstStyle/>
+          <a:p>
+            <a:r>
+              <a:rPr lang="en-US" b="1" dirty="0"/>
+              <a:t>Circuit Breaker Pattern</a:t>
+            </a:r>
+            <a:br>
+              <a:rPr lang="en-US" b="1" dirty="0"/>
+            </a:br>
+            <a:endParaRPr lang="en-US" dirty="0"/>
+          </a:p>
+        </p:txBody>
+      </p:sp>
+      <p:sp>
+        <p:nvSpPr>
+          <p:cNvPr id="3" name="Content Placeholder 2"/>
+          <p:cNvSpPr>
+            <a:spLocks noGrp="1"/>
+          </p:cNvSpPr>
+          <p:nvPr>
+            <p:ph idx="1"/>
+          </p:nvPr>
+        </p:nvSpPr>
+        <p:spPr/>
+        <p:txBody>
+          <a:bodyPr>
+            <a:normAutofit fontScale="47500" lnSpcReduction="20000"/>
+          </a:bodyPr>
+          <a:lstStyle/>
+          <a:p>
+            <a:pPr>
+              <a:buNone/>
+            </a:pPr>
+            <a:r>
+              <a:rPr lang="en-US" b="1" dirty="0"/>
+              <a:t>Problem</a:t>
+            </a:r>
+          </a:p>
+          <a:p>
+            <a:r>
+              <a:rPr lang="en-US" dirty="0"/>
+              <a:t>A service generally calls other services to retrieve data, and there is the chance that the downstream service may be down. There are two problems with this: first, the request will keep going to the down service, exhausting network resources and slowing performance. Second, the user experience will be bad and unpredictable. How do we avoid cascading service failures and handle failures gracefully?</a:t>
+            </a:r>
+          </a:p>
+          <a:p>
+            <a:pPr>
+              <a:buNone/>
+            </a:pPr>
+            <a:endParaRPr lang="en-US" b="1" dirty="0"/>
+          </a:p>
+          <a:p>
+            <a:pPr>
+              <a:buNone/>
+            </a:pPr>
+            <a:r>
+              <a:rPr lang="en-US" b="1" dirty="0"/>
+              <a:t>Solution</a:t>
+            </a:r>
+          </a:p>
+          <a:p>
+            <a:r>
+              <a:rPr lang="en-US" dirty="0"/>
+              <a:t>The consumer should invoke a remote service via a proxy that behaves in a similar fashion to an electrical circuit breaker. When the number of consecutive failures crosses a threshold, the circuit breaker trips, and for the duration of a timeout period, all attempts to invoke the remote service will fail immediately. After the timeout expires the circuit breaker allows a limited number of test requests to pass through. If those requests succeed, the circuit breaker resumes normal operation. Otherwise, if there is a failure, the timeout period begins again.</a:t>
+            </a:r>
+          </a:p>
+          <a:p>
+            <a:r>
+              <a:rPr lang="en-US" dirty="0"/>
+              <a:t>Netflix </a:t>
+            </a:r>
+            <a:r>
+              <a:rPr lang="en-US" dirty="0" err="1"/>
+              <a:t>Hystrix</a:t>
+            </a:r>
+            <a:r>
+              <a:rPr lang="en-US" dirty="0"/>
+              <a:t> is a good implementation of the circuit breaker pattern. It also helps you to define a fallback mechanism which can be used when the circuit breaker trips. That provides a better user experience.</a:t>
+            </a:r>
+          </a:p>
+          <a:p>
+            <a:endParaRPr lang="en-US" dirty="0"/>
+          </a:p>
+        </p:txBody>
+      </p:sp>
+    </p:spTree>
+  </p:cSld>
+  <p:clrMapOvr>
+    <a:masterClrMapping/>
+  </p:clrMapOvr>
+</p:sld>
+</file>
+
+<file path=ppt/slides/slide63.xml><?xml version="1.0" encoding="utf-8"?>
+<p:sld xmlns:a="http://schemas.openxmlformats.org/drawingml/2006/main" xmlns:r="http://schemas.openxmlformats.org/officeDocument/2006/relationships" xmlns:p="http://schemas.openxmlformats.org/presentationml/2006/main">
+  <p:cSld>
+    <p:spTree>
+      <p:nvGrpSpPr>
+        <p:cNvPr id="1" name=""/>
+        <p:cNvGrpSpPr/>
+        <p:nvPr/>
+      </p:nvGrpSpPr>
+      <p:grpSpPr>
+        <a:xfrm>
+          <a:off x="0" y="0"/>
+          <a:ext cx="0" cy="0"/>
+          <a:chOff x="0" y="0"/>
+          <a:chExt cx="0" cy="0"/>
+        </a:xfrm>
+      </p:grpSpPr>
+      <p:sp>
+        <p:nvSpPr>
+          <p:cNvPr id="2" name="Title 1"/>
+          <p:cNvSpPr>
+            <a:spLocks noGrp="1"/>
+          </p:cNvSpPr>
+          <p:nvPr>
+            <p:ph type="title"/>
+          </p:nvPr>
+        </p:nvSpPr>
+        <p:spPr/>
+        <p:txBody>
+          <a:bodyPr/>
+          <a:lstStyle/>
+          <a:p>
+            <a:r>
+              <a:rPr lang="en-US" b="1" dirty="0"/>
+              <a:t>Blue-Green Deployment Pattern</a:t>
+            </a:r>
+          </a:p>
+        </p:txBody>
+      </p:sp>
+      <p:sp>
+        <p:nvSpPr>
+          <p:cNvPr id="3" name="Content Placeholder 2"/>
+          <p:cNvSpPr>
+            <a:spLocks noGrp="1"/>
+          </p:cNvSpPr>
+          <p:nvPr>
+            <p:ph idx="1"/>
+          </p:nvPr>
+        </p:nvSpPr>
+        <p:spPr/>
+        <p:txBody>
+          <a:bodyPr>
+            <a:normAutofit fontScale="55000" lnSpcReduction="20000"/>
+          </a:bodyPr>
+          <a:lstStyle/>
+          <a:p>
+            <a:pPr>
+              <a:buNone/>
+            </a:pPr>
+            <a:r>
+              <a:rPr lang="en-US" b="1" dirty="0"/>
+              <a:t>Problem</a:t>
+            </a:r>
+          </a:p>
+          <a:p>
+            <a:r>
+              <a:rPr lang="en-US" dirty="0"/>
+              <a:t>With </a:t>
+            </a:r>
+            <a:r>
+              <a:rPr lang="en-US" dirty="0" err="1"/>
+              <a:t>microservice</a:t>
+            </a:r>
+            <a:r>
+              <a:rPr lang="en-US" dirty="0"/>
+              <a:t> architecture, one application can have many </a:t>
+            </a:r>
+            <a:r>
+              <a:rPr lang="en-US" dirty="0" err="1"/>
+              <a:t>microservices</a:t>
+            </a:r>
+            <a:r>
+              <a:rPr lang="en-US" dirty="0"/>
+              <a:t>. If we stop all the services then deploy an enhanced version, the downtime will be huge and can impact the business. Also, the rollback will be a nightmare. How do we avoid or reduce downtime of the services during deployment?</a:t>
+            </a:r>
+          </a:p>
+          <a:p>
+            <a:pPr>
+              <a:buNone/>
+            </a:pPr>
+            <a:r>
+              <a:rPr lang="en-US" b="1" dirty="0"/>
+              <a:t>Solution</a:t>
+            </a:r>
+          </a:p>
+          <a:p>
+            <a:r>
+              <a:rPr lang="en-US" dirty="0"/>
+              <a:t>The blue-green deployment strategy can be implemented to reduce or remove downtime. It achieves this by running two identical production environments, Blue and Green. Let's assume Green is the existing live instance and Blue is the new version of the application. At any time, only one of the environments is live, with the live environment serving all production traffic. All cloud platforms provide options for implementing a blue-green deployment. </a:t>
+            </a:r>
+          </a:p>
+          <a:p>
+            <a:pPr>
+              <a:buNone/>
+            </a:pPr>
+            <a:endParaRPr lang="en-US" dirty="0"/>
+          </a:p>
+          <a:p>
+            <a:r>
+              <a:rPr lang="en-US" dirty="0"/>
+              <a:t>There are many other patterns used with </a:t>
+            </a:r>
+            <a:r>
+              <a:rPr lang="en-US" dirty="0" err="1"/>
+              <a:t>microservice</a:t>
+            </a:r>
+            <a:r>
+              <a:rPr lang="en-US" dirty="0"/>
+              <a:t> architecture, like Sidecar, Chained </a:t>
+            </a:r>
+            <a:r>
+              <a:rPr lang="en-US" dirty="0" err="1"/>
+              <a:t>Microservice</a:t>
+            </a:r>
+            <a:r>
+              <a:rPr lang="en-US" dirty="0"/>
+              <a:t>, Branch </a:t>
+            </a:r>
+            <a:r>
+              <a:rPr lang="en-US" dirty="0" err="1"/>
+              <a:t>Microservice</a:t>
+            </a:r>
+            <a:r>
+              <a:rPr lang="en-US" dirty="0"/>
+              <a:t>, Event Sourcing Pattern, Continuous Delivery Patterns, and more. The list keeps growing as we get more experience with </a:t>
+            </a:r>
+            <a:r>
+              <a:rPr lang="en-US" dirty="0" err="1"/>
+              <a:t>microservices</a:t>
+            </a:r>
+            <a:r>
+              <a:rPr lang="en-US" dirty="0"/>
+              <a:t>. I am stopping now to hear back from you on what </a:t>
+            </a:r>
+            <a:r>
+              <a:rPr lang="en-US" dirty="0" err="1"/>
+              <a:t>microservice</a:t>
+            </a:r>
+            <a:r>
+              <a:rPr lang="en-US" dirty="0"/>
+              <a:t> patterns you are using.</a:t>
             </a:r>
           </a:p>
           <a:p>

--- a/Micro services Design Pattern.pptx
+++ b/Micro services Design Pattern.pptx
@@ -5,7 +5,7 @@
     <p:sldMasterId id="2147483648" r:id="rId1"/>
   </p:sldMasterIdLst>
   <p:notesMasterIdLst>
-    <p:notesMasterId r:id="rId65"/>
+    <p:notesMasterId r:id="rId73"/>
   </p:notesMasterIdLst>
   <p:sldIdLst>
     <p:sldId id="256" r:id="rId2"/>
@@ -57,20 +57,28 @@
     <p:sldId id="291" r:id="rId48"/>
     <p:sldId id="292" r:id="rId49"/>
     <p:sldId id="314" r:id="rId50"/>
-    <p:sldId id="315" r:id="rId51"/>
-    <p:sldId id="316" r:id="rId52"/>
-    <p:sldId id="317" r:id="rId53"/>
-    <p:sldId id="318" r:id="rId54"/>
-    <p:sldId id="272" r:id="rId55"/>
-    <p:sldId id="273" r:id="rId56"/>
-    <p:sldId id="274" r:id="rId57"/>
-    <p:sldId id="275" r:id="rId58"/>
-    <p:sldId id="276" r:id="rId59"/>
-    <p:sldId id="277" r:id="rId60"/>
-    <p:sldId id="278" r:id="rId61"/>
-    <p:sldId id="279" r:id="rId62"/>
-    <p:sldId id="280" r:id="rId63"/>
-    <p:sldId id="281" r:id="rId64"/>
+    <p:sldId id="316" r:id="rId51"/>
+    <p:sldId id="317" r:id="rId52"/>
+    <p:sldId id="318" r:id="rId53"/>
+    <p:sldId id="272" r:id="rId54"/>
+    <p:sldId id="273" r:id="rId55"/>
+    <p:sldId id="274" r:id="rId56"/>
+    <p:sldId id="322" r:id="rId57"/>
+    <p:sldId id="323" r:id="rId58"/>
+    <p:sldId id="324" r:id="rId59"/>
+    <p:sldId id="325" r:id="rId60"/>
+    <p:sldId id="326" r:id="rId61"/>
+    <p:sldId id="327" r:id="rId62"/>
+    <p:sldId id="275" r:id="rId63"/>
+    <p:sldId id="319" r:id="rId64"/>
+    <p:sldId id="320" r:id="rId65"/>
+    <p:sldId id="321" r:id="rId66"/>
+    <p:sldId id="276" r:id="rId67"/>
+    <p:sldId id="277" r:id="rId68"/>
+    <p:sldId id="278" r:id="rId69"/>
+    <p:sldId id="279" r:id="rId70"/>
+    <p:sldId id="280" r:id="rId71"/>
+    <p:sldId id="281" r:id="rId72"/>
   </p:sldIdLst>
   <p:sldSz cx="9144000" cy="6858000" type="screen4x3"/>
   <p:notesSz cx="6858000" cy="9144000"/>
@@ -270,7 +278,7 @@
           <a:p>
             <a:fld id="{9361661B-EA32-4140-B0F1-A19F0F4DBBC8}" type="datetimeFigureOut">
               <a:rPr lang="en-IN" smtClean="0"/>
-              <a:t>30-11-2023</a:t>
+              <a:t>01-12-2023</a:t>
             </a:fld>
             <a:endParaRPr lang="en-IN"/>
           </a:p>
@@ -2495,6 +2503,547 @@
 </p:notes>
 </file>
 
+<file path=ppt/notesSlides/notesSlide23.xml><?xml version="1.0" encoding="utf-8"?>
+<p:notes xmlns:a="http://schemas.openxmlformats.org/drawingml/2006/main" xmlns:r="http://schemas.openxmlformats.org/officeDocument/2006/relationships" xmlns:p="http://schemas.openxmlformats.org/presentationml/2006/main">
+  <p:cSld>
+    <p:spTree>
+      <p:nvGrpSpPr>
+        <p:cNvPr id="1" name=""/>
+        <p:cNvGrpSpPr/>
+        <p:nvPr/>
+      </p:nvGrpSpPr>
+      <p:grpSpPr>
+        <a:xfrm>
+          <a:off x="0" y="0"/>
+          <a:ext cx="0" cy="0"/>
+          <a:chOff x="0" y="0"/>
+          <a:chExt cx="0" cy="0"/>
+        </a:xfrm>
+      </p:grpSpPr>
+      <p:sp>
+        <p:nvSpPr>
+          <p:cNvPr id="2" name="Slide Image Placeholder 1"/>
+          <p:cNvSpPr>
+            <a:spLocks noGrp="1" noRot="1" noChangeAspect="1"/>
+          </p:cNvSpPr>
+          <p:nvPr>
+            <p:ph type="sldImg"/>
+          </p:nvPr>
+        </p:nvSpPr>
+        <p:spPr/>
+      </p:sp>
+      <p:sp>
+        <p:nvSpPr>
+          <p:cNvPr id="3" name="Notes Placeholder 2"/>
+          <p:cNvSpPr>
+            <a:spLocks noGrp="1"/>
+          </p:cNvSpPr>
+          <p:nvPr>
+            <p:ph type="body" idx="1"/>
+          </p:nvPr>
+        </p:nvSpPr>
+        <p:spPr/>
+        <p:txBody>
+          <a:bodyPr/>
+          <a:lstStyle/>
+          <a:p>
+            <a:r>
+              <a:rPr lang="en-US" dirty="0"/>
+              <a:t>In our project, we're using Spring Boot 2 and my team was pretty excited that we were able to start using Micrometer, an instrumentation library powering the delivery of application metrics. Micrometer is the default metrics library in Spring Boot 2 and it doesn't just give you metrics from your Spring application, but can also deliver JVM metrics (garbage collection and memory pools, </a:t>
+            </a:r>
+            <a:r>
+              <a:rPr lang="en-US" dirty="0" err="1"/>
+              <a:t>etc</a:t>
+            </a:r>
+            <a:r>
+              <a:rPr lang="en-US" dirty="0"/>
+              <a:t>) and also metrics from the application container. Micrometer has several different libraries that can be included to ship metrics to different backends and has support for Prometheus, Netflix Atlas, CloudWatch, Datadog, Graphite, Ganglia, JMX, Influx/</a:t>
+            </a:r>
+            <a:r>
+              <a:rPr lang="en-US" dirty="0" err="1"/>
+              <a:t>Telegraf</a:t>
+            </a:r>
+            <a:r>
+              <a:rPr lang="en-US" dirty="0"/>
+              <a:t>, New Relic, </a:t>
+            </a:r>
+            <a:r>
+              <a:rPr lang="en-US" dirty="0" err="1"/>
+              <a:t>StatsD</a:t>
+            </a:r>
+            <a:r>
+              <a:rPr lang="en-US" dirty="0"/>
+              <a:t>, </a:t>
+            </a:r>
+            <a:r>
+              <a:rPr lang="en-US" dirty="0" err="1"/>
+              <a:t>SignalFx</a:t>
+            </a:r>
+            <a:r>
+              <a:rPr lang="en-US" dirty="0"/>
+              <a:t>, and Wavefront.</a:t>
+            </a:r>
+          </a:p>
+          <a:p>
+            <a:endParaRPr lang="en-US" dirty="0"/>
+          </a:p>
+          <a:p>
+            <a:r>
+              <a:rPr lang="en-US" dirty="0"/>
+              <a:t>Because we didn't have a lot of control over the way our applications were deployed we looked at the several different backends supported by a micrometer. Most of the above backends work by pushing data out to a remote (cloud service). Since the </a:t>
+            </a:r>
+            <a:r>
+              <a:rPr lang="en-US" dirty="0" err="1"/>
+              <a:t>organisation</a:t>
+            </a:r>
+            <a:r>
+              <a:rPr lang="en-US" dirty="0"/>
+              <a:t> we work for doesn't allow us to push this 'sensitive' data to a remote party we looked at self-hosted solutions. We started with looking into Prometheus (and Grafana) and we soon learned that it was really easy to get a monitoring system up and running within an hour. In the rest of this post, I'll show you how easy it is to start monitoring Spring Boot applications with Prometheus and Grafana.</a:t>
+            </a:r>
+          </a:p>
+          <a:p>
+            <a:endParaRPr lang="en-IN" dirty="0"/>
+          </a:p>
+        </p:txBody>
+      </p:sp>
+      <p:sp>
+        <p:nvSpPr>
+          <p:cNvPr id="4" name="Slide Number Placeholder 3"/>
+          <p:cNvSpPr>
+            <a:spLocks noGrp="1"/>
+          </p:cNvSpPr>
+          <p:nvPr>
+            <p:ph type="sldNum" sz="quarter" idx="5"/>
+          </p:nvPr>
+        </p:nvSpPr>
+        <p:spPr/>
+        <p:txBody>
+          <a:bodyPr/>
+          <a:lstStyle/>
+          <a:p>
+            <a:fld id="{9BD7E917-8394-433F-96B5-1F86F1B85784}" type="slidenum">
+              <a:rPr lang="en-IN" smtClean="0"/>
+              <a:t>57</a:t>
+            </a:fld>
+            <a:endParaRPr lang="en-IN"/>
+          </a:p>
+        </p:txBody>
+      </p:sp>
+    </p:spTree>
+    <p:extLst>
+      <p:ext uri="{BB962C8B-B14F-4D97-AF65-F5344CB8AC3E}">
+        <p14:creationId xmlns:p14="http://schemas.microsoft.com/office/powerpoint/2010/main" val="3358461916"/>
+      </p:ext>
+    </p:extLst>
+  </p:cSld>
+  <p:clrMapOvr>
+    <a:masterClrMapping/>
+  </p:clrMapOvr>
+</p:notes>
+</file>
+
+<file path=ppt/notesSlides/notesSlide24.xml><?xml version="1.0" encoding="utf-8"?>
+<p:notes xmlns:a="http://schemas.openxmlformats.org/drawingml/2006/main" xmlns:r="http://schemas.openxmlformats.org/officeDocument/2006/relationships" xmlns:p="http://schemas.openxmlformats.org/presentationml/2006/main">
+  <p:cSld>
+    <p:spTree>
+      <p:nvGrpSpPr>
+        <p:cNvPr id="1" name=""/>
+        <p:cNvGrpSpPr/>
+        <p:nvPr/>
+      </p:nvGrpSpPr>
+      <p:grpSpPr>
+        <a:xfrm>
+          <a:off x="0" y="0"/>
+          <a:ext cx="0" cy="0"/>
+          <a:chOff x="0" y="0"/>
+          <a:chExt cx="0" cy="0"/>
+        </a:xfrm>
+      </p:grpSpPr>
+      <p:sp>
+        <p:nvSpPr>
+          <p:cNvPr id="2" name="Slide Image Placeholder 1"/>
+          <p:cNvSpPr>
+            <a:spLocks noGrp="1" noRot="1" noChangeAspect="1"/>
+          </p:cNvSpPr>
+          <p:nvPr>
+            <p:ph type="sldImg"/>
+          </p:nvPr>
+        </p:nvSpPr>
+        <p:spPr/>
+      </p:sp>
+      <p:sp>
+        <p:nvSpPr>
+          <p:cNvPr id="3" name="Notes Placeholder 2"/>
+          <p:cNvSpPr>
+            <a:spLocks noGrp="1"/>
+          </p:cNvSpPr>
+          <p:nvPr>
+            <p:ph type="body" idx="1"/>
+          </p:nvPr>
+        </p:nvSpPr>
+        <p:spPr/>
+        <p:txBody>
+          <a:bodyPr/>
+          <a:lstStyle/>
+          <a:p>
+            <a:r>
+              <a:rPr lang="en-US" b="0" i="0" dirty="0">
+                <a:solidFill>
+                  <a:srgbClr val="222635"/>
+                </a:solidFill>
+                <a:effectLst/>
+                <a:latin typeface="Cambria" panose="02040503050406030204" pitchFamily="18" charset="0"/>
+              </a:rPr>
+              <a:t>The following example shows a configuration with a set of statics targets for test and staging environments. You can decide to monitor all environments within one Prometheus instance, but you could of course also use a separate Prometheus instance for monitoring just the production environment.</a:t>
+            </a:r>
+          </a:p>
+          <a:p>
+            <a:endParaRPr lang="en-IN" dirty="0"/>
+          </a:p>
+        </p:txBody>
+      </p:sp>
+      <p:sp>
+        <p:nvSpPr>
+          <p:cNvPr id="4" name="Slide Number Placeholder 3"/>
+          <p:cNvSpPr>
+            <a:spLocks noGrp="1"/>
+          </p:cNvSpPr>
+          <p:nvPr>
+            <p:ph type="sldNum" sz="quarter" idx="5"/>
+          </p:nvPr>
+        </p:nvSpPr>
+        <p:spPr/>
+        <p:txBody>
+          <a:bodyPr/>
+          <a:lstStyle/>
+          <a:p>
+            <a:fld id="{9BD7E917-8394-433F-96B5-1F86F1B85784}" type="slidenum">
+              <a:rPr lang="en-IN" smtClean="0"/>
+              <a:t>58</a:t>
+            </a:fld>
+            <a:endParaRPr lang="en-IN"/>
+          </a:p>
+        </p:txBody>
+      </p:sp>
+    </p:spTree>
+    <p:extLst>
+      <p:ext uri="{BB962C8B-B14F-4D97-AF65-F5344CB8AC3E}">
+        <p14:creationId xmlns:p14="http://schemas.microsoft.com/office/powerpoint/2010/main" val="99323103"/>
+      </p:ext>
+    </p:extLst>
+  </p:cSld>
+  <p:clrMapOvr>
+    <a:masterClrMapping/>
+  </p:clrMapOvr>
+</p:notes>
+</file>
+
+<file path=ppt/notesSlides/notesSlide25.xml><?xml version="1.0" encoding="utf-8"?>
+<p:notes xmlns:a="http://schemas.openxmlformats.org/drawingml/2006/main" xmlns:r="http://schemas.openxmlformats.org/officeDocument/2006/relationships" xmlns:p="http://schemas.openxmlformats.org/presentationml/2006/main">
+  <p:cSld>
+    <p:spTree>
+      <p:nvGrpSpPr>
+        <p:cNvPr id="1" name=""/>
+        <p:cNvGrpSpPr/>
+        <p:nvPr/>
+      </p:nvGrpSpPr>
+      <p:grpSpPr>
+        <a:xfrm>
+          <a:off x="0" y="0"/>
+          <a:ext cx="0" cy="0"/>
+          <a:chOff x="0" y="0"/>
+          <a:chExt cx="0" cy="0"/>
+        </a:xfrm>
+      </p:grpSpPr>
+      <p:sp>
+        <p:nvSpPr>
+          <p:cNvPr id="2" name="Slide Image Placeholder 1"/>
+          <p:cNvSpPr>
+            <a:spLocks noGrp="1" noRot="1" noChangeAspect="1"/>
+          </p:cNvSpPr>
+          <p:nvPr>
+            <p:ph type="sldImg"/>
+          </p:nvPr>
+        </p:nvSpPr>
+        <p:spPr/>
+      </p:sp>
+      <p:sp>
+        <p:nvSpPr>
+          <p:cNvPr id="3" name="Notes Placeholder 2"/>
+          <p:cNvSpPr>
+            <a:spLocks noGrp="1"/>
+          </p:cNvSpPr>
+          <p:nvPr>
+            <p:ph type="body" idx="1"/>
+          </p:nvPr>
+        </p:nvSpPr>
+        <p:spPr/>
+        <p:txBody>
+          <a:bodyPr/>
+          <a:lstStyle/>
+          <a:p>
+            <a:r>
+              <a:rPr lang="en-US" b="0" i="0" dirty="0">
+                <a:solidFill>
+                  <a:srgbClr val="222635"/>
+                </a:solidFill>
+                <a:effectLst/>
+                <a:latin typeface="Cambria" panose="02040503050406030204" pitchFamily="18" charset="0"/>
+              </a:rPr>
+              <a:t>The following example shows a configuration with a set of statics targets for test and staging environments. You can decide to monitor all environments within one Prometheus instance, but you could of course also use a separate Prometheus instance for monitoring just the production environment.</a:t>
+            </a:r>
+          </a:p>
+          <a:p>
+            <a:endParaRPr lang="en-IN" dirty="0"/>
+          </a:p>
+        </p:txBody>
+      </p:sp>
+      <p:sp>
+        <p:nvSpPr>
+          <p:cNvPr id="4" name="Slide Number Placeholder 3"/>
+          <p:cNvSpPr>
+            <a:spLocks noGrp="1"/>
+          </p:cNvSpPr>
+          <p:nvPr>
+            <p:ph type="sldNum" sz="quarter" idx="5"/>
+          </p:nvPr>
+        </p:nvSpPr>
+        <p:spPr/>
+        <p:txBody>
+          <a:bodyPr/>
+          <a:lstStyle/>
+          <a:p>
+            <a:fld id="{9BD7E917-8394-433F-96B5-1F86F1B85784}" type="slidenum">
+              <a:rPr lang="en-IN" smtClean="0"/>
+              <a:t>59</a:t>
+            </a:fld>
+            <a:endParaRPr lang="en-IN"/>
+          </a:p>
+        </p:txBody>
+      </p:sp>
+    </p:spTree>
+    <p:extLst>
+      <p:ext uri="{BB962C8B-B14F-4D97-AF65-F5344CB8AC3E}">
+        <p14:creationId xmlns:p14="http://schemas.microsoft.com/office/powerpoint/2010/main" val="317631043"/>
+      </p:ext>
+    </p:extLst>
+  </p:cSld>
+  <p:clrMapOvr>
+    <a:masterClrMapping/>
+  </p:clrMapOvr>
+</p:notes>
+</file>
+
+<file path=ppt/notesSlides/notesSlide26.xml><?xml version="1.0" encoding="utf-8"?>
+<p:notes xmlns:a="http://schemas.openxmlformats.org/drawingml/2006/main" xmlns:r="http://schemas.openxmlformats.org/officeDocument/2006/relationships" xmlns:p="http://schemas.openxmlformats.org/presentationml/2006/main">
+  <p:cSld>
+    <p:spTree>
+      <p:nvGrpSpPr>
+        <p:cNvPr id="1" name=""/>
+        <p:cNvGrpSpPr/>
+        <p:nvPr/>
+      </p:nvGrpSpPr>
+      <p:grpSpPr>
+        <a:xfrm>
+          <a:off x="0" y="0"/>
+          <a:ext cx="0" cy="0"/>
+          <a:chOff x="0" y="0"/>
+          <a:chExt cx="0" cy="0"/>
+        </a:xfrm>
+      </p:grpSpPr>
+      <p:sp>
+        <p:nvSpPr>
+          <p:cNvPr id="2" name="Slide Image Placeholder 1"/>
+          <p:cNvSpPr>
+            <a:spLocks noGrp="1" noRot="1" noChangeAspect="1"/>
+          </p:cNvSpPr>
+          <p:nvPr>
+            <p:ph type="sldImg"/>
+          </p:nvPr>
+        </p:nvSpPr>
+        <p:spPr/>
+      </p:sp>
+      <p:sp>
+        <p:nvSpPr>
+          <p:cNvPr id="3" name="Notes Placeholder 2"/>
+          <p:cNvSpPr>
+            <a:spLocks noGrp="1"/>
+          </p:cNvSpPr>
+          <p:nvPr>
+            <p:ph type="body" idx="1"/>
+          </p:nvPr>
+        </p:nvSpPr>
+        <p:spPr/>
+        <p:txBody>
+          <a:bodyPr/>
+          <a:lstStyle/>
+          <a:p>
+            <a:endParaRPr lang="en-IN" dirty="0"/>
+          </a:p>
+        </p:txBody>
+      </p:sp>
+      <p:sp>
+        <p:nvSpPr>
+          <p:cNvPr id="4" name="Slide Number Placeholder 3"/>
+          <p:cNvSpPr>
+            <a:spLocks noGrp="1"/>
+          </p:cNvSpPr>
+          <p:nvPr>
+            <p:ph type="sldNum" sz="quarter" idx="5"/>
+          </p:nvPr>
+        </p:nvSpPr>
+        <p:spPr/>
+        <p:txBody>
+          <a:bodyPr/>
+          <a:lstStyle/>
+          <a:p>
+            <a:fld id="{9BD7E917-8394-433F-96B5-1F86F1B85784}" type="slidenum">
+              <a:rPr lang="en-IN" smtClean="0"/>
+              <a:t>60</a:t>
+            </a:fld>
+            <a:endParaRPr lang="en-IN"/>
+          </a:p>
+        </p:txBody>
+      </p:sp>
+    </p:spTree>
+    <p:extLst>
+      <p:ext uri="{BB962C8B-B14F-4D97-AF65-F5344CB8AC3E}">
+        <p14:creationId xmlns:p14="http://schemas.microsoft.com/office/powerpoint/2010/main" val="2949034425"/>
+      </p:ext>
+    </p:extLst>
+  </p:cSld>
+  <p:clrMapOvr>
+    <a:masterClrMapping/>
+  </p:clrMapOvr>
+</p:notes>
+</file>
+
+<file path=ppt/notesSlides/notesSlide27.xml><?xml version="1.0" encoding="utf-8"?>
+<p:notes xmlns:a="http://schemas.openxmlformats.org/drawingml/2006/main" xmlns:r="http://schemas.openxmlformats.org/officeDocument/2006/relationships" xmlns:p="http://schemas.openxmlformats.org/presentationml/2006/main">
+  <p:cSld>
+    <p:spTree>
+      <p:nvGrpSpPr>
+        <p:cNvPr id="1" name=""/>
+        <p:cNvGrpSpPr/>
+        <p:nvPr/>
+      </p:nvGrpSpPr>
+      <p:grpSpPr>
+        <a:xfrm>
+          <a:off x="0" y="0"/>
+          <a:ext cx="0" cy="0"/>
+          <a:chOff x="0" y="0"/>
+          <a:chExt cx="0" cy="0"/>
+        </a:xfrm>
+      </p:grpSpPr>
+      <p:sp>
+        <p:nvSpPr>
+          <p:cNvPr id="2" name="Slide Image Placeholder 1"/>
+          <p:cNvSpPr>
+            <a:spLocks noGrp="1" noRot="1" noChangeAspect="1"/>
+          </p:cNvSpPr>
+          <p:nvPr>
+            <p:ph type="sldImg"/>
+          </p:nvPr>
+        </p:nvSpPr>
+        <p:spPr/>
+      </p:sp>
+      <p:sp>
+        <p:nvSpPr>
+          <p:cNvPr id="3" name="Notes Placeholder 2"/>
+          <p:cNvSpPr>
+            <a:spLocks noGrp="1"/>
+          </p:cNvSpPr>
+          <p:nvPr>
+            <p:ph type="body" idx="1"/>
+          </p:nvPr>
+        </p:nvSpPr>
+        <p:spPr/>
+        <p:txBody>
+          <a:bodyPr/>
+          <a:lstStyle/>
+          <a:p>
+            <a:r>
+              <a:rPr lang="en-US" b="0" i="0" dirty="0">
+                <a:solidFill>
+                  <a:srgbClr val="222635"/>
+                </a:solidFill>
+                <a:effectLst/>
+                <a:latin typeface="Cambria" panose="02040503050406030204" pitchFamily="18" charset="0"/>
+              </a:rPr>
+              <a:t>Now if we connect Grafana with Prometheus as the data source and install </a:t>
+            </a:r>
+            <a:r>
+              <a:rPr lang="en-US" b="0" i="0" u="none" strike="noStrike" dirty="0">
+                <a:effectLst/>
+                <a:latin typeface="Cambria" panose="02040503050406030204" pitchFamily="18" charset="0"/>
+                <a:hlinkClick r:id="rId3"/>
+              </a:rPr>
+              <a:t>this excellent JVM Micrometer dashboard</a:t>
+            </a:r>
+            <a:r>
+              <a:rPr lang="en-US" b="0" i="0" dirty="0">
+                <a:solidFill>
+                  <a:srgbClr val="222635"/>
+                </a:solidFill>
+                <a:effectLst/>
+                <a:latin typeface="Cambria" panose="02040503050406030204" pitchFamily="18" charset="0"/>
+              </a:rPr>
+              <a:t> into Grafana we can instantly start monitoring our Spring Boot application. You will end up with a pretty mature dashboard that lets you switch between different instances of your application.</a:t>
+            </a:r>
+          </a:p>
+          <a:p>
+            <a:r>
+              <a:rPr lang="en-US" b="0" i="0" dirty="0">
+                <a:solidFill>
+                  <a:srgbClr val="222635"/>
+                </a:solidFill>
+                <a:effectLst/>
+                <a:latin typeface="Cambria" panose="02040503050406030204" pitchFamily="18" charset="0"/>
+              </a:rPr>
+              <a:t>If you want to start everything all at once you can easily use docker-compose.</a:t>
+            </a:r>
+          </a:p>
+          <a:p>
+            <a:endParaRPr lang="en-IN" dirty="0"/>
+          </a:p>
+        </p:txBody>
+      </p:sp>
+      <p:sp>
+        <p:nvSpPr>
+          <p:cNvPr id="4" name="Slide Number Placeholder 3"/>
+          <p:cNvSpPr>
+            <a:spLocks noGrp="1"/>
+          </p:cNvSpPr>
+          <p:nvPr>
+            <p:ph type="sldNum" sz="quarter" idx="5"/>
+          </p:nvPr>
+        </p:nvSpPr>
+        <p:spPr/>
+        <p:txBody>
+          <a:bodyPr/>
+          <a:lstStyle/>
+          <a:p>
+            <a:fld id="{9BD7E917-8394-433F-96B5-1F86F1B85784}" type="slidenum">
+              <a:rPr lang="en-IN" smtClean="0"/>
+              <a:t>61</a:t>
+            </a:fld>
+            <a:endParaRPr lang="en-IN"/>
+          </a:p>
+        </p:txBody>
+      </p:sp>
+    </p:spTree>
+    <p:extLst>
+      <p:ext uri="{BB962C8B-B14F-4D97-AF65-F5344CB8AC3E}">
+        <p14:creationId xmlns:p14="http://schemas.microsoft.com/office/powerpoint/2010/main" val="2906693958"/>
+      </p:ext>
+    </p:extLst>
+  </p:cSld>
+  <p:clrMapOvr>
+    <a:masterClrMapping/>
+  </p:clrMapOvr>
+</p:notes>
+</file>
+
 <file path=ppt/notesSlides/notesSlide3.xml><?xml version="1.0" encoding="utf-8"?>
 <p:notes xmlns:a="http://schemas.openxmlformats.org/drawingml/2006/main" xmlns:r="http://schemas.openxmlformats.org/officeDocument/2006/relationships" xmlns:p="http://schemas.openxmlformats.org/presentationml/2006/main">
   <p:cSld>
@@ -5080,7 +5629,7 @@
           <a:p>
             <a:fld id="{30A3986D-CCD2-4D39-883A-01078D9363A9}" type="datetimeFigureOut">
               <a:rPr lang="en-US" smtClean="0"/>
-              <a:t>11/30/2023</a:t>
+              <a:t>12/1/2023</a:t>
             </a:fld>
             <a:endParaRPr lang="en-US"/>
           </a:p>
@@ -5243,7 +5792,7 @@
           <a:p>
             <a:fld id="{30A3986D-CCD2-4D39-883A-01078D9363A9}" type="datetimeFigureOut">
               <a:rPr lang="en-US" smtClean="0"/>
-              <a:t>11/30/2023</a:t>
+              <a:t>12/1/2023</a:t>
             </a:fld>
             <a:endParaRPr lang="en-US"/>
           </a:p>
@@ -5416,7 +5965,7 @@
           <a:p>
             <a:fld id="{30A3986D-CCD2-4D39-883A-01078D9363A9}" type="datetimeFigureOut">
               <a:rPr lang="en-US" smtClean="0"/>
-              <a:t>11/30/2023</a:t>
+              <a:t>12/1/2023</a:t>
             </a:fld>
             <a:endParaRPr lang="en-US"/>
           </a:p>
@@ -5579,7 +6128,7 @@
           <a:p>
             <a:fld id="{30A3986D-CCD2-4D39-883A-01078D9363A9}" type="datetimeFigureOut">
               <a:rPr lang="en-US" smtClean="0"/>
-              <a:t>11/30/2023</a:t>
+              <a:t>12/1/2023</a:t>
             </a:fld>
             <a:endParaRPr lang="en-US"/>
           </a:p>
@@ -5819,7 +6368,7 @@
           <a:p>
             <a:fld id="{30A3986D-CCD2-4D39-883A-01078D9363A9}" type="datetimeFigureOut">
               <a:rPr lang="en-US" smtClean="0"/>
-              <a:t>11/30/2023</a:t>
+              <a:t>12/1/2023</a:t>
             </a:fld>
             <a:endParaRPr lang="en-US"/>
           </a:p>
@@ -6099,7 +6648,7 @@
           <a:p>
             <a:fld id="{30A3986D-CCD2-4D39-883A-01078D9363A9}" type="datetimeFigureOut">
               <a:rPr lang="en-US" smtClean="0"/>
-              <a:t>11/30/2023</a:t>
+              <a:t>12/1/2023</a:t>
             </a:fld>
             <a:endParaRPr lang="en-US"/>
           </a:p>
@@ -6513,7 +7062,7 @@
           <a:p>
             <a:fld id="{30A3986D-CCD2-4D39-883A-01078D9363A9}" type="datetimeFigureOut">
               <a:rPr lang="en-US" smtClean="0"/>
-              <a:t>11/30/2023</a:t>
+              <a:t>12/1/2023</a:t>
             </a:fld>
             <a:endParaRPr lang="en-US"/>
           </a:p>
@@ -6625,7 +7174,7 @@
           <a:p>
             <a:fld id="{30A3986D-CCD2-4D39-883A-01078D9363A9}" type="datetimeFigureOut">
               <a:rPr lang="en-US" smtClean="0"/>
-              <a:t>11/30/2023</a:t>
+              <a:t>12/1/2023</a:t>
             </a:fld>
             <a:endParaRPr lang="en-US"/>
           </a:p>
@@ -6715,7 +7264,7 @@
           <a:p>
             <a:fld id="{30A3986D-CCD2-4D39-883A-01078D9363A9}" type="datetimeFigureOut">
               <a:rPr lang="en-US" smtClean="0"/>
-              <a:t>11/30/2023</a:t>
+              <a:t>12/1/2023</a:t>
             </a:fld>
             <a:endParaRPr lang="en-US"/>
           </a:p>
@@ -6985,7 +7534,7 @@
           <a:p>
             <a:fld id="{30A3986D-CCD2-4D39-883A-01078D9363A9}" type="datetimeFigureOut">
               <a:rPr lang="en-US" smtClean="0"/>
-              <a:t>11/30/2023</a:t>
+              <a:t>12/1/2023</a:t>
             </a:fld>
             <a:endParaRPr lang="en-US"/>
           </a:p>
@@ -7232,7 +7781,7 @@
           <a:p>
             <a:fld id="{30A3986D-CCD2-4D39-883A-01078D9363A9}" type="datetimeFigureOut">
               <a:rPr lang="en-US" smtClean="0"/>
-              <a:t>11/30/2023</a:t>
+              <a:t>12/1/2023</a:t>
             </a:fld>
             <a:endParaRPr lang="en-US"/>
           </a:p>
@@ -7438,7 +7987,7 @@
           <a:p>
             <a:fld id="{30A3986D-CCD2-4D39-883A-01078D9363A9}" type="datetimeFigureOut">
               <a:rPr lang="en-US" smtClean="0"/>
-              <a:t>11/30/2023</a:t>
+              <a:t>12/1/2023</a:t>
             </a:fld>
             <a:endParaRPr lang="en-US"/>
           </a:p>
@@ -18319,231 +18868,6 @@
         <p:spPr/>
         <p:txBody>
           <a:bodyPr>
-            <a:normAutofit fontScale="47500" lnSpcReduction="20000"/>
-          </a:bodyPr>
-          <a:lstStyle/>
-          <a:p>
-            <a:pPr marL="0" indent="0">
-              <a:buNone/>
-            </a:pPr>
-            <a:r>
-              <a:rPr lang="en-IN" dirty="0"/>
-              <a:t>DEMO</a:t>
-            </a:r>
-          </a:p>
-          <a:p>
-            <a:pPr marL="0" indent="0">
-              <a:buNone/>
-            </a:pPr>
-            <a:r>
-              <a:rPr lang="en-US" dirty="0"/>
-              <a:t>Let’s consider a flight booking application in which user searches for flight deals. The application sends the information to all the airlines, find their fares and then responds back.</a:t>
-            </a:r>
-          </a:p>
-          <a:p>
-            <a:pPr marL="0" indent="0">
-              <a:buNone/>
-            </a:pPr>
-            <a:endParaRPr lang="en-US" dirty="0"/>
-          </a:p>
-          <a:p>
-            <a:pPr marL="0" indent="0">
-              <a:buNone/>
-            </a:pPr>
-            <a:r>
-              <a:rPr lang="en-US" dirty="0"/>
-              <a:t>As our application depends on 3rd party APIs and we need to provide best user experience to our user, we will publish the user request to all airlines and whichever responds within specific timeout period, we will collect all results and show the top 5 deals to our users.</a:t>
-            </a:r>
-          </a:p>
-          <a:p>
-            <a:endParaRPr lang="en-US" dirty="0"/>
-          </a:p>
-          <a:p>
-            <a:endParaRPr lang="en-US" dirty="0"/>
-          </a:p>
-          <a:p>
-            <a:endParaRPr lang="en-US" dirty="0"/>
-          </a:p>
-          <a:p>
-            <a:endParaRPr lang="en-US" dirty="0"/>
-          </a:p>
-          <a:p>
-            <a:endParaRPr lang="en-US" dirty="0"/>
-          </a:p>
-          <a:p>
-            <a:endParaRPr lang="en-US" dirty="0"/>
-          </a:p>
-          <a:p>
-            <a:endParaRPr lang="en-US" dirty="0"/>
-          </a:p>
-          <a:p>
-            <a:endParaRPr lang="en-US" dirty="0"/>
-          </a:p>
-          <a:p>
-            <a:endParaRPr lang="en-US" dirty="0"/>
-          </a:p>
-          <a:p>
-            <a:endParaRPr lang="en-US" dirty="0"/>
-          </a:p>
-          <a:p>
-            <a:endParaRPr lang="en-US" dirty="0"/>
-          </a:p>
-          <a:p>
-            <a:r>
-              <a:rPr lang="en-US" dirty="0"/>
-              <a:t>The main application does not even know how many airlines are listening to the requests. Even if some of the airlines services are not be up and running, it is not going to affect our flight-app.</a:t>
-            </a:r>
-          </a:p>
-          <a:p>
-            <a:pPr marL="0" indent="0">
-              <a:buNone/>
-            </a:pPr>
-            <a:endParaRPr lang="en-IN" dirty="0"/>
-          </a:p>
-        </p:txBody>
-      </p:sp>
-      <p:pic>
-        <p:nvPicPr>
-          <p:cNvPr id="2053" name="Picture 5" descr="scatter gather pattern">
-            <a:extLst>
-              <a:ext uri="{FF2B5EF4-FFF2-40B4-BE49-F238E27FC236}">
-                <a16:creationId xmlns:a16="http://schemas.microsoft.com/office/drawing/2014/main" id="{7299B820-16B5-2D8E-CF66-78145592C1F0}"/>
-              </a:ext>
-            </a:extLst>
-          </p:cNvPr>
-          <p:cNvPicPr>
-            <a:picLocks noChangeAspect="1" noChangeArrowheads="1"/>
-          </p:cNvPicPr>
-          <p:nvPr/>
-        </p:nvPicPr>
-        <p:blipFill>
-          <a:blip r:embed="rId3">
-            <a:extLst>
-              <a:ext uri="{28A0092B-C50C-407E-A947-70E740481C1C}">
-                <a14:useLocalDpi xmlns:a14="http://schemas.microsoft.com/office/drawing/2010/main" val="0"/>
-              </a:ext>
-            </a:extLst>
-          </a:blip>
-          <a:srcRect/>
-          <a:stretch>
-            <a:fillRect/>
-          </a:stretch>
-        </p:blipFill>
-        <p:spPr bwMode="auto">
-          <a:xfrm>
-            <a:off x="2033972" y="3212976"/>
-            <a:ext cx="5076056" cy="2170543"/>
-          </a:xfrm>
-          <a:prstGeom prst="rect">
-            <a:avLst/>
-          </a:prstGeom>
-          <a:noFill/>
-          <a:extLst>
-            <a:ext uri="{909E8E84-426E-40DD-AFC4-6F175D3DCCD1}">
-              <a14:hiddenFill xmlns:a14="http://schemas.microsoft.com/office/drawing/2010/main">
-                <a:solidFill>
-                  <a:srgbClr val="FFFFFF"/>
-                </a:solidFill>
-              </a14:hiddenFill>
-            </a:ext>
-          </a:extLst>
-        </p:spPr>
-      </p:pic>
-    </p:spTree>
-    <p:extLst>
-      <p:ext uri="{BB962C8B-B14F-4D97-AF65-F5344CB8AC3E}">
-        <p14:creationId xmlns:p14="http://schemas.microsoft.com/office/powerpoint/2010/main" val="3016336452"/>
-      </p:ext>
-    </p:extLst>
-  </p:cSld>
-  <p:clrMapOvr>
-    <a:masterClrMapping/>
-  </p:clrMapOvr>
-</p:sld>
-</file>
-
-<file path=ppt/slides/slide51.xml><?xml version="1.0" encoding="utf-8"?>
-<p:sld xmlns:a="http://schemas.openxmlformats.org/drawingml/2006/main" xmlns:r="http://schemas.openxmlformats.org/officeDocument/2006/relationships" xmlns:p="http://schemas.openxmlformats.org/presentationml/2006/main">
-  <p:cSld>
-    <p:spTree>
-      <p:nvGrpSpPr>
-        <p:cNvPr id="1" name=""/>
-        <p:cNvGrpSpPr/>
-        <p:nvPr/>
-      </p:nvGrpSpPr>
-      <p:grpSpPr>
-        <a:xfrm>
-          <a:off x="0" y="0"/>
-          <a:ext cx="0" cy="0"/>
-          <a:chOff x="0" y="0"/>
-          <a:chExt cx="0" cy="0"/>
-        </a:xfrm>
-      </p:grpSpPr>
-      <p:sp>
-        <p:nvSpPr>
-          <p:cNvPr id="2" name="Title 1">
-            <a:extLst>
-              <a:ext uri="{FF2B5EF4-FFF2-40B4-BE49-F238E27FC236}">
-                <a16:creationId xmlns:a16="http://schemas.microsoft.com/office/drawing/2014/main" id="{B1DC4EC9-F97C-24A3-4DE7-49F0B54B1EC5}"/>
-              </a:ext>
-            </a:extLst>
-          </p:cNvPr>
-          <p:cNvSpPr>
-            <a:spLocks noGrp="1"/>
-          </p:cNvSpPr>
-          <p:nvPr>
-            <p:ph type="title"/>
-          </p:nvPr>
-        </p:nvSpPr>
-        <p:spPr/>
-        <p:txBody>
-          <a:bodyPr>
-            <a:normAutofit fontScale="90000"/>
-          </a:bodyPr>
-          <a:lstStyle/>
-          <a:p>
-            <a:r>
-              <a:rPr lang="en-IN" b="1" i="0" dirty="0">
-                <a:solidFill>
-                  <a:srgbClr val="3A3A3A"/>
-                </a:solidFill>
-                <a:effectLst/>
-                <a:latin typeface="Catamaran-SemiBold"/>
-              </a:rPr>
-              <a:t>Scatter Gather Pattern</a:t>
-            </a:r>
-            <a:br>
-              <a:rPr lang="en-IN" b="0" i="0" dirty="0">
-                <a:solidFill>
-                  <a:srgbClr val="3A3A3A"/>
-                </a:solidFill>
-                <a:effectLst/>
-                <a:latin typeface="Catamaran-Regular"/>
-              </a:rPr>
-            </a:br>
-            <a:endParaRPr lang="en-IN" dirty="0"/>
-          </a:p>
-        </p:txBody>
-      </p:sp>
-      <p:sp>
-        <p:nvSpPr>
-          <p:cNvPr id="3" name="Content Placeholder 2">
-            <a:extLst>
-              <a:ext uri="{FF2B5EF4-FFF2-40B4-BE49-F238E27FC236}">
-                <a16:creationId xmlns:a16="http://schemas.microsoft.com/office/drawing/2014/main" id="{CC5D9D8C-BCD7-922B-917F-E7E95E208476}"/>
-              </a:ext>
-            </a:extLst>
-          </p:cNvPr>
-          <p:cNvSpPr>
-            <a:spLocks noGrp="1"/>
-          </p:cNvSpPr>
-          <p:nvPr>
-            <p:ph idx="1"/>
-          </p:nvPr>
-        </p:nvSpPr>
-        <p:spPr/>
-        <p:txBody>
-          <a:bodyPr>
             <a:normAutofit fontScale="77500" lnSpcReduction="20000"/>
           </a:bodyPr>
           <a:lstStyle/>
@@ -19024,6 +19348,399 @@
 </p:sld>
 </file>
 
+<file path=ppt/slides/slide51.xml><?xml version="1.0" encoding="utf-8"?>
+<p:sld xmlns:a="http://schemas.openxmlformats.org/drawingml/2006/main" xmlns:r="http://schemas.openxmlformats.org/officeDocument/2006/relationships" xmlns:p="http://schemas.openxmlformats.org/presentationml/2006/main">
+  <p:cSld>
+    <p:spTree>
+      <p:nvGrpSpPr>
+        <p:cNvPr id="1" name=""/>
+        <p:cNvGrpSpPr/>
+        <p:nvPr/>
+      </p:nvGrpSpPr>
+      <p:grpSpPr>
+        <a:xfrm>
+          <a:off x="0" y="0"/>
+          <a:ext cx="0" cy="0"/>
+          <a:chOff x="0" y="0"/>
+          <a:chExt cx="0" cy="0"/>
+        </a:xfrm>
+      </p:grpSpPr>
+      <p:sp>
+        <p:nvSpPr>
+          <p:cNvPr id="2" name="Title 1">
+            <a:extLst>
+              <a:ext uri="{FF2B5EF4-FFF2-40B4-BE49-F238E27FC236}">
+                <a16:creationId xmlns:a16="http://schemas.microsoft.com/office/drawing/2014/main" id="{F5BEDD40-8418-A74C-A3EE-2FC169A04A0A}"/>
+              </a:ext>
+            </a:extLst>
+          </p:cNvPr>
+          <p:cNvSpPr>
+            <a:spLocks noGrp="1"/>
+          </p:cNvSpPr>
+          <p:nvPr>
+            <p:ph type="title"/>
+          </p:nvPr>
+        </p:nvSpPr>
+        <p:spPr/>
+        <p:txBody>
+          <a:bodyPr>
+            <a:normAutofit fontScale="90000"/>
+          </a:bodyPr>
+          <a:lstStyle/>
+          <a:p>
+            <a:r>
+              <a:rPr lang="en-IN" b="1" i="0" dirty="0">
+                <a:solidFill>
+                  <a:srgbClr val="3A3A3A"/>
+                </a:solidFill>
+                <a:effectLst/>
+                <a:latin typeface="Catamaran-SemiBold"/>
+              </a:rPr>
+              <a:t>Scatter Gather Pattern</a:t>
+            </a:r>
+            <a:br>
+              <a:rPr lang="en-IN" b="0" i="0" dirty="0">
+                <a:solidFill>
+                  <a:srgbClr val="3A3A3A"/>
+                </a:solidFill>
+                <a:effectLst/>
+                <a:latin typeface="Catamaran-Regular"/>
+              </a:rPr>
+            </a:br>
+            <a:endParaRPr lang="en-IN" dirty="0"/>
+          </a:p>
+        </p:txBody>
+      </p:sp>
+      <p:sp>
+        <p:nvSpPr>
+          <p:cNvPr id="3" name="Content Placeholder 2">
+            <a:extLst>
+              <a:ext uri="{FF2B5EF4-FFF2-40B4-BE49-F238E27FC236}">
+                <a16:creationId xmlns:a16="http://schemas.microsoft.com/office/drawing/2014/main" id="{E4E37B9B-F345-1836-0EFF-36E68FA2F530}"/>
+              </a:ext>
+            </a:extLst>
+          </p:cNvPr>
+          <p:cNvSpPr>
+            <a:spLocks noGrp="1"/>
+          </p:cNvSpPr>
+          <p:nvPr>
+            <p:ph idx="1"/>
+          </p:nvPr>
+        </p:nvSpPr>
+        <p:spPr/>
+        <p:txBody>
+          <a:bodyPr>
+            <a:normAutofit fontScale="62500" lnSpcReduction="20000"/>
+          </a:bodyPr>
+          <a:lstStyle/>
+          <a:p>
+            <a:r>
+              <a:rPr lang="en-IN" dirty="0"/>
+              <a:t>DEMO</a:t>
+            </a:r>
+          </a:p>
+          <a:p>
+            <a:pPr marL="0" indent="0" algn="l" fontAlgn="base">
+              <a:buNone/>
+            </a:pPr>
+            <a:r>
+              <a:rPr lang="en-US" b="1" i="0" dirty="0">
+                <a:solidFill>
+                  <a:srgbClr val="3A3A3A"/>
+                </a:solidFill>
+                <a:effectLst/>
+                <a:latin typeface="Catamaran-SemiBold"/>
+              </a:rPr>
+              <a:t>Scatter Gather Pattern</a:t>
+            </a:r>
+            <a:endParaRPr lang="en-US" b="0" i="0" dirty="0">
+              <a:solidFill>
+                <a:srgbClr val="3A3A3A"/>
+              </a:solidFill>
+              <a:effectLst/>
+              <a:latin typeface="Catamaran-Regular"/>
+            </a:endParaRPr>
+          </a:p>
+          <a:p>
+            <a:pPr lvl="1" fontAlgn="base">
+              <a:buFont typeface="Arial" panose="020B0604020202020204" pitchFamily="34" charset="0"/>
+              <a:buChar char="•"/>
+            </a:pPr>
+            <a:r>
+              <a:rPr lang="en-US" b="0" i="0" dirty="0">
+                <a:solidFill>
+                  <a:srgbClr val="212121"/>
+                </a:solidFill>
+                <a:effectLst/>
+                <a:latin typeface="Catamaran-Regular"/>
+              </a:rPr>
+              <a:t>Now lets work on the flight-search customer facing app.</a:t>
+            </a:r>
+          </a:p>
+          <a:p>
+            <a:pPr lvl="2" fontAlgn="base"/>
+            <a:r>
+              <a:rPr lang="en-IN" b="0" i="0" dirty="0">
+                <a:solidFill>
+                  <a:srgbClr val="212121"/>
+                </a:solidFill>
+                <a:effectLst/>
+                <a:latin typeface="Catamaran-Regular"/>
+              </a:rPr>
+              <a:t>NATS bean</a:t>
+            </a:r>
+          </a:p>
+          <a:p>
+            <a:pPr lvl="2" fontAlgn="base"/>
+            <a:r>
+              <a:rPr lang="en-US" b="0" i="0" dirty="0">
+                <a:solidFill>
+                  <a:srgbClr val="212121"/>
+                </a:solidFill>
+                <a:effectLst/>
+                <a:latin typeface="Catamaran-Regular"/>
+              </a:rPr>
+              <a:t>Controller</a:t>
+            </a:r>
+          </a:p>
+          <a:p>
+            <a:pPr lvl="2" fontAlgn="base"/>
+            <a:r>
+              <a:rPr lang="en-US" b="0" i="0" dirty="0" err="1">
+                <a:solidFill>
+                  <a:srgbClr val="212121"/>
+                </a:solidFill>
+                <a:effectLst/>
+                <a:latin typeface="Catamaran-Regular"/>
+              </a:rPr>
+              <a:t>ScatterGatherService</a:t>
+            </a:r>
+            <a:endParaRPr lang="en-US" b="0" i="0" dirty="0">
+              <a:solidFill>
+                <a:srgbClr val="212121"/>
+              </a:solidFill>
+              <a:effectLst/>
+              <a:latin typeface="Catamaran-Regular"/>
+            </a:endParaRPr>
+          </a:p>
+          <a:p>
+            <a:pPr lvl="3" fontAlgn="base">
+              <a:buFont typeface="Arial" panose="020B0604020202020204" pitchFamily="34" charset="0"/>
+              <a:buChar char="•"/>
+            </a:pPr>
+            <a:r>
+              <a:rPr lang="en-US" b="0" i="0" dirty="0">
+                <a:solidFill>
+                  <a:srgbClr val="212121"/>
+                </a:solidFill>
+                <a:effectLst/>
+                <a:latin typeface="Catamaran-Regular"/>
+              </a:rPr>
+              <a:t>This class is responsible for broadcasting the request and receiving the responses</a:t>
+            </a:r>
+          </a:p>
+          <a:p>
+            <a:pPr marL="0" indent="0">
+              <a:buNone/>
+            </a:pPr>
+            <a:endParaRPr lang="en-IN" b="1" i="0" dirty="0">
+              <a:solidFill>
+                <a:srgbClr val="3A3A3A"/>
+              </a:solidFill>
+              <a:effectLst/>
+              <a:latin typeface="Catamaran-SemiBold"/>
+            </a:endParaRPr>
+          </a:p>
+          <a:p>
+            <a:pPr marL="0" indent="0">
+              <a:buNone/>
+            </a:pPr>
+            <a:r>
+              <a:rPr lang="en-IN" b="1" i="0" dirty="0">
+                <a:solidFill>
+                  <a:srgbClr val="3A3A3A"/>
+                </a:solidFill>
+                <a:effectLst/>
+                <a:latin typeface="Catamaran-SemiBold"/>
+              </a:rPr>
+              <a:t>Airline – Service</a:t>
+            </a:r>
+            <a:endParaRPr lang="en-IN" b="0" i="0" dirty="0">
+              <a:solidFill>
+                <a:srgbClr val="3A3A3A"/>
+              </a:solidFill>
+              <a:effectLst/>
+              <a:latin typeface="Catamaran-Regular"/>
+            </a:endParaRPr>
+          </a:p>
+          <a:p>
+            <a:pPr lvl="1">
+              <a:buFont typeface="Arial" panose="020B0604020202020204" pitchFamily="34" charset="0"/>
+              <a:buChar char="•"/>
+            </a:pPr>
+            <a:r>
+              <a:rPr lang="en-US" dirty="0"/>
+              <a:t>This service class represents the individual airlines. It receives the request and provide the schedules along with price.</a:t>
+            </a:r>
+          </a:p>
+          <a:p>
+            <a:pPr lvl="1">
+              <a:buFont typeface="Arial" panose="020B0604020202020204" pitchFamily="34" charset="0"/>
+              <a:buChar char="•"/>
+            </a:pPr>
+            <a:r>
+              <a:rPr lang="en-US" dirty="0"/>
+              <a:t>This is a separate app. We would be running multiple instances of this app.</a:t>
+            </a:r>
+            <a:endParaRPr lang="en-IN" dirty="0"/>
+          </a:p>
+          <a:p>
+            <a:pPr marL="0" indent="0" algn="l" fontAlgn="base">
+              <a:buNone/>
+            </a:pPr>
+            <a:r>
+              <a:rPr lang="en-US" b="1" i="0" dirty="0">
+                <a:solidFill>
+                  <a:srgbClr val="3A3A3A"/>
+                </a:solidFill>
+                <a:effectLst/>
+                <a:latin typeface="Catamaran-SemiBold"/>
+              </a:rPr>
+              <a:t>Common DTO</a:t>
+            </a:r>
+            <a:endParaRPr lang="en-US" b="0" i="0" dirty="0">
+              <a:solidFill>
+                <a:srgbClr val="3A3A3A"/>
+              </a:solidFill>
+              <a:effectLst/>
+              <a:latin typeface="Catamaran-Regular"/>
+            </a:endParaRPr>
+          </a:p>
+          <a:p>
+            <a:pPr lvl="1" fontAlgn="base">
+              <a:buFont typeface="Arial" panose="020B0604020202020204" pitchFamily="34" charset="0"/>
+              <a:buChar char="•"/>
+            </a:pPr>
+            <a:r>
+              <a:rPr lang="en-US" b="0" i="0" dirty="0">
+                <a:solidFill>
+                  <a:srgbClr val="212121"/>
+                </a:solidFill>
+                <a:effectLst/>
+                <a:latin typeface="Catamaran-Regular"/>
+              </a:rPr>
+              <a:t>Flight Search Request</a:t>
+            </a:r>
+            <a:endParaRPr lang="en-IN" b="0" i="0" dirty="0">
+              <a:solidFill>
+                <a:srgbClr val="212121"/>
+              </a:solidFill>
+              <a:effectLst/>
+              <a:latin typeface="Catamaran-Regular"/>
+            </a:endParaRPr>
+          </a:p>
+          <a:p>
+            <a:pPr lvl="1" fontAlgn="base">
+              <a:buFont typeface="Arial" panose="020B0604020202020204" pitchFamily="34" charset="0"/>
+              <a:buChar char="•"/>
+            </a:pPr>
+            <a:r>
+              <a:rPr lang="en-IN" b="0" i="0" dirty="0">
+                <a:solidFill>
+                  <a:srgbClr val="212121"/>
+                </a:solidFill>
+                <a:effectLst/>
+                <a:latin typeface="Catamaran-Regular"/>
+              </a:rPr>
+              <a:t>Flight Schedule</a:t>
+            </a:r>
+          </a:p>
+          <a:p>
+            <a:pPr lvl="1" fontAlgn="base">
+              <a:buFont typeface="Arial" panose="020B0604020202020204" pitchFamily="34" charset="0"/>
+              <a:buChar char="•"/>
+            </a:pPr>
+            <a:r>
+              <a:rPr lang="en-IN" b="0" i="0" dirty="0">
+                <a:solidFill>
+                  <a:srgbClr val="212121"/>
+                </a:solidFill>
+                <a:effectLst/>
+                <a:latin typeface="Catamaran-Regular"/>
+              </a:rPr>
+              <a:t>Flight Search </a:t>
+            </a:r>
+            <a:r>
+              <a:rPr lang="en-IN" b="0" i="0" dirty="0" err="1">
+                <a:solidFill>
+                  <a:srgbClr val="212121"/>
+                </a:solidFill>
+                <a:effectLst/>
+                <a:latin typeface="Catamaran-Regular"/>
+              </a:rPr>
+              <a:t>Response</a:t>
+            </a:r>
+            <a:r>
+              <a:rPr lang="en-IN" b="1" i="0" dirty="0" err="1">
+                <a:solidFill>
+                  <a:srgbClr val="3A3A3A"/>
+                </a:solidFill>
+                <a:effectLst/>
+                <a:latin typeface="Catamaran-SemiBold"/>
+              </a:rPr>
+              <a:t>Airline</a:t>
+            </a:r>
+            <a:r>
+              <a:rPr lang="en-IN" b="1" i="0" dirty="0">
+                <a:solidFill>
+                  <a:srgbClr val="3A3A3A"/>
+                </a:solidFill>
+                <a:effectLst/>
+                <a:latin typeface="Catamaran-SemiBold"/>
+              </a:rPr>
+              <a:t> – Service</a:t>
+            </a:r>
+          </a:p>
+          <a:p>
+            <a:pPr marL="457200" lvl="1" indent="0" fontAlgn="base">
+              <a:buNone/>
+            </a:pPr>
+            <a:endParaRPr lang="en-IN" b="0" i="0" dirty="0">
+              <a:solidFill>
+                <a:srgbClr val="3A3A3A"/>
+              </a:solidFill>
+              <a:effectLst/>
+              <a:latin typeface="Catamaran-Regular"/>
+            </a:endParaRPr>
+          </a:p>
+          <a:p>
+            <a:pPr lvl="1" fontAlgn="base">
+              <a:buFont typeface="Arial" panose="020B0604020202020204" pitchFamily="34" charset="0"/>
+              <a:buChar char="•"/>
+            </a:pPr>
+            <a:endParaRPr lang="en-US" b="0" i="0" dirty="0">
+              <a:solidFill>
+                <a:srgbClr val="212121"/>
+              </a:solidFill>
+              <a:effectLst/>
+              <a:latin typeface="Catamaran-Regular"/>
+            </a:endParaRPr>
+          </a:p>
+        </p:txBody>
+      </p:sp>
+    </p:spTree>
+    <p:extLst>
+      <p:ext uri="{BB962C8B-B14F-4D97-AF65-F5344CB8AC3E}">
+        <p14:creationId xmlns:p14="http://schemas.microsoft.com/office/powerpoint/2010/main" val="554460181"/>
+      </p:ext>
+    </p:extLst>
+  </p:cSld>
+  <p:clrMapOvr>
+    <a:masterClrMapping/>
+  </p:clrMapOvr>
+</p:sld>
+</file>
+
 <file path=ppt/slides/slide52.xml><?xml version="1.0" encoding="utf-8"?>
 <p:sld xmlns:a="http://schemas.openxmlformats.org/drawingml/2006/main" xmlns:r="http://schemas.openxmlformats.org/officeDocument/2006/relationships" xmlns:p="http://schemas.openxmlformats.org/presentationml/2006/main">
   <p:cSld>
@@ -19046,7 +19763,7 @@
           <p:cNvPr id="2" name="Title 1">
             <a:extLst>
               <a:ext uri="{FF2B5EF4-FFF2-40B4-BE49-F238E27FC236}">
-                <a16:creationId xmlns:a16="http://schemas.microsoft.com/office/drawing/2014/main" id="{F5BEDD40-8418-A74C-A3EE-2FC169A04A0A}"/>
+                <a16:creationId xmlns:a16="http://schemas.microsoft.com/office/drawing/2014/main" id="{54A1E61C-47F4-BA60-7DE6-B71808785D38}"/>
               </a:ext>
             </a:extLst>
           </p:cNvPr>
@@ -19092,7 +19809,7 @@
           <p:cNvPr id="3" name="Content Placeholder 2">
             <a:extLst>
               <a:ext uri="{FF2B5EF4-FFF2-40B4-BE49-F238E27FC236}">
-                <a16:creationId xmlns:a16="http://schemas.microsoft.com/office/drawing/2014/main" id="{E4E37B9B-F345-1836-0EFF-36E68FA2F530}"/>
+                <a16:creationId xmlns:a16="http://schemas.microsoft.com/office/drawing/2014/main" id="{4C5DE325-94A1-0DB6-AA99-4F3FB025B687}"/>
               </a:ext>
             </a:extLst>
           </p:cNvPr>
@@ -19106,148 +19823,14 @@
         <p:spPr/>
         <p:txBody>
           <a:bodyPr>
-            <a:normAutofit fontScale="62500" lnSpcReduction="20000"/>
+            <a:normAutofit/>
           </a:bodyPr>
           <a:lstStyle/>
           <a:p>
             <a:r>
-              <a:rPr lang="en-IN" dirty="0"/>
+              <a:rPr lang="en-IN" sz="1800" dirty="0"/>
               <a:t>DEMO</a:t>
             </a:r>
-          </a:p>
-          <a:p>
-            <a:pPr marL="0" indent="0" algn="l" fontAlgn="base">
-              <a:buNone/>
-            </a:pPr>
-            <a:r>
-              <a:rPr lang="en-US" b="1" i="0" dirty="0">
-                <a:solidFill>
-                  <a:srgbClr val="3A3A3A"/>
-                </a:solidFill>
-                <a:effectLst/>
-                <a:latin typeface="Catamaran-SemiBold"/>
-              </a:rPr>
-              <a:t>Scatter Gather Pattern</a:t>
-            </a:r>
-            <a:endParaRPr lang="en-US" b="0" i="0" dirty="0">
-              <a:solidFill>
-                <a:srgbClr val="3A3A3A"/>
-              </a:solidFill>
-              <a:effectLst/>
-              <a:latin typeface="Catamaran-Regular"/>
-            </a:endParaRPr>
-          </a:p>
-          <a:p>
-            <a:pPr lvl="1" fontAlgn="base">
-              <a:buFont typeface="Arial" panose="020B0604020202020204" pitchFamily="34" charset="0"/>
-              <a:buChar char="•"/>
-            </a:pPr>
-            <a:r>
-              <a:rPr lang="en-US" b="0" i="0" dirty="0">
-                <a:solidFill>
-                  <a:srgbClr val="212121"/>
-                </a:solidFill>
-                <a:effectLst/>
-                <a:latin typeface="Catamaran-Regular"/>
-              </a:rPr>
-              <a:t>Now lets work on the flight-search customer facing app.</a:t>
-            </a:r>
-          </a:p>
-          <a:p>
-            <a:pPr lvl="2" fontAlgn="base"/>
-            <a:r>
-              <a:rPr lang="en-IN" b="0" i="0" dirty="0">
-                <a:solidFill>
-                  <a:srgbClr val="212121"/>
-                </a:solidFill>
-                <a:effectLst/>
-                <a:latin typeface="Catamaran-Regular"/>
-              </a:rPr>
-              <a:t>NATS bean</a:t>
-            </a:r>
-          </a:p>
-          <a:p>
-            <a:pPr lvl="2" fontAlgn="base"/>
-            <a:r>
-              <a:rPr lang="en-US" b="0" i="0" dirty="0">
-                <a:solidFill>
-                  <a:srgbClr val="212121"/>
-                </a:solidFill>
-                <a:effectLst/>
-                <a:latin typeface="Catamaran-Regular"/>
-              </a:rPr>
-              <a:t>Controller</a:t>
-            </a:r>
-          </a:p>
-          <a:p>
-            <a:pPr lvl="2" fontAlgn="base"/>
-            <a:r>
-              <a:rPr lang="en-US" b="0" i="0" dirty="0" err="1">
-                <a:solidFill>
-                  <a:srgbClr val="212121"/>
-                </a:solidFill>
-                <a:effectLst/>
-                <a:latin typeface="Catamaran-Regular"/>
-              </a:rPr>
-              <a:t>ScatterGatherService</a:t>
-            </a:r>
-            <a:endParaRPr lang="en-US" b="0" i="0" dirty="0">
-              <a:solidFill>
-                <a:srgbClr val="212121"/>
-              </a:solidFill>
-              <a:effectLst/>
-              <a:latin typeface="Catamaran-Regular"/>
-            </a:endParaRPr>
-          </a:p>
-          <a:p>
-            <a:pPr lvl="3" fontAlgn="base">
-              <a:buFont typeface="Arial" panose="020B0604020202020204" pitchFamily="34" charset="0"/>
-              <a:buChar char="•"/>
-            </a:pPr>
-            <a:r>
-              <a:rPr lang="en-US" b="0" i="0" dirty="0">
-                <a:solidFill>
-                  <a:srgbClr val="212121"/>
-                </a:solidFill>
-                <a:effectLst/>
-                <a:latin typeface="Catamaran-Regular"/>
-              </a:rPr>
-              <a:t>This class is responsible for broadcasting the request and receiving the responses</a:t>
-            </a:r>
-          </a:p>
-          <a:p>
-            <a:pPr marL="0" indent="0">
-              <a:buNone/>
-            </a:pPr>
-            <a:endParaRPr lang="en-IN" b="1" i="0" dirty="0">
-              <a:solidFill>
-                <a:srgbClr val="3A3A3A"/>
-              </a:solidFill>
-              <a:effectLst/>
-              <a:latin typeface="Catamaran-SemiBold"/>
-            </a:endParaRPr>
-          </a:p>
-          <a:p>
-            <a:pPr marL="0" indent="0">
-              <a:buNone/>
-            </a:pPr>
-            <a:r>
-              <a:rPr lang="en-IN" b="1" i="0" dirty="0">
-                <a:solidFill>
-                  <a:srgbClr val="3A3A3A"/>
-                </a:solidFill>
-                <a:effectLst/>
-                <a:latin typeface="Catamaran-SemiBold"/>
-              </a:rPr>
-              <a:t>Airline – Service</a:t>
-            </a:r>
-            <a:endParaRPr lang="en-IN" b="0" i="0" dirty="0">
-              <a:solidFill>
-                <a:srgbClr val="3A3A3A"/>
-              </a:solidFill>
-              <a:effectLst/>
-              <a:latin typeface="Catamaran-Regular"/>
-            </a:endParaRPr>
           </a:p>
           <a:p>
             <a:pPr lvl="1">
@@ -19255,159 +19838,44 @@
               <a:buChar char="•"/>
             </a:pPr>
             <a:r>
-              <a:rPr lang="en-US" dirty="0"/>
-              <a:t>This service class represents the individual airlines. It receives the request and provide the schedules along with price.</a:t>
-            </a:r>
-          </a:p>
-          <a:p>
-            <a:pPr lvl="1">
-              <a:buFont typeface="Arial" panose="020B0604020202020204" pitchFamily="34" charset="0"/>
-              <a:buChar char="•"/>
-            </a:pPr>
-            <a:r>
-              <a:rPr lang="en-US" dirty="0"/>
-              <a:t>This is a separate app. We would be running multiple instances of this app.</a:t>
-            </a:r>
-            <a:endParaRPr lang="en-IN" dirty="0"/>
-          </a:p>
-          <a:p>
-            <a:pPr marL="0" indent="0" algn="l" fontAlgn="base">
-              <a:buNone/>
-            </a:pPr>
-            <a:r>
-              <a:rPr lang="en-US" b="1" i="0" dirty="0">
-                <a:solidFill>
-                  <a:srgbClr val="3A3A3A"/>
-                </a:solidFill>
-                <a:effectLst/>
-                <a:latin typeface="Catamaran-SemiBold"/>
-              </a:rPr>
-              <a:t>Common DTO</a:t>
-            </a:r>
-            <a:endParaRPr lang="en-US" b="0" i="0" dirty="0">
-              <a:solidFill>
-                <a:srgbClr val="3A3A3A"/>
-              </a:solidFill>
-              <a:effectLst/>
-              <a:latin typeface="Catamaran-Regular"/>
-            </a:endParaRPr>
-          </a:p>
-          <a:p>
-            <a:pPr lvl="1" fontAlgn="base">
-              <a:buFont typeface="Arial" panose="020B0604020202020204" pitchFamily="34" charset="0"/>
-              <a:buChar char="•"/>
-            </a:pPr>
-            <a:r>
-              <a:rPr lang="en-US" b="0" i="0" dirty="0">
+              <a:rPr lang="en-IN" sz="1800" dirty="0"/>
+              <a:t>I send a request</a:t>
+            </a:r>
+          </a:p>
+          <a:p>
+            <a:pPr lvl="2"/>
+            <a:r>
+              <a:rPr lang="en-IN" sz="1800" dirty="0">
+                <a:hlinkClick r:id="rId2"/>
+              </a:rPr>
+              <a:t>http://localhost:8080/flight/Houston/LasVegas</a:t>
+            </a:r>
+            <a:endParaRPr lang="en-IN" sz="1800" dirty="0"/>
+          </a:p>
+          <a:p>
+            <a:pPr lvl="2"/>
+            <a:r>
+              <a:rPr lang="en-US" sz="1800" b="0" i="0" dirty="0">
                 <a:solidFill>
                   <a:srgbClr val="212121"/>
                 </a:solidFill>
                 <a:effectLst/>
-                <a:latin typeface="Catamaran-Regular"/>
-              </a:rPr>
-              <a:t>Flight Search Request</a:t>
-            </a:r>
-            <a:endParaRPr lang="en-IN" b="0" i="0" dirty="0">
-              <a:solidFill>
-                <a:srgbClr val="212121"/>
-              </a:solidFill>
-              <a:effectLst/>
-              <a:latin typeface="Catamaran-Regular"/>
-            </a:endParaRPr>
-          </a:p>
-          <a:p>
-            <a:pPr lvl="1" fontAlgn="base">
-              <a:buFont typeface="Arial" panose="020B0604020202020204" pitchFamily="34" charset="0"/>
-              <a:buChar char="•"/>
-            </a:pPr>
-            <a:r>
-              <a:rPr lang="en-IN" b="0" i="0" dirty="0">
-                <a:solidFill>
-                  <a:srgbClr val="212121"/>
-                </a:solidFill>
-                <a:effectLst/>
-                <a:latin typeface="Catamaran-Regular"/>
-              </a:rPr>
-              <a:t>Flight Schedule</a:t>
-            </a:r>
-          </a:p>
-          <a:p>
-            <a:pPr lvl="1" fontAlgn="base">
-              <a:buFont typeface="Arial" panose="020B0604020202020204" pitchFamily="34" charset="0"/>
-              <a:buChar char="•"/>
-            </a:pPr>
-            <a:r>
-              <a:rPr lang="en-IN" b="0" i="0" dirty="0">
-                <a:solidFill>
-                  <a:srgbClr val="212121"/>
-                </a:solidFill>
-                <a:effectLst/>
-                <a:latin typeface="Catamaran-Regular"/>
-              </a:rPr>
-              <a:t>Flight Search </a:t>
-            </a:r>
-            <a:r>
-              <a:rPr lang="en-IN" b="0" i="0" dirty="0" err="1">
-                <a:solidFill>
-                  <a:srgbClr val="212121"/>
-                </a:solidFill>
-                <a:effectLst/>
-                <a:latin typeface="Catamaran-Regular"/>
-              </a:rPr>
-              <a:t>Response</a:t>
-            </a:r>
-            <a:r>
-              <a:rPr lang="en-IN" b="1" i="0" dirty="0" err="1">
-                <a:solidFill>
-                  <a:srgbClr val="3A3A3A"/>
-                </a:solidFill>
-                <a:effectLst/>
-                <a:latin typeface="Catamaran-SemiBold"/>
-              </a:rPr>
-              <a:t>Airline</a:t>
-            </a:r>
-            <a:r>
-              <a:rPr lang="en-IN" b="1" i="0" dirty="0">
-                <a:solidFill>
-                  <a:srgbClr val="3A3A3A"/>
-                </a:solidFill>
-                <a:effectLst/>
-                <a:latin typeface="Catamaran-SemiBold"/>
-              </a:rPr>
-              <a:t> – Service</a:t>
-            </a:r>
-          </a:p>
-          <a:p>
-            <a:pPr marL="457200" lvl="1" indent="0" fontAlgn="base">
-              <a:buNone/>
-            </a:pPr>
-            <a:endParaRPr lang="en-IN" b="0" i="0" dirty="0">
-              <a:solidFill>
-                <a:srgbClr val="3A3A3A"/>
-              </a:solidFill>
-              <a:effectLst/>
-              <a:latin typeface="Catamaran-Regular"/>
-            </a:endParaRPr>
-          </a:p>
-          <a:p>
-            <a:pPr lvl="1" fontAlgn="base">
-              <a:buFont typeface="Arial" panose="020B0604020202020204" pitchFamily="34" charset="0"/>
-              <a:buChar char="•"/>
-            </a:pPr>
-            <a:endParaRPr lang="en-US" b="0" i="0" dirty="0">
-              <a:solidFill>
-                <a:srgbClr val="212121"/>
-              </a:solidFill>
-              <a:effectLst/>
-              <a:latin typeface="Catamaran-Regular"/>
-            </a:endParaRPr>
+              </a:rPr>
+              <a:t>I receive a response</a:t>
+            </a:r>
+          </a:p>
+          <a:p>
+            <a:pPr marL="914400" lvl="2" indent="0">
+              <a:buNone/>
+            </a:pPr>
+            <a:endParaRPr lang="en-IN" sz="1800" dirty="0"/>
           </a:p>
         </p:txBody>
       </p:sp>
     </p:spTree>
     <p:extLst>
       <p:ext uri="{BB962C8B-B14F-4D97-AF65-F5344CB8AC3E}">
-        <p14:creationId xmlns:p14="http://schemas.microsoft.com/office/powerpoint/2010/main" val="554460181"/>
+        <p14:creationId xmlns:p14="http://schemas.microsoft.com/office/powerpoint/2010/main" val="3514372764"/>
       </p:ext>
     </p:extLst>
   </p:cSld>
@@ -19436,13 +19904,7 @@
       </p:grpSpPr>
       <p:sp>
         <p:nvSpPr>
-          <p:cNvPr id="2" name="Title 1">
-            <a:extLst>
-              <a:ext uri="{FF2B5EF4-FFF2-40B4-BE49-F238E27FC236}">
-                <a16:creationId xmlns:a16="http://schemas.microsoft.com/office/drawing/2014/main" id="{54A1E61C-47F4-BA60-7DE6-B71808785D38}"/>
-              </a:ext>
-            </a:extLst>
-          </p:cNvPr>
+          <p:cNvPr id="2" name="Title 1"/>
           <p:cNvSpPr>
             <a:spLocks noGrp="1"/>
           </p:cNvSpPr>
@@ -19458,37 +19920,19 @@
           <a:lstStyle/>
           <a:p>
             <a:r>
-              <a:rPr lang="en-IN" b="1" i="0" dirty="0">
-                <a:solidFill>
-                  <a:srgbClr val="3A3A3A"/>
-                </a:solidFill>
-                <a:effectLst/>
-                <a:latin typeface="Catamaran-SemiBold"/>
-              </a:rPr>
-              <a:t>Scatter Gather Pattern</a:t>
+              <a:rPr lang="en-US" b="1" dirty="0"/>
+              <a:t>Observability Patterns</a:t>
             </a:r>
             <a:br>
-              <a:rPr lang="en-IN" b="0" i="0" dirty="0">
-                <a:solidFill>
-                  <a:srgbClr val="3A3A3A"/>
-                </a:solidFill>
-                <a:effectLst/>
-                <a:latin typeface="Catamaran-Regular"/>
-              </a:rPr>
+              <a:rPr lang="en-US" b="1" dirty="0"/>
             </a:br>
-            <a:endParaRPr lang="en-IN" dirty="0"/>
-          </a:p>
-        </p:txBody>
-      </p:sp>
-      <p:sp>
-        <p:nvSpPr>
-          <p:cNvPr id="3" name="Content Placeholder 2">
-            <a:extLst>
-              <a:ext uri="{FF2B5EF4-FFF2-40B4-BE49-F238E27FC236}">
-                <a16:creationId xmlns:a16="http://schemas.microsoft.com/office/drawing/2014/main" id="{4C5DE325-94A1-0DB6-AA99-4F3FB025B687}"/>
-              </a:ext>
-            </a:extLst>
-          </p:cNvPr>
+            <a:endParaRPr lang="en-US" dirty="0"/>
+          </a:p>
+        </p:txBody>
+      </p:sp>
+      <p:sp>
+        <p:nvSpPr>
+          <p:cNvPr id="3" name="Content Placeholder 2"/>
           <p:cNvSpPr>
             <a:spLocks noGrp="1"/>
           </p:cNvSpPr>
@@ -19498,77 +19942,38 @@
         </p:nvSpPr>
         <p:spPr/>
         <p:txBody>
-          <a:bodyPr>
-            <a:normAutofit/>
-          </a:bodyPr>
-          <a:lstStyle/>
-          <a:p>
-            <a:r>
-              <a:rPr lang="en-IN" sz="1800" dirty="0"/>
-              <a:t>DEMO</a:t>
-            </a:r>
-          </a:p>
-          <a:p>
-            <a:pPr lvl="1">
-              <a:buFont typeface="Arial" panose="020B0604020202020204" pitchFamily="34" charset="0"/>
-              <a:buChar char="•"/>
-            </a:pPr>
-            <a:r>
-              <a:rPr lang="en-IN" sz="1800" dirty="0"/>
-              <a:t>I send a request</a:t>
-            </a:r>
-          </a:p>
-          <a:p>
-            <a:pPr lvl="2"/>
-            <a:r>
-              <a:rPr lang="en-IN" sz="1800" dirty="0">
-                <a:hlinkClick r:id="rId2"/>
-              </a:rPr>
-              <a:t>http://localhost:8080/flight/Houston/LasVegas</a:t>
-            </a:r>
-            <a:endParaRPr lang="en-IN" sz="1800" dirty="0"/>
-          </a:p>
-          <a:p>
-            <a:pPr lvl="2"/>
-            <a:r>
-              <a:rPr lang="en-US" sz="1800" b="0" i="0" dirty="0">
-                <a:solidFill>
-                  <a:srgbClr val="212121"/>
-                </a:solidFill>
-                <a:effectLst/>
-              </a:rPr>
-              <a:t>I receive </a:t>
-            </a:r>
-            <a:r>
-              <a:rPr lang="en-US" sz="1800" b="0" i="0">
-                <a:solidFill>
-                  <a:srgbClr val="212121"/>
-                </a:solidFill>
-                <a:effectLst/>
-              </a:rPr>
-              <a:t>a response</a:t>
-            </a:r>
-            <a:endParaRPr lang="en-US" sz="1800" b="0" i="0" dirty="0">
-              <a:solidFill>
-                <a:srgbClr val="212121"/>
-              </a:solidFill>
-              <a:effectLst/>
-            </a:endParaRPr>
-          </a:p>
-          <a:p>
-            <a:pPr marL="914400" lvl="2" indent="0">
-              <a:buNone/>
-            </a:pPr>
-            <a:endParaRPr lang="en-IN" sz="1800" dirty="0"/>
+          <a:bodyPr/>
+          <a:lstStyle/>
+          <a:p>
+            <a:r>
+              <a:rPr lang="en-US" b="1" dirty="0"/>
+              <a:t>Log Aggregation</a:t>
+            </a:r>
+          </a:p>
+          <a:p>
+            <a:r>
+              <a:rPr lang="en-US" b="1" dirty="0"/>
+              <a:t>Performance Metrics</a:t>
+            </a:r>
+          </a:p>
+          <a:p>
+            <a:r>
+              <a:rPr lang="en-US" b="1" dirty="0"/>
+              <a:t>Distributed Tracing</a:t>
+            </a:r>
+          </a:p>
+          <a:p>
+            <a:r>
+              <a:rPr lang="en-US" b="1" dirty="0"/>
+              <a:t>Health Check</a:t>
+            </a:r>
+          </a:p>
+          <a:p>
+            <a:endParaRPr lang="en-US" dirty="0"/>
           </a:p>
         </p:txBody>
       </p:sp>
     </p:spTree>
-    <p:extLst>
-      <p:ext uri="{BB962C8B-B14F-4D97-AF65-F5344CB8AC3E}">
-        <p14:creationId xmlns:p14="http://schemas.microsoft.com/office/powerpoint/2010/main" val="3514372764"/>
-      </p:ext>
-    </p:extLst>
   </p:cSld>
   <p:clrMapOvr>
     <a:masterClrMapping/>
@@ -19612,7 +20017,7 @@
           <a:p>
             <a:r>
               <a:rPr lang="en-US" b="1" dirty="0"/>
-              <a:t>Observability Patterns</a:t>
+              <a:t>Log Aggregation</a:t>
             </a:r>
             <a:br>
               <a:rPr lang="en-US" b="1" dirty="0"/>
@@ -19633,30 +20038,54 @@
         </p:nvSpPr>
         <p:spPr/>
         <p:txBody>
-          <a:bodyPr/>
-          <a:lstStyle/>
-          <a:p>
+          <a:bodyPr>
+            <a:normAutofit fontScale="70000" lnSpcReduction="20000"/>
+          </a:bodyPr>
+          <a:lstStyle/>
+          <a:p>
+            <a:pPr>
+              <a:buNone/>
+            </a:pPr>
             <a:r>
               <a:rPr lang="en-US" b="1" dirty="0"/>
-              <a:t>Log Aggregation</a:t>
-            </a:r>
-          </a:p>
-          <a:p>
+              <a:t>Problem</a:t>
+            </a:r>
+          </a:p>
+          <a:p>
+            <a:r>
+              <a:rPr lang="en-US" dirty="0"/>
+              <a:t>Consider a use case where an application consists of multiple service instances that are running on multiple machines. Requests often span multiple service instances. Each service instance generates a log file in a standardized format. How can we understand the application behavior through logs for a particular request?</a:t>
+            </a:r>
+          </a:p>
+          <a:p>
+            <a:pPr>
+              <a:buNone/>
+            </a:pPr>
             <a:r>
               <a:rPr lang="en-US" b="1" dirty="0"/>
-              <a:t>Performance Metrics</a:t>
-            </a:r>
-          </a:p>
-          <a:p>
-            <a:r>
-              <a:rPr lang="en-US" b="1" dirty="0"/>
-              <a:t>Distributed Tracing</a:t>
-            </a:r>
-          </a:p>
-          <a:p>
-            <a:r>
-              <a:rPr lang="en-US" b="1" dirty="0"/>
-              <a:t>Health Check</a:t>
+              <a:t>Solution</a:t>
+            </a:r>
+          </a:p>
+          <a:p>
+            <a:r>
+              <a:rPr lang="en-US" dirty="0"/>
+              <a:t>We need a centralized logging service that aggregates logs from each service instance. Users can search and analyze the logs. They can configure alerts that are triggered when certain messages appear in the logs. For example, PCF does have </a:t>
+            </a:r>
+            <a:r>
+              <a:rPr lang="en-US" dirty="0" err="1"/>
+              <a:t>Loggeregator</a:t>
+            </a:r>
+            <a:r>
+              <a:rPr lang="en-US" dirty="0"/>
+              <a:t>, which collects logs from each component (router, controller, </a:t>
+            </a:r>
+            <a:r>
+              <a:rPr lang="en-US" dirty="0" err="1"/>
+              <a:t>diego</a:t>
+            </a:r>
+            <a:r>
+              <a:rPr lang="en-US" dirty="0"/>
+              <a:t>, etc...) of the PCF platform along with applications. AWS Cloud Watch also does the same.</a:t>
             </a:r>
           </a:p>
           <a:p>
@@ -19708,7 +20137,7 @@
           <a:p>
             <a:r>
               <a:rPr lang="en-US" b="1" dirty="0"/>
-              <a:t>Log Aggregation</a:t>
+              <a:t>Performance Metrics</a:t>
             </a:r>
             <a:br>
               <a:rPr lang="en-US" b="1" dirty="0"/>
@@ -19745,7 +20174,23 @@
           <a:p>
             <a:r>
               <a:rPr lang="en-US" dirty="0"/>
-              <a:t>Consider a use case where an application consists of multiple service instances that are running on multiple machines. Requests often span multiple service instances. Each service instance generates a log file in a standardized format. How can we understand the application behavior through logs for a particular request?</a:t>
+              <a:t>When the service portfolio increases due to </a:t>
+            </a:r>
+            <a:r>
+              <a:rPr lang="en-US" dirty="0" err="1"/>
+              <a:t>microservice</a:t>
+            </a:r>
+            <a:r>
+              <a:rPr lang="en-US" dirty="0"/>
+              <a:t> architecture, it becomes critical to keep a watch on the transactions so that patterns can be monitored and alerts sent when an issue happens. How should we collect metrics to monitor application </a:t>
+            </a:r>
+            <a:r>
+              <a:rPr lang="en-US" dirty="0" err="1"/>
+              <a:t>perfomance</a:t>
+            </a:r>
+            <a:r>
+              <a:rPr lang="en-US" dirty="0"/>
+              <a:t>?</a:t>
             </a:r>
           </a:p>
           <a:p>
@@ -19760,23 +20205,32 @@
           <a:p>
             <a:r>
               <a:rPr lang="en-US" dirty="0"/>
-              <a:t>We need a centralized logging service that aggregates logs from each service instance. Users can search and analyze the logs. They can configure alerts that are triggered when certain messages appear in the logs. For example, PCF does have </a:t>
+              <a:t>A metrics service is required to gather statistics about individual operations. It should aggregate the metrics of an application service, which provides reporting and alerting. There are two models for aggregating metrics:</a:t>
+            </a:r>
+          </a:p>
+          <a:p>
+            <a:r>
+              <a:rPr lang="en-US" dirty="0"/>
+              <a:t>Push — the service pushes metrics to the metrics service e.g. </a:t>
             </a:r>
             <a:r>
               <a:rPr lang="en-US" dirty="0" err="1"/>
-              <a:t>Loggeregator</a:t>
-            </a:r>
-            <a:r>
-              <a:rPr lang="en-US" dirty="0"/>
-              <a:t>, which collects logs from each component (router, controller, </a:t>
+              <a:t>NewRelic</a:t>
+            </a:r>
+            <a:r>
+              <a:rPr lang="en-US" dirty="0"/>
+              <a:t>, </a:t>
             </a:r>
             <a:r>
               <a:rPr lang="en-US" dirty="0" err="1"/>
-              <a:t>diego</a:t>
-            </a:r>
-            <a:r>
-              <a:rPr lang="en-US" dirty="0"/>
-              <a:t>, etc...) of the PCF platform along with applications. AWS Cloud Watch also does the same.</a:t>
+              <a:t>AppDynamics</a:t>
+            </a:r>
+            <a:endParaRPr lang="en-US" dirty="0"/>
+          </a:p>
+          <a:p>
+            <a:r>
+              <a:rPr lang="en-US" dirty="0"/>
+              <a:t>Pull — the metrics services pulls metrics from the service e.g. Prometheus</a:t>
             </a:r>
           </a:p>
           <a:p>
@@ -19811,7 +20265,13 @@
       </p:grpSpPr>
       <p:sp>
         <p:nvSpPr>
-          <p:cNvPr id="2" name="Title 1"/>
+          <p:cNvPr id="2" name="Title 1">
+            <a:extLst>
+              <a:ext uri="{FF2B5EF4-FFF2-40B4-BE49-F238E27FC236}">
+                <a16:creationId xmlns:a16="http://schemas.microsoft.com/office/drawing/2014/main" id="{5D3CC03D-B9BB-4FAC-9A0F-0BC58EF8860C}"/>
+              </a:ext>
+            </a:extLst>
+          </p:cNvPr>
           <p:cNvSpPr>
             <a:spLocks noGrp="1"/>
           </p:cNvSpPr>
@@ -19821,115 +20281,106 @@
         </p:nvSpPr>
         <p:spPr/>
         <p:txBody>
+          <a:bodyPr/>
+          <a:lstStyle/>
+          <a:p>
+            <a:r>
+              <a:rPr lang="en-IN" dirty="0"/>
+              <a:t>DEMO</a:t>
+            </a:r>
+          </a:p>
+        </p:txBody>
+      </p:sp>
+      <p:sp>
+        <p:nvSpPr>
+          <p:cNvPr id="3" name="Content Placeholder 2">
+            <a:extLst>
+              <a:ext uri="{FF2B5EF4-FFF2-40B4-BE49-F238E27FC236}">
+                <a16:creationId xmlns:a16="http://schemas.microsoft.com/office/drawing/2014/main" id="{6AEE99EF-2332-4DB1-5DD8-45FF83B5A3DD}"/>
+              </a:ext>
+            </a:extLst>
+          </p:cNvPr>
+          <p:cNvSpPr>
+            <a:spLocks noGrp="1"/>
+          </p:cNvSpPr>
+          <p:nvPr>
+            <p:ph idx="1"/>
+          </p:nvPr>
+        </p:nvSpPr>
+        <p:spPr/>
+        <p:txBody>
           <a:bodyPr>
-            <a:normAutofit fontScale="90000"/>
+            <a:normAutofit fontScale="47500" lnSpcReduction="20000"/>
           </a:bodyPr>
           <a:lstStyle/>
           <a:p>
             <a:r>
-              <a:rPr lang="en-US" b="1" dirty="0"/>
-              <a:t>Performance Metrics</a:t>
-            </a:r>
-            <a:br>
-              <a:rPr lang="en-US" b="1" dirty="0"/>
-            </a:br>
+              <a:rPr lang="en-US" dirty="0"/>
+              <a:t>Suppose in project, we've been building three different applications. All three applications are based on Spring Boot but have very different workloads. </a:t>
+            </a:r>
+          </a:p>
+          <a:p>
+            <a:r>
+              <a:rPr lang="en-US" dirty="0"/>
+              <a:t>They've all reached their way to the production environment and have been running steadily for quite some time now. </a:t>
+            </a:r>
+          </a:p>
+          <a:p>
+            <a:r>
+              <a:rPr lang="en-US" dirty="0"/>
+              <a:t>We do regular (weekly basis) deployments of our applications to production with bug fixes, new features, and technical improvements. </a:t>
+            </a:r>
+          </a:p>
+          <a:p>
+            <a:r>
+              <a:rPr lang="en-US" dirty="0"/>
+              <a:t>The </a:t>
+            </a:r>
+            <a:r>
+              <a:rPr lang="en-US" dirty="0" err="1"/>
+              <a:t>organisation</a:t>
+            </a:r>
+            <a:r>
+              <a:rPr lang="en-US" dirty="0"/>
+              <a:t> has a traditional infrastructure workflow in the sense that deployments to the VM instances on acceptance and production happen via the (remote hosting) provider.</a:t>
+            </a:r>
+          </a:p>
+          <a:p>
             <a:endParaRPr lang="en-US" dirty="0"/>
           </a:p>
-        </p:txBody>
-      </p:sp>
-      <p:sp>
-        <p:nvSpPr>
-          <p:cNvPr id="3" name="Content Placeholder 2"/>
-          <p:cNvSpPr>
-            <a:spLocks noGrp="1"/>
-          </p:cNvSpPr>
-          <p:nvPr>
-            <p:ph idx="1"/>
-          </p:nvPr>
-        </p:nvSpPr>
-        <p:spPr/>
-        <p:txBody>
-          <a:bodyPr>
-            <a:normAutofit fontScale="70000" lnSpcReduction="20000"/>
-          </a:bodyPr>
-          <a:lstStyle/>
-          <a:p>
-            <a:pPr>
-              <a:buNone/>
-            </a:pPr>
-            <a:r>
-              <a:rPr lang="en-US" b="1" dirty="0"/>
-              <a:t>Problem</a:t>
-            </a:r>
-          </a:p>
-          <a:p>
-            <a:r>
-              <a:rPr lang="en-US" dirty="0"/>
-              <a:t>When the service portfolio increases due to </a:t>
-            </a:r>
-            <a:r>
-              <a:rPr lang="en-US" dirty="0" err="1"/>
-              <a:t>microservice</a:t>
-            </a:r>
-            <a:r>
-              <a:rPr lang="en-US" dirty="0"/>
-              <a:t> architecture, it becomes critical to keep a watch on the transactions so that patterns can be monitored and alerts sent when an issue happens. How should we collect metrics to monitor application </a:t>
-            </a:r>
-            <a:r>
-              <a:rPr lang="en-US" dirty="0" err="1"/>
-              <a:t>perfomance</a:t>
-            </a:r>
-            <a:r>
-              <a:rPr lang="en-US" dirty="0"/>
-              <a:t>?</a:t>
-            </a:r>
-          </a:p>
-          <a:p>
-            <a:pPr>
-              <a:buNone/>
-            </a:pPr>
-            <a:r>
-              <a:rPr lang="en-US" b="1" dirty="0"/>
-              <a:t>Solution</a:t>
-            </a:r>
-          </a:p>
-          <a:p>
-            <a:r>
-              <a:rPr lang="en-US" dirty="0"/>
-              <a:t>A metrics service is required to gather statistics about individual operations. It should aggregate the metrics of an application service, which provides reporting and alerting. There are two models for aggregating metrics:</a:t>
-            </a:r>
-          </a:p>
-          <a:p>
-            <a:r>
-              <a:rPr lang="en-US" dirty="0"/>
-              <a:t>Push — the service pushes metrics to the metrics service e.g. </a:t>
-            </a:r>
-            <a:r>
-              <a:rPr lang="en-US" dirty="0" err="1"/>
-              <a:t>NewRelic</a:t>
-            </a:r>
-            <a:r>
-              <a:rPr lang="en-US" dirty="0"/>
-              <a:t>, </a:t>
-            </a:r>
-            <a:r>
-              <a:rPr lang="en-US" dirty="0" err="1"/>
-              <a:t>AppDynamics</a:t>
-            </a:r>
-            <a:endParaRPr lang="en-US" dirty="0"/>
-          </a:p>
-          <a:p>
-            <a:r>
-              <a:rPr lang="en-US" dirty="0"/>
-              <a:t>Pull — the metrics services pulls metrics from the service e.g. Prometheus</a:t>
-            </a:r>
-          </a:p>
-          <a:p>
-            <a:endParaRPr lang="en-US" dirty="0"/>
+          <a:p>
+            <a:r>
+              <a:rPr lang="en-US" dirty="0"/>
+              <a:t>The hosting provider is responsible for the uptime of the applications and therefore they keep an eye on system metrics through the usage of their own monitoring system. </a:t>
+            </a:r>
+          </a:p>
+          <a:p>
+            <a:r>
+              <a:rPr lang="en-US" dirty="0"/>
+              <a:t>As a team, we are able to look in the system, but it doesn't say much about the internals of our application. </a:t>
+            </a:r>
+          </a:p>
+          <a:p>
+            <a:r>
+              <a:rPr lang="en-US" dirty="0"/>
+              <a:t>In the past, we've asked to add some additional metrics to their system, but the system isn't that easy to configure with additional metrics. </a:t>
+            </a:r>
+          </a:p>
+          <a:p>
+            <a:r>
+              <a:rPr lang="en-US" dirty="0"/>
+              <a:t>To us as a team runtime statistics about our applications and the impact our changes have on the overall health are crucial to understanding the impact of our work.</a:t>
+            </a:r>
+            <a:endParaRPr lang="en-IN" dirty="0"/>
           </a:p>
         </p:txBody>
       </p:sp>
     </p:spTree>
+    <p:extLst>
+      <p:ext uri="{BB962C8B-B14F-4D97-AF65-F5344CB8AC3E}">
+        <p14:creationId xmlns:p14="http://schemas.microsoft.com/office/powerpoint/2010/main" val="2493691273"/>
+      </p:ext>
+    </p:extLst>
   </p:cSld>
   <p:clrMapOvr>
     <a:masterClrMapping/>
@@ -19956,7 +20407,13 @@
       </p:grpSpPr>
       <p:sp>
         <p:nvSpPr>
-          <p:cNvPr id="2" name="Title 1"/>
+          <p:cNvPr id="2" name="Title 1">
+            <a:extLst>
+              <a:ext uri="{FF2B5EF4-FFF2-40B4-BE49-F238E27FC236}">
+                <a16:creationId xmlns:a16="http://schemas.microsoft.com/office/drawing/2014/main" id="{5D3CC03D-B9BB-4FAC-9A0F-0BC58EF8860C}"/>
+              </a:ext>
+            </a:extLst>
+          </p:cNvPr>
           <p:cNvSpPr>
             <a:spLocks noGrp="1"/>
           </p:cNvSpPr>
@@ -19966,125 +20423,99 @@
         </p:nvSpPr>
         <p:spPr/>
         <p:txBody>
+          <a:bodyPr/>
+          <a:lstStyle/>
+          <a:p>
+            <a:r>
+              <a:rPr lang="en-IN" dirty="0"/>
+              <a:t>DEMO</a:t>
+            </a:r>
+          </a:p>
+        </p:txBody>
+      </p:sp>
+      <p:sp>
+        <p:nvSpPr>
+          <p:cNvPr id="3" name="Content Placeholder 2">
+            <a:extLst>
+              <a:ext uri="{FF2B5EF4-FFF2-40B4-BE49-F238E27FC236}">
+                <a16:creationId xmlns:a16="http://schemas.microsoft.com/office/drawing/2014/main" id="{6AEE99EF-2332-4DB1-5DD8-45FF83B5A3DD}"/>
+              </a:ext>
+            </a:extLst>
+          </p:cNvPr>
+          <p:cNvSpPr>
+            <a:spLocks noGrp="1"/>
+          </p:cNvSpPr>
+          <p:nvPr>
+            <p:ph idx="1"/>
+          </p:nvPr>
+        </p:nvSpPr>
+        <p:spPr/>
+        <p:txBody>
           <a:bodyPr>
-            <a:normAutofit fontScale="90000"/>
+            <a:normAutofit fontScale="77500" lnSpcReduction="20000"/>
           </a:bodyPr>
           <a:lstStyle/>
           <a:p>
+            <a:pPr marL="0" indent="0">
+              <a:buNone/>
+            </a:pPr>
             <a:r>
               <a:rPr lang="en-US" b="1" dirty="0"/>
-              <a:t>Distributed Tracing</a:t>
-            </a:r>
-            <a:br>
-              <a:rPr lang="en-US" b="1" dirty="0"/>
-            </a:br>
+              <a:t>Spring Boot Actuator and Micrometer</a:t>
+            </a:r>
+          </a:p>
+          <a:p>
+            <a:pPr marL="0" indent="0">
+              <a:buNone/>
+            </a:pPr>
+            <a:r>
+              <a:rPr lang="en-US" dirty="0"/>
+              <a:t>If we use Spring Boot before we've probably heard of Spring Boot Actuator. </a:t>
+            </a:r>
+          </a:p>
+          <a:p>
+            <a:r>
+              <a:rPr lang="en-US" dirty="0"/>
+              <a:t>Actuator is a set of features that help you monitor and manage your application when it moves away from your local development environment and onto a test, staging or production environment. </a:t>
+            </a:r>
+          </a:p>
+          <a:p>
+            <a:r>
+              <a:rPr lang="en-US" dirty="0"/>
+              <a:t>It helps expose operational information about the running application - health, metrics, audit entries, scheduled task, env settings, etc. You can query the information via either several HTTP endpoints or JMX beans. </a:t>
+            </a:r>
+          </a:p>
+          <a:p>
+            <a:r>
+              <a:rPr lang="en-US" dirty="0"/>
+              <a:t>Being able to view the information is useful, but it's hard to spot trends or see the </a:t>
+            </a:r>
+            <a:r>
+              <a:rPr lang="en-US" dirty="0" err="1"/>
+              <a:t>behaviour</a:t>
+            </a:r>
+            <a:r>
+              <a:rPr lang="en-US" dirty="0"/>
+              <a:t> over a period of time.</a:t>
+            </a:r>
+          </a:p>
+          <a:p>
             <a:endParaRPr lang="en-US" dirty="0"/>
           </a:p>
-        </p:txBody>
-      </p:sp>
-      <p:sp>
-        <p:nvSpPr>
-          <p:cNvPr id="3" name="Content Placeholder 2"/>
-          <p:cNvSpPr>
-            <a:spLocks noGrp="1"/>
-          </p:cNvSpPr>
-          <p:nvPr>
-            <p:ph idx="1"/>
-          </p:nvPr>
-        </p:nvSpPr>
-        <p:spPr/>
-        <p:txBody>
-          <a:bodyPr>
-            <a:normAutofit fontScale="62500" lnSpcReduction="20000"/>
-          </a:bodyPr>
-          <a:lstStyle/>
-          <a:p>
-            <a:pPr>
-              <a:buNone/>
-            </a:pPr>
-            <a:r>
-              <a:rPr lang="en-US" b="1" dirty="0"/>
-              <a:t>Problem</a:t>
-            </a:r>
-          </a:p>
-          <a:p>
-            <a:r>
-              <a:rPr lang="en-US" dirty="0"/>
-              <a:t>In </a:t>
-            </a:r>
-            <a:r>
-              <a:rPr lang="en-US" dirty="0" err="1"/>
-              <a:t>microservice</a:t>
-            </a:r>
-            <a:r>
-              <a:rPr lang="en-US" dirty="0"/>
-              <a:t> architecture, requests often span multiple services. Each service handles a request by performing one or more operations across multiple services. Then, how do we trace a request end-to-end to troubleshoot the problem?</a:t>
-            </a:r>
-          </a:p>
-          <a:p>
-            <a:pPr>
-              <a:buNone/>
-            </a:pPr>
-            <a:r>
-              <a:rPr lang="en-US" b="1" dirty="0"/>
-              <a:t>Solution</a:t>
-            </a:r>
-          </a:p>
-          <a:p>
-            <a:r>
-              <a:rPr lang="en-US" dirty="0"/>
-              <a:t>We need a service which</a:t>
-            </a:r>
-          </a:p>
-          <a:p>
-            <a:r>
-              <a:rPr lang="en-US" dirty="0"/>
-              <a:t>Assigns each external request a unique external request id.</a:t>
-            </a:r>
-          </a:p>
-          <a:p>
-            <a:r>
-              <a:rPr lang="en-US" dirty="0"/>
-              <a:t>Passes the external request id to all services.</a:t>
-            </a:r>
-          </a:p>
-          <a:p>
-            <a:r>
-              <a:rPr lang="en-US" dirty="0"/>
-              <a:t>Includes the external request id in all log messages.</a:t>
-            </a:r>
-          </a:p>
-          <a:p>
-            <a:r>
-              <a:rPr lang="en-US" dirty="0"/>
-              <a:t>Records information (e.g. start time, end time) about the requests and operations performed when handling an external request in a centralized service.</a:t>
-            </a:r>
-          </a:p>
-          <a:p>
-            <a:r>
-              <a:rPr lang="en-US" dirty="0"/>
-              <a:t>Spring Cloud </a:t>
-            </a:r>
-            <a:r>
-              <a:rPr lang="en-US" dirty="0" err="1"/>
-              <a:t>Slueth</a:t>
-            </a:r>
-            <a:r>
-              <a:rPr lang="en-US" dirty="0"/>
-              <a:t>, along with </a:t>
-            </a:r>
-            <a:r>
-              <a:rPr lang="en-US" dirty="0" err="1"/>
-              <a:t>Zipkin</a:t>
-            </a:r>
-            <a:r>
-              <a:rPr lang="en-US" dirty="0"/>
-              <a:t> server, is a common implementation.</a:t>
-            </a:r>
+          <a:p>
+            <a:endParaRPr lang="en-US" dirty="0"/>
+          </a:p>
+          <a:p>
+            <a:endParaRPr lang="en-IN" dirty="0"/>
           </a:p>
         </p:txBody>
       </p:sp>
     </p:spTree>
+    <p:extLst>
+      <p:ext uri="{BB962C8B-B14F-4D97-AF65-F5344CB8AC3E}">
+        <p14:creationId xmlns:p14="http://schemas.microsoft.com/office/powerpoint/2010/main" val="472641906"/>
+      </p:ext>
+    </p:extLst>
   </p:cSld>
   <p:clrMapOvr>
     <a:masterClrMapping/>
@@ -20111,7 +20542,13 @@
       </p:grpSpPr>
       <p:sp>
         <p:nvSpPr>
-          <p:cNvPr id="2" name="Title 1"/>
+          <p:cNvPr id="2" name="Title 1">
+            <a:extLst>
+              <a:ext uri="{FF2B5EF4-FFF2-40B4-BE49-F238E27FC236}">
+                <a16:creationId xmlns:a16="http://schemas.microsoft.com/office/drawing/2014/main" id="{5D3CC03D-B9BB-4FAC-9A0F-0BC58EF8860C}"/>
+              </a:ext>
+            </a:extLst>
+          </p:cNvPr>
           <p:cNvSpPr>
             <a:spLocks noGrp="1"/>
           </p:cNvSpPr>
@@ -20121,88 +20558,140 @@
         </p:nvSpPr>
         <p:spPr/>
         <p:txBody>
+          <a:bodyPr/>
+          <a:lstStyle/>
+          <a:p>
+            <a:r>
+              <a:rPr lang="en-IN" dirty="0"/>
+              <a:t>DEMO</a:t>
+            </a:r>
+          </a:p>
+        </p:txBody>
+      </p:sp>
+      <p:sp>
+        <p:nvSpPr>
+          <p:cNvPr id="3" name="Content Placeholder 2">
+            <a:extLst>
+              <a:ext uri="{FF2B5EF4-FFF2-40B4-BE49-F238E27FC236}">
+                <a16:creationId xmlns:a16="http://schemas.microsoft.com/office/drawing/2014/main" id="{6AEE99EF-2332-4DB1-5DD8-45FF83B5A3DD}"/>
+              </a:ext>
+            </a:extLst>
+          </p:cNvPr>
+          <p:cNvSpPr>
+            <a:spLocks noGrp="1"/>
+          </p:cNvSpPr>
+          <p:nvPr>
+            <p:ph idx="1"/>
+          </p:nvPr>
+        </p:nvSpPr>
+        <p:spPr/>
+        <p:txBody>
           <a:bodyPr>
-            <a:normAutofit fontScale="90000"/>
+            <a:normAutofit fontScale="70000" lnSpcReduction="20000"/>
           </a:bodyPr>
           <a:lstStyle/>
           <a:p>
+            <a:pPr marL="0" indent="0">
+              <a:buNone/>
+            </a:pPr>
             <a:r>
               <a:rPr lang="en-US" b="1" dirty="0"/>
-              <a:t>Health Check</a:t>
-            </a:r>
-            <a:br>
+              <a:t>Prometheus</a:t>
+            </a:r>
+          </a:p>
+          <a:p>
+            <a:pPr marL="0" indent="0">
+              <a:buNone/>
+            </a:pPr>
+            <a:r>
               <a:rPr lang="en-US" b="1" dirty="0"/>
-            </a:br>
+              <a:t>Prometheus</a:t>
+            </a:r>
+            <a:r>
+              <a:rPr lang="en-US" dirty="0"/>
+              <a:t> is an open-source system monitoring and alerting toolkit originally built at </a:t>
+            </a:r>
+            <a:r>
+              <a:rPr lang="en-US" b="1" dirty="0"/>
+              <a:t>SoundCloud</a:t>
+            </a:r>
+            <a:r>
+              <a:rPr lang="en-US" dirty="0"/>
+              <a:t> and now part of the </a:t>
+            </a:r>
+            <a:r>
+              <a:rPr lang="en-US" b="1" dirty="0"/>
+              <a:t>Cloud Native Computing Foundation</a:t>
+            </a:r>
+            <a:r>
+              <a:rPr lang="en-US" dirty="0"/>
+              <a:t>. Some of the features that appealed to us were:</a:t>
+            </a:r>
+          </a:p>
+          <a:p>
+            <a:pPr marL="0" indent="0">
+              <a:buNone/>
+            </a:pPr>
             <a:endParaRPr lang="en-US" dirty="0"/>
           </a:p>
-        </p:txBody>
-      </p:sp>
-      <p:sp>
-        <p:nvSpPr>
-          <p:cNvPr id="3" name="Content Placeholder 2"/>
-          <p:cNvSpPr>
-            <a:spLocks noGrp="1"/>
-          </p:cNvSpPr>
-          <p:nvPr>
-            <p:ph idx="1"/>
-          </p:nvPr>
-        </p:nvSpPr>
-        <p:spPr/>
-        <p:txBody>
-          <a:bodyPr>
-            <a:normAutofit fontScale="77500" lnSpcReduction="20000"/>
-          </a:bodyPr>
-          <a:lstStyle/>
-          <a:p>
-            <a:pPr>
-              <a:buNone/>
-            </a:pPr>
-            <a:r>
-              <a:rPr lang="en-US" b="1" dirty="0"/>
-              <a:t>Problem</a:t>
-            </a:r>
-          </a:p>
-          <a:p>
-            <a:r>
-              <a:rPr lang="en-US" dirty="0"/>
-              <a:t>When </a:t>
+          <a:p>
+            <a:r>
+              <a:rPr lang="en-US" dirty="0"/>
+              <a:t>No reliance on distributed storage; single server nodes are autonomous.</a:t>
+            </a:r>
+          </a:p>
+          <a:p>
+            <a:r>
+              <a:rPr lang="en-US" dirty="0"/>
+              <a:t>Time-series collection happens via a pull model over HTTP.</a:t>
+            </a:r>
+          </a:p>
+          <a:p>
+            <a:r>
+              <a:rPr lang="en-US" dirty="0"/>
+              <a:t>Targets are discovered via service discovery or static configuration.</a:t>
+            </a:r>
+          </a:p>
+          <a:p>
+            <a:r>
+              <a:rPr lang="en-US" dirty="0"/>
+              <a:t>Multiple modes of graphing and dashboarding support.</a:t>
+            </a:r>
+          </a:p>
+          <a:p>
+            <a:pPr marL="0" indent="0">
+              <a:buNone/>
+            </a:pPr>
+            <a:r>
+              <a:rPr lang="en-US" dirty="0"/>
+              <a:t>Prometheus uses a file called </a:t>
             </a:r>
             <a:r>
               <a:rPr lang="en-US" dirty="0" err="1"/>
-              <a:t>microservice</a:t>
-            </a:r>
-            <a:r>
-              <a:rPr lang="en-US" dirty="0"/>
-              <a:t> architecture has been implemented, there is a chance that a service might be up but not able to handle transactions. In that case, how do you ensure a request doesn't go to those failed instances? With a load balancing pattern implementation.</a:t>
-            </a:r>
-          </a:p>
-          <a:p>
-            <a:pPr>
-              <a:buNone/>
-            </a:pPr>
-            <a:r>
-              <a:rPr lang="en-US" b="1" dirty="0"/>
-              <a:t>Solution</a:t>
-            </a:r>
-          </a:p>
-          <a:p>
-            <a:r>
-              <a:rPr lang="en-US" dirty="0"/>
-              <a:t>Each service needs to have an endpoint which can be used to check the health of the application, such as /health. This API should o check the status of the host, the connection to other services/infrastructure, and any specific logic.</a:t>
-            </a:r>
-          </a:p>
-          <a:p>
-            <a:r>
-              <a:rPr lang="en-US" dirty="0"/>
-              <a:t>Spring Boot Actuator does implement a /health endpoint and the implementation can be customized, as well.</a:t>
+              <a:t>prometheus.yml</a:t>
+            </a:r>
+            <a:r>
+              <a:rPr lang="en-US" dirty="0"/>
+              <a:t> as its main configuration file. Within the configuration file, you can specify where it can find the targets it needs to monitor, specify recording rules and alerting rules.</a:t>
             </a:r>
           </a:p>
           <a:p>
             <a:endParaRPr lang="en-US" dirty="0"/>
           </a:p>
+          <a:p>
+            <a:endParaRPr lang="en-US" dirty="0"/>
+          </a:p>
+          <a:p>
+            <a:endParaRPr lang="en-IN" dirty="0"/>
+          </a:p>
         </p:txBody>
       </p:sp>
     </p:spTree>
+    <p:extLst>
+      <p:ext uri="{BB962C8B-B14F-4D97-AF65-F5344CB8AC3E}">
+        <p14:creationId xmlns:p14="http://schemas.microsoft.com/office/powerpoint/2010/main" val="2727863957"/>
+      </p:ext>
+    </p:extLst>
   </p:cSld>
   <p:clrMapOvr>
     <a:masterClrMapping/>
@@ -20229,7 +20718,13 @@
       </p:grpSpPr>
       <p:sp>
         <p:nvSpPr>
-          <p:cNvPr id="2" name="Title 1"/>
+          <p:cNvPr id="2" name="Title 1">
+            <a:extLst>
+              <a:ext uri="{FF2B5EF4-FFF2-40B4-BE49-F238E27FC236}">
+                <a16:creationId xmlns:a16="http://schemas.microsoft.com/office/drawing/2014/main" id="{5D3CC03D-B9BB-4FAC-9A0F-0BC58EF8860C}"/>
+              </a:ext>
+            </a:extLst>
+          </p:cNvPr>
           <p:cNvSpPr>
             <a:spLocks noGrp="1"/>
           </p:cNvSpPr>
@@ -20239,66 +20734,133 @@
         </p:nvSpPr>
         <p:spPr/>
         <p:txBody>
+          <a:bodyPr/>
+          <a:lstStyle/>
+          <a:p>
+            <a:r>
+              <a:rPr lang="en-IN" dirty="0"/>
+              <a:t>DEMO</a:t>
+            </a:r>
+          </a:p>
+        </p:txBody>
+      </p:sp>
+      <p:sp>
+        <p:nvSpPr>
+          <p:cNvPr id="3" name="Content Placeholder 2">
+            <a:extLst>
+              <a:ext uri="{FF2B5EF4-FFF2-40B4-BE49-F238E27FC236}">
+                <a16:creationId xmlns:a16="http://schemas.microsoft.com/office/drawing/2014/main" id="{6AEE99EF-2332-4DB1-5DD8-45FF83B5A3DD}"/>
+              </a:ext>
+            </a:extLst>
+          </p:cNvPr>
+          <p:cNvSpPr>
+            <a:spLocks noGrp="1"/>
+          </p:cNvSpPr>
+          <p:nvPr>
+            <p:ph idx="1"/>
+          </p:nvPr>
+        </p:nvSpPr>
+        <p:spPr/>
+        <p:txBody>
           <a:bodyPr>
-            <a:normAutofit fontScale="90000"/>
+            <a:normAutofit fontScale="62500" lnSpcReduction="20000"/>
           </a:bodyPr>
           <a:lstStyle/>
           <a:p>
+            <a:pPr marL="0" indent="0">
+              <a:buNone/>
+            </a:pPr>
             <a:r>
               <a:rPr lang="en-US" b="1" dirty="0"/>
-              <a:t>Cross-Cutting Concern Patterns</a:t>
-            </a:r>
-            <a:br>
-              <a:rPr lang="en-US" b="1" dirty="0"/>
-            </a:br>
+              <a:t>Prometheus</a:t>
+            </a:r>
+          </a:p>
+          <a:p>
+            <a:r>
+              <a:rPr lang="en-US" dirty="0"/>
+              <a:t>The following example shows a configuration with a set of statics targets for test and staging environments. You can decide to monitor all environments within one Prometheus instance, but you could of course also use a separate Prometheus instance for monitoring just the production environment.</a:t>
+            </a:r>
+          </a:p>
+          <a:p>
+            <a:r>
+              <a:rPr lang="en-US" dirty="0"/>
+              <a:t>Look </a:t>
+            </a:r>
+            <a:r>
+              <a:rPr lang="en-US" dirty="0" err="1"/>
+              <a:t>yaml</a:t>
+            </a:r>
+            <a:r>
+              <a:rPr lang="en-US" dirty="0"/>
+              <a:t> from project repo</a:t>
+            </a:r>
+          </a:p>
+          <a:p>
+            <a:r>
+              <a:rPr lang="en-US" dirty="0"/>
+              <a:t>As we can see the configuration is pretty simple. We can add specific labels to the targets which can, later on, be used for querying, filtering, and creating a dashboard based upon the information stored within Prometheus. If we want to get started quickly with Prometheus and have Docker on our environment we can use the official docker Prometheus image by running the following command and provide a custom configuration from your host machine by running:</a:t>
+            </a:r>
+          </a:p>
+          <a:p>
+            <a:r>
+              <a:rPr lang="en-US" b="1" i="1" dirty="0"/>
+              <a:t>$ docker run -p 9090:9090 -v /</a:t>
+            </a:r>
+            <a:r>
+              <a:rPr lang="en-US" b="1" i="1" dirty="0" err="1"/>
+              <a:t>tmp</a:t>
+            </a:r>
+            <a:r>
+              <a:rPr lang="en-US" b="1" i="1" dirty="0"/>
+              <a:t>/</a:t>
+            </a:r>
+            <a:r>
+              <a:rPr lang="en-US" b="1" i="1" dirty="0" err="1"/>
+              <a:t>prometheus.yml</a:t>
+            </a:r>
+            <a:r>
+              <a:rPr lang="en-US" b="1" i="1" dirty="0"/>
+              <a:t>:/</a:t>
+            </a:r>
+            <a:r>
+              <a:rPr lang="en-US" b="1" i="1" dirty="0" err="1"/>
+              <a:t>etc</a:t>
+            </a:r>
+            <a:r>
+              <a:rPr lang="en-US" b="1" i="1" dirty="0"/>
+              <a:t>/</a:t>
+            </a:r>
+            <a:r>
+              <a:rPr lang="en-US" b="1" i="1" dirty="0" err="1"/>
+              <a:t>prometheus</a:t>
+            </a:r>
+            <a:r>
+              <a:rPr lang="en-US" b="1" i="1" dirty="0"/>
+              <a:t>/</a:t>
+            </a:r>
+            <a:r>
+              <a:rPr lang="en-US" b="1" i="1" dirty="0" err="1"/>
+              <a:t>prometheus.yml</a:t>
+            </a:r>
+            <a:r>
+              <a:rPr lang="en-US" b="1" i="1" dirty="0"/>
+              <a:t> prom/prometheus:v2.24.1</a:t>
+            </a:r>
+          </a:p>
+          <a:p>
             <a:endParaRPr lang="en-US" dirty="0"/>
           </a:p>
-        </p:txBody>
-      </p:sp>
-      <p:sp>
-        <p:nvSpPr>
-          <p:cNvPr id="3" name="Content Placeholder 2"/>
-          <p:cNvSpPr>
-            <a:spLocks noGrp="1"/>
-          </p:cNvSpPr>
-          <p:nvPr>
-            <p:ph idx="1"/>
-          </p:nvPr>
-        </p:nvSpPr>
-        <p:spPr/>
-        <p:txBody>
-          <a:bodyPr/>
-          <a:lstStyle/>
-          <a:p>
-            <a:r>
-              <a:rPr lang="en-US" b="1" dirty="0"/>
-              <a:t>External Configuration</a:t>
-            </a:r>
-          </a:p>
-          <a:p>
-            <a:r>
-              <a:rPr lang="en-US" b="1" dirty="0"/>
-              <a:t>Service Discovery Pattern</a:t>
-            </a:r>
-          </a:p>
-          <a:p>
-            <a:r>
-              <a:rPr lang="en-US" b="1" dirty="0"/>
-              <a:t>Circuit Breaker Pattern</a:t>
-            </a:r>
-          </a:p>
-          <a:p>
-            <a:r>
-              <a:rPr lang="en-US" b="1" dirty="0"/>
-              <a:t>Blue-Green Deployment Pattern</a:t>
-            </a:r>
-          </a:p>
-          <a:p>
-            <a:endParaRPr lang="en-US" dirty="0"/>
+          <a:p>
+            <a:endParaRPr lang="en-IN" dirty="0"/>
           </a:p>
         </p:txBody>
       </p:sp>
     </p:spTree>
+    <p:extLst>
+      <p:ext uri="{BB962C8B-B14F-4D97-AF65-F5344CB8AC3E}">
+        <p14:creationId xmlns:p14="http://schemas.microsoft.com/office/powerpoint/2010/main" val="2058876812"/>
+      </p:ext>
+    </p:extLst>
   </p:cSld>
   <p:clrMapOvr>
     <a:masterClrMapping/>
@@ -20426,7 +20988,13 @@
       </p:grpSpPr>
       <p:sp>
         <p:nvSpPr>
-          <p:cNvPr id="2" name="Title 1"/>
+          <p:cNvPr id="2" name="Title 1">
+            <a:extLst>
+              <a:ext uri="{FF2B5EF4-FFF2-40B4-BE49-F238E27FC236}">
+                <a16:creationId xmlns:a16="http://schemas.microsoft.com/office/drawing/2014/main" id="{5D3CC03D-B9BB-4FAC-9A0F-0BC58EF8860C}"/>
+              </a:ext>
+            </a:extLst>
+          </p:cNvPr>
           <p:cNvSpPr>
             <a:spLocks noGrp="1"/>
           </p:cNvSpPr>
@@ -20436,96 +21004,115 @@
         </p:nvSpPr>
         <p:spPr/>
         <p:txBody>
+          <a:bodyPr/>
+          <a:lstStyle/>
+          <a:p>
+            <a:r>
+              <a:rPr lang="en-IN" dirty="0"/>
+              <a:t>DEMO</a:t>
+            </a:r>
+          </a:p>
+        </p:txBody>
+      </p:sp>
+      <p:sp>
+        <p:nvSpPr>
+          <p:cNvPr id="3" name="Content Placeholder 2">
+            <a:extLst>
+              <a:ext uri="{FF2B5EF4-FFF2-40B4-BE49-F238E27FC236}">
+                <a16:creationId xmlns:a16="http://schemas.microsoft.com/office/drawing/2014/main" id="{6AEE99EF-2332-4DB1-5DD8-45FF83B5A3DD}"/>
+              </a:ext>
+            </a:extLst>
+          </p:cNvPr>
+          <p:cNvSpPr>
+            <a:spLocks noGrp="1"/>
+          </p:cNvSpPr>
+          <p:nvPr>
+            <p:ph idx="1"/>
+          </p:nvPr>
+        </p:nvSpPr>
+        <p:spPr/>
+        <p:txBody>
           <a:bodyPr>
-            <a:normAutofit fontScale="90000"/>
+            <a:normAutofit/>
           </a:bodyPr>
           <a:lstStyle/>
           <a:p>
-            <a:r>
-              <a:rPr lang="en-US" b="1" dirty="0"/>
-              <a:t>External Configuration</a:t>
-            </a:r>
-            <a:br>
-              <a:rPr lang="en-US" b="1" dirty="0"/>
-            </a:br>
-            <a:endParaRPr lang="en-US" dirty="0"/>
-          </a:p>
-        </p:txBody>
-      </p:sp>
-      <p:sp>
-        <p:nvSpPr>
-          <p:cNvPr id="3" name="Content Placeholder 2"/>
-          <p:cNvSpPr>
-            <a:spLocks noGrp="1"/>
-          </p:cNvSpPr>
-          <p:nvPr>
-            <p:ph idx="1"/>
-          </p:nvPr>
-        </p:nvSpPr>
-        <p:spPr/>
-        <p:txBody>
-          <a:bodyPr>
-            <a:normAutofit fontScale="70000" lnSpcReduction="20000"/>
-          </a:bodyPr>
-          <a:lstStyle/>
-          <a:p>
-            <a:pPr>
-              <a:buNone/>
-            </a:pPr>
-            <a:r>
-              <a:rPr lang="en-US" b="1" dirty="0"/>
-              <a:t>Problem</a:t>
-            </a:r>
-          </a:p>
-          <a:p>
-            <a:r>
-              <a:rPr lang="en-US" dirty="0"/>
-              <a:t>A service typically calls other services and databases as well. For each environment like dev, QA, UAT, prod, the endpoint URL or some configuration properties might be different. A change in any of those properties might require a re-build and re-deploy of the service. How do we avoid code modification for configuration changes?</a:t>
-            </a:r>
-          </a:p>
-          <a:p>
-            <a:pPr>
-              <a:buNone/>
-            </a:pPr>
-            <a:r>
-              <a:rPr lang="en-US" b="1" dirty="0"/>
-              <a:t>Solution</a:t>
-            </a:r>
-          </a:p>
-          <a:p>
-            <a:r>
-              <a:rPr lang="en-US" dirty="0"/>
-              <a:t>Externalize all the configuration, including endpoint URLs and credentials. The application should load them either at startup or on the fly.</a:t>
-            </a:r>
-          </a:p>
-          <a:p>
-            <a:r>
-              <a:rPr lang="en-US" dirty="0"/>
-              <a:t>Spring Cloud </a:t>
-            </a:r>
-            <a:r>
-              <a:rPr lang="en-US" dirty="0" err="1"/>
-              <a:t>config</a:t>
-            </a:r>
-            <a:r>
-              <a:rPr lang="en-US" dirty="0"/>
-              <a:t> server provides the option to externalize the properties to </a:t>
-            </a:r>
-            <a:r>
-              <a:rPr lang="en-US" dirty="0" err="1"/>
-              <a:t>GitHub</a:t>
-            </a:r>
-            <a:r>
-              <a:rPr lang="en-US" dirty="0"/>
-              <a:t> and load them as environment properties. These can be accessed by the application on startup or can be refreshed without a server restart.</a:t>
-            </a:r>
-          </a:p>
-          <a:p>
-            <a:endParaRPr lang="en-US" dirty="0"/>
-          </a:p>
-        </p:txBody>
-      </p:sp>
+            <a:pPr marL="0" indent="0">
+              <a:buNone/>
+            </a:pPr>
+            <a:r>
+              <a:rPr lang="en-US" sz="1600" b="1" dirty="0"/>
+              <a:t>Prometheus</a:t>
+            </a:r>
+          </a:p>
+          <a:p>
+            <a:pPr algn="l"/>
+            <a:r>
+              <a:rPr lang="en-US" sz="1600" b="0" i="0" dirty="0">
+                <a:solidFill>
+                  <a:srgbClr val="222635"/>
+                </a:solidFill>
+                <a:effectLst/>
+              </a:rPr>
+              <a:t>In the  example, we bind-mount the main Prometheus configuration file from the host system.</a:t>
+            </a:r>
+          </a:p>
+          <a:p>
+            <a:pPr algn="l"/>
+            <a:r>
+              <a:rPr lang="en-US" sz="1600" b="0" i="0" dirty="0">
+                <a:solidFill>
+                  <a:srgbClr val="222635"/>
+                </a:solidFill>
+                <a:effectLst/>
+              </a:rPr>
+              <a:t>To get an overview of the toolset surrounding Prometheus, take a look at the following diagram.</a:t>
+            </a:r>
+          </a:p>
+          <a:p>
+            <a:endParaRPr lang="en-US" sz="1600" dirty="0"/>
+          </a:p>
+          <a:p>
+            <a:endParaRPr lang="en-IN" sz="1600" dirty="0"/>
+          </a:p>
+        </p:txBody>
+      </p:sp>
+      <p:pic>
+        <p:nvPicPr>
+          <p:cNvPr id="5" name="Picture 4">
+            <a:extLst>
+              <a:ext uri="{FF2B5EF4-FFF2-40B4-BE49-F238E27FC236}">
+                <a16:creationId xmlns:a16="http://schemas.microsoft.com/office/drawing/2014/main" id="{4760BE5D-39A6-65EA-041C-A0A58BBF3B6D}"/>
+              </a:ext>
+            </a:extLst>
+          </p:cNvPr>
+          <p:cNvPicPr>
+            <a:picLocks noChangeAspect="1"/>
+          </p:cNvPicPr>
+          <p:nvPr/>
+        </p:nvPicPr>
+        <p:blipFill>
+          <a:blip r:embed="rId3"/>
+          <a:stretch>
+            <a:fillRect/>
+          </a:stretch>
+        </p:blipFill>
+        <p:spPr>
+          <a:xfrm>
+            <a:off x="1835696" y="2839252"/>
+            <a:ext cx="6611221" cy="3968690"/>
+          </a:xfrm>
+          <a:prstGeom prst="rect">
+            <a:avLst/>
+          </a:prstGeom>
+        </p:spPr>
+      </p:pic>
     </p:spTree>
+    <p:extLst>
+      <p:ext uri="{BB962C8B-B14F-4D97-AF65-F5344CB8AC3E}">
+        <p14:creationId xmlns:p14="http://schemas.microsoft.com/office/powerpoint/2010/main" val="4137907027"/>
+      </p:ext>
+    </p:extLst>
   </p:cSld>
   <p:clrMapOvr>
     <a:masterClrMapping/>
@@ -20552,7 +21139,13 @@
       </p:grpSpPr>
       <p:sp>
         <p:nvSpPr>
-          <p:cNvPr id="2" name="Title 1"/>
+          <p:cNvPr id="2" name="Title 1">
+            <a:extLst>
+              <a:ext uri="{FF2B5EF4-FFF2-40B4-BE49-F238E27FC236}">
+                <a16:creationId xmlns:a16="http://schemas.microsoft.com/office/drawing/2014/main" id="{134E5F60-9DDB-D6E2-17DE-77EF0A7DCF7B}"/>
+              </a:ext>
+            </a:extLst>
+          </p:cNvPr>
           <p:cNvSpPr>
             <a:spLocks noGrp="1"/>
           </p:cNvSpPr>
@@ -20562,111 +21155,111 @@
         </p:nvSpPr>
         <p:spPr/>
         <p:txBody>
+          <a:bodyPr/>
+          <a:lstStyle/>
+          <a:p>
+            <a:r>
+              <a:rPr lang="en-IN" dirty="0"/>
+              <a:t>DEMO</a:t>
+            </a:r>
+          </a:p>
+        </p:txBody>
+      </p:sp>
+      <p:sp>
+        <p:nvSpPr>
+          <p:cNvPr id="3" name="Content Placeholder 2">
+            <a:extLst>
+              <a:ext uri="{FF2B5EF4-FFF2-40B4-BE49-F238E27FC236}">
+                <a16:creationId xmlns:a16="http://schemas.microsoft.com/office/drawing/2014/main" id="{74A5EEA2-B716-92A0-FCB5-CC26D83CE882}"/>
+              </a:ext>
+            </a:extLst>
+          </p:cNvPr>
+          <p:cNvSpPr>
+            <a:spLocks noGrp="1"/>
+          </p:cNvSpPr>
+          <p:nvPr>
+            <p:ph idx="1"/>
+          </p:nvPr>
+        </p:nvSpPr>
+        <p:spPr/>
+        <p:txBody>
           <a:bodyPr>
-            <a:normAutofit fontScale="90000"/>
+            <a:normAutofit fontScale="62500" lnSpcReduction="20000"/>
           </a:bodyPr>
           <a:lstStyle/>
           <a:p>
-            <a:r>
-              <a:rPr lang="en-US" b="1" dirty="0"/>
-              <a:t>Service Discovery Pattern</a:t>
-            </a:r>
-            <a:br>
-              <a:rPr lang="en-US" b="1" dirty="0"/>
-            </a:br>
+            <a:pPr marL="0" indent="0">
+              <a:buNone/>
+            </a:pPr>
+            <a:r>
+              <a:rPr lang="en-IN" b="1" dirty="0"/>
+              <a:t>Grafana</a:t>
+            </a:r>
+          </a:p>
+          <a:p>
+            <a:r>
+              <a:rPr lang="en-US" dirty="0"/>
+              <a:t>Grafana allows you to query, visualize, alert on and understand your metrics no matter where they are stored. Create, explore, and share dashboards with your team and foster a data-driven culture.</a:t>
+            </a:r>
+          </a:p>
+          <a:p>
             <a:endParaRPr lang="en-US" dirty="0"/>
           </a:p>
-        </p:txBody>
-      </p:sp>
-      <p:sp>
-        <p:nvSpPr>
-          <p:cNvPr id="3" name="Content Placeholder 2"/>
-          <p:cNvSpPr>
-            <a:spLocks noGrp="1"/>
-          </p:cNvSpPr>
-          <p:nvPr>
-            <p:ph idx="1"/>
-          </p:nvPr>
-        </p:nvSpPr>
-        <p:spPr>
-          <a:xfrm>
-            <a:off x="457200" y="1600200"/>
-            <a:ext cx="8507288" cy="4493095"/>
-          </a:xfrm>
-        </p:spPr>
-        <p:txBody>
-          <a:bodyPr>
-            <a:normAutofit fontScale="47500" lnSpcReduction="20000"/>
-          </a:bodyPr>
-          <a:lstStyle/>
-          <a:p>
-            <a:pPr>
-              <a:buNone/>
-            </a:pPr>
-            <a:r>
-              <a:rPr lang="en-US" b="1" dirty="0"/>
-              <a:t>Problem</a:t>
-            </a:r>
-          </a:p>
-          <a:p>
-            <a:r>
-              <a:rPr lang="en-US" dirty="0"/>
-              <a:t>When </a:t>
+          <a:p>
+            <a:r>
+              <a:rPr lang="en-US" dirty="0"/>
+              <a:t>The cool thing about Grafana is (next to the beautiful UI) that it's not tied to Prometheus as its single data source like for instance Kibana is tied to Elasticsearch. Grafana can have many different data sources like AWS </a:t>
             </a:r>
             <a:r>
               <a:rPr lang="en-US" dirty="0" err="1"/>
-              <a:t>microservices</a:t>
-            </a:r>
-            <a:r>
-              <a:rPr lang="en-US" dirty="0"/>
-              <a:t> come into the picture, we need to address a few issues in terms of calling services:</a:t>
-            </a:r>
-          </a:p>
-          <a:p>
-            <a:r>
-              <a:rPr lang="en-US" dirty="0"/>
-              <a:t>With container technology, IP addresses are dynamically allocated to the service instances. Every time the address changes, a consumer service can break and need manual changes.</a:t>
-            </a:r>
-          </a:p>
-          <a:p>
-            <a:r>
-              <a:rPr lang="en-US" dirty="0"/>
-              <a:t>Each service URL has to be remembered by the consumer and become tightly coupled.</a:t>
-            </a:r>
-          </a:p>
-          <a:p>
-            <a:r>
-              <a:rPr lang="en-US" dirty="0"/>
-              <a:t>So how does the consumer or router know all the available service instances and locations?</a:t>
+              <a:t>Cloudwatch</a:t>
+            </a:r>
+            <a:r>
+              <a:rPr lang="en-US" dirty="0"/>
+              <a:t>, Elasticsearch, </a:t>
+            </a:r>
+            <a:r>
+              <a:rPr lang="en-US" dirty="0" err="1"/>
+              <a:t>InfluxDB</a:t>
+            </a:r>
+            <a:r>
+              <a:rPr lang="en-US" dirty="0"/>
+              <a:t>, Prometheus, etc. This makes it a very good option for creating a monitoring dashboard. Grafana talks to Prometheus by using the </a:t>
+            </a:r>
+            <a:r>
+              <a:rPr lang="en-US" dirty="0" err="1"/>
+              <a:t>PromQL</a:t>
+            </a:r>
+            <a:r>
+              <a:rPr lang="en-US" dirty="0"/>
+              <a:t> query language.</a:t>
             </a:r>
           </a:p>
           <a:p>
             <a:endParaRPr lang="en-US" dirty="0"/>
           </a:p>
           <a:p>
-            <a:endParaRPr lang="en-US" dirty="0"/>
-          </a:p>
-          <a:p>
-            <a:pPr>
-              <a:buNone/>
-            </a:pPr>
-            <a:r>
-              <a:rPr lang="en-US" b="1" dirty="0"/>
-              <a:t>Solution</a:t>
-            </a:r>
-          </a:p>
-          <a:p>
-            <a:r>
-              <a:rPr lang="en-US" dirty="0"/>
-              <a:t>A service registry needs to be created which will keep the metadata of each producer service. A service instance should register to the registry when starting and should de-register when shutting down. The consumer or router should query the registry and find out the location of the service. The registry also needs to do a health check of the producer service to ensure that only working instances of the services are available to be consumed through it. There are two types of service discovery: client-side and server-side. An example of client-side discovery is Netflix Eureka and an example of server-side discovery is AWS ALB.</a:t>
-            </a:r>
-          </a:p>
-          <a:p>
-            <a:endParaRPr lang="en-US" dirty="0"/>
+            <a:r>
+              <a:rPr lang="en-US" dirty="0"/>
+              <a:t>For Grafana there is also an official Docker image available for you to use. You can get Grafana up and running with a simple command.</a:t>
+            </a:r>
+            <a:endParaRPr lang="sv-SE" dirty="0"/>
+          </a:p>
+          <a:p>
+            <a:r>
+              <a:rPr lang="sv-SE" dirty="0"/>
+              <a:t>$ docker run -p 3000:3000 grafana/grafana:5.4.3</a:t>
+            </a:r>
+            <a:endParaRPr lang="en-IN" dirty="0"/>
           </a:p>
         </p:txBody>
       </p:sp>
     </p:spTree>
+    <p:extLst>
+      <p:ext uri="{BB962C8B-B14F-4D97-AF65-F5344CB8AC3E}">
+        <p14:creationId xmlns:p14="http://schemas.microsoft.com/office/powerpoint/2010/main" val="656560026"/>
+      </p:ext>
+    </p:extLst>
   </p:cSld>
   <p:clrMapOvr>
     <a:masterClrMapping/>
@@ -20710,7 +21303,7 @@
           <a:p>
             <a:r>
               <a:rPr lang="en-US" b="1" dirty="0"/>
-              <a:t>Circuit Breaker Pattern</a:t>
+              <a:t>Distributed Tracing</a:t>
             </a:r>
             <a:br>
               <a:rPr lang="en-US" b="1" dirty="0"/>
@@ -20732,7 +21325,7 @@
         <p:spPr/>
         <p:txBody>
           <a:bodyPr>
-            <a:normAutofit fontScale="47500" lnSpcReduction="20000"/>
+            <a:normAutofit fontScale="62500" lnSpcReduction="20000"/>
           </a:bodyPr>
           <a:lstStyle/>
           <a:p>
@@ -20747,14 +21340,16 @@
           <a:p>
             <a:r>
               <a:rPr lang="en-US" dirty="0"/>
-              <a:t>A service generally calls other services to retrieve data, and there is the chance that the downstream service may be down. There are two problems with this: first, the request will keep going to the down service, exhausting network resources and slowing performance. Second, the user experience will be bad and unpredictable. How do we avoid cascading service failures and handle failures gracefully?</a:t>
-            </a:r>
-          </a:p>
-          <a:p>
-            <a:pPr>
-              <a:buNone/>
-            </a:pPr>
-            <a:endParaRPr lang="en-US" b="1" dirty="0"/>
+              <a:t>In </a:t>
+            </a:r>
+            <a:r>
+              <a:rPr lang="en-US" dirty="0" err="1"/>
+              <a:t>microservice</a:t>
+            </a:r>
+            <a:r>
+              <a:rPr lang="en-US" dirty="0"/>
+              <a:t> architecture, requests often span multiple services. Each service handles a request by performing one or more operations across multiple services. Then, how do we trace a request end-to-end to troubleshoot the problem?</a:t>
+            </a:r>
           </a:p>
           <a:p>
             <a:pPr>
@@ -20768,25 +21363,54 @@
           <a:p>
             <a:r>
               <a:rPr lang="en-US" dirty="0"/>
-              <a:t>The consumer should invoke a remote service via a proxy that behaves in a similar fashion to an electrical circuit breaker. When the number of consecutive failures crosses a threshold, the circuit breaker trips, and for the duration of a timeout period, all attempts to invoke the remote service will fail immediately. After the timeout expires the circuit breaker allows a limited number of test requests to pass through. If those requests succeed, the circuit breaker resumes normal operation. Otherwise, if there is a failure, the timeout period begins again.</a:t>
-            </a:r>
-          </a:p>
-          <a:p>
-            <a:r>
-              <a:rPr lang="en-US" dirty="0"/>
-              <a:t>Netflix </a:t>
+              <a:t>We need a service which</a:t>
+            </a:r>
+          </a:p>
+          <a:p>
+            <a:r>
+              <a:rPr lang="en-US" dirty="0"/>
+              <a:t>Assigns each external request a unique external request id.</a:t>
+            </a:r>
+          </a:p>
+          <a:p>
+            <a:r>
+              <a:rPr lang="en-US" dirty="0"/>
+              <a:t>Passes the external request id to all services.</a:t>
+            </a:r>
+          </a:p>
+          <a:p>
+            <a:r>
+              <a:rPr lang="en-US" dirty="0"/>
+              <a:t>Includes the external request id in all log messages.</a:t>
+            </a:r>
+          </a:p>
+          <a:p>
+            <a:r>
+              <a:rPr lang="en-US" dirty="0"/>
+              <a:t>Records information (e.g. start time, end time) about the requests and operations performed when handling an external request in a centralized service.</a:t>
+            </a:r>
+          </a:p>
+          <a:p>
+            <a:r>
+              <a:rPr lang="en-US" dirty="0"/>
+              <a:t>Spring Cloud </a:t>
             </a:r>
             <a:r>
               <a:rPr lang="en-US" dirty="0" err="1"/>
-              <a:t>Hystrix</a:t>
-            </a:r>
-            <a:r>
-              <a:rPr lang="en-US" dirty="0"/>
-              <a:t> is a good implementation of the circuit breaker pattern. It also helps you to define a fallback mechanism which can be used when the circuit breaker trips. That provides a better user experience.</a:t>
-            </a:r>
-          </a:p>
-          <a:p>
-            <a:endParaRPr lang="en-US" dirty="0"/>
+              <a:t>Slueth</a:t>
+            </a:r>
+            <a:r>
+              <a:rPr lang="en-US" dirty="0"/>
+              <a:t>, along with </a:t>
+            </a:r>
+            <a:r>
+              <a:rPr lang="en-US" dirty="0" err="1"/>
+              <a:t>Zipkin</a:t>
+            </a:r>
+            <a:r>
+              <a:rPr lang="en-US" dirty="0"/>
+              <a:t> server, is a common implementation.</a:t>
+            </a:r>
           </a:p>
         </p:txBody>
       </p:sp>
@@ -20817,7 +21441,13 @@
       </p:grpSpPr>
       <p:sp>
         <p:nvSpPr>
-          <p:cNvPr id="2" name="Title 1"/>
+          <p:cNvPr id="2" name="Title 1">
+            <a:extLst>
+              <a:ext uri="{FF2B5EF4-FFF2-40B4-BE49-F238E27FC236}">
+                <a16:creationId xmlns:a16="http://schemas.microsoft.com/office/drawing/2014/main" id="{85849248-66FB-4CED-FA20-09046ED8F0DC}"/>
+              </a:ext>
+            </a:extLst>
+          </p:cNvPr>
           <p:cNvSpPr>
             <a:spLocks noGrp="1"/>
           </p:cNvSpPr>
@@ -20827,19 +21457,191 @@
         </p:nvSpPr>
         <p:spPr/>
         <p:txBody>
-          <a:bodyPr/>
-          <a:lstStyle/>
-          <a:p>
-            <a:r>
-              <a:rPr lang="en-US" b="1" dirty="0"/>
-              <a:t>Blue-Green Deployment Pattern</a:t>
-            </a:r>
-          </a:p>
-        </p:txBody>
-      </p:sp>
-      <p:sp>
-        <p:nvSpPr>
-          <p:cNvPr id="3" name="Content Placeholder 2"/>
+          <a:bodyPr>
+            <a:normAutofit fontScale="90000"/>
+          </a:bodyPr>
+          <a:lstStyle/>
+          <a:p>
+            <a:r>
+              <a:rPr lang="en-US" dirty="0"/>
+              <a:t>Distributed Log Tracing using Sleuth and </a:t>
+            </a:r>
+            <a:r>
+              <a:rPr lang="en-US" dirty="0" err="1"/>
+              <a:t>Zipkin</a:t>
+            </a:r>
+            <a:r>
+              <a:rPr lang="en-US" dirty="0"/>
+              <a:t> Example</a:t>
+            </a:r>
+            <a:endParaRPr lang="en-IN" dirty="0"/>
+          </a:p>
+        </p:txBody>
+      </p:sp>
+      <p:sp>
+        <p:nvSpPr>
+          <p:cNvPr id="3" name="Content Placeholder 2">
+            <a:extLst>
+              <a:ext uri="{FF2B5EF4-FFF2-40B4-BE49-F238E27FC236}">
+                <a16:creationId xmlns:a16="http://schemas.microsoft.com/office/drawing/2014/main" id="{F49915F2-DB6B-B8E6-80F1-38571457634F}"/>
+              </a:ext>
+            </a:extLst>
+          </p:cNvPr>
+          <p:cNvSpPr>
+            <a:spLocks noGrp="1"/>
+          </p:cNvSpPr>
+          <p:nvPr>
+            <p:ph idx="1"/>
+          </p:nvPr>
+        </p:nvSpPr>
+        <p:spPr/>
+        <p:txBody>
+          <a:bodyPr>
+            <a:normAutofit/>
+          </a:bodyPr>
+          <a:lstStyle/>
+          <a:p>
+            <a:r>
+              <a:rPr lang="en-US" sz="1600" dirty="0"/>
+              <a:t>Microservices architecture involve multiple services which interact with each other. So a functionality may involve call to multiple microservices. Usually for systems developed using Microservices architecture, there are many microservices involved. These microservices collaborate with each other.</a:t>
+            </a:r>
+          </a:p>
+          <a:p>
+            <a:r>
+              <a:rPr lang="en-US" sz="1600" dirty="0"/>
+              <a:t>Consider the following microservices-</a:t>
+            </a:r>
+          </a:p>
+          <a:p>
+            <a:endParaRPr lang="en-IN" sz="1600" dirty="0"/>
+          </a:p>
+        </p:txBody>
+      </p:sp>
+      <p:pic>
+        <p:nvPicPr>
+          <p:cNvPr id="3074" name="Picture 2" descr="sprcloud_6-1">
+            <a:extLst>
+              <a:ext uri="{FF2B5EF4-FFF2-40B4-BE49-F238E27FC236}">
+                <a16:creationId xmlns:a16="http://schemas.microsoft.com/office/drawing/2014/main" id="{27C76F03-0FF5-C1AE-11DA-CB37334556F3}"/>
+              </a:ext>
+            </a:extLst>
+          </p:cNvPr>
+          <p:cNvPicPr>
+            <a:picLocks noChangeAspect="1" noChangeArrowheads="1"/>
+          </p:cNvPicPr>
+          <p:nvPr/>
+        </p:nvPicPr>
+        <p:blipFill>
+          <a:blip r:embed="rId2">
+            <a:extLst>
+              <a:ext uri="{28A0092B-C50C-407E-A947-70E740481C1C}">
+                <a14:useLocalDpi xmlns:a14="http://schemas.microsoft.com/office/drawing/2010/main" val="0"/>
+              </a:ext>
+            </a:extLst>
+          </a:blip>
+          <a:srcRect/>
+          <a:stretch>
+            <a:fillRect/>
+          </a:stretch>
+        </p:blipFill>
+        <p:spPr bwMode="auto">
+          <a:xfrm>
+            <a:off x="2195736" y="3039342"/>
+            <a:ext cx="5987380" cy="3051261"/>
+          </a:xfrm>
+          <a:prstGeom prst="rect">
+            <a:avLst/>
+          </a:prstGeom>
+          <a:noFill/>
+          <a:extLst>
+            <a:ext uri="{909E8E84-426E-40DD-AFC4-6F175D3DCCD1}">
+              <a14:hiddenFill xmlns:a14="http://schemas.microsoft.com/office/drawing/2010/main">
+                <a:solidFill>
+                  <a:srgbClr val="FFFFFF"/>
+                </a:solidFill>
+              </a14:hiddenFill>
+            </a:ext>
+          </a:extLst>
+        </p:spPr>
+      </p:pic>
+    </p:spTree>
+    <p:extLst>
+      <p:ext uri="{BB962C8B-B14F-4D97-AF65-F5344CB8AC3E}">
+        <p14:creationId xmlns:p14="http://schemas.microsoft.com/office/powerpoint/2010/main" val="2978534196"/>
+      </p:ext>
+    </p:extLst>
+  </p:cSld>
+  <p:clrMapOvr>
+    <a:masterClrMapping/>
+  </p:clrMapOvr>
+</p:sld>
+</file>
+
+<file path=ppt/slides/slide64.xml><?xml version="1.0" encoding="utf-8"?>
+<p:sld xmlns:a="http://schemas.openxmlformats.org/drawingml/2006/main" xmlns:r="http://schemas.openxmlformats.org/officeDocument/2006/relationships" xmlns:p="http://schemas.openxmlformats.org/presentationml/2006/main">
+  <p:cSld>
+    <p:spTree>
+      <p:nvGrpSpPr>
+        <p:cNvPr id="1" name=""/>
+        <p:cNvGrpSpPr/>
+        <p:nvPr/>
+      </p:nvGrpSpPr>
+      <p:grpSpPr>
+        <a:xfrm>
+          <a:off x="0" y="0"/>
+          <a:ext cx="0" cy="0"/>
+          <a:chOff x="0" y="0"/>
+          <a:chExt cx="0" cy="0"/>
+        </a:xfrm>
+      </p:grpSpPr>
+      <p:sp>
+        <p:nvSpPr>
+          <p:cNvPr id="2" name="Title 1">
+            <a:extLst>
+              <a:ext uri="{FF2B5EF4-FFF2-40B4-BE49-F238E27FC236}">
+                <a16:creationId xmlns:a16="http://schemas.microsoft.com/office/drawing/2014/main" id="{562B0EDF-B4C6-293F-5119-130DBBE4CFE0}"/>
+              </a:ext>
+            </a:extLst>
+          </p:cNvPr>
+          <p:cNvSpPr>
+            <a:spLocks noGrp="1"/>
+          </p:cNvSpPr>
+          <p:nvPr>
+            <p:ph type="title"/>
+          </p:nvPr>
+        </p:nvSpPr>
+        <p:spPr/>
+        <p:txBody>
+          <a:bodyPr>
+            <a:normAutofit fontScale="90000"/>
+          </a:bodyPr>
+          <a:lstStyle/>
+          <a:p>
+            <a:r>
+              <a:rPr lang="en-US" dirty="0"/>
+              <a:t>Distributed Log Tracing using Sleuth and </a:t>
+            </a:r>
+            <a:r>
+              <a:rPr lang="en-US" dirty="0" err="1"/>
+              <a:t>Zipkin</a:t>
+            </a:r>
+            <a:r>
+              <a:rPr lang="en-US" dirty="0"/>
+              <a:t> Example</a:t>
+            </a:r>
+            <a:endParaRPr lang="en-IN" dirty="0"/>
+          </a:p>
+        </p:txBody>
+      </p:sp>
+      <p:sp>
+        <p:nvSpPr>
+          <p:cNvPr id="3" name="Content Placeholder 2">
+            <a:extLst>
+              <a:ext uri="{FF2B5EF4-FFF2-40B4-BE49-F238E27FC236}">
+                <a16:creationId xmlns:a16="http://schemas.microsoft.com/office/drawing/2014/main" id="{C14218E0-9284-21CC-C462-71754B8D0F6E}"/>
+              </a:ext>
+            </a:extLst>
+          </p:cNvPr>
           <p:cNvSpPr>
             <a:spLocks noGrp="1"/>
           </p:cNvSpPr>
@@ -20854,6 +21656,361 @@
           </a:bodyPr>
           <a:lstStyle/>
           <a:p>
+            <a:r>
+              <a:rPr lang="en-US" dirty="0"/>
+              <a:t>If suppose during such calls there are some issues like exception has occurred. Or may be there are latency issues due to a particular service taking more than expected time. </a:t>
+            </a:r>
+          </a:p>
+          <a:p>
+            <a:r>
+              <a:rPr lang="en-US" dirty="0"/>
+              <a:t>How do we identify where the issue is occurring. In regular project we would have used logging to analyze the logs to know more about occurred exceptions and also performance timing. </a:t>
+            </a:r>
+          </a:p>
+          <a:p>
+            <a:r>
+              <a:rPr lang="en-US" dirty="0"/>
+              <a:t>But since microservices involves multiple services we cannot use regular logging. Each Service will be having its own separate logs. So we will need to go through the logs of each service. Also how do we correlate the logs to a request call chain </a:t>
+            </a:r>
+            <a:r>
+              <a:rPr lang="en-US" dirty="0" err="1"/>
+              <a:t>i.e</a:t>
+            </a:r>
+            <a:r>
+              <a:rPr lang="en-US" dirty="0"/>
+              <a:t> which logs of microservices are related to Request1, which are related to Request2. To resolve these issues we make use of </a:t>
+            </a:r>
+            <a:r>
+              <a:rPr lang="en-US" b="1" dirty="0"/>
+              <a:t>Spring Cloud Sleuth </a:t>
+            </a:r>
+            <a:r>
+              <a:rPr lang="en-US" dirty="0"/>
+              <a:t>and </a:t>
+            </a:r>
+            <a:r>
+              <a:rPr lang="en-US" b="1" dirty="0" err="1"/>
+              <a:t>Zipkin</a:t>
+            </a:r>
+            <a:endParaRPr lang="en-US" b="1" dirty="0"/>
+          </a:p>
+          <a:p>
+            <a:r>
+              <a:rPr lang="en-US" b="1" dirty="0"/>
+              <a:t>Spring Cloud Sleuth </a:t>
+            </a:r>
+            <a:r>
+              <a:rPr lang="en-US" dirty="0"/>
+              <a:t>is used to generate and attach the trace id, span id to the logs so that these can then be used by tools like </a:t>
+            </a:r>
+            <a:r>
+              <a:rPr lang="en-US" b="1" dirty="0" err="1"/>
+              <a:t>Zipkin</a:t>
+            </a:r>
+            <a:r>
+              <a:rPr lang="en-US" dirty="0"/>
+              <a:t> and </a:t>
+            </a:r>
+            <a:r>
+              <a:rPr lang="en-US" b="1" dirty="0"/>
+              <a:t>ELK</a:t>
+            </a:r>
+            <a:r>
+              <a:rPr lang="en-US" dirty="0"/>
+              <a:t> for storage and analysis</a:t>
+            </a:r>
+          </a:p>
+          <a:p>
+            <a:r>
+              <a:rPr lang="en-US" b="1" dirty="0" err="1"/>
+              <a:t>Zipkin</a:t>
+            </a:r>
+            <a:r>
+              <a:rPr lang="en-US" dirty="0"/>
+              <a:t> is a distributed tracing system. It helps gather timing data needed to troubleshoot latency problems in service architectures. Features include both the collection and lookup of this data</a:t>
+            </a:r>
+            <a:endParaRPr lang="en-IN" dirty="0"/>
+          </a:p>
+        </p:txBody>
+      </p:sp>
+    </p:spTree>
+    <p:extLst>
+      <p:ext uri="{BB962C8B-B14F-4D97-AF65-F5344CB8AC3E}">
+        <p14:creationId xmlns:p14="http://schemas.microsoft.com/office/powerpoint/2010/main" val="485650018"/>
+      </p:ext>
+    </p:extLst>
+  </p:cSld>
+  <p:clrMapOvr>
+    <a:masterClrMapping/>
+  </p:clrMapOvr>
+</p:sld>
+</file>
+
+<file path=ppt/slides/slide65.xml><?xml version="1.0" encoding="utf-8"?>
+<p:sld xmlns:a="http://schemas.openxmlformats.org/drawingml/2006/main" xmlns:r="http://schemas.openxmlformats.org/officeDocument/2006/relationships" xmlns:p="http://schemas.openxmlformats.org/presentationml/2006/main">
+  <p:cSld>
+    <p:spTree>
+      <p:nvGrpSpPr>
+        <p:cNvPr id="1" name=""/>
+        <p:cNvGrpSpPr/>
+        <p:nvPr/>
+      </p:nvGrpSpPr>
+      <p:grpSpPr>
+        <a:xfrm>
+          <a:off x="0" y="0"/>
+          <a:ext cx="0" cy="0"/>
+          <a:chOff x="0" y="0"/>
+          <a:chExt cx="0" cy="0"/>
+        </a:xfrm>
+      </p:grpSpPr>
+      <p:sp>
+        <p:nvSpPr>
+          <p:cNvPr id="2" name="Title 1">
+            <a:extLst>
+              <a:ext uri="{FF2B5EF4-FFF2-40B4-BE49-F238E27FC236}">
+                <a16:creationId xmlns:a16="http://schemas.microsoft.com/office/drawing/2014/main" id="{562B0EDF-B4C6-293F-5119-130DBBE4CFE0}"/>
+              </a:ext>
+            </a:extLst>
+          </p:cNvPr>
+          <p:cNvSpPr>
+            <a:spLocks noGrp="1"/>
+          </p:cNvSpPr>
+          <p:nvPr>
+            <p:ph type="title"/>
+          </p:nvPr>
+        </p:nvSpPr>
+        <p:spPr/>
+        <p:txBody>
+          <a:bodyPr>
+            <a:normAutofit fontScale="90000"/>
+          </a:bodyPr>
+          <a:lstStyle/>
+          <a:p>
+            <a:r>
+              <a:rPr lang="en-US" dirty="0"/>
+              <a:t>Distributed Log Tracing using Sleuth and </a:t>
+            </a:r>
+            <a:r>
+              <a:rPr lang="en-US" dirty="0" err="1"/>
+              <a:t>Zipkin</a:t>
+            </a:r>
+            <a:r>
+              <a:rPr lang="en-US" dirty="0"/>
+              <a:t> Example</a:t>
+            </a:r>
+            <a:endParaRPr lang="en-IN" dirty="0"/>
+          </a:p>
+        </p:txBody>
+      </p:sp>
+      <p:sp>
+        <p:nvSpPr>
+          <p:cNvPr id="3" name="Content Placeholder 2">
+            <a:extLst>
+              <a:ext uri="{FF2B5EF4-FFF2-40B4-BE49-F238E27FC236}">
+                <a16:creationId xmlns:a16="http://schemas.microsoft.com/office/drawing/2014/main" id="{C14218E0-9284-21CC-C462-71754B8D0F6E}"/>
+              </a:ext>
+            </a:extLst>
+          </p:cNvPr>
+          <p:cNvSpPr>
+            <a:spLocks noGrp="1"/>
+          </p:cNvSpPr>
+          <p:nvPr>
+            <p:ph idx="1"/>
+          </p:nvPr>
+        </p:nvSpPr>
+        <p:spPr/>
+        <p:txBody>
+          <a:bodyPr>
+            <a:normAutofit/>
+          </a:bodyPr>
+          <a:lstStyle/>
+          <a:p>
+            <a:pPr marL="0" indent="0">
+              <a:buNone/>
+            </a:pPr>
+            <a:r>
+              <a:rPr lang="en-US" sz="1800" dirty="0"/>
+              <a:t>Lets Begin-</a:t>
+            </a:r>
+          </a:p>
+          <a:p>
+            <a:r>
+              <a:rPr lang="en-US" sz="1800" dirty="0"/>
+              <a:t>We will be dividing this demo into 3 parts-</a:t>
+            </a:r>
+          </a:p>
+          <a:p>
+            <a:pPr lvl="1">
+              <a:buFont typeface="Arial" panose="020B0604020202020204" pitchFamily="34" charset="0"/>
+              <a:buChar char="•"/>
+            </a:pPr>
+            <a:r>
+              <a:rPr lang="en-US" sz="1800" dirty="0"/>
+              <a:t>Develop four Spring Boot Microservices modules which interact with each other.</a:t>
+            </a:r>
+          </a:p>
+          <a:p>
+            <a:pPr lvl="1">
+              <a:buFont typeface="Arial" panose="020B0604020202020204" pitchFamily="34" charset="0"/>
+              <a:buChar char="•"/>
+            </a:pPr>
+            <a:r>
+              <a:rPr lang="en-US" sz="1800" dirty="0"/>
+              <a:t>Implement distributed tracing using Spring Cloud Sleuth</a:t>
+            </a:r>
+          </a:p>
+          <a:p>
+            <a:pPr lvl="1">
+              <a:buFont typeface="Arial" panose="020B0604020202020204" pitchFamily="34" charset="0"/>
+              <a:buChar char="•"/>
+            </a:pPr>
+            <a:r>
+              <a:rPr lang="en-US" sz="1800" dirty="0"/>
+              <a:t>View distributed tracing using </a:t>
+            </a:r>
+            <a:r>
+              <a:rPr lang="en-US" sz="1800" dirty="0" err="1"/>
+              <a:t>Zipkin</a:t>
+            </a:r>
+            <a:endParaRPr lang="en-US" sz="1800" dirty="0"/>
+          </a:p>
+          <a:p>
+            <a:r>
+              <a:rPr lang="en-US" sz="1800" dirty="0"/>
+              <a:t>Develop four Spring Boot Microservices modules which interact with each other</a:t>
+            </a:r>
+          </a:p>
+          <a:p>
+            <a:r>
+              <a:rPr lang="en-US" sz="1800" dirty="0"/>
+              <a:t>We will be developing the spring boot microservices as follows-</a:t>
+            </a:r>
+            <a:endParaRPr lang="en-IN" sz="1800" dirty="0"/>
+          </a:p>
+        </p:txBody>
+      </p:sp>
+      <p:pic>
+        <p:nvPicPr>
+          <p:cNvPr id="4098" name="Picture 2" descr="Spring Cloud Sleuth Tutorial">
+            <a:extLst>
+              <a:ext uri="{FF2B5EF4-FFF2-40B4-BE49-F238E27FC236}">
+                <a16:creationId xmlns:a16="http://schemas.microsoft.com/office/drawing/2014/main" id="{054C43BE-F335-21D7-2CCB-7720FE79D15D}"/>
+              </a:ext>
+            </a:extLst>
+          </p:cNvPr>
+          <p:cNvPicPr>
+            <a:picLocks noChangeAspect="1" noChangeArrowheads="1"/>
+          </p:cNvPicPr>
+          <p:nvPr/>
+        </p:nvPicPr>
+        <p:blipFill>
+          <a:blip r:embed="rId2">
+            <a:extLst>
+              <a:ext uri="{28A0092B-C50C-407E-A947-70E740481C1C}">
+                <a14:useLocalDpi xmlns:a14="http://schemas.microsoft.com/office/drawing/2010/main" val="0"/>
+              </a:ext>
+            </a:extLst>
+          </a:blip>
+          <a:srcRect/>
+          <a:stretch>
+            <a:fillRect/>
+          </a:stretch>
+        </p:blipFill>
+        <p:spPr bwMode="auto">
+          <a:xfrm>
+            <a:off x="207268" y="4305300"/>
+            <a:ext cx="8953500" cy="1905000"/>
+          </a:xfrm>
+          <a:prstGeom prst="rect">
+            <a:avLst/>
+          </a:prstGeom>
+          <a:noFill/>
+          <a:extLst>
+            <a:ext uri="{909E8E84-426E-40DD-AFC4-6F175D3DCCD1}">
+              <a14:hiddenFill xmlns:a14="http://schemas.microsoft.com/office/drawing/2010/main">
+                <a:solidFill>
+                  <a:srgbClr val="FFFFFF"/>
+                </a:solidFill>
+              </a14:hiddenFill>
+            </a:ext>
+          </a:extLst>
+        </p:spPr>
+      </p:pic>
+    </p:spTree>
+    <p:extLst>
+      <p:ext uri="{BB962C8B-B14F-4D97-AF65-F5344CB8AC3E}">
+        <p14:creationId xmlns:p14="http://schemas.microsoft.com/office/powerpoint/2010/main" val="2106456421"/>
+      </p:ext>
+    </p:extLst>
+  </p:cSld>
+  <p:clrMapOvr>
+    <a:masterClrMapping/>
+  </p:clrMapOvr>
+</p:sld>
+</file>
+
+<file path=ppt/slides/slide66.xml><?xml version="1.0" encoding="utf-8"?>
+<p:sld xmlns:a="http://schemas.openxmlformats.org/drawingml/2006/main" xmlns:r="http://schemas.openxmlformats.org/officeDocument/2006/relationships" xmlns:p="http://schemas.openxmlformats.org/presentationml/2006/main">
+  <p:cSld>
+    <p:spTree>
+      <p:nvGrpSpPr>
+        <p:cNvPr id="1" name=""/>
+        <p:cNvGrpSpPr/>
+        <p:nvPr/>
+      </p:nvGrpSpPr>
+      <p:grpSpPr>
+        <a:xfrm>
+          <a:off x="0" y="0"/>
+          <a:ext cx="0" cy="0"/>
+          <a:chOff x="0" y="0"/>
+          <a:chExt cx="0" cy="0"/>
+        </a:xfrm>
+      </p:grpSpPr>
+      <p:sp>
+        <p:nvSpPr>
+          <p:cNvPr id="2" name="Title 1"/>
+          <p:cNvSpPr>
+            <a:spLocks noGrp="1"/>
+          </p:cNvSpPr>
+          <p:nvPr>
+            <p:ph type="title"/>
+          </p:nvPr>
+        </p:nvSpPr>
+        <p:spPr/>
+        <p:txBody>
+          <a:bodyPr>
+            <a:normAutofit fontScale="90000"/>
+          </a:bodyPr>
+          <a:lstStyle/>
+          <a:p>
+            <a:r>
+              <a:rPr lang="en-US" b="1" dirty="0"/>
+              <a:t>Health Check</a:t>
+            </a:r>
+            <a:br>
+              <a:rPr lang="en-US" b="1" dirty="0"/>
+            </a:br>
+            <a:endParaRPr lang="en-US" dirty="0"/>
+          </a:p>
+        </p:txBody>
+      </p:sp>
+      <p:sp>
+        <p:nvSpPr>
+          <p:cNvPr id="3" name="Content Placeholder 2"/>
+          <p:cNvSpPr>
+            <a:spLocks noGrp="1"/>
+          </p:cNvSpPr>
+          <p:nvPr>
+            <p:ph idx="1"/>
+          </p:nvPr>
+        </p:nvSpPr>
+        <p:spPr/>
+        <p:txBody>
+          <a:bodyPr>
+            <a:normAutofit fontScale="77500" lnSpcReduction="20000"/>
+          </a:bodyPr>
+          <a:lstStyle/>
+          <a:p>
             <a:pPr>
               <a:buNone/>
             </a:pPr>
@@ -20865,7 +22022,7 @@
           <a:p>
             <a:r>
               <a:rPr lang="en-US" dirty="0"/>
-              <a:t>With </a:t>
+              <a:t>When </a:t>
             </a:r>
             <a:r>
               <a:rPr lang="en-US" dirty="0" err="1"/>
@@ -20873,7 +22030,344 @@
             </a:r>
             <a:r>
               <a:rPr lang="en-US" dirty="0"/>
-              <a:t> architecture, one application can have many </a:t>
+              <a:t> architecture has been implemented, there is a chance that a service might be up but not able to handle transactions. In that case, how do you ensure a request doesn't go to those failed instances? With a load balancing pattern implementation.</a:t>
+            </a:r>
+          </a:p>
+          <a:p>
+            <a:pPr>
+              <a:buNone/>
+            </a:pPr>
+            <a:r>
+              <a:rPr lang="en-US" b="1" dirty="0"/>
+              <a:t>Solution</a:t>
+            </a:r>
+          </a:p>
+          <a:p>
+            <a:r>
+              <a:rPr lang="en-US" dirty="0"/>
+              <a:t>Each service needs to have an endpoint which can be used to check the health of the application, such as /health. This API should o check the status of the host, the connection to other services/infrastructure, and any specific logic.</a:t>
+            </a:r>
+          </a:p>
+          <a:p>
+            <a:r>
+              <a:rPr lang="en-US" dirty="0"/>
+              <a:t>Spring Boot Actuator does implement a /health endpoint and the implementation can be customized, as well.</a:t>
+            </a:r>
+          </a:p>
+          <a:p>
+            <a:endParaRPr lang="en-US" dirty="0"/>
+          </a:p>
+        </p:txBody>
+      </p:sp>
+    </p:spTree>
+  </p:cSld>
+  <p:clrMapOvr>
+    <a:masterClrMapping/>
+  </p:clrMapOvr>
+</p:sld>
+</file>
+
+<file path=ppt/slides/slide67.xml><?xml version="1.0" encoding="utf-8"?>
+<p:sld xmlns:a="http://schemas.openxmlformats.org/drawingml/2006/main" xmlns:r="http://schemas.openxmlformats.org/officeDocument/2006/relationships" xmlns:p="http://schemas.openxmlformats.org/presentationml/2006/main">
+  <p:cSld>
+    <p:spTree>
+      <p:nvGrpSpPr>
+        <p:cNvPr id="1" name=""/>
+        <p:cNvGrpSpPr/>
+        <p:nvPr/>
+      </p:nvGrpSpPr>
+      <p:grpSpPr>
+        <a:xfrm>
+          <a:off x="0" y="0"/>
+          <a:ext cx="0" cy="0"/>
+          <a:chOff x="0" y="0"/>
+          <a:chExt cx="0" cy="0"/>
+        </a:xfrm>
+      </p:grpSpPr>
+      <p:sp>
+        <p:nvSpPr>
+          <p:cNvPr id="2" name="Title 1"/>
+          <p:cNvSpPr>
+            <a:spLocks noGrp="1"/>
+          </p:cNvSpPr>
+          <p:nvPr>
+            <p:ph type="title"/>
+          </p:nvPr>
+        </p:nvSpPr>
+        <p:spPr/>
+        <p:txBody>
+          <a:bodyPr>
+            <a:normAutofit fontScale="90000"/>
+          </a:bodyPr>
+          <a:lstStyle/>
+          <a:p>
+            <a:r>
+              <a:rPr lang="en-US" b="1" dirty="0"/>
+              <a:t>Cross-Cutting Concern Patterns</a:t>
+            </a:r>
+            <a:br>
+              <a:rPr lang="en-US" b="1" dirty="0"/>
+            </a:br>
+            <a:endParaRPr lang="en-US" dirty="0"/>
+          </a:p>
+        </p:txBody>
+      </p:sp>
+      <p:sp>
+        <p:nvSpPr>
+          <p:cNvPr id="3" name="Content Placeholder 2"/>
+          <p:cNvSpPr>
+            <a:spLocks noGrp="1"/>
+          </p:cNvSpPr>
+          <p:nvPr>
+            <p:ph idx="1"/>
+          </p:nvPr>
+        </p:nvSpPr>
+        <p:spPr/>
+        <p:txBody>
+          <a:bodyPr/>
+          <a:lstStyle/>
+          <a:p>
+            <a:r>
+              <a:rPr lang="en-US" b="1" dirty="0"/>
+              <a:t>External Configuration</a:t>
+            </a:r>
+          </a:p>
+          <a:p>
+            <a:r>
+              <a:rPr lang="en-US" b="1" dirty="0"/>
+              <a:t>Service Discovery Pattern</a:t>
+            </a:r>
+          </a:p>
+          <a:p>
+            <a:r>
+              <a:rPr lang="en-US" b="1" dirty="0"/>
+              <a:t>Circuit Breaker Pattern</a:t>
+            </a:r>
+          </a:p>
+          <a:p>
+            <a:r>
+              <a:rPr lang="en-US" b="1" dirty="0"/>
+              <a:t>Blue-Green Deployment Pattern</a:t>
+            </a:r>
+          </a:p>
+          <a:p>
+            <a:endParaRPr lang="en-US" dirty="0"/>
+          </a:p>
+        </p:txBody>
+      </p:sp>
+    </p:spTree>
+  </p:cSld>
+  <p:clrMapOvr>
+    <a:masterClrMapping/>
+  </p:clrMapOvr>
+</p:sld>
+</file>
+
+<file path=ppt/slides/slide68.xml><?xml version="1.0" encoding="utf-8"?>
+<p:sld xmlns:a="http://schemas.openxmlformats.org/drawingml/2006/main" xmlns:r="http://schemas.openxmlformats.org/officeDocument/2006/relationships" xmlns:p="http://schemas.openxmlformats.org/presentationml/2006/main">
+  <p:cSld>
+    <p:spTree>
+      <p:nvGrpSpPr>
+        <p:cNvPr id="1" name=""/>
+        <p:cNvGrpSpPr/>
+        <p:nvPr/>
+      </p:nvGrpSpPr>
+      <p:grpSpPr>
+        <a:xfrm>
+          <a:off x="0" y="0"/>
+          <a:ext cx="0" cy="0"/>
+          <a:chOff x="0" y="0"/>
+          <a:chExt cx="0" cy="0"/>
+        </a:xfrm>
+      </p:grpSpPr>
+      <p:sp>
+        <p:nvSpPr>
+          <p:cNvPr id="2" name="Title 1"/>
+          <p:cNvSpPr>
+            <a:spLocks noGrp="1"/>
+          </p:cNvSpPr>
+          <p:nvPr>
+            <p:ph type="title"/>
+          </p:nvPr>
+        </p:nvSpPr>
+        <p:spPr/>
+        <p:txBody>
+          <a:bodyPr>
+            <a:normAutofit fontScale="90000"/>
+          </a:bodyPr>
+          <a:lstStyle/>
+          <a:p>
+            <a:r>
+              <a:rPr lang="en-US" b="1" dirty="0"/>
+              <a:t>External Configuration</a:t>
+            </a:r>
+            <a:br>
+              <a:rPr lang="en-US" b="1" dirty="0"/>
+            </a:br>
+            <a:endParaRPr lang="en-US" dirty="0"/>
+          </a:p>
+        </p:txBody>
+      </p:sp>
+      <p:sp>
+        <p:nvSpPr>
+          <p:cNvPr id="3" name="Content Placeholder 2"/>
+          <p:cNvSpPr>
+            <a:spLocks noGrp="1"/>
+          </p:cNvSpPr>
+          <p:nvPr>
+            <p:ph idx="1"/>
+          </p:nvPr>
+        </p:nvSpPr>
+        <p:spPr/>
+        <p:txBody>
+          <a:bodyPr>
+            <a:normAutofit fontScale="70000" lnSpcReduction="20000"/>
+          </a:bodyPr>
+          <a:lstStyle/>
+          <a:p>
+            <a:pPr>
+              <a:buNone/>
+            </a:pPr>
+            <a:r>
+              <a:rPr lang="en-US" b="1" dirty="0"/>
+              <a:t>Problem</a:t>
+            </a:r>
+          </a:p>
+          <a:p>
+            <a:r>
+              <a:rPr lang="en-US" dirty="0"/>
+              <a:t>A service typically calls other services and databases as well. For each environment like dev, QA, UAT, prod, the endpoint URL or some configuration properties might be different. A change in any of those properties might require a re-build and re-deploy of the service. How do we avoid code modification for configuration changes?</a:t>
+            </a:r>
+          </a:p>
+          <a:p>
+            <a:pPr>
+              <a:buNone/>
+            </a:pPr>
+            <a:r>
+              <a:rPr lang="en-US" b="1" dirty="0"/>
+              <a:t>Solution</a:t>
+            </a:r>
+          </a:p>
+          <a:p>
+            <a:r>
+              <a:rPr lang="en-US" dirty="0"/>
+              <a:t>Externalize all the configuration, including endpoint URLs and credentials. The application should load them either at startup or on the fly.</a:t>
+            </a:r>
+          </a:p>
+          <a:p>
+            <a:r>
+              <a:rPr lang="en-US" dirty="0"/>
+              <a:t>Spring Cloud </a:t>
+            </a:r>
+            <a:r>
+              <a:rPr lang="en-US" dirty="0" err="1"/>
+              <a:t>config</a:t>
+            </a:r>
+            <a:r>
+              <a:rPr lang="en-US" dirty="0"/>
+              <a:t> server provides the option to externalize the properties to </a:t>
+            </a:r>
+            <a:r>
+              <a:rPr lang="en-US" dirty="0" err="1"/>
+              <a:t>GitHub</a:t>
+            </a:r>
+            <a:r>
+              <a:rPr lang="en-US" dirty="0"/>
+              <a:t> and load them as environment properties. These can be accessed by the application on startup or can be refreshed without a server restart.</a:t>
+            </a:r>
+          </a:p>
+          <a:p>
+            <a:endParaRPr lang="en-US" dirty="0"/>
+          </a:p>
+        </p:txBody>
+      </p:sp>
+    </p:spTree>
+  </p:cSld>
+  <p:clrMapOvr>
+    <a:masterClrMapping/>
+  </p:clrMapOvr>
+</p:sld>
+</file>
+
+<file path=ppt/slides/slide69.xml><?xml version="1.0" encoding="utf-8"?>
+<p:sld xmlns:a="http://schemas.openxmlformats.org/drawingml/2006/main" xmlns:r="http://schemas.openxmlformats.org/officeDocument/2006/relationships" xmlns:p="http://schemas.openxmlformats.org/presentationml/2006/main">
+  <p:cSld>
+    <p:spTree>
+      <p:nvGrpSpPr>
+        <p:cNvPr id="1" name=""/>
+        <p:cNvGrpSpPr/>
+        <p:nvPr/>
+      </p:nvGrpSpPr>
+      <p:grpSpPr>
+        <a:xfrm>
+          <a:off x="0" y="0"/>
+          <a:ext cx="0" cy="0"/>
+          <a:chOff x="0" y="0"/>
+          <a:chExt cx="0" cy="0"/>
+        </a:xfrm>
+      </p:grpSpPr>
+      <p:sp>
+        <p:nvSpPr>
+          <p:cNvPr id="2" name="Title 1"/>
+          <p:cNvSpPr>
+            <a:spLocks noGrp="1"/>
+          </p:cNvSpPr>
+          <p:nvPr>
+            <p:ph type="title"/>
+          </p:nvPr>
+        </p:nvSpPr>
+        <p:spPr/>
+        <p:txBody>
+          <a:bodyPr>
+            <a:normAutofit fontScale="90000"/>
+          </a:bodyPr>
+          <a:lstStyle/>
+          <a:p>
+            <a:r>
+              <a:rPr lang="en-US" b="1" dirty="0"/>
+              <a:t>Service Discovery Pattern</a:t>
+            </a:r>
+            <a:br>
+              <a:rPr lang="en-US" b="1" dirty="0"/>
+            </a:br>
+            <a:endParaRPr lang="en-US" dirty="0"/>
+          </a:p>
+        </p:txBody>
+      </p:sp>
+      <p:sp>
+        <p:nvSpPr>
+          <p:cNvPr id="3" name="Content Placeholder 2"/>
+          <p:cNvSpPr>
+            <a:spLocks noGrp="1"/>
+          </p:cNvSpPr>
+          <p:nvPr>
+            <p:ph idx="1"/>
+          </p:nvPr>
+        </p:nvSpPr>
+        <p:spPr>
+          <a:xfrm>
+            <a:off x="457200" y="1600200"/>
+            <a:ext cx="8507288" cy="4493095"/>
+          </a:xfrm>
+        </p:spPr>
+        <p:txBody>
+          <a:bodyPr>
+            <a:normAutofit fontScale="47500" lnSpcReduction="20000"/>
+          </a:bodyPr>
+          <a:lstStyle/>
+          <a:p>
+            <a:pPr>
+              <a:buNone/>
+            </a:pPr>
+            <a:r>
+              <a:rPr lang="en-US" b="1" dirty="0"/>
+              <a:t>Problem</a:t>
+            </a:r>
+          </a:p>
+          <a:p>
+            <a:r>
+              <a:rPr lang="en-US" dirty="0"/>
+              <a:t>When </a:t>
             </a:r>
             <a:r>
               <a:rPr lang="en-US" dirty="0" err="1"/>
@@ -20881,8 +22375,32 @@
             </a:r>
             <a:r>
               <a:rPr lang="en-US" dirty="0"/>
-              <a:t>. If we stop all the services then deploy an enhanced version, the downtime will be huge and can impact the business. Also, the rollback will be a nightmare. How do we avoid or reduce downtime of the services during deployment?</a:t>
-            </a:r>
+              <a:t> come into the picture, we need to address a few issues in terms of calling services:</a:t>
+            </a:r>
+          </a:p>
+          <a:p>
+            <a:r>
+              <a:rPr lang="en-US" dirty="0"/>
+              <a:t>With container technology, IP addresses are dynamically allocated to the service instances. Every time the address changes, a consumer service can break and need manual changes.</a:t>
+            </a:r>
+          </a:p>
+          <a:p>
+            <a:r>
+              <a:rPr lang="en-US" dirty="0"/>
+              <a:t>Each service URL has to be remembered by the consumer and become tightly coupled.</a:t>
+            </a:r>
+          </a:p>
+          <a:p>
+            <a:r>
+              <a:rPr lang="en-US" dirty="0"/>
+              <a:t>So how does the consumer or router know all the available service instances and locations?</a:t>
+            </a:r>
+          </a:p>
+          <a:p>
+            <a:endParaRPr lang="en-US" dirty="0"/>
+          </a:p>
+          <a:p>
+            <a:endParaRPr lang="en-US" dirty="0"/>
           </a:p>
           <a:p>
             <a:pPr>
@@ -20896,59 +22414,7 @@
           <a:p>
             <a:r>
               <a:rPr lang="en-US" dirty="0"/>
-              <a:t>The blue-green deployment strategy can be implemented to reduce or remove downtime. It achieves this by running two identical production environments, Blue and Green. Let's assume Green is the existing live instance and Blue is the new version of the application. At any time, only one of the environments is live, with the live environment serving all production traffic. All cloud platforms provide options for implementing a blue-green deployment. </a:t>
-            </a:r>
-          </a:p>
-          <a:p>
-            <a:pPr>
-              <a:buNone/>
-            </a:pPr>
-            <a:endParaRPr lang="en-US" dirty="0"/>
-          </a:p>
-          <a:p>
-            <a:r>
-              <a:rPr lang="en-US" dirty="0"/>
-              <a:t>There are many other patterns used with </a:t>
-            </a:r>
-            <a:r>
-              <a:rPr lang="en-US" dirty="0" err="1"/>
-              <a:t>microservice</a:t>
-            </a:r>
-            <a:r>
-              <a:rPr lang="en-US" dirty="0"/>
-              <a:t> architecture, like Sidecar, Chained </a:t>
-            </a:r>
-            <a:r>
-              <a:rPr lang="en-US" dirty="0" err="1"/>
-              <a:t>Microservice</a:t>
-            </a:r>
-            <a:r>
-              <a:rPr lang="en-US" dirty="0"/>
-              <a:t>, Branch </a:t>
-            </a:r>
-            <a:r>
-              <a:rPr lang="en-US" dirty="0" err="1"/>
-              <a:t>Microservice</a:t>
-            </a:r>
-            <a:r>
-              <a:rPr lang="en-US" dirty="0"/>
-              <a:t>, Event Sourcing Pattern, Continuous Delivery Patterns, and more. The list keeps growing as we get more experience with </a:t>
-            </a:r>
-            <a:r>
-              <a:rPr lang="en-US" dirty="0" err="1"/>
-              <a:t>microservices</a:t>
-            </a:r>
-            <a:r>
-              <a:rPr lang="en-US" dirty="0"/>
-              <a:t>. I am stopping now to hear back from you on what </a:t>
-            </a:r>
-            <a:r>
-              <a:rPr lang="en-US" dirty="0" err="1"/>
-              <a:t>microservice</a:t>
-            </a:r>
-            <a:r>
-              <a:rPr lang="en-US" dirty="0"/>
-              <a:t> patterns you are using.</a:t>
+              <a:t>A service registry needs to be created which will keep the metadata of each producer service. A service instance should register to the registry when starting and should de-register when shutting down. The consumer or router should query the registry and find out the location of the service. The registry also needs to do a health check of the producer service to ensure that only working instances of the services are available to be consumed through it. There are two types of service discovery: client-side and server-side. An example of client-side discovery is Netflix Eureka and an example of server-side discovery is AWS ALB.</a:t>
             </a:r>
           </a:p>
           <a:p>
@@ -21063,6 +22529,296 @@
             <a:r>
               <a:rPr lang="en-US" dirty="0"/>
               <a:t>One strategy is to decompose by business capability. A business capability is something that a business does in order to generate value. The set of capabilities for a given business depend on the type of business. For example, the capabilities of an insurance company typically include sales, marketing, underwriting, claims processing, billing, compliance, etc. Each business capability can be thought of as a service, except it’s business-oriented rather than technical.</a:t>
+            </a:r>
+          </a:p>
+          <a:p>
+            <a:endParaRPr lang="en-US" dirty="0"/>
+          </a:p>
+        </p:txBody>
+      </p:sp>
+    </p:spTree>
+  </p:cSld>
+  <p:clrMapOvr>
+    <a:masterClrMapping/>
+  </p:clrMapOvr>
+</p:sld>
+</file>
+
+<file path=ppt/slides/slide70.xml><?xml version="1.0" encoding="utf-8"?>
+<p:sld xmlns:a="http://schemas.openxmlformats.org/drawingml/2006/main" xmlns:r="http://schemas.openxmlformats.org/officeDocument/2006/relationships" xmlns:p="http://schemas.openxmlformats.org/presentationml/2006/main">
+  <p:cSld>
+    <p:spTree>
+      <p:nvGrpSpPr>
+        <p:cNvPr id="1" name=""/>
+        <p:cNvGrpSpPr/>
+        <p:nvPr/>
+      </p:nvGrpSpPr>
+      <p:grpSpPr>
+        <a:xfrm>
+          <a:off x="0" y="0"/>
+          <a:ext cx="0" cy="0"/>
+          <a:chOff x="0" y="0"/>
+          <a:chExt cx="0" cy="0"/>
+        </a:xfrm>
+      </p:grpSpPr>
+      <p:sp>
+        <p:nvSpPr>
+          <p:cNvPr id="2" name="Title 1"/>
+          <p:cNvSpPr>
+            <a:spLocks noGrp="1"/>
+          </p:cNvSpPr>
+          <p:nvPr>
+            <p:ph type="title"/>
+          </p:nvPr>
+        </p:nvSpPr>
+        <p:spPr/>
+        <p:txBody>
+          <a:bodyPr>
+            <a:normAutofit fontScale="90000"/>
+          </a:bodyPr>
+          <a:lstStyle/>
+          <a:p>
+            <a:r>
+              <a:rPr lang="en-US" b="1" dirty="0"/>
+              <a:t>Circuit Breaker Pattern</a:t>
+            </a:r>
+            <a:br>
+              <a:rPr lang="en-US" b="1" dirty="0"/>
+            </a:br>
+            <a:endParaRPr lang="en-US" dirty="0"/>
+          </a:p>
+        </p:txBody>
+      </p:sp>
+      <p:sp>
+        <p:nvSpPr>
+          <p:cNvPr id="3" name="Content Placeholder 2"/>
+          <p:cNvSpPr>
+            <a:spLocks noGrp="1"/>
+          </p:cNvSpPr>
+          <p:nvPr>
+            <p:ph idx="1"/>
+          </p:nvPr>
+        </p:nvSpPr>
+        <p:spPr/>
+        <p:txBody>
+          <a:bodyPr>
+            <a:normAutofit fontScale="47500" lnSpcReduction="20000"/>
+          </a:bodyPr>
+          <a:lstStyle/>
+          <a:p>
+            <a:pPr>
+              <a:buNone/>
+            </a:pPr>
+            <a:r>
+              <a:rPr lang="en-US" b="1" dirty="0"/>
+              <a:t>Problem</a:t>
+            </a:r>
+          </a:p>
+          <a:p>
+            <a:r>
+              <a:rPr lang="en-US" dirty="0"/>
+              <a:t>A service generally calls other services to retrieve data, and there is the chance that the downstream service may be down. There are two problems with this: first, the request will keep going to the down service, exhausting network resources and slowing performance. Second, the user experience will be bad and unpredictable. How do we avoid cascading service failures and handle failures gracefully?</a:t>
+            </a:r>
+          </a:p>
+          <a:p>
+            <a:pPr>
+              <a:buNone/>
+            </a:pPr>
+            <a:endParaRPr lang="en-US" b="1" dirty="0"/>
+          </a:p>
+          <a:p>
+            <a:pPr>
+              <a:buNone/>
+            </a:pPr>
+            <a:r>
+              <a:rPr lang="en-US" b="1" dirty="0"/>
+              <a:t>Solution</a:t>
+            </a:r>
+          </a:p>
+          <a:p>
+            <a:r>
+              <a:rPr lang="en-US" dirty="0"/>
+              <a:t>The consumer should invoke a remote service via a proxy that behaves in a similar fashion to an electrical circuit breaker. When the number of consecutive failures crosses a threshold, the circuit breaker trips, and for the duration of a timeout period, all attempts to invoke the remote service will fail immediately. After the timeout expires the circuit breaker allows a limited number of test requests to pass through. If those requests succeed, the circuit breaker resumes normal operation. Otherwise, if there is a failure, the timeout period begins again.</a:t>
+            </a:r>
+          </a:p>
+          <a:p>
+            <a:r>
+              <a:rPr lang="en-US" dirty="0"/>
+              <a:t>Netflix </a:t>
+            </a:r>
+            <a:r>
+              <a:rPr lang="en-US" dirty="0" err="1"/>
+              <a:t>Hystrix</a:t>
+            </a:r>
+            <a:r>
+              <a:rPr lang="en-US" dirty="0"/>
+              <a:t> is a good implementation of the circuit breaker pattern. It also helps you to define a fallback mechanism which can be used when the circuit breaker trips. That provides a better user experience.</a:t>
+            </a:r>
+          </a:p>
+          <a:p>
+            <a:endParaRPr lang="en-US" dirty="0"/>
+          </a:p>
+        </p:txBody>
+      </p:sp>
+    </p:spTree>
+  </p:cSld>
+  <p:clrMapOvr>
+    <a:masterClrMapping/>
+  </p:clrMapOvr>
+</p:sld>
+</file>
+
+<file path=ppt/slides/slide71.xml><?xml version="1.0" encoding="utf-8"?>
+<p:sld xmlns:a="http://schemas.openxmlformats.org/drawingml/2006/main" xmlns:r="http://schemas.openxmlformats.org/officeDocument/2006/relationships" xmlns:p="http://schemas.openxmlformats.org/presentationml/2006/main">
+  <p:cSld>
+    <p:spTree>
+      <p:nvGrpSpPr>
+        <p:cNvPr id="1" name=""/>
+        <p:cNvGrpSpPr/>
+        <p:nvPr/>
+      </p:nvGrpSpPr>
+      <p:grpSpPr>
+        <a:xfrm>
+          <a:off x="0" y="0"/>
+          <a:ext cx="0" cy="0"/>
+          <a:chOff x="0" y="0"/>
+          <a:chExt cx="0" cy="0"/>
+        </a:xfrm>
+      </p:grpSpPr>
+      <p:sp>
+        <p:nvSpPr>
+          <p:cNvPr id="2" name="Title 1"/>
+          <p:cNvSpPr>
+            <a:spLocks noGrp="1"/>
+          </p:cNvSpPr>
+          <p:nvPr>
+            <p:ph type="title"/>
+          </p:nvPr>
+        </p:nvSpPr>
+        <p:spPr/>
+        <p:txBody>
+          <a:bodyPr/>
+          <a:lstStyle/>
+          <a:p>
+            <a:r>
+              <a:rPr lang="en-US" b="1" dirty="0"/>
+              <a:t>Blue-Green Deployment Pattern</a:t>
+            </a:r>
+          </a:p>
+        </p:txBody>
+      </p:sp>
+      <p:sp>
+        <p:nvSpPr>
+          <p:cNvPr id="3" name="Content Placeholder 2"/>
+          <p:cNvSpPr>
+            <a:spLocks noGrp="1"/>
+          </p:cNvSpPr>
+          <p:nvPr>
+            <p:ph idx="1"/>
+          </p:nvPr>
+        </p:nvSpPr>
+        <p:spPr/>
+        <p:txBody>
+          <a:bodyPr>
+            <a:normAutofit fontScale="55000" lnSpcReduction="20000"/>
+          </a:bodyPr>
+          <a:lstStyle/>
+          <a:p>
+            <a:pPr>
+              <a:buNone/>
+            </a:pPr>
+            <a:r>
+              <a:rPr lang="en-US" b="1" dirty="0"/>
+              <a:t>Problem</a:t>
+            </a:r>
+          </a:p>
+          <a:p>
+            <a:r>
+              <a:rPr lang="en-US" dirty="0"/>
+              <a:t>With </a:t>
+            </a:r>
+            <a:r>
+              <a:rPr lang="en-US" dirty="0" err="1"/>
+              <a:t>microservice</a:t>
+            </a:r>
+            <a:r>
+              <a:rPr lang="en-US" dirty="0"/>
+              <a:t> architecture, one application can have many </a:t>
+            </a:r>
+            <a:r>
+              <a:rPr lang="en-US" dirty="0" err="1"/>
+              <a:t>microservices</a:t>
+            </a:r>
+            <a:r>
+              <a:rPr lang="en-US" dirty="0"/>
+              <a:t>. If we stop all the services then deploy an enhanced version, the downtime will be huge and can impact the business. Also, the rollback will be a nightmare. How do we avoid or reduce downtime of the services during deployment?</a:t>
+            </a:r>
+          </a:p>
+          <a:p>
+            <a:pPr>
+              <a:buNone/>
+            </a:pPr>
+            <a:r>
+              <a:rPr lang="en-US" b="1" dirty="0"/>
+              <a:t>Solution</a:t>
+            </a:r>
+          </a:p>
+          <a:p>
+            <a:r>
+              <a:rPr lang="en-US" dirty="0"/>
+              <a:t>The blue-green deployment strategy can be implemented to reduce or remove downtime. It achieves this by running two identical production environments, Blue and Green. Let's assume Green is the existing live instance and Blue is the new version of the application. At any time, only one of the environments is live, with the live environment serving all production traffic. All cloud platforms provide options for implementing a blue-green deployment. </a:t>
+            </a:r>
+          </a:p>
+          <a:p>
+            <a:pPr>
+              <a:buNone/>
+            </a:pPr>
+            <a:endParaRPr lang="en-US" dirty="0"/>
+          </a:p>
+          <a:p>
+            <a:r>
+              <a:rPr lang="en-US" dirty="0"/>
+              <a:t>There are many other patterns used with </a:t>
+            </a:r>
+            <a:r>
+              <a:rPr lang="en-US" dirty="0" err="1"/>
+              <a:t>microservice</a:t>
+            </a:r>
+            <a:r>
+              <a:rPr lang="en-US" dirty="0"/>
+              <a:t> architecture, like Sidecar, Chained </a:t>
+            </a:r>
+            <a:r>
+              <a:rPr lang="en-US" dirty="0" err="1"/>
+              <a:t>Microservice</a:t>
+            </a:r>
+            <a:r>
+              <a:rPr lang="en-US" dirty="0"/>
+              <a:t>, Branch </a:t>
+            </a:r>
+            <a:r>
+              <a:rPr lang="en-US" dirty="0" err="1"/>
+              <a:t>Microservice</a:t>
+            </a:r>
+            <a:r>
+              <a:rPr lang="en-US" dirty="0"/>
+              <a:t>, Event Sourcing Pattern, Continuous Delivery Patterns, and more. The list keeps growing as we get more experience with </a:t>
+            </a:r>
+            <a:r>
+              <a:rPr lang="en-US" dirty="0" err="1"/>
+              <a:t>microservices</a:t>
+            </a:r>
+            <a:r>
+              <a:rPr lang="en-US" dirty="0"/>
+              <a:t>. I am stopping now to hear back from you on what </a:t>
+            </a:r>
+            <a:r>
+              <a:rPr lang="en-US" dirty="0" err="1"/>
+              <a:t>microservice</a:t>
+            </a:r>
+            <a:r>
+              <a:rPr lang="en-US" dirty="0"/>
+              <a:t> patterns you are using.</a:t>
             </a:r>
           </a:p>
           <a:p>

--- a/Micro services Design Pattern.pptx
+++ b/Micro services Design Pattern.pptx
@@ -5,7 +5,7 @@
     <p:sldMasterId id="2147483648" r:id="rId1"/>
   </p:sldMasterIdLst>
   <p:notesMasterIdLst>
-    <p:notesMasterId r:id="rId73"/>
+    <p:notesMasterId r:id="rId77"/>
   </p:notesMasterIdLst>
   <p:sldIdLst>
     <p:sldId id="256" r:id="rId2"/>
@@ -78,7 +78,11 @@
     <p:sldId id="278" r:id="rId69"/>
     <p:sldId id="279" r:id="rId70"/>
     <p:sldId id="280" r:id="rId71"/>
-    <p:sldId id="281" r:id="rId72"/>
+    <p:sldId id="328" r:id="rId72"/>
+    <p:sldId id="329" r:id="rId73"/>
+    <p:sldId id="330" r:id="rId74"/>
+    <p:sldId id="331" r:id="rId75"/>
+    <p:sldId id="281" r:id="rId76"/>
   </p:sldIdLst>
   <p:sldSz cx="9144000" cy="6858000" type="screen4x3"/>
   <p:notesSz cx="6858000" cy="9144000"/>
@@ -278,7 +282,7 @@
           <a:p>
             <a:fld id="{9361661B-EA32-4140-B0F1-A19F0F4DBBC8}" type="datetimeFigureOut">
               <a:rPr lang="en-IN" smtClean="0"/>
-              <a:t>01-12-2023</a:t>
+              <a:t>05-12-2023</a:t>
             </a:fld>
             <a:endParaRPr lang="en-IN"/>
           </a:p>
@@ -3044,6 +3048,609 @@
 </p:notes>
 </file>
 
+<file path=ppt/notesSlides/notesSlide28.xml><?xml version="1.0" encoding="utf-8"?>
+<p:notes xmlns:a="http://schemas.openxmlformats.org/drawingml/2006/main" xmlns:r="http://schemas.openxmlformats.org/officeDocument/2006/relationships" xmlns:p="http://schemas.openxmlformats.org/presentationml/2006/main">
+  <p:cSld>
+    <p:spTree>
+      <p:nvGrpSpPr>
+        <p:cNvPr id="1" name=""/>
+        <p:cNvGrpSpPr/>
+        <p:nvPr/>
+      </p:nvGrpSpPr>
+      <p:grpSpPr>
+        <a:xfrm>
+          <a:off x="0" y="0"/>
+          <a:ext cx="0" cy="0"/>
+          <a:chOff x="0" y="0"/>
+          <a:chExt cx="0" cy="0"/>
+        </a:xfrm>
+      </p:grpSpPr>
+      <p:sp>
+        <p:nvSpPr>
+          <p:cNvPr id="2" name="Slide Image Placeholder 1"/>
+          <p:cNvSpPr>
+            <a:spLocks noGrp="1" noRot="1" noChangeAspect="1"/>
+          </p:cNvSpPr>
+          <p:nvPr>
+            <p:ph type="sldImg"/>
+          </p:nvPr>
+        </p:nvSpPr>
+        <p:spPr/>
+      </p:sp>
+      <p:sp>
+        <p:nvSpPr>
+          <p:cNvPr id="3" name="Notes Placeholder 2"/>
+          <p:cNvSpPr>
+            <a:spLocks noGrp="1"/>
+          </p:cNvSpPr>
+          <p:nvPr>
+            <p:ph type="body" idx="1"/>
+          </p:nvPr>
+        </p:nvSpPr>
+        <p:spPr/>
+        <p:txBody>
+          <a:bodyPr/>
+          <a:lstStyle/>
+          <a:p>
+            <a:endParaRPr lang="en-IN" dirty="0"/>
+          </a:p>
+        </p:txBody>
+      </p:sp>
+      <p:sp>
+        <p:nvSpPr>
+          <p:cNvPr id="4" name="Slide Number Placeholder 3"/>
+          <p:cNvSpPr>
+            <a:spLocks noGrp="1"/>
+          </p:cNvSpPr>
+          <p:nvPr>
+            <p:ph type="sldNum" sz="quarter" idx="5"/>
+          </p:nvPr>
+        </p:nvSpPr>
+        <p:spPr/>
+        <p:txBody>
+          <a:bodyPr/>
+          <a:lstStyle/>
+          <a:p>
+            <a:fld id="{9BD7E917-8394-433F-96B5-1F86F1B85784}" type="slidenum">
+              <a:rPr lang="en-IN" smtClean="0"/>
+              <a:t>71</a:t>
+            </a:fld>
+            <a:endParaRPr lang="en-IN"/>
+          </a:p>
+        </p:txBody>
+      </p:sp>
+    </p:spTree>
+    <p:extLst>
+      <p:ext uri="{BB962C8B-B14F-4D97-AF65-F5344CB8AC3E}">
+        <p14:creationId xmlns:p14="http://schemas.microsoft.com/office/powerpoint/2010/main" val="347351311"/>
+      </p:ext>
+    </p:extLst>
+  </p:cSld>
+  <p:clrMapOvr>
+    <a:masterClrMapping/>
+  </p:clrMapOvr>
+</p:notes>
+</file>
+
+<file path=ppt/notesSlides/notesSlide29.xml><?xml version="1.0" encoding="utf-8"?>
+<p:notes xmlns:a="http://schemas.openxmlformats.org/drawingml/2006/main" xmlns:r="http://schemas.openxmlformats.org/officeDocument/2006/relationships" xmlns:p="http://schemas.openxmlformats.org/presentationml/2006/main">
+  <p:cSld>
+    <p:spTree>
+      <p:nvGrpSpPr>
+        <p:cNvPr id="1" name=""/>
+        <p:cNvGrpSpPr/>
+        <p:nvPr/>
+      </p:nvGrpSpPr>
+      <p:grpSpPr>
+        <a:xfrm>
+          <a:off x="0" y="0"/>
+          <a:ext cx="0" cy="0"/>
+          <a:chOff x="0" y="0"/>
+          <a:chExt cx="0" cy="0"/>
+        </a:xfrm>
+      </p:grpSpPr>
+      <p:sp>
+        <p:nvSpPr>
+          <p:cNvPr id="2" name="Slide Image Placeholder 1"/>
+          <p:cNvSpPr>
+            <a:spLocks noGrp="1" noRot="1" noChangeAspect="1"/>
+          </p:cNvSpPr>
+          <p:nvPr>
+            <p:ph type="sldImg"/>
+          </p:nvPr>
+        </p:nvSpPr>
+        <p:spPr/>
+      </p:sp>
+      <p:sp>
+        <p:nvSpPr>
+          <p:cNvPr id="3" name="Notes Placeholder 2"/>
+          <p:cNvSpPr>
+            <a:spLocks noGrp="1"/>
+          </p:cNvSpPr>
+          <p:nvPr>
+            <p:ph type="body" idx="1"/>
+          </p:nvPr>
+        </p:nvSpPr>
+        <p:spPr/>
+        <p:txBody>
+          <a:bodyPr/>
+          <a:lstStyle/>
+          <a:p>
+            <a:pPr algn="l" fontAlgn="base"/>
+            <a:r>
+              <a:rPr lang="en-US" b="1" i="0" dirty="0">
+                <a:solidFill>
+                  <a:srgbClr val="3A3A3A"/>
+                </a:solidFill>
+                <a:effectLst/>
+                <a:latin typeface="Catamaran-SemiBold"/>
+              </a:rPr>
+              <a:t>Product Service</a:t>
+            </a:r>
+            <a:endParaRPr lang="en-US" b="0" i="0" dirty="0">
+              <a:solidFill>
+                <a:srgbClr val="3A3A3A"/>
+              </a:solidFill>
+              <a:effectLst/>
+              <a:latin typeface="Catamaran-Regular"/>
+            </a:endParaRPr>
+          </a:p>
+          <a:p>
+            <a:pPr algn="l" fontAlgn="base"/>
+            <a:r>
+              <a:rPr lang="en-US" b="0" i="0" dirty="0">
+                <a:solidFill>
+                  <a:srgbClr val="212121"/>
+                </a:solidFill>
+                <a:effectLst/>
+                <a:latin typeface="Catamaran-Regular"/>
+              </a:rPr>
+              <a:t>Product service is responsible for providing list of products based on the user search criteria. It is one of the core services which should be up &amp; responsive even under critical load. If it is down, it will have a severe impact on the revenue. Since this service depends on rating-service, we do not want any network issues or rating-service unavailability affect this product-service. This is where </a:t>
+            </a:r>
+            <a:r>
+              <a:rPr lang="en-US" b="1" i="1" dirty="0">
+                <a:solidFill>
+                  <a:srgbClr val="212121"/>
+                </a:solidFill>
+                <a:effectLst/>
+                <a:latin typeface="Catamaran-SemiBold"/>
+              </a:rPr>
+              <a:t>resilience4j</a:t>
+            </a:r>
+            <a:r>
+              <a:rPr lang="en-US" b="0" i="0" dirty="0">
+                <a:solidFill>
+                  <a:srgbClr val="212121"/>
+                </a:solidFill>
+                <a:effectLst/>
+                <a:latin typeface="Catamaran-Regular"/>
+              </a:rPr>
+              <a:t> library comes into picture.</a:t>
+            </a:r>
+          </a:p>
+          <a:p>
+            <a:pPr algn="l" fontAlgn="base">
+              <a:buFont typeface="Arial" panose="020B0604020202020204" pitchFamily="34" charset="0"/>
+              <a:buChar char="•"/>
+            </a:pPr>
+            <a:r>
+              <a:rPr lang="en-US" b="0" i="0" dirty="0">
+                <a:solidFill>
+                  <a:srgbClr val="212121"/>
+                </a:solidFill>
+                <a:effectLst/>
+                <a:latin typeface="Catamaran-Regular"/>
+              </a:rPr>
+              <a:t>Configuration</a:t>
+            </a:r>
+          </a:p>
+          <a:p>
+            <a:pPr marL="742950" lvl="1" indent="-285750" algn="l" fontAlgn="base">
+              <a:buFont typeface="Arial" panose="020B0604020202020204" pitchFamily="34" charset="0"/>
+              <a:buChar char="•"/>
+            </a:pPr>
+            <a:r>
+              <a:rPr lang="en-US" b="0" i="0" dirty="0">
+                <a:solidFill>
+                  <a:srgbClr val="212121"/>
+                </a:solidFill>
+                <a:effectLst/>
+                <a:latin typeface="Catamaran-Regular"/>
+              </a:rPr>
+              <a:t>I first create a configuration for </a:t>
+            </a:r>
+            <a:r>
+              <a:rPr lang="en-US" b="1" i="1" dirty="0">
+                <a:solidFill>
+                  <a:srgbClr val="212121"/>
+                </a:solidFill>
+                <a:effectLst/>
+                <a:latin typeface="Catamaran-SemiBold"/>
+              </a:rPr>
+              <a:t>resilience4j</a:t>
+            </a:r>
+            <a:r>
+              <a:rPr lang="en-US" b="0" i="0" dirty="0">
+                <a:solidFill>
+                  <a:srgbClr val="212121"/>
+                </a:solidFill>
+                <a:effectLst/>
+                <a:latin typeface="Catamaran-Regular"/>
+              </a:rPr>
+              <a:t> as shown below.</a:t>
+            </a:r>
+          </a:p>
+          <a:p>
+            <a:pPr marL="742950" lvl="1" indent="-285750" algn="l" fontAlgn="base">
+              <a:buFont typeface="Arial" panose="020B0604020202020204" pitchFamily="34" charset="0"/>
+              <a:buChar char="•"/>
+            </a:pPr>
+            <a:r>
+              <a:rPr lang="en-US" b="0" i="0" dirty="0">
+                <a:solidFill>
+                  <a:srgbClr val="212121"/>
+                </a:solidFill>
+                <a:effectLst/>
+                <a:latin typeface="Catamaran-Regular"/>
+              </a:rPr>
+              <a:t>We can have multiple service configuration as shown below.</a:t>
+            </a:r>
+          </a:p>
+          <a:p>
+            <a:pPr marL="742950" lvl="1" indent="-285750" algn="l" fontAlgn="base">
+              <a:buFont typeface="Arial" panose="020B0604020202020204" pitchFamily="34" charset="0"/>
+              <a:buChar char="•"/>
+            </a:pPr>
+            <a:r>
+              <a:rPr lang="en-US" b="0" i="0" dirty="0">
+                <a:solidFill>
+                  <a:srgbClr val="212121"/>
+                </a:solidFill>
+                <a:effectLst/>
+                <a:latin typeface="Catamaran-Regular"/>
+              </a:rPr>
+              <a:t>I use the </a:t>
+            </a:r>
+            <a:r>
+              <a:rPr lang="en-US" b="1" i="1" dirty="0">
+                <a:solidFill>
+                  <a:srgbClr val="212121"/>
+                </a:solidFill>
+                <a:effectLst/>
+                <a:latin typeface="Catamaran-SemiBold"/>
+              </a:rPr>
+              <a:t>COUNT_BASED</a:t>
+            </a:r>
+            <a:r>
+              <a:rPr lang="en-US" b="0" i="0" dirty="0">
+                <a:solidFill>
+                  <a:srgbClr val="212121"/>
+                </a:solidFill>
+                <a:effectLst/>
+                <a:latin typeface="Catamaran-Regular"/>
+              </a:rPr>
+              <a:t> sliding window in which we track the given number of requests.</a:t>
+            </a:r>
+          </a:p>
+          <a:p>
+            <a:pPr marL="742950" lvl="1" indent="-285750" algn="l" fontAlgn="base">
+              <a:buFont typeface="Arial" panose="020B0604020202020204" pitchFamily="34" charset="0"/>
+              <a:buChar char="•"/>
+            </a:pPr>
+            <a:r>
+              <a:rPr lang="en-US" b="1" i="1" dirty="0" err="1">
+                <a:solidFill>
+                  <a:srgbClr val="212121"/>
+                </a:solidFill>
+                <a:effectLst/>
+                <a:latin typeface="Catamaran-SemiBold"/>
+              </a:rPr>
+              <a:t>failureRateThreshold</a:t>
+            </a:r>
+            <a:r>
+              <a:rPr lang="en-US" b="1" i="1" dirty="0">
+                <a:solidFill>
+                  <a:srgbClr val="212121"/>
+                </a:solidFill>
+                <a:effectLst/>
+                <a:latin typeface="Catamaran-SemiBold"/>
+              </a:rPr>
+              <a:t>:</a:t>
+            </a:r>
+            <a:r>
+              <a:rPr lang="en-US" b="0" i="0" dirty="0">
+                <a:solidFill>
+                  <a:srgbClr val="212121"/>
+                </a:solidFill>
+                <a:effectLst/>
+                <a:latin typeface="Catamaran-Regular"/>
+              </a:rPr>
+              <a:t> I also set the failure threshold as 60 which means if the 60 requests are failing in the 100 requests, keep the circuit breaker in </a:t>
+            </a:r>
+            <a:r>
+              <a:rPr lang="en-US" b="1" i="1" dirty="0">
+                <a:solidFill>
+                  <a:srgbClr val="212121"/>
+                </a:solidFill>
+                <a:effectLst/>
+                <a:latin typeface="Catamaran-SemiBold"/>
+              </a:rPr>
+              <a:t>CLOSED</a:t>
+            </a:r>
+            <a:r>
+              <a:rPr lang="en-US" b="0" i="0" dirty="0">
+                <a:solidFill>
+                  <a:srgbClr val="212121"/>
+                </a:solidFill>
+                <a:effectLst/>
+                <a:latin typeface="Catamaran-Regular"/>
+              </a:rPr>
+              <a:t> state.</a:t>
+            </a:r>
+          </a:p>
+          <a:p>
+            <a:pPr marL="742950" lvl="1" indent="-285750" algn="l" fontAlgn="base">
+              <a:buFont typeface="Arial" panose="020B0604020202020204" pitchFamily="34" charset="0"/>
+              <a:buChar char="•"/>
+            </a:pPr>
+            <a:r>
+              <a:rPr lang="en-US" b="1" i="1" dirty="0" err="1">
+                <a:solidFill>
+                  <a:srgbClr val="212121"/>
+                </a:solidFill>
+                <a:effectLst/>
+                <a:latin typeface="Catamaran-SemiBold"/>
+              </a:rPr>
+              <a:t>waitDurationInOpenState</a:t>
+            </a:r>
+            <a:r>
+              <a:rPr lang="en-US" b="0" i="0" dirty="0">
+                <a:solidFill>
+                  <a:srgbClr val="212121"/>
+                </a:solidFill>
+                <a:effectLst/>
+                <a:latin typeface="Catamaran-Regular"/>
+              </a:rPr>
+              <a:t>: When the Circuit breaker is in OPEN state, wait for 10 seconds before sending any more requests to rating service.</a:t>
+            </a:r>
+          </a:p>
+          <a:p>
+            <a:pPr marL="742950" lvl="1" indent="-285750" algn="l" fontAlgn="base">
+              <a:buFont typeface="Arial" panose="020B0604020202020204" pitchFamily="34" charset="0"/>
+              <a:buChar char="•"/>
+            </a:pPr>
+            <a:r>
+              <a:rPr lang="en-US" b="0" i="0" dirty="0">
+                <a:solidFill>
+                  <a:srgbClr val="212121"/>
+                </a:solidFill>
+                <a:effectLst/>
+                <a:latin typeface="Catamaran-Regular"/>
+              </a:rPr>
+              <a:t>You can have default configuration and use that for all the services, override values for specific services as shown below.</a:t>
+            </a:r>
+          </a:p>
+          <a:p>
+            <a:endParaRPr lang="en-IN" dirty="0"/>
+          </a:p>
+          <a:p>
+            <a:endParaRPr lang="en-IN" dirty="0"/>
+          </a:p>
+          <a:p>
+            <a:pPr algn="l" fontAlgn="base">
+              <a:buFont typeface="Arial" panose="020B0604020202020204" pitchFamily="34" charset="0"/>
+              <a:buChar char="•"/>
+            </a:pPr>
+            <a:r>
+              <a:rPr lang="en-US" b="0" i="0" dirty="0">
+                <a:solidFill>
+                  <a:srgbClr val="212121"/>
+                </a:solidFill>
+                <a:effectLst/>
+                <a:latin typeface="Catamaran-Regular"/>
+              </a:rPr>
+              <a:t>This product-service acts as a client for the rating-service.</a:t>
+            </a:r>
+          </a:p>
+          <a:p>
+            <a:pPr marL="742950" lvl="1" indent="-285750" algn="l" fontAlgn="base">
+              <a:buFont typeface="Arial" panose="020B0604020202020204" pitchFamily="34" charset="0"/>
+              <a:buChar char="•"/>
+            </a:pPr>
+            <a:r>
+              <a:rPr lang="en-US" b="1" i="1" dirty="0">
+                <a:solidFill>
+                  <a:srgbClr val="212121"/>
+                </a:solidFill>
+                <a:effectLst/>
+                <a:latin typeface="Catamaran-SemiBold"/>
+              </a:rPr>
+              <a:t>@CircuitBreaker</a:t>
+            </a:r>
+            <a:r>
+              <a:rPr lang="en-US" b="0" i="0" dirty="0">
+                <a:solidFill>
+                  <a:srgbClr val="212121"/>
+                </a:solidFill>
+                <a:effectLst/>
+                <a:latin typeface="Catamaran-Regular"/>
+              </a:rPr>
+              <a:t> indicates that resilience4j will apply circuit breaker logic for this method execution.</a:t>
+            </a:r>
+          </a:p>
+          <a:p>
+            <a:pPr marL="742950" lvl="1" indent="-285750" algn="l" fontAlgn="base">
+              <a:buFont typeface="Arial" panose="020B0604020202020204" pitchFamily="34" charset="0"/>
+              <a:buChar char="•"/>
+            </a:pPr>
+            <a:r>
+              <a:rPr lang="en-US" b="1" i="1" dirty="0">
+                <a:solidFill>
+                  <a:srgbClr val="212121"/>
+                </a:solidFill>
+                <a:effectLst/>
+                <a:latin typeface="Catamaran-SemiBold"/>
+              </a:rPr>
+              <a:t>name=</a:t>
+            </a:r>
+            <a:r>
+              <a:rPr lang="en-US" b="1" i="1" dirty="0" err="1">
+                <a:solidFill>
+                  <a:srgbClr val="212121"/>
+                </a:solidFill>
+                <a:effectLst/>
+                <a:latin typeface="Catamaran-SemiBold"/>
+              </a:rPr>
+              <a:t>ratingService</a:t>
+            </a:r>
+            <a:r>
+              <a:rPr lang="en-US" b="1" i="1" dirty="0">
+                <a:solidFill>
+                  <a:srgbClr val="212121"/>
+                </a:solidFill>
+                <a:effectLst/>
+                <a:latin typeface="Catamaran-SemiBold"/>
+              </a:rPr>
+              <a:t> </a:t>
+            </a:r>
+            <a:r>
+              <a:rPr lang="en-US" b="0" i="0" dirty="0">
+                <a:solidFill>
+                  <a:srgbClr val="212121"/>
+                </a:solidFill>
+                <a:effectLst/>
+                <a:latin typeface="Catamaran-Regular"/>
+              </a:rPr>
+              <a:t>indicates that </a:t>
+            </a:r>
+            <a:r>
+              <a:rPr lang="en-US" b="1" i="1" dirty="0">
+                <a:solidFill>
+                  <a:srgbClr val="212121"/>
+                </a:solidFill>
+                <a:effectLst/>
+                <a:latin typeface="Catamaran-SemiBold"/>
+              </a:rPr>
+              <a:t>resilience4j</a:t>
+            </a:r>
+            <a:r>
+              <a:rPr lang="en-US" b="0" i="0" dirty="0">
+                <a:solidFill>
+                  <a:srgbClr val="212121"/>
+                </a:solidFill>
+                <a:effectLst/>
+                <a:latin typeface="Catamaran-Regular"/>
+              </a:rPr>
+              <a:t> will use the configuration for </a:t>
+            </a:r>
+            <a:r>
+              <a:rPr lang="en-US" b="1" i="1" dirty="0" err="1">
+                <a:solidFill>
+                  <a:srgbClr val="212121"/>
+                </a:solidFill>
+                <a:effectLst/>
+                <a:latin typeface="Catamaran-SemiBold"/>
+              </a:rPr>
+              <a:t>ratingService</a:t>
+            </a:r>
+            <a:r>
+              <a:rPr lang="en-US" b="0" i="0" dirty="0">
+                <a:solidFill>
+                  <a:srgbClr val="212121"/>
+                </a:solidFill>
+                <a:effectLst/>
+                <a:latin typeface="Catamaran-Regular"/>
+              </a:rPr>
+              <a:t> in the </a:t>
+            </a:r>
+            <a:r>
+              <a:rPr lang="en-US" b="0" i="0" dirty="0" err="1">
+                <a:solidFill>
+                  <a:srgbClr val="212121"/>
+                </a:solidFill>
+                <a:effectLst/>
+                <a:latin typeface="Catamaran-Regular"/>
+              </a:rPr>
+              <a:t>yaml</a:t>
+            </a:r>
+            <a:r>
+              <a:rPr lang="en-US" b="0" i="0" dirty="0">
+                <a:solidFill>
+                  <a:srgbClr val="212121"/>
+                </a:solidFill>
+                <a:effectLst/>
+                <a:latin typeface="Catamaran-Regular"/>
+              </a:rPr>
+              <a:t>.</a:t>
+            </a:r>
+          </a:p>
+          <a:p>
+            <a:pPr marL="742950" lvl="1" indent="-285750" algn="l" fontAlgn="base">
+              <a:buFont typeface="Arial" panose="020B0604020202020204" pitchFamily="34" charset="0"/>
+              <a:buChar char="•"/>
+            </a:pPr>
+            <a:r>
+              <a:rPr lang="en-US" b="1" i="1" dirty="0" err="1">
+                <a:solidFill>
+                  <a:srgbClr val="212121"/>
+                </a:solidFill>
+                <a:effectLst/>
+                <a:latin typeface="Catamaran-SemiBold"/>
+              </a:rPr>
+              <a:t>fallbackMethod</a:t>
+            </a:r>
+            <a:r>
+              <a:rPr lang="en-US" b="0" i="0" dirty="0">
+                <a:solidFill>
+                  <a:srgbClr val="212121"/>
+                </a:solidFill>
+                <a:effectLst/>
+                <a:latin typeface="Catamaran-Regular"/>
+              </a:rPr>
+              <a:t> is used when the main method fails for some reason</a:t>
+            </a:r>
+          </a:p>
+          <a:p>
+            <a:endParaRPr lang="en-IN" dirty="0"/>
+          </a:p>
+        </p:txBody>
+      </p:sp>
+      <p:sp>
+        <p:nvSpPr>
+          <p:cNvPr id="4" name="Slide Number Placeholder 3"/>
+          <p:cNvSpPr>
+            <a:spLocks noGrp="1"/>
+          </p:cNvSpPr>
+          <p:nvPr>
+            <p:ph type="sldNum" sz="quarter" idx="5"/>
+          </p:nvPr>
+        </p:nvSpPr>
+        <p:spPr/>
+        <p:txBody>
+          <a:bodyPr/>
+          <a:lstStyle/>
+          <a:p>
+            <a:fld id="{9BD7E917-8394-433F-96B5-1F86F1B85784}" type="slidenum">
+              <a:rPr lang="en-IN" smtClean="0"/>
+              <a:t>74</a:t>
+            </a:fld>
+            <a:endParaRPr lang="en-IN"/>
+          </a:p>
+        </p:txBody>
+      </p:sp>
+    </p:spTree>
+    <p:extLst>
+      <p:ext uri="{BB962C8B-B14F-4D97-AF65-F5344CB8AC3E}">
+        <p14:creationId xmlns:p14="http://schemas.microsoft.com/office/powerpoint/2010/main" val="1500869169"/>
+      </p:ext>
+    </p:extLst>
+  </p:cSld>
+  <p:clrMapOvr>
+    <a:masterClrMapping/>
+  </p:clrMapOvr>
+</p:notes>
+</file>
+
 <file path=ppt/notesSlides/notesSlide3.xml><?xml version="1.0" encoding="utf-8"?>
 <p:notes xmlns:a="http://schemas.openxmlformats.org/drawingml/2006/main" xmlns:r="http://schemas.openxmlformats.org/officeDocument/2006/relationships" xmlns:p="http://schemas.openxmlformats.org/presentationml/2006/main">
   <p:cSld>
@@ -5629,7 +6236,7 @@
           <a:p>
             <a:fld id="{30A3986D-CCD2-4D39-883A-01078D9363A9}" type="datetimeFigureOut">
               <a:rPr lang="en-US" smtClean="0"/>
-              <a:t>12/1/2023</a:t>
+              <a:t>12/5/2023</a:t>
             </a:fld>
             <a:endParaRPr lang="en-US"/>
           </a:p>
@@ -5792,7 +6399,7 @@
           <a:p>
             <a:fld id="{30A3986D-CCD2-4D39-883A-01078D9363A9}" type="datetimeFigureOut">
               <a:rPr lang="en-US" smtClean="0"/>
-              <a:t>12/1/2023</a:t>
+              <a:t>12/5/2023</a:t>
             </a:fld>
             <a:endParaRPr lang="en-US"/>
           </a:p>
@@ -5965,7 +6572,7 @@
           <a:p>
             <a:fld id="{30A3986D-CCD2-4D39-883A-01078D9363A9}" type="datetimeFigureOut">
               <a:rPr lang="en-US" smtClean="0"/>
-              <a:t>12/1/2023</a:t>
+              <a:t>12/5/2023</a:t>
             </a:fld>
             <a:endParaRPr lang="en-US"/>
           </a:p>
@@ -6128,7 +6735,7 @@
           <a:p>
             <a:fld id="{30A3986D-CCD2-4D39-883A-01078D9363A9}" type="datetimeFigureOut">
               <a:rPr lang="en-US" smtClean="0"/>
-              <a:t>12/1/2023</a:t>
+              <a:t>12/5/2023</a:t>
             </a:fld>
             <a:endParaRPr lang="en-US"/>
           </a:p>
@@ -6368,7 +6975,7 @@
           <a:p>
             <a:fld id="{30A3986D-CCD2-4D39-883A-01078D9363A9}" type="datetimeFigureOut">
               <a:rPr lang="en-US" smtClean="0"/>
-              <a:t>12/1/2023</a:t>
+              <a:t>12/5/2023</a:t>
             </a:fld>
             <a:endParaRPr lang="en-US"/>
           </a:p>
@@ -6648,7 +7255,7 @@
           <a:p>
             <a:fld id="{30A3986D-CCD2-4D39-883A-01078D9363A9}" type="datetimeFigureOut">
               <a:rPr lang="en-US" smtClean="0"/>
-              <a:t>12/1/2023</a:t>
+              <a:t>12/5/2023</a:t>
             </a:fld>
             <a:endParaRPr lang="en-US"/>
           </a:p>
@@ -7062,7 +7669,7 @@
           <a:p>
             <a:fld id="{30A3986D-CCD2-4D39-883A-01078D9363A9}" type="datetimeFigureOut">
               <a:rPr lang="en-US" smtClean="0"/>
-              <a:t>12/1/2023</a:t>
+              <a:t>12/5/2023</a:t>
             </a:fld>
             <a:endParaRPr lang="en-US"/>
           </a:p>
@@ -7174,7 +7781,7 @@
           <a:p>
             <a:fld id="{30A3986D-CCD2-4D39-883A-01078D9363A9}" type="datetimeFigureOut">
               <a:rPr lang="en-US" smtClean="0"/>
-              <a:t>12/1/2023</a:t>
+              <a:t>12/5/2023</a:t>
             </a:fld>
             <a:endParaRPr lang="en-US"/>
           </a:p>
@@ -7264,7 +7871,7 @@
           <a:p>
             <a:fld id="{30A3986D-CCD2-4D39-883A-01078D9363A9}" type="datetimeFigureOut">
               <a:rPr lang="en-US" smtClean="0"/>
-              <a:t>12/1/2023</a:t>
+              <a:t>12/5/2023</a:t>
             </a:fld>
             <a:endParaRPr lang="en-US"/>
           </a:p>
@@ -7534,7 +8141,7 @@
           <a:p>
             <a:fld id="{30A3986D-CCD2-4D39-883A-01078D9363A9}" type="datetimeFigureOut">
               <a:rPr lang="en-US" smtClean="0"/>
-              <a:t>12/1/2023</a:t>
+              <a:t>12/5/2023</a:t>
             </a:fld>
             <a:endParaRPr lang="en-US"/>
           </a:p>
@@ -7781,7 +8388,7 @@
           <a:p>
             <a:fld id="{30A3986D-CCD2-4D39-883A-01078D9363A9}" type="datetimeFigureOut">
               <a:rPr lang="en-US" smtClean="0"/>
-              <a:t>12/1/2023</a:t>
+              <a:t>12/5/2023</a:t>
             </a:fld>
             <a:endParaRPr lang="en-US"/>
           </a:p>
@@ -7987,7 +8594,7 @@
           <a:p>
             <a:fld id="{30A3986D-CCD2-4D39-883A-01078D9363A9}" type="datetimeFigureOut">
               <a:rPr lang="en-US" smtClean="0"/>
-              <a:t>12/1/2023</a:t>
+              <a:t>12/5/2023</a:t>
             </a:fld>
             <a:endParaRPr lang="en-US"/>
           </a:p>
@@ -22669,6 +23276,1749 @@
 </file>
 
 <file path=ppt/slides/slide71.xml><?xml version="1.0" encoding="utf-8"?>
+<p:sld xmlns:a="http://schemas.openxmlformats.org/drawingml/2006/main" xmlns:r="http://schemas.openxmlformats.org/officeDocument/2006/relationships" xmlns:p="http://schemas.openxmlformats.org/presentationml/2006/main">
+  <p:cSld>
+    <p:spTree>
+      <p:nvGrpSpPr>
+        <p:cNvPr id="1" name=""/>
+        <p:cNvGrpSpPr/>
+        <p:nvPr/>
+      </p:nvGrpSpPr>
+      <p:grpSpPr>
+        <a:xfrm>
+          <a:off x="0" y="0"/>
+          <a:ext cx="0" cy="0"/>
+          <a:chOff x="0" y="0"/>
+          <a:chExt cx="0" cy="0"/>
+        </a:xfrm>
+      </p:grpSpPr>
+      <p:sp>
+        <p:nvSpPr>
+          <p:cNvPr id="2" name="Title 1"/>
+          <p:cNvSpPr>
+            <a:spLocks noGrp="1"/>
+          </p:cNvSpPr>
+          <p:nvPr>
+            <p:ph type="title"/>
+          </p:nvPr>
+        </p:nvSpPr>
+        <p:spPr/>
+        <p:txBody>
+          <a:bodyPr>
+            <a:normAutofit fontScale="90000"/>
+          </a:bodyPr>
+          <a:lstStyle/>
+          <a:p>
+            <a:r>
+              <a:rPr lang="en-US" b="1" dirty="0"/>
+              <a:t>Circuit Breaker Pattern</a:t>
+            </a:r>
+            <a:br>
+              <a:rPr lang="en-US" b="1" dirty="0"/>
+            </a:br>
+            <a:endParaRPr lang="en-US" dirty="0"/>
+          </a:p>
+        </p:txBody>
+      </p:sp>
+      <p:sp>
+        <p:nvSpPr>
+          <p:cNvPr id="3" name="Content Placeholder 2"/>
+          <p:cNvSpPr>
+            <a:spLocks noGrp="1"/>
+          </p:cNvSpPr>
+          <p:nvPr>
+            <p:ph idx="1"/>
+          </p:nvPr>
+        </p:nvSpPr>
+        <p:spPr/>
+        <p:txBody>
+          <a:bodyPr>
+            <a:noAutofit/>
+          </a:bodyPr>
+          <a:lstStyle/>
+          <a:p>
+            <a:r>
+              <a:rPr lang="en-US" sz="1400" b="1" i="1" dirty="0">
+                <a:solidFill>
+                  <a:srgbClr val="212121"/>
+                </a:solidFill>
+                <a:effectLst/>
+              </a:rPr>
+              <a:t>Circuit Breaker Pattern, </a:t>
+            </a:r>
+            <a:r>
+              <a:rPr lang="en-US" sz="1400" b="0" i="0" dirty="0">
+                <a:solidFill>
+                  <a:srgbClr val="212121"/>
+                </a:solidFill>
+                <a:effectLst/>
+              </a:rPr>
+              <a:t>one of the</a:t>
+            </a:r>
+            <a:r>
+              <a:rPr lang="en-US" sz="1400" b="1" i="1" dirty="0">
+                <a:solidFill>
+                  <a:srgbClr val="212121"/>
+                </a:solidFill>
+                <a:effectLst/>
+              </a:rPr>
+              <a:t> Microservice Design Patterns </a:t>
+            </a:r>
+            <a:r>
+              <a:rPr lang="en-US" sz="1400" b="0" i="0" dirty="0">
+                <a:solidFill>
+                  <a:srgbClr val="212121"/>
+                </a:solidFill>
+                <a:effectLst/>
+              </a:rPr>
+              <a:t>for designing highly resilient Microservices using a library called </a:t>
+            </a:r>
+            <a:r>
+              <a:rPr lang="en-US" sz="1400" b="1" i="1" dirty="0">
+                <a:solidFill>
+                  <a:srgbClr val="212121"/>
+                </a:solidFill>
+                <a:effectLst/>
+              </a:rPr>
+              <a:t>resilience4j</a:t>
+            </a:r>
+            <a:r>
+              <a:rPr lang="en-US" sz="1400" b="0" i="0" dirty="0">
+                <a:solidFill>
+                  <a:srgbClr val="212121"/>
+                </a:solidFill>
+                <a:effectLst/>
+              </a:rPr>
+              <a:t> along with </a:t>
+            </a:r>
+            <a:r>
+              <a:rPr lang="en-US" sz="1400" b="1" i="1" dirty="0">
+                <a:solidFill>
+                  <a:srgbClr val="212121"/>
+                </a:solidFill>
+                <a:effectLst/>
+              </a:rPr>
+              <a:t>Spring Boot</a:t>
+            </a:r>
+            <a:r>
+              <a:rPr lang="en-US" sz="1400" b="0" i="0" dirty="0">
+                <a:solidFill>
+                  <a:srgbClr val="212121"/>
+                </a:solidFill>
+                <a:effectLst/>
+              </a:rPr>
+              <a:t>.</a:t>
+            </a:r>
+          </a:p>
+          <a:p>
+            <a:r>
+              <a:rPr lang="en-IN" sz="1400" b="1" i="0" dirty="0">
+                <a:solidFill>
+                  <a:srgbClr val="3A3A3A"/>
+                </a:solidFill>
+                <a:effectLst/>
+              </a:rPr>
+              <a:t>Need For Resiliency</a:t>
+            </a:r>
+            <a:endParaRPr lang="en-IN" sz="1400" b="0" i="0" dirty="0">
+              <a:solidFill>
+                <a:srgbClr val="3A3A3A"/>
+              </a:solidFill>
+              <a:effectLst/>
+            </a:endParaRPr>
+          </a:p>
+          <a:p>
+            <a:pPr lvl="1" fontAlgn="base">
+              <a:buFont typeface="Arial" panose="020B0604020202020204" pitchFamily="34" charset="0"/>
+              <a:buChar char="•"/>
+            </a:pPr>
+            <a:r>
+              <a:rPr lang="en-US" sz="1400" b="0" i="0" dirty="0">
+                <a:solidFill>
+                  <a:srgbClr val="212121"/>
+                </a:solidFill>
+                <a:effectLst/>
+              </a:rPr>
+              <a:t>Microservices are distributed in nature. When you work with distributed systems, always remember this number one rule – </a:t>
+            </a:r>
+            <a:r>
+              <a:rPr lang="en-US" sz="1400" b="1" i="1" dirty="0">
+                <a:solidFill>
+                  <a:srgbClr val="212121"/>
+                </a:solidFill>
+                <a:effectLst/>
+              </a:rPr>
+              <a:t>anything could happen</a:t>
+            </a:r>
+            <a:r>
+              <a:rPr lang="en-US" sz="1400" b="0" i="0" dirty="0">
+                <a:solidFill>
+                  <a:srgbClr val="212121"/>
+                </a:solidFill>
+                <a:effectLst/>
+              </a:rPr>
+              <a:t>. We might be dealing with network issues, service unavailability, application slowness etc. An issue with one system might affect another system behavior/performance. Dealing with any such unexpected failures/network issues could be difficult to solve.</a:t>
+            </a:r>
+          </a:p>
+          <a:p>
+            <a:pPr lvl="1" fontAlgn="base">
+              <a:buFont typeface="Arial" panose="020B0604020202020204" pitchFamily="34" charset="0"/>
+              <a:buChar char="•"/>
+            </a:pPr>
+            <a:r>
+              <a:rPr lang="en-US" sz="1400" b="0" i="0" dirty="0">
+                <a:solidFill>
+                  <a:srgbClr val="212121"/>
+                </a:solidFill>
+                <a:effectLst/>
+              </a:rPr>
+              <a:t>Ability of the system to recover from such failures and remain functional makes the system more </a:t>
+            </a:r>
+            <a:r>
+              <a:rPr lang="en-US" sz="1400" b="1" i="1" dirty="0">
+                <a:solidFill>
+                  <a:srgbClr val="212121"/>
+                </a:solidFill>
+                <a:effectLst/>
+              </a:rPr>
+              <a:t>resilient</a:t>
+            </a:r>
+            <a:r>
+              <a:rPr lang="en-US" sz="1400" b="0" i="0" dirty="0">
+                <a:solidFill>
+                  <a:srgbClr val="212121"/>
+                </a:solidFill>
+                <a:effectLst/>
+              </a:rPr>
+              <a:t>. It also avoids any cascading failures to the downstream services.</a:t>
+            </a:r>
+          </a:p>
+          <a:p>
+            <a:r>
+              <a:rPr lang="en-IN" sz="1400" b="1" i="0" dirty="0">
+                <a:solidFill>
+                  <a:srgbClr val="3A3A3A"/>
+                </a:solidFill>
+                <a:effectLst/>
+              </a:rPr>
+              <a:t>Circuit Breaker Pattern</a:t>
+            </a:r>
+            <a:endParaRPr lang="en-IN" sz="1400" b="0" i="0" dirty="0">
+              <a:solidFill>
+                <a:srgbClr val="3A3A3A"/>
+              </a:solidFill>
+              <a:effectLst/>
+            </a:endParaRPr>
+          </a:p>
+          <a:p>
+            <a:pPr lvl="1" fontAlgn="base">
+              <a:buFont typeface="Arial" panose="020B0604020202020204" pitchFamily="34" charset="0"/>
+              <a:buChar char="•"/>
+            </a:pPr>
+            <a:r>
+              <a:rPr lang="en-US" sz="1400" b="0" i="0" dirty="0">
+                <a:solidFill>
+                  <a:srgbClr val="212121"/>
+                </a:solidFill>
+                <a:effectLst/>
+              </a:rPr>
+              <a:t>In Microservice architecture, when there are multiple services (A, B, C &amp; D), one service (A) might depend on the other service (B) which in turn might depend on C and so on. Sometimes due to some issue, Service D might not respond as expected. Service D might have thrown some exception like </a:t>
+            </a:r>
+            <a:r>
+              <a:rPr lang="en-US" sz="1400" b="1" i="1" dirty="0" err="1">
+                <a:solidFill>
+                  <a:srgbClr val="212121"/>
+                </a:solidFill>
+                <a:effectLst/>
+              </a:rPr>
+              <a:t>OutOfMemory</a:t>
+            </a:r>
+            <a:r>
+              <a:rPr lang="en-US" sz="1400" b="0" i="1" dirty="0">
+                <a:solidFill>
+                  <a:srgbClr val="212121"/>
+                </a:solidFill>
+                <a:effectLst/>
+              </a:rPr>
+              <a:t> </a:t>
+            </a:r>
+            <a:r>
+              <a:rPr lang="en-US" sz="1400" b="1" i="1" dirty="0">
+                <a:solidFill>
+                  <a:srgbClr val="212121"/>
+                </a:solidFill>
+                <a:effectLst/>
+              </a:rPr>
+              <a:t>Error</a:t>
+            </a:r>
+            <a:r>
+              <a:rPr lang="en-US" sz="1400" b="0" i="0" dirty="0">
+                <a:solidFill>
+                  <a:srgbClr val="212121"/>
+                </a:solidFill>
+                <a:effectLst/>
+              </a:rPr>
+              <a:t> or </a:t>
+            </a:r>
+            <a:r>
+              <a:rPr lang="en-US" sz="1400" b="1" i="1" dirty="0">
+                <a:solidFill>
+                  <a:srgbClr val="212121"/>
+                </a:solidFill>
+                <a:effectLst/>
+              </a:rPr>
+              <a:t>Internal Server Error. </a:t>
+            </a:r>
+            <a:r>
+              <a:rPr lang="en-US" sz="1400" b="0" i="0" dirty="0">
+                <a:solidFill>
+                  <a:srgbClr val="212121"/>
+                </a:solidFill>
+                <a:effectLst/>
+              </a:rPr>
+              <a:t>Such exceptions are cascaded to the downstream services which might result in poor user experience as shown below.</a:t>
+            </a:r>
+          </a:p>
+          <a:p>
+            <a:pPr marL="0" indent="0">
+              <a:buNone/>
+            </a:pPr>
+            <a:endParaRPr lang="en-US" sz="1400" b="0" i="0" dirty="0">
+              <a:solidFill>
+                <a:srgbClr val="212121"/>
+              </a:solidFill>
+              <a:effectLst/>
+            </a:endParaRPr>
+          </a:p>
+          <a:p>
+            <a:pPr marL="0" indent="0">
+              <a:buNone/>
+            </a:pPr>
+            <a:endParaRPr lang="en-US" sz="1400" b="0" i="0" dirty="0">
+              <a:solidFill>
+                <a:srgbClr val="212121"/>
+              </a:solidFill>
+              <a:effectLst/>
+            </a:endParaRPr>
+          </a:p>
+          <a:p>
+            <a:pPr marL="0" indent="0">
+              <a:buNone/>
+            </a:pPr>
+            <a:endParaRPr lang="en-US" sz="1400" dirty="0">
+              <a:solidFill>
+                <a:srgbClr val="212121"/>
+              </a:solidFill>
+            </a:endParaRPr>
+          </a:p>
+          <a:p>
+            <a:pPr marL="0" indent="0">
+              <a:buNone/>
+            </a:pPr>
+            <a:r>
+              <a:rPr lang="en-US" sz="1400" b="0" i="0" dirty="0">
+                <a:solidFill>
+                  <a:srgbClr val="212121"/>
+                </a:solidFill>
+                <a:effectLst/>
+              </a:rPr>
+              <a:t>We have Retry Pattern in which we could retry couple of times until we get the proper response. The problem with this retry approach is – if it was an intermittent network issue, then it makes sense in retrying! What if it was an app issue?</a:t>
+            </a:r>
+            <a:br>
+              <a:rPr lang="en-US" sz="1400" dirty="0"/>
+            </a:br>
+            <a:endParaRPr lang="en-US" sz="1400" dirty="0"/>
+          </a:p>
+        </p:txBody>
+      </p:sp>
+      <p:pic>
+        <p:nvPicPr>
+          <p:cNvPr id="1026" name="Picture 2">
+            <a:extLst>
+              <a:ext uri="{FF2B5EF4-FFF2-40B4-BE49-F238E27FC236}">
+                <a16:creationId xmlns:a16="http://schemas.microsoft.com/office/drawing/2014/main" id="{689C14EF-2FF0-0219-6801-5C8E196810AC}"/>
+              </a:ext>
+            </a:extLst>
+          </p:cNvPr>
+          <p:cNvPicPr>
+            <a:picLocks noChangeAspect="1" noChangeArrowheads="1"/>
+          </p:cNvPicPr>
+          <p:nvPr/>
+        </p:nvPicPr>
+        <p:blipFill>
+          <a:blip r:embed="rId3">
+            <a:extLst>
+              <a:ext uri="{28A0092B-C50C-407E-A947-70E740481C1C}">
+                <a14:useLocalDpi xmlns:a14="http://schemas.microsoft.com/office/drawing/2010/main" val="0"/>
+              </a:ext>
+            </a:extLst>
+          </a:blip>
+          <a:srcRect/>
+          <a:stretch>
+            <a:fillRect/>
+          </a:stretch>
+        </p:blipFill>
+        <p:spPr bwMode="auto">
+          <a:xfrm>
+            <a:off x="1187624" y="5194499"/>
+            <a:ext cx="7186869" cy="953521"/>
+          </a:xfrm>
+          <a:prstGeom prst="rect">
+            <a:avLst/>
+          </a:prstGeom>
+          <a:noFill/>
+          <a:extLst>
+            <a:ext uri="{909E8E84-426E-40DD-AFC4-6F175D3DCCD1}">
+              <a14:hiddenFill xmlns:a14="http://schemas.microsoft.com/office/drawing/2010/main">
+                <a:solidFill>
+                  <a:srgbClr val="FFFFFF"/>
+                </a:solidFill>
+              </a14:hiddenFill>
+            </a:ext>
+          </a:extLst>
+        </p:spPr>
+      </p:pic>
+    </p:spTree>
+    <p:extLst>
+      <p:ext uri="{BB962C8B-B14F-4D97-AF65-F5344CB8AC3E}">
+        <p14:creationId xmlns:p14="http://schemas.microsoft.com/office/powerpoint/2010/main" val="2954296910"/>
+      </p:ext>
+    </p:extLst>
+  </p:cSld>
+  <p:clrMapOvr>
+    <a:masterClrMapping/>
+  </p:clrMapOvr>
+</p:sld>
+</file>
+
+<file path=ppt/slides/slide72.xml><?xml version="1.0" encoding="utf-8"?>
+<p:sld xmlns:a="http://schemas.openxmlformats.org/drawingml/2006/main" xmlns:r="http://schemas.openxmlformats.org/officeDocument/2006/relationships" xmlns:p="http://schemas.openxmlformats.org/presentationml/2006/main">
+  <p:cSld>
+    <p:spTree>
+      <p:nvGrpSpPr>
+        <p:cNvPr id="1" name=""/>
+        <p:cNvGrpSpPr/>
+        <p:nvPr/>
+      </p:nvGrpSpPr>
+      <p:grpSpPr>
+        <a:xfrm>
+          <a:off x="0" y="0"/>
+          <a:ext cx="0" cy="0"/>
+          <a:chOff x="0" y="0"/>
+          <a:chExt cx="0" cy="0"/>
+        </a:xfrm>
+      </p:grpSpPr>
+      <p:sp>
+        <p:nvSpPr>
+          <p:cNvPr id="2" name="Title 1">
+            <a:extLst>
+              <a:ext uri="{FF2B5EF4-FFF2-40B4-BE49-F238E27FC236}">
+                <a16:creationId xmlns:a16="http://schemas.microsoft.com/office/drawing/2014/main" id="{7445C673-9CD6-C0C9-D93A-24DD2EE1336D}"/>
+              </a:ext>
+            </a:extLst>
+          </p:cNvPr>
+          <p:cNvSpPr>
+            <a:spLocks noGrp="1"/>
+          </p:cNvSpPr>
+          <p:nvPr>
+            <p:ph type="title"/>
+          </p:nvPr>
+        </p:nvSpPr>
+        <p:spPr/>
+        <p:txBody>
+          <a:bodyPr>
+            <a:normAutofit fontScale="90000"/>
+          </a:bodyPr>
+          <a:lstStyle/>
+          <a:p>
+            <a:r>
+              <a:rPr lang="en-US" b="1" dirty="0"/>
+              <a:t>Circuit Breaker Pattern</a:t>
+            </a:r>
+            <a:br>
+              <a:rPr lang="en-US" b="1" dirty="0"/>
+            </a:br>
+            <a:r>
+              <a:rPr lang="en-US" b="1" dirty="0"/>
+              <a:t>	</a:t>
+            </a:r>
+            <a:endParaRPr lang="en-IN" dirty="0"/>
+          </a:p>
+        </p:txBody>
+      </p:sp>
+      <p:sp>
+        <p:nvSpPr>
+          <p:cNvPr id="3" name="Content Placeholder 2">
+            <a:extLst>
+              <a:ext uri="{FF2B5EF4-FFF2-40B4-BE49-F238E27FC236}">
+                <a16:creationId xmlns:a16="http://schemas.microsoft.com/office/drawing/2014/main" id="{9855E2D2-50A3-835B-A69D-C03620353814}"/>
+              </a:ext>
+            </a:extLst>
+          </p:cNvPr>
+          <p:cNvSpPr>
+            <a:spLocks noGrp="1"/>
+          </p:cNvSpPr>
+          <p:nvPr>
+            <p:ph idx="1"/>
+          </p:nvPr>
+        </p:nvSpPr>
+        <p:spPr/>
+        <p:txBody>
+          <a:bodyPr>
+            <a:normAutofit/>
+          </a:bodyPr>
+          <a:lstStyle/>
+          <a:p>
+            <a:r>
+              <a:rPr lang="en-US" sz="1400" dirty="0"/>
+              <a:t>Let’s consider below architecture in which Service B depends on Service C which has an issue. It is not behaving correctly. With this Retry Pattern, Service B will be sending multiple requests again and again to Service C assuming it will work. When there are hundreds of concurrent requests are sent to Service B which in turn would be bombarding Service C with Retry requests!</a:t>
+            </a:r>
+          </a:p>
+          <a:p>
+            <a:endParaRPr lang="en-US" sz="1400" dirty="0"/>
+          </a:p>
+          <a:p>
+            <a:endParaRPr lang="en-US" sz="1400" dirty="0"/>
+          </a:p>
+          <a:p>
+            <a:endParaRPr lang="en-US" sz="1400" dirty="0"/>
+          </a:p>
+          <a:p>
+            <a:endParaRPr lang="en-US" sz="1400" dirty="0"/>
+          </a:p>
+          <a:p>
+            <a:endParaRPr lang="en-US" sz="1400" dirty="0"/>
+          </a:p>
+          <a:p>
+            <a:endParaRPr lang="en-US" sz="1400" dirty="0"/>
+          </a:p>
+          <a:p>
+            <a:r>
+              <a:rPr lang="en-US" sz="1400" b="0" i="0" dirty="0">
+                <a:solidFill>
+                  <a:srgbClr val="212121"/>
+                </a:solidFill>
+                <a:effectLst/>
+              </a:rPr>
+              <a:t>This is where </a:t>
+            </a:r>
+            <a:r>
+              <a:rPr lang="en-US" sz="1400" b="1" i="1" dirty="0">
+                <a:solidFill>
+                  <a:srgbClr val="212121"/>
+                </a:solidFill>
+                <a:effectLst/>
+              </a:rPr>
+              <a:t>Circuit Breaker Pattern</a:t>
+            </a:r>
+            <a:r>
+              <a:rPr lang="en-US" sz="1400" b="0" i="0" dirty="0">
+                <a:solidFill>
+                  <a:srgbClr val="212121"/>
+                </a:solidFill>
+                <a:effectLst/>
+              </a:rPr>
+              <a:t> helps us! When the requests to Service B are continuously failing, what is the point for sending the requests to Service C? Circuit Breaker simply skips the calls to Service C and goes with the fall back method / default values instead for certain duration which is configurable. That is, it does not bombard Service C continuously. It gives Service C sometime to recover from failure. </a:t>
+            </a:r>
+            <a:r>
+              <a:rPr lang="en-US" sz="1400" b="1" i="1" dirty="0">
+                <a:solidFill>
+                  <a:srgbClr val="212121"/>
+                </a:solidFill>
+                <a:effectLst/>
+              </a:rPr>
+              <a:t>Circuit Breaker Pattern</a:t>
+            </a:r>
+            <a:r>
+              <a:rPr lang="en-US" sz="1400" b="0" i="0" dirty="0">
+                <a:solidFill>
+                  <a:srgbClr val="212121"/>
+                </a:solidFill>
+                <a:effectLst/>
+              </a:rPr>
+              <a:t> retries after some time and so on.</a:t>
+            </a:r>
+            <a:endParaRPr lang="en-US" sz="1400" dirty="0"/>
+          </a:p>
+          <a:p>
+            <a:endParaRPr lang="en-US" sz="1400" dirty="0"/>
+          </a:p>
+          <a:p>
+            <a:endParaRPr lang="en-US" sz="1400" dirty="0"/>
+          </a:p>
+          <a:p>
+            <a:endParaRPr lang="en-US" sz="1400" dirty="0"/>
+          </a:p>
+          <a:p>
+            <a:endParaRPr lang="en-US" sz="1400" dirty="0"/>
+          </a:p>
+          <a:p>
+            <a:endParaRPr lang="en-US" sz="1400" dirty="0"/>
+          </a:p>
+          <a:p>
+            <a:endParaRPr lang="en-IN" sz="1400" dirty="0"/>
+          </a:p>
+        </p:txBody>
+      </p:sp>
+      <p:pic>
+        <p:nvPicPr>
+          <p:cNvPr id="2050" name="Picture 2">
+            <a:extLst>
+              <a:ext uri="{FF2B5EF4-FFF2-40B4-BE49-F238E27FC236}">
+                <a16:creationId xmlns:a16="http://schemas.microsoft.com/office/drawing/2014/main" id="{B1171443-B0E3-EFA9-B84F-BD1C8416F97F}"/>
+              </a:ext>
+            </a:extLst>
+          </p:cNvPr>
+          <p:cNvPicPr>
+            <a:picLocks noChangeAspect="1" noChangeArrowheads="1"/>
+          </p:cNvPicPr>
+          <p:nvPr/>
+        </p:nvPicPr>
+        <p:blipFill>
+          <a:blip r:embed="rId2" cstate="print">
+            <a:extLst>
+              <a:ext uri="{28A0092B-C50C-407E-A947-70E740481C1C}">
+                <a14:useLocalDpi xmlns:a14="http://schemas.microsoft.com/office/drawing/2010/main" val="0"/>
+              </a:ext>
+            </a:extLst>
+          </a:blip>
+          <a:srcRect/>
+          <a:stretch>
+            <a:fillRect/>
+          </a:stretch>
+        </p:blipFill>
+        <p:spPr bwMode="auto">
+          <a:xfrm>
+            <a:off x="3059832" y="2492896"/>
+            <a:ext cx="3693616" cy="1509095"/>
+          </a:xfrm>
+          <a:prstGeom prst="rect">
+            <a:avLst/>
+          </a:prstGeom>
+          <a:noFill/>
+          <a:extLst>
+            <a:ext uri="{909E8E84-426E-40DD-AFC4-6F175D3DCCD1}">
+              <a14:hiddenFill xmlns:a14="http://schemas.microsoft.com/office/drawing/2010/main">
+                <a:solidFill>
+                  <a:srgbClr val="FFFFFF"/>
+                </a:solidFill>
+              </a14:hiddenFill>
+            </a:ext>
+          </a:extLst>
+        </p:spPr>
+      </p:pic>
+      <p:pic>
+        <p:nvPicPr>
+          <p:cNvPr id="2052" name="Picture 4" descr="circuit breaker pattern">
+            <a:extLst>
+              <a:ext uri="{FF2B5EF4-FFF2-40B4-BE49-F238E27FC236}">
+                <a16:creationId xmlns:a16="http://schemas.microsoft.com/office/drawing/2014/main" id="{C17D45A3-09E4-7264-22B9-0170E72795D9}"/>
+              </a:ext>
+            </a:extLst>
+          </p:cNvPr>
+          <p:cNvPicPr>
+            <a:picLocks noChangeAspect="1" noChangeArrowheads="1"/>
+          </p:cNvPicPr>
+          <p:nvPr/>
+        </p:nvPicPr>
+        <p:blipFill>
+          <a:blip r:embed="rId3" cstate="print">
+            <a:extLst>
+              <a:ext uri="{28A0092B-C50C-407E-A947-70E740481C1C}">
+                <a14:useLocalDpi xmlns:a14="http://schemas.microsoft.com/office/drawing/2010/main" val="0"/>
+              </a:ext>
+            </a:extLst>
+          </a:blip>
+          <a:srcRect/>
+          <a:stretch>
+            <a:fillRect/>
+          </a:stretch>
+        </p:blipFill>
+        <p:spPr bwMode="auto">
+          <a:xfrm>
+            <a:off x="2857016" y="5257800"/>
+            <a:ext cx="3429967" cy="1398065"/>
+          </a:xfrm>
+          <a:prstGeom prst="rect">
+            <a:avLst/>
+          </a:prstGeom>
+          <a:noFill/>
+          <a:extLst>
+            <a:ext uri="{909E8E84-426E-40DD-AFC4-6F175D3DCCD1}">
+              <a14:hiddenFill xmlns:a14="http://schemas.microsoft.com/office/drawing/2010/main">
+                <a:solidFill>
+                  <a:srgbClr val="FFFFFF"/>
+                </a:solidFill>
+              </a14:hiddenFill>
+            </a:ext>
+          </a:extLst>
+        </p:spPr>
+      </p:pic>
+    </p:spTree>
+    <p:extLst>
+      <p:ext uri="{BB962C8B-B14F-4D97-AF65-F5344CB8AC3E}">
+        <p14:creationId xmlns:p14="http://schemas.microsoft.com/office/powerpoint/2010/main" val="1706957989"/>
+      </p:ext>
+    </p:extLst>
+  </p:cSld>
+  <p:clrMapOvr>
+    <a:masterClrMapping/>
+  </p:clrMapOvr>
+</p:sld>
+</file>
+
+<file path=ppt/slides/slide73.xml><?xml version="1.0" encoding="utf-8"?>
+<p:sld xmlns:a="http://schemas.openxmlformats.org/drawingml/2006/main" xmlns:r="http://schemas.openxmlformats.org/officeDocument/2006/relationships" xmlns:p="http://schemas.openxmlformats.org/presentationml/2006/main">
+  <p:cSld>
+    <p:spTree>
+      <p:nvGrpSpPr>
+        <p:cNvPr id="1" name=""/>
+        <p:cNvGrpSpPr/>
+        <p:nvPr/>
+      </p:nvGrpSpPr>
+      <p:grpSpPr>
+        <a:xfrm>
+          <a:off x="0" y="0"/>
+          <a:ext cx="0" cy="0"/>
+          <a:chOff x="0" y="0"/>
+          <a:chExt cx="0" cy="0"/>
+        </a:xfrm>
+      </p:grpSpPr>
+      <p:sp>
+        <p:nvSpPr>
+          <p:cNvPr id="2" name="Title 1">
+            <a:extLst>
+              <a:ext uri="{FF2B5EF4-FFF2-40B4-BE49-F238E27FC236}">
+                <a16:creationId xmlns:a16="http://schemas.microsoft.com/office/drawing/2014/main" id="{D34FE4FE-C3AA-864D-31AE-3BCB12DEB041}"/>
+              </a:ext>
+            </a:extLst>
+          </p:cNvPr>
+          <p:cNvSpPr>
+            <a:spLocks noGrp="1"/>
+          </p:cNvSpPr>
+          <p:nvPr>
+            <p:ph type="title"/>
+          </p:nvPr>
+        </p:nvSpPr>
+        <p:spPr/>
+        <p:txBody>
+          <a:bodyPr>
+            <a:normAutofit/>
+          </a:bodyPr>
+          <a:lstStyle/>
+          <a:p>
+            <a:r>
+              <a:rPr lang="en-IN" sz="4000" b="1" dirty="0"/>
+              <a:t>Circuit Breaker Pattern – State</a:t>
+            </a:r>
+          </a:p>
+        </p:txBody>
+      </p:sp>
+      <p:sp>
+        <p:nvSpPr>
+          <p:cNvPr id="3" name="Content Placeholder 2">
+            <a:extLst>
+              <a:ext uri="{FF2B5EF4-FFF2-40B4-BE49-F238E27FC236}">
+                <a16:creationId xmlns:a16="http://schemas.microsoft.com/office/drawing/2014/main" id="{CD4250F0-B7A0-8AE0-4A3C-0B3AB1A2A747}"/>
+              </a:ext>
+            </a:extLst>
+          </p:cNvPr>
+          <p:cNvSpPr>
+            <a:spLocks noGrp="1"/>
+          </p:cNvSpPr>
+          <p:nvPr>
+            <p:ph idx="1"/>
+          </p:nvPr>
+        </p:nvSpPr>
+        <p:spPr/>
+        <p:txBody>
+          <a:bodyPr>
+            <a:normAutofit/>
+          </a:bodyPr>
+          <a:lstStyle/>
+          <a:p>
+            <a:r>
+              <a:rPr lang="en-US" sz="1400" dirty="0"/>
+              <a:t>Circuit Breaker maintains some states and its behavior would change depends on the state.</a:t>
+            </a:r>
+            <a:endParaRPr lang="en-IN" sz="1400" dirty="0"/>
+          </a:p>
+        </p:txBody>
+      </p:sp>
+      <p:pic>
+        <p:nvPicPr>
+          <p:cNvPr id="3074" name="Picture 2" descr="Screenshot from 2019-10-26 21-29-23">
+            <a:extLst>
+              <a:ext uri="{FF2B5EF4-FFF2-40B4-BE49-F238E27FC236}">
+                <a16:creationId xmlns:a16="http://schemas.microsoft.com/office/drawing/2014/main" id="{BDAA4F62-DEDC-41D1-65FF-5F9302AC3C79}"/>
+              </a:ext>
+            </a:extLst>
+          </p:cNvPr>
+          <p:cNvPicPr>
+            <a:picLocks noChangeAspect="1" noChangeArrowheads="1"/>
+          </p:cNvPicPr>
+          <p:nvPr/>
+        </p:nvPicPr>
+        <p:blipFill>
+          <a:blip r:embed="rId2">
+            <a:extLst>
+              <a:ext uri="{28A0092B-C50C-407E-A947-70E740481C1C}">
+                <a14:useLocalDpi xmlns:a14="http://schemas.microsoft.com/office/drawing/2010/main" val="0"/>
+              </a:ext>
+            </a:extLst>
+          </a:blip>
+          <a:srcRect/>
+          <a:stretch>
+            <a:fillRect/>
+          </a:stretch>
+        </p:blipFill>
+        <p:spPr bwMode="auto">
+          <a:xfrm>
+            <a:off x="2051720" y="1840801"/>
+            <a:ext cx="3876848" cy="1573012"/>
+          </a:xfrm>
+          <a:prstGeom prst="rect">
+            <a:avLst/>
+          </a:prstGeom>
+          <a:noFill/>
+          <a:extLst>
+            <a:ext uri="{909E8E84-426E-40DD-AFC4-6F175D3DCCD1}">
+              <a14:hiddenFill xmlns:a14="http://schemas.microsoft.com/office/drawing/2010/main">
+                <a:solidFill>
+                  <a:srgbClr val="FFFFFF"/>
+                </a:solidFill>
+              </a14:hiddenFill>
+            </a:ext>
+          </a:extLst>
+        </p:spPr>
+      </p:pic>
+      <p:graphicFrame>
+        <p:nvGraphicFramePr>
+          <p:cNvPr id="4" name="Table 3">
+            <a:extLst>
+              <a:ext uri="{FF2B5EF4-FFF2-40B4-BE49-F238E27FC236}">
+                <a16:creationId xmlns:a16="http://schemas.microsoft.com/office/drawing/2014/main" id="{99B16F21-7096-ABA5-DFB9-D5D50F538BB6}"/>
+              </a:ext>
+            </a:extLst>
+          </p:cNvPr>
+          <p:cNvGraphicFramePr>
+            <a:graphicFrameLocks noGrp="1"/>
+          </p:cNvGraphicFramePr>
+          <p:nvPr>
+            <p:extLst>
+              <p:ext uri="{D42A27DB-BD31-4B8C-83A1-F6EECF244321}">
+                <p14:modId xmlns:p14="http://schemas.microsoft.com/office/powerpoint/2010/main" val="211208852"/>
+              </p:ext>
+            </p:extLst>
+          </p:nvPr>
+        </p:nvGraphicFramePr>
+        <p:xfrm>
+          <a:off x="232048" y="3190747"/>
+          <a:ext cx="8679904" cy="3697760"/>
+        </p:xfrm>
+        <a:graphic>
+          <a:graphicData uri="http://schemas.openxmlformats.org/drawingml/2006/table">
+            <a:tbl>
+              <a:tblPr/>
+              <a:tblGrid>
+                <a:gridCol w="4339952">
+                  <a:extLst>
+                    <a:ext uri="{9D8B030D-6E8A-4147-A177-3AD203B41FA5}">
+                      <a16:colId xmlns:a16="http://schemas.microsoft.com/office/drawing/2014/main" val="2891774341"/>
+                    </a:ext>
+                  </a:extLst>
+                </a:gridCol>
+                <a:gridCol w="4339952">
+                  <a:extLst>
+                    <a:ext uri="{9D8B030D-6E8A-4147-A177-3AD203B41FA5}">
+                      <a16:colId xmlns:a16="http://schemas.microsoft.com/office/drawing/2014/main" val="2929393421"/>
+                    </a:ext>
+                  </a:extLst>
+                </a:gridCol>
+              </a:tblGrid>
+              <a:tr h="308416">
+                <a:tc>
+                  <a:txBody>
+                    <a:bodyPr/>
+                    <a:lstStyle/>
+                    <a:p>
+                      <a:pPr algn="ctr" fontAlgn="t" latinLnBrk="0"/>
+                      <a:r>
+                        <a:rPr lang="en-IN" sz="1400" b="1" dirty="0">
+                          <a:solidFill>
+                            <a:srgbClr val="FDF6E3"/>
+                          </a:solidFill>
+                          <a:effectLst/>
+                          <a:latin typeface="+mn-lt"/>
+                        </a:rPr>
+                        <a:t>State</a:t>
+                      </a:r>
+                    </a:p>
+                  </a:txBody>
+                  <a:tcPr marL="31085" marR="31085" marT="62170" marB="62170">
+                    <a:lnL w="7620" cap="flat" cmpd="sng" algn="ctr">
+                      <a:solidFill>
+                        <a:srgbClr val="656565"/>
+                      </a:solidFill>
+                      <a:prstDash val="solid"/>
+                      <a:round/>
+                      <a:headEnd type="none" w="med" len="med"/>
+                      <a:tailEnd type="none" w="med" len="med"/>
+                    </a:lnL>
+                    <a:lnR w="7620" cap="flat" cmpd="sng" algn="ctr">
+                      <a:solidFill>
+                        <a:srgbClr val="93A1A1"/>
+                      </a:solidFill>
+                      <a:prstDash val="solid"/>
+                      <a:round/>
+                      <a:headEnd type="none" w="med" len="med"/>
+                      <a:tailEnd type="none" w="med" len="med"/>
+                    </a:lnR>
+                    <a:lnT w="7620" cap="flat" cmpd="sng" algn="ctr">
+                      <a:solidFill>
+                        <a:srgbClr val="656565"/>
+                      </a:solidFill>
+                      <a:prstDash val="solid"/>
+                      <a:round/>
+                      <a:headEnd type="none" w="med" len="med"/>
+                      <a:tailEnd type="none" w="med" len="med"/>
+                    </a:lnT>
+                    <a:lnB w="7620" cap="flat" cmpd="sng" algn="ctr">
+                      <a:solidFill>
+                        <a:srgbClr val="656565"/>
+                      </a:solidFill>
+                      <a:prstDash val="solid"/>
+                      <a:round/>
+                      <a:headEnd type="none" w="med" len="med"/>
+                      <a:tailEnd type="none" w="med" len="med"/>
+                    </a:lnB>
+                    <a:solidFill>
+                      <a:srgbClr val="657B83"/>
+                    </a:solidFill>
+                  </a:tcPr>
+                </a:tc>
+                <a:tc>
+                  <a:txBody>
+                    <a:bodyPr/>
+                    <a:lstStyle/>
+                    <a:p>
+                      <a:pPr algn="ctr" fontAlgn="t" latinLnBrk="0"/>
+                      <a:r>
+                        <a:rPr lang="en-IN" sz="1400" b="1" dirty="0">
+                          <a:solidFill>
+                            <a:srgbClr val="FDF6E3"/>
+                          </a:solidFill>
+                          <a:effectLst/>
+                          <a:latin typeface="+mn-lt"/>
+                        </a:rPr>
+                        <a:t>Description</a:t>
+                      </a:r>
+                    </a:p>
+                  </a:txBody>
+                  <a:tcPr marL="31085" marR="31085" marT="62170" marB="62170">
+                    <a:lnL w="7620" cap="flat" cmpd="sng" algn="ctr">
+                      <a:solidFill>
+                        <a:srgbClr val="93A1A1"/>
+                      </a:solidFill>
+                      <a:prstDash val="solid"/>
+                      <a:round/>
+                      <a:headEnd type="none" w="med" len="med"/>
+                      <a:tailEnd type="none" w="med" len="med"/>
+                    </a:lnL>
+                    <a:lnR w="7620" cap="flat" cmpd="sng" algn="ctr">
+                      <a:solidFill>
+                        <a:srgbClr val="93A1A1"/>
+                      </a:solidFill>
+                      <a:prstDash val="solid"/>
+                      <a:round/>
+                      <a:headEnd type="none" w="med" len="med"/>
+                      <a:tailEnd type="none" w="med" len="med"/>
+                    </a:lnR>
+                    <a:lnT w="7620" cap="flat" cmpd="sng" algn="ctr">
+                      <a:solidFill>
+                        <a:srgbClr val="93A1A1"/>
+                      </a:solidFill>
+                      <a:prstDash val="solid"/>
+                      <a:round/>
+                      <a:headEnd type="none" w="med" len="med"/>
+                      <a:tailEnd type="none" w="med" len="med"/>
+                    </a:lnT>
+                    <a:lnB w="7620" cap="flat" cmpd="sng" algn="ctr">
+                      <a:solidFill>
+                        <a:srgbClr val="93A1A1"/>
+                      </a:solidFill>
+                      <a:prstDash val="solid"/>
+                      <a:round/>
+                      <a:headEnd type="none" w="med" len="med"/>
+                      <a:tailEnd type="none" w="med" len="med"/>
+                    </a:lnB>
+                    <a:solidFill>
+                      <a:srgbClr val="657B83"/>
+                    </a:solidFill>
+                  </a:tcPr>
+                </a:tc>
+                <a:extLst>
+                  <a:ext uri="{0D108BD9-81ED-4DB2-BD59-A6C34878D82A}">
+                    <a16:rowId xmlns:a16="http://schemas.microsoft.com/office/drawing/2014/main" val="592136464"/>
+                  </a:ext>
+                </a:extLst>
+              </a:tr>
+              <a:tr h="503274">
+                <a:tc>
+                  <a:txBody>
+                    <a:bodyPr/>
+                    <a:lstStyle/>
+                    <a:p>
+                      <a:pPr algn="l" fontAlgn="t" latinLnBrk="0"/>
+                      <a:r>
+                        <a:rPr lang="en-IN" sz="1400" b="1">
+                          <a:solidFill>
+                            <a:srgbClr val="002B36"/>
+                          </a:solidFill>
+                          <a:effectLst/>
+                          <a:latin typeface="+mn-lt"/>
+                        </a:rPr>
+                        <a:t>CLOSED</a:t>
+                      </a:r>
+                    </a:p>
+                  </a:txBody>
+                  <a:tcPr marL="31085" marR="31085" marT="62170" marB="62170">
+                    <a:lnL w="7620" cap="flat" cmpd="sng" algn="ctr">
+                      <a:solidFill>
+                        <a:srgbClr val="656565"/>
+                      </a:solidFill>
+                      <a:prstDash val="solid"/>
+                      <a:round/>
+                      <a:headEnd type="none" w="med" len="med"/>
+                      <a:tailEnd type="none" w="med" len="med"/>
+                    </a:lnL>
+                    <a:lnR w="7620" cap="flat" cmpd="sng" algn="ctr">
+                      <a:solidFill>
+                        <a:srgbClr val="93A1A1"/>
+                      </a:solidFill>
+                      <a:prstDash val="solid"/>
+                      <a:round/>
+                      <a:headEnd type="none" w="med" len="med"/>
+                      <a:tailEnd type="none" w="med" len="med"/>
+                    </a:lnR>
+                    <a:lnT w="7620" cap="flat" cmpd="sng" algn="ctr">
+                      <a:solidFill>
+                        <a:srgbClr val="656565"/>
+                      </a:solidFill>
+                      <a:prstDash val="solid"/>
+                      <a:round/>
+                      <a:headEnd type="none" w="med" len="med"/>
+                      <a:tailEnd type="none" w="med" len="med"/>
+                    </a:lnT>
+                    <a:lnB w="7620" cap="flat" cmpd="sng" algn="ctr">
+                      <a:solidFill>
+                        <a:srgbClr val="656565"/>
+                      </a:solidFill>
+                      <a:prstDash val="solid"/>
+                      <a:round/>
+                      <a:headEnd type="none" w="med" len="med"/>
+                      <a:tailEnd type="none" w="med" len="med"/>
+                    </a:lnB>
+                    <a:solidFill>
+                      <a:srgbClr val="FDF6E3"/>
+                    </a:solidFill>
+                  </a:tcPr>
+                </a:tc>
+                <a:tc>
+                  <a:txBody>
+                    <a:bodyPr/>
+                    <a:lstStyle/>
+                    <a:p>
+                      <a:pPr algn="l" fontAlgn="t" latinLnBrk="0"/>
+                      <a:r>
+                        <a:rPr lang="en-US" sz="1400">
+                          <a:solidFill>
+                            <a:srgbClr val="002B36"/>
+                          </a:solidFill>
+                          <a:effectLst/>
+                          <a:latin typeface="+mn-lt"/>
+                        </a:rPr>
+                        <a:t>Dependent service (Service C) is up. Requests for Service C is allowed.</a:t>
+                      </a:r>
+                    </a:p>
+                  </a:txBody>
+                  <a:tcPr marL="31085" marR="31085" marT="62170" marB="62170">
+                    <a:lnL w="7620" cap="flat" cmpd="sng" algn="ctr">
+                      <a:solidFill>
+                        <a:srgbClr val="93A1A1"/>
+                      </a:solidFill>
+                      <a:prstDash val="solid"/>
+                      <a:round/>
+                      <a:headEnd type="none" w="med" len="med"/>
+                      <a:tailEnd type="none" w="med" len="med"/>
+                    </a:lnL>
+                    <a:lnR w="7620" cap="flat" cmpd="sng" algn="ctr">
+                      <a:solidFill>
+                        <a:srgbClr val="93A1A1"/>
+                      </a:solidFill>
+                      <a:prstDash val="solid"/>
+                      <a:round/>
+                      <a:headEnd type="none" w="med" len="med"/>
+                      <a:tailEnd type="none" w="med" len="med"/>
+                    </a:lnR>
+                    <a:lnT w="7620" cap="flat" cmpd="sng" algn="ctr">
+                      <a:solidFill>
+                        <a:srgbClr val="93A1A1"/>
+                      </a:solidFill>
+                      <a:prstDash val="solid"/>
+                      <a:round/>
+                      <a:headEnd type="none" w="med" len="med"/>
+                      <a:tailEnd type="none" w="med" len="med"/>
+                    </a:lnT>
+                    <a:lnB w="7620" cap="flat" cmpd="sng" algn="ctr">
+                      <a:solidFill>
+                        <a:srgbClr val="93A1A1"/>
+                      </a:solidFill>
+                      <a:prstDash val="solid"/>
+                      <a:round/>
+                      <a:headEnd type="none" w="med" len="med"/>
+                      <a:tailEnd type="none" w="med" len="med"/>
+                    </a:lnB>
+                    <a:solidFill>
+                      <a:srgbClr val="FDF6E3"/>
+                    </a:solidFill>
+                  </a:tcPr>
+                </a:tc>
+                <a:extLst>
+                  <a:ext uri="{0D108BD9-81ED-4DB2-BD59-A6C34878D82A}">
+                    <a16:rowId xmlns:a16="http://schemas.microsoft.com/office/drawing/2014/main" val="251822991"/>
+                  </a:ext>
+                </a:extLst>
+              </a:tr>
+              <a:tr h="698133">
+                <a:tc>
+                  <a:txBody>
+                    <a:bodyPr/>
+                    <a:lstStyle/>
+                    <a:p>
+                      <a:pPr algn="l" fontAlgn="t" latinLnBrk="0"/>
+                      <a:r>
+                        <a:rPr lang="en-IN" sz="1400" b="1" dirty="0">
+                          <a:solidFill>
+                            <a:srgbClr val="002B36"/>
+                          </a:solidFill>
+                          <a:effectLst/>
+                          <a:latin typeface="+mn-lt"/>
+                        </a:rPr>
+                        <a:t>OPEN</a:t>
+                      </a:r>
+                    </a:p>
+                  </a:txBody>
+                  <a:tcPr marL="31085" marR="31085" marT="62170" marB="62170">
+                    <a:lnL w="7620" cap="flat" cmpd="sng" algn="ctr">
+                      <a:solidFill>
+                        <a:srgbClr val="656565"/>
+                      </a:solidFill>
+                      <a:prstDash val="solid"/>
+                      <a:round/>
+                      <a:headEnd type="none" w="med" len="med"/>
+                      <a:tailEnd type="none" w="med" len="med"/>
+                    </a:lnL>
+                    <a:lnR w="7620" cap="flat" cmpd="sng" algn="ctr">
+                      <a:solidFill>
+                        <a:srgbClr val="93A1A1"/>
+                      </a:solidFill>
+                      <a:prstDash val="solid"/>
+                      <a:round/>
+                      <a:headEnd type="none" w="med" len="med"/>
+                      <a:tailEnd type="none" w="med" len="med"/>
+                    </a:lnR>
+                    <a:lnT w="7620" cap="flat" cmpd="sng" algn="ctr">
+                      <a:solidFill>
+                        <a:srgbClr val="656565"/>
+                      </a:solidFill>
+                      <a:prstDash val="solid"/>
+                      <a:round/>
+                      <a:headEnd type="none" w="med" len="med"/>
+                      <a:tailEnd type="none" w="med" len="med"/>
+                    </a:lnT>
+                    <a:lnB w="7620" cap="flat" cmpd="sng" algn="ctr">
+                      <a:solidFill>
+                        <a:srgbClr val="93A1A1"/>
+                      </a:solidFill>
+                      <a:prstDash val="solid"/>
+                      <a:round/>
+                      <a:headEnd type="none" w="med" len="med"/>
+                      <a:tailEnd type="none" w="med" len="med"/>
+                    </a:lnB>
+                    <a:solidFill>
+                      <a:srgbClr val="FDF6E3"/>
+                    </a:solidFill>
+                  </a:tcPr>
+                </a:tc>
+                <a:tc>
+                  <a:txBody>
+                    <a:bodyPr/>
+                    <a:lstStyle/>
+                    <a:p>
+                      <a:pPr algn="l" fontAlgn="t" latinLnBrk="0"/>
+                      <a:r>
+                        <a:rPr lang="en-US" sz="1400">
+                          <a:solidFill>
+                            <a:srgbClr val="002B36"/>
+                          </a:solidFill>
+                          <a:effectLst/>
+                          <a:latin typeface="+mn-lt"/>
+                        </a:rPr>
+                        <a:t>Dependent service is unavailable / Error rate is beyond threshold.</a:t>
+                      </a:r>
+                      <a:br>
+                        <a:rPr lang="en-US" sz="1400">
+                          <a:solidFill>
+                            <a:srgbClr val="002B36"/>
+                          </a:solidFill>
+                          <a:effectLst/>
+                          <a:latin typeface="+mn-lt"/>
+                        </a:rPr>
+                      </a:br>
+                      <a:r>
+                        <a:rPr lang="en-US" sz="1400">
+                          <a:solidFill>
+                            <a:srgbClr val="002B36"/>
+                          </a:solidFill>
+                          <a:effectLst/>
+                          <a:latin typeface="+mn-lt"/>
+                        </a:rPr>
+                        <a:t>Requests for Service C is skipped</a:t>
+                      </a:r>
+                    </a:p>
+                  </a:txBody>
+                  <a:tcPr marL="31085" marR="31085" marT="62170" marB="62170">
+                    <a:lnL w="7620" cap="flat" cmpd="sng" algn="ctr">
+                      <a:solidFill>
+                        <a:srgbClr val="93A1A1"/>
+                      </a:solidFill>
+                      <a:prstDash val="solid"/>
+                      <a:round/>
+                      <a:headEnd type="none" w="med" len="med"/>
+                      <a:tailEnd type="none" w="med" len="med"/>
+                    </a:lnL>
+                    <a:lnR w="7620" cap="flat" cmpd="sng" algn="ctr">
+                      <a:solidFill>
+                        <a:srgbClr val="93A1A1"/>
+                      </a:solidFill>
+                      <a:prstDash val="solid"/>
+                      <a:round/>
+                      <a:headEnd type="none" w="med" len="med"/>
+                      <a:tailEnd type="none" w="med" len="med"/>
+                    </a:lnR>
+                    <a:lnT w="7620" cap="flat" cmpd="sng" algn="ctr">
+                      <a:solidFill>
+                        <a:srgbClr val="93A1A1"/>
+                      </a:solidFill>
+                      <a:prstDash val="solid"/>
+                      <a:round/>
+                      <a:headEnd type="none" w="med" len="med"/>
+                      <a:tailEnd type="none" w="med" len="med"/>
+                    </a:lnT>
+                    <a:lnB w="7620" cap="flat" cmpd="sng" algn="ctr">
+                      <a:solidFill>
+                        <a:srgbClr val="93A1A1"/>
+                      </a:solidFill>
+                      <a:prstDash val="solid"/>
+                      <a:round/>
+                      <a:headEnd type="none" w="med" len="med"/>
+                      <a:tailEnd type="none" w="med" len="med"/>
+                    </a:lnB>
+                    <a:solidFill>
+                      <a:srgbClr val="FDF6E3"/>
+                    </a:solidFill>
+                  </a:tcPr>
+                </a:tc>
+                <a:extLst>
+                  <a:ext uri="{0D108BD9-81ED-4DB2-BD59-A6C34878D82A}">
+                    <a16:rowId xmlns:a16="http://schemas.microsoft.com/office/drawing/2014/main" val="3011919856"/>
+                  </a:ext>
+                </a:extLst>
+              </a:tr>
+              <a:tr h="1878492">
+                <a:tc>
+                  <a:txBody>
+                    <a:bodyPr/>
+                    <a:lstStyle/>
+                    <a:p>
+                      <a:pPr algn="l" fontAlgn="t" latinLnBrk="0"/>
+                      <a:r>
+                        <a:rPr lang="en-IN" sz="1400" b="1">
+                          <a:solidFill>
+                            <a:srgbClr val="002B36"/>
+                          </a:solidFill>
+                          <a:effectLst/>
+                          <a:latin typeface="+mn-lt"/>
+                        </a:rPr>
+                        <a:t>HALF_OPEN</a:t>
+                      </a:r>
+                    </a:p>
+                  </a:txBody>
+                  <a:tcPr marL="31085" marR="31085" marT="62170" marB="62170">
+                    <a:lnL w="7620" cap="flat" cmpd="sng" algn="ctr">
+                      <a:solidFill>
+                        <a:srgbClr val="93A1A1"/>
+                      </a:solidFill>
+                      <a:prstDash val="solid"/>
+                      <a:round/>
+                      <a:headEnd type="none" w="med" len="med"/>
+                      <a:tailEnd type="none" w="med" len="med"/>
+                    </a:lnL>
+                    <a:lnR w="7620" cap="flat" cmpd="sng" algn="ctr">
+                      <a:solidFill>
+                        <a:srgbClr val="93A1A1"/>
+                      </a:solidFill>
+                      <a:prstDash val="solid"/>
+                      <a:round/>
+                      <a:headEnd type="none" w="med" len="med"/>
+                      <a:tailEnd type="none" w="med" len="med"/>
+                    </a:lnR>
+                    <a:lnT w="7620" cap="flat" cmpd="sng" algn="ctr">
+                      <a:solidFill>
+                        <a:srgbClr val="93A1A1"/>
+                      </a:solidFill>
+                      <a:prstDash val="solid"/>
+                      <a:round/>
+                      <a:headEnd type="none" w="med" len="med"/>
+                      <a:tailEnd type="none" w="med" len="med"/>
+                    </a:lnT>
+                    <a:lnB w="7620" cap="flat" cmpd="sng" algn="ctr">
+                      <a:solidFill>
+                        <a:srgbClr val="93A1A1"/>
+                      </a:solidFill>
+                      <a:prstDash val="solid"/>
+                      <a:round/>
+                      <a:headEnd type="none" w="med" len="med"/>
+                      <a:tailEnd type="none" w="med" len="med"/>
+                    </a:lnB>
+                    <a:solidFill>
+                      <a:srgbClr val="FDF6E3"/>
+                    </a:solidFill>
+                  </a:tcPr>
+                </a:tc>
+                <a:tc>
+                  <a:txBody>
+                    <a:bodyPr/>
+                    <a:lstStyle/>
+                    <a:p>
+                      <a:pPr algn="l" fontAlgn="t" latinLnBrk="0"/>
+                      <a:r>
+                        <a:rPr lang="en-US" sz="1400" dirty="0">
+                          <a:solidFill>
+                            <a:srgbClr val="002B36"/>
+                          </a:solidFill>
+                          <a:effectLst/>
+                          <a:latin typeface="+mn-lt"/>
+                        </a:rPr>
+                        <a:t>Once the state becomes OPEN, We do wait for sometime in the OPEN state.</a:t>
+                      </a:r>
+                      <a:br>
+                        <a:rPr lang="en-US" sz="1400" dirty="0">
+                          <a:solidFill>
+                            <a:srgbClr val="002B36"/>
+                          </a:solidFill>
+                          <a:effectLst/>
+                          <a:latin typeface="+mn-lt"/>
+                        </a:rPr>
+                      </a:br>
+                      <a:r>
+                        <a:rPr lang="en-US" sz="1400" dirty="0">
+                          <a:solidFill>
+                            <a:srgbClr val="002B36"/>
+                          </a:solidFill>
+                          <a:effectLst/>
+                          <a:latin typeface="+mn-lt"/>
+                        </a:rPr>
+                        <a:t>After certain duration, the state becomes HALF_OPEN.</a:t>
+                      </a:r>
+                      <a:br>
+                        <a:rPr lang="en-US" sz="1400" dirty="0">
+                          <a:solidFill>
+                            <a:srgbClr val="002B36"/>
+                          </a:solidFill>
+                          <a:effectLst/>
+                          <a:latin typeface="+mn-lt"/>
+                        </a:rPr>
+                      </a:br>
+                      <a:r>
+                        <a:rPr lang="en-US" sz="1400" dirty="0">
+                          <a:solidFill>
+                            <a:srgbClr val="002B36"/>
+                          </a:solidFill>
+                          <a:effectLst/>
+                          <a:latin typeface="+mn-lt"/>
+                        </a:rPr>
+                        <a:t>During this period, we do send some requests to Service C to check if we still get the proper response.</a:t>
+                      </a:r>
+                      <a:br>
+                        <a:rPr lang="en-US" sz="1400" dirty="0">
+                          <a:solidFill>
+                            <a:srgbClr val="002B36"/>
+                          </a:solidFill>
+                          <a:effectLst/>
+                          <a:latin typeface="+mn-lt"/>
+                        </a:rPr>
+                      </a:br>
+                      <a:r>
+                        <a:rPr lang="en-US" sz="1400" dirty="0">
+                          <a:solidFill>
+                            <a:srgbClr val="002B36"/>
+                          </a:solidFill>
+                          <a:effectLst/>
+                          <a:latin typeface="+mn-lt"/>
+                        </a:rPr>
+                        <a:t>If the failure rate is below the threshold, the state would become CLOSED.</a:t>
+                      </a:r>
+                      <a:br>
+                        <a:rPr lang="en-US" sz="1400" dirty="0">
+                          <a:solidFill>
+                            <a:srgbClr val="002B36"/>
+                          </a:solidFill>
+                          <a:effectLst/>
+                          <a:latin typeface="+mn-lt"/>
+                        </a:rPr>
+                      </a:br>
+                      <a:r>
+                        <a:rPr lang="en-US" sz="1400" dirty="0">
+                          <a:solidFill>
+                            <a:srgbClr val="002B36"/>
+                          </a:solidFill>
+                          <a:effectLst/>
+                          <a:latin typeface="+mn-lt"/>
+                        </a:rPr>
+                        <a:t>If the failure rate is above the threshold, then the state becomes OPEN once again. This cycle continues.</a:t>
+                      </a:r>
+                    </a:p>
+                  </a:txBody>
+                  <a:tcPr marL="31085" marR="31085" marT="62170" marB="62170">
+                    <a:lnL w="7620" cap="flat" cmpd="sng" algn="ctr">
+                      <a:solidFill>
+                        <a:srgbClr val="93A1A1"/>
+                      </a:solidFill>
+                      <a:prstDash val="solid"/>
+                      <a:round/>
+                      <a:headEnd type="none" w="med" len="med"/>
+                      <a:tailEnd type="none" w="med" len="med"/>
+                    </a:lnL>
+                    <a:lnR w="7620" cap="flat" cmpd="sng" algn="ctr">
+                      <a:solidFill>
+                        <a:srgbClr val="93A1A1"/>
+                      </a:solidFill>
+                      <a:prstDash val="solid"/>
+                      <a:round/>
+                      <a:headEnd type="none" w="med" len="med"/>
+                      <a:tailEnd type="none" w="med" len="med"/>
+                    </a:lnR>
+                    <a:lnT w="7620" cap="flat" cmpd="sng" algn="ctr">
+                      <a:solidFill>
+                        <a:srgbClr val="93A1A1"/>
+                      </a:solidFill>
+                      <a:prstDash val="solid"/>
+                      <a:round/>
+                      <a:headEnd type="none" w="med" len="med"/>
+                      <a:tailEnd type="none" w="med" len="med"/>
+                    </a:lnT>
+                    <a:lnB w="7620" cap="flat" cmpd="sng" algn="ctr">
+                      <a:solidFill>
+                        <a:srgbClr val="93A1A1"/>
+                      </a:solidFill>
+                      <a:prstDash val="solid"/>
+                      <a:round/>
+                      <a:headEnd type="none" w="med" len="med"/>
+                      <a:tailEnd type="none" w="med" len="med"/>
+                    </a:lnB>
+                    <a:solidFill>
+                      <a:srgbClr val="FDF6E3"/>
+                    </a:solidFill>
+                  </a:tcPr>
+                </a:tc>
+                <a:extLst>
+                  <a:ext uri="{0D108BD9-81ED-4DB2-BD59-A6C34878D82A}">
+                    <a16:rowId xmlns:a16="http://schemas.microsoft.com/office/drawing/2014/main" val="935226063"/>
+                  </a:ext>
+                </a:extLst>
+              </a:tr>
+            </a:tbl>
+          </a:graphicData>
+        </a:graphic>
+      </p:graphicFrame>
+    </p:spTree>
+    <p:extLst>
+      <p:ext uri="{BB962C8B-B14F-4D97-AF65-F5344CB8AC3E}">
+        <p14:creationId xmlns:p14="http://schemas.microsoft.com/office/powerpoint/2010/main" val="4097548024"/>
+      </p:ext>
+    </p:extLst>
+  </p:cSld>
+  <p:clrMapOvr>
+    <a:masterClrMapping/>
+  </p:clrMapOvr>
+</p:sld>
+</file>
+
+<file path=ppt/slides/slide74.xml><?xml version="1.0" encoding="utf-8"?>
+<p:sld xmlns:a="http://schemas.openxmlformats.org/drawingml/2006/main" xmlns:r="http://schemas.openxmlformats.org/officeDocument/2006/relationships" xmlns:p="http://schemas.openxmlformats.org/presentationml/2006/main">
+  <p:cSld>
+    <p:spTree>
+      <p:nvGrpSpPr>
+        <p:cNvPr id="1" name=""/>
+        <p:cNvGrpSpPr/>
+        <p:nvPr/>
+      </p:nvGrpSpPr>
+      <p:grpSpPr>
+        <a:xfrm>
+          <a:off x="0" y="0"/>
+          <a:ext cx="0" cy="0"/>
+          <a:chOff x="0" y="0"/>
+          <a:chExt cx="0" cy="0"/>
+        </a:xfrm>
+      </p:grpSpPr>
+      <p:sp>
+        <p:nvSpPr>
+          <p:cNvPr id="2" name="Title 1">
+            <a:extLst>
+              <a:ext uri="{FF2B5EF4-FFF2-40B4-BE49-F238E27FC236}">
+                <a16:creationId xmlns:a16="http://schemas.microsoft.com/office/drawing/2014/main" id="{359A26EA-88D5-2D60-3792-E9C45B6B721F}"/>
+              </a:ext>
+            </a:extLst>
+          </p:cNvPr>
+          <p:cNvSpPr>
+            <a:spLocks noGrp="1"/>
+          </p:cNvSpPr>
+          <p:nvPr>
+            <p:ph type="title"/>
+          </p:nvPr>
+        </p:nvSpPr>
+        <p:spPr/>
+        <p:txBody>
+          <a:bodyPr>
+            <a:normAutofit fontScale="90000"/>
+          </a:bodyPr>
+          <a:lstStyle/>
+          <a:p>
+            <a:r>
+              <a:rPr lang="en-IN" sz="4400" b="1" dirty="0"/>
+              <a:t>Circuit Breaker Pattern- Sample Application</a:t>
+            </a:r>
+            <a:endParaRPr lang="en-IN" dirty="0"/>
+          </a:p>
+        </p:txBody>
+      </p:sp>
+      <p:sp>
+        <p:nvSpPr>
+          <p:cNvPr id="3" name="Content Placeholder 2">
+            <a:extLst>
+              <a:ext uri="{FF2B5EF4-FFF2-40B4-BE49-F238E27FC236}">
+                <a16:creationId xmlns:a16="http://schemas.microsoft.com/office/drawing/2014/main" id="{079BCDC5-BDC2-D307-A915-F4AE417CFD1E}"/>
+              </a:ext>
+            </a:extLst>
+          </p:cNvPr>
+          <p:cNvSpPr>
+            <a:spLocks noGrp="1"/>
+          </p:cNvSpPr>
+          <p:nvPr>
+            <p:ph idx="1"/>
+          </p:nvPr>
+        </p:nvSpPr>
+        <p:spPr/>
+        <p:txBody>
+          <a:bodyPr>
+            <a:normAutofit/>
+          </a:bodyPr>
+          <a:lstStyle/>
+          <a:p>
+            <a:pPr marL="0" indent="0">
+              <a:buNone/>
+            </a:pPr>
+            <a:r>
+              <a:rPr lang="en-US" sz="1400" b="0" i="0" dirty="0">
+                <a:solidFill>
+                  <a:srgbClr val="212121"/>
+                </a:solidFill>
+                <a:effectLst/>
+              </a:rPr>
+              <a:t>Let’s consider this simple application to explain this </a:t>
+            </a:r>
+            <a:r>
+              <a:rPr lang="en-US" sz="1400" b="1" i="1" dirty="0">
+                <a:solidFill>
+                  <a:srgbClr val="212121"/>
+                </a:solidFill>
+                <a:effectLst/>
+              </a:rPr>
+              <a:t>Circuit Breaker Pattern</a:t>
+            </a:r>
+            <a:r>
+              <a:rPr lang="en-US" sz="1400" b="0" i="0" dirty="0">
+                <a:solidFill>
+                  <a:srgbClr val="212121"/>
+                </a:solidFill>
+                <a:effectLst/>
+              </a:rPr>
+              <a:t>.</a:t>
+            </a:r>
+          </a:p>
+          <a:p>
+            <a:r>
+              <a:rPr lang="en-US" sz="1400" b="0" i="0" dirty="0">
+                <a:solidFill>
+                  <a:srgbClr val="212121"/>
+                </a:solidFill>
+                <a:effectLst/>
+              </a:rPr>
+              <a:t>We have multiple Microservices as shown above</a:t>
+            </a:r>
+          </a:p>
+          <a:p>
+            <a:r>
+              <a:rPr lang="en-US" sz="1400" b="0" i="0" dirty="0">
+                <a:solidFill>
+                  <a:srgbClr val="212121"/>
+                </a:solidFill>
+                <a:effectLst/>
+              </a:rPr>
+              <a:t>Product service acts as product catalog and responsible for providing product information</a:t>
+            </a:r>
+          </a:p>
+          <a:p>
+            <a:r>
+              <a:rPr lang="en-US" sz="1400" b="0" i="0" dirty="0">
+                <a:solidFill>
+                  <a:srgbClr val="212121"/>
+                </a:solidFill>
+                <a:effectLst/>
+              </a:rPr>
+              <a:t>Product service depends on the rating service.</a:t>
+            </a:r>
+          </a:p>
+          <a:p>
+            <a:r>
+              <a:rPr lang="en-US" sz="1400" b="0" i="0" dirty="0">
+                <a:solidFill>
+                  <a:srgbClr val="212121"/>
+                </a:solidFill>
+                <a:effectLst/>
+              </a:rPr>
+              <a:t>Rating service maintains product reviews and ratings. It is notorious for being slow and throwing random errors.</a:t>
+            </a:r>
+          </a:p>
+          <a:p>
+            <a:r>
+              <a:rPr lang="en-US" sz="1400" b="0" i="0" dirty="0">
+                <a:solidFill>
+                  <a:srgbClr val="212121"/>
+                </a:solidFill>
+                <a:effectLst/>
+              </a:rPr>
+              <a:t>Whenever we look at the product details, product service sends the request to the rating service to get the reviews for the product.</a:t>
+            </a:r>
+          </a:p>
+          <a:p>
+            <a:r>
+              <a:rPr lang="en-US" sz="1400" b="0" i="0" dirty="0">
+                <a:solidFill>
+                  <a:srgbClr val="212121"/>
+                </a:solidFill>
+                <a:effectLst/>
+              </a:rPr>
+              <a:t>We have other services like account-service, order-service and payment-service </a:t>
+            </a:r>
+            <a:r>
+              <a:rPr lang="en-US" sz="1400" b="0" i="0" dirty="0" err="1">
+                <a:solidFill>
+                  <a:srgbClr val="212121"/>
+                </a:solidFill>
+                <a:effectLst/>
+              </a:rPr>
+              <a:t>etc</a:t>
+            </a:r>
+            <a:r>
+              <a:rPr lang="en-US" sz="1400" b="0" i="0" dirty="0">
+                <a:solidFill>
+                  <a:srgbClr val="212121"/>
+                </a:solidFill>
+                <a:effectLst/>
+              </a:rPr>
+              <a:t> which is not relevant to this article discussion.</a:t>
+            </a:r>
+          </a:p>
+          <a:p>
+            <a:r>
+              <a:rPr lang="en-US" sz="1400" b="0" i="0" dirty="0">
+                <a:solidFill>
+                  <a:srgbClr val="212121"/>
+                </a:solidFill>
+                <a:effectLst/>
+              </a:rPr>
+              <a:t>Product service is a core service without which the user can not start the order workflow.</a:t>
+            </a:r>
+          </a:p>
+          <a:p>
+            <a:endParaRPr lang="en-IN" sz="1400" dirty="0"/>
+          </a:p>
+        </p:txBody>
+      </p:sp>
+      <p:pic>
+        <p:nvPicPr>
+          <p:cNvPr id="4098" name="Picture 2">
+            <a:extLst>
+              <a:ext uri="{FF2B5EF4-FFF2-40B4-BE49-F238E27FC236}">
+                <a16:creationId xmlns:a16="http://schemas.microsoft.com/office/drawing/2014/main" id="{C915DB22-96A4-F8BB-60C4-DA5E99062CCE}"/>
+              </a:ext>
+            </a:extLst>
+          </p:cNvPr>
+          <p:cNvPicPr>
+            <a:picLocks noChangeAspect="1" noChangeArrowheads="1"/>
+          </p:cNvPicPr>
+          <p:nvPr/>
+        </p:nvPicPr>
+        <p:blipFill>
+          <a:blip r:embed="rId3" cstate="print">
+            <a:extLst>
+              <a:ext uri="{28A0092B-C50C-407E-A947-70E740481C1C}">
+                <a14:useLocalDpi xmlns:a14="http://schemas.microsoft.com/office/drawing/2010/main" val="0"/>
+              </a:ext>
+            </a:extLst>
+          </a:blip>
+          <a:srcRect/>
+          <a:stretch>
+            <a:fillRect/>
+          </a:stretch>
+        </p:blipFill>
+        <p:spPr bwMode="auto">
+          <a:xfrm>
+            <a:off x="4860032" y="4332843"/>
+            <a:ext cx="3685097" cy="2223214"/>
+          </a:xfrm>
+          <a:prstGeom prst="rect">
+            <a:avLst/>
+          </a:prstGeom>
+          <a:noFill/>
+          <a:extLst>
+            <a:ext uri="{909E8E84-426E-40DD-AFC4-6F175D3DCCD1}">
+              <a14:hiddenFill xmlns:a14="http://schemas.microsoft.com/office/drawing/2010/main">
+                <a:solidFill>
+                  <a:srgbClr val="FFFFFF"/>
+                </a:solidFill>
+              </a14:hiddenFill>
+            </a:ext>
+          </a:extLst>
+        </p:spPr>
+      </p:pic>
+    </p:spTree>
+    <p:extLst>
+      <p:ext uri="{BB962C8B-B14F-4D97-AF65-F5344CB8AC3E}">
+        <p14:creationId xmlns:p14="http://schemas.microsoft.com/office/powerpoint/2010/main" val="4155364764"/>
+      </p:ext>
+    </p:extLst>
+  </p:cSld>
+  <p:clrMapOvr>
+    <a:masterClrMapping/>
+  </p:clrMapOvr>
+</p:sld>
+</file>
+
+<file path=ppt/slides/slide75.xml><?xml version="1.0" encoding="utf-8"?>
 <p:sld xmlns:a="http://schemas.openxmlformats.org/drawingml/2006/main" xmlns:r="http://schemas.openxmlformats.org/officeDocument/2006/relationships" xmlns:p="http://schemas.openxmlformats.org/presentationml/2006/main">
   <p:cSld>
     <p:spTree>
